--- a/murach_html_4e/slides/Chapter 1 slides (Revised).pptx
+++ b/murach_html_4e/slides/Chapter 1 slides (Revised).pptx
@@ -5,55 +5,56 @@
     <p:sldMasterId id="2147483673" r:id="rId1"/>
   </p:sldMasterIdLst>
   <p:notesMasterIdLst>
-    <p:notesMasterId r:id="rId45"/>
+    <p:notesMasterId r:id="rId46"/>
   </p:notesMasterIdLst>
   <p:handoutMasterIdLst>
-    <p:handoutMasterId r:id="rId46"/>
+    <p:handoutMasterId r:id="rId47"/>
   </p:handoutMasterIdLst>
   <p:sldIdLst>
-    <p:sldId id="256" r:id="rId2"/>
-    <p:sldId id="257" r:id="rId3"/>
-    <p:sldId id="258" r:id="rId4"/>
-    <p:sldId id="259" r:id="rId5"/>
-    <p:sldId id="260" r:id="rId6"/>
-    <p:sldId id="261" r:id="rId7"/>
-    <p:sldId id="262" r:id="rId8"/>
-    <p:sldId id="263" r:id="rId9"/>
-    <p:sldId id="264" r:id="rId10"/>
-    <p:sldId id="265" r:id="rId11"/>
-    <p:sldId id="266" r:id="rId12"/>
-    <p:sldId id="267" r:id="rId13"/>
-    <p:sldId id="268" r:id="rId14"/>
-    <p:sldId id="269" r:id="rId15"/>
-    <p:sldId id="270" r:id="rId16"/>
-    <p:sldId id="271" r:id="rId17"/>
-    <p:sldId id="296" r:id="rId18"/>
-    <p:sldId id="272" r:id="rId19"/>
-    <p:sldId id="273" r:id="rId20"/>
-    <p:sldId id="274" r:id="rId21"/>
-    <p:sldId id="275" r:id="rId22"/>
-    <p:sldId id="276" r:id="rId23"/>
-    <p:sldId id="278" r:id="rId24"/>
-    <p:sldId id="277" r:id="rId25"/>
-    <p:sldId id="279" r:id="rId26"/>
-    <p:sldId id="295" r:id="rId27"/>
-    <p:sldId id="281" r:id="rId28"/>
-    <p:sldId id="282" r:id="rId29"/>
-    <p:sldId id="283" r:id="rId30"/>
-    <p:sldId id="284" r:id="rId31"/>
-    <p:sldId id="285" r:id="rId32"/>
-    <p:sldId id="297" r:id="rId33"/>
-    <p:sldId id="286" r:id="rId34"/>
-    <p:sldId id="287" r:id="rId35"/>
-    <p:sldId id="288" r:id="rId36"/>
-    <p:sldId id="289" r:id="rId37"/>
-    <p:sldId id="290" r:id="rId38"/>
-    <p:sldId id="291" r:id="rId39"/>
-    <p:sldId id="292" r:id="rId40"/>
-    <p:sldId id="293" r:id="rId41"/>
-    <p:sldId id="294" r:id="rId42"/>
-    <p:sldId id="298" r:id="rId43"/>
-    <p:sldId id="299" r:id="rId44"/>
+    <p:sldId id="300" r:id="rId2"/>
+    <p:sldId id="256" r:id="rId3"/>
+    <p:sldId id="257" r:id="rId4"/>
+    <p:sldId id="258" r:id="rId5"/>
+    <p:sldId id="259" r:id="rId6"/>
+    <p:sldId id="260" r:id="rId7"/>
+    <p:sldId id="261" r:id="rId8"/>
+    <p:sldId id="262" r:id="rId9"/>
+    <p:sldId id="263" r:id="rId10"/>
+    <p:sldId id="264" r:id="rId11"/>
+    <p:sldId id="265" r:id="rId12"/>
+    <p:sldId id="266" r:id="rId13"/>
+    <p:sldId id="267" r:id="rId14"/>
+    <p:sldId id="268" r:id="rId15"/>
+    <p:sldId id="269" r:id="rId16"/>
+    <p:sldId id="270" r:id="rId17"/>
+    <p:sldId id="271" r:id="rId18"/>
+    <p:sldId id="296" r:id="rId19"/>
+    <p:sldId id="272" r:id="rId20"/>
+    <p:sldId id="273" r:id="rId21"/>
+    <p:sldId id="274" r:id="rId22"/>
+    <p:sldId id="275" r:id="rId23"/>
+    <p:sldId id="276" r:id="rId24"/>
+    <p:sldId id="278" r:id="rId25"/>
+    <p:sldId id="277" r:id="rId26"/>
+    <p:sldId id="279" r:id="rId27"/>
+    <p:sldId id="295" r:id="rId28"/>
+    <p:sldId id="281" r:id="rId29"/>
+    <p:sldId id="282" r:id="rId30"/>
+    <p:sldId id="283" r:id="rId31"/>
+    <p:sldId id="284" r:id="rId32"/>
+    <p:sldId id="285" r:id="rId33"/>
+    <p:sldId id="297" r:id="rId34"/>
+    <p:sldId id="286" r:id="rId35"/>
+    <p:sldId id="287" r:id="rId36"/>
+    <p:sldId id="288" r:id="rId37"/>
+    <p:sldId id="289" r:id="rId38"/>
+    <p:sldId id="290" r:id="rId39"/>
+    <p:sldId id="291" r:id="rId40"/>
+    <p:sldId id="292" r:id="rId41"/>
+    <p:sldId id="293" r:id="rId42"/>
+    <p:sldId id="294" r:id="rId43"/>
+    <p:sldId id="298" r:id="rId44"/>
+    <p:sldId id="299" r:id="rId45"/>
   </p:sldIdLst>
   <p:sldSz cx="9144000" cy="6858000" type="screen4x3"/>
   <p:notesSz cx="7010400" cy="9296400"/>
@@ -372,7 +373,7 @@
               <a:pPr>
                 <a:defRPr/>
               </a:pPr>
-              <a:t>5/28/2019</a:t>
+              <a:t>6/3/2019</a:t>
             </a:fld>
             <a:endParaRPr lang="en-US"/>
           </a:p>
@@ -3574,10 +3575,38 @@
       </p:grpSpPr>
       <p:sp>
         <p:nvSpPr>
-          <p:cNvPr id="2" name="Text Placeholder 1">
-            <a:extLst>
-              <a:ext uri="{FF2B5EF4-FFF2-40B4-BE49-F238E27FC236}">
-                <a16:creationId xmlns:a16="http://schemas.microsoft.com/office/drawing/2014/main" id="{A683E44D-4E7B-4942-97AB-42AFF39D85D9}"/>
+          <p:cNvPr id="7" name="Title 6">
+            <a:extLst>
+              <a:ext uri="{FF2B5EF4-FFF2-40B4-BE49-F238E27FC236}">
+                <a16:creationId xmlns:a16="http://schemas.microsoft.com/office/drawing/2014/main" id="{D84A8262-6117-4A57-8C19-812811999396}"/>
+              </a:ext>
+            </a:extLst>
+          </p:cNvPr>
+          <p:cNvSpPr>
+            <a:spLocks noGrp="1"/>
+          </p:cNvSpPr>
+          <p:nvPr>
+            <p:ph type="title"/>
+          </p:nvPr>
+        </p:nvSpPr>
+        <p:spPr/>
+        <p:txBody>
+          <a:bodyPr/>
+          <a:lstStyle/>
+          <a:p>
+            <a:r>
+              <a:rPr lang="en-US" dirty="0"/>
+              <a:t>What is the internet?</a:t>
+            </a:r>
+          </a:p>
+        </p:txBody>
+      </p:sp>
+      <p:sp>
+        <p:nvSpPr>
+          <p:cNvPr id="8" name="Text Placeholder 7">
+            <a:extLst>
+              <a:ext uri="{FF2B5EF4-FFF2-40B4-BE49-F238E27FC236}">
+                <a16:creationId xmlns:a16="http://schemas.microsoft.com/office/drawing/2014/main" id="{64C9BED5-12B0-4E13-8124-7724663DD6F2}"/>
               </a:ext>
             </a:extLst>
           </p:cNvPr>
@@ -3593,83 +3622,107 @@
           <a:bodyPr/>
           <a:lstStyle/>
           <a:p>
-            <a:pPr>
-              <a:spcBef>
-                <a:spcPts val="2400"/>
-              </a:spcBef>
-              <a:spcAft>
-                <a:spcPts val="600"/>
-              </a:spcAft>
-              <a:tabLst>
-                <a:tab pos="1371600" algn="l"/>
-              </a:tabLst>
-            </a:pPr>
-            <a:r>
-              <a:rPr lang="en-US" dirty="0">
+            <a:endParaRPr lang="en-US" dirty="0"/>
+          </a:p>
+          <a:p>
+            <a:endParaRPr lang="en-US" dirty="0"/>
+          </a:p>
+          <a:p>
+            <a:r>
+              <a:rPr lang="en-US" dirty="0"/>
+              <a:t>What is the internet?</a:t>
+            </a:r>
+          </a:p>
+          <a:p>
+            <a:r>
+              <a:rPr lang="en-US" u="sng" dirty="0">
                 <a:solidFill>
-                  <a:srgbClr val="000000"/>
+                  <a:schemeClr val="accent2"/>
                 </a:solidFill>
-                <a:latin typeface="Arial" panose="020B0604020202020204" pitchFamily="34" charset="0"/>
-                <a:ea typeface="Times New Roman" panose="02020603050405020304" pitchFamily="18" charset="0"/>
-                <a:cs typeface="Times New Roman" panose="02020603050405020304" pitchFamily="18" charset="0"/>
-              </a:rPr>
-              <a:t>Introduction to web development</a:t>
-            </a:r>
-          </a:p>
-          <a:p>
-            <a:endParaRPr lang="en-US" dirty="0"/>
-          </a:p>
-        </p:txBody>
-      </p:sp>
-      <p:sp>
-        <p:nvSpPr>
-          <p:cNvPr id="3" name="Title 2">
-            <a:extLst>
-              <a:ext uri="{FF2B5EF4-FFF2-40B4-BE49-F238E27FC236}">
-                <a16:creationId xmlns:a16="http://schemas.microsoft.com/office/drawing/2014/main" id="{3D0D66C3-B4F9-4680-BE2F-E7D63605C468}"/>
-              </a:ext>
-            </a:extLst>
-          </p:cNvPr>
-          <p:cNvSpPr>
-            <a:spLocks noGrp="1"/>
-          </p:cNvSpPr>
-          <p:nvPr>
-            <p:ph type="title"/>
-          </p:nvPr>
-        </p:nvSpPr>
-        <p:spPr/>
-        <p:txBody>
-          <a:bodyPr/>
-          <a:lstStyle/>
-          <a:p>
-            <a:pPr marL="0" marR="0">
-              <a:spcBef>
-                <a:spcPts val="0"/>
-              </a:spcBef>
-              <a:spcAft>
-                <a:spcPts val="600"/>
-              </a:spcAft>
-              <a:tabLst>
-                <a:tab pos="1371600" algn="l"/>
-              </a:tabLst>
-            </a:pPr>
-            <a:r>
-              <a:rPr lang="en-US" dirty="0">
-                <a:solidFill>
-                  <a:schemeClr val="tx1"/>
-                </a:solidFill>
-                <a:latin typeface="Arial" panose="020B0604020202020204" pitchFamily="34" charset="0"/>
-                <a:ea typeface="Times New Roman" panose="02020603050405020304" pitchFamily="18" charset="0"/>
-                <a:cs typeface="Times New Roman" panose="02020603050405020304" pitchFamily="18" charset="0"/>
-              </a:rPr>
-              <a:t>Chapter 1</a:t>
+                <a:hlinkClick r:id="rId2">
+                  <a:extLst>
+                    <a:ext uri="{A12FA001-AC4F-418D-AE19-62706E023703}">
+                      <ahyp:hlinkClr xmlns:ahyp="http://schemas.microsoft.com/office/drawing/2018/hyperlinkcolor" val="tx"/>
+                    </a:ext>
+                  </a:extLst>
+                </a:hlinkClick>
+              </a:rPr>
+              <a:t>https://youtu.be/Dxcc6ycZ73M</a:t>
             </a:r>
             <a:endParaRPr lang="en-US" dirty="0">
               <a:solidFill>
-                <a:schemeClr val="tx1"/>
+                <a:schemeClr val="accent2"/>
               </a:solidFill>
             </a:endParaRPr>
           </a:p>
+          <a:p>
+            <a:endParaRPr lang="en-US" dirty="0"/>
+          </a:p>
+          <a:p>
+            <a:r>
+              <a:rPr lang="en-US" dirty="0"/>
+              <a:t>Internet Infrastructure as Fast As Possible</a:t>
+            </a:r>
+          </a:p>
+          <a:p>
+            <a:r>
+              <a:rPr lang="en-US" u="sng" dirty="0">
+                <a:solidFill>
+                  <a:schemeClr val="accent2"/>
+                </a:solidFill>
+                <a:hlinkClick r:id="rId3">
+                  <a:extLst>
+                    <a:ext uri="{A12FA001-AC4F-418D-AE19-62706E023703}">
+                      <ahyp:hlinkClr xmlns:ahyp="http://schemas.microsoft.com/office/drawing/2018/hyperlinkcolor" val="tx"/>
+                    </a:ext>
+                  </a:extLst>
+                </a:hlinkClick>
+              </a:rPr>
+              <a:t>https://youtu.be/n71TUnTNdw8</a:t>
+            </a:r>
+            <a:endParaRPr lang="en-US" dirty="0">
+              <a:solidFill>
+                <a:schemeClr val="accent2"/>
+              </a:solidFill>
+            </a:endParaRPr>
+          </a:p>
+          <a:p>
+            <a:endParaRPr lang="en-US" dirty="0"/>
+          </a:p>
+          <a:p>
+            <a:r>
+              <a:rPr lang="en-US" dirty="0"/>
+              <a:t>How the Internet Works for Developers</a:t>
+            </a:r>
+          </a:p>
+          <a:p>
+            <a:r>
+              <a:rPr lang="en-US" u="sng" dirty="0">
+                <a:solidFill>
+                  <a:schemeClr val="accent2"/>
+                </a:solidFill>
+                <a:hlinkClick r:id="rId4">
+                  <a:extLst>
+                    <a:ext uri="{A12FA001-AC4F-418D-AE19-62706E023703}">
+                      <ahyp:hlinkClr xmlns:ahyp="http://schemas.microsoft.com/office/drawing/2018/hyperlinkcolor" val="tx"/>
+                    </a:ext>
+                  </a:extLst>
+                </a:hlinkClick>
+              </a:rPr>
+              <a:t>https://youtu.be/e4S8zfLdLgQ</a:t>
+            </a:r>
+            <a:endParaRPr lang="en-US" dirty="0">
+              <a:solidFill>
+                <a:schemeClr val="accent2"/>
+              </a:solidFill>
+            </a:endParaRPr>
+          </a:p>
+          <a:p>
+            <a:br>
+              <a:rPr lang="en-US" dirty="0"/>
+            </a:br>
+            <a:endParaRPr lang="en-US" dirty="0"/>
+          </a:p>
         </p:txBody>
       </p:sp>
       <p:sp>
@@ -3677,7 +3730,7 @@
           <p:cNvPr id="4" name="Date Placeholder 3">
             <a:extLst>
               <a:ext uri="{FF2B5EF4-FFF2-40B4-BE49-F238E27FC236}">
-                <a16:creationId xmlns:a16="http://schemas.microsoft.com/office/drawing/2014/main" id="{63358075-7189-4561-A4E5-98C8C46EDDC9}"/>
+                <a16:creationId xmlns:a16="http://schemas.microsoft.com/office/drawing/2014/main" id="{975C2403-8261-4D4E-91E1-58C08814AF6C}"/>
               </a:ext>
             </a:extLst>
           </p:cNvPr>
@@ -3709,7 +3762,7 @@
           <p:cNvPr id="5" name="Footer Placeholder 4">
             <a:extLst>
               <a:ext uri="{FF2B5EF4-FFF2-40B4-BE49-F238E27FC236}">
-                <a16:creationId xmlns:a16="http://schemas.microsoft.com/office/drawing/2014/main" id="{122A3984-E668-431C-B47A-D79A7058C76A}"/>
+                <a16:creationId xmlns:a16="http://schemas.microsoft.com/office/drawing/2014/main" id="{E6D1F341-7312-4A56-9BEF-CFAC205CC87B}"/>
               </a:ext>
             </a:extLst>
           </p:cNvPr>
@@ -3741,7 +3794,7 @@
           <p:cNvPr id="6" name="Slide Number Placeholder 5">
             <a:extLst>
               <a:ext uri="{FF2B5EF4-FFF2-40B4-BE49-F238E27FC236}">
-                <a16:creationId xmlns:a16="http://schemas.microsoft.com/office/drawing/2014/main" id="{4AFF6169-E941-478B-83FF-531399080CB6}"/>
+                <a16:creationId xmlns:a16="http://schemas.microsoft.com/office/drawing/2014/main" id="{06FDAA01-06BC-40D7-A872-159405949C26}"/>
               </a:ext>
             </a:extLst>
           </p:cNvPr>
@@ -3760,7 +3813,7 @@
             <a:pPr algn="l">
               <a:defRPr/>
             </a:pPr>
-            <a:endParaRPr lang="en-US" sz="1400" dirty="0">
+            <a:endParaRPr lang="en-US" sz="1400">
               <a:latin typeface="Times New Roman"/>
             </a:endParaRPr>
           </a:p>
@@ -3769,12 +3822,12 @@
               <a:defRPr/>
             </a:pPr>
             <a:r>
-              <a:rPr lang="en-US" dirty="0">
+              <a:rPr lang="en-US">
                 <a:solidFill>
                   <a:schemeClr val="bg1"/>
                 </a:solidFill>
               </a:rPr>
-              <a:t>C1, Slide </a:t>
+              <a:t>C12, Slide </a:t>
             </a:r>
             <a:fld id="{BF5C1183-B085-4070-A402-C03A3F977D3D}" type="slidenum">
               <a:rPr lang="en-US" smtClean="0">
@@ -3798,7 +3851,7 @@
     </p:spTree>
     <p:extLst>
       <p:ext uri="{BB962C8B-B14F-4D97-AF65-F5344CB8AC3E}">
-        <p14:creationId xmlns:p14="http://schemas.microsoft.com/office/powerpoint/2010/main" val="777766547"/>
+        <p14:creationId xmlns:p14="http://schemas.microsoft.com/office/powerpoint/2010/main" val="882964453"/>
       </p:ext>
     </p:extLst>
   </p:cSld>
@@ -3830,7 +3883,7 @@
           <p:cNvPr id="2" name="Title 1">
             <a:extLst>
               <a:ext uri="{FF2B5EF4-FFF2-40B4-BE49-F238E27FC236}">
-                <a16:creationId xmlns:a16="http://schemas.microsoft.com/office/drawing/2014/main" id="{6CBD8AC4-7AF0-40E1-9B37-4A8B67DF860C}"/>
+                <a16:creationId xmlns:a16="http://schemas.microsoft.com/office/drawing/2014/main" id="{32E1A74A-F7E6-47A3-A8AE-3EDB33EB04E1}"/>
               </a:ext>
             </a:extLst>
           </p:cNvPr>
@@ -3863,157 +3916,50 @@
                 <a:ea typeface="Times New Roman" panose="02020603050405020304" pitchFamily="18" charset="0"/>
                 <a:cs typeface="Times New Roman" panose="02020603050405020304" pitchFamily="18" charset="0"/>
               </a:rPr>
-              <a:t>Web browsers</a:t>
+              <a:t>How a web server processes a dynamic web page</a:t>
             </a:r>
             <a:endParaRPr lang="en-US" dirty="0"/>
           </a:p>
         </p:txBody>
       </p:sp>
-      <p:sp>
-        <p:nvSpPr>
-          <p:cNvPr id="3" name="Text Placeholder 2">
-            <a:extLst>
-              <a:ext uri="{FF2B5EF4-FFF2-40B4-BE49-F238E27FC236}">
-                <a16:creationId xmlns:a16="http://schemas.microsoft.com/office/drawing/2014/main" id="{566C46A5-297C-4A30-BCCA-C6AD4CE606C7}"/>
-              </a:ext>
-            </a:extLst>
-          </p:cNvPr>
-          <p:cNvSpPr>
-            <a:spLocks noGrp="1"/>
-          </p:cNvSpPr>
-          <p:nvPr>
-            <p:ph type="body" sz="quarter" idx="13"/>
-          </p:nvPr>
-        </p:nvSpPr>
-        <p:spPr/>
-        <p:txBody>
-          <a:bodyPr/>
-          <a:lstStyle/>
-          <a:p>
-            <a:pPr marL="342900" marR="274320" lvl="0" indent="-342900">
-              <a:spcBef>
-                <a:spcPts val="0"/>
-              </a:spcBef>
-              <a:spcAft>
-                <a:spcPts val="600"/>
-              </a:spcAft>
-              <a:buFont typeface="Symbol" panose="05050102010706020507" pitchFamily="18" charset="2"/>
-              <a:buChar char=""/>
-            </a:pPr>
-            <a:r>
-              <a:rPr lang="en-US" spc="-10" dirty="0">
-                <a:latin typeface="Times New Roman" panose="02020603050405020304" pitchFamily="18" charset="0"/>
-                <a:ea typeface="Times New Roman" panose="02020603050405020304" pitchFamily="18" charset="0"/>
-              </a:rPr>
-              <a:t>Chrome</a:t>
-            </a:r>
-          </a:p>
-          <a:p>
-            <a:pPr marL="342900" marR="274320" lvl="0" indent="-342900">
-              <a:spcBef>
-                <a:spcPts val="0"/>
-              </a:spcBef>
-              <a:spcAft>
-                <a:spcPts val="600"/>
-              </a:spcAft>
-              <a:buFont typeface="Symbol" panose="05050102010706020507" pitchFamily="18" charset="2"/>
-              <a:buChar char=""/>
-            </a:pPr>
-            <a:r>
-              <a:rPr lang="en-US" spc="-10" dirty="0">
-                <a:latin typeface="Times New Roman" panose="02020603050405020304" pitchFamily="18" charset="0"/>
-                <a:ea typeface="Times New Roman" panose="02020603050405020304" pitchFamily="18" charset="0"/>
-              </a:rPr>
-              <a:t>Firefox</a:t>
-            </a:r>
-          </a:p>
-          <a:p>
-            <a:pPr marL="342900" marR="274320" lvl="0" indent="-342900">
-              <a:spcBef>
-                <a:spcPts val="0"/>
-              </a:spcBef>
-              <a:spcAft>
-                <a:spcPts val="600"/>
-              </a:spcAft>
-              <a:buFont typeface="Symbol" panose="05050102010706020507" pitchFamily="18" charset="2"/>
-              <a:buChar char=""/>
-            </a:pPr>
-            <a:r>
-              <a:rPr lang="en-US" spc="-10" dirty="0">
-                <a:latin typeface="Times New Roman" panose="02020603050405020304" pitchFamily="18" charset="0"/>
-                <a:ea typeface="Times New Roman" panose="02020603050405020304" pitchFamily="18" charset="0"/>
-              </a:rPr>
-              <a:t>Edge</a:t>
-            </a:r>
-          </a:p>
-          <a:p>
-            <a:pPr marL="342900" marR="274320" lvl="0" indent="-342900">
-              <a:spcBef>
-                <a:spcPts val="0"/>
-              </a:spcBef>
-              <a:spcAft>
-                <a:spcPts val="600"/>
-              </a:spcAft>
-              <a:buFont typeface="Symbol" panose="05050102010706020507" pitchFamily="18" charset="2"/>
-              <a:buChar char=""/>
-            </a:pPr>
-            <a:r>
-              <a:rPr lang="en-US" spc="-10" dirty="0">
-                <a:latin typeface="Times New Roman" panose="02020603050405020304" pitchFamily="18" charset="0"/>
-                <a:ea typeface="Times New Roman" panose="02020603050405020304" pitchFamily="18" charset="0"/>
-              </a:rPr>
-              <a:t>Internet Explorer</a:t>
-            </a:r>
-          </a:p>
-          <a:p>
-            <a:pPr marL="342900" marR="274320" lvl="0" indent="-342900">
-              <a:spcBef>
-                <a:spcPts val="0"/>
-              </a:spcBef>
-              <a:spcAft>
-                <a:spcPts val="600"/>
-              </a:spcAft>
-              <a:buFont typeface="Symbol" panose="05050102010706020507" pitchFamily="18" charset="2"/>
-              <a:buChar char=""/>
-            </a:pPr>
-            <a:r>
-              <a:rPr lang="en-US" spc="-10" dirty="0">
-                <a:latin typeface="Times New Roman" panose="02020603050405020304" pitchFamily="18" charset="0"/>
-                <a:ea typeface="Times New Roman" panose="02020603050405020304" pitchFamily="18" charset="0"/>
-              </a:rPr>
-              <a:t>Safari</a:t>
-            </a:r>
-          </a:p>
-          <a:p>
-            <a:pPr marL="342900" marR="274320" lvl="0" indent="-342900">
-              <a:spcBef>
-                <a:spcPts val="0"/>
-              </a:spcBef>
-              <a:spcAft>
-                <a:spcPts val="600"/>
-              </a:spcAft>
-              <a:buFont typeface="Symbol" panose="05050102010706020507" pitchFamily="18" charset="2"/>
-              <a:buChar char=""/>
-            </a:pPr>
-            <a:r>
-              <a:rPr lang="en-US" spc="-10" dirty="0">
-                <a:latin typeface="Times New Roman" panose="02020603050405020304" pitchFamily="18" charset="0"/>
-                <a:ea typeface="Times New Roman" panose="02020603050405020304" pitchFamily="18" charset="0"/>
-              </a:rPr>
-              <a:t>Opera</a:t>
-            </a:r>
-          </a:p>
-          <a:p>
-            <a:endParaRPr lang="en-US" dirty="0"/>
-          </a:p>
-        </p:txBody>
-      </p:sp>
+      <p:pic>
+        <p:nvPicPr>
+          <p:cNvPr id="7" name="Content Placeholder 6" descr="See page 8 in book" title="See slide title">
+            <a:extLst>
+              <a:ext uri="{FF2B5EF4-FFF2-40B4-BE49-F238E27FC236}">
+                <a16:creationId xmlns:a16="http://schemas.microsoft.com/office/drawing/2014/main" id="{802F656A-7F87-40BE-BCE8-B3108D098157}"/>
+              </a:ext>
+            </a:extLst>
+          </p:cNvPr>
+          <p:cNvPicPr>
+            <a:picLocks noGrp="1" noChangeAspect="1"/>
+          </p:cNvPicPr>
+          <p:nvPr>
+            <p:ph sz="quarter" idx="13"/>
+          </p:nvPr>
+        </p:nvPicPr>
+        <p:blipFill>
+          <a:blip r:embed="rId2"/>
+          <a:stretch>
+            <a:fillRect/>
+          </a:stretch>
+        </p:blipFill>
+        <p:spPr>
+          <a:xfrm>
+            <a:off x="762000" y="1295400"/>
+            <a:ext cx="6361905" cy="1333333"/>
+          </a:xfrm>
+          <a:prstGeom prst="rect">
+            <a:avLst/>
+          </a:prstGeom>
+        </p:spPr>
+      </p:pic>
       <p:sp>
         <p:nvSpPr>
           <p:cNvPr id="4" name="Date Placeholder 3">
             <a:extLst>
               <a:ext uri="{FF2B5EF4-FFF2-40B4-BE49-F238E27FC236}">
-                <a16:creationId xmlns:a16="http://schemas.microsoft.com/office/drawing/2014/main" id="{8BA5844C-850F-4E50-A1B8-AB6ADD47D6E5}"/>
+                <a16:creationId xmlns:a16="http://schemas.microsoft.com/office/drawing/2014/main" id="{1D392B26-0D9F-4E9E-8AAE-4A96996DB765}"/>
               </a:ext>
             </a:extLst>
           </p:cNvPr>
@@ -4045,7 +3991,7 @@
           <p:cNvPr id="5" name="Footer Placeholder 4">
             <a:extLst>
               <a:ext uri="{FF2B5EF4-FFF2-40B4-BE49-F238E27FC236}">
-                <a16:creationId xmlns:a16="http://schemas.microsoft.com/office/drawing/2014/main" id="{1737B383-E722-4984-A34B-B0A9A8849289}"/>
+                <a16:creationId xmlns:a16="http://schemas.microsoft.com/office/drawing/2014/main" id="{3544C6F7-BD4F-4386-B30D-B60FCC91A15F}"/>
               </a:ext>
             </a:extLst>
           </p:cNvPr>
@@ -4077,7 +4023,7 @@
           <p:cNvPr id="6" name="Slide Number Placeholder 5">
             <a:extLst>
               <a:ext uri="{FF2B5EF4-FFF2-40B4-BE49-F238E27FC236}">
-                <a16:creationId xmlns:a16="http://schemas.microsoft.com/office/drawing/2014/main" id="{8DAEDFD6-0A5E-4F50-9CEB-56E582C18ABC}"/>
+                <a16:creationId xmlns:a16="http://schemas.microsoft.com/office/drawing/2014/main" id="{2CC36E6C-3990-4516-8A19-CC92ADE36B19}"/>
               </a:ext>
             </a:extLst>
           </p:cNvPr>
@@ -4134,7 +4080,7 @@
     </p:spTree>
     <p:extLst>
       <p:ext uri="{BB962C8B-B14F-4D97-AF65-F5344CB8AC3E}">
-        <p14:creationId xmlns:p14="http://schemas.microsoft.com/office/powerpoint/2010/main" val="3724129721"/>
+        <p14:creationId xmlns:p14="http://schemas.microsoft.com/office/powerpoint/2010/main" val="1525016130"/>
       </p:ext>
     </p:extLst>
   </p:cSld>
@@ -4166,7 +4112,7 @@
           <p:cNvPr id="2" name="Title 1">
             <a:extLst>
               <a:ext uri="{FF2B5EF4-FFF2-40B4-BE49-F238E27FC236}">
-                <a16:creationId xmlns:a16="http://schemas.microsoft.com/office/drawing/2014/main" id="{C520BDD2-FF5E-4D90-AB06-63460CDE2B55}"/>
+                <a16:creationId xmlns:a16="http://schemas.microsoft.com/office/drawing/2014/main" id="{6CBD8AC4-7AF0-40E1-9B37-4A8B67DF860C}"/>
               </a:ext>
             </a:extLst>
           </p:cNvPr>
@@ -4199,7 +4145,7 @@
                 <a:ea typeface="Times New Roman" panose="02020603050405020304" pitchFamily="18" charset="0"/>
                 <a:cs typeface="Times New Roman" panose="02020603050405020304" pitchFamily="18" charset="0"/>
               </a:rPr>
-              <a:t>Server-side scripting languages</a:t>
+              <a:t>Web browsers</a:t>
             </a:r>
             <a:endParaRPr lang="en-US" dirty="0"/>
           </a:p>
@@ -4210,7 +4156,7 @@
           <p:cNvPr id="3" name="Text Placeholder 2">
             <a:extLst>
               <a:ext uri="{FF2B5EF4-FFF2-40B4-BE49-F238E27FC236}">
-                <a16:creationId xmlns:a16="http://schemas.microsoft.com/office/drawing/2014/main" id="{B353377E-B555-46C6-8B36-A3F2F1908DE1}"/>
+                <a16:creationId xmlns:a16="http://schemas.microsoft.com/office/drawing/2014/main" id="{566C46A5-297C-4A30-BCCA-C6AD4CE606C7}"/>
               </a:ext>
             </a:extLst>
           </p:cNvPr>
@@ -4241,7 +4187,7 @@
                 <a:latin typeface="Times New Roman" panose="02020603050405020304" pitchFamily="18" charset="0"/>
                 <a:ea typeface="Times New Roman" panose="02020603050405020304" pitchFamily="18" charset="0"/>
               </a:rPr>
-              <a:t>C#</a:t>
+              <a:t>Chrome</a:t>
             </a:r>
           </a:p>
           <a:p>
@@ -4260,7 +4206,7 @@
                 <a:latin typeface="Times New Roman" panose="02020603050405020304" pitchFamily="18" charset="0"/>
                 <a:ea typeface="Times New Roman" panose="02020603050405020304" pitchFamily="18" charset="0"/>
               </a:rPr>
-              <a:t>Java</a:t>
+              <a:t>Firefox</a:t>
             </a:r>
           </a:p>
           <a:p>
@@ -4279,7 +4225,7 @@
                 <a:latin typeface="Times New Roman" panose="02020603050405020304" pitchFamily="18" charset="0"/>
                 <a:ea typeface="Times New Roman" panose="02020603050405020304" pitchFamily="18" charset="0"/>
               </a:rPr>
-              <a:t>PHP</a:t>
+              <a:t>Edge</a:t>
             </a:r>
           </a:p>
           <a:p>
@@ -4298,7 +4244,7 @@
                 <a:latin typeface="Times New Roman" panose="02020603050405020304" pitchFamily="18" charset="0"/>
                 <a:ea typeface="Times New Roman" panose="02020603050405020304" pitchFamily="18" charset="0"/>
               </a:rPr>
-              <a:t>Ruby</a:t>
+              <a:t>Internet Explorer</a:t>
             </a:r>
           </a:p>
           <a:p>
@@ -4317,7 +4263,7 @@
                 <a:latin typeface="Times New Roman" panose="02020603050405020304" pitchFamily="18" charset="0"/>
                 <a:ea typeface="Times New Roman" panose="02020603050405020304" pitchFamily="18" charset="0"/>
               </a:rPr>
-              <a:t>Perl</a:t>
+              <a:t>Safari</a:t>
             </a:r>
           </a:p>
           <a:p>
@@ -4336,7 +4282,7 @@
                 <a:latin typeface="Times New Roman" panose="02020603050405020304" pitchFamily="18" charset="0"/>
                 <a:ea typeface="Times New Roman" panose="02020603050405020304" pitchFamily="18" charset="0"/>
               </a:rPr>
-              <a:t>Python</a:t>
+              <a:t>Opera</a:t>
             </a:r>
           </a:p>
           <a:p>
@@ -4349,7 +4295,7 @@
           <p:cNvPr id="4" name="Date Placeholder 3">
             <a:extLst>
               <a:ext uri="{FF2B5EF4-FFF2-40B4-BE49-F238E27FC236}">
-                <a16:creationId xmlns:a16="http://schemas.microsoft.com/office/drawing/2014/main" id="{E2CFD5C7-B2F3-479C-BF5E-5E18149296E0}"/>
+                <a16:creationId xmlns:a16="http://schemas.microsoft.com/office/drawing/2014/main" id="{8BA5844C-850F-4E50-A1B8-AB6ADD47D6E5}"/>
               </a:ext>
             </a:extLst>
           </p:cNvPr>
@@ -4381,7 +4327,7 @@
           <p:cNvPr id="5" name="Footer Placeholder 4">
             <a:extLst>
               <a:ext uri="{FF2B5EF4-FFF2-40B4-BE49-F238E27FC236}">
-                <a16:creationId xmlns:a16="http://schemas.microsoft.com/office/drawing/2014/main" id="{80AECFD2-340A-465A-8608-800AC6305EFA}"/>
+                <a16:creationId xmlns:a16="http://schemas.microsoft.com/office/drawing/2014/main" id="{1737B383-E722-4984-A34B-B0A9A8849289}"/>
               </a:ext>
             </a:extLst>
           </p:cNvPr>
@@ -4413,7 +4359,7 @@
           <p:cNvPr id="6" name="Slide Number Placeholder 5">
             <a:extLst>
               <a:ext uri="{FF2B5EF4-FFF2-40B4-BE49-F238E27FC236}">
-                <a16:creationId xmlns:a16="http://schemas.microsoft.com/office/drawing/2014/main" id="{5DBA5C58-BB1F-48F1-A3A2-08B349621CF8}"/>
+                <a16:creationId xmlns:a16="http://schemas.microsoft.com/office/drawing/2014/main" id="{8DAEDFD6-0A5E-4F50-9CEB-56E582C18ABC}"/>
               </a:ext>
             </a:extLst>
           </p:cNvPr>
@@ -4470,7 +4416,7 @@
     </p:spTree>
     <p:extLst>
       <p:ext uri="{BB962C8B-B14F-4D97-AF65-F5344CB8AC3E}">
-        <p14:creationId xmlns:p14="http://schemas.microsoft.com/office/powerpoint/2010/main" val="2961775901"/>
+        <p14:creationId xmlns:p14="http://schemas.microsoft.com/office/powerpoint/2010/main" val="3724129721"/>
       </p:ext>
     </p:extLst>
   </p:cSld>
@@ -4502,7 +4448,7 @@
           <p:cNvPr id="2" name="Title 1">
             <a:extLst>
               <a:ext uri="{FF2B5EF4-FFF2-40B4-BE49-F238E27FC236}">
-                <a16:creationId xmlns:a16="http://schemas.microsoft.com/office/drawing/2014/main" id="{044A7D69-C600-466D-BECB-B1764291FE5E}"/>
+                <a16:creationId xmlns:a16="http://schemas.microsoft.com/office/drawing/2014/main" id="{C520BDD2-FF5E-4D90-AB06-63460CDE2B55}"/>
               </a:ext>
             </a:extLst>
           </p:cNvPr>
@@ -4535,57 +4481,157 @@
                 <a:ea typeface="Times New Roman" panose="02020603050405020304" pitchFamily="18" charset="0"/>
                 <a:cs typeface="Times New Roman" panose="02020603050405020304" pitchFamily="18" charset="0"/>
               </a:rPr>
-              <a:t>A web page with image swaps and rollovers</a:t>
+              <a:t>Server-side scripting languages</a:t>
             </a:r>
             <a:endParaRPr lang="en-US" dirty="0"/>
           </a:p>
         </p:txBody>
       </p:sp>
-      <p:pic>
-        <p:nvPicPr>
-          <p:cNvPr id="7" name="Content Placeholder 6" descr="See page 12 in book" title="See slide title">
-            <a:hlinkClick r:id="rId2"/>
-            <a:extLst>
-              <a:ext uri="{FF2B5EF4-FFF2-40B4-BE49-F238E27FC236}">
-                <a16:creationId xmlns:a16="http://schemas.microsoft.com/office/drawing/2014/main" id="{9DDFF610-99D0-48E4-9AFC-08273A6AA3A3}"/>
-              </a:ext>
-            </a:extLst>
-          </p:cNvPr>
-          <p:cNvPicPr>
-            <a:picLocks noGrp="1"/>
-          </p:cNvPicPr>
-          <p:nvPr>
-            <p:ph sz="quarter" idx="13"/>
-          </p:nvPr>
-        </p:nvPicPr>
-        <p:blipFill>
-          <a:blip r:embed="rId3">
-            <a:extLst>
-              <a:ext uri="{28A0092B-C50C-407E-A947-70E740481C1C}">
-                <a14:useLocalDpi xmlns:a14="http://schemas.microsoft.com/office/drawing/2010/main" val="0"/>
-              </a:ext>
-            </a:extLst>
-          </a:blip>
-          <a:stretch>
-            <a:fillRect/>
-          </a:stretch>
-        </p:blipFill>
-        <p:spPr>
-          <a:xfrm>
-            <a:off x="914400" y="1165214"/>
-            <a:ext cx="7315200" cy="4756172"/>
-          </a:xfrm>
-          <a:prstGeom prst="rect">
-            <a:avLst/>
-          </a:prstGeom>
-        </p:spPr>
-      </p:pic>
+      <p:sp>
+        <p:nvSpPr>
+          <p:cNvPr id="3" name="Text Placeholder 2">
+            <a:extLst>
+              <a:ext uri="{FF2B5EF4-FFF2-40B4-BE49-F238E27FC236}">
+                <a16:creationId xmlns:a16="http://schemas.microsoft.com/office/drawing/2014/main" id="{B353377E-B555-46C6-8B36-A3F2F1908DE1}"/>
+              </a:ext>
+            </a:extLst>
+          </p:cNvPr>
+          <p:cNvSpPr>
+            <a:spLocks noGrp="1"/>
+          </p:cNvSpPr>
+          <p:nvPr>
+            <p:ph type="body" sz="quarter" idx="13"/>
+          </p:nvPr>
+        </p:nvSpPr>
+        <p:spPr/>
+        <p:txBody>
+          <a:bodyPr/>
+          <a:lstStyle/>
+          <a:p>
+            <a:pPr marL="342900" marR="274320" lvl="0" indent="-342900">
+              <a:spcBef>
+                <a:spcPts val="0"/>
+              </a:spcBef>
+              <a:spcAft>
+                <a:spcPts val="600"/>
+              </a:spcAft>
+              <a:buFont typeface="Symbol" panose="05050102010706020507" pitchFamily="18" charset="2"/>
+              <a:buChar char=""/>
+            </a:pPr>
+            <a:r>
+              <a:rPr lang="en-US" spc="-10" dirty="0">
+                <a:latin typeface="Times New Roman" panose="02020603050405020304" pitchFamily="18" charset="0"/>
+                <a:ea typeface="Times New Roman" panose="02020603050405020304" pitchFamily="18" charset="0"/>
+              </a:rPr>
+              <a:t>C#</a:t>
+            </a:r>
+          </a:p>
+          <a:p>
+            <a:pPr marL="342900" marR="274320" lvl="0" indent="-342900">
+              <a:spcBef>
+                <a:spcPts val="0"/>
+              </a:spcBef>
+              <a:spcAft>
+                <a:spcPts val="600"/>
+              </a:spcAft>
+              <a:buFont typeface="Symbol" panose="05050102010706020507" pitchFamily="18" charset="2"/>
+              <a:buChar char=""/>
+            </a:pPr>
+            <a:r>
+              <a:rPr lang="en-US" spc="-10" dirty="0">
+                <a:latin typeface="Times New Roman" panose="02020603050405020304" pitchFamily="18" charset="0"/>
+                <a:ea typeface="Times New Roman" panose="02020603050405020304" pitchFamily="18" charset="0"/>
+              </a:rPr>
+              <a:t>Java</a:t>
+            </a:r>
+          </a:p>
+          <a:p>
+            <a:pPr marL="342900" marR="274320" lvl="0" indent="-342900">
+              <a:spcBef>
+                <a:spcPts val="0"/>
+              </a:spcBef>
+              <a:spcAft>
+                <a:spcPts val="600"/>
+              </a:spcAft>
+              <a:buFont typeface="Symbol" panose="05050102010706020507" pitchFamily="18" charset="2"/>
+              <a:buChar char=""/>
+            </a:pPr>
+            <a:r>
+              <a:rPr lang="en-US" spc="-10" dirty="0">
+                <a:latin typeface="Times New Roman" panose="02020603050405020304" pitchFamily="18" charset="0"/>
+                <a:ea typeface="Times New Roman" panose="02020603050405020304" pitchFamily="18" charset="0"/>
+              </a:rPr>
+              <a:t>PHP</a:t>
+            </a:r>
+          </a:p>
+          <a:p>
+            <a:pPr marL="342900" marR="274320" lvl="0" indent="-342900">
+              <a:spcBef>
+                <a:spcPts val="0"/>
+              </a:spcBef>
+              <a:spcAft>
+                <a:spcPts val="600"/>
+              </a:spcAft>
+              <a:buFont typeface="Symbol" panose="05050102010706020507" pitchFamily="18" charset="2"/>
+              <a:buChar char=""/>
+            </a:pPr>
+            <a:r>
+              <a:rPr lang="en-US" spc="-10" dirty="0">
+                <a:latin typeface="Times New Roman" panose="02020603050405020304" pitchFamily="18" charset="0"/>
+                <a:ea typeface="Times New Roman" panose="02020603050405020304" pitchFamily="18" charset="0"/>
+              </a:rPr>
+              <a:t>Ruby</a:t>
+            </a:r>
+          </a:p>
+          <a:p>
+            <a:pPr marL="342900" marR="274320" lvl="0" indent="-342900">
+              <a:spcBef>
+                <a:spcPts val="0"/>
+              </a:spcBef>
+              <a:spcAft>
+                <a:spcPts val="600"/>
+              </a:spcAft>
+              <a:buFont typeface="Symbol" panose="05050102010706020507" pitchFamily="18" charset="2"/>
+              <a:buChar char=""/>
+            </a:pPr>
+            <a:r>
+              <a:rPr lang="en-US" spc="-10" dirty="0">
+                <a:latin typeface="Times New Roman" panose="02020603050405020304" pitchFamily="18" charset="0"/>
+                <a:ea typeface="Times New Roman" panose="02020603050405020304" pitchFamily="18" charset="0"/>
+              </a:rPr>
+              <a:t>Perl</a:t>
+            </a:r>
+          </a:p>
+          <a:p>
+            <a:pPr marL="342900" marR="274320" lvl="0" indent="-342900">
+              <a:spcBef>
+                <a:spcPts val="0"/>
+              </a:spcBef>
+              <a:spcAft>
+                <a:spcPts val="600"/>
+              </a:spcAft>
+              <a:buFont typeface="Symbol" panose="05050102010706020507" pitchFamily="18" charset="2"/>
+              <a:buChar char=""/>
+            </a:pPr>
+            <a:r>
+              <a:rPr lang="en-US" spc="-10" dirty="0">
+                <a:latin typeface="Times New Roman" panose="02020603050405020304" pitchFamily="18" charset="0"/>
+                <a:ea typeface="Times New Roman" panose="02020603050405020304" pitchFamily="18" charset="0"/>
+              </a:rPr>
+              <a:t>Python</a:t>
+            </a:r>
+          </a:p>
+          <a:p>
+            <a:endParaRPr lang="en-US" dirty="0"/>
+          </a:p>
+        </p:txBody>
+      </p:sp>
       <p:sp>
         <p:nvSpPr>
           <p:cNvPr id="4" name="Date Placeholder 3">
             <a:extLst>
               <a:ext uri="{FF2B5EF4-FFF2-40B4-BE49-F238E27FC236}">
-                <a16:creationId xmlns:a16="http://schemas.microsoft.com/office/drawing/2014/main" id="{7F65FDBB-EAB6-409C-8F87-5A39EEF346BC}"/>
+                <a16:creationId xmlns:a16="http://schemas.microsoft.com/office/drawing/2014/main" id="{E2CFD5C7-B2F3-479C-BF5E-5E18149296E0}"/>
               </a:ext>
             </a:extLst>
           </p:cNvPr>
@@ -4617,7 +4663,7 @@
           <p:cNvPr id="5" name="Footer Placeholder 4">
             <a:extLst>
               <a:ext uri="{FF2B5EF4-FFF2-40B4-BE49-F238E27FC236}">
-                <a16:creationId xmlns:a16="http://schemas.microsoft.com/office/drawing/2014/main" id="{C842A0C8-C59F-4006-B896-14483ADBFCAC}"/>
+                <a16:creationId xmlns:a16="http://schemas.microsoft.com/office/drawing/2014/main" id="{80AECFD2-340A-465A-8608-800AC6305EFA}"/>
               </a:ext>
             </a:extLst>
           </p:cNvPr>
@@ -4649,7 +4695,7 @@
           <p:cNvPr id="6" name="Slide Number Placeholder 5">
             <a:extLst>
               <a:ext uri="{FF2B5EF4-FFF2-40B4-BE49-F238E27FC236}">
-                <a16:creationId xmlns:a16="http://schemas.microsoft.com/office/drawing/2014/main" id="{E0F97704-F1CB-4CDC-BE27-E66F5D0A7598}"/>
+                <a16:creationId xmlns:a16="http://schemas.microsoft.com/office/drawing/2014/main" id="{5DBA5C58-BB1F-48F1-A3A2-08B349621CF8}"/>
               </a:ext>
             </a:extLst>
           </p:cNvPr>
@@ -4706,7 +4752,7 @@
     </p:spTree>
     <p:extLst>
       <p:ext uri="{BB962C8B-B14F-4D97-AF65-F5344CB8AC3E}">
-        <p14:creationId xmlns:p14="http://schemas.microsoft.com/office/powerpoint/2010/main" val="313591992"/>
+        <p14:creationId xmlns:p14="http://schemas.microsoft.com/office/powerpoint/2010/main" val="2961775901"/>
       </p:ext>
     </p:extLst>
   </p:cSld>
@@ -4738,7 +4784,7 @@
           <p:cNvPr id="2" name="Title 1">
             <a:extLst>
               <a:ext uri="{FF2B5EF4-FFF2-40B4-BE49-F238E27FC236}">
-                <a16:creationId xmlns:a16="http://schemas.microsoft.com/office/drawing/2014/main" id="{C3FB3ED0-3535-4004-B4BC-BEEC0D2E5704}"/>
+                <a16:creationId xmlns:a16="http://schemas.microsoft.com/office/drawing/2014/main" id="{044A7D69-C600-466D-BECB-B1764291FE5E}"/>
               </a:ext>
             </a:extLst>
           </p:cNvPr>
@@ -4771,7 +4817,7 @@
                 <a:ea typeface="Times New Roman" panose="02020603050405020304" pitchFamily="18" charset="0"/>
                 <a:cs typeface="Times New Roman" panose="02020603050405020304" pitchFamily="18" charset="0"/>
               </a:rPr>
-              <a:t>How JavaScript fits into this architecture</a:t>
+              <a:t>A web page with image swaps and rollovers</a:t>
             </a:r>
             <a:endParaRPr lang="en-US" dirty="0"/>
           </a:p>
@@ -4779,30 +4825,37 @@
       </p:sp>
       <p:pic>
         <p:nvPicPr>
-          <p:cNvPr id="7" name="Content Placeholder 6" descr="See page 12 in book" title="See slide title ">
-            <a:extLst>
-              <a:ext uri="{FF2B5EF4-FFF2-40B4-BE49-F238E27FC236}">
-                <a16:creationId xmlns:a16="http://schemas.microsoft.com/office/drawing/2014/main" id="{BB375DA2-83F9-4171-9AA5-92C895387FCF}"/>
+          <p:cNvPr id="7" name="Content Placeholder 6" descr="See page 12 in book" title="See slide title">
+            <a:hlinkClick r:id="rId2"/>
+            <a:extLst>
+              <a:ext uri="{FF2B5EF4-FFF2-40B4-BE49-F238E27FC236}">
+                <a16:creationId xmlns:a16="http://schemas.microsoft.com/office/drawing/2014/main" id="{9DDFF610-99D0-48E4-9AFC-08273A6AA3A3}"/>
               </a:ext>
             </a:extLst>
           </p:cNvPr>
           <p:cNvPicPr>
-            <a:picLocks noGrp="1" noChangeAspect="1"/>
+            <a:picLocks noGrp="1"/>
           </p:cNvPicPr>
           <p:nvPr>
             <p:ph sz="quarter" idx="13"/>
           </p:nvPr>
         </p:nvPicPr>
         <p:blipFill>
-          <a:blip r:embed="rId2"/>
+          <a:blip r:embed="rId3">
+            <a:extLst>
+              <a:ext uri="{28A0092B-C50C-407E-A947-70E740481C1C}">
+                <a14:useLocalDpi xmlns:a14="http://schemas.microsoft.com/office/drawing/2010/main" val="0"/>
+              </a:ext>
+            </a:extLst>
+          </a:blip>
           <a:stretch>
             <a:fillRect/>
           </a:stretch>
         </p:blipFill>
         <p:spPr>
           <a:xfrm>
-            <a:off x="762000" y="1226316"/>
-            <a:ext cx="5504762" cy="1619048"/>
+            <a:off x="914400" y="1165214"/>
+            <a:ext cx="7315200" cy="4756172"/>
           </a:xfrm>
           <a:prstGeom prst="rect">
             <a:avLst/>
@@ -4814,7 +4867,7 @@
           <p:cNvPr id="4" name="Date Placeholder 3">
             <a:extLst>
               <a:ext uri="{FF2B5EF4-FFF2-40B4-BE49-F238E27FC236}">
-                <a16:creationId xmlns:a16="http://schemas.microsoft.com/office/drawing/2014/main" id="{460C13D0-D53D-4770-B3E5-CF91336FFC23}"/>
+                <a16:creationId xmlns:a16="http://schemas.microsoft.com/office/drawing/2014/main" id="{7F65FDBB-EAB6-409C-8F87-5A39EEF346BC}"/>
               </a:ext>
             </a:extLst>
           </p:cNvPr>
@@ -4846,7 +4899,7 @@
           <p:cNvPr id="5" name="Footer Placeholder 4">
             <a:extLst>
               <a:ext uri="{FF2B5EF4-FFF2-40B4-BE49-F238E27FC236}">
-                <a16:creationId xmlns:a16="http://schemas.microsoft.com/office/drawing/2014/main" id="{5B402D6D-80B4-4865-8B67-8F7664681AFB}"/>
+                <a16:creationId xmlns:a16="http://schemas.microsoft.com/office/drawing/2014/main" id="{C842A0C8-C59F-4006-B896-14483ADBFCAC}"/>
               </a:ext>
             </a:extLst>
           </p:cNvPr>
@@ -4878,7 +4931,7 @@
           <p:cNvPr id="6" name="Slide Number Placeholder 5">
             <a:extLst>
               <a:ext uri="{FF2B5EF4-FFF2-40B4-BE49-F238E27FC236}">
-                <a16:creationId xmlns:a16="http://schemas.microsoft.com/office/drawing/2014/main" id="{C1F99BE0-53F1-4DF9-B543-1AF70AD3D10D}"/>
+                <a16:creationId xmlns:a16="http://schemas.microsoft.com/office/drawing/2014/main" id="{E0F97704-F1CB-4CDC-BE27-E66F5D0A7598}"/>
               </a:ext>
             </a:extLst>
           </p:cNvPr>
@@ -4935,7 +4988,7 @@
     </p:spTree>
     <p:extLst>
       <p:ext uri="{BB962C8B-B14F-4D97-AF65-F5344CB8AC3E}">
-        <p14:creationId xmlns:p14="http://schemas.microsoft.com/office/powerpoint/2010/main" val="2652190499"/>
+        <p14:creationId xmlns:p14="http://schemas.microsoft.com/office/powerpoint/2010/main" val="313591992"/>
       </p:ext>
     </p:extLst>
   </p:cSld>
@@ -4967,7 +5020,7 @@
           <p:cNvPr id="2" name="Title 1">
             <a:extLst>
               <a:ext uri="{FF2B5EF4-FFF2-40B4-BE49-F238E27FC236}">
-                <a16:creationId xmlns:a16="http://schemas.microsoft.com/office/drawing/2014/main" id="{EBB03A92-9D2A-4AA9-ADAD-471A5BAE3061}"/>
+                <a16:creationId xmlns:a16="http://schemas.microsoft.com/office/drawing/2014/main" id="{C3FB3ED0-3535-4004-B4BC-BEEC0D2E5704}"/>
               </a:ext>
             </a:extLst>
           </p:cNvPr>
@@ -5000,100 +5053,50 @@
                 <a:ea typeface="Times New Roman" panose="02020603050405020304" pitchFamily="18" charset="0"/>
                 <a:cs typeface="Times New Roman" panose="02020603050405020304" pitchFamily="18" charset="0"/>
               </a:rPr>
-              <a:t>Three of the common uses of JavaScript</a:t>
+              <a:t>How JavaScript fits into this architecture</a:t>
             </a:r>
             <a:endParaRPr lang="en-US" dirty="0"/>
           </a:p>
         </p:txBody>
       </p:sp>
-      <p:sp>
-        <p:nvSpPr>
-          <p:cNvPr id="3" name="Text Placeholder 2">
-            <a:extLst>
-              <a:ext uri="{FF2B5EF4-FFF2-40B4-BE49-F238E27FC236}">
-                <a16:creationId xmlns:a16="http://schemas.microsoft.com/office/drawing/2014/main" id="{5BF7308F-71FA-4166-B483-EED2164CBC62}"/>
-              </a:ext>
-            </a:extLst>
-          </p:cNvPr>
-          <p:cNvSpPr>
-            <a:spLocks noGrp="1"/>
-          </p:cNvSpPr>
-          <p:nvPr>
-            <p:ph type="body" sz="quarter" idx="13"/>
-          </p:nvPr>
-        </p:nvSpPr>
-        <p:spPr/>
-        <p:txBody>
-          <a:bodyPr/>
-          <a:lstStyle/>
-          <a:p>
-            <a:pPr marL="342900" marR="274320" lvl="0" indent="-342900">
-              <a:spcBef>
-                <a:spcPts val="0"/>
-              </a:spcBef>
-              <a:spcAft>
-                <a:spcPts val="600"/>
-              </a:spcAft>
-              <a:buFont typeface="Symbol" panose="05050102010706020507" pitchFamily="18" charset="2"/>
-              <a:buChar char=""/>
-            </a:pPr>
-            <a:r>
-              <a:rPr lang="en-US" spc="-10" dirty="0">
-                <a:latin typeface="Times New Roman" panose="02020603050405020304" pitchFamily="18" charset="0"/>
-                <a:ea typeface="Times New Roman" panose="02020603050405020304" pitchFamily="18" charset="0"/>
-              </a:rPr>
-              <a:t>Data validation</a:t>
-            </a:r>
-          </a:p>
-          <a:p>
-            <a:pPr marL="342900" marR="274320" lvl="0" indent="-342900">
-              <a:spcBef>
-                <a:spcPts val="0"/>
-              </a:spcBef>
-              <a:spcAft>
-                <a:spcPts val="600"/>
-              </a:spcAft>
-              <a:buFont typeface="Symbol" panose="05050102010706020507" pitchFamily="18" charset="2"/>
-              <a:buChar char=""/>
-            </a:pPr>
-            <a:r>
-              <a:rPr lang="en-US" spc="-10" dirty="0">
-                <a:latin typeface="Times New Roman" panose="02020603050405020304" pitchFamily="18" charset="0"/>
-                <a:ea typeface="Times New Roman" panose="02020603050405020304" pitchFamily="18" charset="0"/>
-              </a:rPr>
-              <a:t>Image swaps and rollovers</a:t>
-            </a:r>
-          </a:p>
-          <a:p>
-            <a:pPr marL="342900" marR="274320" lvl="0" indent="-342900">
-              <a:spcBef>
-                <a:spcPts val="0"/>
-              </a:spcBef>
-              <a:spcAft>
-                <a:spcPts val="600"/>
-              </a:spcAft>
-              <a:buFont typeface="Symbol" panose="05050102010706020507" pitchFamily="18" charset="2"/>
-              <a:buChar char=""/>
-            </a:pPr>
-            <a:r>
-              <a:rPr lang="en-US" spc="-10" dirty="0">
-                <a:latin typeface="Times New Roman" panose="02020603050405020304" pitchFamily="18" charset="0"/>
-                <a:ea typeface="Times New Roman" panose="02020603050405020304" pitchFamily="18" charset="0"/>
-              </a:rPr>
-              <a:t>Accordions</a:t>
-            </a:r>
-          </a:p>
-          <a:p>
-            <a:endParaRPr lang="en-US" dirty="0"/>
-          </a:p>
-        </p:txBody>
-      </p:sp>
+      <p:pic>
+        <p:nvPicPr>
+          <p:cNvPr id="7" name="Content Placeholder 6" descr="See page 12 in book" title="See slide title ">
+            <a:extLst>
+              <a:ext uri="{FF2B5EF4-FFF2-40B4-BE49-F238E27FC236}">
+                <a16:creationId xmlns:a16="http://schemas.microsoft.com/office/drawing/2014/main" id="{BB375DA2-83F9-4171-9AA5-92C895387FCF}"/>
+              </a:ext>
+            </a:extLst>
+          </p:cNvPr>
+          <p:cNvPicPr>
+            <a:picLocks noGrp="1" noChangeAspect="1"/>
+          </p:cNvPicPr>
+          <p:nvPr>
+            <p:ph sz="quarter" idx="13"/>
+          </p:nvPr>
+        </p:nvPicPr>
+        <p:blipFill>
+          <a:blip r:embed="rId2"/>
+          <a:stretch>
+            <a:fillRect/>
+          </a:stretch>
+        </p:blipFill>
+        <p:spPr>
+          <a:xfrm>
+            <a:off x="762000" y="1226316"/>
+            <a:ext cx="5504762" cy="1619048"/>
+          </a:xfrm>
+          <a:prstGeom prst="rect">
+            <a:avLst/>
+          </a:prstGeom>
+        </p:spPr>
+      </p:pic>
       <p:sp>
         <p:nvSpPr>
           <p:cNvPr id="4" name="Date Placeholder 3">
             <a:extLst>
               <a:ext uri="{FF2B5EF4-FFF2-40B4-BE49-F238E27FC236}">
-                <a16:creationId xmlns:a16="http://schemas.microsoft.com/office/drawing/2014/main" id="{5AC8D40C-6C7C-4A69-9E75-AD7EDEAFFC9E}"/>
+                <a16:creationId xmlns:a16="http://schemas.microsoft.com/office/drawing/2014/main" id="{460C13D0-D53D-4770-B3E5-CF91336FFC23}"/>
               </a:ext>
             </a:extLst>
           </p:cNvPr>
@@ -5125,7 +5128,7 @@
           <p:cNvPr id="5" name="Footer Placeholder 4">
             <a:extLst>
               <a:ext uri="{FF2B5EF4-FFF2-40B4-BE49-F238E27FC236}">
-                <a16:creationId xmlns:a16="http://schemas.microsoft.com/office/drawing/2014/main" id="{BF6A7A0B-2669-4EDF-BD63-266E4980E3C3}"/>
+                <a16:creationId xmlns:a16="http://schemas.microsoft.com/office/drawing/2014/main" id="{5B402D6D-80B4-4865-8B67-8F7664681AFB}"/>
               </a:ext>
             </a:extLst>
           </p:cNvPr>
@@ -5157,7 +5160,7 @@
           <p:cNvPr id="6" name="Slide Number Placeholder 5">
             <a:extLst>
               <a:ext uri="{FF2B5EF4-FFF2-40B4-BE49-F238E27FC236}">
-                <a16:creationId xmlns:a16="http://schemas.microsoft.com/office/drawing/2014/main" id="{801B51FD-DE7D-4667-9195-A012263DD18B}"/>
+                <a16:creationId xmlns:a16="http://schemas.microsoft.com/office/drawing/2014/main" id="{C1F99BE0-53F1-4DF9-B543-1AF70AD3D10D}"/>
               </a:ext>
             </a:extLst>
           </p:cNvPr>
@@ -5214,7 +5217,7 @@
     </p:spTree>
     <p:extLst>
       <p:ext uri="{BB962C8B-B14F-4D97-AF65-F5344CB8AC3E}">
-        <p14:creationId xmlns:p14="http://schemas.microsoft.com/office/powerpoint/2010/main" val="3274102528"/>
+        <p14:creationId xmlns:p14="http://schemas.microsoft.com/office/powerpoint/2010/main" val="2652190499"/>
       </p:ext>
     </p:extLst>
   </p:cSld>
@@ -5246,7 +5249,7 @@
           <p:cNvPr id="2" name="Title 1">
             <a:extLst>
               <a:ext uri="{FF2B5EF4-FFF2-40B4-BE49-F238E27FC236}">
-                <a16:creationId xmlns:a16="http://schemas.microsoft.com/office/drawing/2014/main" id="{5E9C0548-8B7C-493D-8FD7-212D42FAA904}"/>
+                <a16:creationId xmlns:a16="http://schemas.microsoft.com/office/drawing/2014/main" id="{EBB03A92-9D2A-4AA9-ADAD-471A5BAE3061}"/>
               </a:ext>
             </a:extLst>
           </p:cNvPr>
@@ -5279,7 +5282,7 @@
                 <a:ea typeface="Times New Roman" panose="02020603050405020304" pitchFamily="18" charset="0"/>
                 <a:cs typeface="Times New Roman" panose="02020603050405020304" pitchFamily="18" charset="0"/>
               </a:rPr>
-              <a:t>The code for an HTML file </a:t>
+              <a:t>Three of the common uses of JavaScript</a:t>
             </a:r>
             <a:endParaRPr lang="en-US" dirty="0"/>
           </a:p>
@@ -5290,7 +5293,7 @@
           <p:cNvPr id="3" name="Text Placeholder 2">
             <a:extLst>
               <a:ext uri="{FF2B5EF4-FFF2-40B4-BE49-F238E27FC236}">
-                <a16:creationId xmlns:a16="http://schemas.microsoft.com/office/drawing/2014/main" id="{96BA047C-C9C7-4F99-93F0-21450D625C38}"/>
+                <a16:creationId xmlns:a16="http://schemas.microsoft.com/office/drawing/2014/main" id="{5BF7308F-71FA-4166-B483-EED2164CBC62}"/>
               </a:ext>
             </a:extLst>
           </p:cNvPr>
@@ -5306,371 +5309,60 @@
           <a:bodyPr/>
           <a:lstStyle/>
           <a:p>
-            <a:pPr marL="347345" marR="0">
+            <a:pPr marL="342900" marR="274320" lvl="0" indent="-342900">
               <a:spcBef>
                 <a:spcPts val="0"/>
               </a:spcBef>
               <a:spcAft>
-                <a:spcPts val="0"/>
+                <a:spcPts val="600"/>
               </a:spcAft>
-              <a:tabLst>
-                <a:tab pos="1371600" algn="l"/>
-              </a:tabLst>
-            </a:pPr>
-            <a:r>
-              <a:rPr lang="en-US" sz="1600" b="1" dirty="0">
-                <a:latin typeface="Courier New" panose="02070309020205020404" pitchFamily="49" charset="0"/>
-                <a:ea typeface="Times New Roman" panose="02020603050405020304" pitchFamily="18" charset="0"/>
-                <a:cs typeface="Times New Roman" panose="02020603050405020304" pitchFamily="18" charset="0"/>
-              </a:rPr>
-              <a:t>&lt;!doctype html&gt;</a:t>
-            </a:r>
-          </a:p>
-          <a:p>
-            <a:pPr marL="347345" marR="0">
+              <a:buFont typeface="Symbol" panose="05050102010706020507" pitchFamily="18" charset="2"/>
+              <a:buChar char=""/>
+            </a:pPr>
+            <a:r>
+              <a:rPr lang="en-US" spc="-10" dirty="0">
+                <a:latin typeface="Times New Roman" panose="02020603050405020304" pitchFamily="18" charset="0"/>
+                <a:ea typeface="Times New Roman" panose="02020603050405020304" pitchFamily="18" charset="0"/>
+              </a:rPr>
+              <a:t>Data validation</a:t>
+            </a:r>
+          </a:p>
+          <a:p>
+            <a:pPr marL="342900" marR="274320" lvl="0" indent="-342900">
               <a:spcBef>
                 <a:spcPts val="0"/>
               </a:spcBef>
               <a:spcAft>
-                <a:spcPts val="0"/>
+                <a:spcPts val="600"/>
               </a:spcAft>
-              <a:tabLst>
-                <a:tab pos="1371600" algn="l"/>
-              </a:tabLst>
-            </a:pPr>
-            <a:r>
-              <a:rPr lang="en-US" sz="1600" b="1" dirty="0">
-                <a:latin typeface="Courier New" panose="02070309020205020404" pitchFamily="49" charset="0"/>
-                <a:ea typeface="Times New Roman" panose="02020603050405020304" pitchFamily="18" charset="0"/>
-                <a:cs typeface="Times New Roman" panose="02020603050405020304" pitchFamily="18" charset="0"/>
-              </a:rPr>
-              <a:t>&lt;html </a:t>
-            </a:r>
-            <a:r>
-              <a:rPr lang="en-US" sz="1600" b="1" dirty="0" err="1">
-                <a:latin typeface="Courier New" panose="02070309020205020404" pitchFamily="49" charset="0"/>
-                <a:ea typeface="Times New Roman" panose="02020603050405020304" pitchFamily="18" charset="0"/>
-                <a:cs typeface="Times New Roman" panose="02020603050405020304" pitchFamily="18" charset="0"/>
-              </a:rPr>
-              <a:t>lang</a:t>
-            </a:r>
-            <a:r>
-              <a:rPr lang="en-US" sz="1600" b="1" dirty="0">
-                <a:latin typeface="Courier New" panose="02070309020205020404" pitchFamily="49" charset="0"/>
-                <a:ea typeface="Times New Roman" panose="02020603050405020304" pitchFamily="18" charset="0"/>
-                <a:cs typeface="Times New Roman" panose="02020603050405020304" pitchFamily="18" charset="0"/>
-              </a:rPr>
-              <a:t>="</a:t>
-            </a:r>
-            <a:r>
-              <a:rPr lang="en-US" sz="1600" b="1" dirty="0" err="1">
-                <a:latin typeface="Courier New" panose="02070309020205020404" pitchFamily="49" charset="0"/>
-                <a:ea typeface="Times New Roman" panose="02020603050405020304" pitchFamily="18" charset="0"/>
-                <a:cs typeface="Times New Roman" panose="02020603050405020304" pitchFamily="18" charset="0"/>
-              </a:rPr>
-              <a:t>en</a:t>
-            </a:r>
-            <a:r>
-              <a:rPr lang="en-US" sz="1600" b="1" dirty="0">
-                <a:latin typeface="Courier New" panose="02070309020205020404" pitchFamily="49" charset="0"/>
-                <a:ea typeface="Times New Roman" panose="02020603050405020304" pitchFamily="18" charset="0"/>
-                <a:cs typeface="Times New Roman" panose="02020603050405020304" pitchFamily="18" charset="0"/>
-              </a:rPr>
-              <a:t>"&gt;</a:t>
-            </a:r>
-          </a:p>
-          <a:p>
-            <a:pPr marL="347345" marR="0">
+              <a:buFont typeface="Symbol" panose="05050102010706020507" pitchFamily="18" charset="2"/>
+              <a:buChar char=""/>
+            </a:pPr>
+            <a:r>
+              <a:rPr lang="en-US" spc="-10" dirty="0">
+                <a:latin typeface="Times New Roman" panose="02020603050405020304" pitchFamily="18" charset="0"/>
+                <a:ea typeface="Times New Roman" panose="02020603050405020304" pitchFamily="18" charset="0"/>
+              </a:rPr>
+              <a:t>Image swaps and rollovers</a:t>
+            </a:r>
+          </a:p>
+          <a:p>
+            <a:pPr marL="342900" marR="274320" lvl="0" indent="-342900">
               <a:spcBef>
                 <a:spcPts val="0"/>
               </a:spcBef>
               <a:spcAft>
-                <a:spcPts val="0"/>
+                <a:spcPts val="600"/>
               </a:spcAft>
-              <a:tabLst>
-                <a:tab pos="1371600" algn="l"/>
-              </a:tabLst>
-            </a:pPr>
-            <a:r>
-              <a:rPr lang="en-US" sz="1600" b="1" dirty="0">
-                <a:latin typeface="Courier New" panose="02070309020205020404" pitchFamily="49" charset="0"/>
-                <a:ea typeface="Times New Roman" panose="02020603050405020304" pitchFamily="18" charset="0"/>
-                <a:cs typeface="Times New Roman" panose="02020603050405020304" pitchFamily="18" charset="0"/>
-              </a:rPr>
-              <a:t>    &lt;head&gt;</a:t>
-            </a:r>
-          </a:p>
-          <a:p>
-            <a:pPr marL="347345" marR="0">
-              <a:spcBef>
-                <a:spcPts val="0"/>
-              </a:spcBef>
-              <a:spcAft>
-                <a:spcPts val="0"/>
-              </a:spcAft>
-              <a:tabLst>
-                <a:tab pos="1371600" algn="l"/>
-              </a:tabLst>
-            </a:pPr>
-            <a:r>
-              <a:rPr lang="en-US" sz="1600" b="1" dirty="0">
-                <a:latin typeface="Courier New" panose="02070309020205020404" pitchFamily="49" charset="0"/>
-                <a:ea typeface="Times New Roman" panose="02020603050405020304" pitchFamily="18" charset="0"/>
-                <a:cs typeface="Times New Roman" panose="02020603050405020304" pitchFamily="18" charset="0"/>
-              </a:rPr>
-              <a:t>        &lt;meta charset="utf-8"&gt;</a:t>
-            </a:r>
-          </a:p>
-          <a:p>
-            <a:pPr marL="347345" marR="0">
-              <a:spcBef>
-                <a:spcPts val="0"/>
-              </a:spcBef>
-              <a:spcAft>
-                <a:spcPts val="0"/>
-              </a:spcAft>
-              <a:tabLst>
-                <a:tab pos="1371600" algn="l"/>
-              </a:tabLst>
-            </a:pPr>
-            <a:r>
-              <a:rPr lang="en-US" sz="1600" b="1" dirty="0">
-                <a:latin typeface="Courier New" panose="02070309020205020404" pitchFamily="49" charset="0"/>
-                <a:ea typeface="Times New Roman" panose="02020603050405020304" pitchFamily="18" charset="0"/>
-                <a:cs typeface="Times New Roman" panose="02020603050405020304" pitchFamily="18" charset="0"/>
-              </a:rPr>
-              <a:t>        &lt;title&gt;JavaScript and jQuery book&lt;/title&gt;</a:t>
-            </a:r>
-          </a:p>
-          <a:p>
-            <a:pPr marL="347345" marR="0">
-              <a:spcBef>
-                <a:spcPts val="0"/>
-              </a:spcBef>
-              <a:spcAft>
-                <a:spcPts val="0"/>
-              </a:spcAft>
-              <a:tabLst>
-                <a:tab pos="1371600" algn="l"/>
-              </a:tabLst>
-            </a:pPr>
-            <a:r>
-              <a:rPr lang="en-US" sz="1600" b="1" dirty="0">
-                <a:latin typeface="Courier New" panose="02070309020205020404" pitchFamily="49" charset="0"/>
-                <a:ea typeface="Times New Roman" panose="02020603050405020304" pitchFamily="18" charset="0"/>
-                <a:cs typeface="Times New Roman" panose="02020603050405020304" pitchFamily="18" charset="0"/>
-              </a:rPr>
-              <a:t>    &lt;/head&gt;</a:t>
-            </a:r>
-          </a:p>
-          <a:p>
-            <a:pPr marL="347345" marR="0">
-              <a:spcBef>
-                <a:spcPts val="0"/>
-              </a:spcBef>
-              <a:spcAft>
-                <a:spcPts val="0"/>
-              </a:spcAft>
-              <a:tabLst>
-                <a:tab pos="1371600" algn="l"/>
-              </a:tabLst>
-            </a:pPr>
-            <a:r>
-              <a:rPr lang="en-US" sz="1600" b="1" dirty="0">
-                <a:latin typeface="Courier New" panose="02070309020205020404" pitchFamily="49" charset="0"/>
-                <a:ea typeface="Times New Roman" panose="02020603050405020304" pitchFamily="18" charset="0"/>
-                <a:cs typeface="Times New Roman" panose="02020603050405020304" pitchFamily="18" charset="0"/>
-              </a:rPr>
-              <a:t>    &lt;body&gt;</a:t>
-            </a:r>
-          </a:p>
-          <a:p>
-            <a:pPr marL="347345" marR="0">
-              <a:spcBef>
-                <a:spcPts val="0"/>
-              </a:spcBef>
-              <a:spcAft>
-                <a:spcPts val="0"/>
-              </a:spcAft>
-              <a:tabLst>
-                <a:tab pos="1371600" algn="l"/>
-              </a:tabLst>
-            </a:pPr>
-            <a:r>
-              <a:rPr lang="en-US" sz="1600" b="1" dirty="0">
-                <a:latin typeface="Courier New" panose="02070309020205020404" pitchFamily="49" charset="0"/>
-                <a:ea typeface="Times New Roman" panose="02020603050405020304" pitchFamily="18" charset="0"/>
-                <a:cs typeface="Times New Roman" panose="02020603050405020304" pitchFamily="18" charset="0"/>
-              </a:rPr>
-              <a:t>        &lt;h1&gt;JavaScript and jQuery (3rd Edition)&lt;/h1&gt;</a:t>
-            </a:r>
-          </a:p>
-          <a:p>
-            <a:pPr marL="347345" marR="0">
-              <a:spcBef>
-                <a:spcPts val="0"/>
-              </a:spcBef>
-              <a:spcAft>
-                <a:spcPts val="0"/>
-              </a:spcAft>
-              <a:tabLst>
-                <a:tab pos="1371600" algn="l"/>
-              </a:tabLst>
-            </a:pPr>
-            <a:r>
-              <a:rPr lang="en-US" sz="1600" b="1" dirty="0">
-                <a:latin typeface="Courier New" panose="02070309020205020404" pitchFamily="49" charset="0"/>
-                <a:ea typeface="Times New Roman" panose="02020603050405020304" pitchFamily="18" charset="0"/>
-                <a:cs typeface="Times New Roman" panose="02020603050405020304" pitchFamily="18" charset="0"/>
-              </a:rPr>
-              <a:t>        &lt;</a:t>
-            </a:r>
-            <a:r>
-              <a:rPr lang="en-US" sz="1600" b="1" dirty="0" err="1">
-                <a:latin typeface="Courier New" panose="02070309020205020404" pitchFamily="49" charset="0"/>
-                <a:ea typeface="Times New Roman" panose="02020603050405020304" pitchFamily="18" charset="0"/>
-                <a:cs typeface="Times New Roman" panose="02020603050405020304" pitchFamily="18" charset="0"/>
-              </a:rPr>
-              <a:t>img</a:t>
-            </a:r>
-            <a:r>
-              <a:rPr lang="en-US" sz="1600" b="1" dirty="0">
-                <a:latin typeface="Courier New" panose="02070309020205020404" pitchFamily="49" charset="0"/>
-                <a:ea typeface="Times New Roman" panose="02020603050405020304" pitchFamily="18" charset="0"/>
-                <a:cs typeface="Times New Roman" panose="02020603050405020304" pitchFamily="18" charset="0"/>
-              </a:rPr>
-              <a:t> </a:t>
-            </a:r>
-            <a:r>
-              <a:rPr lang="en-US" sz="1600" b="1" dirty="0" err="1">
-                <a:latin typeface="Courier New" panose="02070309020205020404" pitchFamily="49" charset="0"/>
-                <a:ea typeface="Times New Roman" panose="02020603050405020304" pitchFamily="18" charset="0"/>
-                <a:cs typeface="Times New Roman" panose="02020603050405020304" pitchFamily="18" charset="0"/>
-              </a:rPr>
-              <a:t>src</a:t>
-            </a:r>
-            <a:r>
-              <a:rPr lang="en-US" sz="1600" b="1" dirty="0">
-                <a:latin typeface="Courier New" panose="02070309020205020404" pitchFamily="49" charset="0"/>
-                <a:ea typeface="Times New Roman" panose="02020603050405020304" pitchFamily="18" charset="0"/>
-                <a:cs typeface="Times New Roman" panose="02020603050405020304" pitchFamily="18" charset="0"/>
-              </a:rPr>
-              <a:t>="javascript_jquery.jpg" </a:t>
-            </a:r>
-            <a:br>
-              <a:rPr lang="en-US" sz="1600" b="1" dirty="0">
-                <a:latin typeface="Courier New" panose="02070309020205020404" pitchFamily="49" charset="0"/>
-                <a:ea typeface="Times New Roman" panose="02020603050405020304" pitchFamily="18" charset="0"/>
-                <a:cs typeface="Times New Roman" panose="02020603050405020304" pitchFamily="18" charset="0"/>
-              </a:rPr>
-            </a:br>
-            <a:r>
-              <a:rPr lang="en-US" sz="1600" b="1" dirty="0">
-                <a:latin typeface="Courier New" panose="02070309020205020404" pitchFamily="49" charset="0"/>
-                <a:ea typeface="Times New Roman" panose="02020603050405020304" pitchFamily="18" charset="0"/>
-                <a:cs typeface="Times New Roman" panose="02020603050405020304" pitchFamily="18" charset="0"/>
-              </a:rPr>
-              <a:t>             alt="JavaScript and jQuery Book"&gt;</a:t>
-            </a:r>
-          </a:p>
-          <a:p>
-            <a:pPr marL="347345" marR="0">
-              <a:spcBef>
-                <a:spcPts val="0"/>
-              </a:spcBef>
-              <a:spcAft>
-                <a:spcPts val="0"/>
-              </a:spcAft>
-              <a:tabLst>
-                <a:tab pos="1371600" algn="l"/>
-              </a:tabLst>
-            </a:pPr>
-            <a:r>
-              <a:rPr lang="en-US" sz="1600" b="1" dirty="0">
-                <a:latin typeface="Courier New" panose="02070309020205020404" pitchFamily="49" charset="0"/>
-                <a:ea typeface="Times New Roman" panose="02020603050405020304" pitchFamily="18" charset="0"/>
-                <a:cs typeface="Times New Roman" panose="02020603050405020304" pitchFamily="18" charset="0"/>
-              </a:rPr>
-              <a:t>        &lt;p&gt;Today, ... does best.&lt;/p&gt;</a:t>
-            </a:r>
-          </a:p>
-          <a:p>
-            <a:pPr marL="347345" marR="0">
-              <a:spcBef>
-                <a:spcPts val="0"/>
-              </a:spcBef>
-              <a:spcAft>
-                <a:spcPts val="0"/>
-              </a:spcAft>
-              <a:tabLst>
-                <a:tab pos="1371600" algn="l"/>
-              </a:tabLst>
-            </a:pPr>
-            <a:r>
-              <a:rPr lang="en-US" sz="1600" b="1" dirty="0">
-                <a:latin typeface="Courier New" panose="02070309020205020404" pitchFamily="49" charset="0"/>
-                <a:ea typeface="Times New Roman" panose="02020603050405020304" pitchFamily="18" charset="0"/>
-                <a:cs typeface="Times New Roman" panose="02020603050405020304" pitchFamily="18" charset="0"/>
-              </a:rPr>
-              <a:t>        &lt;p&gt;Now, ... &lt;a </a:t>
-            </a:r>
-            <a:r>
-              <a:rPr lang="en-US" sz="1600" b="1" dirty="0" err="1">
-                <a:latin typeface="Courier New" panose="02070309020205020404" pitchFamily="49" charset="0"/>
-                <a:ea typeface="Times New Roman" panose="02020603050405020304" pitchFamily="18" charset="0"/>
-                <a:cs typeface="Times New Roman" panose="02020603050405020304" pitchFamily="18" charset="0"/>
-              </a:rPr>
-              <a:t>href</a:t>
-            </a:r>
-            <a:r>
-              <a:rPr lang="en-US" sz="1600" b="1" dirty="0">
-                <a:latin typeface="Courier New" panose="02070309020205020404" pitchFamily="49" charset="0"/>
-                <a:ea typeface="Times New Roman" panose="02020603050405020304" pitchFamily="18" charset="0"/>
-                <a:cs typeface="Times New Roman" panose="02020603050405020304" pitchFamily="18" charset="0"/>
-              </a:rPr>
-              <a:t>=""&gt;read more...&lt;/a&gt;&lt;/p&gt;</a:t>
-            </a:r>
-          </a:p>
-          <a:p>
-            <a:pPr marL="347345" marR="0">
-              <a:spcBef>
-                <a:spcPts val="0"/>
-              </a:spcBef>
-              <a:spcAft>
-                <a:spcPts val="0"/>
-              </a:spcAft>
-              <a:tabLst>
-                <a:tab pos="1371600" algn="l"/>
-              </a:tabLst>
-            </a:pPr>
-            <a:r>
-              <a:rPr lang="en-US" sz="1600" b="1" dirty="0">
-                <a:latin typeface="Courier New" panose="02070309020205020404" pitchFamily="49" charset="0"/>
-                <a:ea typeface="Times New Roman" panose="02020603050405020304" pitchFamily="18" charset="0"/>
-                <a:cs typeface="Times New Roman" panose="02020603050405020304" pitchFamily="18" charset="0"/>
-              </a:rPr>
-              <a:t>    &lt;/body&gt;</a:t>
-            </a:r>
-          </a:p>
-          <a:p>
-            <a:pPr marL="347345" marR="0">
-              <a:spcBef>
-                <a:spcPts val="0"/>
-              </a:spcBef>
-              <a:spcAft>
-                <a:spcPts val="0"/>
-              </a:spcAft>
-              <a:tabLst>
-                <a:tab pos="1371600" algn="l"/>
-              </a:tabLst>
-            </a:pPr>
-            <a:r>
-              <a:rPr lang="en-US" sz="1600" b="1" dirty="0">
-                <a:latin typeface="Courier New" panose="02070309020205020404" pitchFamily="49" charset="0"/>
-                <a:ea typeface="Times New Roman" panose="02020603050405020304" pitchFamily="18" charset="0"/>
-                <a:cs typeface="Times New Roman" panose="02020603050405020304" pitchFamily="18" charset="0"/>
-              </a:rPr>
-              <a:t>&lt;/html&gt;</a:t>
+              <a:buFont typeface="Symbol" panose="05050102010706020507" pitchFamily="18" charset="2"/>
+              <a:buChar char=""/>
+            </a:pPr>
+            <a:r>
+              <a:rPr lang="en-US" spc="-10" dirty="0">
+                <a:latin typeface="Times New Roman" panose="02020603050405020304" pitchFamily="18" charset="0"/>
+                <a:ea typeface="Times New Roman" panose="02020603050405020304" pitchFamily="18" charset="0"/>
+              </a:rPr>
+              <a:t>Accordions</a:t>
             </a:r>
           </a:p>
           <a:p>
@@ -5683,7 +5375,7 @@
           <p:cNvPr id="4" name="Date Placeholder 3">
             <a:extLst>
               <a:ext uri="{FF2B5EF4-FFF2-40B4-BE49-F238E27FC236}">
-                <a16:creationId xmlns:a16="http://schemas.microsoft.com/office/drawing/2014/main" id="{5A6AA19B-69F8-491C-9E12-510329EFF5DA}"/>
+                <a16:creationId xmlns:a16="http://schemas.microsoft.com/office/drawing/2014/main" id="{5AC8D40C-6C7C-4A69-9E75-AD7EDEAFFC9E}"/>
               </a:ext>
             </a:extLst>
           </p:cNvPr>
@@ -5715,7 +5407,7 @@
           <p:cNvPr id="5" name="Footer Placeholder 4">
             <a:extLst>
               <a:ext uri="{FF2B5EF4-FFF2-40B4-BE49-F238E27FC236}">
-                <a16:creationId xmlns:a16="http://schemas.microsoft.com/office/drawing/2014/main" id="{0D6432D3-D896-4DCC-BEEE-76BE3D723E89}"/>
+                <a16:creationId xmlns:a16="http://schemas.microsoft.com/office/drawing/2014/main" id="{BF6A7A0B-2669-4EDF-BD63-266E4980E3C3}"/>
               </a:ext>
             </a:extLst>
           </p:cNvPr>
@@ -5747,7 +5439,7 @@
           <p:cNvPr id="6" name="Slide Number Placeholder 5">
             <a:extLst>
               <a:ext uri="{FF2B5EF4-FFF2-40B4-BE49-F238E27FC236}">
-                <a16:creationId xmlns:a16="http://schemas.microsoft.com/office/drawing/2014/main" id="{7FDCEEEA-CFF9-4057-A697-ADDD9401886E}"/>
+                <a16:creationId xmlns:a16="http://schemas.microsoft.com/office/drawing/2014/main" id="{801B51FD-DE7D-4667-9195-A012263DD18B}"/>
               </a:ext>
             </a:extLst>
           </p:cNvPr>
@@ -5804,7 +5496,7 @@
     </p:spTree>
     <p:extLst>
       <p:ext uri="{BB962C8B-B14F-4D97-AF65-F5344CB8AC3E}">
-        <p14:creationId xmlns:p14="http://schemas.microsoft.com/office/powerpoint/2010/main" val="2762854995"/>
+        <p14:creationId xmlns:p14="http://schemas.microsoft.com/office/powerpoint/2010/main" val="3274102528"/>
       </p:ext>
     </p:extLst>
   </p:cSld>
@@ -5836,7 +5528,7 @@
           <p:cNvPr id="2" name="Title 1">
             <a:extLst>
               <a:ext uri="{FF2B5EF4-FFF2-40B4-BE49-F238E27FC236}">
-                <a16:creationId xmlns:a16="http://schemas.microsoft.com/office/drawing/2014/main" id="{62C23F64-3A54-490B-8553-ED09A63C5A7F}"/>
+                <a16:creationId xmlns:a16="http://schemas.microsoft.com/office/drawing/2014/main" id="{5E9C0548-8B7C-493D-8FD7-212D42FAA904}"/>
               </a:ext>
             </a:extLst>
           </p:cNvPr>
@@ -5869,56 +5561,411 @@
                 <a:ea typeface="Times New Roman" panose="02020603050405020304" pitchFamily="18" charset="0"/>
                 <a:cs typeface="Times New Roman" panose="02020603050405020304" pitchFamily="18" charset="0"/>
               </a:rPr>
-              <a:t>The HTML displayed in a web browser </a:t>
+              <a:t>The code for an HTML file </a:t>
             </a:r>
             <a:endParaRPr lang="en-US" dirty="0"/>
           </a:p>
         </p:txBody>
       </p:sp>
-      <p:pic>
-        <p:nvPicPr>
-          <p:cNvPr id="7" name="Content Placeholder 6" descr="See page 14 in book" title="See slide title">
-            <a:extLst>
-              <a:ext uri="{FF2B5EF4-FFF2-40B4-BE49-F238E27FC236}">
-                <a16:creationId xmlns:a16="http://schemas.microsoft.com/office/drawing/2014/main" id="{4561FDB3-E068-4ED1-AD30-041420A90790}"/>
-              </a:ext>
-            </a:extLst>
-          </p:cNvPr>
-          <p:cNvPicPr>
-            <a:picLocks noGrp="1"/>
-          </p:cNvPicPr>
-          <p:nvPr>
-            <p:ph sz="quarter" idx="13"/>
-          </p:nvPr>
-        </p:nvPicPr>
-        <p:blipFill>
-          <a:blip r:embed="rId2">
-            <a:extLst>
-              <a:ext uri="{28A0092B-C50C-407E-A947-70E740481C1C}">
-                <a14:useLocalDpi xmlns:a14="http://schemas.microsoft.com/office/drawing/2010/main" val="0"/>
-              </a:ext>
-            </a:extLst>
-          </a:blip>
-          <a:stretch>
-            <a:fillRect/>
-          </a:stretch>
-        </p:blipFill>
-        <p:spPr>
-          <a:xfrm>
-            <a:off x="914400" y="1143000"/>
-            <a:ext cx="6899121" cy="4800600"/>
-          </a:xfrm>
-          <a:prstGeom prst="rect">
-            <a:avLst/>
-          </a:prstGeom>
-        </p:spPr>
-      </p:pic>
+      <p:sp>
+        <p:nvSpPr>
+          <p:cNvPr id="3" name="Text Placeholder 2">
+            <a:extLst>
+              <a:ext uri="{FF2B5EF4-FFF2-40B4-BE49-F238E27FC236}">
+                <a16:creationId xmlns:a16="http://schemas.microsoft.com/office/drawing/2014/main" id="{96BA047C-C9C7-4F99-93F0-21450D625C38}"/>
+              </a:ext>
+            </a:extLst>
+          </p:cNvPr>
+          <p:cNvSpPr>
+            <a:spLocks noGrp="1"/>
+          </p:cNvSpPr>
+          <p:nvPr>
+            <p:ph type="body" sz="quarter" idx="13"/>
+          </p:nvPr>
+        </p:nvSpPr>
+        <p:spPr/>
+        <p:txBody>
+          <a:bodyPr/>
+          <a:lstStyle/>
+          <a:p>
+            <a:pPr marL="347345" marR="0">
+              <a:spcBef>
+                <a:spcPts val="0"/>
+              </a:spcBef>
+              <a:spcAft>
+                <a:spcPts val="0"/>
+              </a:spcAft>
+              <a:tabLst>
+                <a:tab pos="1371600" algn="l"/>
+              </a:tabLst>
+            </a:pPr>
+            <a:r>
+              <a:rPr lang="en-US" sz="1600" b="1" dirty="0">
+                <a:latin typeface="Courier New" panose="02070309020205020404" pitchFamily="49" charset="0"/>
+                <a:ea typeface="Times New Roman" panose="02020603050405020304" pitchFamily="18" charset="0"/>
+                <a:cs typeface="Times New Roman" panose="02020603050405020304" pitchFamily="18" charset="0"/>
+              </a:rPr>
+              <a:t>&lt;!doctype html&gt;</a:t>
+            </a:r>
+          </a:p>
+          <a:p>
+            <a:pPr marL="347345" marR="0">
+              <a:spcBef>
+                <a:spcPts val="0"/>
+              </a:spcBef>
+              <a:spcAft>
+                <a:spcPts val="0"/>
+              </a:spcAft>
+              <a:tabLst>
+                <a:tab pos="1371600" algn="l"/>
+              </a:tabLst>
+            </a:pPr>
+            <a:r>
+              <a:rPr lang="en-US" sz="1600" b="1" dirty="0">
+                <a:latin typeface="Courier New" panose="02070309020205020404" pitchFamily="49" charset="0"/>
+                <a:ea typeface="Times New Roman" panose="02020603050405020304" pitchFamily="18" charset="0"/>
+                <a:cs typeface="Times New Roman" panose="02020603050405020304" pitchFamily="18" charset="0"/>
+              </a:rPr>
+              <a:t>&lt;html </a:t>
+            </a:r>
+            <a:r>
+              <a:rPr lang="en-US" sz="1600" b="1" dirty="0" err="1">
+                <a:latin typeface="Courier New" panose="02070309020205020404" pitchFamily="49" charset="0"/>
+                <a:ea typeface="Times New Roman" panose="02020603050405020304" pitchFamily="18" charset="0"/>
+                <a:cs typeface="Times New Roman" panose="02020603050405020304" pitchFamily="18" charset="0"/>
+              </a:rPr>
+              <a:t>lang</a:t>
+            </a:r>
+            <a:r>
+              <a:rPr lang="en-US" sz="1600" b="1" dirty="0">
+                <a:latin typeface="Courier New" panose="02070309020205020404" pitchFamily="49" charset="0"/>
+                <a:ea typeface="Times New Roman" panose="02020603050405020304" pitchFamily="18" charset="0"/>
+                <a:cs typeface="Times New Roman" panose="02020603050405020304" pitchFamily="18" charset="0"/>
+              </a:rPr>
+              <a:t>="</a:t>
+            </a:r>
+            <a:r>
+              <a:rPr lang="en-US" sz="1600" b="1" dirty="0" err="1">
+                <a:latin typeface="Courier New" panose="02070309020205020404" pitchFamily="49" charset="0"/>
+                <a:ea typeface="Times New Roman" panose="02020603050405020304" pitchFamily="18" charset="0"/>
+                <a:cs typeface="Times New Roman" panose="02020603050405020304" pitchFamily="18" charset="0"/>
+              </a:rPr>
+              <a:t>en</a:t>
+            </a:r>
+            <a:r>
+              <a:rPr lang="en-US" sz="1600" b="1" dirty="0">
+                <a:latin typeface="Courier New" panose="02070309020205020404" pitchFamily="49" charset="0"/>
+                <a:ea typeface="Times New Roman" panose="02020603050405020304" pitchFamily="18" charset="0"/>
+                <a:cs typeface="Times New Roman" panose="02020603050405020304" pitchFamily="18" charset="0"/>
+              </a:rPr>
+              <a:t>"&gt;</a:t>
+            </a:r>
+          </a:p>
+          <a:p>
+            <a:pPr marL="347345" marR="0">
+              <a:spcBef>
+                <a:spcPts val="0"/>
+              </a:spcBef>
+              <a:spcAft>
+                <a:spcPts val="0"/>
+              </a:spcAft>
+              <a:tabLst>
+                <a:tab pos="1371600" algn="l"/>
+              </a:tabLst>
+            </a:pPr>
+            <a:r>
+              <a:rPr lang="en-US" sz="1600" b="1" dirty="0">
+                <a:latin typeface="Courier New" panose="02070309020205020404" pitchFamily="49" charset="0"/>
+                <a:ea typeface="Times New Roman" panose="02020603050405020304" pitchFamily="18" charset="0"/>
+                <a:cs typeface="Times New Roman" panose="02020603050405020304" pitchFamily="18" charset="0"/>
+              </a:rPr>
+              <a:t>    &lt;head&gt;</a:t>
+            </a:r>
+          </a:p>
+          <a:p>
+            <a:pPr marL="347345" marR="0">
+              <a:spcBef>
+                <a:spcPts val="0"/>
+              </a:spcBef>
+              <a:spcAft>
+                <a:spcPts val="0"/>
+              </a:spcAft>
+              <a:tabLst>
+                <a:tab pos="1371600" algn="l"/>
+              </a:tabLst>
+            </a:pPr>
+            <a:r>
+              <a:rPr lang="en-US" sz="1600" b="1" dirty="0">
+                <a:latin typeface="Courier New" panose="02070309020205020404" pitchFamily="49" charset="0"/>
+                <a:ea typeface="Times New Roman" panose="02020603050405020304" pitchFamily="18" charset="0"/>
+                <a:cs typeface="Times New Roman" panose="02020603050405020304" pitchFamily="18" charset="0"/>
+              </a:rPr>
+              <a:t>        &lt;meta charset="utf-8"&gt;</a:t>
+            </a:r>
+          </a:p>
+          <a:p>
+            <a:pPr marL="347345" marR="0">
+              <a:spcBef>
+                <a:spcPts val="0"/>
+              </a:spcBef>
+              <a:spcAft>
+                <a:spcPts val="0"/>
+              </a:spcAft>
+              <a:tabLst>
+                <a:tab pos="1371600" algn="l"/>
+              </a:tabLst>
+            </a:pPr>
+            <a:r>
+              <a:rPr lang="en-US" sz="1600" b="1" dirty="0">
+                <a:latin typeface="Courier New" panose="02070309020205020404" pitchFamily="49" charset="0"/>
+                <a:ea typeface="Times New Roman" panose="02020603050405020304" pitchFamily="18" charset="0"/>
+                <a:cs typeface="Times New Roman" panose="02020603050405020304" pitchFamily="18" charset="0"/>
+              </a:rPr>
+              <a:t>        &lt;title&gt;JavaScript and jQuery book&lt;/title&gt;</a:t>
+            </a:r>
+          </a:p>
+          <a:p>
+            <a:pPr marL="347345" marR="0">
+              <a:spcBef>
+                <a:spcPts val="0"/>
+              </a:spcBef>
+              <a:spcAft>
+                <a:spcPts val="0"/>
+              </a:spcAft>
+              <a:tabLst>
+                <a:tab pos="1371600" algn="l"/>
+              </a:tabLst>
+            </a:pPr>
+            <a:r>
+              <a:rPr lang="en-US" sz="1600" b="1" dirty="0">
+                <a:latin typeface="Courier New" panose="02070309020205020404" pitchFamily="49" charset="0"/>
+                <a:ea typeface="Times New Roman" panose="02020603050405020304" pitchFamily="18" charset="0"/>
+                <a:cs typeface="Times New Roman" panose="02020603050405020304" pitchFamily="18" charset="0"/>
+              </a:rPr>
+              <a:t>    &lt;/head&gt;</a:t>
+            </a:r>
+          </a:p>
+          <a:p>
+            <a:pPr marL="347345" marR="0">
+              <a:spcBef>
+                <a:spcPts val="0"/>
+              </a:spcBef>
+              <a:spcAft>
+                <a:spcPts val="0"/>
+              </a:spcAft>
+              <a:tabLst>
+                <a:tab pos="1371600" algn="l"/>
+              </a:tabLst>
+            </a:pPr>
+            <a:r>
+              <a:rPr lang="en-US" sz="1600" b="1" dirty="0">
+                <a:latin typeface="Courier New" panose="02070309020205020404" pitchFamily="49" charset="0"/>
+                <a:ea typeface="Times New Roman" panose="02020603050405020304" pitchFamily="18" charset="0"/>
+                <a:cs typeface="Times New Roman" panose="02020603050405020304" pitchFamily="18" charset="0"/>
+              </a:rPr>
+              <a:t>    &lt;body&gt;</a:t>
+            </a:r>
+          </a:p>
+          <a:p>
+            <a:pPr marL="347345" marR="0">
+              <a:spcBef>
+                <a:spcPts val="0"/>
+              </a:spcBef>
+              <a:spcAft>
+                <a:spcPts val="0"/>
+              </a:spcAft>
+              <a:tabLst>
+                <a:tab pos="1371600" algn="l"/>
+              </a:tabLst>
+            </a:pPr>
+            <a:r>
+              <a:rPr lang="en-US" sz="1600" b="1" dirty="0">
+                <a:latin typeface="Courier New" panose="02070309020205020404" pitchFamily="49" charset="0"/>
+                <a:ea typeface="Times New Roman" panose="02020603050405020304" pitchFamily="18" charset="0"/>
+                <a:cs typeface="Times New Roman" panose="02020603050405020304" pitchFamily="18" charset="0"/>
+              </a:rPr>
+              <a:t>        &lt;h1&gt;JavaScript and jQuery (3rd Edition)&lt;/h1&gt;</a:t>
+            </a:r>
+          </a:p>
+          <a:p>
+            <a:pPr marL="347345" marR="0">
+              <a:spcBef>
+                <a:spcPts val="0"/>
+              </a:spcBef>
+              <a:spcAft>
+                <a:spcPts val="0"/>
+              </a:spcAft>
+              <a:tabLst>
+                <a:tab pos="1371600" algn="l"/>
+              </a:tabLst>
+            </a:pPr>
+            <a:r>
+              <a:rPr lang="en-US" sz="1600" b="1" dirty="0">
+                <a:latin typeface="Courier New" panose="02070309020205020404" pitchFamily="49" charset="0"/>
+                <a:ea typeface="Times New Roman" panose="02020603050405020304" pitchFamily="18" charset="0"/>
+                <a:cs typeface="Times New Roman" panose="02020603050405020304" pitchFamily="18" charset="0"/>
+              </a:rPr>
+              <a:t>        &lt;</a:t>
+            </a:r>
+            <a:r>
+              <a:rPr lang="en-US" sz="1600" b="1" dirty="0" err="1">
+                <a:latin typeface="Courier New" panose="02070309020205020404" pitchFamily="49" charset="0"/>
+                <a:ea typeface="Times New Roman" panose="02020603050405020304" pitchFamily="18" charset="0"/>
+                <a:cs typeface="Times New Roman" panose="02020603050405020304" pitchFamily="18" charset="0"/>
+              </a:rPr>
+              <a:t>img</a:t>
+            </a:r>
+            <a:r>
+              <a:rPr lang="en-US" sz="1600" b="1" dirty="0">
+                <a:latin typeface="Courier New" panose="02070309020205020404" pitchFamily="49" charset="0"/>
+                <a:ea typeface="Times New Roman" panose="02020603050405020304" pitchFamily="18" charset="0"/>
+                <a:cs typeface="Times New Roman" panose="02020603050405020304" pitchFamily="18" charset="0"/>
+              </a:rPr>
+              <a:t> </a:t>
+            </a:r>
+            <a:r>
+              <a:rPr lang="en-US" sz="1600" b="1" dirty="0" err="1">
+                <a:latin typeface="Courier New" panose="02070309020205020404" pitchFamily="49" charset="0"/>
+                <a:ea typeface="Times New Roman" panose="02020603050405020304" pitchFamily="18" charset="0"/>
+                <a:cs typeface="Times New Roman" panose="02020603050405020304" pitchFamily="18" charset="0"/>
+              </a:rPr>
+              <a:t>src</a:t>
+            </a:r>
+            <a:r>
+              <a:rPr lang="en-US" sz="1600" b="1" dirty="0">
+                <a:latin typeface="Courier New" panose="02070309020205020404" pitchFamily="49" charset="0"/>
+                <a:ea typeface="Times New Roman" panose="02020603050405020304" pitchFamily="18" charset="0"/>
+                <a:cs typeface="Times New Roman" panose="02020603050405020304" pitchFamily="18" charset="0"/>
+              </a:rPr>
+              <a:t>="javascript_jquery.jpg" </a:t>
+            </a:r>
+            <a:br>
+              <a:rPr lang="en-US" sz="1600" b="1" dirty="0">
+                <a:latin typeface="Courier New" panose="02070309020205020404" pitchFamily="49" charset="0"/>
+                <a:ea typeface="Times New Roman" panose="02020603050405020304" pitchFamily="18" charset="0"/>
+                <a:cs typeface="Times New Roman" panose="02020603050405020304" pitchFamily="18" charset="0"/>
+              </a:rPr>
+            </a:br>
+            <a:r>
+              <a:rPr lang="en-US" sz="1600" b="1" dirty="0">
+                <a:latin typeface="Courier New" panose="02070309020205020404" pitchFamily="49" charset="0"/>
+                <a:ea typeface="Times New Roman" panose="02020603050405020304" pitchFamily="18" charset="0"/>
+                <a:cs typeface="Times New Roman" panose="02020603050405020304" pitchFamily="18" charset="0"/>
+              </a:rPr>
+              <a:t>             alt="JavaScript and jQuery Book"&gt;</a:t>
+            </a:r>
+          </a:p>
+          <a:p>
+            <a:pPr marL="347345" marR="0">
+              <a:spcBef>
+                <a:spcPts val="0"/>
+              </a:spcBef>
+              <a:spcAft>
+                <a:spcPts val="0"/>
+              </a:spcAft>
+              <a:tabLst>
+                <a:tab pos="1371600" algn="l"/>
+              </a:tabLst>
+            </a:pPr>
+            <a:r>
+              <a:rPr lang="en-US" sz="1600" b="1" dirty="0">
+                <a:latin typeface="Courier New" panose="02070309020205020404" pitchFamily="49" charset="0"/>
+                <a:ea typeface="Times New Roman" panose="02020603050405020304" pitchFamily="18" charset="0"/>
+                <a:cs typeface="Times New Roman" panose="02020603050405020304" pitchFamily="18" charset="0"/>
+              </a:rPr>
+              <a:t>        &lt;p&gt;Today, ... does best.&lt;/p&gt;</a:t>
+            </a:r>
+          </a:p>
+          <a:p>
+            <a:pPr marL="347345" marR="0">
+              <a:spcBef>
+                <a:spcPts val="0"/>
+              </a:spcBef>
+              <a:spcAft>
+                <a:spcPts val="0"/>
+              </a:spcAft>
+              <a:tabLst>
+                <a:tab pos="1371600" algn="l"/>
+              </a:tabLst>
+            </a:pPr>
+            <a:r>
+              <a:rPr lang="en-US" sz="1600" b="1" dirty="0">
+                <a:latin typeface="Courier New" panose="02070309020205020404" pitchFamily="49" charset="0"/>
+                <a:ea typeface="Times New Roman" panose="02020603050405020304" pitchFamily="18" charset="0"/>
+                <a:cs typeface="Times New Roman" panose="02020603050405020304" pitchFamily="18" charset="0"/>
+              </a:rPr>
+              <a:t>        &lt;p&gt;Now, ... &lt;a </a:t>
+            </a:r>
+            <a:r>
+              <a:rPr lang="en-US" sz="1600" b="1" dirty="0" err="1">
+                <a:latin typeface="Courier New" panose="02070309020205020404" pitchFamily="49" charset="0"/>
+                <a:ea typeface="Times New Roman" panose="02020603050405020304" pitchFamily="18" charset="0"/>
+                <a:cs typeface="Times New Roman" panose="02020603050405020304" pitchFamily="18" charset="0"/>
+              </a:rPr>
+              <a:t>href</a:t>
+            </a:r>
+            <a:r>
+              <a:rPr lang="en-US" sz="1600" b="1" dirty="0">
+                <a:latin typeface="Courier New" panose="02070309020205020404" pitchFamily="49" charset="0"/>
+                <a:ea typeface="Times New Roman" panose="02020603050405020304" pitchFamily="18" charset="0"/>
+                <a:cs typeface="Times New Roman" panose="02020603050405020304" pitchFamily="18" charset="0"/>
+              </a:rPr>
+              <a:t>=""&gt;read more...&lt;/a&gt;&lt;/p&gt;</a:t>
+            </a:r>
+          </a:p>
+          <a:p>
+            <a:pPr marL="347345" marR="0">
+              <a:spcBef>
+                <a:spcPts val="0"/>
+              </a:spcBef>
+              <a:spcAft>
+                <a:spcPts val="0"/>
+              </a:spcAft>
+              <a:tabLst>
+                <a:tab pos="1371600" algn="l"/>
+              </a:tabLst>
+            </a:pPr>
+            <a:r>
+              <a:rPr lang="en-US" sz="1600" b="1" dirty="0">
+                <a:latin typeface="Courier New" panose="02070309020205020404" pitchFamily="49" charset="0"/>
+                <a:ea typeface="Times New Roman" panose="02020603050405020304" pitchFamily="18" charset="0"/>
+                <a:cs typeface="Times New Roman" panose="02020603050405020304" pitchFamily="18" charset="0"/>
+              </a:rPr>
+              <a:t>    &lt;/body&gt;</a:t>
+            </a:r>
+          </a:p>
+          <a:p>
+            <a:pPr marL="347345" marR="0">
+              <a:spcBef>
+                <a:spcPts val="0"/>
+              </a:spcBef>
+              <a:spcAft>
+                <a:spcPts val="0"/>
+              </a:spcAft>
+              <a:tabLst>
+                <a:tab pos="1371600" algn="l"/>
+              </a:tabLst>
+            </a:pPr>
+            <a:r>
+              <a:rPr lang="en-US" sz="1600" b="1" dirty="0">
+                <a:latin typeface="Courier New" panose="02070309020205020404" pitchFamily="49" charset="0"/>
+                <a:ea typeface="Times New Roman" panose="02020603050405020304" pitchFamily="18" charset="0"/>
+                <a:cs typeface="Times New Roman" panose="02020603050405020304" pitchFamily="18" charset="0"/>
+              </a:rPr>
+              <a:t>&lt;/html&gt;</a:t>
+            </a:r>
+          </a:p>
+          <a:p>
+            <a:endParaRPr lang="en-US" dirty="0"/>
+          </a:p>
+        </p:txBody>
+      </p:sp>
       <p:sp>
         <p:nvSpPr>
           <p:cNvPr id="4" name="Date Placeholder 3">
             <a:extLst>
               <a:ext uri="{FF2B5EF4-FFF2-40B4-BE49-F238E27FC236}">
-                <a16:creationId xmlns:a16="http://schemas.microsoft.com/office/drawing/2014/main" id="{5CE99AB5-FD6F-4FCE-9E88-67306CD073A5}"/>
+                <a16:creationId xmlns:a16="http://schemas.microsoft.com/office/drawing/2014/main" id="{5A6AA19B-69F8-491C-9E12-510329EFF5DA}"/>
               </a:ext>
             </a:extLst>
           </p:cNvPr>
@@ -5950,7 +5997,7 @@
           <p:cNvPr id="5" name="Footer Placeholder 4">
             <a:extLst>
               <a:ext uri="{FF2B5EF4-FFF2-40B4-BE49-F238E27FC236}">
-                <a16:creationId xmlns:a16="http://schemas.microsoft.com/office/drawing/2014/main" id="{A8AE1A6D-8EC2-4E3C-A1B6-BA35912797E3}"/>
+                <a16:creationId xmlns:a16="http://schemas.microsoft.com/office/drawing/2014/main" id="{0D6432D3-D896-4DCC-BEEE-76BE3D723E89}"/>
               </a:ext>
             </a:extLst>
           </p:cNvPr>
@@ -5982,7 +6029,7 @@
           <p:cNvPr id="6" name="Slide Number Placeholder 5">
             <a:extLst>
               <a:ext uri="{FF2B5EF4-FFF2-40B4-BE49-F238E27FC236}">
-                <a16:creationId xmlns:a16="http://schemas.microsoft.com/office/drawing/2014/main" id="{606F9ACA-5719-4667-A8DD-07C1972C8C97}"/>
+                <a16:creationId xmlns:a16="http://schemas.microsoft.com/office/drawing/2014/main" id="{7FDCEEEA-CFF9-4057-A697-ADDD9401886E}"/>
               </a:ext>
             </a:extLst>
           </p:cNvPr>
@@ -6039,7 +6086,7 @@
     </p:spTree>
     <p:extLst>
       <p:ext uri="{BB962C8B-B14F-4D97-AF65-F5344CB8AC3E}">
-        <p14:creationId xmlns:p14="http://schemas.microsoft.com/office/powerpoint/2010/main" val="2163504407"/>
+        <p14:creationId xmlns:p14="http://schemas.microsoft.com/office/powerpoint/2010/main" val="2762854995"/>
       </p:ext>
     </p:extLst>
   </p:cSld>
@@ -6071,7 +6118,7 @@
           <p:cNvPr id="2" name="Title 1">
             <a:extLst>
               <a:ext uri="{FF2B5EF4-FFF2-40B4-BE49-F238E27FC236}">
-                <a16:creationId xmlns:a16="http://schemas.microsoft.com/office/drawing/2014/main" id="{FE9B5F3E-1F97-48E3-9EC4-9ED1777076B2}"/>
+                <a16:creationId xmlns:a16="http://schemas.microsoft.com/office/drawing/2014/main" id="{62C23F64-3A54-490B-8553-ED09A63C5A7F}"/>
               </a:ext>
             </a:extLst>
           </p:cNvPr>
@@ -6087,59 +6134,73 @@
           <a:bodyPr/>
           <a:lstStyle/>
           <a:p>
-            <a:r>
-              <a:rPr lang="en-US" dirty="0"/>
-              <a:t>Using CSS to change how the page looks</a:t>
-            </a:r>
-          </a:p>
-        </p:txBody>
-      </p:sp>
-      <p:sp>
-        <p:nvSpPr>
-          <p:cNvPr id="3" name="Content Placeholder 2">
-            <a:extLst>
-              <a:ext uri="{FF2B5EF4-FFF2-40B4-BE49-F238E27FC236}">
-                <a16:creationId xmlns:a16="http://schemas.microsoft.com/office/drawing/2014/main" id="{4FAB725D-F159-4392-8ECA-BD6862ED0CBC}"/>
-              </a:ext>
-            </a:extLst>
-          </p:cNvPr>
-          <p:cNvSpPr>
-            <a:spLocks noGrp="1"/>
-          </p:cNvSpPr>
+            <a:pPr marL="0" marR="0">
+              <a:spcBef>
+                <a:spcPts val="0"/>
+              </a:spcBef>
+              <a:spcAft>
+                <a:spcPts val="600"/>
+              </a:spcAft>
+              <a:tabLst>
+                <a:tab pos="1371600" algn="l"/>
+              </a:tabLst>
+            </a:pPr>
+            <a:r>
+              <a:rPr lang="en-US" dirty="0">
+                <a:latin typeface="Arial" panose="020B0604020202020204" pitchFamily="34" charset="0"/>
+                <a:ea typeface="Times New Roman" panose="02020603050405020304" pitchFamily="18" charset="0"/>
+                <a:cs typeface="Times New Roman" panose="02020603050405020304" pitchFamily="18" charset="0"/>
+              </a:rPr>
+              <a:t>The HTML displayed in a web browser </a:t>
+            </a:r>
+            <a:endParaRPr lang="en-US" dirty="0"/>
+          </a:p>
+        </p:txBody>
+      </p:sp>
+      <p:pic>
+        <p:nvPicPr>
+          <p:cNvPr id="7" name="Content Placeholder 6" descr="See page 14 in book" title="See slide title">
+            <a:extLst>
+              <a:ext uri="{FF2B5EF4-FFF2-40B4-BE49-F238E27FC236}">
+                <a16:creationId xmlns:a16="http://schemas.microsoft.com/office/drawing/2014/main" id="{4561FDB3-E068-4ED1-AD30-041420A90790}"/>
+              </a:ext>
+            </a:extLst>
+          </p:cNvPr>
+          <p:cNvPicPr>
+            <a:picLocks noGrp="1"/>
+          </p:cNvPicPr>
           <p:nvPr>
             <p:ph sz="quarter" idx="13"/>
           </p:nvPr>
-        </p:nvSpPr>
-        <p:spPr/>
-        <p:txBody>
-          <a:bodyPr/>
-          <a:lstStyle/>
-          <a:p>
-            <a:endParaRPr lang="en-US" sz="2000" dirty="0"/>
-          </a:p>
-          <a:p>
-            <a:r>
-              <a:rPr lang="en-US" sz="2000" dirty="0"/>
-              <a:t>HTML is used to create the structure of a web page.</a:t>
-            </a:r>
-          </a:p>
-          <a:p>
-            <a:endParaRPr lang="en-US" sz="2000" dirty="0"/>
-          </a:p>
-          <a:p>
-            <a:r>
-              <a:rPr lang="en-US" sz="2000" dirty="0"/>
-              <a:t>Cascading Style Sheets (CSS) is used to change the look of a web page.</a:t>
-            </a:r>
-          </a:p>
-        </p:txBody>
-      </p:sp>
+        </p:nvPicPr>
+        <p:blipFill>
+          <a:blip r:embed="rId2">
+            <a:extLst>
+              <a:ext uri="{28A0092B-C50C-407E-A947-70E740481C1C}">
+                <a14:useLocalDpi xmlns:a14="http://schemas.microsoft.com/office/drawing/2010/main" val="0"/>
+              </a:ext>
+            </a:extLst>
+          </a:blip>
+          <a:stretch>
+            <a:fillRect/>
+          </a:stretch>
+        </p:blipFill>
+        <p:spPr>
+          <a:xfrm>
+            <a:off x="914400" y="1143000"/>
+            <a:ext cx="6899121" cy="4800600"/>
+          </a:xfrm>
+          <a:prstGeom prst="rect">
+            <a:avLst/>
+          </a:prstGeom>
+        </p:spPr>
+      </p:pic>
       <p:sp>
         <p:nvSpPr>
           <p:cNvPr id="4" name="Date Placeholder 3">
             <a:extLst>
               <a:ext uri="{FF2B5EF4-FFF2-40B4-BE49-F238E27FC236}">
-                <a16:creationId xmlns:a16="http://schemas.microsoft.com/office/drawing/2014/main" id="{3EF70382-D9FD-41BA-BE95-A0D8493B0D12}"/>
+                <a16:creationId xmlns:a16="http://schemas.microsoft.com/office/drawing/2014/main" id="{5CE99AB5-FD6F-4FCE-9E88-67306CD073A5}"/>
               </a:ext>
             </a:extLst>
           </p:cNvPr>
@@ -6171,7 +6232,7 @@
           <p:cNvPr id="5" name="Footer Placeholder 4">
             <a:extLst>
               <a:ext uri="{FF2B5EF4-FFF2-40B4-BE49-F238E27FC236}">
-                <a16:creationId xmlns:a16="http://schemas.microsoft.com/office/drawing/2014/main" id="{749C717C-92B8-469F-AB39-04D8C2D132B9}"/>
+                <a16:creationId xmlns:a16="http://schemas.microsoft.com/office/drawing/2014/main" id="{A8AE1A6D-8EC2-4E3C-A1B6-BA35912797E3}"/>
               </a:ext>
             </a:extLst>
           </p:cNvPr>
@@ -6203,7 +6264,7 @@
           <p:cNvPr id="6" name="Slide Number Placeholder 5">
             <a:extLst>
               <a:ext uri="{FF2B5EF4-FFF2-40B4-BE49-F238E27FC236}">
-                <a16:creationId xmlns:a16="http://schemas.microsoft.com/office/drawing/2014/main" id="{2713D7E8-7C88-469B-8465-8FE5EF3E936B}"/>
+                <a16:creationId xmlns:a16="http://schemas.microsoft.com/office/drawing/2014/main" id="{606F9ACA-5719-4667-A8DD-07C1972C8C97}"/>
               </a:ext>
             </a:extLst>
           </p:cNvPr>
@@ -6222,7 +6283,7 @@
             <a:pPr algn="l">
               <a:defRPr/>
             </a:pPr>
-            <a:endParaRPr lang="en-US" sz="1400">
+            <a:endParaRPr lang="en-US" sz="1400" dirty="0">
               <a:latin typeface="Times New Roman"/>
             </a:endParaRPr>
           </a:p>
@@ -6231,12 +6292,12 @@
               <a:defRPr/>
             </a:pPr>
             <a:r>
-              <a:rPr lang="en-US">
+              <a:rPr lang="en-US" dirty="0">
                 <a:solidFill>
                   <a:schemeClr val="bg1"/>
                 </a:solidFill>
               </a:rPr>
-              <a:t>C12, Slide </a:t>
+              <a:t>C1, Slide </a:t>
             </a:r>
             <a:fld id="{BF5C1183-B085-4070-A402-C03A3F977D3D}" type="slidenum">
               <a:rPr lang="en-US" smtClean="0">
@@ -6260,7 +6321,7 @@
     </p:spTree>
     <p:extLst>
       <p:ext uri="{BB962C8B-B14F-4D97-AF65-F5344CB8AC3E}">
-        <p14:creationId xmlns:p14="http://schemas.microsoft.com/office/powerpoint/2010/main" val="1822602805"/>
+        <p14:creationId xmlns:p14="http://schemas.microsoft.com/office/powerpoint/2010/main" val="2163504407"/>
       </p:ext>
     </p:extLst>
   </p:cSld>
@@ -6292,7 +6353,7 @@
           <p:cNvPr id="2" name="Title 1">
             <a:extLst>
               <a:ext uri="{FF2B5EF4-FFF2-40B4-BE49-F238E27FC236}">
-                <a16:creationId xmlns:a16="http://schemas.microsoft.com/office/drawing/2014/main" id="{9706935E-59F1-4E9D-B6E8-9F416F24D9C6}"/>
+                <a16:creationId xmlns:a16="http://schemas.microsoft.com/office/drawing/2014/main" id="{FE9B5F3E-1F97-48E3-9EC4-9ED1777076B2}"/>
               </a:ext>
             </a:extLst>
           </p:cNvPr>
@@ -6308,104 +6369,50 @@
           <a:bodyPr/>
           <a:lstStyle/>
           <a:p>
-            <a:pPr marL="0" marR="0">
-              <a:spcBef>
-                <a:spcPts val="0"/>
-              </a:spcBef>
-              <a:spcAft>
-                <a:spcPts val="600"/>
-              </a:spcAft>
-              <a:tabLst>
-                <a:tab pos="1371600" algn="l"/>
-              </a:tabLst>
-            </a:pPr>
-            <a:r>
-              <a:rPr lang="en-US" dirty="0">
-                <a:latin typeface="Arial" panose="020B0604020202020204" pitchFamily="34" charset="0"/>
-                <a:ea typeface="Times New Roman" panose="02020603050405020304" pitchFamily="18" charset="0"/>
-                <a:cs typeface="Times New Roman" panose="02020603050405020304" pitchFamily="18" charset="0"/>
-              </a:rPr>
-              <a:t>The link element for a CSS file</a:t>
-            </a:r>
-            <a:endParaRPr lang="en-US" dirty="0"/>
-          </a:p>
-        </p:txBody>
-      </p:sp>
-      <p:sp>
-        <p:nvSpPr>
-          <p:cNvPr id="3" name="Text Placeholder 2">
-            <a:extLst>
-              <a:ext uri="{FF2B5EF4-FFF2-40B4-BE49-F238E27FC236}">
-                <a16:creationId xmlns:a16="http://schemas.microsoft.com/office/drawing/2014/main" id="{E5C21CAB-19EC-42E7-8BA1-27CE930FA55D}"/>
-              </a:ext>
-            </a:extLst>
-          </p:cNvPr>
-          <p:cNvSpPr>
-            <a:spLocks noGrp="1"/>
-          </p:cNvSpPr>
-          <p:nvPr>
-            <p:ph type="body" sz="quarter" idx="13"/>
-          </p:nvPr>
-        </p:nvSpPr>
-        <p:spPr/>
-        <p:txBody>
-          <a:bodyPr/>
-          <a:lstStyle/>
-          <a:p>
-            <a:pPr marL="347345" marR="0">
-              <a:spcBef>
-                <a:spcPts val="0"/>
-              </a:spcBef>
-              <a:spcAft>
-                <a:spcPts val="0"/>
-              </a:spcAft>
-              <a:tabLst>
-                <a:tab pos="1371600" algn="l"/>
-              </a:tabLst>
-            </a:pPr>
-            <a:r>
-              <a:rPr lang="en-US" b="1" dirty="0">
-                <a:latin typeface="Courier New" panose="02070309020205020404" pitchFamily="49" charset="0"/>
-                <a:ea typeface="Times New Roman" panose="02020603050405020304" pitchFamily="18" charset="0"/>
-                <a:cs typeface="Times New Roman" panose="02020603050405020304" pitchFamily="18" charset="0"/>
-              </a:rPr>
-              <a:t>&lt;link </a:t>
-            </a:r>
-            <a:r>
-              <a:rPr lang="en-US" b="1" dirty="0" err="1">
-                <a:latin typeface="Courier New" panose="02070309020205020404" pitchFamily="49" charset="0"/>
-                <a:ea typeface="Times New Roman" panose="02020603050405020304" pitchFamily="18" charset="0"/>
-                <a:cs typeface="Times New Roman" panose="02020603050405020304" pitchFamily="18" charset="0"/>
-              </a:rPr>
-              <a:t>rel</a:t>
-            </a:r>
-            <a:r>
-              <a:rPr lang="en-US" b="1" dirty="0">
-                <a:latin typeface="Courier New" panose="02070309020205020404" pitchFamily="49" charset="0"/>
-                <a:ea typeface="Times New Roman" panose="02020603050405020304" pitchFamily="18" charset="0"/>
-                <a:cs typeface="Times New Roman" panose="02020603050405020304" pitchFamily="18" charset="0"/>
-              </a:rPr>
-              <a:t>="stylesheet" </a:t>
-            </a:r>
-            <a:r>
-              <a:rPr lang="en-US" b="1" dirty="0" err="1">
-                <a:latin typeface="Courier New" panose="02070309020205020404" pitchFamily="49" charset="0"/>
-                <a:ea typeface="Times New Roman" panose="02020603050405020304" pitchFamily="18" charset="0"/>
-                <a:cs typeface="Times New Roman" panose="02020603050405020304" pitchFamily="18" charset="0"/>
-              </a:rPr>
-              <a:t>href</a:t>
-            </a:r>
-            <a:r>
-              <a:rPr lang="en-US" b="1" dirty="0">
-                <a:latin typeface="Courier New" panose="02070309020205020404" pitchFamily="49" charset="0"/>
-                <a:ea typeface="Times New Roman" panose="02020603050405020304" pitchFamily="18" charset="0"/>
-                <a:cs typeface="Times New Roman" panose="02020603050405020304" pitchFamily="18" charset="0"/>
-              </a:rPr>
-              <a:t>="book.css"&gt;</a:t>
-            </a:r>
-          </a:p>
-          <a:p>
-            <a:endParaRPr lang="en-US" dirty="0"/>
+            <a:r>
+              <a:rPr lang="en-US" dirty="0"/>
+              <a:t>Using CSS to change how the page looks</a:t>
+            </a:r>
+          </a:p>
+        </p:txBody>
+      </p:sp>
+      <p:sp>
+        <p:nvSpPr>
+          <p:cNvPr id="3" name="Content Placeholder 2">
+            <a:extLst>
+              <a:ext uri="{FF2B5EF4-FFF2-40B4-BE49-F238E27FC236}">
+                <a16:creationId xmlns:a16="http://schemas.microsoft.com/office/drawing/2014/main" id="{4FAB725D-F159-4392-8ECA-BD6862ED0CBC}"/>
+              </a:ext>
+            </a:extLst>
+          </p:cNvPr>
+          <p:cNvSpPr>
+            <a:spLocks noGrp="1"/>
+          </p:cNvSpPr>
+          <p:nvPr>
+            <p:ph sz="quarter" idx="13"/>
+          </p:nvPr>
+        </p:nvSpPr>
+        <p:spPr/>
+        <p:txBody>
+          <a:bodyPr/>
+          <a:lstStyle/>
+          <a:p>
+            <a:endParaRPr lang="en-US" sz="2000" dirty="0"/>
+          </a:p>
+          <a:p>
+            <a:r>
+              <a:rPr lang="en-US" sz="2000" dirty="0"/>
+              <a:t>HTML is used to create the structure of a web page.</a:t>
+            </a:r>
+          </a:p>
+          <a:p>
+            <a:endParaRPr lang="en-US" sz="2000" dirty="0"/>
+          </a:p>
+          <a:p>
+            <a:r>
+              <a:rPr lang="en-US" sz="2000" dirty="0"/>
+              <a:t>Cascading Style Sheets (CSS) is used to change the look of a web page.</a:t>
+            </a:r>
           </a:p>
         </p:txBody>
       </p:sp>
@@ -6414,7 +6421,7 @@
           <p:cNvPr id="4" name="Date Placeholder 3">
             <a:extLst>
               <a:ext uri="{FF2B5EF4-FFF2-40B4-BE49-F238E27FC236}">
-                <a16:creationId xmlns:a16="http://schemas.microsoft.com/office/drawing/2014/main" id="{A6992D0F-1F10-4EBD-A403-E5BB26A59B95}"/>
+                <a16:creationId xmlns:a16="http://schemas.microsoft.com/office/drawing/2014/main" id="{3EF70382-D9FD-41BA-BE95-A0D8493B0D12}"/>
               </a:ext>
             </a:extLst>
           </p:cNvPr>
@@ -6446,7 +6453,7 @@
           <p:cNvPr id="5" name="Footer Placeholder 4">
             <a:extLst>
               <a:ext uri="{FF2B5EF4-FFF2-40B4-BE49-F238E27FC236}">
-                <a16:creationId xmlns:a16="http://schemas.microsoft.com/office/drawing/2014/main" id="{B246CB01-B126-46FC-89BB-4DB1A24A37AA}"/>
+                <a16:creationId xmlns:a16="http://schemas.microsoft.com/office/drawing/2014/main" id="{749C717C-92B8-469F-AB39-04D8C2D132B9}"/>
               </a:ext>
             </a:extLst>
           </p:cNvPr>
@@ -6478,7 +6485,7 @@
           <p:cNvPr id="6" name="Slide Number Placeholder 5">
             <a:extLst>
               <a:ext uri="{FF2B5EF4-FFF2-40B4-BE49-F238E27FC236}">
-                <a16:creationId xmlns:a16="http://schemas.microsoft.com/office/drawing/2014/main" id="{096B4D97-23AF-452F-B812-59C4A008464B}"/>
+                <a16:creationId xmlns:a16="http://schemas.microsoft.com/office/drawing/2014/main" id="{2713D7E8-7C88-469B-8465-8FE5EF3E936B}"/>
               </a:ext>
             </a:extLst>
           </p:cNvPr>
@@ -6497,7 +6504,7 @@
             <a:pPr algn="l">
               <a:defRPr/>
             </a:pPr>
-            <a:endParaRPr lang="en-US" sz="1400" dirty="0">
+            <a:endParaRPr lang="en-US" sz="1400">
               <a:latin typeface="Times New Roman"/>
             </a:endParaRPr>
           </a:p>
@@ -6506,12 +6513,12 @@
               <a:defRPr/>
             </a:pPr>
             <a:r>
-              <a:rPr lang="en-US" dirty="0">
+              <a:rPr lang="en-US">
                 <a:solidFill>
                   <a:schemeClr val="bg1"/>
                 </a:solidFill>
               </a:rPr>
-              <a:t>C1, Slide </a:t>
+              <a:t>C12, Slide </a:t>
             </a:r>
             <a:fld id="{BF5C1183-B085-4070-A402-C03A3F977D3D}" type="slidenum">
               <a:rPr lang="en-US" smtClean="0">
@@ -6535,7 +6542,7 @@
     </p:spTree>
     <p:extLst>
       <p:ext uri="{BB962C8B-B14F-4D97-AF65-F5344CB8AC3E}">
-        <p14:creationId xmlns:p14="http://schemas.microsoft.com/office/powerpoint/2010/main" val="1813635465"/>
+        <p14:creationId xmlns:p14="http://schemas.microsoft.com/office/powerpoint/2010/main" val="1822602805"/>
       </p:ext>
     </p:extLst>
   </p:cSld>
@@ -6567,7 +6574,7 @@
           <p:cNvPr id="2" name="Title 1">
             <a:extLst>
               <a:ext uri="{FF2B5EF4-FFF2-40B4-BE49-F238E27FC236}">
-                <a16:creationId xmlns:a16="http://schemas.microsoft.com/office/drawing/2014/main" id="{7D546E78-9509-4517-98F0-F20E27F4E356}"/>
+                <a16:creationId xmlns:a16="http://schemas.microsoft.com/office/drawing/2014/main" id="{9706935E-59F1-4E9D-B6E8-9F416F24D9C6}"/>
               </a:ext>
             </a:extLst>
           </p:cNvPr>
@@ -6600,7 +6607,7 @@
                 <a:ea typeface="Times New Roman" panose="02020603050405020304" pitchFamily="18" charset="0"/>
                 <a:cs typeface="Times New Roman" panose="02020603050405020304" pitchFamily="18" charset="0"/>
               </a:rPr>
-              <a:t>The code for the CSS file named book.css</a:t>
+              <a:t>The link element for a CSS file</a:t>
             </a:r>
             <a:endParaRPr lang="en-US" dirty="0"/>
           </a:p>
@@ -6611,7 +6618,7 @@
           <p:cNvPr id="3" name="Text Placeholder 2">
             <a:extLst>
               <a:ext uri="{FF2B5EF4-FFF2-40B4-BE49-F238E27FC236}">
-                <a16:creationId xmlns:a16="http://schemas.microsoft.com/office/drawing/2014/main" id="{3ACB7B5E-3566-4ABA-AEB1-4214B2EC4E89}"/>
+                <a16:creationId xmlns:a16="http://schemas.microsoft.com/office/drawing/2014/main" id="{E5C21CAB-19EC-42E7-8BA1-27CE930FA55D}"/>
               </a:ext>
             </a:extLst>
           </p:cNvPr>
@@ -6639,435 +6646,44 @@
               </a:tabLst>
             </a:pPr>
             <a:r>
-              <a:rPr lang="en-US" sz="1600" b="1" dirty="0">
+              <a:rPr lang="en-US" b="1" dirty="0">
                 <a:latin typeface="Courier New" panose="02070309020205020404" pitchFamily="49" charset="0"/>
                 <a:ea typeface="Times New Roman" panose="02020603050405020304" pitchFamily="18" charset="0"/>
                 <a:cs typeface="Times New Roman" panose="02020603050405020304" pitchFamily="18" charset="0"/>
               </a:rPr>
-              <a:t>body {</a:t>
-            </a:r>
-          </a:p>
-          <a:p>
-            <a:pPr marL="347345" marR="0">
-              <a:spcBef>
-                <a:spcPts val="0"/>
-              </a:spcBef>
-              <a:spcAft>
-                <a:spcPts val="0"/>
-              </a:spcAft>
-              <a:tabLst>
-                <a:tab pos="1371600" algn="l"/>
-              </a:tabLst>
-            </a:pPr>
-            <a:r>
-              <a:rPr lang="en-US" sz="1600" b="1" dirty="0">
+              <a:t>&lt;link </a:t>
+            </a:r>
+            <a:r>
+              <a:rPr lang="en-US" b="1" dirty="0" err="1">
                 <a:latin typeface="Courier New" panose="02070309020205020404" pitchFamily="49" charset="0"/>
                 <a:ea typeface="Times New Roman" panose="02020603050405020304" pitchFamily="18" charset="0"/>
                 <a:cs typeface="Times New Roman" panose="02020603050405020304" pitchFamily="18" charset="0"/>
               </a:rPr>
-              <a:t>    font-family: Arial, Helvetica, sans-serif;</a:t>
-            </a:r>
-          </a:p>
-          <a:p>
-            <a:pPr marL="347345" marR="0">
-              <a:spcBef>
-                <a:spcPts val="0"/>
-              </a:spcBef>
-              <a:spcAft>
-                <a:spcPts val="0"/>
-              </a:spcAft>
-              <a:tabLst>
-                <a:tab pos="1371600" algn="l"/>
-              </a:tabLst>
-            </a:pPr>
-            <a:r>
-              <a:rPr lang="en-US" sz="1600" b="1" dirty="0">
+              <a:t>rel</a:t>
+            </a:r>
+            <a:r>
+              <a:rPr lang="en-US" b="1" dirty="0">
                 <a:latin typeface="Courier New" panose="02070309020205020404" pitchFamily="49" charset="0"/>
                 <a:ea typeface="Times New Roman" panose="02020603050405020304" pitchFamily="18" charset="0"/>
                 <a:cs typeface="Times New Roman" panose="02020603050405020304" pitchFamily="18" charset="0"/>
               </a:rPr>
-              <a:t>    font-size: 100%;</a:t>
-            </a:r>
-          </a:p>
-          <a:p>
-            <a:pPr marL="347345" marR="0">
-              <a:spcBef>
-                <a:spcPts val="0"/>
-              </a:spcBef>
-              <a:spcAft>
-                <a:spcPts val="0"/>
-              </a:spcAft>
-              <a:tabLst>
-                <a:tab pos="1371600" algn="l"/>
-              </a:tabLst>
-            </a:pPr>
-            <a:r>
-              <a:rPr lang="en-US" sz="1600" b="1" dirty="0">
+              <a:t>="stylesheet" </a:t>
+            </a:r>
+            <a:r>
+              <a:rPr lang="en-US" b="1" dirty="0" err="1">
                 <a:latin typeface="Courier New" panose="02070309020205020404" pitchFamily="49" charset="0"/>
                 <a:ea typeface="Times New Roman" panose="02020603050405020304" pitchFamily="18" charset="0"/>
                 <a:cs typeface="Times New Roman" panose="02020603050405020304" pitchFamily="18" charset="0"/>
               </a:rPr>
-              <a:t>    width: 550px;</a:t>
-            </a:r>
-          </a:p>
-          <a:p>
-            <a:pPr marL="347345" marR="0">
-              <a:spcBef>
-                <a:spcPts val="0"/>
-              </a:spcBef>
-              <a:spcAft>
-                <a:spcPts val="0"/>
-              </a:spcAft>
-              <a:tabLst>
-                <a:tab pos="1371600" algn="l"/>
-              </a:tabLst>
-            </a:pPr>
-            <a:r>
-              <a:rPr lang="en-US" sz="1600" b="1" dirty="0">
+              <a:t>href</a:t>
+            </a:r>
+            <a:r>
+              <a:rPr lang="en-US" b="1" dirty="0">
                 <a:latin typeface="Courier New" panose="02070309020205020404" pitchFamily="49" charset="0"/>
                 <a:ea typeface="Times New Roman" panose="02020603050405020304" pitchFamily="18" charset="0"/>
                 <a:cs typeface="Times New Roman" panose="02020603050405020304" pitchFamily="18" charset="0"/>
               </a:rPr>
-              <a:t>    margin: 0 auto;</a:t>
-            </a:r>
-          </a:p>
-          <a:p>
-            <a:pPr marL="347345" marR="0">
-              <a:spcBef>
-                <a:spcPts val="0"/>
-              </a:spcBef>
-              <a:spcAft>
-                <a:spcPts val="0"/>
-              </a:spcAft>
-              <a:tabLst>
-                <a:tab pos="1371600" algn="l"/>
-              </a:tabLst>
-            </a:pPr>
-            <a:r>
-              <a:rPr lang="en-US" sz="1600" b="1" dirty="0">
-                <a:latin typeface="Courier New" panose="02070309020205020404" pitchFamily="49" charset="0"/>
-                <a:ea typeface="Times New Roman" panose="02020603050405020304" pitchFamily="18" charset="0"/>
-                <a:cs typeface="Times New Roman" panose="02020603050405020304" pitchFamily="18" charset="0"/>
-              </a:rPr>
-              <a:t>    padding: 1em;</a:t>
-            </a:r>
-          </a:p>
-          <a:p>
-            <a:pPr marL="347345" marR="0">
-              <a:spcBef>
-                <a:spcPts val="0"/>
-              </a:spcBef>
-              <a:spcAft>
-                <a:spcPts val="0"/>
-              </a:spcAft>
-              <a:tabLst>
-                <a:tab pos="1371600" algn="l"/>
-              </a:tabLst>
-            </a:pPr>
-            <a:r>
-              <a:rPr lang="en-US" sz="1600" b="1" dirty="0">
-                <a:latin typeface="Courier New" panose="02070309020205020404" pitchFamily="49" charset="0"/>
-                <a:ea typeface="Times New Roman" panose="02020603050405020304" pitchFamily="18" charset="0"/>
-                <a:cs typeface="Times New Roman" panose="02020603050405020304" pitchFamily="18" charset="0"/>
-              </a:rPr>
-              <a:t>    border: 1px solid navy;</a:t>
-            </a:r>
-          </a:p>
-          <a:p>
-            <a:pPr marL="347345" marR="0">
-              <a:spcBef>
-                <a:spcPts val="0"/>
-              </a:spcBef>
-              <a:spcAft>
-                <a:spcPts val="0"/>
-              </a:spcAft>
-              <a:tabLst>
-                <a:tab pos="1371600" algn="l"/>
-              </a:tabLst>
-            </a:pPr>
-            <a:r>
-              <a:rPr lang="en-US" sz="1600" b="1" dirty="0">
-                <a:latin typeface="Courier New" panose="02070309020205020404" pitchFamily="49" charset="0"/>
-                <a:ea typeface="Times New Roman" panose="02020603050405020304" pitchFamily="18" charset="0"/>
-                <a:cs typeface="Times New Roman" panose="02020603050405020304" pitchFamily="18" charset="0"/>
-              </a:rPr>
-              <a:t>}</a:t>
-            </a:r>
-          </a:p>
-          <a:p>
-            <a:pPr marL="347345" marR="0">
-              <a:spcBef>
-                <a:spcPts val="0"/>
-              </a:spcBef>
-              <a:spcAft>
-                <a:spcPts val="0"/>
-              </a:spcAft>
-              <a:tabLst>
-                <a:tab pos="1371600" algn="l"/>
-              </a:tabLst>
-            </a:pPr>
-            <a:r>
-              <a:rPr lang="en-US" sz="1600" b="1" dirty="0">
-                <a:latin typeface="Courier New" panose="02070309020205020404" pitchFamily="49" charset="0"/>
-                <a:ea typeface="Times New Roman" panose="02020603050405020304" pitchFamily="18" charset="0"/>
-                <a:cs typeface="Times New Roman" panose="02020603050405020304" pitchFamily="18" charset="0"/>
-              </a:rPr>
-              <a:t>h1 {    </a:t>
-            </a:r>
-          </a:p>
-          <a:p>
-            <a:pPr marL="347345" marR="0">
-              <a:spcBef>
-                <a:spcPts val="0"/>
-              </a:spcBef>
-              <a:spcAft>
-                <a:spcPts val="0"/>
-              </a:spcAft>
-              <a:tabLst>
-                <a:tab pos="1371600" algn="l"/>
-              </a:tabLst>
-            </a:pPr>
-            <a:r>
-              <a:rPr lang="en-US" sz="1600" b="1" dirty="0">
-                <a:latin typeface="Courier New" panose="02070309020205020404" pitchFamily="49" charset="0"/>
-                <a:ea typeface="Times New Roman" panose="02020603050405020304" pitchFamily="18" charset="0"/>
-                <a:cs typeface="Times New Roman" panose="02020603050405020304" pitchFamily="18" charset="0"/>
-              </a:rPr>
-              <a:t>    margin: 0;</a:t>
-            </a:r>
-          </a:p>
-          <a:p>
-            <a:pPr marL="347345" marR="0">
-              <a:spcBef>
-                <a:spcPts val="0"/>
-              </a:spcBef>
-              <a:spcAft>
-                <a:spcPts val="0"/>
-              </a:spcAft>
-              <a:tabLst>
-                <a:tab pos="1371600" algn="l"/>
-              </a:tabLst>
-            </a:pPr>
-            <a:r>
-              <a:rPr lang="en-US" sz="1600" b="1" dirty="0">
-                <a:latin typeface="Courier New" panose="02070309020205020404" pitchFamily="49" charset="0"/>
-                <a:ea typeface="Times New Roman" panose="02020603050405020304" pitchFamily="18" charset="0"/>
-                <a:cs typeface="Times New Roman" panose="02020603050405020304" pitchFamily="18" charset="0"/>
-              </a:rPr>
-              <a:t>    padding: .25em;</a:t>
-            </a:r>
-          </a:p>
-          <a:p>
-            <a:pPr marL="347345" marR="0">
-              <a:spcBef>
-                <a:spcPts val="0"/>
-              </a:spcBef>
-              <a:spcAft>
-                <a:spcPts val="0"/>
-              </a:spcAft>
-              <a:tabLst>
-                <a:tab pos="1371600" algn="l"/>
-              </a:tabLst>
-            </a:pPr>
-            <a:r>
-              <a:rPr lang="en-US" sz="1600" b="1" dirty="0">
-                <a:latin typeface="Courier New" panose="02070309020205020404" pitchFamily="49" charset="0"/>
-                <a:ea typeface="Times New Roman" panose="02020603050405020304" pitchFamily="18" charset="0"/>
-                <a:cs typeface="Times New Roman" panose="02020603050405020304" pitchFamily="18" charset="0"/>
-              </a:rPr>
-              <a:t>    font-size: 200%;</a:t>
-            </a:r>
-          </a:p>
-          <a:p>
-            <a:pPr marL="347345" marR="0">
-              <a:spcBef>
-                <a:spcPts val="0"/>
-              </a:spcBef>
-              <a:spcAft>
-                <a:spcPts val="0"/>
-              </a:spcAft>
-              <a:tabLst>
-                <a:tab pos="1371600" algn="l"/>
-              </a:tabLst>
-            </a:pPr>
-            <a:r>
-              <a:rPr lang="en-US" sz="1600" b="1" dirty="0">
-                <a:latin typeface="Courier New" panose="02070309020205020404" pitchFamily="49" charset="0"/>
-                <a:ea typeface="Times New Roman" panose="02020603050405020304" pitchFamily="18" charset="0"/>
-                <a:cs typeface="Times New Roman" panose="02020603050405020304" pitchFamily="18" charset="0"/>
-              </a:rPr>
-              <a:t>    color: navy;</a:t>
-            </a:r>
-          </a:p>
-          <a:p>
-            <a:pPr marL="347345" marR="0">
-              <a:spcBef>
-                <a:spcPts val="0"/>
-              </a:spcBef>
-              <a:spcAft>
-                <a:spcPts val="0"/>
-              </a:spcAft>
-              <a:tabLst>
-                <a:tab pos="1371600" algn="l"/>
-              </a:tabLst>
-            </a:pPr>
-            <a:r>
-              <a:rPr lang="en-US" sz="1600" b="1" dirty="0">
-                <a:latin typeface="Courier New" panose="02070309020205020404" pitchFamily="49" charset="0"/>
-                <a:ea typeface="Times New Roman" panose="02020603050405020304" pitchFamily="18" charset="0"/>
-                <a:cs typeface="Times New Roman" panose="02020603050405020304" pitchFamily="18" charset="0"/>
-              </a:rPr>
-              <a:t>}</a:t>
-            </a:r>
-          </a:p>
-          <a:p>
-            <a:pPr marL="347345" marR="0">
-              <a:spcBef>
-                <a:spcPts val="0"/>
-              </a:spcBef>
-              <a:spcAft>
-                <a:spcPts val="0"/>
-              </a:spcAft>
-              <a:tabLst>
-                <a:tab pos="1371600" algn="l"/>
-              </a:tabLst>
-            </a:pPr>
-            <a:r>
-              <a:rPr lang="en-US" sz="1600" b="1" dirty="0" err="1">
-                <a:latin typeface="Courier New" panose="02070309020205020404" pitchFamily="49" charset="0"/>
-                <a:ea typeface="Times New Roman" panose="02020603050405020304" pitchFamily="18" charset="0"/>
-                <a:cs typeface="Times New Roman" panose="02020603050405020304" pitchFamily="18" charset="0"/>
-              </a:rPr>
-              <a:t>img</a:t>
-            </a:r>
-            <a:r>
-              <a:rPr lang="en-US" sz="1600" b="1" dirty="0">
-                <a:latin typeface="Courier New" panose="02070309020205020404" pitchFamily="49" charset="0"/>
-                <a:ea typeface="Times New Roman" panose="02020603050405020304" pitchFamily="18" charset="0"/>
-                <a:cs typeface="Times New Roman" panose="02020603050405020304" pitchFamily="18" charset="0"/>
-              </a:rPr>
-              <a:t>  {</a:t>
-            </a:r>
-          </a:p>
-          <a:p>
-            <a:pPr marL="347345" marR="0">
-              <a:spcBef>
-                <a:spcPts val="0"/>
-              </a:spcBef>
-              <a:spcAft>
-                <a:spcPts val="0"/>
-              </a:spcAft>
-              <a:tabLst>
-                <a:tab pos="1371600" algn="l"/>
-              </a:tabLst>
-            </a:pPr>
-            <a:r>
-              <a:rPr lang="en-US" sz="1600" b="1" dirty="0">
-                <a:latin typeface="Courier New" panose="02070309020205020404" pitchFamily="49" charset="0"/>
-                <a:ea typeface="Times New Roman" panose="02020603050405020304" pitchFamily="18" charset="0"/>
-                <a:cs typeface="Times New Roman" panose="02020603050405020304" pitchFamily="18" charset="0"/>
-              </a:rPr>
-              <a:t>    float: left;</a:t>
-            </a:r>
-          </a:p>
-          <a:p>
-            <a:pPr marL="347345" marR="0">
-              <a:spcBef>
-                <a:spcPts val="0"/>
-              </a:spcBef>
-              <a:spcAft>
-                <a:spcPts val="0"/>
-              </a:spcAft>
-              <a:tabLst>
-                <a:tab pos="1371600" algn="l"/>
-              </a:tabLst>
-            </a:pPr>
-            <a:r>
-              <a:rPr lang="en-US" sz="1600" b="1" dirty="0">
-                <a:latin typeface="Courier New" panose="02070309020205020404" pitchFamily="49" charset="0"/>
-                <a:ea typeface="Times New Roman" panose="02020603050405020304" pitchFamily="18" charset="0"/>
-                <a:cs typeface="Times New Roman" panose="02020603050405020304" pitchFamily="18" charset="0"/>
-              </a:rPr>
-              <a:t>    margin: 0 1em 1 </a:t>
-            </a:r>
-            <a:r>
-              <a:rPr lang="en-US" sz="1600" b="1" dirty="0" err="1">
-                <a:latin typeface="Courier New" panose="02070309020205020404" pitchFamily="49" charset="0"/>
-                <a:ea typeface="Times New Roman" panose="02020603050405020304" pitchFamily="18" charset="0"/>
-                <a:cs typeface="Times New Roman" panose="02020603050405020304" pitchFamily="18" charset="0"/>
-              </a:rPr>
-              <a:t>em</a:t>
-            </a:r>
-            <a:r>
-              <a:rPr lang="en-US" sz="1600" b="1" dirty="0">
-                <a:latin typeface="Courier New" panose="02070309020205020404" pitchFamily="49" charset="0"/>
-                <a:ea typeface="Times New Roman" panose="02020603050405020304" pitchFamily="18" charset="0"/>
-                <a:cs typeface="Times New Roman" panose="02020603050405020304" pitchFamily="18" charset="0"/>
-              </a:rPr>
-              <a:t> 1em; }</a:t>
-            </a:r>
-          </a:p>
-          <a:p>
-            <a:pPr marL="347345" marR="0">
-              <a:spcBef>
-                <a:spcPts val="0"/>
-              </a:spcBef>
-              <a:spcAft>
-                <a:spcPts val="0"/>
-              </a:spcAft>
-              <a:tabLst>
-                <a:tab pos="1371600" algn="l"/>
-              </a:tabLst>
-            </a:pPr>
-            <a:r>
-              <a:rPr lang="en-US" sz="1600" b="1" dirty="0">
-                <a:latin typeface="Courier New" panose="02070309020205020404" pitchFamily="49" charset="0"/>
-                <a:ea typeface="Times New Roman" panose="02020603050405020304" pitchFamily="18" charset="0"/>
-                <a:cs typeface="Times New Roman" panose="02020603050405020304" pitchFamily="18" charset="0"/>
-              </a:rPr>
-              <a:t>p {</a:t>
-            </a:r>
-          </a:p>
-          <a:p>
-            <a:pPr marL="347345" marR="0">
-              <a:spcBef>
-                <a:spcPts val="0"/>
-              </a:spcBef>
-              <a:spcAft>
-                <a:spcPts val="0"/>
-              </a:spcAft>
-              <a:tabLst>
-                <a:tab pos="1371600" algn="l"/>
-              </a:tabLst>
-            </a:pPr>
-            <a:r>
-              <a:rPr lang="en-US" sz="1600" b="1" dirty="0">
-                <a:latin typeface="Courier New" panose="02070309020205020404" pitchFamily="49" charset="0"/>
-                <a:ea typeface="Times New Roman" panose="02020603050405020304" pitchFamily="18" charset="0"/>
-                <a:cs typeface="Times New Roman" panose="02020603050405020304" pitchFamily="18" charset="0"/>
-              </a:rPr>
-              <a:t>    margin: 0;</a:t>
-            </a:r>
-          </a:p>
-          <a:p>
-            <a:pPr marL="347345" marR="0">
-              <a:spcBef>
-                <a:spcPts val="0"/>
-              </a:spcBef>
-              <a:spcAft>
-                <a:spcPts val="0"/>
-              </a:spcAft>
-              <a:tabLst>
-                <a:tab pos="1371600" algn="l"/>
-              </a:tabLst>
-            </a:pPr>
-            <a:r>
-              <a:rPr lang="en-US" sz="1600" b="1" dirty="0">
-                <a:latin typeface="Courier New" panose="02070309020205020404" pitchFamily="49" charset="0"/>
-                <a:ea typeface="Times New Roman" panose="02020603050405020304" pitchFamily="18" charset="0"/>
-                <a:cs typeface="Times New Roman" panose="02020603050405020304" pitchFamily="18" charset="0"/>
-              </a:rPr>
-              <a:t>    padding-bottom: .5em; }</a:t>
+              <a:t>="book.css"&gt;</a:t>
             </a:r>
           </a:p>
           <a:p>
@@ -7080,7 +6696,7 @@
           <p:cNvPr id="4" name="Date Placeholder 3">
             <a:extLst>
               <a:ext uri="{FF2B5EF4-FFF2-40B4-BE49-F238E27FC236}">
-                <a16:creationId xmlns:a16="http://schemas.microsoft.com/office/drawing/2014/main" id="{012E4A26-D0E7-40C7-AAFB-DC2FBD734103}"/>
+                <a16:creationId xmlns:a16="http://schemas.microsoft.com/office/drawing/2014/main" id="{A6992D0F-1F10-4EBD-A403-E5BB26A59B95}"/>
               </a:ext>
             </a:extLst>
           </p:cNvPr>
@@ -7112,7 +6728,7 @@
           <p:cNvPr id="5" name="Footer Placeholder 4">
             <a:extLst>
               <a:ext uri="{FF2B5EF4-FFF2-40B4-BE49-F238E27FC236}">
-                <a16:creationId xmlns:a16="http://schemas.microsoft.com/office/drawing/2014/main" id="{F6AB6C64-4162-47ED-87A2-AA958DF05C5E}"/>
+                <a16:creationId xmlns:a16="http://schemas.microsoft.com/office/drawing/2014/main" id="{B246CB01-B126-46FC-89BB-4DB1A24A37AA}"/>
               </a:ext>
             </a:extLst>
           </p:cNvPr>
@@ -7144,7 +6760,7 @@
           <p:cNvPr id="6" name="Slide Number Placeholder 5">
             <a:extLst>
               <a:ext uri="{FF2B5EF4-FFF2-40B4-BE49-F238E27FC236}">
-                <a16:creationId xmlns:a16="http://schemas.microsoft.com/office/drawing/2014/main" id="{20B7B486-5825-45E2-87EE-8AAD9CD19D1A}"/>
+                <a16:creationId xmlns:a16="http://schemas.microsoft.com/office/drawing/2014/main" id="{096B4D97-23AF-452F-B812-59C4A008464B}"/>
               </a:ext>
             </a:extLst>
           </p:cNvPr>
@@ -7201,7 +6817,7 @@
     </p:spTree>
     <p:extLst>
       <p:ext uri="{BB962C8B-B14F-4D97-AF65-F5344CB8AC3E}">
-        <p14:creationId xmlns:p14="http://schemas.microsoft.com/office/powerpoint/2010/main" val="2121367787"/>
+        <p14:creationId xmlns:p14="http://schemas.microsoft.com/office/powerpoint/2010/main" val="1813635465"/>
       </p:ext>
     </p:extLst>
   </p:cSld>
@@ -7230,28 +6846,28 @@
       </p:grpSpPr>
       <p:sp>
         <p:nvSpPr>
-          <p:cNvPr id="2" name="Title 1">
-            <a:extLst>
-              <a:ext uri="{FF2B5EF4-FFF2-40B4-BE49-F238E27FC236}">
-                <a16:creationId xmlns:a16="http://schemas.microsoft.com/office/drawing/2014/main" id="{CB736673-E0FF-4531-B77A-9F6AE5CD87F8}"/>
-              </a:ext>
-            </a:extLst>
-          </p:cNvPr>
-          <p:cNvSpPr>
-            <a:spLocks noGrp="1"/>
-          </p:cNvSpPr>
-          <p:nvPr>
-            <p:ph type="title"/>
-          </p:nvPr>
-        </p:nvSpPr>
-        <p:spPr/>
-        <p:txBody>
-          <a:bodyPr/>
-          <a:lstStyle/>
-          <a:p>
-            <a:pPr marL="0" marR="0">
+          <p:cNvPr id="2" name="Text Placeholder 1">
+            <a:extLst>
+              <a:ext uri="{FF2B5EF4-FFF2-40B4-BE49-F238E27FC236}">
+                <a16:creationId xmlns:a16="http://schemas.microsoft.com/office/drawing/2014/main" id="{A683E44D-4E7B-4942-97AB-42AFF39D85D9}"/>
+              </a:ext>
+            </a:extLst>
+          </p:cNvPr>
+          <p:cNvSpPr>
+            <a:spLocks noGrp="1"/>
+          </p:cNvSpPr>
+          <p:nvPr>
+            <p:ph type="body" sz="quarter" idx="13"/>
+          </p:nvPr>
+        </p:nvSpPr>
+        <p:spPr/>
+        <p:txBody>
+          <a:bodyPr/>
+          <a:lstStyle/>
+          <a:p>
+            <a:pPr>
               <a:spcBef>
-                <a:spcPts val="0"/>
+                <a:spcPts val="2400"/>
               </a:spcBef>
               <a:spcAft>
                 <a:spcPts val="600"/>
@@ -7262,40 +6878,45 @@
             </a:pPr>
             <a:r>
               <a:rPr lang="en-US" dirty="0">
+                <a:solidFill>
+                  <a:srgbClr val="000000"/>
+                </a:solidFill>
                 <a:latin typeface="Arial" panose="020B0604020202020204" pitchFamily="34" charset="0"/>
                 <a:ea typeface="Times New Roman" panose="02020603050405020304" pitchFamily="18" charset="0"/>
                 <a:cs typeface="Times New Roman" panose="02020603050405020304" pitchFamily="18" charset="0"/>
               </a:rPr>
-              <a:t>Objectives</a:t>
-            </a:r>
+              <a:t>Introduction to web development</a:t>
+            </a:r>
+          </a:p>
+          <a:p>
             <a:endParaRPr lang="en-US" dirty="0"/>
           </a:p>
         </p:txBody>
       </p:sp>
       <p:sp>
         <p:nvSpPr>
-          <p:cNvPr id="3" name="Text Placeholder 2">
-            <a:extLst>
-              <a:ext uri="{FF2B5EF4-FFF2-40B4-BE49-F238E27FC236}">
-                <a16:creationId xmlns:a16="http://schemas.microsoft.com/office/drawing/2014/main" id="{FF85D711-CC4A-4CC7-A164-BEC1DECE59ED}"/>
-              </a:ext>
-            </a:extLst>
-          </p:cNvPr>
-          <p:cNvSpPr>
-            <a:spLocks noGrp="1"/>
-          </p:cNvSpPr>
-          <p:nvPr>
-            <p:ph type="body" sz="quarter" idx="13"/>
-          </p:nvPr>
-        </p:nvSpPr>
-        <p:spPr/>
-        <p:txBody>
-          <a:bodyPr/>
-          <a:lstStyle/>
-          <a:p>
-            <a:pPr>
+          <p:cNvPr id="3" name="Title 2">
+            <a:extLst>
+              <a:ext uri="{FF2B5EF4-FFF2-40B4-BE49-F238E27FC236}">
+                <a16:creationId xmlns:a16="http://schemas.microsoft.com/office/drawing/2014/main" id="{3D0D66C3-B4F9-4680-BE2F-E7D63605C468}"/>
+              </a:ext>
+            </a:extLst>
+          </p:cNvPr>
+          <p:cNvSpPr>
+            <a:spLocks noGrp="1"/>
+          </p:cNvSpPr>
+          <p:nvPr>
+            <p:ph type="title"/>
+          </p:nvPr>
+        </p:nvSpPr>
+        <p:spPr/>
+        <p:txBody>
+          <a:bodyPr/>
+          <a:lstStyle/>
+          <a:p>
+            <a:pPr marL="0" marR="0">
               <a:spcBef>
-                <a:spcPts val="1500"/>
+                <a:spcPts val="0"/>
               </a:spcBef>
               <a:spcAft>
                 <a:spcPts val="600"/>
@@ -7305,233 +6926,21 @@
               </a:tabLst>
             </a:pPr>
             <a:r>
-              <a:rPr lang="en-US" b="1" dirty="0">
+              <a:rPr lang="en-US" dirty="0">
+                <a:solidFill>
+                  <a:schemeClr val="tx1"/>
+                </a:solidFill>
                 <a:latin typeface="Arial" panose="020B0604020202020204" pitchFamily="34" charset="0"/>
                 <a:ea typeface="Times New Roman" panose="02020603050405020304" pitchFamily="18" charset="0"/>
                 <a:cs typeface="Times New Roman" panose="02020603050405020304" pitchFamily="18" charset="0"/>
               </a:rPr>
-              <a:t>Applied</a:t>
-            </a:r>
-          </a:p>
-          <a:p>
-            <a:pPr marL="342900" marR="274320" lvl="0" indent="-342900">
-              <a:spcBef>
-                <a:spcPts val="0"/>
-              </a:spcBef>
-              <a:spcAft>
-                <a:spcPts val="600"/>
-              </a:spcAft>
-              <a:buFont typeface="+mj-lt"/>
-              <a:buAutoNum type="arabicPeriod"/>
-              <a:tabLst>
-                <a:tab pos="342900" algn="l"/>
-              </a:tabLst>
-            </a:pPr>
-            <a:r>
-              <a:rPr lang="en-US" spc="-10" dirty="0">
-                <a:latin typeface="Times New Roman" panose="02020603050405020304" pitchFamily="18" charset="0"/>
-                <a:ea typeface="Times New Roman" panose="02020603050405020304" pitchFamily="18" charset="0"/>
-              </a:rPr>
-              <a:t>Load a web page from the Internet or an intranet into a web browser.</a:t>
-            </a:r>
-          </a:p>
-          <a:p>
-            <a:pPr marL="342900" marR="274320" lvl="0" indent="-342900">
-              <a:spcBef>
-                <a:spcPts val="0"/>
-              </a:spcBef>
-              <a:spcAft>
-                <a:spcPts val="600"/>
-              </a:spcAft>
-              <a:buFont typeface="+mj-lt"/>
-              <a:buAutoNum type="arabicPeriod"/>
-              <a:tabLst>
-                <a:tab pos="342900" algn="l"/>
-              </a:tabLst>
-            </a:pPr>
-            <a:r>
-              <a:rPr lang="en-US" spc="-10" dirty="0">
-                <a:latin typeface="Times New Roman" panose="02020603050405020304" pitchFamily="18" charset="0"/>
-                <a:ea typeface="Times New Roman" panose="02020603050405020304" pitchFamily="18" charset="0"/>
-              </a:rPr>
-              <a:t>View the source code for a web page in a web browser.</a:t>
-            </a:r>
-          </a:p>
-          <a:p>
-            <a:pPr>
-              <a:spcBef>
-                <a:spcPts val="1500"/>
-              </a:spcBef>
-              <a:spcAft>
-                <a:spcPts val="600"/>
-              </a:spcAft>
-              <a:tabLst>
-                <a:tab pos="1371600" algn="l"/>
-              </a:tabLst>
-            </a:pPr>
-            <a:r>
-              <a:rPr lang="en-US" b="1" dirty="0">
-                <a:latin typeface="Arial" panose="020B0604020202020204" pitchFamily="34" charset="0"/>
-                <a:ea typeface="Times New Roman" panose="02020603050405020304" pitchFamily="18" charset="0"/>
-                <a:cs typeface="Times New Roman" panose="02020603050405020304" pitchFamily="18" charset="0"/>
-              </a:rPr>
-              <a:t>Knowledge</a:t>
-            </a:r>
-          </a:p>
-          <a:p>
-            <a:pPr marL="342900" marR="274320" lvl="0" indent="-342900">
-              <a:spcBef>
-                <a:spcPts val="0"/>
-              </a:spcBef>
-              <a:spcAft>
-                <a:spcPts val="600"/>
-              </a:spcAft>
-              <a:buFont typeface="+mj-lt"/>
-              <a:buAutoNum type="arabicPeriod"/>
-              <a:tabLst>
-                <a:tab pos="342900" algn="l"/>
-                <a:tab pos="365760" algn="l"/>
-              </a:tabLst>
-            </a:pPr>
-            <a:r>
-              <a:rPr lang="en-US" spc="-10" dirty="0">
-                <a:latin typeface="Times New Roman" panose="02020603050405020304" pitchFamily="18" charset="0"/>
-                <a:ea typeface="Times New Roman" panose="02020603050405020304" pitchFamily="18" charset="0"/>
-              </a:rPr>
-              <a:t>Describe the components of a web application.</a:t>
-            </a:r>
-          </a:p>
-          <a:p>
-            <a:pPr marL="342900" marR="274320" lvl="0" indent="-342900">
-              <a:spcBef>
-                <a:spcPts val="0"/>
-              </a:spcBef>
-              <a:spcAft>
-                <a:spcPts val="600"/>
-              </a:spcAft>
-              <a:buFont typeface="+mj-lt"/>
-              <a:buAutoNum type="arabicPeriod"/>
-              <a:tabLst>
-                <a:tab pos="342900" algn="l"/>
-              </a:tabLst>
-            </a:pPr>
-            <a:r>
-              <a:rPr lang="en-US" spc="-10" dirty="0">
-                <a:latin typeface="Times New Roman" panose="02020603050405020304" pitchFamily="18" charset="0"/>
-                <a:ea typeface="Times New Roman" panose="02020603050405020304" pitchFamily="18" charset="0"/>
-              </a:rPr>
-              <a:t>Distinguish between the Internet and an intranet.</a:t>
-            </a:r>
-          </a:p>
-          <a:p>
-            <a:pPr marL="342900" marR="274320" lvl="0" indent="-342900">
-              <a:spcBef>
-                <a:spcPts val="0"/>
-              </a:spcBef>
-              <a:spcAft>
-                <a:spcPts val="600"/>
-              </a:spcAft>
-              <a:buFont typeface="+mj-lt"/>
-              <a:buAutoNum type="arabicPeriod"/>
-              <a:tabLst>
-                <a:tab pos="342900" algn="l"/>
-              </a:tabLst>
-            </a:pPr>
-            <a:r>
-              <a:rPr lang="en-US" spc="-10" dirty="0">
-                <a:latin typeface="Times New Roman" panose="02020603050405020304" pitchFamily="18" charset="0"/>
-                <a:ea typeface="Times New Roman" panose="02020603050405020304" pitchFamily="18" charset="0"/>
-              </a:rPr>
-              <a:t>Describe HTTP requests and responses.</a:t>
-            </a:r>
-          </a:p>
-          <a:p>
-            <a:pPr marL="342900" marR="274320" lvl="0" indent="-342900">
-              <a:spcBef>
-                <a:spcPts val="0"/>
-              </a:spcBef>
-              <a:spcAft>
-                <a:spcPts val="600"/>
-              </a:spcAft>
-              <a:buFont typeface="+mj-lt"/>
-              <a:buAutoNum type="arabicPeriod"/>
-              <a:tabLst>
-                <a:tab pos="342900" algn="l"/>
-              </a:tabLst>
-            </a:pPr>
-            <a:r>
-              <a:rPr lang="en-US" spc="-10" dirty="0">
-                <a:latin typeface="Times New Roman" panose="02020603050405020304" pitchFamily="18" charset="0"/>
-                <a:ea typeface="Times New Roman" panose="02020603050405020304" pitchFamily="18" charset="0"/>
-              </a:rPr>
-              <a:t>Distinguish between the way a web server processes static web pages and dynamic web pages.</a:t>
-            </a:r>
-          </a:p>
-          <a:p>
-            <a:pPr marL="342900" marR="274320" lvl="0" indent="-342900">
-              <a:spcBef>
-                <a:spcPts val="0"/>
-              </a:spcBef>
-              <a:spcAft>
-                <a:spcPts val="600"/>
-              </a:spcAft>
-              <a:buFont typeface="+mj-lt"/>
-              <a:buAutoNum type="arabicPeriod"/>
-              <a:tabLst>
-                <a:tab pos="342900" algn="l"/>
-              </a:tabLst>
-            </a:pPr>
-            <a:r>
-              <a:rPr lang="en-US" spc="-10" dirty="0">
-                <a:latin typeface="Times New Roman" panose="02020603050405020304" pitchFamily="18" charset="0"/>
-                <a:ea typeface="Times New Roman" panose="02020603050405020304" pitchFamily="18" charset="0"/>
-              </a:rPr>
-              <a:t>Name the five major web browsers.</a:t>
-            </a:r>
-          </a:p>
-          <a:p>
-            <a:pPr marL="342900" marR="274320" lvl="0" indent="-342900">
-              <a:spcBef>
-                <a:spcPts val="0"/>
-              </a:spcBef>
-              <a:spcAft>
-                <a:spcPts val="600"/>
-              </a:spcAft>
-              <a:buFont typeface="+mj-lt"/>
-              <a:buAutoNum type="arabicPeriod"/>
-              <a:tabLst>
-                <a:tab pos="342900" algn="l"/>
-              </a:tabLst>
-            </a:pPr>
-            <a:r>
-              <a:rPr lang="en-US" spc="-10" dirty="0">
-                <a:latin typeface="Times New Roman" panose="02020603050405020304" pitchFamily="18" charset="0"/>
-                <a:ea typeface="Times New Roman" panose="02020603050405020304" pitchFamily="18" charset="0"/>
-              </a:rPr>
-              <a:t>Describe the use of JavaScript.</a:t>
-            </a:r>
-          </a:p>
-          <a:p>
-            <a:pPr marL="342900" marR="274320" lvl="0" indent="-342900">
-              <a:spcBef>
-                <a:spcPts val="0"/>
-              </a:spcBef>
-              <a:spcAft>
-                <a:spcPts val="600"/>
-              </a:spcAft>
-              <a:buFont typeface="+mj-lt"/>
-              <a:buAutoNum type="arabicPeriod"/>
-              <a:tabLst>
-                <a:tab pos="342900" algn="l"/>
-              </a:tabLst>
-            </a:pPr>
-            <a:r>
-              <a:rPr lang="en-US" spc="-10" dirty="0">
-                <a:latin typeface="Times New Roman" panose="02020603050405020304" pitchFamily="18" charset="0"/>
-                <a:ea typeface="Times New Roman" panose="02020603050405020304" pitchFamily="18" charset="0"/>
-              </a:rPr>
-              <a:t>Distinguish between HTML and CSS.</a:t>
-            </a:r>
+              <a:t>Chapter 1</a:t>
+            </a:r>
+            <a:endParaRPr lang="en-US" dirty="0">
+              <a:solidFill>
+                <a:schemeClr val="tx1"/>
+              </a:solidFill>
+            </a:endParaRPr>
           </a:p>
         </p:txBody>
       </p:sp>
@@ -7540,7 +6949,7 @@
           <p:cNvPr id="4" name="Date Placeholder 3">
             <a:extLst>
               <a:ext uri="{FF2B5EF4-FFF2-40B4-BE49-F238E27FC236}">
-                <a16:creationId xmlns:a16="http://schemas.microsoft.com/office/drawing/2014/main" id="{CC3A9FAA-0651-4EC7-B49B-256D52BF1734}"/>
+                <a16:creationId xmlns:a16="http://schemas.microsoft.com/office/drawing/2014/main" id="{63358075-7189-4561-A4E5-98C8C46EDDC9}"/>
               </a:ext>
             </a:extLst>
           </p:cNvPr>
@@ -7572,7 +6981,7 @@
           <p:cNvPr id="5" name="Footer Placeholder 4">
             <a:extLst>
               <a:ext uri="{FF2B5EF4-FFF2-40B4-BE49-F238E27FC236}">
-                <a16:creationId xmlns:a16="http://schemas.microsoft.com/office/drawing/2014/main" id="{F9182E6A-8DEE-4E1D-9C82-D463F121A4A4}"/>
+                <a16:creationId xmlns:a16="http://schemas.microsoft.com/office/drawing/2014/main" id="{122A3984-E668-431C-B47A-D79A7058C76A}"/>
               </a:ext>
             </a:extLst>
           </p:cNvPr>
@@ -7604,7 +7013,7 @@
           <p:cNvPr id="6" name="Slide Number Placeholder 5">
             <a:extLst>
               <a:ext uri="{FF2B5EF4-FFF2-40B4-BE49-F238E27FC236}">
-                <a16:creationId xmlns:a16="http://schemas.microsoft.com/office/drawing/2014/main" id="{A0AB8ED6-D19C-40A5-A3D3-B04476ACB89B}"/>
+                <a16:creationId xmlns:a16="http://schemas.microsoft.com/office/drawing/2014/main" id="{4AFF6169-E941-478B-83FF-531399080CB6}"/>
               </a:ext>
             </a:extLst>
           </p:cNvPr>
@@ -7661,7 +7070,7 @@
     </p:spTree>
     <p:extLst>
       <p:ext uri="{BB962C8B-B14F-4D97-AF65-F5344CB8AC3E}">
-        <p14:creationId xmlns:p14="http://schemas.microsoft.com/office/powerpoint/2010/main" val="12585773"/>
+        <p14:creationId xmlns:p14="http://schemas.microsoft.com/office/powerpoint/2010/main" val="777766547"/>
       </p:ext>
     </p:extLst>
   </p:cSld>
@@ -7693,7 +7102,7 @@
           <p:cNvPr id="2" name="Title 1">
             <a:extLst>
               <a:ext uri="{FF2B5EF4-FFF2-40B4-BE49-F238E27FC236}">
-                <a16:creationId xmlns:a16="http://schemas.microsoft.com/office/drawing/2014/main" id="{6E60D520-5763-4AE4-AB09-3A5F149B0C94}"/>
+                <a16:creationId xmlns:a16="http://schemas.microsoft.com/office/drawing/2014/main" id="{7D546E78-9509-4517-98F0-F20E27F4E356}"/>
               </a:ext>
             </a:extLst>
           </p:cNvPr>
@@ -7726,56 +7135,487 @@
                 <a:ea typeface="Times New Roman" panose="02020603050405020304" pitchFamily="18" charset="0"/>
                 <a:cs typeface="Times New Roman" panose="02020603050405020304" pitchFamily="18" charset="0"/>
               </a:rPr>
-              <a:t>The web page displayed in a web browser</a:t>
+              <a:t>The code for the CSS file named book.css</a:t>
             </a:r>
             <a:endParaRPr lang="en-US" dirty="0"/>
           </a:p>
         </p:txBody>
       </p:sp>
-      <p:pic>
-        <p:nvPicPr>
-          <p:cNvPr id="7" name="Content Placeholder 6" descr="See page 16 in book" title="See slide title">
-            <a:extLst>
-              <a:ext uri="{FF2B5EF4-FFF2-40B4-BE49-F238E27FC236}">
-                <a16:creationId xmlns:a16="http://schemas.microsoft.com/office/drawing/2014/main" id="{518E81D3-4319-46E5-B93A-778C82A70844}"/>
-              </a:ext>
-            </a:extLst>
-          </p:cNvPr>
-          <p:cNvPicPr>
-            <a:picLocks noGrp="1"/>
-          </p:cNvPicPr>
-          <p:nvPr>
-            <p:ph sz="quarter" idx="13"/>
-          </p:nvPr>
-        </p:nvPicPr>
-        <p:blipFill>
-          <a:blip r:embed="rId2">
-            <a:extLst>
-              <a:ext uri="{28A0092B-C50C-407E-A947-70E740481C1C}">
-                <a14:useLocalDpi xmlns:a14="http://schemas.microsoft.com/office/drawing/2010/main" val="0"/>
-              </a:ext>
-            </a:extLst>
-          </a:blip>
-          <a:stretch>
-            <a:fillRect/>
-          </a:stretch>
-        </p:blipFill>
-        <p:spPr>
-          <a:xfrm>
-            <a:off x="914400" y="1219200"/>
-            <a:ext cx="6304762" cy="3733333"/>
-          </a:xfrm>
-          <a:prstGeom prst="rect">
-            <a:avLst/>
-          </a:prstGeom>
-        </p:spPr>
-      </p:pic>
+      <p:sp>
+        <p:nvSpPr>
+          <p:cNvPr id="3" name="Text Placeholder 2">
+            <a:extLst>
+              <a:ext uri="{FF2B5EF4-FFF2-40B4-BE49-F238E27FC236}">
+                <a16:creationId xmlns:a16="http://schemas.microsoft.com/office/drawing/2014/main" id="{3ACB7B5E-3566-4ABA-AEB1-4214B2EC4E89}"/>
+              </a:ext>
+            </a:extLst>
+          </p:cNvPr>
+          <p:cNvSpPr>
+            <a:spLocks noGrp="1"/>
+          </p:cNvSpPr>
+          <p:nvPr>
+            <p:ph type="body" sz="quarter" idx="13"/>
+          </p:nvPr>
+        </p:nvSpPr>
+        <p:spPr/>
+        <p:txBody>
+          <a:bodyPr/>
+          <a:lstStyle/>
+          <a:p>
+            <a:pPr marL="347345" marR="0">
+              <a:spcBef>
+                <a:spcPts val="0"/>
+              </a:spcBef>
+              <a:spcAft>
+                <a:spcPts val="0"/>
+              </a:spcAft>
+              <a:tabLst>
+                <a:tab pos="1371600" algn="l"/>
+              </a:tabLst>
+            </a:pPr>
+            <a:r>
+              <a:rPr lang="en-US" sz="1600" b="1" dirty="0">
+                <a:latin typeface="Courier New" panose="02070309020205020404" pitchFamily="49" charset="0"/>
+                <a:ea typeface="Times New Roman" panose="02020603050405020304" pitchFamily="18" charset="0"/>
+                <a:cs typeface="Times New Roman" panose="02020603050405020304" pitchFamily="18" charset="0"/>
+              </a:rPr>
+              <a:t>body {</a:t>
+            </a:r>
+          </a:p>
+          <a:p>
+            <a:pPr marL="347345" marR="0">
+              <a:spcBef>
+                <a:spcPts val="0"/>
+              </a:spcBef>
+              <a:spcAft>
+                <a:spcPts val="0"/>
+              </a:spcAft>
+              <a:tabLst>
+                <a:tab pos="1371600" algn="l"/>
+              </a:tabLst>
+            </a:pPr>
+            <a:r>
+              <a:rPr lang="en-US" sz="1600" b="1" dirty="0">
+                <a:latin typeface="Courier New" panose="02070309020205020404" pitchFamily="49" charset="0"/>
+                <a:ea typeface="Times New Roman" panose="02020603050405020304" pitchFamily="18" charset="0"/>
+                <a:cs typeface="Times New Roman" panose="02020603050405020304" pitchFamily="18" charset="0"/>
+              </a:rPr>
+              <a:t>    font-family: Arial, Helvetica, sans-serif;</a:t>
+            </a:r>
+          </a:p>
+          <a:p>
+            <a:pPr marL="347345" marR="0">
+              <a:spcBef>
+                <a:spcPts val="0"/>
+              </a:spcBef>
+              <a:spcAft>
+                <a:spcPts val="0"/>
+              </a:spcAft>
+              <a:tabLst>
+                <a:tab pos="1371600" algn="l"/>
+              </a:tabLst>
+            </a:pPr>
+            <a:r>
+              <a:rPr lang="en-US" sz="1600" b="1" dirty="0">
+                <a:latin typeface="Courier New" panose="02070309020205020404" pitchFamily="49" charset="0"/>
+                <a:ea typeface="Times New Roman" panose="02020603050405020304" pitchFamily="18" charset="0"/>
+                <a:cs typeface="Times New Roman" panose="02020603050405020304" pitchFamily="18" charset="0"/>
+              </a:rPr>
+              <a:t>    font-size: 100%;</a:t>
+            </a:r>
+          </a:p>
+          <a:p>
+            <a:pPr marL="347345" marR="0">
+              <a:spcBef>
+                <a:spcPts val="0"/>
+              </a:spcBef>
+              <a:spcAft>
+                <a:spcPts val="0"/>
+              </a:spcAft>
+              <a:tabLst>
+                <a:tab pos="1371600" algn="l"/>
+              </a:tabLst>
+            </a:pPr>
+            <a:r>
+              <a:rPr lang="en-US" sz="1600" b="1" dirty="0">
+                <a:latin typeface="Courier New" panose="02070309020205020404" pitchFamily="49" charset="0"/>
+                <a:ea typeface="Times New Roman" panose="02020603050405020304" pitchFamily="18" charset="0"/>
+                <a:cs typeface="Times New Roman" panose="02020603050405020304" pitchFamily="18" charset="0"/>
+              </a:rPr>
+              <a:t>    width: 550px;</a:t>
+            </a:r>
+          </a:p>
+          <a:p>
+            <a:pPr marL="347345" marR="0">
+              <a:spcBef>
+                <a:spcPts val="0"/>
+              </a:spcBef>
+              <a:spcAft>
+                <a:spcPts val="0"/>
+              </a:spcAft>
+              <a:tabLst>
+                <a:tab pos="1371600" algn="l"/>
+              </a:tabLst>
+            </a:pPr>
+            <a:r>
+              <a:rPr lang="en-US" sz="1600" b="1" dirty="0">
+                <a:latin typeface="Courier New" panose="02070309020205020404" pitchFamily="49" charset="0"/>
+                <a:ea typeface="Times New Roman" panose="02020603050405020304" pitchFamily="18" charset="0"/>
+                <a:cs typeface="Times New Roman" panose="02020603050405020304" pitchFamily="18" charset="0"/>
+              </a:rPr>
+              <a:t>    margin: 0 auto;</a:t>
+            </a:r>
+          </a:p>
+          <a:p>
+            <a:pPr marL="347345" marR="0">
+              <a:spcBef>
+                <a:spcPts val="0"/>
+              </a:spcBef>
+              <a:spcAft>
+                <a:spcPts val="0"/>
+              </a:spcAft>
+              <a:tabLst>
+                <a:tab pos="1371600" algn="l"/>
+              </a:tabLst>
+            </a:pPr>
+            <a:r>
+              <a:rPr lang="en-US" sz="1600" b="1" dirty="0">
+                <a:latin typeface="Courier New" panose="02070309020205020404" pitchFamily="49" charset="0"/>
+                <a:ea typeface="Times New Roman" panose="02020603050405020304" pitchFamily="18" charset="0"/>
+                <a:cs typeface="Times New Roman" panose="02020603050405020304" pitchFamily="18" charset="0"/>
+              </a:rPr>
+              <a:t>    padding: 1em;</a:t>
+            </a:r>
+          </a:p>
+          <a:p>
+            <a:pPr marL="347345" marR="0">
+              <a:spcBef>
+                <a:spcPts val="0"/>
+              </a:spcBef>
+              <a:spcAft>
+                <a:spcPts val="0"/>
+              </a:spcAft>
+              <a:tabLst>
+                <a:tab pos="1371600" algn="l"/>
+              </a:tabLst>
+            </a:pPr>
+            <a:r>
+              <a:rPr lang="en-US" sz="1600" b="1" dirty="0">
+                <a:latin typeface="Courier New" panose="02070309020205020404" pitchFamily="49" charset="0"/>
+                <a:ea typeface="Times New Roman" panose="02020603050405020304" pitchFamily="18" charset="0"/>
+                <a:cs typeface="Times New Roman" panose="02020603050405020304" pitchFamily="18" charset="0"/>
+              </a:rPr>
+              <a:t>    border: 1px solid navy;</a:t>
+            </a:r>
+          </a:p>
+          <a:p>
+            <a:pPr marL="347345" marR="0">
+              <a:spcBef>
+                <a:spcPts val="0"/>
+              </a:spcBef>
+              <a:spcAft>
+                <a:spcPts val="0"/>
+              </a:spcAft>
+              <a:tabLst>
+                <a:tab pos="1371600" algn="l"/>
+              </a:tabLst>
+            </a:pPr>
+            <a:r>
+              <a:rPr lang="en-US" sz="1600" b="1" dirty="0">
+                <a:latin typeface="Courier New" panose="02070309020205020404" pitchFamily="49" charset="0"/>
+                <a:ea typeface="Times New Roman" panose="02020603050405020304" pitchFamily="18" charset="0"/>
+                <a:cs typeface="Times New Roman" panose="02020603050405020304" pitchFamily="18" charset="0"/>
+              </a:rPr>
+              <a:t>}</a:t>
+            </a:r>
+          </a:p>
+          <a:p>
+            <a:pPr marL="347345" marR="0">
+              <a:spcBef>
+                <a:spcPts val="0"/>
+              </a:spcBef>
+              <a:spcAft>
+                <a:spcPts val="0"/>
+              </a:spcAft>
+              <a:tabLst>
+                <a:tab pos="1371600" algn="l"/>
+              </a:tabLst>
+            </a:pPr>
+            <a:r>
+              <a:rPr lang="en-US" sz="1600" b="1" dirty="0">
+                <a:latin typeface="Courier New" panose="02070309020205020404" pitchFamily="49" charset="0"/>
+                <a:ea typeface="Times New Roman" panose="02020603050405020304" pitchFamily="18" charset="0"/>
+                <a:cs typeface="Times New Roman" panose="02020603050405020304" pitchFamily="18" charset="0"/>
+              </a:rPr>
+              <a:t>h1 {    </a:t>
+            </a:r>
+          </a:p>
+          <a:p>
+            <a:pPr marL="347345" marR="0">
+              <a:spcBef>
+                <a:spcPts val="0"/>
+              </a:spcBef>
+              <a:spcAft>
+                <a:spcPts val="0"/>
+              </a:spcAft>
+              <a:tabLst>
+                <a:tab pos="1371600" algn="l"/>
+              </a:tabLst>
+            </a:pPr>
+            <a:r>
+              <a:rPr lang="en-US" sz="1600" b="1" dirty="0">
+                <a:latin typeface="Courier New" panose="02070309020205020404" pitchFamily="49" charset="0"/>
+                <a:ea typeface="Times New Roman" panose="02020603050405020304" pitchFamily="18" charset="0"/>
+                <a:cs typeface="Times New Roman" panose="02020603050405020304" pitchFamily="18" charset="0"/>
+              </a:rPr>
+              <a:t>    margin: 0;</a:t>
+            </a:r>
+          </a:p>
+          <a:p>
+            <a:pPr marL="347345" marR="0">
+              <a:spcBef>
+                <a:spcPts val="0"/>
+              </a:spcBef>
+              <a:spcAft>
+                <a:spcPts val="0"/>
+              </a:spcAft>
+              <a:tabLst>
+                <a:tab pos="1371600" algn="l"/>
+              </a:tabLst>
+            </a:pPr>
+            <a:r>
+              <a:rPr lang="en-US" sz="1600" b="1" dirty="0">
+                <a:latin typeface="Courier New" panose="02070309020205020404" pitchFamily="49" charset="0"/>
+                <a:ea typeface="Times New Roman" panose="02020603050405020304" pitchFamily="18" charset="0"/>
+                <a:cs typeface="Times New Roman" panose="02020603050405020304" pitchFamily="18" charset="0"/>
+              </a:rPr>
+              <a:t>    padding: .25em;</a:t>
+            </a:r>
+          </a:p>
+          <a:p>
+            <a:pPr marL="347345" marR="0">
+              <a:spcBef>
+                <a:spcPts val="0"/>
+              </a:spcBef>
+              <a:spcAft>
+                <a:spcPts val="0"/>
+              </a:spcAft>
+              <a:tabLst>
+                <a:tab pos="1371600" algn="l"/>
+              </a:tabLst>
+            </a:pPr>
+            <a:r>
+              <a:rPr lang="en-US" sz="1600" b="1" dirty="0">
+                <a:latin typeface="Courier New" panose="02070309020205020404" pitchFamily="49" charset="0"/>
+                <a:ea typeface="Times New Roman" panose="02020603050405020304" pitchFamily="18" charset="0"/>
+                <a:cs typeface="Times New Roman" panose="02020603050405020304" pitchFamily="18" charset="0"/>
+              </a:rPr>
+              <a:t>    font-size: 200%;</a:t>
+            </a:r>
+          </a:p>
+          <a:p>
+            <a:pPr marL="347345" marR="0">
+              <a:spcBef>
+                <a:spcPts val="0"/>
+              </a:spcBef>
+              <a:spcAft>
+                <a:spcPts val="0"/>
+              </a:spcAft>
+              <a:tabLst>
+                <a:tab pos="1371600" algn="l"/>
+              </a:tabLst>
+            </a:pPr>
+            <a:r>
+              <a:rPr lang="en-US" sz="1600" b="1" dirty="0">
+                <a:latin typeface="Courier New" panose="02070309020205020404" pitchFamily="49" charset="0"/>
+                <a:ea typeface="Times New Roman" panose="02020603050405020304" pitchFamily="18" charset="0"/>
+                <a:cs typeface="Times New Roman" panose="02020603050405020304" pitchFamily="18" charset="0"/>
+              </a:rPr>
+              <a:t>    color: navy;</a:t>
+            </a:r>
+          </a:p>
+          <a:p>
+            <a:pPr marL="347345" marR="0">
+              <a:spcBef>
+                <a:spcPts val="0"/>
+              </a:spcBef>
+              <a:spcAft>
+                <a:spcPts val="0"/>
+              </a:spcAft>
+              <a:tabLst>
+                <a:tab pos="1371600" algn="l"/>
+              </a:tabLst>
+            </a:pPr>
+            <a:r>
+              <a:rPr lang="en-US" sz="1600" b="1" dirty="0">
+                <a:latin typeface="Courier New" panose="02070309020205020404" pitchFamily="49" charset="0"/>
+                <a:ea typeface="Times New Roman" panose="02020603050405020304" pitchFamily="18" charset="0"/>
+                <a:cs typeface="Times New Roman" panose="02020603050405020304" pitchFamily="18" charset="0"/>
+              </a:rPr>
+              <a:t>}</a:t>
+            </a:r>
+          </a:p>
+          <a:p>
+            <a:pPr marL="347345" marR="0">
+              <a:spcBef>
+                <a:spcPts val="0"/>
+              </a:spcBef>
+              <a:spcAft>
+                <a:spcPts val="0"/>
+              </a:spcAft>
+              <a:tabLst>
+                <a:tab pos="1371600" algn="l"/>
+              </a:tabLst>
+            </a:pPr>
+            <a:r>
+              <a:rPr lang="en-US" sz="1600" b="1" dirty="0" err="1">
+                <a:latin typeface="Courier New" panose="02070309020205020404" pitchFamily="49" charset="0"/>
+                <a:ea typeface="Times New Roman" panose="02020603050405020304" pitchFamily="18" charset="0"/>
+                <a:cs typeface="Times New Roman" panose="02020603050405020304" pitchFamily="18" charset="0"/>
+              </a:rPr>
+              <a:t>img</a:t>
+            </a:r>
+            <a:r>
+              <a:rPr lang="en-US" sz="1600" b="1" dirty="0">
+                <a:latin typeface="Courier New" panose="02070309020205020404" pitchFamily="49" charset="0"/>
+                <a:ea typeface="Times New Roman" panose="02020603050405020304" pitchFamily="18" charset="0"/>
+                <a:cs typeface="Times New Roman" panose="02020603050405020304" pitchFamily="18" charset="0"/>
+              </a:rPr>
+              <a:t>  {</a:t>
+            </a:r>
+          </a:p>
+          <a:p>
+            <a:pPr marL="347345" marR="0">
+              <a:spcBef>
+                <a:spcPts val="0"/>
+              </a:spcBef>
+              <a:spcAft>
+                <a:spcPts val="0"/>
+              </a:spcAft>
+              <a:tabLst>
+                <a:tab pos="1371600" algn="l"/>
+              </a:tabLst>
+            </a:pPr>
+            <a:r>
+              <a:rPr lang="en-US" sz="1600" b="1" dirty="0">
+                <a:latin typeface="Courier New" panose="02070309020205020404" pitchFamily="49" charset="0"/>
+                <a:ea typeface="Times New Roman" panose="02020603050405020304" pitchFamily="18" charset="0"/>
+                <a:cs typeface="Times New Roman" panose="02020603050405020304" pitchFamily="18" charset="0"/>
+              </a:rPr>
+              <a:t>    float: left;</a:t>
+            </a:r>
+          </a:p>
+          <a:p>
+            <a:pPr marL="347345" marR="0">
+              <a:spcBef>
+                <a:spcPts val="0"/>
+              </a:spcBef>
+              <a:spcAft>
+                <a:spcPts val="0"/>
+              </a:spcAft>
+              <a:tabLst>
+                <a:tab pos="1371600" algn="l"/>
+              </a:tabLst>
+            </a:pPr>
+            <a:r>
+              <a:rPr lang="en-US" sz="1600" b="1" dirty="0">
+                <a:latin typeface="Courier New" panose="02070309020205020404" pitchFamily="49" charset="0"/>
+                <a:ea typeface="Times New Roman" panose="02020603050405020304" pitchFamily="18" charset="0"/>
+                <a:cs typeface="Times New Roman" panose="02020603050405020304" pitchFamily="18" charset="0"/>
+              </a:rPr>
+              <a:t>    margin: 0 1em 1 </a:t>
+            </a:r>
+            <a:r>
+              <a:rPr lang="en-US" sz="1600" b="1" dirty="0" err="1">
+                <a:latin typeface="Courier New" panose="02070309020205020404" pitchFamily="49" charset="0"/>
+                <a:ea typeface="Times New Roman" panose="02020603050405020304" pitchFamily="18" charset="0"/>
+                <a:cs typeface="Times New Roman" panose="02020603050405020304" pitchFamily="18" charset="0"/>
+              </a:rPr>
+              <a:t>em</a:t>
+            </a:r>
+            <a:r>
+              <a:rPr lang="en-US" sz="1600" b="1" dirty="0">
+                <a:latin typeface="Courier New" panose="02070309020205020404" pitchFamily="49" charset="0"/>
+                <a:ea typeface="Times New Roman" panose="02020603050405020304" pitchFamily="18" charset="0"/>
+                <a:cs typeface="Times New Roman" panose="02020603050405020304" pitchFamily="18" charset="0"/>
+              </a:rPr>
+              <a:t> 1em; }</a:t>
+            </a:r>
+          </a:p>
+          <a:p>
+            <a:pPr marL="347345" marR="0">
+              <a:spcBef>
+                <a:spcPts val="0"/>
+              </a:spcBef>
+              <a:spcAft>
+                <a:spcPts val="0"/>
+              </a:spcAft>
+              <a:tabLst>
+                <a:tab pos="1371600" algn="l"/>
+              </a:tabLst>
+            </a:pPr>
+            <a:r>
+              <a:rPr lang="en-US" sz="1600" b="1" dirty="0">
+                <a:latin typeface="Courier New" panose="02070309020205020404" pitchFamily="49" charset="0"/>
+                <a:ea typeface="Times New Roman" panose="02020603050405020304" pitchFamily="18" charset="0"/>
+                <a:cs typeface="Times New Roman" panose="02020603050405020304" pitchFamily="18" charset="0"/>
+              </a:rPr>
+              <a:t>p {</a:t>
+            </a:r>
+          </a:p>
+          <a:p>
+            <a:pPr marL="347345" marR="0">
+              <a:spcBef>
+                <a:spcPts val="0"/>
+              </a:spcBef>
+              <a:spcAft>
+                <a:spcPts val="0"/>
+              </a:spcAft>
+              <a:tabLst>
+                <a:tab pos="1371600" algn="l"/>
+              </a:tabLst>
+            </a:pPr>
+            <a:r>
+              <a:rPr lang="en-US" sz="1600" b="1" dirty="0">
+                <a:latin typeface="Courier New" panose="02070309020205020404" pitchFamily="49" charset="0"/>
+                <a:ea typeface="Times New Roman" panose="02020603050405020304" pitchFamily="18" charset="0"/>
+                <a:cs typeface="Times New Roman" panose="02020603050405020304" pitchFamily="18" charset="0"/>
+              </a:rPr>
+              <a:t>    margin: 0;</a:t>
+            </a:r>
+          </a:p>
+          <a:p>
+            <a:pPr marL="347345" marR="0">
+              <a:spcBef>
+                <a:spcPts val="0"/>
+              </a:spcBef>
+              <a:spcAft>
+                <a:spcPts val="0"/>
+              </a:spcAft>
+              <a:tabLst>
+                <a:tab pos="1371600" algn="l"/>
+              </a:tabLst>
+            </a:pPr>
+            <a:r>
+              <a:rPr lang="en-US" sz="1600" b="1" dirty="0">
+                <a:latin typeface="Courier New" panose="02070309020205020404" pitchFamily="49" charset="0"/>
+                <a:ea typeface="Times New Roman" panose="02020603050405020304" pitchFamily="18" charset="0"/>
+                <a:cs typeface="Times New Roman" panose="02020603050405020304" pitchFamily="18" charset="0"/>
+              </a:rPr>
+              <a:t>    padding-bottom: .5em; }</a:t>
+            </a:r>
+          </a:p>
+          <a:p>
+            <a:endParaRPr lang="en-US" dirty="0"/>
+          </a:p>
+        </p:txBody>
+      </p:sp>
       <p:sp>
         <p:nvSpPr>
           <p:cNvPr id="4" name="Date Placeholder 3">
             <a:extLst>
               <a:ext uri="{FF2B5EF4-FFF2-40B4-BE49-F238E27FC236}">
-                <a16:creationId xmlns:a16="http://schemas.microsoft.com/office/drawing/2014/main" id="{000F52D6-8B08-4CAD-B32B-9CDC66B255DA}"/>
+                <a16:creationId xmlns:a16="http://schemas.microsoft.com/office/drawing/2014/main" id="{012E4A26-D0E7-40C7-AAFB-DC2FBD734103}"/>
               </a:ext>
             </a:extLst>
           </p:cNvPr>
@@ -7807,7 +7647,7 @@
           <p:cNvPr id="5" name="Footer Placeholder 4">
             <a:extLst>
               <a:ext uri="{FF2B5EF4-FFF2-40B4-BE49-F238E27FC236}">
-                <a16:creationId xmlns:a16="http://schemas.microsoft.com/office/drawing/2014/main" id="{8F9EC0B0-A107-4D8E-84DD-6521719F4520}"/>
+                <a16:creationId xmlns:a16="http://schemas.microsoft.com/office/drawing/2014/main" id="{F6AB6C64-4162-47ED-87A2-AA958DF05C5E}"/>
               </a:ext>
             </a:extLst>
           </p:cNvPr>
@@ -7839,7 +7679,7 @@
           <p:cNvPr id="6" name="Slide Number Placeholder 5">
             <a:extLst>
               <a:ext uri="{FF2B5EF4-FFF2-40B4-BE49-F238E27FC236}">
-                <a16:creationId xmlns:a16="http://schemas.microsoft.com/office/drawing/2014/main" id="{A0326940-6D49-4D89-A987-3D3206C5FD8E}"/>
+                <a16:creationId xmlns:a16="http://schemas.microsoft.com/office/drawing/2014/main" id="{20B7B486-5825-45E2-87EE-8AAD9CD19D1A}"/>
               </a:ext>
             </a:extLst>
           </p:cNvPr>
@@ -7896,7 +7736,7 @@
     </p:spTree>
     <p:extLst>
       <p:ext uri="{BB962C8B-B14F-4D97-AF65-F5344CB8AC3E}">
-        <p14:creationId xmlns:p14="http://schemas.microsoft.com/office/powerpoint/2010/main" val="1903642702"/>
+        <p14:creationId xmlns:p14="http://schemas.microsoft.com/office/powerpoint/2010/main" val="2121367787"/>
       </p:ext>
     </p:extLst>
   </p:cSld>
@@ -7928,7 +7768,7 @@
           <p:cNvPr id="2" name="Title 1">
             <a:extLst>
               <a:ext uri="{FF2B5EF4-FFF2-40B4-BE49-F238E27FC236}">
-                <a16:creationId xmlns:a16="http://schemas.microsoft.com/office/drawing/2014/main" id="{77E0EDD8-29BF-4673-B84B-03D0DD93F1BA}"/>
+                <a16:creationId xmlns:a16="http://schemas.microsoft.com/office/drawing/2014/main" id="{6E60D520-5763-4AE4-AB09-3A5F149B0C94}"/>
               </a:ext>
             </a:extLst>
           </p:cNvPr>
@@ -7961,145 +7801,56 @@
                 <a:ea typeface="Times New Roman" panose="02020603050405020304" pitchFamily="18" charset="0"/>
                 <a:cs typeface="Times New Roman" panose="02020603050405020304" pitchFamily="18" charset="0"/>
               </a:rPr>
-              <a:t>Websites to become familiar with</a:t>
+              <a:t>The web page displayed in a web browser</a:t>
             </a:r>
             <a:endParaRPr lang="en-US" dirty="0"/>
           </a:p>
         </p:txBody>
       </p:sp>
-      <p:sp>
-        <p:nvSpPr>
-          <p:cNvPr id="3" name="Text Placeholder 2">
-            <a:extLst>
-              <a:ext uri="{FF2B5EF4-FFF2-40B4-BE49-F238E27FC236}">
-                <a16:creationId xmlns:a16="http://schemas.microsoft.com/office/drawing/2014/main" id="{76DFFE44-9B17-4F71-B726-BDC6843D7972}"/>
-              </a:ext>
-            </a:extLst>
-          </p:cNvPr>
-          <p:cNvSpPr>
-            <a:spLocks noGrp="1"/>
-          </p:cNvSpPr>
-          <p:nvPr>
-            <p:ph type="body" sz="quarter" idx="13"/>
-          </p:nvPr>
-        </p:nvSpPr>
-        <p:spPr/>
-        <p:txBody>
-          <a:bodyPr/>
-          <a:lstStyle/>
-          <a:p>
-            <a:pPr marR="274320" lvl="0">
-              <a:spcBef>
-                <a:spcPts val="0"/>
-              </a:spcBef>
-              <a:spcAft>
-                <a:spcPts val="600"/>
-              </a:spcAft>
-            </a:pPr>
-            <a:endParaRPr lang="en-US" dirty="0"/>
-          </a:p>
-          <a:p>
-            <a:pPr marR="274320" lvl="0">
-              <a:spcBef>
-                <a:spcPts val="0"/>
-              </a:spcBef>
-              <a:spcAft>
-                <a:spcPts val="600"/>
-              </a:spcAft>
-            </a:pPr>
-            <a:r>
-              <a:rPr lang="en-US" dirty="0"/>
-              <a:t>W3 Schools </a:t>
-            </a:r>
-          </a:p>
-          <a:p>
-            <a:pPr marR="274320" lvl="0">
-              <a:spcBef>
-                <a:spcPts val="0"/>
-              </a:spcBef>
-              <a:spcAft>
-                <a:spcPts val="600"/>
-              </a:spcAft>
-            </a:pPr>
-            <a:r>
-              <a:rPr lang="en-US" dirty="0">
-                <a:solidFill>
-                  <a:schemeClr val="accent2"/>
-                </a:solidFill>
-                <a:hlinkClick r:id="rId2">
-                  <a:extLst>
-                    <a:ext uri="{A12FA001-AC4F-418D-AE19-62706E023703}">
-                      <ahyp:hlinkClr xmlns:ahyp="http://schemas.microsoft.com/office/drawing/2018/hyperlinkcolor" val="tx"/>
-                    </a:ext>
-                  </a:extLst>
-                </a:hlinkClick>
-              </a:rPr>
-              <a:t>https://www.w3schools.com/html/</a:t>
-            </a:r>
-            <a:endParaRPr lang="en-US" dirty="0">
-              <a:solidFill>
-                <a:schemeClr val="accent2"/>
-              </a:solidFill>
-            </a:endParaRPr>
-          </a:p>
-          <a:p>
-            <a:pPr marR="274320" lvl="0">
-              <a:spcBef>
-                <a:spcPts val="0"/>
-              </a:spcBef>
-              <a:spcAft>
-                <a:spcPts val="600"/>
-              </a:spcAft>
-            </a:pPr>
-            <a:endParaRPr lang="en-US" dirty="0"/>
-          </a:p>
-          <a:p>
-            <a:pPr marR="274320" lvl="0">
-              <a:spcBef>
-                <a:spcPts val="0"/>
-              </a:spcBef>
-              <a:spcAft>
-                <a:spcPts val="600"/>
-              </a:spcAft>
-            </a:pPr>
-            <a:r>
-              <a:rPr lang="en-US" dirty="0"/>
-              <a:t>Mozilla Developer Network</a:t>
-            </a:r>
-          </a:p>
-          <a:p>
-            <a:r>
-              <a:rPr lang="en-US" dirty="0">
-                <a:solidFill>
-                  <a:schemeClr val="accent2"/>
-                </a:solidFill>
-                <a:hlinkClick r:id="rId3">
-                  <a:extLst>
-                    <a:ext uri="{A12FA001-AC4F-418D-AE19-62706E023703}">
-                      <ahyp:hlinkClr xmlns:ahyp="http://schemas.microsoft.com/office/drawing/2018/hyperlinkcolor" val="tx"/>
-                    </a:ext>
-                  </a:extLst>
-                </a:hlinkClick>
-              </a:rPr>
-              <a:t>https://developer.mozilla.org/en-US/docs/Web/HTML/Reference</a:t>
-            </a:r>
-            <a:endParaRPr lang="en-US" dirty="0">
-              <a:solidFill>
-                <a:schemeClr val="accent2"/>
-              </a:solidFill>
-            </a:endParaRPr>
-          </a:p>
-          <a:p>
-            <a:endParaRPr lang="en-US" dirty="0"/>
-          </a:p>
-        </p:txBody>
-      </p:sp>
+      <p:pic>
+        <p:nvPicPr>
+          <p:cNvPr id="7" name="Content Placeholder 6" descr="See page 16 in book" title="See slide title">
+            <a:extLst>
+              <a:ext uri="{FF2B5EF4-FFF2-40B4-BE49-F238E27FC236}">
+                <a16:creationId xmlns:a16="http://schemas.microsoft.com/office/drawing/2014/main" id="{518E81D3-4319-46E5-B93A-778C82A70844}"/>
+              </a:ext>
+            </a:extLst>
+          </p:cNvPr>
+          <p:cNvPicPr>
+            <a:picLocks noGrp="1"/>
+          </p:cNvPicPr>
+          <p:nvPr>
+            <p:ph sz="quarter" idx="13"/>
+          </p:nvPr>
+        </p:nvPicPr>
+        <p:blipFill>
+          <a:blip r:embed="rId2">
+            <a:extLst>
+              <a:ext uri="{28A0092B-C50C-407E-A947-70E740481C1C}">
+                <a14:useLocalDpi xmlns:a14="http://schemas.microsoft.com/office/drawing/2010/main" val="0"/>
+              </a:ext>
+            </a:extLst>
+          </a:blip>
+          <a:stretch>
+            <a:fillRect/>
+          </a:stretch>
+        </p:blipFill>
+        <p:spPr>
+          <a:xfrm>
+            <a:off x="914400" y="1219200"/>
+            <a:ext cx="6304762" cy="3733333"/>
+          </a:xfrm>
+          <a:prstGeom prst="rect">
+            <a:avLst/>
+          </a:prstGeom>
+        </p:spPr>
+      </p:pic>
       <p:sp>
         <p:nvSpPr>
           <p:cNvPr id="4" name="Date Placeholder 3">
             <a:extLst>
               <a:ext uri="{FF2B5EF4-FFF2-40B4-BE49-F238E27FC236}">
-                <a16:creationId xmlns:a16="http://schemas.microsoft.com/office/drawing/2014/main" id="{FC29F362-46FB-4C91-A0E7-582C756F44E6}"/>
+                <a16:creationId xmlns:a16="http://schemas.microsoft.com/office/drawing/2014/main" id="{000F52D6-8B08-4CAD-B32B-9CDC66B255DA}"/>
               </a:ext>
             </a:extLst>
           </p:cNvPr>
@@ -8131,7 +7882,7 @@
           <p:cNvPr id="5" name="Footer Placeholder 4">
             <a:extLst>
               <a:ext uri="{FF2B5EF4-FFF2-40B4-BE49-F238E27FC236}">
-                <a16:creationId xmlns:a16="http://schemas.microsoft.com/office/drawing/2014/main" id="{9F3DB55D-7E21-4076-82FE-0E7C4AFDB184}"/>
+                <a16:creationId xmlns:a16="http://schemas.microsoft.com/office/drawing/2014/main" id="{8F9EC0B0-A107-4D8E-84DD-6521719F4520}"/>
               </a:ext>
             </a:extLst>
           </p:cNvPr>
@@ -8163,7 +7914,7 @@
           <p:cNvPr id="6" name="Slide Number Placeholder 5">
             <a:extLst>
               <a:ext uri="{FF2B5EF4-FFF2-40B4-BE49-F238E27FC236}">
-                <a16:creationId xmlns:a16="http://schemas.microsoft.com/office/drawing/2014/main" id="{237D9D91-8564-43A0-901E-7EF65C289FD4}"/>
+                <a16:creationId xmlns:a16="http://schemas.microsoft.com/office/drawing/2014/main" id="{A0326940-6D49-4D89-A987-3D3206C5FD8E}"/>
               </a:ext>
             </a:extLst>
           </p:cNvPr>
@@ -8220,7 +7971,7 @@
     </p:spTree>
     <p:extLst>
       <p:ext uri="{BB962C8B-B14F-4D97-AF65-F5344CB8AC3E}">
-        <p14:creationId xmlns:p14="http://schemas.microsoft.com/office/powerpoint/2010/main" val="112755320"/>
+        <p14:creationId xmlns:p14="http://schemas.microsoft.com/office/powerpoint/2010/main" val="1903642702"/>
       </p:ext>
     </p:extLst>
   </p:cSld>
@@ -8252,7 +8003,7 @@
           <p:cNvPr id="2" name="Title 1">
             <a:extLst>
               <a:ext uri="{FF2B5EF4-FFF2-40B4-BE49-F238E27FC236}">
-                <a16:creationId xmlns:a16="http://schemas.microsoft.com/office/drawing/2014/main" id="{4B8F9BEC-39C9-44A5-BE19-96C8F0EEC5C1}"/>
+                <a16:creationId xmlns:a16="http://schemas.microsoft.com/office/drawing/2014/main" id="{77E0EDD8-29BF-4673-B84B-03D0DD93F1BA}"/>
               </a:ext>
             </a:extLst>
           </p:cNvPr>
@@ -8285,7 +8036,7 @@
                 <a:ea typeface="Times New Roman" panose="02020603050405020304" pitchFamily="18" charset="0"/>
                 <a:cs typeface="Times New Roman" panose="02020603050405020304" pitchFamily="18" charset="0"/>
               </a:rPr>
-              <a:t>Free text editors</a:t>
+              <a:t>Websites to become familiar with</a:t>
             </a:r>
             <a:endParaRPr lang="en-US" dirty="0"/>
           </a:p>
@@ -8296,7 +8047,7 @@
           <p:cNvPr id="3" name="Text Placeholder 2">
             <a:extLst>
               <a:ext uri="{FF2B5EF4-FFF2-40B4-BE49-F238E27FC236}">
-                <a16:creationId xmlns:a16="http://schemas.microsoft.com/office/drawing/2014/main" id="{5432FDB7-FBC8-43F3-876B-3B1163997EC5}"/>
+                <a16:creationId xmlns:a16="http://schemas.microsoft.com/office/drawing/2014/main" id="{76DFFE44-9B17-4F71-B726-BDC6843D7972}"/>
               </a:ext>
             </a:extLst>
           </p:cNvPr>
@@ -8312,98 +8063,108 @@
           <a:bodyPr/>
           <a:lstStyle/>
           <a:p>
-            <a:pPr marL="342900" marR="274320" indent="-342900">
+            <a:pPr marR="274320" lvl="0">
               <a:spcBef>
                 <a:spcPts val="0"/>
               </a:spcBef>
               <a:spcAft>
                 <a:spcPts val="600"/>
               </a:spcAft>
-              <a:buFont typeface="Symbol" panose="05050102010706020507" pitchFamily="18" charset="2"/>
-              <a:buChar char=""/>
-            </a:pPr>
-            <a:r>
-              <a:rPr lang="en-US" b="1" spc="-10" dirty="0">
-                <a:latin typeface="Times New Roman" panose="02020603050405020304" pitchFamily="18" charset="0"/>
-                <a:ea typeface="Times New Roman" panose="02020603050405020304" pitchFamily="18" charset="0"/>
-              </a:rPr>
-              <a:t>Visual Studio Code</a:t>
-            </a:r>
-          </a:p>
-          <a:p>
-            <a:pPr marL="342900" marR="274320" lvl="0" indent="-342900">
+            </a:pPr>
+            <a:endParaRPr lang="en-US" dirty="0"/>
+          </a:p>
+          <a:p>
+            <a:pPr marR="274320" lvl="0">
               <a:spcBef>
                 <a:spcPts val="0"/>
               </a:spcBef>
               <a:spcAft>
                 <a:spcPts val="600"/>
               </a:spcAft>
-              <a:buFont typeface="Symbol" panose="05050102010706020507" pitchFamily="18" charset="2"/>
-              <a:buChar char=""/>
-            </a:pPr>
-            <a:r>
-              <a:rPr lang="en-US" spc="-10" dirty="0">
-                <a:latin typeface="Times New Roman" panose="02020603050405020304" pitchFamily="18" charset="0"/>
-                <a:ea typeface="Times New Roman" panose="02020603050405020304" pitchFamily="18" charset="0"/>
-              </a:rPr>
-              <a:t>Brackets</a:t>
-            </a:r>
-          </a:p>
-          <a:p>
-            <a:pPr marL="342900" marR="274320" lvl="0" indent="-342900">
+            </a:pPr>
+            <a:r>
+              <a:rPr lang="en-US" dirty="0"/>
+              <a:t>W3 Schools </a:t>
+            </a:r>
+          </a:p>
+          <a:p>
+            <a:pPr marR="274320" lvl="0">
               <a:spcBef>
                 <a:spcPts val="0"/>
               </a:spcBef>
               <a:spcAft>
                 <a:spcPts val="600"/>
               </a:spcAft>
-              <a:buFont typeface="Symbol" panose="05050102010706020507" pitchFamily="18" charset="2"/>
-              <a:buChar char=""/>
-            </a:pPr>
-            <a:r>
-              <a:rPr lang="en-US" spc="-10" dirty="0">
-                <a:latin typeface="Times New Roman" panose="02020603050405020304" pitchFamily="18" charset="0"/>
-                <a:ea typeface="Times New Roman" panose="02020603050405020304" pitchFamily="18" charset="0"/>
-              </a:rPr>
-              <a:t>Atom</a:t>
-            </a:r>
-          </a:p>
-          <a:p>
-            <a:pPr marL="342900" marR="274320" lvl="0" indent="-342900">
+            </a:pPr>
+            <a:r>
+              <a:rPr lang="en-US" dirty="0">
+                <a:solidFill>
+                  <a:schemeClr val="accent2"/>
+                </a:solidFill>
+                <a:hlinkClick r:id="rId2">
+                  <a:extLst>
+                    <a:ext uri="{A12FA001-AC4F-418D-AE19-62706E023703}">
+                      <ahyp:hlinkClr xmlns:ahyp="http://schemas.microsoft.com/office/drawing/2018/hyperlinkcolor" val="tx"/>
+                    </a:ext>
+                  </a:extLst>
+                </a:hlinkClick>
+              </a:rPr>
+              <a:t>https://www.w3schools.com/html/</a:t>
+            </a:r>
+            <a:endParaRPr lang="en-US" dirty="0">
+              <a:solidFill>
+                <a:schemeClr val="accent2"/>
+              </a:solidFill>
+            </a:endParaRPr>
+          </a:p>
+          <a:p>
+            <a:pPr marR="274320" lvl="0">
               <a:spcBef>
                 <a:spcPts val="0"/>
               </a:spcBef>
               <a:spcAft>
                 <a:spcPts val="600"/>
               </a:spcAft>
-              <a:buFont typeface="Symbol" panose="05050102010706020507" pitchFamily="18" charset="2"/>
-              <a:buChar char=""/>
-            </a:pPr>
-            <a:r>
-              <a:rPr lang="en-US" spc="-10" dirty="0">
-                <a:latin typeface="Times New Roman" panose="02020603050405020304" pitchFamily="18" charset="0"/>
-                <a:ea typeface="Times New Roman" panose="02020603050405020304" pitchFamily="18" charset="0"/>
-              </a:rPr>
-              <a:t>Notepad++</a:t>
-            </a:r>
-          </a:p>
-          <a:p>
-            <a:pPr marL="342900" marR="274320" lvl="0" indent="-342900">
+            </a:pPr>
+            <a:endParaRPr lang="en-US" dirty="0"/>
+          </a:p>
+          <a:p>
+            <a:pPr marR="274320" lvl="0">
               <a:spcBef>
                 <a:spcPts val="0"/>
               </a:spcBef>
               <a:spcAft>
                 <a:spcPts val="600"/>
               </a:spcAft>
-              <a:buFont typeface="Symbol" panose="05050102010706020507" pitchFamily="18" charset="2"/>
-              <a:buChar char=""/>
-            </a:pPr>
-            <a:r>
-              <a:rPr lang="en-US" spc="-10" dirty="0">
-                <a:latin typeface="Times New Roman" panose="02020603050405020304" pitchFamily="18" charset="0"/>
-              </a:rPr>
-              <a:t>Sublime Text</a:t>
-            </a:r>
+            </a:pPr>
+            <a:r>
+              <a:rPr lang="en-US" dirty="0"/>
+              <a:t>Mozilla Developer Network</a:t>
+            </a:r>
+          </a:p>
+          <a:p>
+            <a:r>
+              <a:rPr lang="en-US" dirty="0">
+                <a:solidFill>
+                  <a:schemeClr val="accent2"/>
+                </a:solidFill>
+                <a:hlinkClick r:id="rId3">
+                  <a:extLst>
+                    <a:ext uri="{A12FA001-AC4F-418D-AE19-62706E023703}">
+                      <ahyp:hlinkClr xmlns:ahyp="http://schemas.microsoft.com/office/drawing/2018/hyperlinkcolor" val="tx"/>
+                    </a:ext>
+                  </a:extLst>
+                </a:hlinkClick>
+              </a:rPr>
+              <a:t>https://developer.mozilla.org/en-US/docs/Web/HTML/Reference</a:t>
+            </a:r>
+            <a:endParaRPr lang="en-US" dirty="0">
+              <a:solidFill>
+                <a:schemeClr val="accent2"/>
+              </a:solidFill>
+            </a:endParaRPr>
+          </a:p>
+          <a:p>
             <a:endParaRPr lang="en-US" dirty="0"/>
           </a:p>
         </p:txBody>
@@ -8413,7 +8174,7 @@
           <p:cNvPr id="4" name="Date Placeholder 3">
             <a:extLst>
               <a:ext uri="{FF2B5EF4-FFF2-40B4-BE49-F238E27FC236}">
-                <a16:creationId xmlns:a16="http://schemas.microsoft.com/office/drawing/2014/main" id="{7EF68BB8-E656-4CFB-A32E-D767024B7ED0}"/>
+                <a16:creationId xmlns:a16="http://schemas.microsoft.com/office/drawing/2014/main" id="{FC29F362-46FB-4C91-A0E7-582C756F44E6}"/>
               </a:ext>
             </a:extLst>
           </p:cNvPr>
@@ -8445,7 +8206,7 @@
           <p:cNvPr id="5" name="Footer Placeholder 4">
             <a:extLst>
               <a:ext uri="{FF2B5EF4-FFF2-40B4-BE49-F238E27FC236}">
-                <a16:creationId xmlns:a16="http://schemas.microsoft.com/office/drawing/2014/main" id="{1348F9C3-9165-4D11-8AD2-468793536613}"/>
+                <a16:creationId xmlns:a16="http://schemas.microsoft.com/office/drawing/2014/main" id="{9F3DB55D-7E21-4076-82FE-0E7C4AFDB184}"/>
               </a:ext>
             </a:extLst>
           </p:cNvPr>
@@ -8477,7 +8238,7 @@
           <p:cNvPr id="6" name="Slide Number Placeholder 5">
             <a:extLst>
               <a:ext uri="{FF2B5EF4-FFF2-40B4-BE49-F238E27FC236}">
-                <a16:creationId xmlns:a16="http://schemas.microsoft.com/office/drawing/2014/main" id="{B03E86A3-6053-4F98-B2E4-84914F60D41B}"/>
+                <a16:creationId xmlns:a16="http://schemas.microsoft.com/office/drawing/2014/main" id="{237D9D91-8564-43A0-901E-7EF65C289FD4}"/>
               </a:ext>
             </a:extLst>
           </p:cNvPr>
@@ -8534,7 +8295,7 @@
     </p:spTree>
     <p:extLst>
       <p:ext uri="{BB962C8B-B14F-4D97-AF65-F5344CB8AC3E}">
-        <p14:creationId xmlns:p14="http://schemas.microsoft.com/office/powerpoint/2010/main" val="2606390514"/>
+        <p14:creationId xmlns:p14="http://schemas.microsoft.com/office/powerpoint/2010/main" val="112755320"/>
       </p:ext>
     </p:extLst>
   </p:cSld>
@@ -8566,7 +8327,7 @@
           <p:cNvPr id="2" name="Title 1">
             <a:extLst>
               <a:ext uri="{FF2B5EF4-FFF2-40B4-BE49-F238E27FC236}">
-                <a16:creationId xmlns:a16="http://schemas.microsoft.com/office/drawing/2014/main" id="{10550EEE-A06A-49B4-8A40-25FDED87F1E7}"/>
+                <a16:creationId xmlns:a16="http://schemas.microsoft.com/office/drawing/2014/main" id="{4B8F9BEC-39C9-44A5-BE19-96C8F0EEC5C1}"/>
               </a:ext>
             </a:extLst>
           </p:cNvPr>
@@ -8599,7 +8360,7 @@
                 <a:ea typeface="Times New Roman" panose="02020603050405020304" pitchFamily="18" charset="0"/>
                 <a:cs typeface="Times New Roman" panose="02020603050405020304" pitchFamily="18" charset="0"/>
               </a:rPr>
-              <a:t>Popular IDEs for web development</a:t>
+              <a:t>Free text editors</a:t>
             </a:r>
             <a:endParaRPr lang="en-US" dirty="0"/>
           </a:p>
@@ -8610,7 +8371,7 @@
           <p:cNvPr id="3" name="Text Placeholder 2">
             <a:extLst>
               <a:ext uri="{FF2B5EF4-FFF2-40B4-BE49-F238E27FC236}">
-                <a16:creationId xmlns:a16="http://schemas.microsoft.com/office/drawing/2014/main" id="{0B454857-4F37-4675-A7C9-A0ED1B94DF35}"/>
+                <a16:creationId xmlns:a16="http://schemas.microsoft.com/office/drawing/2014/main" id="{5432FDB7-FBC8-43F3-876B-3B1163997EC5}"/>
               </a:ext>
             </a:extLst>
           </p:cNvPr>
@@ -8693,13 +8454,16 @@
               <a:buFont typeface="Symbol" panose="05050102010706020507" pitchFamily="18" charset="2"/>
               <a:buChar char=""/>
             </a:pPr>
-            <a:endParaRPr lang="en-US" spc="-10" dirty="0">
-              <a:latin typeface="Times New Roman" panose="02020603050405020304" pitchFamily="18" charset="0"/>
-              <a:ea typeface="Times New Roman" panose="02020603050405020304" pitchFamily="18" charset="0"/>
-            </a:endParaRPr>
-          </a:p>
-          <a:p>
-            <a:pPr marL="342900" marR="274320" indent="-342900">
+            <a:r>
+              <a:rPr lang="en-US" spc="-10" dirty="0">
+                <a:latin typeface="Times New Roman" panose="02020603050405020304" pitchFamily="18" charset="0"/>
+                <a:ea typeface="Times New Roman" panose="02020603050405020304" pitchFamily="18" charset="0"/>
+              </a:rPr>
+              <a:t>Notepad++</a:t>
+            </a:r>
+          </a:p>
+          <a:p>
+            <a:pPr marL="342900" marR="274320" lvl="0" indent="-342900">
               <a:spcBef>
                 <a:spcPts val="0"/>
               </a:spcBef>
@@ -8710,87 +8474,10 @@
               <a:buChar char=""/>
             </a:pPr>
             <a:r>
-              <a:rPr lang="en-US" b="1" spc="-10" dirty="0">
-                <a:latin typeface="Times New Roman" panose="02020603050405020304" pitchFamily="18" charset="0"/>
-                <a:ea typeface="Times New Roman" panose="02020603050405020304" pitchFamily="18" charset="0"/>
-              </a:rPr>
-              <a:t>Microsoft Visual Studio</a:t>
-            </a:r>
-          </a:p>
-          <a:p>
-            <a:pPr marL="342900" marR="274320" lvl="0" indent="-342900">
-              <a:spcBef>
-                <a:spcPts val="0"/>
-              </a:spcBef>
-              <a:spcAft>
-                <a:spcPts val="600"/>
-              </a:spcAft>
-              <a:buFont typeface="Symbol" panose="05050102010706020507" pitchFamily="18" charset="2"/>
-              <a:buChar char=""/>
-            </a:pPr>
-            <a:r>
               <a:rPr lang="en-US" spc="-10" dirty="0">
                 <a:latin typeface="Times New Roman" panose="02020603050405020304" pitchFamily="18" charset="0"/>
-                <a:ea typeface="Times New Roman" panose="02020603050405020304" pitchFamily="18" charset="0"/>
-              </a:rPr>
-              <a:t>IntelliJ IDEA</a:t>
-            </a:r>
-          </a:p>
-          <a:p>
-            <a:pPr marL="342900" marR="274320" indent="-342900">
-              <a:spcBef>
-                <a:spcPts val="0"/>
-              </a:spcBef>
-              <a:spcAft>
-                <a:spcPts val="600"/>
-              </a:spcAft>
-              <a:buFont typeface="Symbol" panose="05050102010706020507" pitchFamily="18" charset="2"/>
-              <a:buChar char=""/>
-            </a:pPr>
-            <a:r>
-              <a:rPr lang="en-US" spc="-10" dirty="0">
-                <a:latin typeface="Times New Roman" panose="02020603050405020304" pitchFamily="18" charset="0"/>
-                <a:ea typeface="Times New Roman" panose="02020603050405020304" pitchFamily="18" charset="0"/>
-              </a:rPr>
-              <a:t>WebStorm</a:t>
-            </a:r>
-          </a:p>
-          <a:p>
-            <a:pPr marL="342900" marR="274320" indent="-342900">
-              <a:spcBef>
-                <a:spcPts val="0"/>
-              </a:spcBef>
-              <a:spcAft>
-                <a:spcPts val="600"/>
-              </a:spcAft>
-              <a:buFont typeface="Symbol" panose="05050102010706020507" pitchFamily="18" charset="2"/>
-              <a:buChar char=""/>
-            </a:pPr>
-            <a:r>
-              <a:rPr lang="en-US" spc="-10" dirty="0">
-                <a:latin typeface="Times New Roman" panose="02020603050405020304" pitchFamily="18" charset="0"/>
-                <a:ea typeface="Times New Roman" panose="02020603050405020304" pitchFamily="18" charset="0"/>
-              </a:rPr>
-              <a:t>NetBeans</a:t>
-            </a:r>
-          </a:p>
-          <a:p>
-            <a:pPr marL="342900" marR="274320" lvl="0" indent="-342900">
-              <a:spcBef>
-                <a:spcPts val="0"/>
-              </a:spcBef>
-              <a:spcAft>
-                <a:spcPts val="600"/>
-              </a:spcAft>
-              <a:buFont typeface="Symbol" panose="05050102010706020507" pitchFamily="18" charset="2"/>
-              <a:buChar char=""/>
-            </a:pPr>
-            <a:r>
-              <a:rPr lang="en-US" spc="-10" dirty="0">
-                <a:latin typeface="Times New Roman" panose="02020603050405020304" pitchFamily="18" charset="0"/>
-                <a:ea typeface="Times New Roman" panose="02020603050405020304" pitchFamily="18" charset="0"/>
-              </a:rPr>
-              <a:t>Adobe Dreamweaver</a:t>
+              </a:rPr>
+              <a:t>Sublime Text</a:t>
             </a:r>
             <a:endParaRPr lang="en-US" dirty="0"/>
           </a:p>
@@ -8801,7 +8488,7 @@
           <p:cNvPr id="4" name="Date Placeholder 3">
             <a:extLst>
               <a:ext uri="{FF2B5EF4-FFF2-40B4-BE49-F238E27FC236}">
-                <a16:creationId xmlns:a16="http://schemas.microsoft.com/office/drawing/2014/main" id="{33995194-3614-4CDB-8A5B-119EB3D1C1B6}"/>
+                <a16:creationId xmlns:a16="http://schemas.microsoft.com/office/drawing/2014/main" id="{7EF68BB8-E656-4CFB-A32E-D767024B7ED0}"/>
               </a:ext>
             </a:extLst>
           </p:cNvPr>
@@ -8833,7 +8520,7 @@
           <p:cNvPr id="5" name="Footer Placeholder 4">
             <a:extLst>
               <a:ext uri="{FF2B5EF4-FFF2-40B4-BE49-F238E27FC236}">
-                <a16:creationId xmlns:a16="http://schemas.microsoft.com/office/drawing/2014/main" id="{F262EA9A-944E-4AA8-B20C-1C2BF9BC6C15}"/>
+                <a16:creationId xmlns:a16="http://schemas.microsoft.com/office/drawing/2014/main" id="{1348F9C3-9165-4D11-8AD2-468793536613}"/>
               </a:ext>
             </a:extLst>
           </p:cNvPr>
@@ -8865,7 +8552,7 @@
           <p:cNvPr id="6" name="Slide Number Placeholder 5">
             <a:extLst>
               <a:ext uri="{FF2B5EF4-FFF2-40B4-BE49-F238E27FC236}">
-                <a16:creationId xmlns:a16="http://schemas.microsoft.com/office/drawing/2014/main" id="{D1ED3B85-E866-40F5-B2E6-A39924518272}"/>
+                <a16:creationId xmlns:a16="http://schemas.microsoft.com/office/drawing/2014/main" id="{B03E86A3-6053-4F98-B2E4-84914F60D41B}"/>
               </a:ext>
             </a:extLst>
           </p:cNvPr>
@@ -8922,7 +8609,7 @@
     </p:spTree>
     <p:extLst>
       <p:ext uri="{BB962C8B-B14F-4D97-AF65-F5344CB8AC3E}">
-        <p14:creationId xmlns:p14="http://schemas.microsoft.com/office/powerpoint/2010/main" val="2772454881"/>
+        <p14:creationId xmlns:p14="http://schemas.microsoft.com/office/powerpoint/2010/main" val="2606390514"/>
       </p:ext>
     </p:extLst>
   </p:cSld>
@@ -8954,7 +8641,7 @@
           <p:cNvPr id="2" name="Title 1">
             <a:extLst>
               <a:ext uri="{FF2B5EF4-FFF2-40B4-BE49-F238E27FC236}">
-                <a16:creationId xmlns:a16="http://schemas.microsoft.com/office/drawing/2014/main" id="{E0705E73-51AA-4E39-9796-CEAC6EEC8780}"/>
+                <a16:creationId xmlns:a16="http://schemas.microsoft.com/office/drawing/2014/main" id="{10550EEE-A06A-49B4-8A40-25FDED87F1E7}"/>
               </a:ext>
             </a:extLst>
           </p:cNvPr>
@@ -8987,56 +8674,209 @@
                 <a:ea typeface="Times New Roman" panose="02020603050405020304" pitchFamily="18" charset="0"/>
                 <a:cs typeface="Times New Roman" panose="02020603050405020304" pitchFamily="18" charset="0"/>
               </a:rPr>
-              <a:t>Brackets and its auto-completion feature</a:t>
+              <a:t>Popular IDEs for web development</a:t>
             </a:r>
             <a:endParaRPr lang="en-US" dirty="0"/>
           </a:p>
         </p:txBody>
       </p:sp>
-      <p:pic>
-        <p:nvPicPr>
-          <p:cNvPr id="7" name="Content Placeholder 6" descr="See page 20 in book" title="See slide title">
-            <a:extLst>
-              <a:ext uri="{FF2B5EF4-FFF2-40B4-BE49-F238E27FC236}">
-                <a16:creationId xmlns:a16="http://schemas.microsoft.com/office/drawing/2014/main" id="{E890AA57-E8DF-4184-B2C5-6160CA9DAF62}"/>
-              </a:ext>
-            </a:extLst>
-          </p:cNvPr>
-          <p:cNvPicPr>
-            <a:picLocks noGrp="1"/>
-          </p:cNvPicPr>
-          <p:nvPr>
-            <p:ph sz="quarter" idx="13"/>
-          </p:nvPr>
-        </p:nvPicPr>
-        <p:blipFill>
-          <a:blip r:embed="rId2">
-            <a:extLst>
-              <a:ext uri="{28A0092B-C50C-407E-A947-70E740481C1C}">
-                <a14:useLocalDpi xmlns:a14="http://schemas.microsoft.com/office/drawing/2010/main" val="0"/>
-              </a:ext>
-            </a:extLst>
-          </a:blip>
-          <a:stretch>
-            <a:fillRect/>
-          </a:stretch>
-        </p:blipFill>
-        <p:spPr>
-          <a:xfrm>
-            <a:off x="914400" y="1143000"/>
-            <a:ext cx="6988312" cy="4800600"/>
-          </a:xfrm>
-          <a:prstGeom prst="rect">
-            <a:avLst/>
-          </a:prstGeom>
-        </p:spPr>
-      </p:pic>
+      <p:sp>
+        <p:nvSpPr>
+          <p:cNvPr id="3" name="Text Placeholder 2">
+            <a:extLst>
+              <a:ext uri="{FF2B5EF4-FFF2-40B4-BE49-F238E27FC236}">
+                <a16:creationId xmlns:a16="http://schemas.microsoft.com/office/drawing/2014/main" id="{0B454857-4F37-4675-A7C9-A0ED1B94DF35}"/>
+              </a:ext>
+            </a:extLst>
+          </p:cNvPr>
+          <p:cNvSpPr>
+            <a:spLocks noGrp="1"/>
+          </p:cNvSpPr>
+          <p:nvPr>
+            <p:ph type="body" sz="quarter" idx="13"/>
+          </p:nvPr>
+        </p:nvSpPr>
+        <p:spPr/>
+        <p:txBody>
+          <a:bodyPr/>
+          <a:lstStyle/>
+          <a:p>
+            <a:pPr marL="342900" marR="274320" indent="-342900">
+              <a:spcBef>
+                <a:spcPts val="0"/>
+              </a:spcBef>
+              <a:spcAft>
+                <a:spcPts val="600"/>
+              </a:spcAft>
+              <a:buFont typeface="Symbol" panose="05050102010706020507" pitchFamily="18" charset="2"/>
+              <a:buChar char=""/>
+            </a:pPr>
+            <a:r>
+              <a:rPr lang="en-US" b="1" spc="-10" dirty="0">
+                <a:latin typeface="Times New Roman" panose="02020603050405020304" pitchFamily="18" charset="0"/>
+                <a:ea typeface="Times New Roman" panose="02020603050405020304" pitchFamily="18" charset="0"/>
+              </a:rPr>
+              <a:t>Visual Studio Code</a:t>
+            </a:r>
+          </a:p>
+          <a:p>
+            <a:pPr marL="342900" marR="274320" lvl="0" indent="-342900">
+              <a:spcBef>
+                <a:spcPts val="0"/>
+              </a:spcBef>
+              <a:spcAft>
+                <a:spcPts val="600"/>
+              </a:spcAft>
+              <a:buFont typeface="Symbol" panose="05050102010706020507" pitchFamily="18" charset="2"/>
+              <a:buChar char=""/>
+            </a:pPr>
+            <a:r>
+              <a:rPr lang="en-US" spc="-10" dirty="0">
+                <a:latin typeface="Times New Roman" panose="02020603050405020304" pitchFamily="18" charset="0"/>
+                <a:ea typeface="Times New Roman" panose="02020603050405020304" pitchFamily="18" charset="0"/>
+              </a:rPr>
+              <a:t>Brackets</a:t>
+            </a:r>
+          </a:p>
+          <a:p>
+            <a:pPr marL="342900" marR="274320" lvl="0" indent="-342900">
+              <a:spcBef>
+                <a:spcPts val="0"/>
+              </a:spcBef>
+              <a:spcAft>
+                <a:spcPts val="600"/>
+              </a:spcAft>
+              <a:buFont typeface="Symbol" panose="05050102010706020507" pitchFamily="18" charset="2"/>
+              <a:buChar char=""/>
+            </a:pPr>
+            <a:r>
+              <a:rPr lang="en-US" spc="-10" dirty="0">
+                <a:latin typeface="Times New Roman" panose="02020603050405020304" pitchFamily="18" charset="0"/>
+                <a:ea typeface="Times New Roman" panose="02020603050405020304" pitchFamily="18" charset="0"/>
+              </a:rPr>
+              <a:t>Atom</a:t>
+            </a:r>
+          </a:p>
+          <a:p>
+            <a:pPr marL="342900" marR="274320" lvl="0" indent="-342900">
+              <a:spcBef>
+                <a:spcPts val="0"/>
+              </a:spcBef>
+              <a:spcAft>
+                <a:spcPts val="600"/>
+              </a:spcAft>
+              <a:buFont typeface="Symbol" panose="05050102010706020507" pitchFamily="18" charset="2"/>
+              <a:buChar char=""/>
+            </a:pPr>
+            <a:endParaRPr lang="en-US" spc="-10" dirty="0">
+              <a:latin typeface="Times New Roman" panose="02020603050405020304" pitchFamily="18" charset="0"/>
+              <a:ea typeface="Times New Roman" panose="02020603050405020304" pitchFamily="18" charset="0"/>
+            </a:endParaRPr>
+          </a:p>
+          <a:p>
+            <a:pPr marL="342900" marR="274320" indent="-342900">
+              <a:spcBef>
+                <a:spcPts val="0"/>
+              </a:spcBef>
+              <a:spcAft>
+                <a:spcPts val="600"/>
+              </a:spcAft>
+              <a:buFont typeface="Symbol" panose="05050102010706020507" pitchFamily="18" charset="2"/>
+              <a:buChar char=""/>
+            </a:pPr>
+            <a:r>
+              <a:rPr lang="en-US" b="1" spc="-10" dirty="0">
+                <a:latin typeface="Times New Roman" panose="02020603050405020304" pitchFamily="18" charset="0"/>
+                <a:ea typeface="Times New Roman" panose="02020603050405020304" pitchFamily="18" charset="0"/>
+              </a:rPr>
+              <a:t>Microsoft Visual Studio</a:t>
+            </a:r>
+          </a:p>
+          <a:p>
+            <a:pPr marL="342900" marR="274320" lvl="0" indent="-342900">
+              <a:spcBef>
+                <a:spcPts val="0"/>
+              </a:spcBef>
+              <a:spcAft>
+                <a:spcPts val="600"/>
+              </a:spcAft>
+              <a:buFont typeface="Symbol" panose="05050102010706020507" pitchFamily="18" charset="2"/>
+              <a:buChar char=""/>
+            </a:pPr>
+            <a:r>
+              <a:rPr lang="en-US" spc="-10" dirty="0">
+                <a:latin typeface="Times New Roman" panose="02020603050405020304" pitchFamily="18" charset="0"/>
+                <a:ea typeface="Times New Roman" panose="02020603050405020304" pitchFamily="18" charset="0"/>
+              </a:rPr>
+              <a:t>IntelliJ IDEA</a:t>
+            </a:r>
+          </a:p>
+          <a:p>
+            <a:pPr marL="342900" marR="274320" indent="-342900">
+              <a:spcBef>
+                <a:spcPts val="0"/>
+              </a:spcBef>
+              <a:spcAft>
+                <a:spcPts val="600"/>
+              </a:spcAft>
+              <a:buFont typeface="Symbol" panose="05050102010706020507" pitchFamily="18" charset="2"/>
+              <a:buChar char=""/>
+            </a:pPr>
+            <a:r>
+              <a:rPr lang="en-US" spc="-10" dirty="0">
+                <a:latin typeface="Times New Roman" panose="02020603050405020304" pitchFamily="18" charset="0"/>
+                <a:ea typeface="Times New Roman" panose="02020603050405020304" pitchFamily="18" charset="0"/>
+              </a:rPr>
+              <a:t>WebStorm</a:t>
+            </a:r>
+          </a:p>
+          <a:p>
+            <a:pPr marL="342900" marR="274320" indent="-342900">
+              <a:spcBef>
+                <a:spcPts val="0"/>
+              </a:spcBef>
+              <a:spcAft>
+                <a:spcPts val="600"/>
+              </a:spcAft>
+              <a:buFont typeface="Symbol" panose="05050102010706020507" pitchFamily="18" charset="2"/>
+              <a:buChar char=""/>
+            </a:pPr>
+            <a:r>
+              <a:rPr lang="en-US" spc="-10" dirty="0">
+                <a:latin typeface="Times New Roman" panose="02020603050405020304" pitchFamily="18" charset="0"/>
+                <a:ea typeface="Times New Roman" panose="02020603050405020304" pitchFamily="18" charset="0"/>
+              </a:rPr>
+              <a:t>NetBeans</a:t>
+            </a:r>
+          </a:p>
+          <a:p>
+            <a:pPr marL="342900" marR="274320" lvl="0" indent="-342900">
+              <a:spcBef>
+                <a:spcPts val="0"/>
+              </a:spcBef>
+              <a:spcAft>
+                <a:spcPts val="600"/>
+              </a:spcAft>
+              <a:buFont typeface="Symbol" panose="05050102010706020507" pitchFamily="18" charset="2"/>
+              <a:buChar char=""/>
+            </a:pPr>
+            <a:r>
+              <a:rPr lang="en-US" spc="-10" dirty="0">
+                <a:latin typeface="Times New Roman" panose="02020603050405020304" pitchFamily="18" charset="0"/>
+                <a:ea typeface="Times New Roman" panose="02020603050405020304" pitchFamily="18" charset="0"/>
+              </a:rPr>
+              <a:t>Adobe Dreamweaver</a:t>
+            </a:r>
+            <a:endParaRPr lang="en-US" dirty="0"/>
+          </a:p>
+        </p:txBody>
+      </p:sp>
       <p:sp>
         <p:nvSpPr>
           <p:cNvPr id="4" name="Date Placeholder 3">
             <a:extLst>
               <a:ext uri="{FF2B5EF4-FFF2-40B4-BE49-F238E27FC236}">
-                <a16:creationId xmlns:a16="http://schemas.microsoft.com/office/drawing/2014/main" id="{82AC2EDD-1394-499D-951C-277056CBEDEE}"/>
+                <a16:creationId xmlns:a16="http://schemas.microsoft.com/office/drawing/2014/main" id="{33995194-3614-4CDB-8A5B-119EB3D1C1B6}"/>
               </a:ext>
             </a:extLst>
           </p:cNvPr>
@@ -9068,7 +8908,7 @@
           <p:cNvPr id="5" name="Footer Placeholder 4">
             <a:extLst>
               <a:ext uri="{FF2B5EF4-FFF2-40B4-BE49-F238E27FC236}">
-                <a16:creationId xmlns:a16="http://schemas.microsoft.com/office/drawing/2014/main" id="{9593B4D6-C4EA-4AD0-BE7C-CB589A137967}"/>
+                <a16:creationId xmlns:a16="http://schemas.microsoft.com/office/drawing/2014/main" id="{F262EA9A-944E-4AA8-B20C-1C2BF9BC6C15}"/>
               </a:ext>
             </a:extLst>
           </p:cNvPr>
@@ -9100,7 +8940,7 @@
           <p:cNvPr id="6" name="Slide Number Placeholder 5">
             <a:extLst>
               <a:ext uri="{FF2B5EF4-FFF2-40B4-BE49-F238E27FC236}">
-                <a16:creationId xmlns:a16="http://schemas.microsoft.com/office/drawing/2014/main" id="{8C4E5D25-EE69-41F6-8225-5A9C94D75FAD}"/>
+                <a16:creationId xmlns:a16="http://schemas.microsoft.com/office/drawing/2014/main" id="{D1ED3B85-E866-40F5-B2E6-A39924518272}"/>
               </a:ext>
             </a:extLst>
           </p:cNvPr>
@@ -9157,7 +8997,7 @@
     </p:spTree>
     <p:extLst>
       <p:ext uri="{BB962C8B-B14F-4D97-AF65-F5344CB8AC3E}">
-        <p14:creationId xmlns:p14="http://schemas.microsoft.com/office/powerpoint/2010/main" val="535041028"/>
+        <p14:creationId xmlns:p14="http://schemas.microsoft.com/office/powerpoint/2010/main" val="2772454881"/>
       </p:ext>
     </p:extLst>
   </p:cSld>
@@ -9189,7 +9029,7 @@
           <p:cNvPr id="2" name="Title 1">
             <a:extLst>
               <a:ext uri="{FF2B5EF4-FFF2-40B4-BE49-F238E27FC236}">
-                <a16:creationId xmlns:a16="http://schemas.microsoft.com/office/drawing/2014/main" id="{EFFA2777-7623-49C9-B83A-A574DAB5AF69}"/>
+                <a16:creationId xmlns:a16="http://schemas.microsoft.com/office/drawing/2014/main" id="{E0705E73-51AA-4E39-9796-CEAC6EEC8780}"/>
               </a:ext>
             </a:extLst>
           </p:cNvPr>
@@ -9222,166 +9062,56 @@
                 <a:ea typeface="Times New Roman" panose="02020603050405020304" pitchFamily="18" charset="0"/>
                 <a:cs typeface="Times New Roman" panose="02020603050405020304" pitchFamily="18" charset="0"/>
               </a:rPr>
-              <a:t>Some popular FTP programs</a:t>
+              <a:t>Brackets and its auto-completion feature</a:t>
             </a:r>
             <a:endParaRPr lang="en-US" dirty="0"/>
           </a:p>
         </p:txBody>
       </p:sp>
-      <p:sp>
-        <p:nvSpPr>
-          <p:cNvPr id="3" name="Text Placeholder 2">
-            <a:extLst>
-              <a:ext uri="{FF2B5EF4-FFF2-40B4-BE49-F238E27FC236}">
-                <a16:creationId xmlns:a16="http://schemas.microsoft.com/office/drawing/2014/main" id="{40BF30B5-0CD8-40F1-9FE4-956E65FE741A}"/>
-              </a:ext>
-            </a:extLst>
-          </p:cNvPr>
-          <p:cNvSpPr>
-            <a:spLocks noGrp="1"/>
-          </p:cNvSpPr>
-          <p:nvPr>
-            <p:ph type="body" sz="quarter" idx="13"/>
-          </p:nvPr>
-        </p:nvSpPr>
-        <p:spPr/>
-        <p:txBody>
-          <a:bodyPr/>
-          <a:lstStyle/>
-          <a:p>
-            <a:pPr marL="342900" marR="274320" lvl="0" indent="-342900">
-              <a:spcBef>
-                <a:spcPts val="0"/>
-              </a:spcBef>
-              <a:spcAft>
-                <a:spcPts val="600"/>
-              </a:spcAft>
-              <a:buFont typeface="Symbol" panose="05050102010706020507" pitchFamily="18" charset="2"/>
-              <a:buChar char=""/>
-            </a:pPr>
-            <a:r>
-              <a:rPr lang="en-US" b="1" spc="-10" dirty="0">
-                <a:latin typeface="Times New Roman" panose="02020603050405020304" pitchFamily="18" charset="0"/>
-                <a:ea typeface="Times New Roman" panose="02020603050405020304" pitchFamily="18" charset="0"/>
-              </a:rPr>
-              <a:t>FileZilla</a:t>
-            </a:r>
-            <a:r>
-              <a:rPr lang="en-US" spc="-10" dirty="0">
-                <a:latin typeface="Times New Roman" panose="02020603050405020304" pitchFamily="18" charset="0"/>
-                <a:ea typeface="Times New Roman" panose="02020603050405020304" pitchFamily="18" charset="0"/>
-              </a:rPr>
-              <a:t>	</a:t>
-            </a:r>
-          </a:p>
-          <a:p>
-            <a:pPr marL="342900" marR="274320" lvl="0" indent="-342900">
-              <a:spcBef>
-                <a:spcPts val="0"/>
-              </a:spcBef>
-              <a:spcAft>
-                <a:spcPts val="600"/>
-              </a:spcAft>
-              <a:buFont typeface="Symbol" panose="05050102010706020507" pitchFamily="18" charset="2"/>
-              <a:buChar char=""/>
-            </a:pPr>
-            <a:r>
-              <a:rPr lang="en-US" spc="-10" dirty="0">
-                <a:latin typeface="Times New Roman" panose="02020603050405020304" pitchFamily="18" charset="0"/>
-                <a:ea typeface="Times New Roman" panose="02020603050405020304" pitchFamily="18" charset="0"/>
-              </a:rPr>
-              <a:t>FTP Voyager	</a:t>
-            </a:r>
-          </a:p>
-          <a:p>
-            <a:pPr marL="342900" marR="274320" lvl="0" indent="-342900">
-              <a:spcBef>
-                <a:spcPts val="0"/>
-              </a:spcBef>
-              <a:spcAft>
-                <a:spcPts val="600"/>
-              </a:spcAft>
-              <a:buFont typeface="Symbol" panose="05050102010706020507" pitchFamily="18" charset="2"/>
-              <a:buChar char=""/>
-            </a:pPr>
-            <a:r>
-              <a:rPr lang="en-US" spc="-10" dirty="0" err="1">
-                <a:latin typeface="Times New Roman" panose="02020603050405020304" pitchFamily="18" charset="0"/>
-                <a:ea typeface="Times New Roman" panose="02020603050405020304" pitchFamily="18" charset="0"/>
-              </a:rPr>
-              <a:t>CuteFTP</a:t>
-            </a:r>
-            <a:r>
-              <a:rPr lang="en-US" spc="-10" dirty="0">
-                <a:latin typeface="Times New Roman" panose="02020603050405020304" pitchFamily="18" charset="0"/>
-                <a:ea typeface="Times New Roman" panose="02020603050405020304" pitchFamily="18" charset="0"/>
-              </a:rPr>
-              <a:t>	</a:t>
-            </a:r>
-          </a:p>
-          <a:p>
-            <a:pPr marL="342900" marR="274320" lvl="0" indent="-342900">
-              <a:spcBef>
-                <a:spcPts val="0"/>
-              </a:spcBef>
-              <a:spcAft>
-                <a:spcPts val="600"/>
-              </a:spcAft>
-              <a:buFont typeface="Symbol" panose="05050102010706020507" pitchFamily="18" charset="2"/>
-              <a:buChar char=""/>
-            </a:pPr>
-            <a:r>
-              <a:rPr lang="en-US" spc="-10" dirty="0">
-                <a:latin typeface="Times New Roman" panose="02020603050405020304" pitchFamily="18" charset="0"/>
-                <a:ea typeface="Times New Roman" panose="02020603050405020304" pitchFamily="18" charset="0"/>
-              </a:rPr>
-              <a:t>Fetch	</a:t>
-            </a:r>
-          </a:p>
-          <a:p>
-            <a:pPr marL="342900" marR="274320" lvl="0" indent="-342900">
-              <a:spcBef>
-                <a:spcPts val="0"/>
-              </a:spcBef>
-              <a:spcAft>
-                <a:spcPts val="600"/>
-              </a:spcAft>
-              <a:buFont typeface="Symbol" panose="05050102010706020507" pitchFamily="18" charset="2"/>
-              <a:buChar char=""/>
-            </a:pPr>
-            <a:endParaRPr lang="en-US" spc="-10" dirty="0">
-              <a:latin typeface="Times New Roman" panose="02020603050405020304" pitchFamily="18" charset="0"/>
-              <a:ea typeface="Times New Roman" panose="02020603050405020304" pitchFamily="18" charset="0"/>
-            </a:endParaRPr>
-          </a:p>
-          <a:p>
-            <a:pPr marR="274320" lvl="0">
-              <a:spcBef>
-                <a:spcPts val="0"/>
-              </a:spcBef>
-              <a:spcAft>
-                <a:spcPts val="600"/>
-              </a:spcAft>
-            </a:pPr>
-            <a:r>
-              <a:rPr lang="en-US" spc="-10" dirty="0">
-                <a:latin typeface="Times New Roman" panose="02020603050405020304" pitchFamily="18" charset="0"/>
-                <a:ea typeface="Times New Roman" panose="02020603050405020304" pitchFamily="18" charset="0"/>
-              </a:rPr>
-              <a:t>Most IDEs have FTP clients built in, or available as extensions.</a:t>
-            </a:r>
-          </a:p>
-          <a:p>
-            <a:endParaRPr lang="en-US" dirty="0"/>
-          </a:p>
-        </p:txBody>
-      </p:sp>
+      <p:pic>
+        <p:nvPicPr>
+          <p:cNvPr id="7" name="Content Placeholder 6" descr="See page 20 in book" title="See slide title">
+            <a:extLst>
+              <a:ext uri="{FF2B5EF4-FFF2-40B4-BE49-F238E27FC236}">
+                <a16:creationId xmlns:a16="http://schemas.microsoft.com/office/drawing/2014/main" id="{E890AA57-E8DF-4184-B2C5-6160CA9DAF62}"/>
+              </a:ext>
+            </a:extLst>
+          </p:cNvPr>
+          <p:cNvPicPr>
+            <a:picLocks noGrp="1"/>
+          </p:cNvPicPr>
+          <p:nvPr>
+            <p:ph sz="quarter" idx="13"/>
+          </p:nvPr>
+        </p:nvPicPr>
+        <p:blipFill>
+          <a:blip r:embed="rId2">
+            <a:extLst>
+              <a:ext uri="{28A0092B-C50C-407E-A947-70E740481C1C}">
+                <a14:useLocalDpi xmlns:a14="http://schemas.microsoft.com/office/drawing/2010/main" val="0"/>
+              </a:ext>
+            </a:extLst>
+          </a:blip>
+          <a:stretch>
+            <a:fillRect/>
+          </a:stretch>
+        </p:blipFill>
+        <p:spPr>
+          <a:xfrm>
+            <a:off x="914400" y="1143000"/>
+            <a:ext cx="6988312" cy="4800600"/>
+          </a:xfrm>
+          <a:prstGeom prst="rect">
+            <a:avLst/>
+          </a:prstGeom>
+        </p:spPr>
+      </p:pic>
       <p:sp>
         <p:nvSpPr>
           <p:cNvPr id="4" name="Date Placeholder 3">
             <a:extLst>
               <a:ext uri="{FF2B5EF4-FFF2-40B4-BE49-F238E27FC236}">
-                <a16:creationId xmlns:a16="http://schemas.microsoft.com/office/drawing/2014/main" id="{1EDD991A-0667-4BFD-8C9D-BCD0C6171817}"/>
+                <a16:creationId xmlns:a16="http://schemas.microsoft.com/office/drawing/2014/main" id="{82AC2EDD-1394-499D-951C-277056CBEDEE}"/>
               </a:ext>
             </a:extLst>
           </p:cNvPr>
@@ -9413,7 +9143,7 @@
           <p:cNvPr id="5" name="Footer Placeholder 4">
             <a:extLst>
               <a:ext uri="{FF2B5EF4-FFF2-40B4-BE49-F238E27FC236}">
-                <a16:creationId xmlns:a16="http://schemas.microsoft.com/office/drawing/2014/main" id="{D05DC50A-2462-406E-B97D-E3AFDEBE6B18}"/>
+                <a16:creationId xmlns:a16="http://schemas.microsoft.com/office/drawing/2014/main" id="{9593B4D6-C4EA-4AD0-BE7C-CB589A137967}"/>
               </a:ext>
             </a:extLst>
           </p:cNvPr>
@@ -9445,7 +9175,7 @@
           <p:cNvPr id="6" name="Slide Number Placeholder 5">
             <a:extLst>
               <a:ext uri="{FF2B5EF4-FFF2-40B4-BE49-F238E27FC236}">
-                <a16:creationId xmlns:a16="http://schemas.microsoft.com/office/drawing/2014/main" id="{A00DE952-EE2D-46DE-ACDA-C0981C25A05F}"/>
+                <a16:creationId xmlns:a16="http://schemas.microsoft.com/office/drawing/2014/main" id="{8C4E5D25-EE69-41F6-8225-5A9C94D75FAD}"/>
               </a:ext>
             </a:extLst>
           </p:cNvPr>
@@ -9502,7 +9232,7 @@
     </p:spTree>
     <p:extLst>
       <p:ext uri="{BB962C8B-B14F-4D97-AF65-F5344CB8AC3E}">
-        <p14:creationId xmlns:p14="http://schemas.microsoft.com/office/powerpoint/2010/main" val="3722497943"/>
+        <p14:creationId xmlns:p14="http://schemas.microsoft.com/office/powerpoint/2010/main" val="535041028"/>
       </p:ext>
     </p:extLst>
   </p:cSld>
@@ -9531,6 +9261,351 @@
       </p:grpSpPr>
       <p:sp>
         <p:nvSpPr>
+          <p:cNvPr id="2" name="Title 1">
+            <a:extLst>
+              <a:ext uri="{FF2B5EF4-FFF2-40B4-BE49-F238E27FC236}">
+                <a16:creationId xmlns:a16="http://schemas.microsoft.com/office/drawing/2014/main" id="{EFFA2777-7623-49C9-B83A-A574DAB5AF69}"/>
+              </a:ext>
+            </a:extLst>
+          </p:cNvPr>
+          <p:cNvSpPr>
+            <a:spLocks noGrp="1"/>
+          </p:cNvSpPr>
+          <p:nvPr>
+            <p:ph type="title"/>
+          </p:nvPr>
+        </p:nvSpPr>
+        <p:spPr/>
+        <p:txBody>
+          <a:bodyPr/>
+          <a:lstStyle/>
+          <a:p>
+            <a:pPr marL="0" marR="0">
+              <a:spcBef>
+                <a:spcPts val="0"/>
+              </a:spcBef>
+              <a:spcAft>
+                <a:spcPts val="600"/>
+              </a:spcAft>
+              <a:tabLst>
+                <a:tab pos="1371600" algn="l"/>
+              </a:tabLst>
+            </a:pPr>
+            <a:r>
+              <a:rPr lang="en-US" dirty="0">
+                <a:latin typeface="Arial" panose="020B0604020202020204" pitchFamily="34" charset="0"/>
+                <a:ea typeface="Times New Roman" panose="02020603050405020304" pitchFamily="18" charset="0"/>
+                <a:cs typeface="Times New Roman" panose="02020603050405020304" pitchFamily="18" charset="0"/>
+              </a:rPr>
+              <a:t>Some popular FTP programs</a:t>
+            </a:r>
+            <a:endParaRPr lang="en-US" dirty="0"/>
+          </a:p>
+        </p:txBody>
+      </p:sp>
+      <p:sp>
+        <p:nvSpPr>
+          <p:cNvPr id="3" name="Text Placeholder 2">
+            <a:extLst>
+              <a:ext uri="{FF2B5EF4-FFF2-40B4-BE49-F238E27FC236}">
+                <a16:creationId xmlns:a16="http://schemas.microsoft.com/office/drawing/2014/main" id="{40BF30B5-0CD8-40F1-9FE4-956E65FE741A}"/>
+              </a:ext>
+            </a:extLst>
+          </p:cNvPr>
+          <p:cNvSpPr>
+            <a:spLocks noGrp="1"/>
+          </p:cNvSpPr>
+          <p:nvPr>
+            <p:ph type="body" sz="quarter" idx="13"/>
+          </p:nvPr>
+        </p:nvSpPr>
+        <p:spPr/>
+        <p:txBody>
+          <a:bodyPr/>
+          <a:lstStyle/>
+          <a:p>
+            <a:pPr marL="342900" marR="274320" lvl="0" indent="-342900">
+              <a:spcBef>
+                <a:spcPts val="0"/>
+              </a:spcBef>
+              <a:spcAft>
+                <a:spcPts val="600"/>
+              </a:spcAft>
+              <a:buFont typeface="Symbol" panose="05050102010706020507" pitchFamily="18" charset="2"/>
+              <a:buChar char=""/>
+            </a:pPr>
+            <a:r>
+              <a:rPr lang="en-US" b="1" spc="-10" dirty="0">
+                <a:latin typeface="Times New Roman" panose="02020603050405020304" pitchFamily="18" charset="0"/>
+                <a:ea typeface="Times New Roman" panose="02020603050405020304" pitchFamily="18" charset="0"/>
+              </a:rPr>
+              <a:t>FileZilla</a:t>
+            </a:r>
+            <a:r>
+              <a:rPr lang="en-US" spc="-10" dirty="0">
+                <a:latin typeface="Times New Roman" panose="02020603050405020304" pitchFamily="18" charset="0"/>
+                <a:ea typeface="Times New Roman" panose="02020603050405020304" pitchFamily="18" charset="0"/>
+              </a:rPr>
+              <a:t>	</a:t>
+            </a:r>
+          </a:p>
+          <a:p>
+            <a:pPr marL="342900" marR="274320" lvl="0" indent="-342900">
+              <a:spcBef>
+                <a:spcPts val="0"/>
+              </a:spcBef>
+              <a:spcAft>
+                <a:spcPts val="600"/>
+              </a:spcAft>
+              <a:buFont typeface="Symbol" panose="05050102010706020507" pitchFamily="18" charset="2"/>
+              <a:buChar char=""/>
+            </a:pPr>
+            <a:r>
+              <a:rPr lang="en-US" spc="-10" dirty="0">
+                <a:latin typeface="Times New Roman" panose="02020603050405020304" pitchFamily="18" charset="0"/>
+                <a:ea typeface="Times New Roman" panose="02020603050405020304" pitchFamily="18" charset="0"/>
+              </a:rPr>
+              <a:t>FTP Voyager	</a:t>
+            </a:r>
+          </a:p>
+          <a:p>
+            <a:pPr marL="342900" marR="274320" lvl="0" indent="-342900">
+              <a:spcBef>
+                <a:spcPts val="0"/>
+              </a:spcBef>
+              <a:spcAft>
+                <a:spcPts val="600"/>
+              </a:spcAft>
+              <a:buFont typeface="Symbol" panose="05050102010706020507" pitchFamily="18" charset="2"/>
+              <a:buChar char=""/>
+            </a:pPr>
+            <a:r>
+              <a:rPr lang="en-US" spc="-10" dirty="0" err="1">
+                <a:latin typeface="Times New Roman" panose="02020603050405020304" pitchFamily="18" charset="0"/>
+                <a:ea typeface="Times New Roman" panose="02020603050405020304" pitchFamily="18" charset="0"/>
+              </a:rPr>
+              <a:t>CuteFTP</a:t>
+            </a:r>
+            <a:r>
+              <a:rPr lang="en-US" spc="-10" dirty="0">
+                <a:latin typeface="Times New Roman" panose="02020603050405020304" pitchFamily="18" charset="0"/>
+                <a:ea typeface="Times New Roman" panose="02020603050405020304" pitchFamily="18" charset="0"/>
+              </a:rPr>
+              <a:t>	</a:t>
+            </a:r>
+          </a:p>
+          <a:p>
+            <a:pPr marL="342900" marR="274320" lvl="0" indent="-342900">
+              <a:spcBef>
+                <a:spcPts val="0"/>
+              </a:spcBef>
+              <a:spcAft>
+                <a:spcPts val="600"/>
+              </a:spcAft>
+              <a:buFont typeface="Symbol" panose="05050102010706020507" pitchFamily="18" charset="2"/>
+              <a:buChar char=""/>
+            </a:pPr>
+            <a:r>
+              <a:rPr lang="en-US" spc="-10" dirty="0">
+                <a:latin typeface="Times New Roman" panose="02020603050405020304" pitchFamily="18" charset="0"/>
+                <a:ea typeface="Times New Roman" panose="02020603050405020304" pitchFamily="18" charset="0"/>
+              </a:rPr>
+              <a:t>Fetch	</a:t>
+            </a:r>
+          </a:p>
+          <a:p>
+            <a:pPr marL="342900" marR="274320" lvl="0" indent="-342900">
+              <a:spcBef>
+                <a:spcPts val="0"/>
+              </a:spcBef>
+              <a:spcAft>
+                <a:spcPts val="600"/>
+              </a:spcAft>
+              <a:buFont typeface="Symbol" panose="05050102010706020507" pitchFamily="18" charset="2"/>
+              <a:buChar char=""/>
+            </a:pPr>
+            <a:endParaRPr lang="en-US" spc="-10" dirty="0">
+              <a:latin typeface="Times New Roman" panose="02020603050405020304" pitchFamily="18" charset="0"/>
+              <a:ea typeface="Times New Roman" panose="02020603050405020304" pitchFamily="18" charset="0"/>
+            </a:endParaRPr>
+          </a:p>
+          <a:p>
+            <a:pPr marR="274320" lvl="0">
+              <a:spcBef>
+                <a:spcPts val="0"/>
+              </a:spcBef>
+              <a:spcAft>
+                <a:spcPts val="600"/>
+              </a:spcAft>
+            </a:pPr>
+            <a:r>
+              <a:rPr lang="en-US" spc="-10" dirty="0">
+                <a:latin typeface="Times New Roman" panose="02020603050405020304" pitchFamily="18" charset="0"/>
+                <a:ea typeface="Times New Roman" panose="02020603050405020304" pitchFamily="18" charset="0"/>
+              </a:rPr>
+              <a:t>Most IDEs have FTP clients built in, or available as extensions.</a:t>
+            </a:r>
+          </a:p>
+          <a:p>
+            <a:endParaRPr lang="en-US" dirty="0"/>
+          </a:p>
+        </p:txBody>
+      </p:sp>
+      <p:sp>
+        <p:nvSpPr>
+          <p:cNvPr id="4" name="Date Placeholder 3">
+            <a:extLst>
+              <a:ext uri="{FF2B5EF4-FFF2-40B4-BE49-F238E27FC236}">
+                <a16:creationId xmlns:a16="http://schemas.microsoft.com/office/drawing/2014/main" id="{1EDD991A-0667-4BFD-8C9D-BCD0C6171817}"/>
+              </a:ext>
+            </a:extLst>
+          </p:cNvPr>
+          <p:cNvSpPr>
+            <a:spLocks noGrp="1"/>
+          </p:cNvSpPr>
+          <p:nvPr>
+            <p:ph type="dt" sz="half" idx="14"/>
+          </p:nvPr>
+        </p:nvSpPr>
+        <p:spPr/>
+        <p:txBody>
+          <a:bodyPr/>
+          <a:lstStyle/>
+          <a:p>
+            <a:pPr>
+              <a:defRPr/>
+            </a:pPr>
+            <a:r>
+              <a:rPr lang="en-US"/>
+              <a:t>Murach's HTML and CSS, 4th Edition</a:t>
+            </a:r>
+            <a:endParaRPr lang="en-US" dirty="0"/>
+          </a:p>
+        </p:txBody>
+      </p:sp>
+      <p:sp>
+        <p:nvSpPr>
+          <p:cNvPr id="5" name="Footer Placeholder 4">
+            <a:extLst>
+              <a:ext uri="{FF2B5EF4-FFF2-40B4-BE49-F238E27FC236}">
+                <a16:creationId xmlns:a16="http://schemas.microsoft.com/office/drawing/2014/main" id="{D05DC50A-2462-406E-B97D-E3AFDEBE6B18}"/>
+              </a:ext>
+            </a:extLst>
+          </p:cNvPr>
+          <p:cNvSpPr>
+            <a:spLocks noGrp="1"/>
+          </p:cNvSpPr>
+          <p:nvPr>
+            <p:ph type="ftr" sz="quarter" idx="15"/>
+          </p:nvPr>
+        </p:nvSpPr>
+        <p:spPr/>
+        <p:txBody>
+          <a:bodyPr/>
+          <a:lstStyle/>
+          <a:p>
+            <a:pPr>
+              <a:defRPr/>
+            </a:pPr>
+            <a:r>
+              <a:rPr lang="en-US"/>
+              <a:t>© 2018, Mike Murach &amp; Associates, Inc.</a:t>
+            </a:r>
+            <a:endParaRPr lang="en-US" dirty="0"/>
+          </a:p>
+        </p:txBody>
+      </p:sp>
+      <p:sp>
+        <p:nvSpPr>
+          <p:cNvPr id="6" name="Slide Number Placeholder 5">
+            <a:extLst>
+              <a:ext uri="{FF2B5EF4-FFF2-40B4-BE49-F238E27FC236}">
+                <a16:creationId xmlns:a16="http://schemas.microsoft.com/office/drawing/2014/main" id="{A00DE952-EE2D-46DE-ACDA-C0981C25A05F}"/>
+              </a:ext>
+            </a:extLst>
+          </p:cNvPr>
+          <p:cNvSpPr>
+            <a:spLocks noGrp="1"/>
+          </p:cNvSpPr>
+          <p:nvPr>
+            <p:ph type="sldNum" sz="quarter" idx="16"/>
+          </p:nvPr>
+        </p:nvSpPr>
+        <p:spPr/>
+        <p:txBody>
+          <a:bodyPr/>
+          <a:lstStyle/>
+          <a:p>
+            <a:pPr algn="l">
+              <a:defRPr/>
+            </a:pPr>
+            <a:endParaRPr lang="en-US" sz="1400" dirty="0">
+              <a:latin typeface="Times New Roman"/>
+            </a:endParaRPr>
+          </a:p>
+          <a:p>
+            <a:pPr>
+              <a:defRPr/>
+            </a:pPr>
+            <a:r>
+              <a:rPr lang="en-US" dirty="0">
+                <a:solidFill>
+                  <a:schemeClr val="bg1"/>
+                </a:solidFill>
+              </a:rPr>
+              <a:t>C1, Slide </a:t>
+            </a:r>
+            <a:fld id="{BF5C1183-B085-4070-A402-C03A3F977D3D}" type="slidenum">
+              <a:rPr lang="en-US" smtClean="0">
+                <a:solidFill>
+                  <a:schemeClr val="bg1"/>
+                </a:solidFill>
+              </a:rPr>
+              <a:pPr>
+                <a:defRPr/>
+              </a:pPr>
+              <a:t>26</a:t>
+            </a:fld>
+            <a:endParaRPr lang="en-US" dirty="0">
+              <a:solidFill>
+                <a:schemeClr val="bg1"/>
+              </a:solidFill>
+            </a:endParaRPr>
+          </a:p>
+        </p:txBody>
+      </p:sp>
+    </p:spTree>
+    <p:extLst>
+      <p:ext uri="{BB962C8B-B14F-4D97-AF65-F5344CB8AC3E}">
+        <p14:creationId xmlns:p14="http://schemas.microsoft.com/office/powerpoint/2010/main" val="3722497943"/>
+      </p:ext>
+    </p:extLst>
+  </p:cSld>
+  <p:clrMapOvr>
+    <a:masterClrMapping/>
+  </p:clrMapOvr>
+</p:sld>
+</file>
+
+<file path=ppt/slides/slide27.xml><?xml version="1.0" encoding="utf-8"?>
+<p:sld xmlns:a="http://schemas.openxmlformats.org/drawingml/2006/main" xmlns:r="http://schemas.openxmlformats.org/officeDocument/2006/relationships" xmlns:p="http://schemas.openxmlformats.org/presentationml/2006/main">
+  <p:cSld>
+    <p:spTree>
+      <p:nvGrpSpPr>
+        <p:cNvPr id="1" name=""/>
+        <p:cNvGrpSpPr/>
+        <p:nvPr/>
+      </p:nvGrpSpPr>
+      <p:grpSpPr>
+        <a:xfrm>
+          <a:off x="0" y="0"/>
+          <a:ext cx="0" cy="0"/>
+          <a:chOff x="0" y="0"/>
+          <a:chExt cx="0" cy="0"/>
+        </a:xfrm>
+      </p:grpSpPr>
+      <p:sp>
+        <p:nvSpPr>
           <p:cNvPr id="4" name="Title 3"/>
           <p:cNvSpPr>
             <a:spLocks noGrp="1"/>
@@ -9767,7 +9842,7 @@
               <a:pPr>
                 <a:defRPr/>
               </a:pPr>
-              <a:t>26</a:t>
+              <a:t>27</a:t>
             </a:fld>
             <a:endParaRPr lang="en-US" dirty="0">
               <a:solidFill>
@@ -9968,266 +10043,6 @@
 </p:sld>
 </file>
 
-<file path=ppt/slides/slide27.xml><?xml version="1.0" encoding="utf-8"?>
-<p:sld xmlns:a="http://schemas.openxmlformats.org/drawingml/2006/main" xmlns:r="http://schemas.openxmlformats.org/officeDocument/2006/relationships" xmlns:p="http://schemas.openxmlformats.org/presentationml/2006/main">
-  <p:cSld>
-    <p:spTree>
-      <p:nvGrpSpPr>
-        <p:cNvPr id="1" name=""/>
-        <p:cNvGrpSpPr/>
-        <p:nvPr/>
-      </p:nvGrpSpPr>
-      <p:grpSpPr>
-        <a:xfrm>
-          <a:off x="0" y="0"/>
-          <a:ext cx="0" cy="0"/>
-          <a:chOff x="0" y="0"/>
-          <a:chExt cx="0" cy="0"/>
-        </a:xfrm>
-      </p:grpSpPr>
-      <p:sp>
-        <p:nvSpPr>
-          <p:cNvPr id="2" name="Title 1">
-            <a:extLst>
-              <a:ext uri="{FF2B5EF4-FFF2-40B4-BE49-F238E27FC236}">
-                <a16:creationId xmlns:a16="http://schemas.microsoft.com/office/drawing/2014/main" id="{7726C006-DE1C-467D-BBCE-0EBD0F2F33CB}"/>
-              </a:ext>
-            </a:extLst>
-          </p:cNvPr>
-          <p:cNvSpPr>
-            <a:spLocks noGrp="1"/>
-          </p:cNvSpPr>
-          <p:nvPr>
-            <p:ph type="title"/>
-          </p:nvPr>
-        </p:nvSpPr>
-        <p:spPr/>
-        <p:txBody>
-          <a:bodyPr/>
-          <a:lstStyle/>
-          <a:p>
-            <a:pPr marL="0" marR="0">
-              <a:spcBef>
-                <a:spcPts val="0"/>
-              </a:spcBef>
-              <a:spcAft>
-                <a:spcPts val="600"/>
-              </a:spcAft>
-              <a:tabLst>
-                <a:tab pos="1371600" algn="l"/>
-              </a:tabLst>
-            </a:pPr>
-            <a:r>
-              <a:rPr lang="en-US" dirty="0">
-                <a:latin typeface="Arial" panose="020B0604020202020204" pitchFamily="34" charset="0"/>
-                <a:ea typeface="Times New Roman" panose="02020603050405020304" pitchFamily="18" charset="0"/>
-                <a:cs typeface="Times New Roman" panose="02020603050405020304" pitchFamily="18" charset="0"/>
-              </a:rPr>
-              <a:t>Two ways to access a web page on the Internet</a:t>
-            </a:r>
-            <a:endParaRPr lang="en-US" dirty="0"/>
-          </a:p>
-        </p:txBody>
-      </p:sp>
-      <p:sp>
-        <p:nvSpPr>
-          <p:cNvPr id="3" name="Text Placeholder 2">
-            <a:extLst>
-              <a:ext uri="{FF2B5EF4-FFF2-40B4-BE49-F238E27FC236}">
-                <a16:creationId xmlns:a16="http://schemas.microsoft.com/office/drawing/2014/main" id="{517B7C30-DAB1-4F0B-91AA-FA58A0FE8E17}"/>
-              </a:ext>
-            </a:extLst>
-          </p:cNvPr>
-          <p:cNvSpPr>
-            <a:spLocks noGrp="1"/>
-          </p:cNvSpPr>
-          <p:nvPr>
-            <p:ph type="body" sz="quarter" idx="13"/>
-          </p:nvPr>
-        </p:nvSpPr>
-        <p:spPr/>
-        <p:txBody>
-          <a:bodyPr/>
-          <a:lstStyle/>
-          <a:p>
-            <a:pPr marL="342900" marR="274320" lvl="0" indent="-342900">
-              <a:spcBef>
-                <a:spcPts val="0"/>
-              </a:spcBef>
-              <a:spcAft>
-                <a:spcPts val="600"/>
-              </a:spcAft>
-              <a:buFont typeface="Symbol" panose="05050102010706020507" pitchFamily="18" charset="2"/>
-              <a:buChar char=""/>
-            </a:pPr>
-            <a:r>
-              <a:rPr lang="en-US" spc="-10" dirty="0">
-                <a:latin typeface="Times New Roman" panose="02020603050405020304" pitchFamily="18" charset="0"/>
-                <a:ea typeface="Times New Roman" panose="02020603050405020304" pitchFamily="18" charset="0"/>
-              </a:rPr>
-              <a:t>Enter the URL of a web page into the browser’s address bar.</a:t>
-            </a:r>
-          </a:p>
-          <a:p>
-            <a:pPr marL="342900" marR="274320" lvl="0" indent="-342900">
-              <a:spcBef>
-                <a:spcPts val="0"/>
-              </a:spcBef>
-              <a:spcAft>
-                <a:spcPts val="600"/>
-              </a:spcAft>
-              <a:buFont typeface="Symbol" panose="05050102010706020507" pitchFamily="18" charset="2"/>
-              <a:buChar char=""/>
-            </a:pPr>
-            <a:r>
-              <a:rPr lang="en-US" spc="-10" dirty="0">
-                <a:latin typeface="Times New Roman" panose="02020603050405020304" pitchFamily="18" charset="0"/>
-                <a:ea typeface="Times New Roman" panose="02020603050405020304" pitchFamily="18" charset="0"/>
-              </a:rPr>
-              <a:t>Click on a link in the current web page to load the next web page.</a:t>
-            </a:r>
-          </a:p>
-          <a:p>
-            <a:endParaRPr lang="en-US" dirty="0"/>
-          </a:p>
-        </p:txBody>
-      </p:sp>
-      <p:sp>
-        <p:nvSpPr>
-          <p:cNvPr id="4" name="Date Placeholder 3">
-            <a:extLst>
-              <a:ext uri="{FF2B5EF4-FFF2-40B4-BE49-F238E27FC236}">
-                <a16:creationId xmlns:a16="http://schemas.microsoft.com/office/drawing/2014/main" id="{BEBA2549-CC68-48AC-A1DE-BACB3E916A35}"/>
-              </a:ext>
-            </a:extLst>
-          </p:cNvPr>
-          <p:cNvSpPr>
-            <a:spLocks noGrp="1"/>
-          </p:cNvSpPr>
-          <p:nvPr>
-            <p:ph type="dt" sz="half" idx="14"/>
-          </p:nvPr>
-        </p:nvSpPr>
-        <p:spPr/>
-        <p:txBody>
-          <a:bodyPr/>
-          <a:lstStyle/>
-          <a:p>
-            <a:pPr>
-              <a:defRPr/>
-            </a:pPr>
-            <a:r>
-              <a:rPr lang="en-US"/>
-              <a:t>Murach's HTML and CSS, 4th Edition</a:t>
-            </a:r>
-            <a:endParaRPr lang="en-US" dirty="0"/>
-          </a:p>
-        </p:txBody>
-      </p:sp>
-      <p:sp>
-        <p:nvSpPr>
-          <p:cNvPr id="5" name="Footer Placeholder 4">
-            <a:extLst>
-              <a:ext uri="{FF2B5EF4-FFF2-40B4-BE49-F238E27FC236}">
-                <a16:creationId xmlns:a16="http://schemas.microsoft.com/office/drawing/2014/main" id="{75234550-09BE-413B-B86B-D343D51C96C3}"/>
-              </a:ext>
-            </a:extLst>
-          </p:cNvPr>
-          <p:cNvSpPr>
-            <a:spLocks noGrp="1"/>
-          </p:cNvSpPr>
-          <p:nvPr>
-            <p:ph type="ftr" sz="quarter" idx="15"/>
-          </p:nvPr>
-        </p:nvSpPr>
-        <p:spPr/>
-        <p:txBody>
-          <a:bodyPr/>
-          <a:lstStyle/>
-          <a:p>
-            <a:pPr>
-              <a:defRPr/>
-            </a:pPr>
-            <a:r>
-              <a:rPr lang="en-US"/>
-              <a:t>© 2018, Mike Murach &amp; Associates, Inc.</a:t>
-            </a:r>
-            <a:endParaRPr lang="en-US" dirty="0"/>
-          </a:p>
-        </p:txBody>
-      </p:sp>
-      <p:sp>
-        <p:nvSpPr>
-          <p:cNvPr id="6" name="Slide Number Placeholder 5">
-            <a:extLst>
-              <a:ext uri="{FF2B5EF4-FFF2-40B4-BE49-F238E27FC236}">
-                <a16:creationId xmlns:a16="http://schemas.microsoft.com/office/drawing/2014/main" id="{FCD928B0-51C3-4CB4-B5C6-D30B7B7F4242}"/>
-              </a:ext>
-            </a:extLst>
-          </p:cNvPr>
-          <p:cNvSpPr>
-            <a:spLocks noGrp="1"/>
-          </p:cNvSpPr>
-          <p:nvPr>
-            <p:ph type="sldNum" sz="quarter" idx="16"/>
-          </p:nvPr>
-        </p:nvSpPr>
-        <p:spPr/>
-        <p:txBody>
-          <a:bodyPr/>
-          <a:lstStyle/>
-          <a:p>
-            <a:pPr algn="l">
-              <a:defRPr/>
-            </a:pPr>
-            <a:endParaRPr lang="en-US" sz="1400" dirty="0">
-              <a:latin typeface="Times New Roman"/>
-            </a:endParaRPr>
-          </a:p>
-          <a:p>
-            <a:pPr>
-              <a:defRPr/>
-            </a:pPr>
-            <a:r>
-              <a:rPr lang="en-US" dirty="0">
-                <a:solidFill>
-                  <a:schemeClr val="bg1"/>
-                </a:solidFill>
-              </a:rPr>
-              <a:t>C1, Slide </a:t>
-            </a:r>
-            <a:fld id="{BF5C1183-B085-4070-A402-C03A3F977D3D}" type="slidenum">
-              <a:rPr lang="en-US" smtClean="0">
-                <a:solidFill>
-                  <a:schemeClr val="bg1"/>
-                </a:solidFill>
-              </a:rPr>
-              <a:pPr>
-                <a:defRPr/>
-              </a:pPr>
-              <a:t>27</a:t>
-            </a:fld>
-            <a:endParaRPr lang="en-US" dirty="0">
-              <a:solidFill>
-                <a:schemeClr val="bg1"/>
-              </a:solidFill>
-            </a:endParaRPr>
-          </a:p>
-        </p:txBody>
-      </p:sp>
-    </p:spTree>
-    <p:extLst>
-      <p:ext uri="{BB962C8B-B14F-4D97-AF65-F5344CB8AC3E}">
-        <p14:creationId xmlns:p14="http://schemas.microsoft.com/office/powerpoint/2010/main" val="128589768"/>
-      </p:ext>
-    </p:extLst>
-  </p:cSld>
-  <p:clrMapOvr>
-    <a:masterClrMapping/>
-  </p:clrMapOvr>
-</p:sld>
-</file>
-
 <file path=ppt/slides/slide28.xml><?xml version="1.0" encoding="utf-8"?>
 <p:sld xmlns:a="http://schemas.openxmlformats.org/drawingml/2006/main" xmlns:r="http://schemas.openxmlformats.org/officeDocument/2006/relationships" xmlns:p="http://schemas.openxmlformats.org/presentationml/2006/main">
   <p:cSld>
@@ -10250,7 +10065,7 @@
           <p:cNvPr id="2" name="Title 1">
             <a:extLst>
               <a:ext uri="{FF2B5EF4-FFF2-40B4-BE49-F238E27FC236}">
-                <a16:creationId xmlns:a16="http://schemas.microsoft.com/office/drawing/2014/main" id="{CA48267D-D2C2-40BF-9386-F6DA9C739ED0}"/>
+                <a16:creationId xmlns:a16="http://schemas.microsoft.com/office/drawing/2014/main" id="{7726C006-DE1C-467D-BBCE-0EBD0F2F33CB}"/>
               </a:ext>
             </a:extLst>
           </p:cNvPr>
@@ -10261,12 +10076,7 @@
             <p:ph type="title"/>
           </p:nvPr>
         </p:nvSpPr>
-        <p:spPr>
-          <a:xfrm>
-            <a:off x="838200" y="392668"/>
-            <a:ext cx="7315200" cy="738664"/>
-          </a:xfrm>
-        </p:spPr>
+        <p:spPr/>
         <p:txBody>
           <a:bodyPr/>
           <a:lstStyle/>
@@ -10288,7 +10098,7 @@
                 <a:ea typeface="Times New Roman" panose="02020603050405020304" pitchFamily="18" charset="0"/>
                 <a:cs typeface="Times New Roman" panose="02020603050405020304" pitchFamily="18" charset="0"/>
               </a:rPr>
-              <a:t>Three ways to access a web page on your own server or computer</a:t>
+              <a:t>Two ways to access a web page on the Internet</a:t>
             </a:r>
             <a:endParaRPr lang="en-US" dirty="0"/>
           </a:p>
@@ -10299,7 +10109,7 @@
           <p:cNvPr id="3" name="Text Placeholder 2">
             <a:extLst>
               <a:ext uri="{FF2B5EF4-FFF2-40B4-BE49-F238E27FC236}">
-                <a16:creationId xmlns:a16="http://schemas.microsoft.com/office/drawing/2014/main" id="{6B5AB5CE-D3C7-4450-B10B-E97E898FB47D}"/>
+                <a16:creationId xmlns:a16="http://schemas.microsoft.com/office/drawing/2014/main" id="{517B7C30-DAB1-4F0B-91AA-FA58A0FE8E17}"/>
               </a:ext>
             </a:extLst>
           </p:cNvPr>
@@ -10310,12 +10120,7 @@
             <p:ph type="body" sz="quarter" idx="13"/>
           </p:nvPr>
         </p:nvSpPr>
-        <p:spPr>
-          <a:xfrm>
-            <a:off x="838200" y="1371600"/>
-            <a:ext cx="7391400" cy="4572000"/>
-          </a:xfrm>
-        </p:spPr>
+        <p:spPr/>
         <p:txBody>
           <a:bodyPr/>
           <a:lstStyle/>
@@ -10335,7 +10140,7 @@
                 <a:latin typeface="Times New Roman" panose="02020603050405020304" pitchFamily="18" charset="0"/>
                 <a:ea typeface="Times New Roman" panose="02020603050405020304" pitchFamily="18" charset="0"/>
               </a:rPr>
-              <a:t>Use the features of your text editor or IDE.</a:t>
+              <a:t>Enter the URL of a web page into the browser’s address bar.</a:t>
             </a:r>
           </a:p>
           <a:p>
@@ -10354,84 +10159,7 @@
                 <a:latin typeface="Times New Roman" panose="02020603050405020304" pitchFamily="18" charset="0"/>
                 <a:ea typeface="Times New Roman" panose="02020603050405020304" pitchFamily="18" charset="0"/>
               </a:rPr>
-              <a:t>Find the file in File Explorer or Finder. Then, double-click on it to open it in your default browser. Or, right-click on it and use the Open With command to select the browser. </a:t>
-            </a:r>
-          </a:p>
-          <a:p>
-            <a:pPr marL="342900" marR="274320" lvl="0" indent="-342900">
-              <a:spcBef>
-                <a:spcPts val="0"/>
-              </a:spcBef>
-              <a:spcAft>
-                <a:spcPts val="600"/>
-              </a:spcAft>
-              <a:buFont typeface="Symbol" panose="05050102010706020507" pitchFamily="18" charset="2"/>
-              <a:buChar char=""/>
-            </a:pPr>
-            <a:r>
-              <a:rPr lang="en-US" spc="-10" dirty="0">
-                <a:latin typeface="Times New Roman" panose="02020603050405020304" pitchFamily="18" charset="0"/>
-                <a:ea typeface="Times New Roman" panose="02020603050405020304" pitchFamily="18" charset="0"/>
-              </a:rPr>
-              <a:t>If your browser has a menu bar, use the </a:t>
-            </a:r>
-            <a:r>
-              <a:rPr lang="en-US" spc="-10" dirty="0" err="1">
-                <a:latin typeface="Times New Roman" panose="02020603050405020304" pitchFamily="18" charset="0"/>
-                <a:ea typeface="Times New Roman" panose="02020603050405020304" pitchFamily="18" charset="0"/>
-              </a:rPr>
-              <a:t>File</a:t>
-            </a:r>
-            <a:r>
-              <a:rPr lang="en-US" spc="-10" dirty="0" err="1">
-                <a:latin typeface="Times New Roman" panose="02020603050405020304" pitchFamily="18" charset="0"/>
-                <a:ea typeface="Times New Roman" panose="02020603050405020304" pitchFamily="18" charset="0"/>
-                <a:sym typeface="Wingdings" panose="05000000000000000000" pitchFamily="2" charset="2"/>
-              </a:rPr>
-              <a:t></a:t>
-            </a:r>
-            <a:r>
-              <a:rPr lang="en-US" spc="-10" dirty="0" err="1">
-                <a:latin typeface="Times New Roman" panose="02020603050405020304" pitchFamily="18" charset="0"/>
-                <a:ea typeface="Times New Roman" panose="02020603050405020304" pitchFamily="18" charset="0"/>
-              </a:rPr>
-              <a:t>Open</a:t>
-            </a:r>
-            <a:r>
-              <a:rPr lang="en-US" spc="-10" dirty="0">
-                <a:latin typeface="Times New Roman" panose="02020603050405020304" pitchFamily="18" charset="0"/>
-                <a:ea typeface="Times New Roman" panose="02020603050405020304" pitchFamily="18" charset="0"/>
-              </a:rPr>
-              <a:t> or </a:t>
-            </a:r>
-            <a:r>
-              <a:rPr lang="en-US" spc="-10" dirty="0" err="1">
-                <a:latin typeface="Times New Roman" panose="02020603050405020304" pitchFamily="18" charset="0"/>
-                <a:ea typeface="Times New Roman" panose="02020603050405020304" pitchFamily="18" charset="0"/>
-              </a:rPr>
-              <a:t>File</a:t>
-            </a:r>
-            <a:r>
-              <a:rPr lang="en-US" spc="-10" dirty="0" err="1">
-                <a:latin typeface="Times New Roman" panose="02020603050405020304" pitchFamily="18" charset="0"/>
-                <a:ea typeface="Times New Roman" panose="02020603050405020304" pitchFamily="18" charset="0"/>
-                <a:sym typeface="Wingdings" panose="05000000000000000000" pitchFamily="2" charset="2"/>
-              </a:rPr>
-              <a:t></a:t>
-            </a:r>
-            <a:r>
-              <a:rPr lang="en-US" spc="-10" dirty="0" err="1">
-                <a:latin typeface="Times New Roman" panose="02020603050405020304" pitchFamily="18" charset="0"/>
-                <a:ea typeface="Times New Roman" panose="02020603050405020304" pitchFamily="18" charset="0"/>
-              </a:rPr>
-              <a:t>Open</a:t>
-            </a:r>
-            <a:r>
-              <a:rPr lang="en-US" spc="-10" dirty="0">
-                <a:latin typeface="Times New Roman" panose="02020603050405020304" pitchFamily="18" charset="0"/>
-                <a:ea typeface="Times New Roman" panose="02020603050405020304" pitchFamily="18" charset="0"/>
-              </a:rPr>
-              <a:t> File command.</a:t>
+              <a:t>Click on a link in the current web page to load the next web page.</a:t>
             </a:r>
           </a:p>
           <a:p>
@@ -10444,7 +10172,7 @@
           <p:cNvPr id="4" name="Date Placeholder 3">
             <a:extLst>
               <a:ext uri="{FF2B5EF4-FFF2-40B4-BE49-F238E27FC236}">
-                <a16:creationId xmlns:a16="http://schemas.microsoft.com/office/drawing/2014/main" id="{D24C1C5E-6230-4687-A43F-7142590D5796}"/>
+                <a16:creationId xmlns:a16="http://schemas.microsoft.com/office/drawing/2014/main" id="{BEBA2549-CC68-48AC-A1DE-BACB3E916A35}"/>
               </a:ext>
             </a:extLst>
           </p:cNvPr>
@@ -10476,7 +10204,7 @@
           <p:cNvPr id="5" name="Footer Placeholder 4">
             <a:extLst>
               <a:ext uri="{FF2B5EF4-FFF2-40B4-BE49-F238E27FC236}">
-                <a16:creationId xmlns:a16="http://schemas.microsoft.com/office/drawing/2014/main" id="{EE763FF5-0EBC-4DB8-8174-FD95E443B87C}"/>
+                <a16:creationId xmlns:a16="http://schemas.microsoft.com/office/drawing/2014/main" id="{75234550-09BE-413B-B86B-D343D51C96C3}"/>
               </a:ext>
             </a:extLst>
           </p:cNvPr>
@@ -10508,7 +10236,7 @@
           <p:cNvPr id="6" name="Slide Number Placeholder 5">
             <a:extLst>
               <a:ext uri="{FF2B5EF4-FFF2-40B4-BE49-F238E27FC236}">
-                <a16:creationId xmlns:a16="http://schemas.microsoft.com/office/drawing/2014/main" id="{2B8C9F8E-8218-4487-A5B6-5416A3E48640}"/>
+                <a16:creationId xmlns:a16="http://schemas.microsoft.com/office/drawing/2014/main" id="{FCD928B0-51C3-4CB4-B5C6-D30B7B7F4242}"/>
               </a:ext>
             </a:extLst>
           </p:cNvPr>
@@ -10565,7 +10293,7 @@
     </p:spTree>
     <p:extLst>
       <p:ext uri="{BB962C8B-B14F-4D97-AF65-F5344CB8AC3E}">
-        <p14:creationId xmlns:p14="http://schemas.microsoft.com/office/powerpoint/2010/main" val="4184758800"/>
+        <p14:creationId xmlns:p14="http://schemas.microsoft.com/office/powerpoint/2010/main" val="128589768"/>
       </p:ext>
     </p:extLst>
   </p:cSld>
@@ -10597,7 +10325,7 @@
           <p:cNvPr id="2" name="Title 1">
             <a:extLst>
               <a:ext uri="{FF2B5EF4-FFF2-40B4-BE49-F238E27FC236}">
-                <a16:creationId xmlns:a16="http://schemas.microsoft.com/office/drawing/2014/main" id="{A83F98B2-BC39-4CB8-BD7D-601BB5EA13D7}"/>
+                <a16:creationId xmlns:a16="http://schemas.microsoft.com/office/drawing/2014/main" id="{CA48267D-D2C2-40BF-9386-F6DA9C739ED0}"/>
               </a:ext>
             </a:extLst>
           </p:cNvPr>
@@ -10608,7 +10336,12 @@
             <p:ph type="title"/>
           </p:nvPr>
         </p:nvSpPr>
-        <p:spPr/>
+        <p:spPr>
+          <a:xfrm>
+            <a:off x="838200" y="392668"/>
+            <a:ext cx="7315200" cy="738664"/>
+          </a:xfrm>
+        </p:spPr>
         <p:txBody>
           <a:bodyPr/>
           <a:lstStyle/>
@@ -10630,7 +10363,7 @@
                 <a:ea typeface="Times New Roman" panose="02020603050405020304" pitchFamily="18" charset="0"/>
                 <a:cs typeface="Times New Roman" panose="02020603050405020304" pitchFamily="18" charset="0"/>
               </a:rPr>
-              <a:t>Naming recommendations for folders and files</a:t>
+              <a:t>Three ways to access a web page on your own server or computer</a:t>
             </a:r>
             <a:endParaRPr lang="en-US" dirty="0"/>
           </a:p>
@@ -10641,7 +10374,7 @@
           <p:cNvPr id="3" name="Text Placeholder 2">
             <a:extLst>
               <a:ext uri="{FF2B5EF4-FFF2-40B4-BE49-F238E27FC236}">
-                <a16:creationId xmlns:a16="http://schemas.microsoft.com/office/drawing/2014/main" id="{1897EE57-2377-49F1-A668-1D49E1711F30}"/>
+                <a16:creationId xmlns:a16="http://schemas.microsoft.com/office/drawing/2014/main" id="{6B5AB5CE-D3C7-4450-B10B-E97E898FB47D}"/>
               </a:ext>
             </a:extLst>
           </p:cNvPr>
@@ -10652,7 +10385,12 @@
             <p:ph type="body" sz="quarter" idx="13"/>
           </p:nvPr>
         </p:nvSpPr>
-        <p:spPr/>
+        <p:spPr>
+          <a:xfrm>
+            <a:off x="838200" y="1371600"/>
+            <a:ext cx="7391400" cy="4572000"/>
+          </a:xfrm>
+        </p:spPr>
         <p:txBody>
           <a:bodyPr/>
           <a:lstStyle/>
@@ -10672,7 +10410,7 @@
                 <a:latin typeface="Times New Roman" panose="02020603050405020304" pitchFamily="18" charset="0"/>
                 <a:ea typeface="Times New Roman" panose="02020603050405020304" pitchFamily="18" charset="0"/>
               </a:rPr>
-              <a:t>Create names for folders and files that consist of lowercase letters, numbers, underscores or hyphens, and the period.</a:t>
+              <a:t>Use the features of your text editor or IDE.</a:t>
             </a:r>
           </a:p>
           <a:p>
@@ -10691,7 +10429,7 @@
                 <a:latin typeface="Times New Roman" panose="02020603050405020304" pitchFamily="18" charset="0"/>
                 <a:ea typeface="Times New Roman" panose="02020603050405020304" pitchFamily="18" charset="0"/>
               </a:rPr>
-              <a:t>Do not use uppercase letters in filenames, to avoid issues with case sensitive file systems.</a:t>
+              <a:t>Find the file in File Explorer or Finder. Then, double-click on it to open it in your default browser. Or, right-click on it and use the Open With command to select the browser. </a:t>
             </a:r>
           </a:p>
           <a:p>
@@ -10710,7 +10448,65 @@
                 <a:latin typeface="Times New Roman" panose="02020603050405020304" pitchFamily="18" charset="0"/>
                 <a:ea typeface="Times New Roman" panose="02020603050405020304" pitchFamily="18" charset="0"/>
               </a:rPr>
-              <a:t>Use filenames that clearly indicate what a page contains. This is good for search engine optimization.</a:t>
+              <a:t>If your browser has a menu bar, use the </a:t>
+            </a:r>
+            <a:r>
+              <a:rPr lang="en-US" spc="-10" dirty="0" err="1">
+                <a:latin typeface="Times New Roman" panose="02020603050405020304" pitchFamily="18" charset="0"/>
+                <a:ea typeface="Times New Roman" panose="02020603050405020304" pitchFamily="18" charset="0"/>
+              </a:rPr>
+              <a:t>File</a:t>
+            </a:r>
+            <a:r>
+              <a:rPr lang="en-US" spc="-10" dirty="0" err="1">
+                <a:latin typeface="Times New Roman" panose="02020603050405020304" pitchFamily="18" charset="0"/>
+                <a:ea typeface="Times New Roman" panose="02020603050405020304" pitchFamily="18" charset="0"/>
+                <a:sym typeface="Wingdings" panose="05000000000000000000" pitchFamily="2" charset="2"/>
+              </a:rPr>
+              <a:t></a:t>
+            </a:r>
+            <a:r>
+              <a:rPr lang="en-US" spc="-10" dirty="0" err="1">
+                <a:latin typeface="Times New Roman" panose="02020603050405020304" pitchFamily="18" charset="0"/>
+                <a:ea typeface="Times New Roman" panose="02020603050405020304" pitchFamily="18" charset="0"/>
+              </a:rPr>
+              <a:t>Open</a:t>
+            </a:r>
+            <a:r>
+              <a:rPr lang="en-US" spc="-10" dirty="0">
+                <a:latin typeface="Times New Roman" panose="02020603050405020304" pitchFamily="18" charset="0"/>
+                <a:ea typeface="Times New Roman" panose="02020603050405020304" pitchFamily="18" charset="0"/>
+              </a:rPr>
+              <a:t> or </a:t>
+            </a:r>
+            <a:r>
+              <a:rPr lang="en-US" spc="-10" dirty="0" err="1">
+                <a:latin typeface="Times New Roman" panose="02020603050405020304" pitchFamily="18" charset="0"/>
+                <a:ea typeface="Times New Roman" panose="02020603050405020304" pitchFamily="18" charset="0"/>
+              </a:rPr>
+              <a:t>File</a:t>
+            </a:r>
+            <a:r>
+              <a:rPr lang="en-US" spc="-10" dirty="0" err="1">
+                <a:latin typeface="Times New Roman" panose="02020603050405020304" pitchFamily="18" charset="0"/>
+                <a:ea typeface="Times New Roman" panose="02020603050405020304" pitchFamily="18" charset="0"/>
+                <a:sym typeface="Wingdings" panose="05000000000000000000" pitchFamily="2" charset="2"/>
+              </a:rPr>
+              <a:t></a:t>
+            </a:r>
+            <a:r>
+              <a:rPr lang="en-US" spc="-10" dirty="0" err="1">
+                <a:latin typeface="Times New Roman" panose="02020603050405020304" pitchFamily="18" charset="0"/>
+                <a:ea typeface="Times New Roman" panose="02020603050405020304" pitchFamily="18" charset="0"/>
+              </a:rPr>
+              <a:t>Open</a:t>
+            </a:r>
+            <a:r>
+              <a:rPr lang="en-US" spc="-10" dirty="0">
+                <a:latin typeface="Times New Roman" panose="02020603050405020304" pitchFamily="18" charset="0"/>
+                <a:ea typeface="Times New Roman" panose="02020603050405020304" pitchFamily="18" charset="0"/>
+              </a:rPr>
+              <a:t> File command.</a:t>
             </a:r>
           </a:p>
           <a:p>
@@ -10723,7 +10519,7 @@
           <p:cNvPr id="4" name="Date Placeholder 3">
             <a:extLst>
               <a:ext uri="{FF2B5EF4-FFF2-40B4-BE49-F238E27FC236}">
-                <a16:creationId xmlns:a16="http://schemas.microsoft.com/office/drawing/2014/main" id="{A238741A-76FD-4D9A-9FB3-78569E7A8B41}"/>
+                <a16:creationId xmlns:a16="http://schemas.microsoft.com/office/drawing/2014/main" id="{D24C1C5E-6230-4687-A43F-7142590D5796}"/>
               </a:ext>
             </a:extLst>
           </p:cNvPr>
@@ -10755,7 +10551,7 @@
           <p:cNvPr id="5" name="Footer Placeholder 4">
             <a:extLst>
               <a:ext uri="{FF2B5EF4-FFF2-40B4-BE49-F238E27FC236}">
-                <a16:creationId xmlns:a16="http://schemas.microsoft.com/office/drawing/2014/main" id="{8BCDB645-4A07-42AF-9449-8CD6898651E2}"/>
+                <a16:creationId xmlns:a16="http://schemas.microsoft.com/office/drawing/2014/main" id="{EE763FF5-0EBC-4DB8-8174-FD95E443B87C}"/>
               </a:ext>
             </a:extLst>
           </p:cNvPr>
@@ -10787,7 +10583,7 @@
           <p:cNvPr id="6" name="Slide Number Placeholder 5">
             <a:extLst>
               <a:ext uri="{FF2B5EF4-FFF2-40B4-BE49-F238E27FC236}">
-                <a16:creationId xmlns:a16="http://schemas.microsoft.com/office/drawing/2014/main" id="{5E574896-B62B-4A70-8875-2165AD3F50BC}"/>
+                <a16:creationId xmlns:a16="http://schemas.microsoft.com/office/drawing/2014/main" id="{2B8C9F8E-8218-4487-A5B6-5416A3E48640}"/>
               </a:ext>
             </a:extLst>
           </p:cNvPr>
@@ -10844,7 +10640,7 @@
     </p:spTree>
     <p:extLst>
       <p:ext uri="{BB962C8B-B14F-4D97-AF65-F5344CB8AC3E}">
-        <p14:creationId xmlns:p14="http://schemas.microsoft.com/office/powerpoint/2010/main" val="3313178045"/>
+        <p14:creationId xmlns:p14="http://schemas.microsoft.com/office/powerpoint/2010/main" val="4184758800"/>
       </p:ext>
     </p:extLst>
   </p:cSld>
@@ -10876,7 +10672,7 @@
           <p:cNvPr id="2" name="Title 1">
             <a:extLst>
               <a:ext uri="{FF2B5EF4-FFF2-40B4-BE49-F238E27FC236}">
-                <a16:creationId xmlns:a16="http://schemas.microsoft.com/office/drawing/2014/main" id="{ED7252AE-FA2E-4E58-B391-A15BE3EEC3E1}"/>
+                <a16:creationId xmlns:a16="http://schemas.microsoft.com/office/drawing/2014/main" id="{CB736673-E0FF-4531-B77A-9F6AE5CD87F8}"/>
               </a:ext>
             </a:extLst>
           </p:cNvPr>
@@ -10909,7 +10705,7 @@
                 <a:ea typeface="Times New Roman" panose="02020603050405020304" pitchFamily="18" charset="0"/>
                 <a:cs typeface="Times New Roman" panose="02020603050405020304" pitchFamily="18" charset="0"/>
               </a:rPr>
-              <a:t>Objectives (cont.)</a:t>
+              <a:t>Objectives</a:t>
             </a:r>
             <a:endParaRPr lang="en-US" dirty="0"/>
           </a:p>
@@ -10920,7 +10716,7 @@
           <p:cNvPr id="3" name="Text Placeholder 2">
             <a:extLst>
               <a:ext uri="{FF2B5EF4-FFF2-40B4-BE49-F238E27FC236}">
-                <a16:creationId xmlns:a16="http://schemas.microsoft.com/office/drawing/2014/main" id="{A5EF7789-4C3D-477D-B4CF-99DF20746072}"/>
+                <a16:creationId xmlns:a16="http://schemas.microsoft.com/office/drawing/2014/main" id="{FF85D711-CC4A-4CC7-A164-BEC1DECE59ED}"/>
               </a:ext>
             </a:extLst>
           </p:cNvPr>
@@ -10936,7 +10732,28 @@
           <a:bodyPr/>
           <a:lstStyle/>
           <a:p>
-            <a:pPr marL="457200" marR="274320" lvl="0" indent="-457200">
+            <a:pPr>
+              <a:spcBef>
+                <a:spcPts val="1500"/>
+              </a:spcBef>
+              <a:spcAft>
+                <a:spcPts val="600"/>
+              </a:spcAft>
+              <a:tabLst>
+                <a:tab pos="1371600" algn="l"/>
+              </a:tabLst>
+            </a:pPr>
+            <a:r>
+              <a:rPr lang="en-US" b="1" dirty="0">
+                <a:latin typeface="Arial" panose="020B0604020202020204" pitchFamily="34" charset="0"/>
+                <a:ea typeface="Times New Roman" panose="02020603050405020304" pitchFamily="18" charset="0"/>
+                <a:cs typeface="Times New Roman" panose="02020603050405020304" pitchFamily="18" charset="0"/>
+              </a:rPr>
+              <a:t>Applied</a:t>
+            </a:r>
+          </a:p>
+          <a:p>
+            <a:pPr marL="342900" marR="274320" lvl="0" indent="-342900">
               <a:spcBef>
                 <a:spcPts val="0"/>
               </a:spcBef>
@@ -10944,7 +10761,7 @@
                 <a:spcPts val="600"/>
               </a:spcAft>
               <a:buFont typeface="+mj-lt"/>
-              <a:buAutoNum type="arabicPeriod" startAt="8"/>
+              <a:buAutoNum type="arabicPeriod"/>
               <a:tabLst>
                 <a:tab pos="342900" algn="l"/>
               </a:tabLst>
@@ -10954,11 +10771,11 @@
                 <a:latin typeface="Times New Roman" panose="02020603050405020304" pitchFamily="18" charset="0"/>
                 <a:ea typeface="Times New Roman" panose="02020603050405020304" pitchFamily="18" charset="0"/>
               </a:rPr>
-              <a:t>Explain how you deploy a website on the Internet.</a:t>
-            </a:r>
-          </a:p>
-          <a:p>
-            <a:pPr marL="457200" marR="274320" lvl="0" indent="-457200">
+              <a:t>Load a web page from the Internet or an intranet into a web browser.</a:t>
+            </a:r>
+          </a:p>
+          <a:p>
+            <a:pPr marL="342900" marR="274320" lvl="0" indent="-342900">
               <a:spcBef>
                 <a:spcPts val="0"/>
               </a:spcBef>
@@ -10966,7 +10783,7 @@
                 <a:spcPts val="600"/>
               </a:spcAft>
               <a:buFont typeface="+mj-lt"/>
-              <a:buAutoNum type="arabicPeriod" startAt="8"/>
+              <a:buAutoNum type="arabicPeriod"/>
               <a:tabLst>
                 <a:tab pos="342900" algn="l"/>
               </a:tabLst>
@@ -10976,11 +10793,32 @@
                 <a:latin typeface="Times New Roman" panose="02020603050405020304" pitchFamily="18" charset="0"/>
                 <a:ea typeface="Times New Roman" panose="02020603050405020304" pitchFamily="18" charset="0"/>
               </a:rPr>
-              <a:t>Describe the components of an HTTP URL.</a:t>
-            </a:r>
-          </a:p>
-          <a:p>
-            <a:pPr marL="457200" marR="274320" lvl="0" indent="-457200">
+              <a:t>View the source code for a web page in a web browser.</a:t>
+            </a:r>
+          </a:p>
+          <a:p>
+            <a:pPr>
+              <a:spcBef>
+                <a:spcPts val="1500"/>
+              </a:spcBef>
+              <a:spcAft>
+                <a:spcPts val="600"/>
+              </a:spcAft>
+              <a:tabLst>
+                <a:tab pos="1371600" algn="l"/>
+              </a:tabLst>
+            </a:pPr>
+            <a:r>
+              <a:rPr lang="en-US" b="1" dirty="0">
+                <a:latin typeface="Arial" panose="020B0604020202020204" pitchFamily="34" charset="0"/>
+                <a:ea typeface="Times New Roman" panose="02020603050405020304" pitchFamily="18" charset="0"/>
+                <a:cs typeface="Times New Roman" panose="02020603050405020304" pitchFamily="18" charset="0"/>
+              </a:rPr>
+              <a:t>Knowledge</a:t>
+            </a:r>
+          </a:p>
+          <a:p>
+            <a:pPr marL="342900" marR="274320" lvl="0" indent="-342900">
               <a:spcBef>
                 <a:spcPts val="0"/>
               </a:spcBef>
@@ -10988,7 +10826,30 @@
                 <a:spcPts val="600"/>
               </a:spcAft>
               <a:buFont typeface="+mj-lt"/>
-              <a:buAutoNum type="arabicPeriod" startAt="8"/>
+              <a:buAutoNum type="arabicPeriod"/>
+              <a:tabLst>
+                <a:tab pos="342900" algn="l"/>
+                <a:tab pos="365760" algn="l"/>
+              </a:tabLst>
+            </a:pPr>
+            <a:r>
+              <a:rPr lang="en-US" spc="-10" dirty="0">
+                <a:latin typeface="Times New Roman" panose="02020603050405020304" pitchFamily="18" charset="0"/>
+                <a:ea typeface="Times New Roman" panose="02020603050405020304" pitchFamily="18" charset="0"/>
+              </a:rPr>
+              <a:t>Describe the components of a web application.</a:t>
+            </a:r>
+          </a:p>
+          <a:p>
+            <a:pPr marL="342900" marR="274320" lvl="0" indent="-342900">
+              <a:spcBef>
+                <a:spcPts val="0"/>
+              </a:spcBef>
+              <a:spcAft>
+                <a:spcPts val="600"/>
+              </a:spcAft>
+              <a:buFont typeface="+mj-lt"/>
+              <a:buAutoNum type="arabicPeriod"/>
               <a:tabLst>
                 <a:tab pos="342900" algn="l"/>
               </a:tabLst>
@@ -10998,11 +10859,118 @@
                 <a:latin typeface="Times New Roman" panose="02020603050405020304" pitchFamily="18" charset="0"/>
                 <a:ea typeface="Times New Roman" panose="02020603050405020304" pitchFamily="18" charset="0"/>
               </a:rPr>
-              <a:t>Describe these five web development issues: Usability, Cross-browser Compatibility, User Accessibility, Search Engine Optimization, and Responsive Web Design.</a:t>
-            </a:r>
-          </a:p>
-          <a:p>
-            <a:endParaRPr lang="en-US" dirty="0"/>
+              <a:t>Distinguish between the Internet and an intranet.</a:t>
+            </a:r>
+          </a:p>
+          <a:p>
+            <a:pPr marL="342900" marR="274320" lvl="0" indent="-342900">
+              <a:spcBef>
+                <a:spcPts val="0"/>
+              </a:spcBef>
+              <a:spcAft>
+                <a:spcPts val="600"/>
+              </a:spcAft>
+              <a:buFont typeface="+mj-lt"/>
+              <a:buAutoNum type="arabicPeriod"/>
+              <a:tabLst>
+                <a:tab pos="342900" algn="l"/>
+              </a:tabLst>
+            </a:pPr>
+            <a:r>
+              <a:rPr lang="en-US" spc="-10" dirty="0">
+                <a:latin typeface="Times New Roman" panose="02020603050405020304" pitchFamily="18" charset="0"/>
+                <a:ea typeface="Times New Roman" panose="02020603050405020304" pitchFamily="18" charset="0"/>
+              </a:rPr>
+              <a:t>Describe HTTP requests and responses.</a:t>
+            </a:r>
+          </a:p>
+          <a:p>
+            <a:pPr marL="342900" marR="274320" lvl="0" indent="-342900">
+              <a:spcBef>
+                <a:spcPts val="0"/>
+              </a:spcBef>
+              <a:spcAft>
+                <a:spcPts val="600"/>
+              </a:spcAft>
+              <a:buFont typeface="+mj-lt"/>
+              <a:buAutoNum type="arabicPeriod"/>
+              <a:tabLst>
+                <a:tab pos="342900" algn="l"/>
+              </a:tabLst>
+            </a:pPr>
+            <a:r>
+              <a:rPr lang="en-US" spc="-10" dirty="0">
+                <a:latin typeface="Times New Roman" panose="02020603050405020304" pitchFamily="18" charset="0"/>
+                <a:ea typeface="Times New Roman" panose="02020603050405020304" pitchFamily="18" charset="0"/>
+              </a:rPr>
+              <a:t>Distinguish between the way a web server processes static web pages and dynamic web pages.</a:t>
+            </a:r>
+          </a:p>
+          <a:p>
+            <a:pPr marL="342900" marR="274320" lvl="0" indent="-342900">
+              <a:spcBef>
+                <a:spcPts val="0"/>
+              </a:spcBef>
+              <a:spcAft>
+                <a:spcPts val="600"/>
+              </a:spcAft>
+              <a:buFont typeface="+mj-lt"/>
+              <a:buAutoNum type="arabicPeriod"/>
+              <a:tabLst>
+                <a:tab pos="342900" algn="l"/>
+              </a:tabLst>
+            </a:pPr>
+            <a:r>
+              <a:rPr lang="en-US" spc="-10" dirty="0">
+                <a:latin typeface="Times New Roman" panose="02020603050405020304" pitchFamily="18" charset="0"/>
+                <a:ea typeface="Times New Roman" panose="02020603050405020304" pitchFamily="18" charset="0"/>
+              </a:rPr>
+              <a:t>Name the five major web browsers.</a:t>
+            </a:r>
+          </a:p>
+          <a:p>
+            <a:pPr marL="342900" marR="274320" lvl="0" indent="-342900">
+              <a:spcBef>
+                <a:spcPts val="0"/>
+              </a:spcBef>
+              <a:spcAft>
+                <a:spcPts val="600"/>
+              </a:spcAft>
+              <a:buFont typeface="+mj-lt"/>
+              <a:buAutoNum type="arabicPeriod"/>
+              <a:tabLst>
+                <a:tab pos="342900" algn="l"/>
+              </a:tabLst>
+            </a:pPr>
+            <a:r>
+              <a:rPr lang="en-US" spc="-10" dirty="0">
+                <a:latin typeface="Times New Roman" panose="02020603050405020304" pitchFamily="18" charset="0"/>
+                <a:ea typeface="Times New Roman" panose="02020603050405020304" pitchFamily="18" charset="0"/>
+              </a:rPr>
+              <a:t>Describe the use of JavaScript.</a:t>
+            </a:r>
+          </a:p>
+          <a:p>
+            <a:pPr marL="342900" marR="274320" lvl="0" indent="-342900">
+              <a:spcBef>
+                <a:spcPts val="0"/>
+              </a:spcBef>
+              <a:spcAft>
+                <a:spcPts val="600"/>
+              </a:spcAft>
+              <a:buFont typeface="+mj-lt"/>
+              <a:buAutoNum type="arabicPeriod"/>
+              <a:tabLst>
+                <a:tab pos="342900" algn="l"/>
+              </a:tabLst>
+            </a:pPr>
+            <a:r>
+              <a:rPr lang="en-US" spc="-10" dirty="0">
+                <a:latin typeface="Times New Roman" panose="02020603050405020304" pitchFamily="18" charset="0"/>
+                <a:ea typeface="Times New Roman" panose="02020603050405020304" pitchFamily="18" charset="0"/>
+              </a:rPr>
+              <a:t>Distinguish between HTML and CSS.</a:t>
+            </a:r>
           </a:p>
         </p:txBody>
       </p:sp>
@@ -11011,7 +10979,7 @@
           <p:cNvPr id="4" name="Date Placeholder 3">
             <a:extLst>
               <a:ext uri="{FF2B5EF4-FFF2-40B4-BE49-F238E27FC236}">
-                <a16:creationId xmlns:a16="http://schemas.microsoft.com/office/drawing/2014/main" id="{81473463-BB85-42FA-8837-C86737525827}"/>
+                <a16:creationId xmlns:a16="http://schemas.microsoft.com/office/drawing/2014/main" id="{CC3A9FAA-0651-4EC7-B49B-256D52BF1734}"/>
               </a:ext>
             </a:extLst>
           </p:cNvPr>
@@ -11043,7 +11011,7 @@
           <p:cNvPr id="5" name="Footer Placeholder 4">
             <a:extLst>
               <a:ext uri="{FF2B5EF4-FFF2-40B4-BE49-F238E27FC236}">
-                <a16:creationId xmlns:a16="http://schemas.microsoft.com/office/drawing/2014/main" id="{18C45EC9-CFAA-4E64-AB28-567C018826E3}"/>
+                <a16:creationId xmlns:a16="http://schemas.microsoft.com/office/drawing/2014/main" id="{F9182E6A-8DEE-4E1D-9C82-D463F121A4A4}"/>
               </a:ext>
             </a:extLst>
           </p:cNvPr>
@@ -11075,7 +11043,7 @@
           <p:cNvPr id="6" name="Slide Number Placeholder 5">
             <a:extLst>
               <a:ext uri="{FF2B5EF4-FFF2-40B4-BE49-F238E27FC236}">
-                <a16:creationId xmlns:a16="http://schemas.microsoft.com/office/drawing/2014/main" id="{D54283AA-0BB0-4D43-B198-DEEA3857E135}"/>
+                <a16:creationId xmlns:a16="http://schemas.microsoft.com/office/drawing/2014/main" id="{A0AB8ED6-D19C-40A5-A3D3-B04476ACB89B}"/>
               </a:ext>
             </a:extLst>
           </p:cNvPr>
@@ -11132,7 +11100,7 @@
     </p:spTree>
     <p:extLst>
       <p:ext uri="{BB962C8B-B14F-4D97-AF65-F5344CB8AC3E}">
-        <p14:creationId xmlns:p14="http://schemas.microsoft.com/office/powerpoint/2010/main" val="3197728244"/>
+        <p14:creationId xmlns:p14="http://schemas.microsoft.com/office/powerpoint/2010/main" val="12585773"/>
       </p:ext>
     </p:extLst>
   </p:cSld>
@@ -11164,7 +11132,7 @@
           <p:cNvPr id="2" name="Title 1">
             <a:extLst>
               <a:ext uri="{FF2B5EF4-FFF2-40B4-BE49-F238E27FC236}">
-                <a16:creationId xmlns:a16="http://schemas.microsoft.com/office/drawing/2014/main" id="{9E71A4D2-27BE-4A17-B01F-F35F218FC167}"/>
+                <a16:creationId xmlns:a16="http://schemas.microsoft.com/office/drawing/2014/main" id="{A83F98B2-BC39-4CB8-BD7D-601BB5EA13D7}"/>
               </a:ext>
             </a:extLst>
           </p:cNvPr>
@@ -11197,7 +11165,7 @@
                 <a:ea typeface="Times New Roman" panose="02020603050405020304" pitchFamily="18" charset="0"/>
                 <a:cs typeface="Times New Roman" panose="02020603050405020304" pitchFamily="18" charset="0"/>
               </a:rPr>
-              <a:t>How to view the source code for a web page</a:t>
+              <a:t>Naming recommendations for folders and files</a:t>
             </a:r>
             <a:endParaRPr lang="en-US" dirty="0"/>
           </a:p>
@@ -11208,7 +11176,7 @@
           <p:cNvPr id="3" name="Text Placeholder 2">
             <a:extLst>
               <a:ext uri="{FF2B5EF4-FFF2-40B4-BE49-F238E27FC236}">
-                <a16:creationId xmlns:a16="http://schemas.microsoft.com/office/drawing/2014/main" id="{697A64F0-1F9A-465F-B698-B6C6D84D3C1D}"/>
+                <a16:creationId xmlns:a16="http://schemas.microsoft.com/office/drawing/2014/main" id="{1897EE57-2377-49F1-A668-1D49E1711F30}"/>
               </a:ext>
             </a:extLst>
           </p:cNvPr>
@@ -11239,7 +11207,7 @@
                 <a:latin typeface="Times New Roman" panose="02020603050405020304" pitchFamily="18" charset="0"/>
                 <a:ea typeface="Times New Roman" panose="02020603050405020304" pitchFamily="18" charset="0"/>
               </a:rPr>
-              <a:t>In Chrome, right-click the page and select the View Page Source command. </a:t>
+              <a:t>Create names for folders and files that consist of lowercase letters, numbers, underscores or hyphens, and the period.</a:t>
             </a:r>
           </a:p>
           <a:p>
@@ -11258,7 +11226,7 @@
                 <a:latin typeface="Times New Roman" panose="02020603050405020304" pitchFamily="18" charset="0"/>
                 <a:ea typeface="Times New Roman" panose="02020603050405020304" pitchFamily="18" charset="0"/>
               </a:rPr>
-              <a:t>In Internet Explorer or Edge, right-click the page and select the View Source command. </a:t>
+              <a:t>Do not use uppercase letters in filenames, to avoid issues with case sensitive file systems.</a:t>
             </a:r>
           </a:p>
           <a:p>
@@ -11277,26 +11245,7 @@
                 <a:latin typeface="Times New Roman" panose="02020603050405020304" pitchFamily="18" charset="0"/>
                 <a:ea typeface="Times New Roman" panose="02020603050405020304" pitchFamily="18" charset="0"/>
               </a:rPr>
-              <a:t>In Chrome or Internet Explorer, the source code is displayed in a new browser tab or a separate window. </a:t>
-            </a:r>
-          </a:p>
-          <a:p>
-            <a:pPr marL="342900" marR="274320" lvl="0" indent="-342900">
-              <a:spcBef>
-                <a:spcPts val="0"/>
-              </a:spcBef>
-              <a:spcAft>
-                <a:spcPts val="600"/>
-              </a:spcAft>
-              <a:buFont typeface="Symbol" panose="05050102010706020507" pitchFamily="18" charset="2"/>
-              <a:buChar char=""/>
-            </a:pPr>
-            <a:r>
-              <a:rPr lang="en-US" spc="-10" dirty="0">
-                <a:latin typeface="Times New Roman" panose="02020603050405020304" pitchFamily="18" charset="0"/>
-                <a:ea typeface="Times New Roman" panose="02020603050405020304" pitchFamily="18" charset="0"/>
-              </a:rPr>
-              <a:t>In Edge, the source code is displayed in the Debugger tab of the Developer Tools. </a:t>
+              <a:t>Use filenames that clearly indicate what a page contains. This is good for search engine optimization.</a:t>
             </a:r>
           </a:p>
           <a:p>
@@ -11309,7 +11258,7 @@
           <p:cNvPr id="4" name="Date Placeholder 3">
             <a:extLst>
               <a:ext uri="{FF2B5EF4-FFF2-40B4-BE49-F238E27FC236}">
-                <a16:creationId xmlns:a16="http://schemas.microsoft.com/office/drawing/2014/main" id="{58BAA9AD-C899-4BCC-A871-3E2EE700BB10}"/>
+                <a16:creationId xmlns:a16="http://schemas.microsoft.com/office/drawing/2014/main" id="{A238741A-76FD-4D9A-9FB3-78569E7A8B41}"/>
               </a:ext>
             </a:extLst>
           </p:cNvPr>
@@ -11341,7 +11290,7 @@
           <p:cNvPr id="5" name="Footer Placeholder 4">
             <a:extLst>
               <a:ext uri="{FF2B5EF4-FFF2-40B4-BE49-F238E27FC236}">
-                <a16:creationId xmlns:a16="http://schemas.microsoft.com/office/drawing/2014/main" id="{11062234-8D4B-4521-9A37-F8A710C878E9}"/>
+                <a16:creationId xmlns:a16="http://schemas.microsoft.com/office/drawing/2014/main" id="{8BCDB645-4A07-42AF-9449-8CD6898651E2}"/>
               </a:ext>
             </a:extLst>
           </p:cNvPr>
@@ -11373,7 +11322,7 @@
           <p:cNvPr id="6" name="Slide Number Placeholder 5">
             <a:extLst>
               <a:ext uri="{FF2B5EF4-FFF2-40B4-BE49-F238E27FC236}">
-                <a16:creationId xmlns:a16="http://schemas.microsoft.com/office/drawing/2014/main" id="{6B429BD3-BB45-429B-AF6F-AD93EE94763B}"/>
+                <a16:creationId xmlns:a16="http://schemas.microsoft.com/office/drawing/2014/main" id="{5E574896-B62B-4A70-8875-2165AD3F50BC}"/>
               </a:ext>
             </a:extLst>
           </p:cNvPr>
@@ -11430,7 +11379,7 @@
     </p:spTree>
     <p:extLst>
       <p:ext uri="{BB962C8B-B14F-4D97-AF65-F5344CB8AC3E}">
-        <p14:creationId xmlns:p14="http://schemas.microsoft.com/office/powerpoint/2010/main" val="39846296"/>
+        <p14:creationId xmlns:p14="http://schemas.microsoft.com/office/powerpoint/2010/main" val="3313178045"/>
       </p:ext>
     </p:extLst>
   </p:cSld>
@@ -11462,7 +11411,7 @@
           <p:cNvPr id="2" name="Title 1">
             <a:extLst>
               <a:ext uri="{FF2B5EF4-FFF2-40B4-BE49-F238E27FC236}">
-                <a16:creationId xmlns:a16="http://schemas.microsoft.com/office/drawing/2014/main" id="{0607E1DA-4680-4EF1-911D-623ADEFD4F5C}"/>
+                <a16:creationId xmlns:a16="http://schemas.microsoft.com/office/drawing/2014/main" id="{9E71A4D2-27BE-4A17-B01F-F35F218FC167}"/>
               </a:ext>
             </a:extLst>
           </p:cNvPr>
@@ -11495,7 +11444,7 @@
                 <a:ea typeface="Times New Roman" panose="02020603050405020304" pitchFamily="18" charset="0"/>
                 <a:cs typeface="Times New Roman" panose="02020603050405020304" pitchFamily="18" charset="0"/>
               </a:rPr>
-              <a:t>How to view the CSS code in an external CSS file</a:t>
+              <a:t>How to view the source code for a web page</a:t>
             </a:r>
             <a:endParaRPr lang="en-US" dirty="0"/>
           </a:p>
@@ -11506,7 +11455,7 @@
           <p:cNvPr id="3" name="Text Placeholder 2">
             <a:extLst>
               <a:ext uri="{FF2B5EF4-FFF2-40B4-BE49-F238E27FC236}">
-                <a16:creationId xmlns:a16="http://schemas.microsoft.com/office/drawing/2014/main" id="{11E776F6-4613-457E-846A-7FA4ECD06EE5}"/>
+                <a16:creationId xmlns:a16="http://schemas.microsoft.com/office/drawing/2014/main" id="{697A64F0-1F9A-465F-B698-B6C6D84D3C1D}"/>
               </a:ext>
             </a:extLst>
           </p:cNvPr>
@@ -11537,7 +11486,7 @@
                 <a:latin typeface="Times New Roman" panose="02020603050405020304" pitchFamily="18" charset="0"/>
                 <a:ea typeface="Times New Roman" panose="02020603050405020304" pitchFamily="18" charset="0"/>
               </a:rPr>
-              <a:t>In Chrome, click on the link that refers to the CSS file.</a:t>
+              <a:t>In Chrome, right-click the page and select the View Page Source command. </a:t>
             </a:r>
           </a:p>
           <a:p>
@@ -11556,7 +11505,7 @@
                 <a:latin typeface="Times New Roman" panose="02020603050405020304" pitchFamily="18" charset="0"/>
                 <a:ea typeface="Times New Roman" panose="02020603050405020304" pitchFamily="18" charset="0"/>
               </a:rPr>
-              <a:t>In Edge, hold down the Ctrl key and click on the link that refers to the CSS file.</a:t>
+              <a:t>In Internet Explorer or Edge, right-click the page and select the View Source command. </a:t>
             </a:r>
           </a:p>
           <a:p>
@@ -11575,7 +11524,26 @@
                 <a:latin typeface="Times New Roman" panose="02020603050405020304" pitchFamily="18" charset="0"/>
                 <a:ea typeface="Times New Roman" panose="02020603050405020304" pitchFamily="18" charset="0"/>
               </a:rPr>
-              <a:t>In Internet Explorer, enter the URL for the CSS file in the address bar of your web browser.</a:t>
+              <a:t>In Chrome or Internet Explorer, the source code is displayed in a new browser tab or a separate window. </a:t>
+            </a:r>
+          </a:p>
+          <a:p>
+            <a:pPr marL="342900" marR="274320" lvl="0" indent="-342900">
+              <a:spcBef>
+                <a:spcPts val="0"/>
+              </a:spcBef>
+              <a:spcAft>
+                <a:spcPts val="600"/>
+              </a:spcAft>
+              <a:buFont typeface="Symbol" panose="05050102010706020507" pitchFamily="18" charset="2"/>
+              <a:buChar char=""/>
+            </a:pPr>
+            <a:r>
+              <a:rPr lang="en-US" spc="-10" dirty="0">
+                <a:latin typeface="Times New Roman" panose="02020603050405020304" pitchFamily="18" charset="0"/>
+                <a:ea typeface="Times New Roman" panose="02020603050405020304" pitchFamily="18" charset="0"/>
+              </a:rPr>
+              <a:t>In Edge, the source code is displayed in the Debugger tab of the Developer Tools. </a:t>
             </a:r>
           </a:p>
           <a:p>
@@ -11588,7 +11556,7 @@
           <p:cNvPr id="4" name="Date Placeholder 3">
             <a:extLst>
               <a:ext uri="{FF2B5EF4-FFF2-40B4-BE49-F238E27FC236}">
-                <a16:creationId xmlns:a16="http://schemas.microsoft.com/office/drawing/2014/main" id="{63DF32FD-5B9B-4B65-B521-FEE966F20DF6}"/>
+                <a16:creationId xmlns:a16="http://schemas.microsoft.com/office/drawing/2014/main" id="{58BAA9AD-C899-4BCC-A871-3E2EE700BB10}"/>
               </a:ext>
             </a:extLst>
           </p:cNvPr>
@@ -11620,7 +11588,7 @@
           <p:cNvPr id="5" name="Footer Placeholder 4">
             <a:extLst>
               <a:ext uri="{FF2B5EF4-FFF2-40B4-BE49-F238E27FC236}">
-                <a16:creationId xmlns:a16="http://schemas.microsoft.com/office/drawing/2014/main" id="{3925CC7D-AA71-477F-8A47-5F6501E8204D}"/>
+                <a16:creationId xmlns:a16="http://schemas.microsoft.com/office/drawing/2014/main" id="{11062234-8D4B-4521-9A37-F8A710C878E9}"/>
               </a:ext>
             </a:extLst>
           </p:cNvPr>
@@ -11652,7 +11620,7 @@
           <p:cNvPr id="6" name="Slide Number Placeholder 5">
             <a:extLst>
               <a:ext uri="{FF2B5EF4-FFF2-40B4-BE49-F238E27FC236}">
-                <a16:creationId xmlns:a16="http://schemas.microsoft.com/office/drawing/2014/main" id="{BAEDA2A8-6C42-4B79-9D68-D38F92194BA4}"/>
+                <a16:creationId xmlns:a16="http://schemas.microsoft.com/office/drawing/2014/main" id="{6B429BD3-BB45-429B-AF6F-AD93EE94763B}"/>
               </a:ext>
             </a:extLst>
           </p:cNvPr>
@@ -11709,7 +11677,7 @@
     </p:spTree>
     <p:extLst>
       <p:ext uri="{BB962C8B-B14F-4D97-AF65-F5344CB8AC3E}">
-        <p14:creationId xmlns:p14="http://schemas.microsoft.com/office/powerpoint/2010/main" val="45927078"/>
+        <p14:creationId xmlns:p14="http://schemas.microsoft.com/office/powerpoint/2010/main" val="39846296"/>
       </p:ext>
     </p:extLst>
   </p:cSld>
@@ -11741,7 +11709,7 @@
           <p:cNvPr id="2" name="Title 1">
             <a:extLst>
               <a:ext uri="{FF2B5EF4-FFF2-40B4-BE49-F238E27FC236}">
-                <a16:creationId xmlns:a16="http://schemas.microsoft.com/office/drawing/2014/main" id="{EF2242CA-0C99-4CB2-89C3-BDFA9FB49D1C}"/>
+                <a16:creationId xmlns:a16="http://schemas.microsoft.com/office/drawing/2014/main" id="{0607E1DA-4680-4EF1-911D-623ADEFD4F5C}"/>
               </a:ext>
             </a:extLst>
           </p:cNvPr>
@@ -11752,92 +11720,113 @@
             <p:ph type="title"/>
           </p:nvPr>
         </p:nvSpPr>
-        <p:spPr>
-          <a:xfrm>
-            <a:off x="914400" y="624989"/>
-            <a:ext cx="7315200" cy="369332"/>
-          </a:xfrm>
-        </p:spPr>
-        <p:txBody>
-          <a:bodyPr/>
-          <a:lstStyle/>
-          <a:p>
-            <a:r>
-              <a:rPr lang="en-US" dirty="0"/>
-              <a:t>Common Web Development Issues</a:t>
-            </a:r>
-          </a:p>
-        </p:txBody>
-      </p:sp>
-      <p:sp>
-        <p:nvSpPr>
-          <p:cNvPr id="3" name="Content Placeholder 2">
-            <a:extLst>
-              <a:ext uri="{FF2B5EF4-FFF2-40B4-BE49-F238E27FC236}">
-                <a16:creationId xmlns:a16="http://schemas.microsoft.com/office/drawing/2014/main" id="{1E8F03EB-D83E-410F-87FD-E435967883C7}"/>
-              </a:ext>
-            </a:extLst>
-          </p:cNvPr>
-          <p:cNvSpPr>
-            <a:spLocks noGrp="1"/>
-          </p:cNvSpPr>
-          <p:nvPr>
-            <p:ph sz="quarter" idx="13"/>
-          </p:nvPr>
-        </p:nvSpPr>
-        <p:spPr/>
-        <p:txBody>
-          <a:bodyPr/>
-          <a:lstStyle/>
-          <a:p>
-            <a:pPr marL="342900" indent="-342900">
-              <a:buFont typeface="Arial" panose="020B0604020202020204" pitchFamily="34" charset="0"/>
-              <a:buChar char="•"/>
-            </a:pPr>
-            <a:r>
-              <a:rPr lang="en-US" sz="2000" dirty="0"/>
-              <a:t>Usability</a:t>
-            </a:r>
-          </a:p>
-          <a:p>
-            <a:pPr marL="342900" indent="-342900">
-              <a:buFont typeface="Arial" panose="020B0604020202020204" pitchFamily="34" charset="0"/>
-              <a:buChar char="•"/>
-            </a:pPr>
-            <a:r>
-              <a:rPr lang="en-US" sz="2000" dirty="0"/>
-              <a:t>Cross-browser Compatibility</a:t>
-            </a:r>
-          </a:p>
-          <a:p>
-            <a:pPr marL="342900" indent="-342900">
-              <a:buFont typeface="Arial" panose="020B0604020202020204" pitchFamily="34" charset="0"/>
-              <a:buChar char="•"/>
-            </a:pPr>
-            <a:r>
-              <a:rPr lang="en-US" sz="2000" dirty="0"/>
-              <a:t>User Accessibility</a:t>
-            </a:r>
-          </a:p>
-          <a:p>
-            <a:pPr marL="342900" indent="-342900">
-              <a:buFont typeface="Arial" panose="020B0604020202020204" pitchFamily="34" charset="0"/>
-              <a:buChar char="•"/>
-            </a:pPr>
-            <a:r>
-              <a:rPr lang="en-US" sz="2000" dirty="0"/>
-              <a:t>Search Engine Optimization</a:t>
-            </a:r>
-          </a:p>
-          <a:p>
-            <a:pPr marL="342900" indent="-342900">
-              <a:buFont typeface="Arial" panose="020B0604020202020204" pitchFamily="34" charset="0"/>
-              <a:buChar char="•"/>
-            </a:pPr>
-            <a:r>
-              <a:rPr lang="en-US" sz="2000" dirty="0"/>
-              <a:t>Responsive Web Design</a:t>
-            </a:r>
+        <p:spPr/>
+        <p:txBody>
+          <a:bodyPr/>
+          <a:lstStyle/>
+          <a:p>
+            <a:pPr marL="0" marR="0">
+              <a:spcBef>
+                <a:spcPts val="0"/>
+              </a:spcBef>
+              <a:spcAft>
+                <a:spcPts val="600"/>
+              </a:spcAft>
+              <a:tabLst>
+                <a:tab pos="1371600" algn="l"/>
+              </a:tabLst>
+            </a:pPr>
+            <a:r>
+              <a:rPr lang="en-US" dirty="0">
+                <a:latin typeface="Arial" panose="020B0604020202020204" pitchFamily="34" charset="0"/>
+                <a:ea typeface="Times New Roman" panose="02020603050405020304" pitchFamily="18" charset="0"/>
+                <a:cs typeface="Times New Roman" panose="02020603050405020304" pitchFamily="18" charset="0"/>
+              </a:rPr>
+              <a:t>How to view the CSS code in an external CSS file</a:t>
+            </a:r>
+            <a:endParaRPr lang="en-US" dirty="0"/>
+          </a:p>
+        </p:txBody>
+      </p:sp>
+      <p:sp>
+        <p:nvSpPr>
+          <p:cNvPr id="3" name="Text Placeholder 2">
+            <a:extLst>
+              <a:ext uri="{FF2B5EF4-FFF2-40B4-BE49-F238E27FC236}">
+                <a16:creationId xmlns:a16="http://schemas.microsoft.com/office/drawing/2014/main" id="{11E776F6-4613-457E-846A-7FA4ECD06EE5}"/>
+              </a:ext>
+            </a:extLst>
+          </p:cNvPr>
+          <p:cNvSpPr>
+            <a:spLocks noGrp="1"/>
+          </p:cNvSpPr>
+          <p:nvPr>
+            <p:ph type="body" sz="quarter" idx="13"/>
+          </p:nvPr>
+        </p:nvSpPr>
+        <p:spPr/>
+        <p:txBody>
+          <a:bodyPr/>
+          <a:lstStyle/>
+          <a:p>
+            <a:pPr marL="342900" marR="274320" lvl="0" indent="-342900">
+              <a:spcBef>
+                <a:spcPts val="0"/>
+              </a:spcBef>
+              <a:spcAft>
+                <a:spcPts val="600"/>
+              </a:spcAft>
+              <a:buFont typeface="Symbol" panose="05050102010706020507" pitchFamily="18" charset="2"/>
+              <a:buChar char=""/>
+            </a:pPr>
+            <a:r>
+              <a:rPr lang="en-US" spc="-10" dirty="0">
+                <a:latin typeface="Times New Roman" panose="02020603050405020304" pitchFamily="18" charset="0"/>
+                <a:ea typeface="Times New Roman" panose="02020603050405020304" pitchFamily="18" charset="0"/>
+              </a:rPr>
+              <a:t>In Chrome, click on the link that refers to the CSS file.</a:t>
+            </a:r>
+          </a:p>
+          <a:p>
+            <a:pPr marL="342900" marR="274320" lvl="0" indent="-342900">
+              <a:spcBef>
+                <a:spcPts val="0"/>
+              </a:spcBef>
+              <a:spcAft>
+                <a:spcPts val="600"/>
+              </a:spcAft>
+              <a:buFont typeface="Symbol" panose="05050102010706020507" pitchFamily="18" charset="2"/>
+              <a:buChar char=""/>
+            </a:pPr>
+            <a:r>
+              <a:rPr lang="en-US" spc="-10" dirty="0">
+                <a:latin typeface="Times New Roman" panose="02020603050405020304" pitchFamily="18" charset="0"/>
+                <a:ea typeface="Times New Roman" panose="02020603050405020304" pitchFamily="18" charset="0"/>
+              </a:rPr>
+              <a:t>In Edge, hold down the Ctrl key and click on the link that refers to the CSS file.</a:t>
+            </a:r>
+          </a:p>
+          <a:p>
+            <a:pPr marL="342900" marR="274320" lvl="0" indent="-342900">
+              <a:spcBef>
+                <a:spcPts val="0"/>
+              </a:spcBef>
+              <a:spcAft>
+                <a:spcPts val="600"/>
+              </a:spcAft>
+              <a:buFont typeface="Symbol" panose="05050102010706020507" pitchFamily="18" charset="2"/>
+              <a:buChar char=""/>
+            </a:pPr>
+            <a:r>
+              <a:rPr lang="en-US" spc="-10" dirty="0">
+                <a:latin typeface="Times New Roman" panose="02020603050405020304" pitchFamily="18" charset="0"/>
+                <a:ea typeface="Times New Roman" panose="02020603050405020304" pitchFamily="18" charset="0"/>
+              </a:rPr>
+              <a:t>In Internet Explorer, enter the URL for the CSS file in the address bar of your web browser.</a:t>
+            </a:r>
+          </a:p>
+          <a:p>
+            <a:endParaRPr lang="en-US" dirty="0"/>
           </a:p>
         </p:txBody>
       </p:sp>
@@ -11846,7 +11835,7 @@
           <p:cNvPr id="4" name="Date Placeholder 3">
             <a:extLst>
               <a:ext uri="{FF2B5EF4-FFF2-40B4-BE49-F238E27FC236}">
-                <a16:creationId xmlns:a16="http://schemas.microsoft.com/office/drawing/2014/main" id="{E478F034-5C15-4CFC-B476-E05174C182D6}"/>
+                <a16:creationId xmlns:a16="http://schemas.microsoft.com/office/drawing/2014/main" id="{63DF32FD-5B9B-4B65-B521-FEE966F20DF6}"/>
               </a:ext>
             </a:extLst>
           </p:cNvPr>
@@ -11878,7 +11867,7 @@
           <p:cNvPr id="5" name="Footer Placeholder 4">
             <a:extLst>
               <a:ext uri="{FF2B5EF4-FFF2-40B4-BE49-F238E27FC236}">
-                <a16:creationId xmlns:a16="http://schemas.microsoft.com/office/drawing/2014/main" id="{34315733-79AE-4821-BEEF-14C341C923B0}"/>
+                <a16:creationId xmlns:a16="http://schemas.microsoft.com/office/drawing/2014/main" id="{3925CC7D-AA71-477F-8A47-5F6501E8204D}"/>
               </a:ext>
             </a:extLst>
           </p:cNvPr>
@@ -11910,7 +11899,7 @@
           <p:cNvPr id="6" name="Slide Number Placeholder 5">
             <a:extLst>
               <a:ext uri="{FF2B5EF4-FFF2-40B4-BE49-F238E27FC236}">
-                <a16:creationId xmlns:a16="http://schemas.microsoft.com/office/drawing/2014/main" id="{FC7E14AD-9DC4-42E5-8A55-E3AF4E98A8A6}"/>
+                <a16:creationId xmlns:a16="http://schemas.microsoft.com/office/drawing/2014/main" id="{BAEDA2A8-6C42-4B79-9D68-D38F92194BA4}"/>
               </a:ext>
             </a:extLst>
           </p:cNvPr>
@@ -11929,7 +11918,7 @@
             <a:pPr algn="l">
               <a:defRPr/>
             </a:pPr>
-            <a:endParaRPr lang="en-US" sz="1400">
+            <a:endParaRPr lang="en-US" sz="1400" dirty="0">
               <a:latin typeface="Times New Roman"/>
             </a:endParaRPr>
           </a:p>
@@ -11938,12 +11927,12 @@
               <a:defRPr/>
             </a:pPr>
             <a:r>
-              <a:rPr lang="en-US">
+              <a:rPr lang="en-US" dirty="0">
                 <a:solidFill>
                   <a:schemeClr val="bg1"/>
                 </a:solidFill>
               </a:rPr>
-              <a:t>C12, Slide </a:t>
+              <a:t>C1, Slide </a:t>
             </a:r>
             <a:fld id="{BF5C1183-B085-4070-A402-C03A3F977D3D}" type="slidenum">
               <a:rPr lang="en-US" smtClean="0">
@@ -11967,7 +11956,7 @@
     </p:spTree>
     <p:extLst>
       <p:ext uri="{BB962C8B-B14F-4D97-AF65-F5344CB8AC3E}">
-        <p14:creationId xmlns:p14="http://schemas.microsoft.com/office/powerpoint/2010/main" val="3809077560"/>
+        <p14:creationId xmlns:p14="http://schemas.microsoft.com/office/powerpoint/2010/main" val="45927078"/>
       </p:ext>
     </p:extLst>
   </p:cSld>
@@ -11999,7 +11988,7 @@
           <p:cNvPr id="2" name="Title 1">
             <a:extLst>
               <a:ext uri="{FF2B5EF4-FFF2-40B4-BE49-F238E27FC236}">
-                <a16:creationId xmlns:a16="http://schemas.microsoft.com/office/drawing/2014/main" id="{070F3EBF-CF18-461F-B186-66C0A49EAD14}"/>
+                <a16:creationId xmlns:a16="http://schemas.microsoft.com/office/drawing/2014/main" id="{EF2242CA-0C99-4CB2-89C3-BDFA9FB49D1C}"/>
               </a:ext>
             </a:extLst>
           </p:cNvPr>
@@ -12010,79 +11999,101 @@
             <p:ph type="title"/>
           </p:nvPr>
         </p:nvSpPr>
-        <p:spPr/>
-        <p:txBody>
-          <a:bodyPr/>
-          <a:lstStyle/>
-          <a:p>
-            <a:pPr marL="0" marR="0">
-              <a:spcBef>
-                <a:spcPts val="0"/>
-              </a:spcBef>
-              <a:spcAft>
-                <a:spcPts val="600"/>
-              </a:spcAft>
-              <a:tabLst>
-                <a:tab pos="1371600" algn="l"/>
-              </a:tabLst>
-            </a:pPr>
-            <a:r>
-              <a:rPr lang="en-US" dirty="0">
-                <a:latin typeface="Arial" panose="020B0604020202020204" pitchFamily="34" charset="0"/>
-                <a:ea typeface="Times New Roman" panose="02020603050405020304" pitchFamily="18" charset="0"/>
-                <a:cs typeface="Times New Roman" panose="02020603050405020304" pitchFamily="18" charset="0"/>
-              </a:rPr>
-              <a:t>A website that is easy to use (Overstock.com)</a:t>
-            </a:r>
-            <a:endParaRPr lang="en-US" dirty="0"/>
-          </a:p>
-        </p:txBody>
-      </p:sp>
-      <p:pic>
-        <p:nvPicPr>
-          <p:cNvPr id="7" name="Content Placeholder 6" descr="See page 30 in book" title="See slide title">
-            <a:hlinkClick r:id="rId2"/>
-            <a:extLst>
-              <a:ext uri="{FF2B5EF4-FFF2-40B4-BE49-F238E27FC236}">
-                <a16:creationId xmlns:a16="http://schemas.microsoft.com/office/drawing/2014/main" id="{8A91AAB7-DFF2-4934-9004-55BF01ED5493}"/>
-              </a:ext>
-            </a:extLst>
-          </p:cNvPr>
-          <p:cNvPicPr>
-            <a:picLocks noGrp="1"/>
-          </p:cNvPicPr>
-          <p:nvPr>
-            <p:ph sz="quarter" idx="13"/>
-          </p:nvPr>
-        </p:nvPicPr>
-        <p:blipFill>
-          <a:blip r:embed="rId3">
-            <a:extLst>
-              <a:ext uri="{28A0092B-C50C-407E-A947-70E740481C1C}">
-                <a14:useLocalDpi xmlns:a14="http://schemas.microsoft.com/office/drawing/2010/main" val="0"/>
-              </a:ext>
-            </a:extLst>
-          </a:blip>
-          <a:stretch>
-            <a:fillRect/>
-          </a:stretch>
-        </p:blipFill>
         <p:spPr>
           <a:xfrm>
-            <a:off x="915816" y="1143000"/>
-            <a:ext cx="7312368" cy="4800600"/>
+            <a:off x="914400" y="624989"/>
+            <a:ext cx="7315200" cy="369332"/>
           </a:xfrm>
-          <a:prstGeom prst="rect">
-            <a:avLst/>
-          </a:prstGeom>
         </p:spPr>
-      </p:pic>
+        <p:txBody>
+          <a:bodyPr/>
+          <a:lstStyle/>
+          <a:p>
+            <a:r>
+              <a:rPr lang="en-US" dirty="0"/>
+              <a:t>Common Web Development Issues</a:t>
+            </a:r>
+          </a:p>
+        </p:txBody>
+      </p:sp>
+      <p:sp>
+        <p:nvSpPr>
+          <p:cNvPr id="3" name="Content Placeholder 2">
+            <a:extLst>
+              <a:ext uri="{FF2B5EF4-FFF2-40B4-BE49-F238E27FC236}">
+                <a16:creationId xmlns:a16="http://schemas.microsoft.com/office/drawing/2014/main" id="{1E8F03EB-D83E-410F-87FD-E435967883C7}"/>
+              </a:ext>
+            </a:extLst>
+          </p:cNvPr>
+          <p:cNvSpPr>
+            <a:spLocks noGrp="1"/>
+          </p:cNvSpPr>
+          <p:nvPr>
+            <p:ph sz="quarter" idx="13"/>
+          </p:nvPr>
+        </p:nvSpPr>
+        <p:spPr/>
+        <p:txBody>
+          <a:bodyPr/>
+          <a:lstStyle/>
+          <a:p>
+            <a:pPr marL="342900" indent="-342900">
+              <a:buFont typeface="Arial" panose="020B0604020202020204" pitchFamily="34" charset="0"/>
+              <a:buChar char="•"/>
+            </a:pPr>
+            <a:r>
+              <a:rPr lang="en-US" sz="2000" dirty="0"/>
+              <a:t>Usability</a:t>
+            </a:r>
+          </a:p>
+          <a:p>
+            <a:pPr marL="342900" indent="-342900">
+              <a:buFont typeface="Arial" panose="020B0604020202020204" pitchFamily="34" charset="0"/>
+              <a:buChar char="•"/>
+            </a:pPr>
+            <a:r>
+              <a:rPr lang="en-US" sz="2000" dirty="0"/>
+              <a:t>Cross-browser Compatibility</a:t>
+            </a:r>
+          </a:p>
+          <a:p>
+            <a:pPr marL="342900" indent="-342900">
+              <a:buFont typeface="Arial" panose="020B0604020202020204" pitchFamily="34" charset="0"/>
+              <a:buChar char="•"/>
+            </a:pPr>
+            <a:r>
+              <a:rPr lang="en-US" sz="2000" dirty="0"/>
+              <a:t>User Accessibility</a:t>
+            </a:r>
+          </a:p>
+          <a:p>
+            <a:pPr marL="342900" indent="-342900">
+              <a:buFont typeface="Arial" panose="020B0604020202020204" pitchFamily="34" charset="0"/>
+              <a:buChar char="•"/>
+            </a:pPr>
+            <a:r>
+              <a:rPr lang="en-US" sz="2000" dirty="0"/>
+              <a:t>Search Engine Optimization</a:t>
+            </a:r>
+          </a:p>
+          <a:p>
+            <a:pPr marL="342900" indent="-342900">
+              <a:buFont typeface="Arial" panose="020B0604020202020204" pitchFamily="34" charset="0"/>
+              <a:buChar char="•"/>
+            </a:pPr>
+            <a:r>
+              <a:rPr lang="en-US" sz="2000" dirty="0"/>
+              <a:t>Responsive Web Design</a:t>
+            </a:r>
+          </a:p>
+        </p:txBody>
+      </p:sp>
       <p:sp>
         <p:nvSpPr>
           <p:cNvPr id="4" name="Date Placeholder 3">
             <a:extLst>
               <a:ext uri="{FF2B5EF4-FFF2-40B4-BE49-F238E27FC236}">
-                <a16:creationId xmlns:a16="http://schemas.microsoft.com/office/drawing/2014/main" id="{EDF5A30E-392B-4B47-A99B-A209264E5E70}"/>
+                <a16:creationId xmlns:a16="http://schemas.microsoft.com/office/drawing/2014/main" id="{E478F034-5C15-4CFC-B476-E05174C182D6}"/>
               </a:ext>
             </a:extLst>
           </p:cNvPr>
@@ -12114,7 +12125,7 @@
           <p:cNvPr id="5" name="Footer Placeholder 4">
             <a:extLst>
               <a:ext uri="{FF2B5EF4-FFF2-40B4-BE49-F238E27FC236}">
-                <a16:creationId xmlns:a16="http://schemas.microsoft.com/office/drawing/2014/main" id="{77907DC4-685F-4DCB-9CDA-87FCC05473B5}"/>
+                <a16:creationId xmlns:a16="http://schemas.microsoft.com/office/drawing/2014/main" id="{34315733-79AE-4821-BEEF-14C341C923B0}"/>
               </a:ext>
             </a:extLst>
           </p:cNvPr>
@@ -12146,7 +12157,7 @@
           <p:cNvPr id="6" name="Slide Number Placeholder 5">
             <a:extLst>
               <a:ext uri="{FF2B5EF4-FFF2-40B4-BE49-F238E27FC236}">
-                <a16:creationId xmlns:a16="http://schemas.microsoft.com/office/drawing/2014/main" id="{8777EAB2-8347-436F-8407-474AF0B3731B}"/>
+                <a16:creationId xmlns:a16="http://schemas.microsoft.com/office/drawing/2014/main" id="{FC7E14AD-9DC4-42E5-8A55-E3AF4E98A8A6}"/>
               </a:ext>
             </a:extLst>
           </p:cNvPr>
@@ -12165,7 +12176,7 @@
             <a:pPr algn="l">
               <a:defRPr/>
             </a:pPr>
-            <a:endParaRPr lang="en-US" sz="1400" dirty="0">
+            <a:endParaRPr lang="en-US" sz="1400">
               <a:latin typeface="Times New Roman"/>
             </a:endParaRPr>
           </a:p>
@@ -12174,12 +12185,12 @@
               <a:defRPr/>
             </a:pPr>
             <a:r>
-              <a:rPr lang="en-US" dirty="0">
+              <a:rPr lang="en-US">
                 <a:solidFill>
                   <a:schemeClr val="bg1"/>
                 </a:solidFill>
               </a:rPr>
-              <a:t>C1, Slide </a:t>
+              <a:t>C12, Slide </a:t>
             </a:r>
             <a:fld id="{BF5C1183-B085-4070-A402-C03A3F977D3D}" type="slidenum">
               <a:rPr lang="en-US" smtClean="0">
@@ -12203,7 +12214,7 @@
     </p:spTree>
     <p:extLst>
       <p:ext uri="{BB962C8B-B14F-4D97-AF65-F5344CB8AC3E}">
-        <p14:creationId xmlns:p14="http://schemas.microsoft.com/office/powerpoint/2010/main" val="2753001708"/>
+        <p14:creationId xmlns:p14="http://schemas.microsoft.com/office/powerpoint/2010/main" val="3809077560"/>
       </p:ext>
     </p:extLst>
   </p:cSld>
@@ -12235,7 +12246,7 @@
           <p:cNvPr id="2" name="Title 1">
             <a:extLst>
               <a:ext uri="{FF2B5EF4-FFF2-40B4-BE49-F238E27FC236}">
-                <a16:creationId xmlns:a16="http://schemas.microsoft.com/office/drawing/2014/main" id="{57441403-E3DB-4073-B3C1-E26F37EDC365}"/>
+                <a16:creationId xmlns:a16="http://schemas.microsoft.com/office/drawing/2014/main" id="{070F3EBF-CF18-461F-B186-66C0A49EAD14}"/>
               </a:ext>
             </a:extLst>
           </p:cNvPr>
@@ -12268,87 +12279,57 @@
                 <a:ea typeface="Times New Roman" panose="02020603050405020304" pitchFamily="18" charset="0"/>
                 <a:cs typeface="Times New Roman" panose="02020603050405020304" pitchFamily="18" charset="0"/>
               </a:rPr>
-              <a:t>What website users want is usability</a:t>
+              <a:t>A website that is easy to use (Overstock.com)</a:t>
             </a:r>
             <a:endParaRPr lang="en-US" dirty="0"/>
           </a:p>
         </p:txBody>
       </p:sp>
-      <p:sp>
-        <p:nvSpPr>
-          <p:cNvPr id="3" name="Text Placeholder 2">
-            <a:extLst>
-              <a:ext uri="{FF2B5EF4-FFF2-40B4-BE49-F238E27FC236}">
-                <a16:creationId xmlns:a16="http://schemas.microsoft.com/office/drawing/2014/main" id="{AACF065A-7D1C-476D-BBEA-EDA2621D9122}"/>
-              </a:ext>
-            </a:extLst>
-          </p:cNvPr>
-          <p:cNvSpPr>
-            <a:spLocks noGrp="1"/>
-          </p:cNvSpPr>
-          <p:nvPr>
-            <p:ph type="body" sz="quarter" idx="13"/>
-          </p:nvPr>
-        </p:nvSpPr>
-        <p:spPr/>
-        <p:txBody>
-          <a:bodyPr/>
-          <a:lstStyle/>
-          <a:p>
-            <a:pPr marL="342900" marR="274320" lvl="0" indent="-342900">
-              <a:spcBef>
-                <a:spcPts val="0"/>
-              </a:spcBef>
-              <a:spcAft>
-                <a:spcPts val="600"/>
-              </a:spcAft>
-              <a:buFont typeface="Symbol" panose="05050102010706020507" pitchFamily="18" charset="2"/>
-              <a:buChar char=""/>
-              <a:tabLst>
-                <a:tab pos="347345" algn="l"/>
-              </a:tabLst>
-            </a:pPr>
-            <a:r>
-              <a:rPr lang="en-US" spc="-10" dirty="0">
-                <a:latin typeface="Times New Roman" panose="02020603050405020304" pitchFamily="18" charset="0"/>
-                <a:ea typeface="Times New Roman" panose="02020603050405020304" pitchFamily="18" charset="0"/>
-              </a:rPr>
-              <a:t>To find what they’re looking for as quickly and easily as possible</a:t>
-            </a:r>
-          </a:p>
-          <a:p>
-            <a:pPr marL="342900" marR="274320" lvl="0" indent="-342900">
-              <a:spcBef>
-                <a:spcPts val="0"/>
-              </a:spcBef>
-              <a:spcAft>
-                <a:spcPts val="600"/>
-              </a:spcAft>
-              <a:buFont typeface="Symbol" panose="05050102010706020507" pitchFamily="18" charset="2"/>
-              <a:buChar char=""/>
-              <a:tabLst>
-                <a:tab pos="347345" algn="l"/>
-              </a:tabLst>
-            </a:pPr>
-            <a:r>
-              <a:rPr lang="en-US" spc="-10" dirty="0">
-                <a:latin typeface="Times New Roman" panose="02020603050405020304" pitchFamily="18" charset="0"/>
-                <a:ea typeface="Times New Roman" panose="02020603050405020304" pitchFamily="18" charset="0"/>
-              </a:rPr>
-              <a:t>To get information or do a task as quickly and easily as possible</a:t>
-            </a:r>
-          </a:p>
-          <a:p>
-            <a:endParaRPr lang="en-US" dirty="0"/>
-          </a:p>
-        </p:txBody>
-      </p:sp>
+      <p:pic>
+        <p:nvPicPr>
+          <p:cNvPr id="7" name="Content Placeholder 6" descr="See page 30 in book" title="See slide title">
+            <a:hlinkClick r:id="rId2"/>
+            <a:extLst>
+              <a:ext uri="{FF2B5EF4-FFF2-40B4-BE49-F238E27FC236}">
+                <a16:creationId xmlns:a16="http://schemas.microsoft.com/office/drawing/2014/main" id="{8A91AAB7-DFF2-4934-9004-55BF01ED5493}"/>
+              </a:ext>
+            </a:extLst>
+          </p:cNvPr>
+          <p:cNvPicPr>
+            <a:picLocks noGrp="1"/>
+          </p:cNvPicPr>
+          <p:nvPr>
+            <p:ph sz="quarter" idx="13"/>
+          </p:nvPr>
+        </p:nvPicPr>
+        <p:blipFill>
+          <a:blip r:embed="rId3">
+            <a:extLst>
+              <a:ext uri="{28A0092B-C50C-407E-A947-70E740481C1C}">
+                <a14:useLocalDpi xmlns:a14="http://schemas.microsoft.com/office/drawing/2010/main" val="0"/>
+              </a:ext>
+            </a:extLst>
+          </a:blip>
+          <a:stretch>
+            <a:fillRect/>
+          </a:stretch>
+        </p:blipFill>
+        <p:spPr>
+          <a:xfrm>
+            <a:off x="915816" y="1143000"/>
+            <a:ext cx="7312368" cy="4800600"/>
+          </a:xfrm>
+          <a:prstGeom prst="rect">
+            <a:avLst/>
+          </a:prstGeom>
+        </p:spPr>
+      </p:pic>
       <p:sp>
         <p:nvSpPr>
           <p:cNvPr id="4" name="Date Placeholder 3">
             <a:extLst>
               <a:ext uri="{FF2B5EF4-FFF2-40B4-BE49-F238E27FC236}">
-                <a16:creationId xmlns:a16="http://schemas.microsoft.com/office/drawing/2014/main" id="{152098D1-F62D-4752-AF2C-E0A11E6F7048}"/>
+                <a16:creationId xmlns:a16="http://schemas.microsoft.com/office/drawing/2014/main" id="{EDF5A30E-392B-4B47-A99B-A209264E5E70}"/>
               </a:ext>
             </a:extLst>
           </p:cNvPr>
@@ -12380,7 +12361,7 @@
           <p:cNvPr id="5" name="Footer Placeholder 4">
             <a:extLst>
               <a:ext uri="{FF2B5EF4-FFF2-40B4-BE49-F238E27FC236}">
-                <a16:creationId xmlns:a16="http://schemas.microsoft.com/office/drawing/2014/main" id="{0AB26CAB-1846-4227-8896-055C54C066F8}"/>
+                <a16:creationId xmlns:a16="http://schemas.microsoft.com/office/drawing/2014/main" id="{77907DC4-685F-4DCB-9CDA-87FCC05473B5}"/>
               </a:ext>
             </a:extLst>
           </p:cNvPr>
@@ -12412,7 +12393,7 @@
           <p:cNvPr id="6" name="Slide Number Placeholder 5">
             <a:extLst>
               <a:ext uri="{FF2B5EF4-FFF2-40B4-BE49-F238E27FC236}">
-                <a16:creationId xmlns:a16="http://schemas.microsoft.com/office/drawing/2014/main" id="{259719B5-42AD-4A10-9484-2D02A72BB3DA}"/>
+                <a16:creationId xmlns:a16="http://schemas.microsoft.com/office/drawing/2014/main" id="{8777EAB2-8347-436F-8407-474AF0B3731B}"/>
               </a:ext>
             </a:extLst>
           </p:cNvPr>
@@ -12469,7 +12450,7 @@
     </p:spTree>
     <p:extLst>
       <p:ext uri="{BB962C8B-B14F-4D97-AF65-F5344CB8AC3E}">
-        <p14:creationId xmlns:p14="http://schemas.microsoft.com/office/powerpoint/2010/main" val="2919535964"/>
+        <p14:creationId xmlns:p14="http://schemas.microsoft.com/office/powerpoint/2010/main" val="2753001708"/>
       </p:ext>
     </p:extLst>
   </p:cSld>
@@ -12501,7 +12482,7 @@
           <p:cNvPr id="2" name="Title 1">
             <a:extLst>
               <a:ext uri="{FF2B5EF4-FFF2-40B4-BE49-F238E27FC236}">
-                <a16:creationId xmlns:a16="http://schemas.microsoft.com/office/drawing/2014/main" id="{6784465E-714F-4C1A-B843-83DAF24A0957}"/>
+                <a16:creationId xmlns:a16="http://schemas.microsoft.com/office/drawing/2014/main" id="{57441403-E3DB-4073-B3C1-E26F37EDC365}"/>
               </a:ext>
             </a:extLst>
           </p:cNvPr>
@@ -12534,7 +12515,7 @@
                 <a:ea typeface="Times New Roman" panose="02020603050405020304" pitchFamily="18" charset="0"/>
                 <a:cs typeface="Times New Roman" panose="02020603050405020304" pitchFamily="18" charset="0"/>
               </a:rPr>
-              <a:t>How website users use a web page</a:t>
+              <a:t>What website users want is usability</a:t>
             </a:r>
             <a:endParaRPr lang="en-US" dirty="0"/>
           </a:p>
@@ -12545,7 +12526,7 @@
           <p:cNvPr id="3" name="Text Placeholder 2">
             <a:extLst>
               <a:ext uri="{FF2B5EF4-FFF2-40B4-BE49-F238E27FC236}">
-                <a16:creationId xmlns:a16="http://schemas.microsoft.com/office/drawing/2014/main" id="{D9F2D8DC-DD01-4BAB-8CE3-0D01B97C891C}"/>
+                <a16:creationId xmlns:a16="http://schemas.microsoft.com/office/drawing/2014/main" id="{AACF065A-7D1C-476D-BBEA-EDA2621D9122}"/>
               </a:ext>
             </a:extLst>
           </p:cNvPr>
@@ -12570,13 +12551,16 @@
               </a:spcAft>
               <a:buFont typeface="Symbol" panose="05050102010706020507" pitchFamily="18" charset="2"/>
               <a:buChar char=""/>
+              <a:tabLst>
+                <a:tab pos="347345" algn="l"/>
+              </a:tabLst>
             </a:pPr>
             <a:r>
               <a:rPr lang="en-US" spc="-10" dirty="0">
                 <a:latin typeface="Times New Roman" panose="02020603050405020304" pitchFamily="18" charset="0"/>
                 <a:ea typeface="Times New Roman" panose="02020603050405020304" pitchFamily="18" charset="0"/>
               </a:rPr>
-              <a:t>They scan the page to find what they’re looking for or a link to what they’re looking for. They do not like to scroll. If they get frustrated, they leave.</a:t>
+              <a:t>To find what they’re looking for as quickly and easily as possible</a:t>
             </a:r>
           </a:p>
           <a:p>
@@ -12589,13 +12573,16 @@
               </a:spcAft>
               <a:buFont typeface="Symbol" panose="05050102010706020507" pitchFamily="18" charset="2"/>
               <a:buChar char=""/>
+              <a:tabLst>
+                <a:tab pos="347345" algn="l"/>
+              </a:tabLst>
             </a:pPr>
             <a:r>
               <a:rPr lang="en-US" spc="-10" dirty="0">
                 <a:latin typeface="Times New Roman" panose="02020603050405020304" pitchFamily="18" charset="0"/>
                 <a:ea typeface="Times New Roman" panose="02020603050405020304" pitchFamily="18" charset="0"/>
               </a:rPr>
-              <a:t>They often click on links and buttons with the hope of finding what they’re looking for. They frequently click on the Back button when they don’t find it.</a:t>
+              <a:t>To get information or do a task as quickly and easily as possible</a:t>
             </a:r>
           </a:p>
           <a:p>
@@ -12608,7 +12595,7 @@
           <p:cNvPr id="4" name="Date Placeholder 3">
             <a:extLst>
               <a:ext uri="{FF2B5EF4-FFF2-40B4-BE49-F238E27FC236}">
-                <a16:creationId xmlns:a16="http://schemas.microsoft.com/office/drawing/2014/main" id="{F5412A4B-A90E-4504-978D-9D0F7DCB88A4}"/>
+                <a16:creationId xmlns:a16="http://schemas.microsoft.com/office/drawing/2014/main" id="{152098D1-F62D-4752-AF2C-E0A11E6F7048}"/>
               </a:ext>
             </a:extLst>
           </p:cNvPr>
@@ -12640,7 +12627,7 @@
           <p:cNvPr id="5" name="Footer Placeholder 4">
             <a:extLst>
               <a:ext uri="{FF2B5EF4-FFF2-40B4-BE49-F238E27FC236}">
-                <a16:creationId xmlns:a16="http://schemas.microsoft.com/office/drawing/2014/main" id="{FCDF9084-028B-4DAB-91D9-3C36540BFA8D}"/>
+                <a16:creationId xmlns:a16="http://schemas.microsoft.com/office/drawing/2014/main" id="{0AB26CAB-1846-4227-8896-055C54C066F8}"/>
               </a:ext>
             </a:extLst>
           </p:cNvPr>
@@ -12672,7 +12659,7 @@
           <p:cNvPr id="6" name="Slide Number Placeholder 5">
             <a:extLst>
               <a:ext uri="{FF2B5EF4-FFF2-40B4-BE49-F238E27FC236}">
-                <a16:creationId xmlns:a16="http://schemas.microsoft.com/office/drawing/2014/main" id="{6D1C5C9C-5AF5-4D44-99CF-EAFAEC0FB59B}"/>
+                <a16:creationId xmlns:a16="http://schemas.microsoft.com/office/drawing/2014/main" id="{259719B5-42AD-4A10-9484-2D02A72BB3DA}"/>
               </a:ext>
             </a:extLst>
           </p:cNvPr>
@@ -12729,7 +12716,7 @@
     </p:spTree>
     <p:extLst>
       <p:ext uri="{BB962C8B-B14F-4D97-AF65-F5344CB8AC3E}">
-        <p14:creationId xmlns:p14="http://schemas.microsoft.com/office/powerpoint/2010/main" val="1172286787"/>
+        <p14:creationId xmlns:p14="http://schemas.microsoft.com/office/powerpoint/2010/main" val="2919535964"/>
       </p:ext>
     </p:extLst>
   </p:cSld>
@@ -12761,7 +12748,7 @@
           <p:cNvPr id="2" name="Title 1">
             <a:extLst>
               <a:ext uri="{FF2B5EF4-FFF2-40B4-BE49-F238E27FC236}">
-                <a16:creationId xmlns:a16="http://schemas.microsoft.com/office/drawing/2014/main" id="{B0C07079-4211-488B-9401-FD81593C7E71}"/>
+                <a16:creationId xmlns:a16="http://schemas.microsoft.com/office/drawing/2014/main" id="{6784465E-714F-4C1A-B843-83DAF24A0957}"/>
               </a:ext>
             </a:extLst>
           </p:cNvPr>
@@ -12794,7 +12781,7 @@
                 <a:ea typeface="Times New Roman" panose="02020603050405020304" pitchFamily="18" charset="0"/>
                 <a:cs typeface="Times New Roman" panose="02020603050405020304" pitchFamily="18" charset="0"/>
               </a:rPr>
-              <a:t>Four guidelines for improving usability</a:t>
+              <a:t>How website users use a web page</a:t>
             </a:r>
             <a:endParaRPr lang="en-US" dirty="0"/>
           </a:p>
@@ -12805,7 +12792,7 @@
           <p:cNvPr id="3" name="Text Placeholder 2">
             <a:extLst>
               <a:ext uri="{FF2B5EF4-FFF2-40B4-BE49-F238E27FC236}">
-                <a16:creationId xmlns:a16="http://schemas.microsoft.com/office/drawing/2014/main" id="{C8BF9720-FEF3-431B-B7B3-520812F9F7DA}"/>
+                <a16:creationId xmlns:a16="http://schemas.microsoft.com/office/drawing/2014/main" id="{D9F2D8DC-DD01-4BAB-8CE3-0D01B97C891C}"/>
               </a:ext>
             </a:extLst>
           </p:cNvPr>
@@ -12836,7 +12823,7 @@
                 <a:latin typeface="Times New Roman" panose="02020603050405020304" pitchFamily="18" charset="0"/>
                 <a:ea typeface="Times New Roman" panose="02020603050405020304" pitchFamily="18" charset="0"/>
               </a:rPr>
-              <a:t>Present as much critical information as possible “above the fold”.</a:t>
+              <a:t>They scan the page to find what they’re looking for or a link to what they’re looking for. They do not like to scroll. If they get frustrated, they leave.</a:t>
             </a:r>
           </a:p>
           <a:p>
@@ -12855,45 +12842,7 @@
                 <a:latin typeface="Times New Roman" panose="02020603050405020304" pitchFamily="18" charset="0"/>
                 <a:ea typeface="Times New Roman" panose="02020603050405020304" pitchFamily="18" charset="0"/>
               </a:rPr>
-              <a:t>Group related items and limit the number of groups on each page.</a:t>
-            </a:r>
-          </a:p>
-          <a:p>
-            <a:pPr marL="342900" marR="274320" lvl="0" indent="-342900">
-              <a:spcBef>
-                <a:spcPts val="0"/>
-              </a:spcBef>
-              <a:spcAft>
-                <a:spcPts val="600"/>
-              </a:spcAft>
-              <a:buFont typeface="Symbol" panose="05050102010706020507" pitchFamily="18" charset="2"/>
-              <a:buChar char=""/>
-            </a:pPr>
-            <a:r>
-              <a:rPr lang="en-US" spc="-10" dirty="0">
-                <a:latin typeface="Times New Roman" panose="02020603050405020304" pitchFamily="18" charset="0"/>
-                <a:ea typeface="Times New Roman" panose="02020603050405020304" pitchFamily="18" charset="0"/>
-              </a:rPr>
-              <a:t>Include a header that identifies the site and provides a navigation bar and links to utilities.</a:t>
-            </a:r>
-          </a:p>
-          <a:p>
-            <a:pPr marL="342900" marR="274320" lvl="0" indent="-342900">
-              <a:spcBef>
-                <a:spcPts val="0"/>
-              </a:spcBef>
-              <a:spcAft>
-                <a:spcPts val="600"/>
-              </a:spcAft>
-              <a:buFont typeface="Symbol" panose="05050102010706020507" pitchFamily="18" charset="2"/>
-              <a:buChar char=""/>
-            </a:pPr>
-            <a:r>
-              <a:rPr lang="en-US" spc="-10" dirty="0">
-                <a:latin typeface="Times New Roman" panose="02020603050405020304" pitchFamily="18" charset="0"/>
-                <a:ea typeface="Times New Roman" panose="02020603050405020304" pitchFamily="18" charset="0"/>
-              </a:rPr>
-              <a:t>Use current navigation conventions, like including a logo that goes to your home page when clicked and a cart icon that goes to your shopping cart when clicked.</a:t>
+              <a:t>They often click on links and buttons with the hope of finding what they’re looking for. They frequently click on the Back button when they don’t find it.</a:t>
             </a:r>
           </a:p>
           <a:p>
@@ -12906,7 +12855,7 @@
           <p:cNvPr id="4" name="Date Placeholder 3">
             <a:extLst>
               <a:ext uri="{FF2B5EF4-FFF2-40B4-BE49-F238E27FC236}">
-                <a16:creationId xmlns:a16="http://schemas.microsoft.com/office/drawing/2014/main" id="{CE67CDB5-923A-4E38-9324-936A8366F5A1}"/>
+                <a16:creationId xmlns:a16="http://schemas.microsoft.com/office/drawing/2014/main" id="{F5412A4B-A90E-4504-978D-9D0F7DCB88A4}"/>
               </a:ext>
             </a:extLst>
           </p:cNvPr>
@@ -12938,7 +12887,7 @@
           <p:cNvPr id="5" name="Footer Placeholder 4">
             <a:extLst>
               <a:ext uri="{FF2B5EF4-FFF2-40B4-BE49-F238E27FC236}">
-                <a16:creationId xmlns:a16="http://schemas.microsoft.com/office/drawing/2014/main" id="{7EEBB26E-E05C-4946-ABC5-C5421EB2FA07}"/>
+                <a16:creationId xmlns:a16="http://schemas.microsoft.com/office/drawing/2014/main" id="{FCDF9084-028B-4DAB-91D9-3C36540BFA8D}"/>
               </a:ext>
             </a:extLst>
           </p:cNvPr>
@@ -12970,7 +12919,7 @@
           <p:cNvPr id="6" name="Slide Number Placeholder 5">
             <a:extLst>
               <a:ext uri="{FF2B5EF4-FFF2-40B4-BE49-F238E27FC236}">
-                <a16:creationId xmlns:a16="http://schemas.microsoft.com/office/drawing/2014/main" id="{F2C177EA-CDCE-4813-B969-FA88F1FEC804}"/>
+                <a16:creationId xmlns:a16="http://schemas.microsoft.com/office/drawing/2014/main" id="{6D1C5C9C-5AF5-4D44-99CF-EAFAEC0FB59B}"/>
               </a:ext>
             </a:extLst>
           </p:cNvPr>
@@ -13027,7 +12976,7 @@
     </p:spTree>
     <p:extLst>
       <p:ext uri="{BB962C8B-B14F-4D97-AF65-F5344CB8AC3E}">
-        <p14:creationId xmlns:p14="http://schemas.microsoft.com/office/powerpoint/2010/main" val="3510573196"/>
+        <p14:creationId xmlns:p14="http://schemas.microsoft.com/office/powerpoint/2010/main" val="1172286787"/>
       </p:ext>
     </p:extLst>
   </p:cSld>
@@ -13059,7 +13008,7 @@
           <p:cNvPr id="2" name="Title 1">
             <a:extLst>
               <a:ext uri="{FF2B5EF4-FFF2-40B4-BE49-F238E27FC236}">
-                <a16:creationId xmlns:a16="http://schemas.microsoft.com/office/drawing/2014/main" id="{FB7043C4-95C2-4F0A-86B2-19F521A090BA}"/>
+                <a16:creationId xmlns:a16="http://schemas.microsoft.com/office/drawing/2014/main" id="{B0C07079-4211-488B-9401-FD81593C7E71}"/>
               </a:ext>
             </a:extLst>
           </p:cNvPr>
@@ -13092,7 +13041,7 @@
                 <a:ea typeface="Times New Roman" panose="02020603050405020304" pitchFamily="18" charset="0"/>
                 <a:cs typeface="Times New Roman" panose="02020603050405020304" pitchFamily="18" charset="0"/>
               </a:rPr>
-              <a:t>Guidelines for cross-browser compatibility</a:t>
+              <a:t>Four guidelines for improving usability</a:t>
             </a:r>
             <a:endParaRPr lang="en-US" dirty="0"/>
           </a:p>
@@ -13103,7 +13052,7 @@
           <p:cNvPr id="3" name="Text Placeholder 2">
             <a:extLst>
               <a:ext uri="{FF2B5EF4-FFF2-40B4-BE49-F238E27FC236}">
-                <a16:creationId xmlns:a16="http://schemas.microsoft.com/office/drawing/2014/main" id="{A12B60BE-1893-442F-8050-94D71E6B01C5}"/>
+                <a16:creationId xmlns:a16="http://schemas.microsoft.com/office/drawing/2014/main" id="{C8BF9720-FEF3-431B-B7B3-520812F9F7DA}"/>
               </a:ext>
             </a:extLst>
           </p:cNvPr>
@@ -13134,7 +13083,7 @@
                 <a:latin typeface="Times New Roman" panose="02020603050405020304" pitchFamily="18" charset="0"/>
                 <a:ea typeface="Times New Roman" panose="02020603050405020304" pitchFamily="18" charset="0"/>
               </a:rPr>
-              <a:t>Test your web pages on all of the major browsers, including older versions of Internet Explorer that are still in common use.</a:t>
+              <a:t>Present as much critical information as possible “above the fold”.</a:t>
             </a:r>
           </a:p>
           <a:p>
@@ -13153,7 +13102,45 @@
                 <a:latin typeface="Times New Roman" panose="02020603050405020304" pitchFamily="18" charset="0"/>
                 <a:ea typeface="Times New Roman" panose="02020603050405020304" pitchFamily="18" charset="0"/>
               </a:rPr>
-              <a:t>Use the features of HTML5 and CSS3 that are supported by all modern browsers. But use the workarounds so those features will work in older browsers too.</a:t>
+              <a:t>Group related items and limit the number of groups on each page.</a:t>
+            </a:r>
+          </a:p>
+          <a:p>
+            <a:pPr marL="342900" marR="274320" lvl="0" indent="-342900">
+              <a:spcBef>
+                <a:spcPts val="0"/>
+              </a:spcBef>
+              <a:spcAft>
+                <a:spcPts val="600"/>
+              </a:spcAft>
+              <a:buFont typeface="Symbol" panose="05050102010706020507" pitchFamily="18" charset="2"/>
+              <a:buChar char=""/>
+            </a:pPr>
+            <a:r>
+              <a:rPr lang="en-US" spc="-10" dirty="0">
+                <a:latin typeface="Times New Roman" panose="02020603050405020304" pitchFamily="18" charset="0"/>
+                <a:ea typeface="Times New Roman" panose="02020603050405020304" pitchFamily="18" charset="0"/>
+              </a:rPr>
+              <a:t>Include a header that identifies the site and provides a navigation bar and links to utilities.</a:t>
+            </a:r>
+          </a:p>
+          <a:p>
+            <a:pPr marL="342900" marR="274320" lvl="0" indent="-342900">
+              <a:spcBef>
+                <a:spcPts val="0"/>
+              </a:spcBef>
+              <a:spcAft>
+                <a:spcPts val="600"/>
+              </a:spcAft>
+              <a:buFont typeface="Symbol" panose="05050102010706020507" pitchFamily="18" charset="2"/>
+              <a:buChar char=""/>
+            </a:pPr>
+            <a:r>
+              <a:rPr lang="en-US" spc="-10" dirty="0">
+                <a:latin typeface="Times New Roman" panose="02020603050405020304" pitchFamily="18" charset="0"/>
+                <a:ea typeface="Times New Roman" panose="02020603050405020304" pitchFamily="18" charset="0"/>
+              </a:rPr>
+              <a:t>Use current navigation conventions, like including a logo that goes to your home page when clicked and a cart icon that goes to your shopping cart when clicked.</a:t>
             </a:r>
           </a:p>
           <a:p>
@@ -13166,7 +13153,7 @@
           <p:cNvPr id="4" name="Date Placeholder 3">
             <a:extLst>
               <a:ext uri="{FF2B5EF4-FFF2-40B4-BE49-F238E27FC236}">
-                <a16:creationId xmlns:a16="http://schemas.microsoft.com/office/drawing/2014/main" id="{C49C28A9-A3D7-496A-8CFA-4FBBDCAFA8BA}"/>
+                <a16:creationId xmlns:a16="http://schemas.microsoft.com/office/drawing/2014/main" id="{CE67CDB5-923A-4E38-9324-936A8366F5A1}"/>
               </a:ext>
             </a:extLst>
           </p:cNvPr>
@@ -13198,7 +13185,7 @@
           <p:cNvPr id="5" name="Footer Placeholder 4">
             <a:extLst>
               <a:ext uri="{FF2B5EF4-FFF2-40B4-BE49-F238E27FC236}">
-                <a16:creationId xmlns:a16="http://schemas.microsoft.com/office/drawing/2014/main" id="{4D58CAAA-4847-4BEB-A7DF-2C30F56273F9}"/>
+                <a16:creationId xmlns:a16="http://schemas.microsoft.com/office/drawing/2014/main" id="{7EEBB26E-E05C-4946-ABC5-C5421EB2FA07}"/>
               </a:ext>
             </a:extLst>
           </p:cNvPr>
@@ -13230,7 +13217,7 @@
           <p:cNvPr id="6" name="Slide Number Placeholder 5">
             <a:extLst>
               <a:ext uri="{FF2B5EF4-FFF2-40B4-BE49-F238E27FC236}">
-                <a16:creationId xmlns:a16="http://schemas.microsoft.com/office/drawing/2014/main" id="{6F910A78-4C00-49AC-A3E5-1694EBF526EF}"/>
+                <a16:creationId xmlns:a16="http://schemas.microsoft.com/office/drawing/2014/main" id="{F2C177EA-CDCE-4813-B969-FA88F1FEC804}"/>
               </a:ext>
             </a:extLst>
           </p:cNvPr>
@@ -13287,7 +13274,7 @@
     </p:spTree>
     <p:extLst>
       <p:ext uri="{BB962C8B-B14F-4D97-AF65-F5344CB8AC3E}">
-        <p14:creationId xmlns:p14="http://schemas.microsoft.com/office/powerpoint/2010/main" val="4083207898"/>
+        <p14:creationId xmlns:p14="http://schemas.microsoft.com/office/powerpoint/2010/main" val="3510573196"/>
       </p:ext>
     </p:extLst>
   </p:cSld>
@@ -13319,7 +13306,7 @@
           <p:cNvPr id="2" name="Title 1">
             <a:extLst>
               <a:ext uri="{FF2B5EF4-FFF2-40B4-BE49-F238E27FC236}">
-                <a16:creationId xmlns:a16="http://schemas.microsoft.com/office/drawing/2014/main" id="{3A5F905D-686A-4B3D-AA50-1EDA1B80D9E2}"/>
+                <a16:creationId xmlns:a16="http://schemas.microsoft.com/office/drawing/2014/main" id="{FB7043C4-95C2-4F0A-86B2-19F521A090BA}"/>
               </a:ext>
             </a:extLst>
           </p:cNvPr>
@@ -13352,7 +13339,7 @@
                 <a:ea typeface="Times New Roman" panose="02020603050405020304" pitchFamily="18" charset="0"/>
                 <a:cs typeface="Times New Roman" panose="02020603050405020304" pitchFamily="18" charset="0"/>
               </a:rPr>
-              <a:t>Accessibility laws that you should be aware of</a:t>
+              <a:t>Guidelines for cross-browser compatibility</a:t>
             </a:r>
             <a:endParaRPr lang="en-US" dirty="0"/>
           </a:p>
@@ -13363,7 +13350,7 @@
           <p:cNvPr id="3" name="Text Placeholder 2">
             <a:extLst>
               <a:ext uri="{FF2B5EF4-FFF2-40B4-BE49-F238E27FC236}">
-                <a16:creationId xmlns:a16="http://schemas.microsoft.com/office/drawing/2014/main" id="{1FD48223-9323-49DA-93CF-8AEA0977578E}"/>
+                <a16:creationId xmlns:a16="http://schemas.microsoft.com/office/drawing/2014/main" id="{A12B60BE-1893-442F-8050-94D71E6B01C5}"/>
               </a:ext>
             </a:extLst>
           </p:cNvPr>
@@ -13394,7 +13381,7 @@
                 <a:latin typeface="Times New Roman" panose="02020603050405020304" pitchFamily="18" charset="0"/>
                 <a:ea typeface="Times New Roman" panose="02020603050405020304" pitchFamily="18" charset="0"/>
               </a:rPr>
-              <a:t>The Americans with Disabilities Act (ADA).</a:t>
+              <a:t>Test your web pages on all of the major browsers, including older versions of Internet Explorer that are still in common use.</a:t>
             </a:r>
           </a:p>
           <a:p>
@@ -13413,26 +13400,7 @@
                 <a:latin typeface="Times New Roman" panose="02020603050405020304" pitchFamily="18" charset="0"/>
                 <a:ea typeface="Times New Roman" panose="02020603050405020304" pitchFamily="18" charset="0"/>
               </a:rPr>
-              <a:t>Sections 504 and 508 of the Federal Rehabilitation Act. </a:t>
-            </a:r>
-          </a:p>
-          <a:p>
-            <a:pPr marL="342900" marR="274320" lvl="0" indent="-342900">
-              <a:spcBef>
-                <a:spcPts val="0"/>
-              </a:spcBef>
-              <a:spcAft>
-                <a:spcPts val="600"/>
-              </a:spcAft>
-              <a:buFont typeface="Symbol" panose="05050102010706020507" pitchFamily="18" charset="2"/>
-              <a:buChar char=""/>
-            </a:pPr>
-            <a:r>
-              <a:rPr lang="en-US" spc="-10" dirty="0">
-                <a:latin typeface="Times New Roman" panose="02020603050405020304" pitchFamily="18" charset="0"/>
-                <a:ea typeface="Times New Roman" panose="02020603050405020304" pitchFamily="18" charset="0"/>
-              </a:rPr>
-              <a:t>Section 255 of the Telecommunications Act of 1996.</a:t>
+              <a:t>Use the features of HTML5 and CSS3 that are supported by all modern browsers. But use the workarounds so those features will work in older browsers too.</a:t>
             </a:r>
           </a:p>
           <a:p>
@@ -13445,7 +13413,7 @@
           <p:cNvPr id="4" name="Date Placeholder 3">
             <a:extLst>
               <a:ext uri="{FF2B5EF4-FFF2-40B4-BE49-F238E27FC236}">
-                <a16:creationId xmlns:a16="http://schemas.microsoft.com/office/drawing/2014/main" id="{B1B81C13-8332-4278-AB9B-53376D9F659C}"/>
+                <a16:creationId xmlns:a16="http://schemas.microsoft.com/office/drawing/2014/main" id="{C49C28A9-A3D7-496A-8CFA-4FBBDCAFA8BA}"/>
               </a:ext>
             </a:extLst>
           </p:cNvPr>
@@ -13477,7 +13445,7 @@
           <p:cNvPr id="5" name="Footer Placeholder 4">
             <a:extLst>
               <a:ext uri="{FF2B5EF4-FFF2-40B4-BE49-F238E27FC236}">
-                <a16:creationId xmlns:a16="http://schemas.microsoft.com/office/drawing/2014/main" id="{092E8119-B36B-43AB-897F-2815C745B7CA}"/>
+                <a16:creationId xmlns:a16="http://schemas.microsoft.com/office/drawing/2014/main" id="{4D58CAAA-4847-4BEB-A7DF-2C30F56273F9}"/>
               </a:ext>
             </a:extLst>
           </p:cNvPr>
@@ -13509,7 +13477,7 @@
           <p:cNvPr id="6" name="Slide Number Placeholder 5">
             <a:extLst>
               <a:ext uri="{FF2B5EF4-FFF2-40B4-BE49-F238E27FC236}">
-                <a16:creationId xmlns:a16="http://schemas.microsoft.com/office/drawing/2014/main" id="{D722864F-84D2-40C0-BFC1-CBD20492462A}"/>
+                <a16:creationId xmlns:a16="http://schemas.microsoft.com/office/drawing/2014/main" id="{6F910A78-4C00-49AC-A3E5-1694EBF526EF}"/>
               </a:ext>
             </a:extLst>
           </p:cNvPr>
@@ -13566,7 +13534,7 @@
     </p:spTree>
     <p:extLst>
       <p:ext uri="{BB962C8B-B14F-4D97-AF65-F5344CB8AC3E}">
-        <p14:creationId xmlns:p14="http://schemas.microsoft.com/office/powerpoint/2010/main" val="2348211851"/>
+        <p14:creationId xmlns:p14="http://schemas.microsoft.com/office/powerpoint/2010/main" val="4083207898"/>
       </p:ext>
     </p:extLst>
   </p:cSld>
@@ -13598,7 +13566,7 @@
           <p:cNvPr id="2" name="Title 1">
             <a:extLst>
               <a:ext uri="{FF2B5EF4-FFF2-40B4-BE49-F238E27FC236}">
-                <a16:creationId xmlns:a16="http://schemas.microsoft.com/office/drawing/2014/main" id="{E7D4745D-FEAA-4142-B8BB-21523AC4E064}"/>
+                <a16:creationId xmlns:a16="http://schemas.microsoft.com/office/drawing/2014/main" id="{3A5F905D-686A-4B3D-AA50-1EDA1B80D9E2}"/>
               </a:ext>
             </a:extLst>
           </p:cNvPr>
@@ -13631,7 +13599,7 @@
                 <a:ea typeface="Times New Roman" panose="02020603050405020304" pitchFamily="18" charset="0"/>
                 <a:cs typeface="Times New Roman" panose="02020603050405020304" pitchFamily="18" charset="0"/>
               </a:rPr>
-              <a:t>Types of disabilities</a:t>
+              <a:t>Accessibility laws that you should be aware of</a:t>
             </a:r>
             <a:endParaRPr lang="en-US" dirty="0"/>
           </a:p>
@@ -13642,7 +13610,7 @@
           <p:cNvPr id="3" name="Text Placeholder 2">
             <a:extLst>
               <a:ext uri="{FF2B5EF4-FFF2-40B4-BE49-F238E27FC236}">
-                <a16:creationId xmlns:a16="http://schemas.microsoft.com/office/drawing/2014/main" id="{BFFF7A81-89BF-4704-8218-889D69BB1FBB}"/>
+                <a16:creationId xmlns:a16="http://schemas.microsoft.com/office/drawing/2014/main" id="{1FD48223-9323-49DA-93CF-8AEA0977578E}"/>
               </a:ext>
             </a:extLst>
           </p:cNvPr>
@@ -13673,7 +13641,7 @@
                 <a:latin typeface="Times New Roman" panose="02020603050405020304" pitchFamily="18" charset="0"/>
                 <a:ea typeface="Times New Roman" panose="02020603050405020304" pitchFamily="18" charset="0"/>
               </a:rPr>
-              <a:t>Visual</a:t>
+              <a:t>The Americans with Disabilities Act (ADA).</a:t>
             </a:r>
           </a:p>
           <a:p>
@@ -13692,7 +13660,7 @@
                 <a:latin typeface="Times New Roman" panose="02020603050405020304" pitchFamily="18" charset="0"/>
                 <a:ea typeface="Times New Roman" panose="02020603050405020304" pitchFamily="18" charset="0"/>
               </a:rPr>
-              <a:t>Hearing</a:t>
+              <a:t>Sections 504 and 508 of the Federal Rehabilitation Act. </a:t>
             </a:r>
           </a:p>
           <a:p>
@@ -13711,26 +13679,7 @@
                 <a:latin typeface="Times New Roman" panose="02020603050405020304" pitchFamily="18" charset="0"/>
                 <a:ea typeface="Times New Roman" panose="02020603050405020304" pitchFamily="18" charset="0"/>
               </a:rPr>
-              <a:t>Motor</a:t>
-            </a:r>
-          </a:p>
-          <a:p>
-            <a:pPr marL="342900" marR="274320" lvl="0" indent="-342900">
-              <a:spcBef>
-                <a:spcPts val="0"/>
-              </a:spcBef>
-              <a:spcAft>
-                <a:spcPts val="600"/>
-              </a:spcAft>
-              <a:buFont typeface="Symbol" panose="05050102010706020507" pitchFamily="18" charset="2"/>
-              <a:buChar char=""/>
-            </a:pPr>
-            <a:r>
-              <a:rPr lang="en-US" spc="-10" dirty="0">
-                <a:latin typeface="Times New Roman" panose="02020603050405020304" pitchFamily="18" charset="0"/>
-                <a:ea typeface="Times New Roman" panose="02020603050405020304" pitchFamily="18" charset="0"/>
-              </a:rPr>
-              <a:t>Cognitive</a:t>
+              <a:t>Section 255 of the Telecommunications Act of 1996.</a:t>
             </a:r>
           </a:p>
           <a:p>
@@ -13743,7 +13692,7 @@
           <p:cNvPr id="4" name="Date Placeholder 3">
             <a:extLst>
               <a:ext uri="{FF2B5EF4-FFF2-40B4-BE49-F238E27FC236}">
-                <a16:creationId xmlns:a16="http://schemas.microsoft.com/office/drawing/2014/main" id="{7A6D6AE0-6022-4E1B-9DFD-E4E3567EE73D}"/>
+                <a16:creationId xmlns:a16="http://schemas.microsoft.com/office/drawing/2014/main" id="{B1B81C13-8332-4278-AB9B-53376D9F659C}"/>
               </a:ext>
             </a:extLst>
           </p:cNvPr>
@@ -13775,7 +13724,7 @@
           <p:cNvPr id="5" name="Footer Placeholder 4">
             <a:extLst>
               <a:ext uri="{FF2B5EF4-FFF2-40B4-BE49-F238E27FC236}">
-                <a16:creationId xmlns:a16="http://schemas.microsoft.com/office/drawing/2014/main" id="{32860362-4D5A-4296-B5F6-5752A57A8F5E}"/>
+                <a16:creationId xmlns:a16="http://schemas.microsoft.com/office/drawing/2014/main" id="{092E8119-B36B-43AB-897F-2815C745B7CA}"/>
               </a:ext>
             </a:extLst>
           </p:cNvPr>
@@ -13807,7 +13756,7 @@
           <p:cNvPr id="6" name="Slide Number Placeholder 5">
             <a:extLst>
               <a:ext uri="{FF2B5EF4-FFF2-40B4-BE49-F238E27FC236}">
-                <a16:creationId xmlns:a16="http://schemas.microsoft.com/office/drawing/2014/main" id="{C4D45F36-EDC6-4C6B-843C-C8405405212D}"/>
+                <a16:creationId xmlns:a16="http://schemas.microsoft.com/office/drawing/2014/main" id="{D722864F-84D2-40C0-BFC1-CBD20492462A}"/>
               </a:ext>
             </a:extLst>
           </p:cNvPr>
@@ -13864,7 +13813,7 @@
     </p:spTree>
     <p:extLst>
       <p:ext uri="{BB962C8B-B14F-4D97-AF65-F5344CB8AC3E}">
-        <p14:creationId xmlns:p14="http://schemas.microsoft.com/office/powerpoint/2010/main" val="3980819100"/>
+        <p14:creationId xmlns:p14="http://schemas.microsoft.com/office/powerpoint/2010/main" val="2348211851"/>
       </p:ext>
     </p:extLst>
   </p:cSld>
@@ -13896,7 +13845,7 @@
           <p:cNvPr id="2" name="Title 1">
             <a:extLst>
               <a:ext uri="{FF2B5EF4-FFF2-40B4-BE49-F238E27FC236}">
-                <a16:creationId xmlns:a16="http://schemas.microsoft.com/office/drawing/2014/main" id="{843D1F29-B44A-4D15-9828-31C8B2B01799}"/>
+                <a16:creationId xmlns:a16="http://schemas.microsoft.com/office/drawing/2014/main" id="{ED7252AE-FA2E-4E58-B391-A15BE3EEC3E1}"/>
               </a:ext>
             </a:extLst>
           </p:cNvPr>
@@ -13929,50 +13878,109 @@
                 <a:ea typeface="Times New Roman" panose="02020603050405020304" pitchFamily="18" charset="0"/>
                 <a:cs typeface="Times New Roman" panose="02020603050405020304" pitchFamily="18" charset="0"/>
               </a:rPr>
-              <a:t>The components of a web application</a:t>
+              <a:t>Objectives (cont.)</a:t>
             </a:r>
             <a:endParaRPr lang="en-US" dirty="0"/>
           </a:p>
         </p:txBody>
       </p:sp>
-      <p:pic>
-        <p:nvPicPr>
-          <p:cNvPr id="9" name="Content Placeholder 8" descr="See page 4 in book" title="See slide title">
-            <a:extLst>
-              <a:ext uri="{FF2B5EF4-FFF2-40B4-BE49-F238E27FC236}">
-                <a16:creationId xmlns:a16="http://schemas.microsoft.com/office/drawing/2014/main" id="{457C145D-145C-4AF8-95B1-8589DF158F47}"/>
-              </a:ext>
-            </a:extLst>
-          </p:cNvPr>
-          <p:cNvPicPr>
-            <a:picLocks noGrp="1" noChangeAspect="1"/>
-          </p:cNvPicPr>
-          <p:nvPr>
-            <p:ph sz="quarter" idx="13"/>
-          </p:nvPr>
-        </p:nvPicPr>
-        <p:blipFill>
-          <a:blip r:embed="rId2"/>
-          <a:stretch>
-            <a:fillRect/>
-          </a:stretch>
-        </p:blipFill>
-        <p:spPr>
-          <a:xfrm>
-            <a:off x="938784" y="1295400"/>
-            <a:ext cx="6190476" cy="3780952"/>
-          </a:xfrm>
-          <a:prstGeom prst="rect">
-            <a:avLst/>
-          </a:prstGeom>
-        </p:spPr>
-      </p:pic>
+      <p:sp>
+        <p:nvSpPr>
+          <p:cNvPr id="3" name="Text Placeholder 2">
+            <a:extLst>
+              <a:ext uri="{FF2B5EF4-FFF2-40B4-BE49-F238E27FC236}">
+                <a16:creationId xmlns:a16="http://schemas.microsoft.com/office/drawing/2014/main" id="{A5EF7789-4C3D-477D-B4CF-99DF20746072}"/>
+              </a:ext>
+            </a:extLst>
+          </p:cNvPr>
+          <p:cNvSpPr>
+            <a:spLocks noGrp="1"/>
+          </p:cNvSpPr>
+          <p:nvPr>
+            <p:ph type="body" sz="quarter" idx="13"/>
+          </p:nvPr>
+        </p:nvSpPr>
+        <p:spPr/>
+        <p:txBody>
+          <a:bodyPr/>
+          <a:lstStyle/>
+          <a:p>
+            <a:pPr marL="457200" marR="274320" lvl="0" indent="-457200">
+              <a:spcBef>
+                <a:spcPts val="0"/>
+              </a:spcBef>
+              <a:spcAft>
+                <a:spcPts val="600"/>
+              </a:spcAft>
+              <a:buFont typeface="+mj-lt"/>
+              <a:buAutoNum type="arabicPeriod" startAt="8"/>
+              <a:tabLst>
+                <a:tab pos="342900" algn="l"/>
+              </a:tabLst>
+            </a:pPr>
+            <a:r>
+              <a:rPr lang="en-US" spc="-10" dirty="0">
+                <a:latin typeface="Times New Roman" panose="02020603050405020304" pitchFamily="18" charset="0"/>
+                <a:ea typeface="Times New Roman" panose="02020603050405020304" pitchFamily="18" charset="0"/>
+              </a:rPr>
+              <a:t>Explain how you deploy a website on the Internet.</a:t>
+            </a:r>
+          </a:p>
+          <a:p>
+            <a:pPr marL="457200" marR="274320" lvl="0" indent="-457200">
+              <a:spcBef>
+                <a:spcPts val="0"/>
+              </a:spcBef>
+              <a:spcAft>
+                <a:spcPts val="600"/>
+              </a:spcAft>
+              <a:buFont typeface="+mj-lt"/>
+              <a:buAutoNum type="arabicPeriod" startAt="8"/>
+              <a:tabLst>
+                <a:tab pos="342900" algn="l"/>
+              </a:tabLst>
+            </a:pPr>
+            <a:r>
+              <a:rPr lang="en-US" spc="-10" dirty="0">
+                <a:latin typeface="Times New Roman" panose="02020603050405020304" pitchFamily="18" charset="0"/>
+                <a:ea typeface="Times New Roman" panose="02020603050405020304" pitchFamily="18" charset="0"/>
+              </a:rPr>
+              <a:t>Describe the components of an HTTP URL.</a:t>
+            </a:r>
+          </a:p>
+          <a:p>
+            <a:pPr marL="457200" marR="274320" lvl="0" indent="-457200">
+              <a:spcBef>
+                <a:spcPts val="0"/>
+              </a:spcBef>
+              <a:spcAft>
+                <a:spcPts val="600"/>
+              </a:spcAft>
+              <a:buFont typeface="+mj-lt"/>
+              <a:buAutoNum type="arabicPeriod" startAt="8"/>
+              <a:tabLst>
+                <a:tab pos="342900" algn="l"/>
+              </a:tabLst>
+            </a:pPr>
+            <a:r>
+              <a:rPr lang="en-US" spc="-10" dirty="0">
+                <a:latin typeface="Times New Roman" panose="02020603050405020304" pitchFamily="18" charset="0"/>
+                <a:ea typeface="Times New Roman" panose="02020603050405020304" pitchFamily="18" charset="0"/>
+              </a:rPr>
+              <a:t>Describe these five web development issues: Usability, Cross-browser Compatibility, User Accessibility, Search Engine Optimization, and Responsive Web Design.</a:t>
+            </a:r>
+          </a:p>
+          <a:p>
+            <a:endParaRPr lang="en-US" dirty="0"/>
+          </a:p>
+        </p:txBody>
+      </p:sp>
       <p:sp>
         <p:nvSpPr>
           <p:cNvPr id="4" name="Date Placeholder 3">
             <a:extLst>
               <a:ext uri="{FF2B5EF4-FFF2-40B4-BE49-F238E27FC236}">
-                <a16:creationId xmlns:a16="http://schemas.microsoft.com/office/drawing/2014/main" id="{545F8C8F-C176-4069-B671-D09E36D55BE7}"/>
+                <a16:creationId xmlns:a16="http://schemas.microsoft.com/office/drawing/2014/main" id="{81473463-BB85-42FA-8837-C86737525827}"/>
               </a:ext>
             </a:extLst>
           </p:cNvPr>
@@ -14004,7 +14012,7 @@
           <p:cNvPr id="5" name="Footer Placeholder 4">
             <a:extLst>
               <a:ext uri="{FF2B5EF4-FFF2-40B4-BE49-F238E27FC236}">
-                <a16:creationId xmlns:a16="http://schemas.microsoft.com/office/drawing/2014/main" id="{0237674C-8146-42E9-A63E-84272A66F852}"/>
+                <a16:creationId xmlns:a16="http://schemas.microsoft.com/office/drawing/2014/main" id="{18C45EC9-CFAA-4E64-AB28-567C018826E3}"/>
               </a:ext>
             </a:extLst>
           </p:cNvPr>
@@ -14036,7 +14044,7 @@
           <p:cNvPr id="6" name="Slide Number Placeholder 5">
             <a:extLst>
               <a:ext uri="{FF2B5EF4-FFF2-40B4-BE49-F238E27FC236}">
-                <a16:creationId xmlns:a16="http://schemas.microsoft.com/office/drawing/2014/main" id="{838381EE-6AEB-49CF-8CC4-CBAB82748E75}"/>
+                <a16:creationId xmlns:a16="http://schemas.microsoft.com/office/drawing/2014/main" id="{D54283AA-0BB0-4D43-B198-DEEA3857E135}"/>
               </a:ext>
             </a:extLst>
           </p:cNvPr>
@@ -14093,7 +14101,7 @@
     </p:spTree>
     <p:extLst>
       <p:ext uri="{BB962C8B-B14F-4D97-AF65-F5344CB8AC3E}">
-        <p14:creationId xmlns:p14="http://schemas.microsoft.com/office/powerpoint/2010/main" val="4233209006"/>
+        <p14:creationId xmlns:p14="http://schemas.microsoft.com/office/powerpoint/2010/main" val="3197728244"/>
       </p:ext>
     </p:extLst>
   </p:cSld>
@@ -14125,7 +14133,7 @@
           <p:cNvPr id="2" name="Title 1">
             <a:extLst>
               <a:ext uri="{FF2B5EF4-FFF2-40B4-BE49-F238E27FC236}">
-                <a16:creationId xmlns:a16="http://schemas.microsoft.com/office/drawing/2014/main" id="{D61C35E4-A849-4AF6-A148-931E9C8D0811}"/>
+                <a16:creationId xmlns:a16="http://schemas.microsoft.com/office/drawing/2014/main" id="{E7D4745D-FEAA-4142-B8BB-21523AC4E064}"/>
               </a:ext>
             </a:extLst>
           </p:cNvPr>
@@ -14141,55 +14149,136 @@
           <a:bodyPr/>
           <a:lstStyle/>
           <a:p>
-            <a:r>
-              <a:rPr lang="en-US" dirty="0"/>
-              <a:t>The Murach Books website on different devices</a:t>
-            </a:r>
-          </a:p>
-        </p:txBody>
-      </p:sp>
-      <p:pic>
-        <p:nvPicPr>
-          <p:cNvPr id="8" name="Content Placeholder 7" descr="See page 38 in book" title="See slide title">
-            <a:hlinkClick r:id="rId2"/>
-            <a:extLst>
-              <a:ext uri="{FF2B5EF4-FFF2-40B4-BE49-F238E27FC236}">
-                <a16:creationId xmlns:a16="http://schemas.microsoft.com/office/drawing/2014/main" id="{9CB8D923-6341-400D-B3BB-6DDF3FEF4A14}"/>
-              </a:ext>
-            </a:extLst>
-          </p:cNvPr>
-          <p:cNvPicPr>
-            <a:picLocks noGrp="1" noChangeAspect="1"/>
-          </p:cNvPicPr>
-          <p:nvPr>
-            <p:ph sz="quarter" idx="13"/>
-          </p:nvPr>
-        </p:nvPicPr>
-        <p:blipFill>
-          <a:blip r:embed="rId3">
-            <a:extLst>
-              <a:ext uri="{28A0092B-C50C-407E-A947-70E740481C1C}">
-                <a14:useLocalDpi xmlns:a14="http://schemas.microsoft.com/office/drawing/2010/main" val="0"/>
-              </a:ext>
-            </a:extLst>
-          </a:blip>
-          <a:stretch>
-            <a:fillRect/>
-          </a:stretch>
-        </p:blipFill>
-        <p:spPr>
-          <a:xfrm>
-            <a:off x="914400" y="1193628"/>
-            <a:ext cx="6244530" cy="4800600"/>
-          </a:xfrm>
-        </p:spPr>
-      </p:pic>
+            <a:pPr marL="0" marR="0">
+              <a:spcBef>
+                <a:spcPts val="0"/>
+              </a:spcBef>
+              <a:spcAft>
+                <a:spcPts val="600"/>
+              </a:spcAft>
+              <a:tabLst>
+                <a:tab pos="1371600" algn="l"/>
+              </a:tabLst>
+            </a:pPr>
+            <a:r>
+              <a:rPr lang="en-US" dirty="0">
+                <a:latin typeface="Arial" panose="020B0604020202020204" pitchFamily="34" charset="0"/>
+                <a:ea typeface="Times New Roman" panose="02020603050405020304" pitchFamily="18" charset="0"/>
+                <a:cs typeface="Times New Roman" panose="02020603050405020304" pitchFamily="18" charset="0"/>
+              </a:rPr>
+              <a:t>Types of disabilities</a:t>
+            </a:r>
+            <a:endParaRPr lang="en-US" dirty="0"/>
+          </a:p>
+        </p:txBody>
+      </p:sp>
+      <p:sp>
+        <p:nvSpPr>
+          <p:cNvPr id="3" name="Text Placeholder 2">
+            <a:extLst>
+              <a:ext uri="{FF2B5EF4-FFF2-40B4-BE49-F238E27FC236}">
+                <a16:creationId xmlns:a16="http://schemas.microsoft.com/office/drawing/2014/main" id="{BFFF7A81-89BF-4704-8218-889D69BB1FBB}"/>
+              </a:ext>
+            </a:extLst>
+          </p:cNvPr>
+          <p:cNvSpPr>
+            <a:spLocks noGrp="1"/>
+          </p:cNvSpPr>
+          <p:nvPr>
+            <p:ph type="body" sz="quarter" idx="13"/>
+          </p:nvPr>
+        </p:nvSpPr>
+        <p:spPr/>
+        <p:txBody>
+          <a:bodyPr/>
+          <a:lstStyle/>
+          <a:p>
+            <a:pPr marL="342900" marR="274320" lvl="0" indent="-342900">
+              <a:spcBef>
+                <a:spcPts val="0"/>
+              </a:spcBef>
+              <a:spcAft>
+                <a:spcPts val="600"/>
+              </a:spcAft>
+              <a:buFont typeface="Symbol" panose="05050102010706020507" pitchFamily="18" charset="2"/>
+              <a:buChar char=""/>
+            </a:pPr>
+            <a:r>
+              <a:rPr lang="en-US" spc="-10" dirty="0">
+                <a:latin typeface="Times New Roman" panose="02020603050405020304" pitchFamily="18" charset="0"/>
+                <a:ea typeface="Times New Roman" panose="02020603050405020304" pitchFamily="18" charset="0"/>
+              </a:rPr>
+              <a:t>Visual</a:t>
+            </a:r>
+          </a:p>
+          <a:p>
+            <a:pPr marL="342900" marR="274320" lvl="0" indent="-342900">
+              <a:spcBef>
+                <a:spcPts val="0"/>
+              </a:spcBef>
+              <a:spcAft>
+                <a:spcPts val="600"/>
+              </a:spcAft>
+              <a:buFont typeface="Symbol" panose="05050102010706020507" pitchFamily="18" charset="2"/>
+              <a:buChar char=""/>
+            </a:pPr>
+            <a:r>
+              <a:rPr lang="en-US" spc="-10" dirty="0">
+                <a:latin typeface="Times New Roman" panose="02020603050405020304" pitchFamily="18" charset="0"/>
+                <a:ea typeface="Times New Roman" panose="02020603050405020304" pitchFamily="18" charset="0"/>
+              </a:rPr>
+              <a:t>Hearing</a:t>
+            </a:r>
+          </a:p>
+          <a:p>
+            <a:pPr marL="342900" marR="274320" lvl="0" indent="-342900">
+              <a:spcBef>
+                <a:spcPts val="0"/>
+              </a:spcBef>
+              <a:spcAft>
+                <a:spcPts val="600"/>
+              </a:spcAft>
+              <a:buFont typeface="Symbol" panose="05050102010706020507" pitchFamily="18" charset="2"/>
+              <a:buChar char=""/>
+            </a:pPr>
+            <a:r>
+              <a:rPr lang="en-US" spc="-10" dirty="0">
+                <a:latin typeface="Times New Roman" panose="02020603050405020304" pitchFamily="18" charset="0"/>
+                <a:ea typeface="Times New Roman" panose="02020603050405020304" pitchFamily="18" charset="0"/>
+              </a:rPr>
+              <a:t>Motor</a:t>
+            </a:r>
+          </a:p>
+          <a:p>
+            <a:pPr marL="342900" marR="274320" lvl="0" indent="-342900">
+              <a:spcBef>
+                <a:spcPts val="0"/>
+              </a:spcBef>
+              <a:spcAft>
+                <a:spcPts val="600"/>
+              </a:spcAft>
+              <a:buFont typeface="Symbol" panose="05050102010706020507" pitchFamily="18" charset="2"/>
+              <a:buChar char=""/>
+            </a:pPr>
+            <a:r>
+              <a:rPr lang="en-US" spc="-10" dirty="0">
+                <a:latin typeface="Times New Roman" panose="02020603050405020304" pitchFamily="18" charset="0"/>
+                <a:ea typeface="Times New Roman" panose="02020603050405020304" pitchFamily="18" charset="0"/>
+              </a:rPr>
+              <a:t>Cognitive</a:t>
+            </a:r>
+          </a:p>
+          <a:p>
+            <a:endParaRPr lang="en-US" dirty="0"/>
+          </a:p>
+        </p:txBody>
+      </p:sp>
       <p:sp>
         <p:nvSpPr>
           <p:cNvPr id="4" name="Date Placeholder 3">
             <a:extLst>
               <a:ext uri="{FF2B5EF4-FFF2-40B4-BE49-F238E27FC236}">
-                <a16:creationId xmlns:a16="http://schemas.microsoft.com/office/drawing/2014/main" id="{40662D34-A5E2-40FF-8114-6F6A5E623F7E}"/>
+                <a16:creationId xmlns:a16="http://schemas.microsoft.com/office/drawing/2014/main" id="{7A6D6AE0-6022-4E1B-9DFD-E4E3567EE73D}"/>
               </a:ext>
             </a:extLst>
           </p:cNvPr>
@@ -14221,7 +14310,7 @@
           <p:cNvPr id="5" name="Footer Placeholder 4">
             <a:extLst>
               <a:ext uri="{FF2B5EF4-FFF2-40B4-BE49-F238E27FC236}">
-                <a16:creationId xmlns:a16="http://schemas.microsoft.com/office/drawing/2014/main" id="{169F8727-D9C7-49E1-81D8-FF1C26F724AD}"/>
+                <a16:creationId xmlns:a16="http://schemas.microsoft.com/office/drawing/2014/main" id="{32860362-4D5A-4296-B5F6-5752A57A8F5E}"/>
               </a:ext>
             </a:extLst>
           </p:cNvPr>
@@ -14253,7 +14342,7 @@
           <p:cNvPr id="6" name="Slide Number Placeholder 5">
             <a:extLst>
               <a:ext uri="{FF2B5EF4-FFF2-40B4-BE49-F238E27FC236}">
-                <a16:creationId xmlns:a16="http://schemas.microsoft.com/office/drawing/2014/main" id="{105DE101-FEFF-4A09-8C7E-12651BCE2322}"/>
+                <a16:creationId xmlns:a16="http://schemas.microsoft.com/office/drawing/2014/main" id="{C4D45F36-EDC6-4C6B-843C-C8405405212D}"/>
               </a:ext>
             </a:extLst>
           </p:cNvPr>
@@ -14310,7 +14399,7 @@
     </p:spTree>
     <p:extLst>
       <p:ext uri="{BB962C8B-B14F-4D97-AF65-F5344CB8AC3E}">
-        <p14:creationId xmlns:p14="http://schemas.microsoft.com/office/powerpoint/2010/main" val="4046652098"/>
+        <p14:creationId xmlns:p14="http://schemas.microsoft.com/office/powerpoint/2010/main" val="3980819100"/>
       </p:ext>
     </p:extLst>
   </p:cSld>
@@ -14342,7 +14431,7 @@
           <p:cNvPr id="2" name="Title 1">
             <a:extLst>
               <a:ext uri="{FF2B5EF4-FFF2-40B4-BE49-F238E27FC236}">
-                <a16:creationId xmlns:a16="http://schemas.microsoft.com/office/drawing/2014/main" id="{34364E83-DE16-4720-8AED-57026EABBC35}"/>
+                <a16:creationId xmlns:a16="http://schemas.microsoft.com/office/drawing/2014/main" id="{D61C35E4-A849-4AF6-A148-931E9C8D0811}"/>
               </a:ext>
             </a:extLst>
           </p:cNvPr>
@@ -14358,117 +14447,55 @@
           <a:bodyPr/>
           <a:lstStyle/>
           <a:p>
-            <a:pPr marL="0" marR="0">
-              <a:spcBef>
-                <a:spcPts val="0"/>
-              </a:spcBef>
-              <a:spcAft>
-                <a:spcPts val="600"/>
-              </a:spcAft>
-              <a:tabLst>
-                <a:tab pos="1371600" algn="l"/>
-              </a:tabLst>
-            </a:pPr>
-            <a:r>
-              <a:rPr lang="en-US" dirty="0">
-                <a:latin typeface="Arial" panose="020B0604020202020204" pitchFamily="34" charset="0"/>
-                <a:ea typeface="Times New Roman" panose="02020603050405020304" pitchFamily="18" charset="0"/>
-                <a:cs typeface="Times New Roman" panose="02020603050405020304" pitchFamily="18" charset="0"/>
-              </a:rPr>
-              <a:t>What is Responsive Web Design?</a:t>
-            </a:r>
-            <a:endParaRPr lang="en-US" dirty="0"/>
-          </a:p>
-        </p:txBody>
-      </p:sp>
-      <p:sp>
-        <p:nvSpPr>
-          <p:cNvPr id="3" name="Text Placeholder 2">
-            <a:extLst>
-              <a:ext uri="{FF2B5EF4-FFF2-40B4-BE49-F238E27FC236}">
-                <a16:creationId xmlns:a16="http://schemas.microsoft.com/office/drawing/2014/main" id="{EF0ECFB0-67E3-4D19-A9CB-F6091A694F35}"/>
-              </a:ext>
-            </a:extLst>
-          </p:cNvPr>
-          <p:cNvSpPr>
-            <a:spLocks noGrp="1"/>
-          </p:cNvSpPr>
-          <p:nvPr>
-            <p:ph type="body" sz="quarter" idx="13"/>
-          </p:nvPr>
-        </p:nvSpPr>
-        <p:spPr/>
-        <p:txBody>
-          <a:bodyPr/>
-          <a:lstStyle/>
-          <a:p>
-            <a:pPr marL="342900" marR="274320" lvl="0" indent="-342900">
-              <a:spcBef>
-                <a:spcPts val="0"/>
-              </a:spcBef>
-              <a:spcAft>
-                <a:spcPts val="600"/>
-              </a:spcAft>
-              <a:buFont typeface="Symbol" panose="05050102010706020507" pitchFamily="18" charset="2"/>
-              <a:buChar char=""/>
-            </a:pPr>
-            <a:r>
-              <a:rPr lang="en-US" spc="-10" dirty="0">
-                <a:latin typeface="Times New Roman" panose="02020603050405020304" pitchFamily="18" charset="0"/>
-                <a:ea typeface="Times New Roman" panose="02020603050405020304" pitchFamily="18" charset="0"/>
-              </a:rPr>
-              <a:t>Responsive Web Design refers to websites that are designed to adapt gracefully to the screen size.</a:t>
-            </a:r>
-          </a:p>
-          <a:p>
-            <a:pPr marL="342900" marR="274320" lvl="0" indent="-342900">
-              <a:spcBef>
-                <a:spcPts val="0"/>
-              </a:spcBef>
-              <a:spcAft>
-                <a:spcPts val="600"/>
-              </a:spcAft>
-              <a:buFont typeface="Symbol" panose="05050102010706020507" pitchFamily="18" charset="2"/>
-              <a:buChar char=""/>
-            </a:pPr>
-            <a:r>
-              <a:rPr lang="en-US" spc="-10" dirty="0">
-                <a:latin typeface="Times New Roman" panose="02020603050405020304" pitchFamily="18" charset="0"/>
-                <a:ea typeface="Times New Roman" panose="02020603050405020304" pitchFamily="18" charset="0"/>
-              </a:rPr>
-              <a:t>Typically, the overall look-and-feel of a website will remain consistent from one screen size to the next.</a:t>
-            </a:r>
-          </a:p>
-          <a:p>
-            <a:pPr marL="342900" marR="274320" lvl="0" indent="-342900">
-              <a:spcBef>
-                <a:spcPts val="0"/>
-              </a:spcBef>
-              <a:spcAft>
-                <a:spcPts val="600"/>
-              </a:spcAft>
-              <a:buFont typeface="Symbol" panose="05050102010706020507" pitchFamily="18" charset="2"/>
-              <a:buChar char=""/>
-            </a:pPr>
-            <a:r>
-              <a:rPr lang="en-US" spc="-10" dirty="0">
-                <a:latin typeface="Times New Roman" panose="02020603050405020304" pitchFamily="18" charset="0"/>
-                <a:ea typeface="Times New Roman" panose="02020603050405020304" pitchFamily="18" charset="0"/>
-              </a:rPr>
-              <a:t>Media queries, scalable images, and flexible layouts are the backbone of Responsive Web Design.</a:t>
-            </a:r>
-          </a:p>
-          <a:p>
-            <a:endParaRPr lang="en-US" dirty="0"/>
-          </a:p>
-        </p:txBody>
-      </p:sp>
+            <a:r>
+              <a:rPr lang="en-US" dirty="0"/>
+              <a:t>The Murach Books website on different devices</a:t>
+            </a:r>
+          </a:p>
+        </p:txBody>
+      </p:sp>
+      <p:pic>
+        <p:nvPicPr>
+          <p:cNvPr id="8" name="Content Placeholder 7" descr="See page 38 in book" title="See slide title">
+            <a:hlinkClick r:id="rId2"/>
+            <a:extLst>
+              <a:ext uri="{FF2B5EF4-FFF2-40B4-BE49-F238E27FC236}">
+                <a16:creationId xmlns:a16="http://schemas.microsoft.com/office/drawing/2014/main" id="{9CB8D923-6341-400D-B3BB-6DDF3FEF4A14}"/>
+              </a:ext>
+            </a:extLst>
+          </p:cNvPr>
+          <p:cNvPicPr>
+            <a:picLocks noGrp="1" noChangeAspect="1"/>
+          </p:cNvPicPr>
+          <p:nvPr>
+            <p:ph sz="quarter" idx="13"/>
+          </p:nvPr>
+        </p:nvPicPr>
+        <p:blipFill>
+          <a:blip r:embed="rId3">
+            <a:extLst>
+              <a:ext uri="{28A0092B-C50C-407E-A947-70E740481C1C}">
+                <a14:useLocalDpi xmlns:a14="http://schemas.microsoft.com/office/drawing/2010/main" val="0"/>
+              </a:ext>
+            </a:extLst>
+          </a:blip>
+          <a:stretch>
+            <a:fillRect/>
+          </a:stretch>
+        </p:blipFill>
+        <p:spPr>
+          <a:xfrm>
+            <a:off x="914400" y="1193628"/>
+            <a:ext cx="6244530" cy="4800600"/>
+          </a:xfrm>
+        </p:spPr>
+      </p:pic>
       <p:sp>
         <p:nvSpPr>
           <p:cNvPr id="4" name="Date Placeholder 3">
             <a:extLst>
               <a:ext uri="{FF2B5EF4-FFF2-40B4-BE49-F238E27FC236}">
-                <a16:creationId xmlns:a16="http://schemas.microsoft.com/office/drawing/2014/main" id="{45B95E99-C94B-4CFB-8FFF-C4C1EE833767}"/>
+                <a16:creationId xmlns:a16="http://schemas.microsoft.com/office/drawing/2014/main" id="{40662D34-A5E2-40FF-8114-6F6A5E623F7E}"/>
               </a:ext>
             </a:extLst>
           </p:cNvPr>
@@ -14500,7 +14527,7 @@
           <p:cNvPr id="5" name="Footer Placeholder 4">
             <a:extLst>
               <a:ext uri="{FF2B5EF4-FFF2-40B4-BE49-F238E27FC236}">
-                <a16:creationId xmlns:a16="http://schemas.microsoft.com/office/drawing/2014/main" id="{74D31E51-712F-4364-A7D1-170E087993A6}"/>
+                <a16:creationId xmlns:a16="http://schemas.microsoft.com/office/drawing/2014/main" id="{169F8727-D9C7-49E1-81D8-FF1C26F724AD}"/>
               </a:ext>
             </a:extLst>
           </p:cNvPr>
@@ -14532,7 +14559,7 @@
           <p:cNvPr id="6" name="Slide Number Placeholder 5">
             <a:extLst>
               <a:ext uri="{FF2B5EF4-FFF2-40B4-BE49-F238E27FC236}">
-                <a16:creationId xmlns:a16="http://schemas.microsoft.com/office/drawing/2014/main" id="{2C93E4E3-5728-47D5-A5F5-7B6490894FA7}"/>
+                <a16:creationId xmlns:a16="http://schemas.microsoft.com/office/drawing/2014/main" id="{105DE101-FEFF-4A09-8C7E-12651BCE2322}"/>
               </a:ext>
             </a:extLst>
           </p:cNvPr>
@@ -14589,7 +14616,7 @@
     </p:spTree>
     <p:extLst>
       <p:ext uri="{BB962C8B-B14F-4D97-AF65-F5344CB8AC3E}">
-        <p14:creationId xmlns:p14="http://schemas.microsoft.com/office/powerpoint/2010/main" val="2010336484"/>
+        <p14:creationId xmlns:p14="http://schemas.microsoft.com/office/powerpoint/2010/main" val="4046652098"/>
       </p:ext>
     </p:extLst>
   </p:cSld>
@@ -14621,7 +14648,7 @@
           <p:cNvPr id="2" name="Title 1">
             <a:extLst>
               <a:ext uri="{FF2B5EF4-FFF2-40B4-BE49-F238E27FC236}">
-                <a16:creationId xmlns:a16="http://schemas.microsoft.com/office/drawing/2014/main" id="{CB736673-E0FF-4531-B77A-9F6AE5CD87F8}"/>
+                <a16:creationId xmlns:a16="http://schemas.microsoft.com/office/drawing/2014/main" id="{34364E83-DE16-4720-8AED-57026EABBC35}"/>
               </a:ext>
             </a:extLst>
           </p:cNvPr>
@@ -14654,7 +14681,7 @@
                 <a:ea typeface="Times New Roman" panose="02020603050405020304" pitchFamily="18" charset="0"/>
                 <a:cs typeface="Times New Roman" panose="02020603050405020304" pitchFamily="18" charset="0"/>
               </a:rPr>
-              <a:t>Objectives</a:t>
+              <a:t>What is Responsive Web Design?</a:t>
             </a:r>
             <a:endParaRPr lang="en-US" dirty="0"/>
           </a:p>
@@ -14665,7 +14692,7 @@
           <p:cNvPr id="3" name="Text Placeholder 2">
             <a:extLst>
               <a:ext uri="{FF2B5EF4-FFF2-40B4-BE49-F238E27FC236}">
-                <a16:creationId xmlns:a16="http://schemas.microsoft.com/office/drawing/2014/main" id="{FF85D711-CC4A-4CC7-A164-BEC1DECE59ED}"/>
+                <a16:creationId xmlns:a16="http://schemas.microsoft.com/office/drawing/2014/main" id="{EF0ECFB0-67E3-4D19-A9CB-F6091A694F35}"/>
               </a:ext>
             </a:extLst>
           </p:cNvPr>
@@ -14681,24 +14708,22 @@
           <a:bodyPr/>
           <a:lstStyle/>
           <a:p>
-            <a:pPr>
+            <a:pPr marL="342900" marR="274320" lvl="0" indent="-342900">
               <a:spcBef>
-                <a:spcPts val="1500"/>
+                <a:spcPts val="0"/>
               </a:spcBef>
               <a:spcAft>
                 <a:spcPts val="600"/>
               </a:spcAft>
-              <a:tabLst>
-                <a:tab pos="1371600" algn="l"/>
-              </a:tabLst>
-            </a:pPr>
-            <a:r>
-              <a:rPr lang="en-US" b="1" dirty="0">
-                <a:latin typeface="Arial" panose="020B0604020202020204" pitchFamily="34" charset="0"/>
-                <a:ea typeface="Times New Roman" panose="02020603050405020304" pitchFamily="18" charset="0"/>
-                <a:cs typeface="Times New Roman" panose="02020603050405020304" pitchFamily="18" charset="0"/>
-              </a:rPr>
-              <a:t>Applied</a:t>
+              <a:buFont typeface="Symbol" panose="05050102010706020507" pitchFamily="18" charset="2"/>
+              <a:buChar char=""/>
+            </a:pPr>
+            <a:r>
+              <a:rPr lang="en-US" spc="-10" dirty="0">
+                <a:latin typeface="Times New Roman" panose="02020603050405020304" pitchFamily="18" charset="0"/>
+                <a:ea typeface="Times New Roman" panose="02020603050405020304" pitchFamily="18" charset="0"/>
+              </a:rPr>
+              <a:t>Responsive Web Design refers to websites that are designed to adapt gracefully to the screen size.</a:t>
             </a:r>
           </a:p>
           <a:p>
@@ -14709,18 +14734,15 @@
               <a:spcAft>
                 <a:spcPts val="600"/>
               </a:spcAft>
-              <a:buFont typeface="+mj-lt"/>
-              <a:buAutoNum type="arabicPeriod"/>
-              <a:tabLst>
-                <a:tab pos="342900" algn="l"/>
-              </a:tabLst>
+              <a:buFont typeface="Symbol" panose="05050102010706020507" pitchFamily="18" charset="2"/>
+              <a:buChar char=""/>
             </a:pPr>
             <a:r>
               <a:rPr lang="en-US" spc="-10" dirty="0">
                 <a:latin typeface="Times New Roman" panose="02020603050405020304" pitchFamily="18" charset="0"/>
                 <a:ea typeface="Times New Roman" panose="02020603050405020304" pitchFamily="18" charset="0"/>
               </a:rPr>
-              <a:t>Load a web page from the Internet or an intranet into a web browser.</a:t>
+              <a:t>Typically, the overall look-and-feel of a website will remain consistent from one screen size to the next.</a:t>
             </a:r>
           </a:p>
           <a:p>
@@ -14731,195 +14753,19 @@
               <a:spcAft>
                 <a:spcPts val="600"/>
               </a:spcAft>
-              <a:buFont typeface="+mj-lt"/>
-              <a:buAutoNum type="arabicPeriod"/>
-              <a:tabLst>
-                <a:tab pos="342900" algn="l"/>
-              </a:tabLst>
+              <a:buFont typeface="Symbol" panose="05050102010706020507" pitchFamily="18" charset="2"/>
+              <a:buChar char=""/>
             </a:pPr>
             <a:r>
               <a:rPr lang="en-US" spc="-10" dirty="0">
                 <a:latin typeface="Times New Roman" panose="02020603050405020304" pitchFamily="18" charset="0"/>
                 <a:ea typeface="Times New Roman" panose="02020603050405020304" pitchFamily="18" charset="0"/>
               </a:rPr>
-              <a:t>View the source code for a web page in a web browser.</a:t>
-            </a:r>
-          </a:p>
-          <a:p>
-            <a:pPr>
-              <a:spcBef>
-                <a:spcPts val="1500"/>
-              </a:spcBef>
-              <a:spcAft>
-                <a:spcPts val="600"/>
-              </a:spcAft>
-              <a:tabLst>
-                <a:tab pos="1371600" algn="l"/>
-              </a:tabLst>
-            </a:pPr>
-            <a:r>
-              <a:rPr lang="en-US" b="1" dirty="0">
-                <a:latin typeface="Arial" panose="020B0604020202020204" pitchFamily="34" charset="0"/>
-                <a:ea typeface="Times New Roman" panose="02020603050405020304" pitchFamily="18" charset="0"/>
-                <a:cs typeface="Times New Roman" panose="02020603050405020304" pitchFamily="18" charset="0"/>
-              </a:rPr>
-              <a:t>Knowledge</a:t>
-            </a:r>
-          </a:p>
-          <a:p>
-            <a:pPr marL="342900" marR="274320" lvl="0" indent="-342900">
-              <a:spcBef>
-                <a:spcPts val="0"/>
-              </a:spcBef>
-              <a:spcAft>
-                <a:spcPts val="600"/>
-              </a:spcAft>
-              <a:buFont typeface="+mj-lt"/>
-              <a:buAutoNum type="arabicPeriod"/>
-              <a:tabLst>
-                <a:tab pos="342900" algn="l"/>
-                <a:tab pos="365760" algn="l"/>
-              </a:tabLst>
-            </a:pPr>
-            <a:r>
-              <a:rPr lang="en-US" spc="-10" dirty="0">
-                <a:latin typeface="Times New Roman" panose="02020603050405020304" pitchFamily="18" charset="0"/>
-                <a:ea typeface="Times New Roman" panose="02020603050405020304" pitchFamily="18" charset="0"/>
-              </a:rPr>
-              <a:t>Describe the components of a web application.</a:t>
-            </a:r>
-          </a:p>
-          <a:p>
-            <a:pPr marL="342900" marR="274320" lvl="0" indent="-342900">
-              <a:spcBef>
-                <a:spcPts val="0"/>
-              </a:spcBef>
-              <a:spcAft>
-                <a:spcPts val="600"/>
-              </a:spcAft>
-              <a:buFont typeface="+mj-lt"/>
-              <a:buAutoNum type="arabicPeriod"/>
-              <a:tabLst>
-                <a:tab pos="342900" algn="l"/>
-              </a:tabLst>
-            </a:pPr>
-            <a:r>
-              <a:rPr lang="en-US" spc="-10" dirty="0">
-                <a:latin typeface="Times New Roman" panose="02020603050405020304" pitchFamily="18" charset="0"/>
-                <a:ea typeface="Times New Roman" panose="02020603050405020304" pitchFamily="18" charset="0"/>
-              </a:rPr>
-              <a:t>Distinguish between the Internet and an intranet.</a:t>
-            </a:r>
-          </a:p>
-          <a:p>
-            <a:pPr marL="342900" marR="274320" lvl="0" indent="-342900">
-              <a:spcBef>
-                <a:spcPts val="0"/>
-              </a:spcBef>
-              <a:spcAft>
-                <a:spcPts val="600"/>
-              </a:spcAft>
-              <a:buFont typeface="+mj-lt"/>
-              <a:buAutoNum type="arabicPeriod"/>
-              <a:tabLst>
-                <a:tab pos="342900" algn="l"/>
-              </a:tabLst>
-            </a:pPr>
-            <a:r>
-              <a:rPr lang="en-US" spc="-10" dirty="0">
-                <a:latin typeface="Times New Roman" panose="02020603050405020304" pitchFamily="18" charset="0"/>
-                <a:ea typeface="Times New Roman" panose="02020603050405020304" pitchFamily="18" charset="0"/>
-              </a:rPr>
-              <a:t>Describe HTTP requests and responses.</a:t>
-            </a:r>
-          </a:p>
-          <a:p>
-            <a:pPr marL="342900" marR="274320" lvl="0" indent="-342900">
-              <a:spcBef>
-                <a:spcPts val="0"/>
-              </a:spcBef>
-              <a:spcAft>
-                <a:spcPts val="600"/>
-              </a:spcAft>
-              <a:buFont typeface="+mj-lt"/>
-              <a:buAutoNum type="arabicPeriod"/>
-              <a:tabLst>
-                <a:tab pos="342900" algn="l"/>
-              </a:tabLst>
-            </a:pPr>
-            <a:r>
-              <a:rPr lang="en-US" spc="-10" dirty="0">
-                <a:latin typeface="Times New Roman" panose="02020603050405020304" pitchFamily="18" charset="0"/>
-                <a:ea typeface="Times New Roman" panose="02020603050405020304" pitchFamily="18" charset="0"/>
-              </a:rPr>
-              <a:t>Distinguish between the way a web server processes static web pages and dynamic web pages.</a:t>
-            </a:r>
-          </a:p>
-          <a:p>
-            <a:pPr marL="342900" marR="274320" lvl="0" indent="-342900">
-              <a:spcBef>
-                <a:spcPts val="0"/>
-              </a:spcBef>
-              <a:spcAft>
-                <a:spcPts val="600"/>
-              </a:spcAft>
-              <a:buFont typeface="+mj-lt"/>
-              <a:buAutoNum type="arabicPeriod"/>
-              <a:tabLst>
-                <a:tab pos="342900" algn="l"/>
-              </a:tabLst>
-            </a:pPr>
-            <a:r>
-              <a:rPr lang="en-US" spc="-10" dirty="0">
-                <a:latin typeface="Times New Roman" panose="02020603050405020304" pitchFamily="18" charset="0"/>
-                <a:ea typeface="Times New Roman" panose="02020603050405020304" pitchFamily="18" charset="0"/>
-              </a:rPr>
-              <a:t>Name the five major web browsers.</a:t>
-            </a:r>
-          </a:p>
-          <a:p>
-            <a:pPr marL="342900" marR="274320" lvl="0" indent="-342900">
-              <a:spcBef>
-                <a:spcPts val="0"/>
-              </a:spcBef>
-              <a:spcAft>
-                <a:spcPts val="600"/>
-              </a:spcAft>
-              <a:buFont typeface="+mj-lt"/>
-              <a:buAutoNum type="arabicPeriod"/>
-              <a:tabLst>
-                <a:tab pos="342900" algn="l"/>
-              </a:tabLst>
-            </a:pPr>
-            <a:r>
-              <a:rPr lang="en-US" spc="-10" dirty="0">
-                <a:latin typeface="Times New Roman" panose="02020603050405020304" pitchFamily="18" charset="0"/>
-                <a:ea typeface="Times New Roman" panose="02020603050405020304" pitchFamily="18" charset="0"/>
-              </a:rPr>
-              <a:t>Describe the use of JavaScript.</a:t>
-            </a:r>
-          </a:p>
-          <a:p>
-            <a:pPr marL="342900" marR="274320" lvl="0" indent="-342900">
-              <a:spcBef>
-                <a:spcPts val="0"/>
-              </a:spcBef>
-              <a:spcAft>
-                <a:spcPts val="600"/>
-              </a:spcAft>
-              <a:buFont typeface="+mj-lt"/>
-              <a:buAutoNum type="arabicPeriod"/>
-              <a:tabLst>
-                <a:tab pos="342900" algn="l"/>
-              </a:tabLst>
-            </a:pPr>
-            <a:r>
-              <a:rPr lang="en-US" spc="-10" dirty="0">
-                <a:latin typeface="Times New Roman" panose="02020603050405020304" pitchFamily="18" charset="0"/>
-                <a:ea typeface="Times New Roman" panose="02020603050405020304" pitchFamily="18" charset="0"/>
-              </a:rPr>
-              <a:t>Distinguish between HTML and CSS.</a:t>
-            </a:r>
+              <a:t>Media queries, scalable images, and flexible layouts are the backbone of Responsive Web Design.</a:t>
+            </a:r>
+          </a:p>
+          <a:p>
+            <a:endParaRPr lang="en-US" dirty="0"/>
           </a:p>
         </p:txBody>
       </p:sp>
@@ -14928,7 +14774,7 @@
           <p:cNvPr id="4" name="Date Placeholder 3">
             <a:extLst>
               <a:ext uri="{FF2B5EF4-FFF2-40B4-BE49-F238E27FC236}">
-                <a16:creationId xmlns:a16="http://schemas.microsoft.com/office/drawing/2014/main" id="{CC3A9FAA-0651-4EC7-B49B-256D52BF1734}"/>
+                <a16:creationId xmlns:a16="http://schemas.microsoft.com/office/drawing/2014/main" id="{45B95E99-C94B-4CFB-8FFF-C4C1EE833767}"/>
               </a:ext>
             </a:extLst>
           </p:cNvPr>
@@ -14960,7 +14806,7 @@
           <p:cNvPr id="5" name="Footer Placeholder 4">
             <a:extLst>
               <a:ext uri="{FF2B5EF4-FFF2-40B4-BE49-F238E27FC236}">
-                <a16:creationId xmlns:a16="http://schemas.microsoft.com/office/drawing/2014/main" id="{F9182E6A-8DEE-4E1D-9C82-D463F121A4A4}"/>
+                <a16:creationId xmlns:a16="http://schemas.microsoft.com/office/drawing/2014/main" id="{74D31E51-712F-4364-A7D1-170E087993A6}"/>
               </a:ext>
             </a:extLst>
           </p:cNvPr>
@@ -14992,7 +14838,7 @@
           <p:cNvPr id="6" name="Slide Number Placeholder 5">
             <a:extLst>
               <a:ext uri="{FF2B5EF4-FFF2-40B4-BE49-F238E27FC236}">
-                <a16:creationId xmlns:a16="http://schemas.microsoft.com/office/drawing/2014/main" id="{A0AB8ED6-D19C-40A5-A3D3-B04476ACB89B}"/>
+                <a16:creationId xmlns:a16="http://schemas.microsoft.com/office/drawing/2014/main" id="{2C93E4E3-5728-47D5-A5F5-7B6490894FA7}"/>
               </a:ext>
             </a:extLst>
           </p:cNvPr>
@@ -15049,7 +14895,7 @@
     </p:spTree>
     <p:extLst>
       <p:ext uri="{BB962C8B-B14F-4D97-AF65-F5344CB8AC3E}">
-        <p14:creationId xmlns:p14="http://schemas.microsoft.com/office/powerpoint/2010/main" val="1743848473"/>
+        <p14:creationId xmlns:p14="http://schemas.microsoft.com/office/powerpoint/2010/main" val="2010336484"/>
       </p:ext>
     </p:extLst>
   </p:cSld>
@@ -15081,6 +14927,466 @@
           <p:cNvPr id="2" name="Title 1">
             <a:extLst>
               <a:ext uri="{FF2B5EF4-FFF2-40B4-BE49-F238E27FC236}">
+                <a16:creationId xmlns:a16="http://schemas.microsoft.com/office/drawing/2014/main" id="{CB736673-E0FF-4531-B77A-9F6AE5CD87F8}"/>
+              </a:ext>
+            </a:extLst>
+          </p:cNvPr>
+          <p:cNvSpPr>
+            <a:spLocks noGrp="1"/>
+          </p:cNvSpPr>
+          <p:nvPr>
+            <p:ph type="title"/>
+          </p:nvPr>
+        </p:nvSpPr>
+        <p:spPr/>
+        <p:txBody>
+          <a:bodyPr/>
+          <a:lstStyle/>
+          <a:p>
+            <a:pPr marL="0" marR="0">
+              <a:spcBef>
+                <a:spcPts val="0"/>
+              </a:spcBef>
+              <a:spcAft>
+                <a:spcPts val="600"/>
+              </a:spcAft>
+              <a:tabLst>
+                <a:tab pos="1371600" algn="l"/>
+              </a:tabLst>
+            </a:pPr>
+            <a:r>
+              <a:rPr lang="en-US" dirty="0">
+                <a:latin typeface="Arial" panose="020B0604020202020204" pitchFamily="34" charset="0"/>
+                <a:ea typeface="Times New Roman" panose="02020603050405020304" pitchFamily="18" charset="0"/>
+                <a:cs typeface="Times New Roman" panose="02020603050405020304" pitchFamily="18" charset="0"/>
+              </a:rPr>
+              <a:t>Objectives</a:t>
+            </a:r>
+            <a:endParaRPr lang="en-US" dirty="0"/>
+          </a:p>
+        </p:txBody>
+      </p:sp>
+      <p:sp>
+        <p:nvSpPr>
+          <p:cNvPr id="3" name="Text Placeholder 2">
+            <a:extLst>
+              <a:ext uri="{FF2B5EF4-FFF2-40B4-BE49-F238E27FC236}">
+                <a16:creationId xmlns:a16="http://schemas.microsoft.com/office/drawing/2014/main" id="{FF85D711-CC4A-4CC7-A164-BEC1DECE59ED}"/>
+              </a:ext>
+            </a:extLst>
+          </p:cNvPr>
+          <p:cNvSpPr>
+            <a:spLocks noGrp="1"/>
+          </p:cNvSpPr>
+          <p:nvPr>
+            <p:ph type="body" sz="quarter" idx="13"/>
+          </p:nvPr>
+        </p:nvSpPr>
+        <p:spPr/>
+        <p:txBody>
+          <a:bodyPr/>
+          <a:lstStyle/>
+          <a:p>
+            <a:pPr>
+              <a:spcBef>
+                <a:spcPts val="1500"/>
+              </a:spcBef>
+              <a:spcAft>
+                <a:spcPts val="600"/>
+              </a:spcAft>
+              <a:tabLst>
+                <a:tab pos="1371600" algn="l"/>
+              </a:tabLst>
+            </a:pPr>
+            <a:r>
+              <a:rPr lang="en-US" b="1" dirty="0">
+                <a:latin typeface="Arial" panose="020B0604020202020204" pitchFamily="34" charset="0"/>
+                <a:ea typeface="Times New Roman" panose="02020603050405020304" pitchFamily="18" charset="0"/>
+                <a:cs typeface="Times New Roman" panose="02020603050405020304" pitchFamily="18" charset="0"/>
+              </a:rPr>
+              <a:t>Applied</a:t>
+            </a:r>
+          </a:p>
+          <a:p>
+            <a:pPr marL="342900" marR="274320" lvl="0" indent="-342900">
+              <a:spcBef>
+                <a:spcPts val="0"/>
+              </a:spcBef>
+              <a:spcAft>
+                <a:spcPts val="600"/>
+              </a:spcAft>
+              <a:buFont typeface="+mj-lt"/>
+              <a:buAutoNum type="arabicPeriod"/>
+              <a:tabLst>
+                <a:tab pos="342900" algn="l"/>
+              </a:tabLst>
+            </a:pPr>
+            <a:r>
+              <a:rPr lang="en-US" spc="-10" dirty="0">
+                <a:latin typeface="Times New Roman" panose="02020603050405020304" pitchFamily="18" charset="0"/>
+                <a:ea typeface="Times New Roman" panose="02020603050405020304" pitchFamily="18" charset="0"/>
+              </a:rPr>
+              <a:t>Load a web page from the Internet or an intranet into a web browser.</a:t>
+            </a:r>
+          </a:p>
+          <a:p>
+            <a:pPr marL="342900" marR="274320" lvl="0" indent="-342900">
+              <a:spcBef>
+                <a:spcPts val="0"/>
+              </a:spcBef>
+              <a:spcAft>
+                <a:spcPts val="600"/>
+              </a:spcAft>
+              <a:buFont typeface="+mj-lt"/>
+              <a:buAutoNum type="arabicPeriod"/>
+              <a:tabLst>
+                <a:tab pos="342900" algn="l"/>
+              </a:tabLst>
+            </a:pPr>
+            <a:r>
+              <a:rPr lang="en-US" spc="-10" dirty="0">
+                <a:latin typeface="Times New Roman" panose="02020603050405020304" pitchFamily="18" charset="0"/>
+                <a:ea typeface="Times New Roman" panose="02020603050405020304" pitchFamily="18" charset="0"/>
+              </a:rPr>
+              <a:t>View the source code for a web page in a web browser.</a:t>
+            </a:r>
+          </a:p>
+          <a:p>
+            <a:pPr>
+              <a:spcBef>
+                <a:spcPts val="1500"/>
+              </a:spcBef>
+              <a:spcAft>
+                <a:spcPts val="600"/>
+              </a:spcAft>
+              <a:tabLst>
+                <a:tab pos="1371600" algn="l"/>
+              </a:tabLst>
+            </a:pPr>
+            <a:r>
+              <a:rPr lang="en-US" b="1" dirty="0">
+                <a:latin typeface="Arial" panose="020B0604020202020204" pitchFamily="34" charset="0"/>
+                <a:ea typeface="Times New Roman" panose="02020603050405020304" pitchFamily="18" charset="0"/>
+                <a:cs typeface="Times New Roman" panose="02020603050405020304" pitchFamily="18" charset="0"/>
+              </a:rPr>
+              <a:t>Knowledge</a:t>
+            </a:r>
+          </a:p>
+          <a:p>
+            <a:pPr marL="342900" marR="274320" lvl="0" indent="-342900">
+              <a:spcBef>
+                <a:spcPts val="0"/>
+              </a:spcBef>
+              <a:spcAft>
+                <a:spcPts val="600"/>
+              </a:spcAft>
+              <a:buFont typeface="+mj-lt"/>
+              <a:buAutoNum type="arabicPeriod"/>
+              <a:tabLst>
+                <a:tab pos="342900" algn="l"/>
+                <a:tab pos="365760" algn="l"/>
+              </a:tabLst>
+            </a:pPr>
+            <a:r>
+              <a:rPr lang="en-US" spc="-10" dirty="0">
+                <a:latin typeface="Times New Roman" panose="02020603050405020304" pitchFamily="18" charset="0"/>
+                <a:ea typeface="Times New Roman" panose="02020603050405020304" pitchFamily="18" charset="0"/>
+              </a:rPr>
+              <a:t>Describe the components of a web application.</a:t>
+            </a:r>
+          </a:p>
+          <a:p>
+            <a:pPr marL="342900" marR="274320" lvl="0" indent="-342900">
+              <a:spcBef>
+                <a:spcPts val="0"/>
+              </a:spcBef>
+              <a:spcAft>
+                <a:spcPts val="600"/>
+              </a:spcAft>
+              <a:buFont typeface="+mj-lt"/>
+              <a:buAutoNum type="arabicPeriod"/>
+              <a:tabLst>
+                <a:tab pos="342900" algn="l"/>
+              </a:tabLst>
+            </a:pPr>
+            <a:r>
+              <a:rPr lang="en-US" spc="-10" dirty="0">
+                <a:latin typeface="Times New Roman" panose="02020603050405020304" pitchFamily="18" charset="0"/>
+                <a:ea typeface="Times New Roman" panose="02020603050405020304" pitchFamily="18" charset="0"/>
+              </a:rPr>
+              <a:t>Distinguish between the Internet and an intranet.</a:t>
+            </a:r>
+          </a:p>
+          <a:p>
+            <a:pPr marL="342900" marR="274320" lvl="0" indent="-342900">
+              <a:spcBef>
+                <a:spcPts val="0"/>
+              </a:spcBef>
+              <a:spcAft>
+                <a:spcPts val="600"/>
+              </a:spcAft>
+              <a:buFont typeface="+mj-lt"/>
+              <a:buAutoNum type="arabicPeriod"/>
+              <a:tabLst>
+                <a:tab pos="342900" algn="l"/>
+              </a:tabLst>
+            </a:pPr>
+            <a:r>
+              <a:rPr lang="en-US" spc="-10" dirty="0">
+                <a:latin typeface="Times New Roman" panose="02020603050405020304" pitchFamily="18" charset="0"/>
+                <a:ea typeface="Times New Roman" panose="02020603050405020304" pitchFamily="18" charset="0"/>
+              </a:rPr>
+              <a:t>Describe HTTP requests and responses.</a:t>
+            </a:r>
+          </a:p>
+          <a:p>
+            <a:pPr marL="342900" marR="274320" lvl="0" indent="-342900">
+              <a:spcBef>
+                <a:spcPts val="0"/>
+              </a:spcBef>
+              <a:spcAft>
+                <a:spcPts val="600"/>
+              </a:spcAft>
+              <a:buFont typeface="+mj-lt"/>
+              <a:buAutoNum type="arabicPeriod"/>
+              <a:tabLst>
+                <a:tab pos="342900" algn="l"/>
+              </a:tabLst>
+            </a:pPr>
+            <a:r>
+              <a:rPr lang="en-US" spc="-10" dirty="0">
+                <a:latin typeface="Times New Roman" panose="02020603050405020304" pitchFamily="18" charset="0"/>
+                <a:ea typeface="Times New Roman" panose="02020603050405020304" pitchFamily="18" charset="0"/>
+              </a:rPr>
+              <a:t>Distinguish between the way a web server processes static web pages and dynamic web pages.</a:t>
+            </a:r>
+          </a:p>
+          <a:p>
+            <a:pPr marL="342900" marR="274320" lvl="0" indent="-342900">
+              <a:spcBef>
+                <a:spcPts val="0"/>
+              </a:spcBef>
+              <a:spcAft>
+                <a:spcPts val="600"/>
+              </a:spcAft>
+              <a:buFont typeface="+mj-lt"/>
+              <a:buAutoNum type="arabicPeriod"/>
+              <a:tabLst>
+                <a:tab pos="342900" algn="l"/>
+              </a:tabLst>
+            </a:pPr>
+            <a:r>
+              <a:rPr lang="en-US" spc="-10" dirty="0">
+                <a:latin typeface="Times New Roman" panose="02020603050405020304" pitchFamily="18" charset="0"/>
+                <a:ea typeface="Times New Roman" panose="02020603050405020304" pitchFamily="18" charset="0"/>
+              </a:rPr>
+              <a:t>Name the five major web browsers.</a:t>
+            </a:r>
+          </a:p>
+          <a:p>
+            <a:pPr marL="342900" marR="274320" lvl="0" indent="-342900">
+              <a:spcBef>
+                <a:spcPts val="0"/>
+              </a:spcBef>
+              <a:spcAft>
+                <a:spcPts val="600"/>
+              </a:spcAft>
+              <a:buFont typeface="+mj-lt"/>
+              <a:buAutoNum type="arabicPeriod"/>
+              <a:tabLst>
+                <a:tab pos="342900" algn="l"/>
+              </a:tabLst>
+            </a:pPr>
+            <a:r>
+              <a:rPr lang="en-US" spc="-10" dirty="0">
+                <a:latin typeface="Times New Roman" panose="02020603050405020304" pitchFamily="18" charset="0"/>
+                <a:ea typeface="Times New Roman" panose="02020603050405020304" pitchFamily="18" charset="0"/>
+              </a:rPr>
+              <a:t>Describe the use of JavaScript.</a:t>
+            </a:r>
+          </a:p>
+          <a:p>
+            <a:pPr marL="342900" marR="274320" lvl="0" indent="-342900">
+              <a:spcBef>
+                <a:spcPts val="0"/>
+              </a:spcBef>
+              <a:spcAft>
+                <a:spcPts val="600"/>
+              </a:spcAft>
+              <a:buFont typeface="+mj-lt"/>
+              <a:buAutoNum type="arabicPeriod"/>
+              <a:tabLst>
+                <a:tab pos="342900" algn="l"/>
+              </a:tabLst>
+            </a:pPr>
+            <a:r>
+              <a:rPr lang="en-US" spc="-10" dirty="0">
+                <a:latin typeface="Times New Roman" panose="02020603050405020304" pitchFamily="18" charset="0"/>
+                <a:ea typeface="Times New Roman" panose="02020603050405020304" pitchFamily="18" charset="0"/>
+              </a:rPr>
+              <a:t>Distinguish between HTML and CSS.</a:t>
+            </a:r>
+          </a:p>
+        </p:txBody>
+      </p:sp>
+      <p:sp>
+        <p:nvSpPr>
+          <p:cNvPr id="4" name="Date Placeholder 3">
+            <a:extLst>
+              <a:ext uri="{FF2B5EF4-FFF2-40B4-BE49-F238E27FC236}">
+                <a16:creationId xmlns:a16="http://schemas.microsoft.com/office/drawing/2014/main" id="{CC3A9FAA-0651-4EC7-B49B-256D52BF1734}"/>
+              </a:ext>
+            </a:extLst>
+          </p:cNvPr>
+          <p:cNvSpPr>
+            <a:spLocks noGrp="1"/>
+          </p:cNvSpPr>
+          <p:nvPr>
+            <p:ph type="dt" sz="half" idx="14"/>
+          </p:nvPr>
+        </p:nvSpPr>
+        <p:spPr/>
+        <p:txBody>
+          <a:bodyPr/>
+          <a:lstStyle/>
+          <a:p>
+            <a:pPr>
+              <a:defRPr/>
+            </a:pPr>
+            <a:r>
+              <a:rPr lang="en-US"/>
+              <a:t>Murach's HTML and CSS, 4th Edition</a:t>
+            </a:r>
+            <a:endParaRPr lang="en-US" dirty="0"/>
+          </a:p>
+        </p:txBody>
+      </p:sp>
+      <p:sp>
+        <p:nvSpPr>
+          <p:cNvPr id="5" name="Footer Placeholder 4">
+            <a:extLst>
+              <a:ext uri="{FF2B5EF4-FFF2-40B4-BE49-F238E27FC236}">
+                <a16:creationId xmlns:a16="http://schemas.microsoft.com/office/drawing/2014/main" id="{F9182E6A-8DEE-4E1D-9C82-D463F121A4A4}"/>
+              </a:ext>
+            </a:extLst>
+          </p:cNvPr>
+          <p:cNvSpPr>
+            <a:spLocks noGrp="1"/>
+          </p:cNvSpPr>
+          <p:nvPr>
+            <p:ph type="ftr" sz="quarter" idx="15"/>
+          </p:nvPr>
+        </p:nvSpPr>
+        <p:spPr/>
+        <p:txBody>
+          <a:bodyPr/>
+          <a:lstStyle/>
+          <a:p>
+            <a:pPr>
+              <a:defRPr/>
+            </a:pPr>
+            <a:r>
+              <a:rPr lang="en-US"/>
+              <a:t>© 2018, Mike Murach &amp; Associates, Inc.</a:t>
+            </a:r>
+            <a:endParaRPr lang="en-US" dirty="0"/>
+          </a:p>
+        </p:txBody>
+      </p:sp>
+      <p:sp>
+        <p:nvSpPr>
+          <p:cNvPr id="6" name="Slide Number Placeholder 5">
+            <a:extLst>
+              <a:ext uri="{FF2B5EF4-FFF2-40B4-BE49-F238E27FC236}">
+                <a16:creationId xmlns:a16="http://schemas.microsoft.com/office/drawing/2014/main" id="{A0AB8ED6-D19C-40A5-A3D3-B04476ACB89B}"/>
+              </a:ext>
+            </a:extLst>
+          </p:cNvPr>
+          <p:cNvSpPr>
+            <a:spLocks noGrp="1"/>
+          </p:cNvSpPr>
+          <p:nvPr>
+            <p:ph type="sldNum" sz="quarter" idx="16"/>
+          </p:nvPr>
+        </p:nvSpPr>
+        <p:spPr/>
+        <p:txBody>
+          <a:bodyPr/>
+          <a:lstStyle/>
+          <a:p>
+            <a:pPr algn="l">
+              <a:defRPr/>
+            </a:pPr>
+            <a:endParaRPr lang="en-US" sz="1400" dirty="0">
+              <a:latin typeface="Times New Roman"/>
+            </a:endParaRPr>
+          </a:p>
+          <a:p>
+            <a:pPr>
+              <a:defRPr/>
+            </a:pPr>
+            <a:r>
+              <a:rPr lang="en-US" dirty="0">
+                <a:solidFill>
+                  <a:schemeClr val="bg1"/>
+                </a:solidFill>
+              </a:rPr>
+              <a:t>C1, Slide </a:t>
+            </a:r>
+            <a:fld id="{BF5C1183-B085-4070-A402-C03A3F977D3D}" type="slidenum">
+              <a:rPr lang="en-US" smtClean="0">
+                <a:solidFill>
+                  <a:schemeClr val="bg1"/>
+                </a:solidFill>
+              </a:rPr>
+              <a:pPr>
+                <a:defRPr/>
+              </a:pPr>
+              <a:t>43</a:t>
+            </a:fld>
+            <a:endParaRPr lang="en-US" dirty="0">
+              <a:solidFill>
+                <a:schemeClr val="bg1"/>
+              </a:solidFill>
+            </a:endParaRPr>
+          </a:p>
+        </p:txBody>
+      </p:sp>
+    </p:spTree>
+    <p:extLst>
+      <p:ext uri="{BB962C8B-B14F-4D97-AF65-F5344CB8AC3E}">
+        <p14:creationId xmlns:p14="http://schemas.microsoft.com/office/powerpoint/2010/main" val="1743848473"/>
+      </p:ext>
+    </p:extLst>
+  </p:cSld>
+  <p:clrMapOvr>
+    <a:masterClrMapping/>
+  </p:clrMapOvr>
+</p:sld>
+</file>
+
+<file path=ppt/slides/slide44.xml><?xml version="1.0" encoding="utf-8"?>
+<p:sld xmlns:a="http://schemas.openxmlformats.org/drawingml/2006/main" xmlns:r="http://schemas.openxmlformats.org/officeDocument/2006/relationships" xmlns:p="http://schemas.openxmlformats.org/presentationml/2006/main">
+  <p:cSld>
+    <p:spTree>
+      <p:nvGrpSpPr>
+        <p:cNvPr id="1" name=""/>
+        <p:cNvGrpSpPr/>
+        <p:nvPr/>
+      </p:nvGrpSpPr>
+      <p:grpSpPr>
+        <a:xfrm>
+          <a:off x="0" y="0"/>
+          <a:ext cx="0" cy="0"/>
+          <a:chOff x="0" y="0"/>
+          <a:chExt cx="0" cy="0"/>
+        </a:xfrm>
+      </p:grpSpPr>
+      <p:sp>
+        <p:nvSpPr>
+          <p:cNvPr id="2" name="Title 1">
+            <a:extLst>
+              <a:ext uri="{FF2B5EF4-FFF2-40B4-BE49-F238E27FC236}">
                 <a16:creationId xmlns:a16="http://schemas.microsoft.com/office/drawing/2014/main" id="{ED7252AE-FA2E-4E58-B391-A15BE3EEC3E1}"/>
               </a:ext>
             </a:extLst>
@@ -15324,7 +15630,7 @@
               <a:pPr>
                 <a:defRPr/>
               </a:pPr>
-              <a:t>43</a:t>
+              <a:t>44</a:t>
             </a:fld>
             <a:endParaRPr lang="en-US" dirty="0">
               <a:solidFill>
@@ -15369,7 +15675,7 @@
           <p:cNvPr id="2" name="Title 1">
             <a:extLst>
               <a:ext uri="{FF2B5EF4-FFF2-40B4-BE49-F238E27FC236}">
-                <a16:creationId xmlns:a16="http://schemas.microsoft.com/office/drawing/2014/main" id="{98AD08C8-DBC4-4617-BE33-87D23BC99BE8}"/>
+                <a16:creationId xmlns:a16="http://schemas.microsoft.com/office/drawing/2014/main" id="{843D1F29-B44A-4D15-9828-31C8B2B01799}"/>
               </a:ext>
             </a:extLst>
           </p:cNvPr>
@@ -15402,7 +15708,7 @@
                 <a:ea typeface="Times New Roman" panose="02020603050405020304" pitchFamily="18" charset="0"/>
                 <a:cs typeface="Times New Roman" panose="02020603050405020304" pitchFamily="18" charset="0"/>
               </a:rPr>
-              <a:t>The architecture of the Internet</a:t>
+              <a:t>The components of a web application</a:t>
             </a:r>
             <a:endParaRPr lang="en-US" dirty="0"/>
           </a:p>
@@ -15410,10 +15716,10 @@
       </p:sp>
       <p:pic>
         <p:nvPicPr>
-          <p:cNvPr id="7" name="Content Placeholder 6" descr="See page 4 in book" title="See slide title">
-            <a:extLst>
-              <a:ext uri="{FF2B5EF4-FFF2-40B4-BE49-F238E27FC236}">
-                <a16:creationId xmlns:a16="http://schemas.microsoft.com/office/drawing/2014/main" id="{2490B14E-3A13-4318-87D4-CC1D8A24C769}"/>
+          <p:cNvPr id="9" name="Content Placeholder 8" descr="See page 4 in book" title="See slide title">
+            <a:extLst>
+              <a:ext uri="{FF2B5EF4-FFF2-40B4-BE49-F238E27FC236}">
+                <a16:creationId xmlns:a16="http://schemas.microsoft.com/office/drawing/2014/main" id="{457C145D-145C-4AF8-95B1-8589DF158F47}"/>
               </a:ext>
             </a:extLst>
           </p:cNvPr>
@@ -15432,8 +15738,8 @@
         </p:blipFill>
         <p:spPr>
           <a:xfrm>
-            <a:off x="914400" y="1219200"/>
-            <a:ext cx="5047619" cy="2876190"/>
+            <a:off x="938784" y="1295400"/>
+            <a:ext cx="6190476" cy="3780952"/>
           </a:xfrm>
           <a:prstGeom prst="rect">
             <a:avLst/>
@@ -15445,7 +15751,7 @@
           <p:cNvPr id="4" name="Date Placeholder 3">
             <a:extLst>
               <a:ext uri="{FF2B5EF4-FFF2-40B4-BE49-F238E27FC236}">
-                <a16:creationId xmlns:a16="http://schemas.microsoft.com/office/drawing/2014/main" id="{B9C5DF8A-93E9-4756-A0C4-7B11ACCACFFF}"/>
+                <a16:creationId xmlns:a16="http://schemas.microsoft.com/office/drawing/2014/main" id="{545F8C8F-C176-4069-B671-D09E36D55BE7}"/>
               </a:ext>
             </a:extLst>
           </p:cNvPr>
@@ -15477,7 +15783,7 @@
           <p:cNvPr id="5" name="Footer Placeholder 4">
             <a:extLst>
               <a:ext uri="{FF2B5EF4-FFF2-40B4-BE49-F238E27FC236}">
-                <a16:creationId xmlns:a16="http://schemas.microsoft.com/office/drawing/2014/main" id="{686A08C6-D9A5-4755-8705-A9EEC29C9634}"/>
+                <a16:creationId xmlns:a16="http://schemas.microsoft.com/office/drawing/2014/main" id="{0237674C-8146-42E9-A63E-84272A66F852}"/>
               </a:ext>
             </a:extLst>
           </p:cNvPr>
@@ -15509,7 +15815,7 @@
           <p:cNvPr id="6" name="Slide Number Placeholder 5">
             <a:extLst>
               <a:ext uri="{FF2B5EF4-FFF2-40B4-BE49-F238E27FC236}">
-                <a16:creationId xmlns:a16="http://schemas.microsoft.com/office/drawing/2014/main" id="{CFFEAB86-2BFB-4EE2-95D2-3492F927C1C7}"/>
+                <a16:creationId xmlns:a16="http://schemas.microsoft.com/office/drawing/2014/main" id="{838381EE-6AEB-49CF-8CC4-CBAB82748E75}"/>
               </a:ext>
             </a:extLst>
           </p:cNvPr>
@@ -15566,7 +15872,7 @@
     </p:spTree>
     <p:extLst>
       <p:ext uri="{BB962C8B-B14F-4D97-AF65-F5344CB8AC3E}">
-        <p14:creationId xmlns:p14="http://schemas.microsoft.com/office/powerpoint/2010/main" val="1086391780"/>
+        <p14:creationId xmlns:p14="http://schemas.microsoft.com/office/powerpoint/2010/main" val="4233209006"/>
       </p:ext>
     </p:extLst>
   </p:cSld>
@@ -15598,7 +15904,7 @@
           <p:cNvPr id="2" name="Title 1">
             <a:extLst>
               <a:ext uri="{FF2B5EF4-FFF2-40B4-BE49-F238E27FC236}">
-                <a16:creationId xmlns:a16="http://schemas.microsoft.com/office/drawing/2014/main" id="{209F4D23-C3A4-4D01-8A59-E19A66BCFC33}"/>
+                <a16:creationId xmlns:a16="http://schemas.microsoft.com/office/drawing/2014/main" id="{98AD08C8-DBC4-4617-BE33-87D23BC99BE8}"/>
               </a:ext>
             </a:extLst>
           </p:cNvPr>
@@ -15631,7 +15937,7 @@
                 <a:ea typeface="Times New Roman" panose="02020603050405020304" pitchFamily="18" charset="0"/>
                 <a:cs typeface="Times New Roman" panose="02020603050405020304" pitchFamily="18" charset="0"/>
               </a:rPr>
-              <a:t>A static web page </a:t>
+              <a:t>The architecture of the Internet</a:t>
             </a:r>
             <a:endParaRPr lang="en-US" dirty="0"/>
           </a:p>
@@ -15639,37 +15945,30 @@
       </p:sp>
       <p:pic>
         <p:nvPicPr>
-          <p:cNvPr id="7" name="Content Placeholder 6" descr="See page 6 in book" title="See slide title">
-            <a:hlinkClick r:id="rId2"/>
-            <a:extLst>
-              <a:ext uri="{FF2B5EF4-FFF2-40B4-BE49-F238E27FC236}">
-                <a16:creationId xmlns:a16="http://schemas.microsoft.com/office/drawing/2014/main" id="{A5F98B76-907B-4385-BF0D-FEB112A1DEF6}"/>
+          <p:cNvPr id="7" name="Content Placeholder 6" descr="See page 4 in book" title="See slide title">
+            <a:extLst>
+              <a:ext uri="{FF2B5EF4-FFF2-40B4-BE49-F238E27FC236}">
+                <a16:creationId xmlns:a16="http://schemas.microsoft.com/office/drawing/2014/main" id="{2490B14E-3A13-4318-87D4-CC1D8A24C769}"/>
               </a:ext>
             </a:extLst>
           </p:cNvPr>
           <p:cNvPicPr>
-            <a:picLocks noGrp="1"/>
+            <a:picLocks noGrp="1" noChangeAspect="1"/>
           </p:cNvPicPr>
           <p:nvPr>
             <p:ph sz="quarter" idx="13"/>
           </p:nvPr>
         </p:nvPicPr>
         <p:blipFill>
-          <a:blip r:embed="rId3">
-            <a:extLst>
-              <a:ext uri="{28A0092B-C50C-407E-A947-70E740481C1C}">
-                <a14:useLocalDpi xmlns:a14="http://schemas.microsoft.com/office/drawing/2010/main" val="0"/>
-              </a:ext>
-            </a:extLst>
-          </a:blip>
+          <a:blip r:embed="rId2"/>
           <a:stretch>
             <a:fillRect/>
           </a:stretch>
         </p:blipFill>
         <p:spPr>
           <a:xfrm>
-            <a:off x="914400" y="1143000"/>
-            <a:ext cx="6698960" cy="4800600"/>
+            <a:off x="914400" y="1219200"/>
+            <a:ext cx="5047619" cy="2876190"/>
           </a:xfrm>
           <a:prstGeom prst="rect">
             <a:avLst/>
@@ -15681,7 +15980,7 @@
           <p:cNvPr id="4" name="Date Placeholder 3">
             <a:extLst>
               <a:ext uri="{FF2B5EF4-FFF2-40B4-BE49-F238E27FC236}">
-                <a16:creationId xmlns:a16="http://schemas.microsoft.com/office/drawing/2014/main" id="{F44D2086-C88F-4046-885D-1ABE9B6FA1B8}"/>
+                <a16:creationId xmlns:a16="http://schemas.microsoft.com/office/drawing/2014/main" id="{B9C5DF8A-93E9-4756-A0C4-7B11ACCACFFF}"/>
               </a:ext>
             </a:extLst>
           </p:cNvPr>
@@ -15713,7 +16012,7 @@
           <p:cNvPr id="5" name="Footer Placeholder 4">
             <a:extLst>
               <a:ext uri="{FF2B5EF4-FFF2-40B4-BE49-F238E27FC236}">
-                <a16:creationId xmlns:a16="http://schemas.microsoft.com/office/drawing/2014/main" id="{A3CFDDDA-7803-4C2D-8E1C-65A0D42DC13C}"/>
+                <a16:creationId xmlns:a16="http://schemas.microsoft.com/office/drawing/2014/main" id="{686A08C6-D9A5-4755-8705-A9EEC29C9634}"/>
               </a:ext>
             </a:extLst>
           </p:cNvPr>
@@ -15745,7 +16044,7 @@
           <p:cNvPr id="6" name="Slide Number Placeholder 5">
             <a:extLst>
               <a:ext uri="{FF2B5EF4-FFF2-40B4-BE49-F238E27FC236}">
-                <a16:creationId xmlns:a16="http://schemas.microsoft.com/office/drawing/2014/main" id="{BB5BB4CB-D999-4EFC-8BEE-EF2C74C4427A}"/>
+                <a16:creationId xmlns:a16="http://schemas.microsoft.com/office/drawing/2014/main" id="{CFFEAB86-2BFB-4EE2-95D2-3492F927C1C7}"/>
               </a:ext>
             </a:extLst>
           </p:cNvPr>
@@ -15802,7 +16101,7 @@
     </p:spTree>
     <p:extLst>
       <p:ext uri="{BB962C8B-B14F-4D97-AF65-F5344CB8AC3E}">
-        <p14:creationId xmlns:p14="http://schemas.microsoft.com/office/powerpoint/2010/main" val="1759172397"/>
+        <p14:creationId xmlns:p14="http://schemas.microsoft.com/office/powerpoint/2010/main" val="1086391780"/>
       </p:ext>
     </p:extLst>
   </p:cSld>
@@ -15834,7 +16133,7 @@
           <p:cNvPr id="2" name="Title 1">
             <a:extLst>
               <a:ext uri="{FF2B5EF4-FFF2-40B4-BE49-F238E27FC236}">
-                <a16:creationId xmlns:a16="http://schemas.microsoft.com/office/drawing/2014/main" id="{F4284B43-C463-4B1B-90E9-0EA2400E0E62}"/>
+                <a16:creationId xmlns:a16="http://schemas.microsoft.com/office/drawing/2014/main" id="{209F4D23-C3A4-4D01-8A59-E19A66BCFC33}"/>
               </a:ext>
             </a:extLst>
           </p:cNvPr>
@@ -15867,37 +16166,45 @@
                 <a:ea typeface="Times New Roman" panose="02020603050405020304" pitchFamily="18" charset="0"/>
                 <a:cs typeface="Times New Roman" panose="02020603050405020304" pitchFamily="18" charset="0"/>
               </a:rPr>
-              <a:t>How a web server processes a static web page</a:t>
-            </a:r>
+              <a:t>A static web page </a:t>
+            </a:r>
+            <a:endParaRPr lang="en-US" dirty="0"/>
           </a:p>
         </p:txBody>
       </p:sp>
       <p:pic>
         <p:nvPicPr>
           <p:cNvPr id="7" name="Content Placeholder 6" descr="See page 6 in book" title="See slide title">
-            <a:extLst>
-              <a:ext uri="{FF2B5EF4-FFF2-40B4-BE49-F238E27FC236}">
-                <a16:creationId xmlns:a16="http://schemas.microsoft.com/office/drawing/2014/main" id="{00D09410-4823-41BB-AEB7-EF55FE928E85}"/>
+            <a:hlinkClick r:id="rId2"/>
+            <a:extLst>
+              <a:ext uri="{FF2B5EF4-FFF2-40B4-BE49-F238E27FC236}">
+                <a16:creationId xmlns:a16="http://schemas.microsoft.com/office/drawing/2014/main" id="{A5F98B76-907B-4385-BF0D-FEB112A1DEF6}"/>
               </a:ext>
             </a:extLst>
           </p:cNvPr>
           <p:cNvPicPr>
-            <a:picLocks noGrp="1" noChangeAspect="1"/>
+            <a:picLocks noGrp="1"/>
           </p:cNvPicPr>
           <p:nvPr>
             <p:ph sz="quarter" idx="13"/>
           </p:nvPr>
         </p:nvPicPr>
         <p:blipFill>
-          <a:blip r:embed="rId2"/>
+          <a:blip r:embed="rId3">
+            <a:extLst>
+              <a:ext uri="{28A0092B-C50C-407E-A947-70E740481C1C}">
+                <a14:useLocalDpi xmlns:a14="http://schemas.microsoft.com/office/drawing/2010/main" val="0"/>
+              </a:ext>
+            </a:extLst>
+          </a:blip>
           <a:stretch>
             <a:fillRect/>
           </a:stretch>
         </p:blipFill>
         <p:spPr>
           <a:xfrm>
-            <a:off x="772229" y="1315079"/>
-            <a:ext cx="5628571" cy="1561905"/>
+            <a:off x="914400" y="1143000"/>
+            <a:ext cx="6698960" cy="4800600"/>
           </a:xfrm>
           <a:prstGeom prst="rect">
             <a:avLst/>
@@ -15909,7 +16216,7 @@
           <p:cNvPr id="4" name="Date Placeholder 3">
             <a:extLst>
               <a:ext uri="{FF2B5EF4-FFF2-40B4-BE49-F238E27FC236}">
-                <a16:creationId xmlns:a16="http://schemas.microsoft.com/office/drawing/2014/main" id="{FB7AEBED-D572-44DB-B184-FB141EAE422D}"/>
+                <a16:creationId xmlns:a16="http://schemas.microsoft.com/office/drawing/2014/main" id="{F44D2086-C88F-4046-885D-1ABE9B6FA1B8}"/>
               </a:ext>
             </a:extLst>
           </p:cNvPr>
@@ -15941,7 +16248,7 @@
           <p:cNvPr id="5" name="Footer Placeholder 4">
             <a:extLst>
               <a:ext uri="{FF2B5EF4-FFF2-40B4-BE49-F238E27FC236}">
-                <a16:creationId xmlns:a16="http://schemas.microsoft.com/office/drawing/2014/main" id="{5295F3B6-E8EA-42B0-A97B-5EF36C9F1986}"/>
+                <a16:creationId xmlns:a16="http://schemas.microsoft.com/office/drawing/2014/main" id="{A3CFDDDA-7803-4C2D-8E1C-65A0D42DC13C}"/>
               </a:ext>
             </a:extLst>
           </p:cNvPr>
@@ -15973,7 +16280,7 @@
           <p:cNvPr id="6" name="Slide Number Placeholder 5">
             <a:extLst>
               <a:ext uri="{FF2B5EF4-FFF2-40B4-BE49-F238E27FC236}">
-                <a16:creationId xmlns:a16="http://schemas.microsoft.com/office/drawing/2014/main" id="{CA6F23F0-6FEC-41AD-B970-A57A126D32FC}"/>
+                <a16:creationId xmlns:a16="http://schemas.microsoft.com/office/drawing/2014/main" id="{BB5BB4CB-D999-4EFC-8BEE-EF2C74C4427A}"/>
               </a:ext>
             </a:extLst>
           </p:cNvPr>
@@ -16030,7 +16337,7 @@
     </p:spTree>
     <p:extLst>
       <p:ext uri="{BB962C8B-B14F-4D97-AF65-F5344CB8AC3E}">
-        <p14:creationId xmlns:p14="http://schemas.microsoft.com/office/powerpoint/2010/main" val="341945192"/>
+        <p14:creationId xmlns:p14="http://schemas.microsoft.com/office/powerpoint/2010/main" val="1759172397"/>
       </p:ext>
     </p:extLst>
   </p:cSld>
@@ -16062,7 +16369,7 @@
           <p:cNvPr id="2" name="Title 1">
             <a:extLst>
               <a:ext uri="{FF2B5EF4-FFF2-40B4-BE49-F238E27FC236}">
-                <a16:creationId xmlns:a16="http://schemas.microsoft.com/office/drawing/2014/main" id="{5AF0AC9B-2B31-466F-B1F2-55C56FFEB2FE}"/>
+                <a16:creationId xmlns:a16="http://schemas.microsoft.com/office/drawing/2014/main" id="{F4284B43-C463-4B1B-90E9-0EA2400E0E62}"/>
               </a:ext>
             </a:extLst>
           </p:cNvPr>
@@ -16095,45 +16402,37 @@
                 <a:ea typeface="Times New Roman" panose="02020603050405020304" pitchFamily="18" charset="0"/>
                 <a:cs typeface="Times New Roman" panose="02020603050405020304" pitchFamily="18" charset="0"/>
               </a:rPr>
-              <a:t>A dynamic web page at amazon.com</a:t>
-            </a:r>
-            <a:endParaRPr lang="en-US" dirty="0"/>
+              <a:t>How a web server processes a static web page</a:t>
+            </a:r>
           </a:p>
         </p:txBody>
       </p:sp>
       <p:pic>
         <p:nvPicPr>
-          <p:cNvPr id="7" name="Content Placeholder 6" descr="See page 8 in book" title="See slide title">
-            <a:hlinkClick r:id="rId2"/>
-            <a:extLst>
-              <a:ext uri="{FF2B5EF4-FFF2-40B4-BE49-F238E27FC236}">
-                <a16:creationId xmlns:a16="http://schemas.microsoft.com/office/drawing/2014/main" id="{C3E75814-F42A-4F5E-9B24-774D1692E81F}"/>
+          <p:cNvPr id="7" name="Content Placeholder 6" descr="See page 6 in book" title="See slide title">
+            <a:extLst>
+              <a:ext uri="{FF2B5EF4-FFF2-40B4-BE49-F238E27FC236}">
+                <a16:creationId xmlns:a16="http://schemas.microsoft.com/office/drawing/2014/main" id="{00D09410-4823-41BB-AEB7-EF55FE928E85}"/>
               </a:ext>
             </a:extLst>
           </p:cNvPr>
           <p:cNvPicPr>
-            <a:picLocks noGrp="1"/>
+            <a:picLocks noGrp="1" noChangeAspect="1"/>
           </p:cNvPicPr>
           <p:nvPr>
             <p:ph sz="quarter" idx="13"/>
           </p:nvPr>
         </p:nvPicPr>
         <p:blipFill>
-          <a:blip r:embed="rId3">
-            <a:extLst>
-              <a:ext uri="{28A0092B-C50C-407E-A947-70E740481C1C}">
-                <a14:useLocalDpi xmlns:a14="http://schemas.microsoft.com/office/drawing/2010/main" val="0"/>
-              </a:ext>
-            </a:extLst>
-          </a:blip>
+          <a:blip r:embed="rId2"/>
           <a:stretch>
             <a:fillRect/>
           </a:stretch>
         </p:blipFill>
         <p:spPr>
           <a:xfrm>
-            <a:off x="929536" y="1143000"/>
-            <a:ext cx="7284928" cy="4800600"/>
+            <a:off x="772229" y="1315079"/>
+            <a:ext cx="5628571" cy="1561905"/>
           </a:xfrm>
           <a:prstGeom prst="rect">
             <a:avLst/>
@@ -16145,7 +16444,7 @@
           <p:cNvPr id="4" name="Date Placeholder 3">
             <a:extLst>
               <a:ext uri="{FF2B5EF4-FFF2-40B4-BE49-F238E27FC236}">
-                <a16:creationId xmlns:a16="http://schemas.microsoft.com/office/drawing/2014/main" id="{4C881E9C-90B9-44C4-ADAD-07B014FCE15B}"/>
+                <a16:creationId xmlns:a16="http://schemas.microsoft.com/office/drawing/2014/main" id="{FB7AEBED-D572-44DB-B184-FB141EAE422D}"/>
               </a:ext>
             </a:extLst>
           </p:cNvPr>
@@ -16177,7 +16476,7 @@
           <p:cNvPr id="5" name="Footer Placeholder 4">
             <a:extLst>
               <a:ext uri="{FF2B5EF4-FFF2-40B4-BE49-F238E27FC236}">
-                <a16:creationId xmlns:a16="http://schemas.microsoft.com/office/drawing/2014/main" id="{F0D9721E-C094-4F05-AEF3-CC486DF03CCD}"/>
+                <a16:creationId xmlns:a16="http://schemas.microsoft.com/office/drawing/2014/main" id="{5295F3B6-E8EA-42B0-A97B-5EF36C9F1986}"/>
               </a:ext>
             </a:extLst>
           </p:cNvPr>
@@ -16209,7 +16508,7 @@
           <p:cNvPr id="6" name="Slide Number Placeholder 5">
             <a:extLst>
               <a:ext uri="{FF2B5EF4-FFF2-40B4-BE49-F238E27FC236}">
-                <a16:creationId xmlns:a16="http://schemas.microsoft.com/office/drawing/2014/main" id="{7F97C5F2-B3E4-4B60-BA10-6241696D0EA4}"/>
+                <a16:creationId xmlns:a16="http://schemas.microsoft.com/office/drawing/2014/main" id="{CA6F23F0-6FEC-41AD-B970-A57A126D32FC}"/>
               </a:ext>
             </a:extLst>
           </p:cNvPr>
@@ -16266,7 +16565,7 @@
     </p:spTree>
     <p:extLst>
       <p:ext uri="{BB962C8B-B14F-4D97-AF65-F5344CB8AC3E}">
-        <p14:creationId xmlns:p14="http://schemas.microsoft.com/office/powerpoint/2010/main" val="2190996535"/>
+        <p14:creationId xmlns:p14="http://schemas.microsoft.com/office/powerpoint/2010/main" val="341945192"/>
       </p:ext>
     </p:extLst>
   </p:cSld>
@@ -16298,7 +16597,7 @@
           <p:cNvPr id="2" name="Title 1">
             <a:extLst>
               <a:ext uri="{FF2B5EF4-FFF2-40B4-BE49-F238E27FC236}">
-                <a16:creationId xmlns:a16="http://schemas.microsoft.com/office/drawing/2014/main" id="{32E1A74A-F7E6-47A3-A8AE-3EDB33EB04E1}"/>
+                <a16:creationId xmlns:a16="http://schemas.microsoft.com/office/drawing/2014/main" id="{5AF0AC9B-2B31-466F-B1F2-55C56FFEB2FE}"/>
               </a:ext>
             </a:extLst>
           </p:cNvPr>
@@ -16331,7 +16630,7 @@
                 <a:ea typeface="Times New Roman" panose="02020603050405020304" pitchFamily="18" charset="0"/>
                 <a:cs typeface="Times New Roman" panose="02020603050405020304" pitchFamily="18" charset="0"/>
               </a:rPr>
-              <a:t>How a web server processes a dynamic web page</a:t>
+              <a:t>A dynamic web page at amazon.com</a:t>
             </a:r>
             <a:endParaRPr lang="en-US" dirty="0"/>
           </a:p>
@@ -16340,29 +16639,36 @@
       <p:pic>
         <p:nvPicPr>
           <p:cNvPr id="7" name="Content Placeholder 6" descr="See page 8 in book" title="See slide title">
-            <a:extLst>
-              <a:ext uri="{FF2B5EF4-FFF2-40B4-BE49-F238E27FC236}">
-                <a16:creationId xmlns:a16="http://schemas.microsoft.com/office/drawing/2014/main" id="{802F656A-7F87-40BE-BCE8-B3108D098157}"/>
+            <a:hlinkClick r:id="rId2"/>
+            <a:extLst>
+              <a:ext uri="{FF2B5EF4-FFF2-40B4-BE49-F238E27FC236}">
+                <a16:creationId xmlns:a16="http://schemas.microsoft.com/office/drawing/2014/main" id="{C3E75814-F42A-4F5E-9B24-774D1692E81F}"/>
               </a:ext>
             </a:extLst>
           </p:cNvPr>
           <p:cNvPicPr>
-            <a:picLocks noGrp="1" noChangeAspect="1"/>
+            <a:picLocks noGrp="1"/>
           </p:cNvPicPr>
           <p:nvPr>
             <p:ph sz="quarter" idx="13"/>
           </p:nvPr>
         </p:nvPicPr>
         <p:blipFill>
-          <a:blip r:embed="rId2"/>
+          <a:blip r:embed="rId3">
+            <a:extLst>
+              <a:ext uri="{28A0092B-C50C-407E-A947-70E740481C1C}">
+                <a14:useLocalDpi xmlns:a14="http://schemas.microsoft.com/office/drawing/2010/main" val="0"/>
+              </a:ext>
+            </a:extLst>
+          </a:blip>
           <a:stretch>
             <a:fillRect/>
           </a:stretch>
         </p:blipFill>
         <p:spPr>
           <a:xfrm>
-            <a:off x="762000" y="1295400"/>
-            <a:ext cx="6361905" cy="1333333"/>
+            <a:off x="929536" y="1143000"/>
+            <a:ext cx="7284928" cy="4800600"/>
           </a:xfrm>
           <a:prstGeom prst="rect">
             <a:avLst/>
@@ -16374,7 +16680,7 @@
           <p:cNvPr id="4" name="Date Placeholder 3">
             <a:extLst>
               <a:ext uri="{FF2B5EF4-FFF2-40B4-BE49-F238E27FC236}">
-                <a16:creationId xmlns:a16="http://schemas.microsoft.com/office/drawing/2014/main" id="{1D392B26-0D9F-4E9E-8AAE-4A96996DB765}"/>
+                <a16:creationId xmlns:a16="http://schemas.microsoft.com/office/drawing/2014/main" id="{4C881E9C-90B9-44C4-ADAD-07B014FCE15B}"/>
               </a:ext>
             </a:extLst>
           </p:cNvPr>
@@ -16406,7 +16712,7 @@
           <p:cNvPr id="5" name="Footer Placeholder 4">
             <a:extLst>
               <a:ext uri="{FF2B5EF4-FFF2-40B4-BE49-F238E27FC236}">
-                <a16:creationId xmlns:a16="http://schemas.microsoft.com/office/drawing/2014/main" id="{3544C6F7-BD4F-4386-B30D-B60FCC91A15F}"/>
+                <a16:creationId xmlns:a16="http://schemas.microsoft.com/office/drawing/2014/main" id="{F0D9721E-C094-4F05-AEF3-CC486DF03CCD}"/>
               </a:ext>
             </a:extLst>
           </p:cNvPr>
@@ -16438,7 +16744,7 @@
           <p:cNvPr id="6" name="Slide Number Placeholder 5">
             <a:extLst>
               <a:ext uri="{FF2B5EF4-FFF2-40B4-BE49-F238E27FC236}">
-                <a16:creationId xmlns:a16="http://schemas.microsoft.com/office/drawing/2014/main" id="{2CC36E6C-3990-4516-8A19-CC92ADE36B19}"/>
+                <a16:creationId xmlns:a16="http://schemas.microsoft.com/office/drawing/2014/main" id="{7F97C5F2-B3E4-4B60-BA10-6241696D0EA4}"/>
               </a:ext>
             </a:extLst>
           </p:cNvPr>
@@ -16495,7 +16801,7 @@
     </p:spTree>
     <p:extLst>
       <p:ext uri="{BB962C8B-B14F-4D97-AF65-F5344CB8AC3E}">
-        <p14:creationId xmlns:p14="http://schemas.microsoft.com/office/powerpoint/2010/main" val="1525016130"/>
+        <p14:creationId xmlns:p14="http://schemas.microsoft.com/office/powerpoint/2010/main" val="2190996535"/>
       </p:ext>
     </p:extLst>
   </p:cSld>

--- a/murach_html_4e/slides/Chapter 1 slides (Revised).pptx
+++ b/murach_html_4e/slides/Chapter 1 slides (Revised).pptx
@@ -5600,12 +5600,20 @@
               </a:tabLst>
             </a:pPr>
             <a:r>
+              <a:rPr lang="en-US" sz="1600" b="1">
+                <a:latin typeface="Courier New" panose="02070309020205020404" pitchFamily="49" charset="0"/>
+                <a:ea typeface="Times New Roman" panose="02020603050405020304" pitchFamily="18" charset="0"/>
+                <a:cs typeface="Times New Roman" panose="02020603050405020304" pitchFamily="18" charset="0"/>
+              </a:rPr>
+              <a:t>&lt;!DOCTYPE </a:t>
+            </a:r>
+            <a:r>
               <a:rPr lang="en-US" sz="1600" b="1" dirty="0">
                 <a:latin typeface="Courier New" panose="02070309020205020404" pitchFamily="49" charset="0"/>
                 <a:ea typeface="Times New Roman" panose="02020603050405020304" pitchFamily="18" charset="0"/>
                 <a:cs typeface="Times New Roman" panose="02020603050405020304" pitchFamily="18" charset="0"/>
               </a:rPr>
-              <a:t>&lt;!doctype html&gt;</a:t>
+              <a:t>html&gt;</a:t>
             </a:r>
           </a:p>
           <a:p>

--- a/murach_html_4e/slides/Chapter 1 slides (Revised).pptx
+++ b/murach_html_4e/slides/Chapter 1 slides (Revised).pptx
@@ -11,31 +11,31 @@
     <p:handoutMasterId r:id="rId47"/>
   </p:handoutMasterIdLst>
   <p:sldIdLst>
-    <p:sldId id="300" r:id="rId2"/>
-    <p:sldId id="256" r:id="rId3"/>
-    <p:sldId id="257" r:id="rId4"/>
-    <p:sldId id="258" r:id="rId5"/>
-    <p:sldId id="259" r:id="rId6"/>
-    <p:sldId id="260" r:id="rId7"/>
-    <p:sldId id="261" r:id="rId8"/>
-    <p:sldId id="262" r:id="rId9"/>
-    <p:sldId id="263" r:id="rId10"/>
-    <p:sldId id="264" r:id="rId11"/>
+    <p:sldId id="256" r:id="rId2"/>
+    <p:sldId id="257" r:id="rId3"/>
+    <p:sldId id="258" r:id="rId4"/>
+    <p:sldId id="259" r:id="rId5"/>
+    <p:sldId id="260" r:id="rId6"/>
+    <p:sldId id="261" r:id="rId7"/>
+    <p:sldId id="262" r:id="rId8"/>
+    <p:sldId id="263" r:id="rId9"/>
+    <p:sldId id="264" r:id="rId10"/>
+    <p:sldId id="300" r:id="rId11"/>
     <p:sldId id="265" r:id="rId12"/>
-    <p:sldId id="266" r:id="rId13"/>
-    <p:sldId id="267" r:id="rId14"/>
-    <p:sldId id="268" r:id="rId15"/>
-    <p:sldId id="269" r:id="rId16"/>
-    <p:sldId id="270" r:id="rId17"/>
-    <p:sldId id="271" r:id="rId18"/>
-    <p:sldId id="296" r:id="rId19"/>
-    <p:sldId id="272" r:id="rId20"/>
-    <p:sldId id="273" r:id="rId21"/>
-    <p:sldId id="274" r:id="rId22"/>
-    <p:sldId id="275" r:id="rId23"/>
-    <p:sldId id="276" r:id="rId24"/>
-    <p:sldId id="278" r:id="rId25"/>
-    <p:sldId id="277" r:id="rId26"/>
+    <p:sldId id="303" r:id="rId13"/>
+    <p:sldId id="266" r:id="rId14"/>
+    <p:sldId id="267" r:id="rId15"/>
+    <p:sldId id="268" r:id="rId16"/>
+    <p:sldId id="269" r:id="rId17"/>
+    <p:sldId id="270" r:id="rId18"/>
+    <p:sldId id="271" r:id="rId19"/>
+    <p:sldId id="296" r:id="rId20"/>
+    <p:sldId id="272" r:id="rId21"/>
+    <p:sldId id="273" r:id="rId22"/>
+    <p:sldId id="274" r:id="rId23"/>
+    <p:sldId id="275" r:id="rId24"/>
+    <p:sldId id="276" r:id="rId25"/>
+    <p:sldId id="278" r:id="rId26"/>
     <p:sldId id="279" r:id="rId27"/>
     <p:sldId id="295" r:id="rId28"/>
     <p:sldId id="281" r:id="rId29"/>
@@ -53,8 +53,8 @@
     <p:sldId id="292" r:id="rId41"/>
     <p:sldId id="293" r:id="rId42"/>
     <p:sldId id="294" r:id="rId43"/>
-    <p:sldId id="298" r:id="rId44"/>
-    <p:sldId id="299" r:id="rId45"/>
+    <p:sldId id="301" r:id="rId44"/>
+    <p:sldId id="302" r:id="rId45"/>
   </p:sldIdLst>
   <p:sldSz cx="9144000" cy="6858000" type="screen4x3"/>
   <p:notesSz cx="7010400" cy="9296400"/>
@@ -373,7 +373,7 @@
               <a:pPr>
                 <a:defRPr/>
               </a:pPr>
-              <a:t>6/3/2019</a:t>
+              <a:t>5/27/2020</a:t>
             </a:fld>
             <a:endParaRPr lang="en-US"/>
           </a:p>
@@ -3575,10 +3575,59 @@
       </p:grpSpPr>
       <p:sp>
         <p:nvSpPr>
-          <p:cNvPr id="7" name="Title 6">
-            <a:extLst>
-              <a:ext uri="{FF2B5EF4-FFF2-40B4-BE49-F238E27FC236}">
-                <a16:creationId xmlns:a16="http://schemas.microsoft.com/office/drawing/2014/main" id="{D84A8262-6117-4A57-8C19-812811999396}"/>
+          <p:cNvPr id="2" name="Text Placeholder 1">
+            <a:extLst>
+              <a:ext uri="{FF2B5EF4-FFF2-40B4-BE49-F238E27FC236}">
+                <a16:creationId xmlns:a16="http://schemas.microsoft.com/office/drawing/2014/main" id="{A683E44D-4E7B-4942-97AB-42AFF39D85D9}"/>
+              </a:ext>
+            </a:extLst>
+          </p:cNvPr>
+          <p:cNvSpPr>
+            <a:spLocks noGrp="1"/>
+          </p:cNvSpPr>
+          <p:nvPr>
+            <p:ph type="body" sz="quarter" idx="13"/>
+          </p:nvPr>
+        </p:nvSpPr>
+        <p:spPr/>
+        <p:txBody>
+          <a:bodyPr/>
+          <a:lstStyle/>
+          <a:p>
+            <a:pPr>
+              <a:spcBef>
+                <a:spcPts val="2400"/>
+              </a:spcBef>
+              <a:spcAft>
+                <a:spcPts val="600"/>
+              </a:spcAft>
+              <a:tabLst>
+                <a:tab pos="1371600" algn="l"/>
+              </a:tabLst>
+            </a:pPr>
+            <a:r>
+              <a:rPr lang="en-US" dirty="0">
+                <a:solidFill>
+                  <a:srgbClr val="000000"/>
+                </a:solidFill>
+                <a:latin typeface="Arial" panose="020B0604020202020204" pitchFamily="34" charset="0"/>
+                <a:ea typeface="Times New Roman" panose="02020603050405020304" pitchFamily="18" charset="0"/>
+                <a:cs typeface="Times New Roman" panose="02020603050405020304" pitchFamily="18" charset="0"/>
+              </a:rPr>
+              <a:t>Introduction to web development</a:t>
+            </a:r>
+          </a:p>
+          <a:p>
+            <a:endParaRPr lang="en-US" dirty="0"/>
+          </a:p>
+        </p:txBody>
+      </p:sp>
+      <p:sp>
+        <p:nvSpPr>
+          <p:cNvPr id="3" name="Title 2">
+            <a:extLst>
+              <a:ext uri="{FF2B5EF4-FFF2-40B4-BE49-F238E27FC236}">
+                <a16:creationId xmlns:a16="http://schemas.microsoft.com/office/drawing/2014/main" id="{3D0D66C3-B4F9-4680-BE2F-E7D63605C468}"/>
               </a:ext>
             </a:extLst>
           </p:cNvPr>
@@ -3594,135 +3643,34 @@
           <a:bodyPr/>
           <a:lstStyle/>
           <a:p>
-            <a:r>
-              <a:rPr lang="en-US" dirty="0"/>
-              <a:t>What is the internet?</a:t>
-            </a:r>
-          </a:p>
-        </p:txBody>
-      </p:sp>
-      <p:sp>
-        <p:nvSpPr>
-          <p:cNvPr id="8" name="Text Placeholder 7">
-            <a:extLst>
-              <a:ext uri="{FF2B5EF4-FFF2-40B4-BE49-F238E27FC236}">
-                <a16:creationId xmlns:a16="http://schemas.microsoft.com/office/drawing/2014/main" id="{64C9BED5-12B0-4E13-8124-7724663DD6F2}"/>
-              </a:ext>
-            </a:extLst>
-          </p:cNvPr>
-          <p:cNvSpPr>
-            <a:spLocks noGrp="1"/>
-          </p:cNvSpPr>
-          <p:nvPr>
-            <p:ph type="body" sz="quarter" idx="13"/>
-          </p:nvPr>
-        </p:nvSpPr>
-        <p:spPr/>
-        <p:txBody>
-          <a:bodyPr/>
-          <a:lstStyle/>
-          <a:p>
-            <a:endParaRPr lang="en-US" dirty="0"/>
-          </a:p>
-          <a:p>
-            <a:endParaRPr lang="en-US" dirty="0"/>
-          </a:p>
-          <a:p>
-            <a:r>
-              <a:rPr lang="en-US" dirty="0"/>
-              <a:t>What is the internet?</a:t>
-            </a:r>
-          </a:p>
-          <a:p>
-            <a:r>
-              <a:rPr lang="en-US" u="sng" dirty="0">
+            <a:pPr marL="0" marR="0">
+              <a:spcBef>
+                <a:spcPts val="0"/>
+              </a:spcBef>
+              <a:spcAft>
+                <a:spcPts val="600"/>
+              </a:spcAft>
+              <a:tabLst>
+                <a:tab pos="1371600" algn="l"/>
+              </a:tabLst>
+            </a:pPr>
+            <a:r>
+              <a:rPr lang="en-US" dirty="0">
                 <a:solidFill>
-                  <a:schemeClr val="accent2"/>
+                  <a:schemeClr val="tx1"/>
                 </a:solidFill>
-                <a:hlinkClick r:id="rId2">
-                  <a:extLst>
-                    <a:ext uri="{A12FA001-AC4F-418D-AE19-62706E023703}">
-                      <ahyp:hlinkClr xmlns:ahyp="http://schemas.microsoft.com/office/drawing/2018/hyperlinkcolor" val="tx"/>
-                    </a:ext>
-                  </a:extLst>
-                </a:hlinkClick>
-              </a:rPr>
-              <a:t>https://youtu.be/Dxcc6ycZ73M</a:t>
+                <a:latin typeface="Arial" panose="020B0604020202020204" pitchFamily="34" charset="0"/>
+                <a:ea typeface="Times New Roman" panose="02020603050405020304" pitchFamily="18" charset="0"/>
+                <a:cs typeface="Times New Roman" panose="02020603050405020304" pitchFamily="18" charset="0"/>
+              </a:rPr>
+              <a:t>Chapter 1</a:t>
             </a:r>
             <a:endParaRPr lang="en-US" dirty="0">
               <a:solidFill>
-                <a:schemeClr val="accent2"/>
+                <a:schemeClr val="tx1"/>
               </a:solidFill>
             </a:endParaRPr>
           </a:p>
-          <a:p>
-            <a:endParaRPr lang="en-US" dirty="0"/>
-          </a:p>
-          <a:p>
-            <a:r>
-              <a:rPr lang="en-US" dirty="0"/>
-              <a:t>Internet Infrastructure as Fast As Possible</a:t>
-            </a:r>
-          </a:p>
-          <a:p>
-            <a:r>
-              <a:rPr lang="en-US" u="sng" dirty="0">
-                <a:solidFill>
-                  <a:schemeClr val="accent2"/>
-                </a:solidFill>
-                <a:hlinkClick r:id="rId3">
-                  <a:extLst>
-                    <a:ext uri="{A12FA001-AC4F-418D-AE19-62706E023703}">
-                      <ahyp:hlinkClr xmlns:ahyp="http://schemas.microsoft.com/office/drawing/2018/hyperlinkcolor" val="tx"/>
-                    </a:ext>
-                  </a:extLst>
-                </a:hlinkClick>
-              </a:rPr>
-              <a:t>https://youtu.be/n71TUnTNdw8</a:t>
-            </a:r>
-            <a:endParaRPr lang="en-US" dirty="0">
-              <a:solidFill>
-                <a:schemeClr val="accent2"/>
-              </a:solidFill>
-            </a:endParaRPr>
-          </a:p>
-          <a:p>
-            <a:endParaRPr lang="en-US" dirty="0"/>
-          </a:p>
-          <a:p>
-            <a:r>
-              <a:rPr lang="en-US" dirty="0"/>
-              <a:t>How the Internet Works for Developers</a:t>
-            </a:r>
-          </a:p>
-          <a:p>
-            <a:r>
-              <a:rPr lang="en-US" u="sng" dirty="0">
-                <a:solidFill>
-                  <a:schemeClr val="accent2"/>
-                </a:solidFill>
-                <a:hlinkClick r:id="rId4">
-                  <a:extLst>
-                    <a:ext uri="{A12FA001-AC4F-418D-AE19-62706E023703}">
-                      <ahyp:hlinkClr xmlns:ahyp="http://schemas.microsoft.com/office/drawing/2018/hyperlinkcolor" val="tx"/>
-                    </a:ext>
-                  </a:extLst>
-                </a:hlinkClick>
-              </a:rPr>
-              <a:t>https://youtu.be/e4S8zfLdLgQ</a:t>
-            </a:r>
-            <a:endParaRPr lang="en-US" dirty="0">
-              <a:solidFill>
-                <a:schemeClr val="accent2"/>
-              </a:solidFill>
-            </a:endParaRPr>
-          </a:p>
-          <a:p>
-            <a:br>
-              <a:rPr lang="en-US" dirty="0"/>
-            </a:br>
-            <a:endParaRPr lang="en-US" dirty="0"/>
-          </a:p>
         </p:txBody>
       </p:sp>
       <p:sp>
@@ -3730,7 +3678,7 @@
           <p:cNvPr id="4" name="Date Placeholder 3">
             <a:extLst>
               <a:ext uri="{FF2B5EF4-FFF2-40B4-BE49-F238E27FC236}">
-                <a16:creationId xmlns:a16="http://schemas.microsoft.com/office/drawing/2014/main" id="{975C2403-8261-4D4E-91E1-58C08814AF6C}"/>
+                <a16:creationId xmlns:a16="http://schemas.microsoft.com/office/drawing/2014/main" id="{63358075-7189-4561-A4E5-98C8C46EDDC9}"/>
               </a:ext>
             </a:extLst>
           </p:cNvPr>
@@ -3762,7 +3710,7 @@
           <p:cNvPr id="5" name="Footer Placeholder 4">
             <a:extLst>
               <a:ext uri="{FF2B5EF4-FFF2-40B4-BE49-F238E27FC236}">
-                <a16:creationId xmlns:a16="http://schemas.microsoft.com/office/drawing/2014/main" id="{E6D1F341-7312-4A56-9BEF-CFAC205CC87B}"/>
+                <a16:creationId xmlns:a16="http://schemas.microsoft.com/office/drawing/2014/main" id="{122A3984-E668-431C-B47A-D79A7058C76A}"/>
               </a:ext>
             </a:extLst>
           </p:cNvPr>
@@ -3794,7 +3742,7 @@
           <p:cNvPr id="6" name="Slide Number Placeholder 5">
             <a:extLst>
               <a:ext uri="{FF2B5EF4-FFF2-40B4-BE49-F238E27FC236}">
-                <a16:creationId xmlns:a16="http://schemas.microsoft.com/office/drawing/2014/main" id="{06FDAA01-06BC-40D7-A872-159405949C26}"/>
+                <a16:creationId xmlns:a16="http://schemas.microsoft.com/office/drawing/2014/main" id="{4AFF6169-E941-478B-83FF-531399080CB6}"/>
               </a:ext>
             </a:extLst>
           </p:cNvPr>
@@ -3813,7 +3761,7 @@
             <a:pPr algn="l">
               <a:defRPr/>
             </a:pPr>
-            <a:endParaRPr lang="en-US" sz="1400">
+            <a:endParaRPr lang="en-US" sz="1400" dirty="0">
               <a:latin typeface="Times New Roman"/>
             </a:endParaRPr>
           </a:p>
@@ -3822,12 +3770,12 @@
               <a:defRPr/>
             </a:pPr>
             <a:r>
-              <a:rPr lang="en-US">
+              <a:rPr lang="en-US" dirty="0">
                 <a:solidFill>
                   <a:schemeClr val="bg1"/>
                 </a:solidFill>
               </a:rPr>
-              <a:t>C12, Slide </a:t>
+              <a:t>C1, Slide </a:t>
             </a:r>
             <a:fld id="{BF5C1183-B085-4070-A402-C03A3F977D3D}" type="slidenum">
               <a:rPr lang="en-US" smtClean="0">
@@ -3851,7 +3799,7 @@
     </p:spTree>
     <p:extLst>
       <p:ext uri="{BB962C8B-B14F-4D97-AF65-F5344CB8AC3E}">
-        <p14:creationId xmlns:p14="http://schemas.microsoft.com/office/powerpoint/2010/main" val="882964453"/>
+        <p14:creationId xmlns:p14="http://schemas.microsoft.com/office/powerpoint/2010/main" val="777766547"/>
       </p:ext>
     </p:extLst>
   </p:cSld>
@@ -3880,10 +3828,10 @@
       </p:grpSpPr>
       <p:sp>
         <p:nvSpPr>
-          <p:cNvPr id="2" name="Title 1">
-            <a:extLst>
-              <a:ext uri="{FF2B5EF4-FFF2-40B4-BE49-F238E27FC236}">
-                <a16:creationId xmlns:a16="http://schemas.microsoft.com/office/drawing/2014/main" id="{32E1A74A-F7E6-47A3-A8AE-3EDB33EB04E1}"/>
+          <p:cNvPr id="7" name="Title 6">
+            <a:extLst>
+              <a:ext uri="{FF2B5EF4-FFF2-40B4-BE49-F238E27FC236}">
+                <a16:creationId xmlns:a16="http://schemas.microsoft.com/office/drawing/2014/main" id="{D84A8262-6117-4A57-8C19-812811999396}"/>
               </a:ext>
             </a:extLst>
           </p:cNvPr>
@@ -3899,67 +3847,183 @@
           <a:bodyPr/>
           <a:lstStyle/>
           <a:p>
-            <a:pPr marL="0" marR="0">
-              <a:spcBef>
-                <a:spcPts val="0"/>
-              </a:spcBef>
-              <a:spcAft>
-                <a:spcPts val="600"/>
-              </a:spcAft>
-              <a:tabLst>
-                <a:tab pos="1371600" algn="l"/>
-              </a:tabLst>
-            </a:pPr>
-            <a:r>
-              <a:rPr lang="en-US" dirty="0">
-                <a:latin typeface="Arial" panose="020B0604020202020204" pitchFamily="34" charset="0"/>
-                <a:ea typeface="Times New Roman" panose="02020603050405020304" pitchFamily="18" charset="0"/>
-                <a:cs typeface="Times New Roman" panose="02020603050405020304" pitchFamily="18" charset="0"/>
-              </a:rPr>
-              <a:t>How a web server processes a dynamic web page</a:t>
+            <a:r>
+              <a:rPr lang="en-US"/>
+              <a:t>How does the Internet work?</a:t>
             </a:r>
             <a:endParaRPr lang="en-US" dirty="0"/>
           </a:p>
         </p:txBody>
       </p:sp>
-      <p:pic>
-        <p:nvPicPr>
-          <p:cNvPr id="7" name="Content Placeholder 6" descr="See page 8 in book" title="See slide title">
-            <a:extLst>
-              <a:ext uri="{FF2B5EF4-FFF2-40B4-BE49-F238E27FC236}">
-                <a16:creationId xmlns:a16="http://schemas.microsoft.com/office/drawing/2014/main" id="{802F656A-7F87-40BE-BCE8-B3108D098157}"/>
-              </a:ext>
-            </a:extLst>
-          </p:cNvPr>
-          <p:cNvPicPr>
-            <a:picLocks noGrp="1" noChangeAspect="1"/>
-          </p:cNvPicPr>
-          <p:nvPr>
-            <p:ph sz="quarter" idx="13"/>
-          </p:nvPr>
-        </p:nvPicPr>
-        <p:blipFill>
-          <a:blip r:embed="rId2"/>
-          <a:stretch>
-            <a:fillRect/>
-          </a:stretch>
-        </p:blipFill>
-        <p:spPr>
-          <a:xfrm>
-            <a:off x="762000" y="1295400"/>
-            <a:ext cx="6361905" cy="1333333"/>
-          </a:xfrm>
-          <a:prstGeom prst="rect">
-            <a:avLst/>
-          </a:prstGeom>
-        </p:spPr>
-      </p:pic>
+      <p:sp>
+        <p:nvSpPr>
+          <p:cNvPr id="8" name="Text Placeholder 7">
+            <a:extLst>
+              <a:ext uri="{FF2B5EF4-FFF2-40B4-BE49-F238E27FC236}">
+                <a16:creationId xmlns:a16="http://schemas.microsoft.com/office/drawing/2014/main" id="{64C9BED5-12B0-4E13-8124-7724663DD6F2}"/>
+              </a:ext>
+            </a:extLst>
+          </p:cNvPr>
+          <p:cNvSpPr>
+            <a:spLocks noGrp="1"/>
+          </p:cNvSpPr>
+          <p:nvPr>
+            <p:ph type="body" sz="quarter" idx="13"/>
+          </p:nvPr>
+        </p:nvSpPr>
+        <p:spPr/>
+        <p:txBody>
+          <a:bodyPr/>
+          <a:lstStyle/>
+          <a:p>
+            <a:pPr algn="ctr"/>
+            <a:endParaRPr lang="en-US"/>
+          </a:p>
+          <a:p>
+            <a:pPr algn="ctr"/>
+            <a:endParaRPr lang="en-US" dirty="0"/>
+          </a:p>
+          <a:p>
+            <a:pPr algn="ctr"/>
+            <a:r>
+              <a:rPr lang="en-US"/>
+              <a:t>Internet </a:t>
+            </a:r>
+            <a:r>
+              <a:rPr lang="en-US" dirty="0"/>
+              <a:t>Infrastructure as Fast As Possible</a:t>
+            </a:r>
+          </a:p>
+          <a:p>
+            <a:pPr algn="ctr"/>
+            <a:r>
+              <a:rPr lang="en-US" u="sng" dirty="0">
+                <a:solidFill>
+                  <a:schemeClr val="accent2"/>
+                </a:solidFill>
+                <a:hlinkClick r:id="rId2">
+                  <a:extLst>
+                    <a:ext uri="{A12FA001-AC4F-418D-AE19-62706E023703}">
+                      <ahyp:hlinkClr xmlns:ahyp="http://schemas.microsoft.com/office/drawing/2018/hyperlinkcolor" val="tx"/>
+                    </a:ext>
+                  </a:extLst>
+                </a:hlinkClick>
+              </a:rPr>
+              <a:t>https://youtu.be/n71TUnTNdw8</a:t>
+            </a:r>
+            <a:endParaRPr lang="en-US" dirty="0">
+              <a:solidFill>
+                <a:schemeClr val="accent2"/>
+              </a:solidFill>
+            </a:endParaRPr>
+          </a:p>
+          <a:p>
+            <a:pPr algn="ctr"/>
+            <a:endParaRPr lang="en-US" dirty="0"/>
+          </a:p>
+          <a:p>
+            <a:pPr algn="ctr"/>
+            <a:r>
+              <a:rPr lang="en-US" dirty="0"/>
+              <a:t>How the Internet Works </a:t>
+            </a:r>
+            <a:r>
+              <a:rPr lang="en-US"/>
+              <a:t>for Developers - Pt1</a:t>
+            </a:r>
+            <a:endParaRPr lang="en-US" dirty="0"/>
+          </a:p>
+          <a:p>
+            <a:pPr algn="ctr"/>
+            <a:r>
+              <a:rPr lang="en-US" u="sng" dirty="0">
+                <a:solidFill>
+                  <a:schemeClr val="accent2"/>
+                </a:solidFill>
+                <a:hlinkClick r:id="rId3">
+                  <a:extLst>
+                    <a:ext uri="{A12FA001-AC4F-418D-AE19-62706E023703}">
+                      <ahyp:hlinkClr xmlns:ahyp="http://schemas.microsoft.com/office/drawing/2018/hyperlinkcolor" val="tx"/>
+                    </a:ext>
+                  </a:extLst>
+                </a:hlinkClick>
+              </a:rPr>
+              <a:t>https://youtu.be</a:t>
+            </a:r>
+            <a:r>
+              <a:rPr lang="en-US" u="sng">
+                <a:solidFill>
+                  <a:schemeClr val="accent2"/>
+                </a:solidFill>
+                <a:hlinkClick r:id="rId3">
+                  <a:extLst>
+                    <a:ext uri="{A12FA001-AC4F-418D-AE19-62706E023703}">
+                      <ahyp:hlinkClr xmlns:ahyp="http://schemas.microsoft.com/office/drawing/2018/hyperlinkcolor" val="tx"/>
+                    </a:ext>
+                  </a:extLst>
+                </a:hlinkClick>
+              </a:rPr>
+              <a:t>/e4S8zfLdLgQ</a:t>
+            </a:r>
+            <a:endParaRPr lang="en-US" u="sng">
+              <a:solidFill>
+                <a:schemeClr val="accent2"/>
+              </a:solidFill>
+            </a:endParaRPr>
+          </a:p>
+          <a:p>
+            <a:pPr algn="ctr"/>
+            <a:endParaRPr lang="en-US" u="sng">
+              <a:solidFill>
+                <a:schemeClr val="accent2"/>
+              </a:solidFill>
+            </a:endParaRPr>
+          </a:p>
+          <a:p>
+            <a:pPr algn="ctr"/>
+            <a:r>
+              <a:rPr lang="en-US"/>
+              <a:t>How the Internet Works for Developers - Pt2</a:t>
+            </a:r>
+          </a:p>
+          <a:p>
+            <a:pPr algn="ctr"/>
+            <a:r>
+              <a:rPr lang="en-US" u="sng">
+                <a:solidFill>
+                  <a:schemeClr val="accent2"/>
+                </a:solidFill>
+                <a:hlinkClick r:id="rId4">
+                  <a:extLst>
+                    <a:ext uri="{A12FA001-AC4F-418D-AE19-62706E023703}">
+                      <ahyp:hlinkClr xmlns:ahyp="http://schemas.microsoft.com/office/drawing/2018/hyperlinkcolor" val="tx"/>
+                    </a:ext>
+                  </a:extLst>
+                </a:hlinkClick>
+              </a:rPr>
+              <a:t>https://youtu.be/FTAPjr7vgxE</a:t>
+            </a:r>
+            <a:endParaRPr lang="en-US" dirty="0">
+              <a:solidFill>
+                <a:schemeClr val="accent2"/>
+              </a:solidFill>
+            </a:endParaRPr>
+          </a:p>
+          <a:p>
+            <a:pPr algn="ctr"/>
+            <a:br>
+              <a:rPr lang="en-US" dirty="0"/>
+            </a:br>
+            <a:endParaRPr lang="en-US" dirty="0"/>
+          </a:p>
+        </p:txBody>
+      </p:sp>
       <p:sp>
         <p:nvSpPr>
           <p:cNvPr id="4" name="Date Placeholder 3">
             <a:extLst>
               <a:ext uri="{FF2B5EF4-FFF2-40B4-BE49-F238E27FC236}">
-                <a16:creationId xmlns:a16="http://schemas.microsoft.com/office/drawing/2014/main" id="{1D392B26-0D9F-4E9E-8AAE-4A96996DB765}"/>
+                <a16:creationId xmlns:a16="http://schemas.microsoft.com/office/drawing/2014/main" id="{975C2403-8261-4D4E-91E1-58C08814AF6C}"/>
               </a:ext>
             </a:extLst>
           </p:cNvPr>
@@ -3991,7 +4055,7 @@
           <p:cNvPr id="5" name="Footer Placeholder 4">
             <a:extLst>
               <a:ext uri="{FF2B5EF4-FFF2-40B4-BE49-F238E27FC236}">
-                <a16:creationId xmlns:a16="http://schemas.microsoft.com/office/drawing/2014/main" id="{3544C6F7-BD4F-4386-B30D-B60FCC91A15F}"/>
+                <a16:creationId xmlns:a16="http://schemas.microsoft.com/office/drawing/2014/main" id="{E6D1F341-7312-4A56-9BEF-CFAC205CC87B}"/>
               </a:ext>
             </a:extLst>
           </p:cNvPr>
@@ -4023,7 +4087,7 @@
           <p:cNvPr id="6" name="Slide Number Placeholder 5">
             <a:extLst>
               <a:ext uri="{FF2B5EF4-FFF2-40B4-BE49-F238E27FC236}">
-                <a16:creationId xmlns:a16="http://schemas.microsoft.com/office/drawing/2014/main" id="{2CC36E6C-3990-4516-8A19-CC92ADE36B19}"/>
+                <a16:creationId xmlns:a16="http://schemas.microsoft.com/office/drawing/2014/main" id="{06FDAA01-06BC-40D7-A872-159405949C26}"/>
               </a:ext>
             </a:extLst>
           </p:cNvPr>
@@ -4042,7 +4106,7 @@
             <a:pPr algn="l">
               <a:defRPr/>
             </a:pPr>
-            <a:endParaRPr lang="en-US" sz="1400" dirty="0">
+            <a:endParaRPr lang="en-US" sz="1400">
               <a:latin typeface="Times New Roman"/>
             </a:endParaRPr>
           </a:p>
@@ -4051,12 +4115,12 @@
               <a:defRPr/>
             </a:pPr>
             <a:r>
-              <a:rPr lang="en-US" dirty="0">
+              <a:rPr lang="en-US">
                 <a:solidFill>
                   <a:schemeClr val="bg1"/>
                 </a:solidFill>
               </a:rPr>
-              <a:t>C1, Slide </a:t>
+              <a:t>C12, Slide </a:t>
             </a:r>
             <a:fld id="{BF5C1183-B085-4070-A402-C03A3F977D3D}" type="slidenum">
               <a:rPr lang="en-US" smtClean="0">
@@ -4080,7 +4144,7 @@
     </p:spTree>
     <p:extLst>
       <p:ext uri="{BB962C8B-B14F-4D97-AF65-F5344CB8AC3E}">
-        <p14:creationId xmlns:p14="http://schemas.microsoft.com/office/powerpoint/2010/main" val="1525016130"/>
+        <p14:creationId xmlns:p14="http://schemas.microsoft.com/office/powerpoint/2010/main" val="882964453"/>
       </p:ext>
     </p:extLst>
   </p:cSld>
@@ -4123,7 +4187,12 @@
             <p:ph type="title"/>
           </p:nvPr>
         </p:nvSpPr>
-        <p:spPr/>
+        <p:spPr>
+          <a:xfrm>
+            <a:off x="459317" y="568879"/>
+            <a:ext cx="7315200" cy="369332"/>
+          </a:xfrm>
+        </p:spPr>
         <p:txBody>
           <a:bodyPr/>
           <a:lstStyle/>
@@ -4140,152 +4209,13 @@
               </a:tabLst>
             </a:pPr>
             <a:r>
-              <a:rPr lang="en-US" dirty="0">
+              <a:rPr lang="en-US">
                 <a:latin typeface="Arial" panose="020B0604020202020204" pitchFamily="34" charset="0"/>
                 <a:ea typeface="Times New Roman" panose="02020603050405020304" pitchFamily="18" charset="0"/>
                 <a:cs typeface="Times New Roman" panose="02020603050405020304" pitchFamily="18" charset="0"/>
               </a:rPr>
-              <a:t>Web browsers</a:t>
-            </a:r>
-            <a:endParaRPr lang="en-US" dirty="0"/>
-          </a:p>
-        </p:txBody>
-      </p:sp>
-      <p:sp>
-        <p:nvSpPr>
-          <p:cNvPr id="3" name="Text Placeholder 2">
-            <a:extLst>
-              <a:ext uri="{FF2B5EF4-FFF2-40B4-BE49-F238E27FC236}">
-                <a16:creationId xmlns:a16="http://schemas.microsoft.com/office/drawing/2014/main" id="{566C46A5-297C-4A30-BCCA-C6AD4CE606C7}"/>
-              </a:ext>
-            </a:extLst>
-          </p:cNvPr>
-          <p:cNvSpPr>
-            <a:spLocks noGrp="1"/>
-          </p:cNvSpPr>
-          <p:nvPr>
-            <p:ph type="body" sz="quarter" idx="13"/>
-          </p:nvPr>
-        </p:nvSpPr>
-        <p:spPr/>
-        <p:txBody>
-          <a:bodyPr/>
-          <a:lstStyle/>
-          <a:p>
-            <a:pPr marL="342900" marR="274320" lvl="0" indent="-342900">
-              <a:spcBef>
-                <a:spcPts val="0"/>
-              </a:spcBef>
-              <a:spcAft>
-                <a:spcPts val="600"/>
-              </a:spcAft>
-              <a:buFont typeface="Symbol" panose="05050102010706020507" pitchFamily="18" charset="2"/>
-              <a:buChar char=""/>
-            </a:pPr>
-            <a:r>
-              <a:rPr lang="en-US" spc="-10" dirty="0">
-                <a:latin typeface="Times New Roman" panose="02020603050405020304" pitchFamily="18" charset="0"/>
-                <a:ea typeface="Times New Roman" panose="02020603050405020304" pitchFamily="18" charset="0"/>
-              </a:rPr>
-              <a:t>Chrome</a:t>
-            </a:r>
-          </a:p>
-          <a:p>
-            <a:pPr marL="342900" marR="274320" lvl="0" indent="-342900">
-              <a:spcBef>
-                <a:spcPts val="0"/>
-              </a:spcBef>
-              <a:spcAft>
-                <a:spcPts val="600"/>
-              </a:spcAft>
-              <a:buFont typeface="Symbol" panose="05050102010706020507" pitchFamily="18" charset="2"/>
-              <a:buChar char=""/>
-            </a:pPr>
-            <a:r>
-              <a:rPr lang="en-US" spc="-10" dirty="0">
-                <a:latin typeface="Times New Roman" panose="02020603050405020304" pitchFamily="18" charset="0"/>
-                <a:ea typeface="Times New Roman" panose="02020603050405020304" pitchFamily="18" charset="0"/>
-              </a:rPr>
-              <a:t>Firefox</a:t>
-            </a:r>
-          </a:p>
-          <a:p>
-            <a:pPr marL="342900" marR="274320" lvl="0" indent="-342900">
-              <a:spcBef>
-                <a:spcPts val="0"/>
-              </a:spcBef>
-              <a:spcAft>
-                <a:spcPts val="600"/>
-              </a:spcAft>
-              <a:buFont typeface="Symbol" panose="05050102010706020507" pitchFamily="18" charset="2"/>
-              <a:buChar char=""/>
-            </a:pPr>
-            <a:r>
-              <a:rPr lang="en-US" spc="-10" dirty="0">
-                <a:latin typeface="Times New Roman" panose="02020603050405020304" pitchFamily="18" charset="0"/>
-                <a:ea typeface="Times New Roman" panose="02020603050405020304" pitchFamily="18" charset="0"/>
-              </a:rPr>
-              <a:t>Edge</a:t>
-            </a:r>
-          </a:p>
-          <a:p>
-            <a:pPr marL="342900" marR="274320" lvl="0" indent="-342900">
-              <a:spcBef>
-                <a:spcPts val="0"/>
-              </a:spcBef>
-              <a:spcAft>
-                <a:spcPts val="600"/>
-              </a:spcAft>
-              <a:buFont typeface="Symbol" panose="05050102010706020507" pitchFamily="18" charset="2"/>
-              <a:buChar char=""/>
-            </a:pPr>
-            <a:r>
-              <a:rPr lang="en-US" spc="-10" dirty="0">
-                <a:latin typeface="Times New Roman" panose="02020603050405020304" pitchFamily="18" charset="0"/>
-                <a:ea typeface="Times New Roman" panose="02020603050405020304" pitchFamily="18" charset="0"/>
-              </a:rPr>
-              <a:t>Internet Explorer</a:t>
-            </a:r>
-          </a:p>
-          <a:p>
-            <a:pPr marL="342900" marR="274320" lvl="0" indent="-342900">
-              <a:spcBef>
-                <a:spcPts val="0"/>
-              </a:spcBef>
-              <a:spcAft>
-                <a:spcPts val="600"/>
-              </a:spcAft>
-              <a:buFont typeface="Symbol" panose="05050102010706020507" pitchFamily="18" charset="2"/>
-              <a:buChar char=""/>
-            </a:pPr>
-            <a:r>
-              <a:rPr lang="en-US" spc="-10" dirty="0">
-                <a:latin typeface="Times New Roman" panose="02020603050405020304" pitchFamily="18" charset="0"/>
-                <a:ea typeface="Times New Roman" panose="02020603050405020304" pitchFamily="18" charset="0"/>
-              </a:rPr>
-              <a:t>Safari</a:t>
-            </a:r>
-          </a:p>
-          <a:p>
-            <a:pPr marL="342900" marR="274320" lvl="0" indent="-342900">
-              <a:spcBef>
-                <a:spcPts val="0"/>
-              </a:spcBef>
-              <a:spcAft>
-                <a:spcPts val="600"/>
-              </a:spcAft>
-              <a:buFont typeface="Symbol" panose="05050102010706020507" pitchFamily="18" charset="2"/>
-              <a:buChar char=""/>
-            </a:pPr>
-            <a:r>
-              <a:rPr lang="en-US" spc="-10" dirty="0">
-                <a:latin typeface="Times New Roman" panose="02020603050405020304" pitchFamily="18" charset="0"/>
-                <a:ea typeface="Times New Roman" panose="02020603050405020304" pitchFamily="18" charset="0"/>
-              </a:rPr>
-              <a:t>Opera</a:t>
-            </a:r>
-          </a:p>
-          <a:p>
+              <a:t>Web Browsers - Current Market Share</a:t>
+            </a:r>
             <a:endParaRPr lang="en-US" dirty="0"/>
           </a:p>
         </p:txBody>
@@ -4409,6 +4339,89 @@
               <a:solidFill>
                 <a:schemeClr val="bg1"/>
               </a:solidFill>
+            </a:endParaRPr>
+          </a:p>
+        </p:txBody>
+      </p:sp>
+      <p:pic>
+        <p:nvPicPr>
+          <p:cNvPr id="11" name="Picture 10">
+            <a:extLst>
+              <a:ext uri="{FF2B5EF4-FFF2-40B4-BE49-F238E27FC236}">
+                <a16:creationId xmlns:a16="http://schemas.microsoft.com/office/drawing/2014/main" id="{518AF1AB-4064-43C6-ADBE-13A2813BC80A}"/>
+              </a:ext>
+            </a:extLst>
+          </p:cNvPr>
+          <p:cNvPicPr>
+            <a:picLocks noChangeAspect="1"/>
+          </p:cNvPicPr>
+          <p:nvPr/>
+        </p:nvPicPr>
+        <p:blipFill>
+          <a:blip r:embed="rId2"/>
+          <a:stretch>
+            <a:fillRect/>
+          </a:stretch>
+        </p:blipFill>
+        <p:spPr>
+          <a:xfrm>
+            <a:off x="489797" y="1048180"/>
+            <a:ext cx="6296025" cy="4761639"/>
+          </a:xfrm>
+          <a:prstGeom prst="rect">
+            <a:avLst/>
+          </a:prstGeom>
+        </p:spPr>
+      </p:pic>
+      <p:sp>
+        <p:nvSpPr>
+          <p:cNvPr id="12" name="Rectangle 11">
+            <a:extLst>
+              <a:ext uri="{FF2B5EF4-FFF2-40B4-BE49-F238E27FC236}">
+                <a16:creationId xmlns:a16="http://schemas.microsoft.com/office/drawing/2014/main" id="{642E8DAC-B5CD-445F-8B08-9B8AE7474AF0}"/>
+              </a:ext>
+            </a:extLst>
+          </p:cNvPr>
+          <p:cNvSpPr/>
+          <p:nvPr/>
+        </p:nvSpPr>
+        <p:spPr>
+          <a:xfrm>
+            <a:off x="489797" y="5816487"/>
+            <a:ext cx="6296025" cy="276999"/>
+          </a:xfrm>
+          <a:prstGeom prst="rect">
+            <a:avLst/>
+          </a:prstGeom>
+        </p:spPr>
+        <p:txBody>
+          <a:bodyPr wrap="square">
+            <a:spAutoFit/>
+          </a:bodyPr>
+          <a:lstStyle/>
+          <a:p>
+            <a:pPr algn="ctr"/>
+            <a:r>
+              <a:rPr lang="en-US" sz="1200">
+                <a:solidFill>
+                  <a:schemeClr val="accent2"/>
+                </a:solidFill>
+                <a:latin typeface="Consolas" panose="020B0609020204030204" pitchFamily="49" charset="0"/>
+                <a:hlinkClick r:id="rId3">
+                  <a:extLst>
+                    <a:ext uri="{A12FA001-AC4F-418D-AE19-62706E023703}">
+                      <ahyp:hlinkClr xmlns:ahyp="http://schemas.microsoft.com/office/drawing/2018/hyperlinkcolor" val="tx"/>
+                    </a:ext>
+                  </a:extLst>
+                </a:hlinkClick>
+              </a:rPr>
+              <a:t>https://www.w3counter.com/globalstats.php</a:t>
+            </a:r>
+            <a:endParaRPr lang="en-US" sz="1200">
+              <a:solidFill>
+                <a:schemeClr val="accent2"/>
+              </a:solidFill>
+              <a:latin typeface="Consolas" panose="020B0609020204030204" pitchFamily="49" charset="0"/>
             </a:endParaRPr>
           </a:p>
         </p:txBody>
@@ -4448,7 +4461,7 @@
           <p:cNvPr id="2" name="Title 1">
             <a:extLst>
               <a:ext uri="{FF2B5EF4-FFF2-40B4-BE49-F238E27FC236}">
-                <a16:creationId xmlns:a16="http://schemas.microsoft.com/office/drawing/2014/main" id="{C520BDD2-FF5E-4D90-AB06-63460CDE2B55}"/>
+                <a16:creationId xmlns:a16="http://schemas.microsoft.com/office/drawing/2014/main" id="{6CBD8AC4-7AF0-40E1-9B37-4A8B67DF860C}"/>
               </a:ext>
             </a:extLst>
           </p:cNvPr>
@@ -4459,7 +4472,12 @@
             <p:ph type="title"/>
           </p:nvPr>
         </p:nvSpPr>
-        <p:spPr/>
+        <p:spPr>
+          <a:xfrm>
+            <a:off x="459317" y="568879"/>
+            <a:ext cx="7315200" cy="369332"/>
+          </a:xfrm>
+        </p:spPr>
         <p:txBody>
           <a:bodyPr/>
           <a:lstStyle/>
@@ -4476,12 +4494,12 @@
               </a:tabLst>
             </a:pPr>
             <a:r>
-              <a:rPr lang="en-US" dirty="0">
+              <a:rPr lang="en-US">
                 <a:latin typeface="Arial" panose="020B0604020202020204" pitchFamily="34" charset="0"/>
                 <a:ea typeface="Times New Roman" panose="02020603050405020304" pitchFamily="18" charset="0"/>
                 <a:cs typeface="Times New Roman" panose="02020603050405020304" pitchFamily="18" charset="0"/>
               </a:rPr>
-              <a:t>Server-side scripting languages</a:t>
+              <a:t>Web Browser - Usage Over Time</a:t>
             </a:r>
             <a:endParaRPr lang="en-US" dirty="0"/>
           </a:p>
@@ -4489,149 +4507,10 @@
       </p:sp>
       <p:sp>
         <p:nvSpPr>
-          <p:cNvPr id="3" name="Text Placeholder 2">
-            <a:extLst>
-              <a:ext uri="{FF2B5EF4-FFF2-40B4-BE49-F238E27FC236}">
-                <a16:creationId xmlns:a16="http://schemas.microsoft.com/office/drawing/2014/main" id="{B353377E-B555-46C6-8B36-A3F2F1908DE1}"/>
-              </a:ext>
-            </a:extLst>
-          </p:cNvPr>
-          <p:cNvSpPr>
-            <a:spLocks noGrp="1"/>
-          </p:cNvSpPr>
-          <p:nvPr>
-            <p:ph type="body" sz="quarter" idx="13"/>
-          </p:nvPr>
-        </p:nvSpPr>
-        <p:spPr/>
-        <p:txBody>
-          <a:bodyPr/>
-          <a:lstStyle/>
-          <a:p>
-            <a:pPr marL="342900" marR="274320" lvl="0" indent="-342900">
-              <a:spcBef>
-                <a:spcPts val="0"/>
-              </a:spcBef>
-              <a:spcAft>
-                <a:spcPts val="600"/>
-              </a:spcAft>
-              <a:buFont typeface="Symbol" panose="05050102010706020507" pitchFamily="18" charset="2"/>
-              <a:buChar char=""/>
-            </a:pPr>
-            <a:r>
-              <a:rPr lang="en-US" spc="-10" dirty="0">
-                <a:latin typeface="Times New Roman" panose="02020603050405020304" pitchFamily="18" charset="0"/>
-                <a:ea typeface="Times New Roman" panose="02020603050405020304" pitchFamily="18" charset="0"/>
-              </a:rPr>
-              <a:t>C#</a:t>
-            </a:r>
-          </a:p>
-          <a:p>
-            <a:pPr marL="342900" marR="274320" lvl="0" indent="-342900">
-              <a:spcBef>
-                <a:spcPts val="0"/>
-              </a:spcBef>
-              <a:spcAft>
-                <a:spcPts val="600"/>
-              </a:spcAft>
-              <a:buFont typeface="Symbol" panose="05050102010706020507" pitchFamily="18" charset="2"/>
-              <a:buChar char=""/>
-            </a:pPr>
-            <a:r>
-              <a:rPr lang="en-US" spc="-10" dirty="0">
-                <a:latin typeface="Times New Roman" panose="02020603050405020304" pitchFamily="18" charset="0"/>
-                <a:ea typeface="Times New Roman" panose="02020603050405020304" pitchFamily="18" charset="0"/>
-              </a:rPr>
-              <a:t>Java</a:t>
-            </a:r>
-          </a:p>
-          <a:p>
-            <a:pPr marL="342900" marR="274320" lvl="0" indent="-342900">
-              <a:spcBef>
-                <a:spcPts val="0"/>
-              </a:spcBef>
-              <a:spcAft>
-                <a:spcPts val="600"/>
-              </a:spcAft>
-              <a:buFont typeface="Symbol" panose="05050102010706020507" pitchFamily="18" charset="2"/>
-              <a:buChar char=""/>
-            </a:pPr>
-            <a:r>
-              <a:rPr lang="en-US" spc="-10" dirty="0">
-                <a:latin typeface="Times New Roman" panose="02020603050405020304" pitchFamily="18" charset="0"/>
-                <a:ea typeface="Times New Roman" panose="02020603050405020304" pitchFamily="18" charset="0"/>
-              </a:rPr>
-              <a:t>PHP</a:t>
-            </a:r>
-          </a:p>
-          <a:p>
-            <a:pPr marL="342900" marR="274320" lvl="0" indent="-342900">
-              <a:spcBef>
-                <a:spcPts val="0"/>
-              </a:spcBef>
-              <a:spcAft>
-                <a:spcPts val="600"/>
-              </a:spcAft>
-              <a:buFont typeface="Symbol" panose="05050102010706020507" pitchFamily="18" charset="2"/>
-              <a:buChar char=""/>
-            </a:pPr>
-            <a:r>
-              <a:rPr lang="en-US" spc="-10" dirty="0">
-                <a:latin typeface="Times New Roman" panose="02020603050405020304" pitchFamily="18" charset="0"/>
-                <a:ea typeface="Times New Roman" panose="02020603050405020304" pitchFamily="18" charset="0"/>
-              </a:rPr>
-              <a:t>Ruby</a:t>
-            </a:r>
-          </a:p>
-          <a:p>
-            <a:pPr marL="342900" marR="274320" lvl="0" indent="-342900">
-              <a:spcBef>
-                <a:spcPts val="0"/>
-              </a:spcBef>
-              <a:spcAft>
-                <a:spcPts val="600"/>
-              </a:spcAft>
-              <a:buFont typeface="Symbol" panose="05050102010706020507" pitchFamily="18" charset="2"/>
-              <a:buChar char=""/>
-            </a:pPr>
-            <a:r>
-              <a:rPr lang="en-US" spc="-10" dirty="0">
-                <a:latin typeface="Times New Roman" panose="02020603050405020304" pitchFamily="18" charset="0"/>
-                <a:ea typeface="Times New Roman" panose="02020603050405020304" pitchFamily="18" charset="0"/>
-              </a:rPr>
-              <a:t>Perl</a:t>
-            </a:r>
-          </a:p>
-          <a:p>
-            <a:pPr marL="342900" marR="274320" lvl="0" indent="-342900">
-              <a:spcBef>
-                <a:spcPts val="0"/>
-              </a:spcBef>
-              <a:spcAft>
-                <a:spcPts val="600"/>
-              </a:spcAft>
-              <a:buFont typeface="Symbol" panose="05050102010706020507" pitchFamily="18" charset="2"/>
-              <a:buChar char=""/>
-            </a:pPr>
-            <a:r>
-              <a:rPr lang="en-US" spc="-10" dirty="0">
-                <a:latin typeface="Times New Roman" panose="02020603050405020304" pitchFamily="18" charset="0"/>
-                <a:ea typeface="Times New Roman" panose="02020603050405020304" pitchFamily="18" charset="0"/>
-              </a:rPr>
-              <a:t>Python</a:t>
-            </a:r>
-          </a:p>
-          <a:p>
-            <a:endParaRPr lang="en-US" dirty="0"/>
-          </a:p>
-        </p:txBody>
-      </p:sp>
-      <p:sp>
-        <p:nvSpPr>
           <p:cNvPr id="4" name="Date Placeholder 3">
             <a:extLst>
               <a:ext uri="{FF2B5EF4-FFF2-40B4-BE49-F238E27FC236}">
-                <a16:creationId xmlns:a16="http://schemas.microsoft.com/office/drawing/2014/main" id="{E2CFD5C7-B2F3-479C-BF5E-5E18149296E0}"/>
+                <a16:creationId xmlns:a16="http://schemas.microsoft.com/office/drawing/2014/main" id="{8BA5844C-850F-4E50-A1B8-AB6ADD47D6E5}"/>
               </a:ext>
             </a:extLst>
           </p:cNvPr>
@@ -4663,7 +4542,7 @@
           <p:cNvPr id="5" name="Footer Placeholder 4">
             <a:extLst>
               <a:ext uri="{FF2B5EF4-FFF2-40B4-BE49-F238E27FC236}">
-                <a16:creationId xmlns:a16="http://schemas.microsoft.com/office/drawing/2014/main" id="{80AECFD2-340A-465A-8608-800AC6305EFA}"/>
+                <a16:creationId xmlns:a16="http://schemas.microsoft.com/office/drawing/2014/main" id="{1737B383-E722-4984-A34B-B0A9A8849289}"/>
               </a:ext>
             </a:extLst>
           </p:cNvPr>
@@ -4695,7 +4574,7 @@
           <p:cNvPr id="6" name="Slide Number Placeholder 5">
             <a:extLst>
               <a:ext uri="{FF2B5EF4-FFF2-40B4-BE49-F238E27FC236}">
-                <a16:creationId xmlns:a16="http://schemas.microsoft.com/office/drawing/2014/main" id="{5DBA5C58-BB1F-48F1-A3A2-08B349621CF8}"/>
+                <a16:creationId xmlns:a16="http://schemas.microsoft.com/office/drawing/2014/main" id="{8DAEDFD6-0A5E-4F50-9CEB-56E582C18ABC}"/>
               </a:ext>
             </a:extLst>
           </p:cNvPr>
@@ -4749,10 +4628,99 @@
           </a:p>
         </p:txBody>
       </p:sp>
+      <p:pic>
+        <p:nvPicPr>
+          <p:cNvPr id="8" name="Picture 7" descr="A close up of a map&#10;&#10;Description automatically generated">
+            <a:extLst>
+              <a:ext uri="{FF2B5EF4-FFF2-40B4-BE49-F238E27FC236}">
+                <a16:creationId xmlns:a16="http://schemas.microsoft.com/office/drawing/2014/main" id="{5D86C24C-9A05-4988-847E-1A0D14E86054}"/>
+              </a:ext>
+            </a:extLst>
+          </p:cNvPr>
+          <p:cNvPicPr>
+            <a:picLocks noChangeAspect="1"/>
+          </p:cNvPicPr>
+          <p:nvPr/>
+        </p:nvPicPr>
+        <p:blipFill>
+          <a:blip r:embed="rId2">
+            <a:extLst>
+              <a:ext uri="{28A0092B-C50C-407E-A947-70E740481C1C}">
+                <a14:useLocalDpi xmlns:a14="http://schemas.microsoft.com/office/drawing/2010/main" val="0"/>
+              </a:ext>
+            </a:extLst>
+          </a:blip>
+          <a:stretch>
+            <a:fillRect/>
+          </a:stretch>
+        </p:blipFill>
+        <p:spPr>
+          <a:xfrm>
+            <a:off x="459317" y="1058941"/>
+            <a:ext cx="8225366" cy="4626769"/>
+          </a:xfrm>
+          <a:prstGeom prst="rect">
+            <a:avLst/>
+          </a:prstGeom>
+        </p:spPr>
+      </p:pic>
+      <p:sp>
+        <p:nvSpPr>
+          <p:cNvPr id="10" name="Rectangle 9">
+            <a:extLst>
+              <a:ext uri="{FF2B5EF4-FFF2-40B4-BE49-F238E27FC236}">
+                <a16:creationId xmlns:a16="http://schemas.microsoft.com/office/drawing/2014/main" id="{AF71B1D8-E549-4B19-A3EF-BD684CB513BC}"/>
+              </a:ext>
+            </a:extLst>
+          </p:cNvPr>
+          <p:cNvSpPr/>
+          <p:nvPr/>
+        </p:nvSpPr>
+        <p:spPr>
+          <a:xfrm>
+            <a:off x="0" y="5791200"/>
+            <a:ext cx="9144000" cy="276999"/>
+          </a:xfrm>
+          <a:prstGeom prst="rect">
+            <a:avLst/>
+          </a:prstGeom>
+        </p:spPr>
+        <p:txBody>
+          <a:bodyPr wrap="square">
+            <a:spAutoFit/>
+          </a:bodyPr>
+          <a:lstStyle/>
+          <a:p>
+            <a:pPr algn="ctr"/>
+            <a:r>
+              <a:rPr lang="en-US" sz="1200">
+                <a:solidFill>
+                  <a:schemeClr val="accent2"/>
+                </a:solidFill>
+                <a:latin typeface="Consolas" panose="020B0609020204030204" pitchFamily="49" charset="0"/>
+                <a:hlinkClick r:id="rId3">
+                  <a:extLst>
+                    <a:ext uri="{A12FA001-AC4F-418D-AE19-62706E023703}">
+                      <ahyp:hlinkClr xmlns:ahyp="http://schemas.microsoft.com/office/drawing/2018/hyperlinkcolor" val="tx"/>
+                    </a:ext>
+                  </a:extLst>
+                </a:hlinkClick>
+              </a:rPr>
+              <a:t>https://gs.statcounter.com/browser-market-share/desktop-mobile-tablet/worldwide/#quarterly-201301-202002</a:t>
+            </a:r>
+            <a:endParaRPr lang="en-US" sz="1200">
+              <a:solidFill>
+                <a:schemeClr val="accent2"/>
+              </a:solidFill>
+              <a:latin typeface="Consolas" panose="020B0609020204030204" pitchFamily="49" charset="0"/>
+            </a:endParaRPr>
+          </a:p>
+        </p:txBody>
+      </p:sp>
     </p:spTree>
     <p:extLst>
       <p:ext uri="{BB962C8B-B14F-4D97-AF65-F5344CB8AC3E}">
-        <p14:creationId xmlns:p14="http://schemas.microsoft.com/office/powerpoint/2010/main" val="2961775901"/>
+        <p14:creationId xmlns:p14="http://schemas.microsoft.com/office/powerpoint/2010/main" val="2468634604"/>
       </p:ext>
     </p:extLst>
   </p:cSld>
@@ -4784,7 +4752,7 @@
           <p:cNvPr id="2" name="Title 1">
             <a:extLst>
               <a:ext uri="{FF2B5EF4-FFF2-40B4-BE49-F238E27FC236}">
-                <a16:creationId xmlns:a16="http://schemas.microsoft.com/office/drawing/2014/main" id="{044A7D69-C600-466D-BECB-B1764291FE5E}"/>
+                <a16:creationId xmlns:a16="http://schemas.microsoft.com/office/drawing/2014/main" id="{C520BDD2-FF5E-4D90-AB06-63460CDE2B55}"/>
               </a:ext>
             </a:extLst>
           </p:cNvPr>
@@ -4795,7 +4763,12 @@
             <p:ph type="title"/>
           </p:nvPr>
         </p:nvSpPr>
-        <p:spPr/>
+        <p:spPr>
+          <a:xfrm>
+            <a:off x="275409" y="564076"/>
+            <a:ext cx="7315200" cy="369332"/>
+          </a:xfrm>
+        </p:spPr>
         <p:txBody>
           <a:bodyPr/>
           <a:lstStyle/>
@@ -4812,62 +4785,151 @@
               </a:tabLst>
             </a:pPr>
             <a:r>
+              <a:rPr lang="en-US">
+                <a:latin typeface="Arial" panose="020B0604020202020204" pitchFamily="34" charset="0"/>
+                <a:ea typeface="Times New Roman" panose="02020603050405020304" pitchFamily="18" charset="0"/>
+                <a:cs typeface="Times New Roman" panose="02020603050405020304" pitchFamily="18" charset="0"/>
+              </a:rPr>
+              <a:t>Server-side programming </a:t>
+            </a:r>
+            <a:r>
               <a:rPr lang="en-US" dirty="0">
                 <a:latin typeface="Arial" panose="020B0604020202020204" pitchFamily="34" charset="0"/>
                 <a:ea typeface="Times New Roman" panose="02020603050405020304" pitchFamily="18" charset="0"/>
                 <a:cs typeface="Times New Roman" panose="02020603050405020304" pitchFamily="18" charset="0"/>
               </a:rPr>
-              <a:t>A web page with image swaps and rollovers</a:t>
+              <a:t>languages</a:t>
             </a:r>
             <a:endParaRPr lang="en-US" dirty="0"/>
           </a:p>
         </p:txBody>
       </p:sp>
-      <p:pic>
-        <p:nvPicPr>
-          <p:cNvPr id="7" name="Content Placeholder 6" descr="See page 12 in book" title="See slide title">
-            <a:hlinkClick r:id="rId2"/>
-            <a:extLst>
-              <a:ext uri="{FF2B5EF4-FFF2-40B4-BE49-F238E27FC236}">
-                <a16:creationId xmlns:a16="http://schemas.microsoft.com/office/drawing/2014/main" id="{9DDFF610-99D0-48E4-9AFC-08273A6AA3A3}"/>
-              </a:ext>
-            </a:extLst>
-          </p:cNvPr>
-          <p:cNvPicPr>
-            <a:picLocks noGrp="1"/>
-          </p:cNvPicPr>
-          <p:nvPr>
-            <p:ph sz="quarter" idx="13"/>
-          </p:nvPr>
-        </p:nvPicPr>
-        <p:blipFill>
-          <a:blip r:embed="rId3">
-            <a:extLst>
-              <a:ext uri="{28A0092B-C50C-407E-A947-70E740481C1C}">
-                <a14:useLocalDpi xmlns:a14="http://schemas.microsoft.com/office/drawing/2010/main" val="0"/>
-              </a:ext>
-            </a:extLst>
-          </a:blip>
-          <a:stretch>
-            <a:fillRect/>
-          </a:stretch>
-        </p:blipFill>
+      <p:sp>
+        <p:nvSpPr>
+          <p:cNvPr id="3" name="Text Placeholder 2">
+            <a:extLst>
+              <a:ext uri="{FF2B5EF4-FFF2-40B4-BE49-F238E27FC236}">
+                <a16:creationId xmlns:a16="http://schemas.microsoft.com/office/drawing/2014/main" id="{B353377E-B555-46C6-8B36-A3F2F1908DE1}"/>
+              </a:ext>
+            </a:extLst>
+          </p:cNvPr>
+          <p:cNvSpPr>
+            <a:spLocks noGrp="1"/>
+          </p:cNvSpPr>
+          <p:nvPr>
+            <p:ph type="body" sz="quarter" idx="13"/>
+          </p:nvPr>
+        </p:nvSpPr>
         <p:spPr>
           <a:xfrm>
-            <a:off x="914400" y="1165214"/>
-            <a:ext cx="7315200" cy="4756172"/>
+            <a:off x="206829" y="1384774"/>
+            <a:ext cx="1636372" cy="4711226"/>
           </a:xfrm>
-          <a:prstGeom prst="rect">
-            <a:avLst/>
-          </a:prstGeom>
         </p:spPr>
-      </p:pic>
+        <p:txBody>
+          <a:bodyPr/>
+          <a:lstStyle/>
+          <a:p>
+            <a:pPr marR="274320" lvl="0">
+              <a:spcBef>
+                <a:spcPts val="0"/>
+              </a:spcBef>
+              <a:spcAft>
+                <a:spcPts val="600"/>
+              </a:spcAft>
+            </a:pPr>
+            <a:r>
+              <a:rPr lang="en-US" spc="-10">
+                <a:ea typeface="Times New Roman" panose="02020603050405020304" pitchFamily="18" charset="0"/>
+              </a:rPr>
+              <a:t>JavaScript</a:t>
+            </a:r>
+          </a:p>
+          <a:p>
+            <a:pPr marR="274320" lvl="0">
+              <a:spcBef>
+                <a:spcPts val="0"/>
+              </a:spcBef>
+              <a:spcAft>
+                <a:spcPts val="600"/>
+              </a:spcAft>
+            </a:pPr>
+            <a:r>
+              <a:rPr lang="en-US" spc="-10">
+                <a:ea typeface="Times New Roman" panose="02020603050405020304" pitchFamily="18" charset="0"/>
+              </a:rPr>
+              <a:t>Python</a:t>
+            </a:r>
+          </a:p>
+          <a:p>
+            <a:pPr marR="274320" lvl="0">
+              <a:spcBef>
+                <a:spcPts val="0"/>
+              </a:spcBef>
+              <a:spcAft>
+                <a:spcPts val="600"/>
+              </a:spcAft>
+            </a:pPr>
+            <a:r>
+              <a:rPr lang="en-US" spc="-10">
+                <a:ea typeface="Times New Roman" panose="02020603050405020304" pitchFamily="18" charset="0"/>
+              </a:rPr>
+              <a:t>Java</a:t>
+            </a:r>
+          </a:p>
+          <a:p>
+            <a:pPr marR="274320" lvl="0">
+              <a:spcBef>
+                <a:spcPts val="0"/>
+              </a:spcBef>
+              <a:spcAft>
+                <a:spcPts val="600"/>
+              </a:spcAft>
+            </a:pPr>
+            <a:r>
+              <a:rPr lang="en-US" spc="-10">
+                <a:ea typeface="Times New Roman" panose="02020603050405020304" pitchFamily="18" charset="0"/>
+              </a:rPr>
+              <a:t>C#</a:t>
+            </a:r>
+          </a:p>
+          <a:p>
+            <a:pPr marR="274320" lvl="0">
+              <a:spcBef>
+                <a:spcPts val="0"/>
+              </a:spcBef>
+              <a:spcAft>
+                <a:spcPts val="600"/>
+              </a:spcAft>
+            </a:pPr>
+            <a:r>
+              <a:rPr lang="en-US" spc="-10"/>
+              <a:t>PHP</a:t>
+            </a:r>
+          </a:p>
+          <a:p>
+            <a:pPr marR="274320" lvl="0">
+              <a:spcBef>
+                <a:spcPts val="0"/>
+              </a:spcBef>
+              <a:spcAft>
+                <a:spcPts val="600"/>
+              </a:spcAft>
+            </a:pPr>
+            <a:r>
+              <a:rPr lang="en-US" spc="-10"/>
+              <a:t>Ruby</a:t>
+            </a:r>
+            <a:endParaRPr lang="en-US" dirty="0"/>
+          </a:p>
+        </p:txBody>
+      </p:sp>
       <p:sp>
         <p:nvSpPr>
           <p:cNvPr id="4" name="Date Placeholder 3">
             <a:extLst>
               <a:ext uri="{FF2B5EF4-FFF2-40B4-BE49-F238E27FC236}">
-                <a16:creationId xmlns:a16="http://schemas.microsoft.com/office/drawing/2014/main" id="{7F65FDBB-EAB6-409C-8F87-5A39EEF346BC}"/>
+                <a16:creationId xmlns:a16="http://schemas.microsoft.com/office/drawing/2014/main" id="{E2CFD5C7-B2F3-479C-BF5E-5E18149296E0}"/>
               </a:ext>
             </a:extLst>
           </p:cNvPr>
@@ -4899,7 +4961,7 @@
           <p:cNvPr id="5" name="Footer Placeholder 4">
             <a:extLst>
               <a:ext uri="{FF2B5EF4-FFF2-40B4-BE49-F238E27FC236}">
-                <a16:creationId xmlns:a16="http://schemas.microsoft.com/office/drawing/2014/main" id="{C842A0C8-C59F-4006-B896-14483ADBFCAC}"/>
+                <a16:creationId xmlns:a16="http://schemas.microsoft.com/office/drawing/2014/main" id="{80AECFD2-340A-465A-8608-800AC6305EFA}"/>
               </a:ext>
             </a:extLst>
           </p:cNvPr>
@@ -4931,7 +4993,7 @@
           <p:cNvPr id="6" name="Slide Number Placeholder 5">
             <a:extLst>
               <a:ext uri="{FF2B5EF4-FFF2-40B4-BE49-F238E27FC236}">
-                <a16:creationId xmlns:a16="http://schemas.microsoft.com/office/drawing/2014/main" id="{E0F97704-F1CB-4CDC-BE27-E66F5D0A7598}"/>
+                <a16:creationId xmlns:a16="http://schemas.microsoft.com/office/drawing/2014/main" id="{5DBA5C58-BB1F-48F1-A3A2-08B349621CF8}"/>
               </a:ext>
             </a:extLst>
           </p:cNvPr>
@@ -4985,10 +5047,492 @@
           </a:p>
         </p:txBody>
       </p:sp>
+      <p:sp>
+        <p:nvSpPr>
+          <p:cNvPr id="7" name="Rectangle 6">
+            <a:extLst>
+              <a:ext uri="{FF2B5EF4-FFF2-40B4-BE49-F238E27FC236}">
+                <a16:creationId xmlns:a16="http://schemas.microsoft.com/office/drawing/2014/main" id="{81ECCEF0-C96A-4D6F-8033-B84B7193AF3C}"/>
+              </a:ext>
+            </a:extLst>
+          </p:cNvPr>
+          <p:cNvSpPr/>
+          <p:nvPr/>
+        </p:nvSpPr>
+        <p:spPr>
+          <a:xfrm>
+            <a:off x="1843200" y="5868573"/>
+            <a:ext cx="7300799" cy="276999"/>
+          </a:xfrm>
+          <a:prstGeom prst="rect">
+            <a:avLst/>
+          </a:prstGeom>
+        </p:spPr>
+        <p:txBody>
+          <a:bodyPr wrap="square">
+            <a:spAutoFit/>
+          </a:bodyPr>
+          <a:lstStyle/>
+          <a:p>
+            <a:r>
+              <a:rPr lang="en-US" sz="1200">
+                <a:solidFill>
+                  <a:schemeClr val="accent2"/>
+                </a:solidFill>
+                <a:latin typeface="Consolas" panose="020B0609020204030204" pitchFamily="49" charset="0"/>
+                <a:hlinkClick r:id="rId2">
+                  <a:extLst>
+                    <a:ext uri="{A12FA001-AC4F-418D-AE19-62706E023703}">
+                      <ahyp:hlinkClr xmlns:ahyp="http://schemas.microsoft.com/office/drawing/2018/hyperlinkcolor" val="tx"/>
+                    </a:ext>
+                  </a:extLst>
+                </a:hlinkClick>
+              </a:rPr>
+              <a:t>https://insights.stackoverflow.com/survey/2020</a:t>
+            </a:r>
+            <a:endParaRPr lang="en-US" sz="1200">
+              <a:solidFill>
+                <a:schemeClr val="accent2"/>
+              </a:solidFill>
+              <a:latin typeface="Consolas" panose="020B0609020204030204" pitchFamily="49" charset="0"/>
+            </a:endParaRPr>
+          </a:p>
+        </p:txBody>
+      </p:sp>
+      <p:pic>
+        <p:nvPicPr>
+          <p:cNvPr id="8" name="Picture 7">
+            <a:extLst>
+              <a:ext uri="{FF2B5EF4-FFF2-40B4-BE49-F238E27FC236}">
+                <a16:creationId xmlns:a16="http://schemas.microsoft.com/office/drawing/2014/main" id="{83A2E4E2-A286-4A69-AEDD-3677B8B53C4B}"/>
+              </a:ext>
+            </a:extLst>
+          </p:cNvPr>
+          <p:cNvPicPr>
+            <a:picLocks noChangeAspect="1"/>
+          </p:cNvPicPr>
+          <p:nvPr/>
+        </p:nvPicPr>
+        <p:blipFill>
+          <a:blip r:embed="rId3"/>
+          <a:stretch>
+            <a:fillRect/>
+          </a:stretch>
+        </p:blipFill>
+        <p:spPr>
+          <a:xfrm>
+            <a:off x="1843201" y="1371600"/>
+            <a:ext cx="7300799" cy="4434338"/>
+          </a:xfrm>
+          <a:prstGeom prst="rect">
+            <a:avLst/>
+          </a:prstGeom>
+        </p:spPr>
+      </p:pic>
+      <p:sp>
+        <p:nvSpPr>
+          <p:cNvPr id="9" name="Rectangle 8">
+            <a:extLst>
+              <a:ext uri="{FF2B5EF4-FFF2-40B4-BE49-F238E27FC236}">
+                <a16:creationId xmlns:a16="http://schemas.microsoft.com/office/drawing/2014/main" id="{35C16594-5993-4D45-8BBA-20C6F7111336}"/>
+              </a:ext>
+            </a:extLst>
+          </p:cNvPr>
+          <p:cNvSpPr/>
+          <p:nvPr/>
+        </p:nvSpPr>
+        <p:spPr bwMode="auto">
+          <a:xfrm>
+            <a:off x="2819400" y="2209800"/>
+            <a:ext cx="649287" cy="228600"/>
+          </a:xfrm>
+          <a:prstGeom prst="rect">
+            <a:avLst/>
+          </a:prstGeom>
+          <a:noFill/>
+          <a:ln>
+            <a:solidFill>
+              <a:srgbClr val="C00000"/>
+            </a:solidFill>
+            <a:headEnd type="none" w="med" len="med"/>
+            <a:tailEnd type="none" w="med" len="med"/>
+          </a:ln>
+        </p:spPr>
+        <p:style>
+          <a:lnRef idx="2">
+            <a:schemeClr val="dk1"/>
+          </a:lnRef>
+          <a:fillRef idx="1">
+            <a:schemeClr val="lt1"/>
+          </a:fillRef>
+          <a:effectRef idx="0">
+            <a:schemeClr val="dk1"/>
+          </a:effectRef>
+          <a:fontRef idx="minor">
+            <a:schemeClr val="dk1"/>
+          </a:fontRef>
+        </p:style>
+        <p:txBody>
+          <a:bodyPr vert="horz" wrap="square" lIns="91440" tIns="45720" rIns="91440" bIns="45720" numCol="1" rtlCol="0" anchor="t" anchorCtr="0" compatLnSpc="1">
+            <a:prstTxWarp prst="textNoShape">
+              <a:avLst/>
+            </a:prstTxWarp>
+          </a:bodyPr>
+          <a:lstStyle/>
+          <a:p>
+            <a:pPr marL="0" marR="0" indent="0" algn="l" defTabSz="914400" rtl="0" eaLnBrk="0" fontAlgn="base" latinLnBrk="0" hangingPunct="0">
+              <a:lnSpc>
+                <a:spcPct val="100000"/>
+              </a:lnSpc>
+              <a:spcBef>
+                <a:spcPct val="0"/>
+              </a:spcBef>
+              <a:spcAft>
+                <a:spcPct val="0"/>
+              </a:spcAft>
+              <a:buClrTx/>
+              <a:buSzTx/>
+              <a:buFontTx/>
+              <a:buNone/>
+              <a:tabLst/>
+            </a:pPr>
+            <a:endParaRPr kumimoji="0" lang="en-US" sz="2400" b="0" i="0" u="none" strike="noStrike" cap="none" normalizeH="0" baseline="0">
+              <a:ln>
+                <a:noFill/>
+              </a:ln>
+              <a:solidFill>
+                <a:schemeClr val="tx1"/>
+              </a:solidFill>
+              <a:effectLst/>
+              <a:latin typeface="Times New Roman" pitchFamily="18" charset="0"/>
+            </a:endParaRPr>
+          </a:p>
+        </p:txBody>
+      </p:sp>
+      <p:sp>
+        <p:nvSpPr>
+          <p:cNvPr id="10" name="Rectangle 9">
+            <a:extLst>
+              <a:ext uri="{FF2B5EF4-FFF2-40B4-BE49-F238E27FC236}">
+                <a16:creationId xmlns:a16="http://schemas.microsoft.com/office/drawing/2014/main" id="{3F564286-605D-4567-B2E1-DE91EAF8E614}"/>
+              </a:ext>
+            </a:extLst>
+          </p:cNvPr>
+          <p:cNvSpPr/>
+          <p:nvPr/>
+        </p:nvSpPr>
+        <p:spPr bwMode="auto">
+          <a:xfrm>
+            <a:off x="2823754" y="2971800"/>
+            <a:ext cx="649287" cy="457200"/>
+          </a:xfrm>
+          <a:prstGeom prst="rect">
+            <a:avLst/>
+          </a:prstGeom>
+          <a:noFill/>
+          <a:ln>
+            <a:solidFill>
+              <a:srgbClr val="C00000"/>
+            </a:solidFill>
+            <a:headEnd type="none" w="med" len="med"/>
+            <a:tailEnd type="none" w="med" len="med"/>
+          </a:ln>
+        </p:spPr>
+        <p:style>
+          <a:lnRef idx="2">
+            <a:schemeClr val="dk1"/>
+          </a:lnRef>
+          <a:fillRef idx="1">
+            <a:schemeClr val="lt1"/>
+          </a:fillRef>
+          <a:effectRef idx="0">
+            <a:schemeClr val="dk1"/>
+          </a:effectRef>
+          <a:fontRef idx="minor">
+            <a:schemeClr val="dk1"/>
+          </a:fontRef>
+        </p:style>
+        <p:txBody>
+          <a:bodyPr vert="horz" wrap="square" lIns="91440" tIns="45720" rIns="91440" bIns="45720" numCol="1" rtlCol="0" anchor="t" anchorCtr="0" compatLnSpc="1">
+            <a:prstTxWarp prst="textNoShape">
+              <a:avLst/>
+            </a:prstTxWarp>
+          </a:bodyPr>
+          <a:lstStyle/>
+          <a:p>
+            <a:pPr marL="0" marR="0" indent="0" algn="l" defTabSz="914400" rtl="0" eaLnBrk="0" fontAlgn="base" latinLnBrk="0" hangingPunct="0">
+              <a:lnSpc>
+                <a:spcPct val="100000"/>
+              </a:lnSpc>
+              <a:spcBef>
+                <a:spcPct val="0"/>
+              </a:spcBef>
+              <a:spcAft>
+                <a:spcPct val="0"/>
+              </a:spcAft>
+              <a:buClrTx/>
+              <a:buSzTx/>
+              <a:buFontTx/>
+              <a:buNone/>
+              <a:tabLst/>
+            </a:pPr>
+            <a:endParaRPr kumimoji="0" lang="en-US" sz="2400" b="0" i="0" u="none" strike="noStrike" cap="none" normalizeH="0" baseline="0">
+              <a:ln>
+                <a:noFill/>
+              </a:ln>
+              <a:solidFill>
+                <a:schemeClr val="tx1"/>
+              </a:solidFill>
+              <a:effectLst/>
+              <a:latin typeface="Times New Roman" pitchFamily="18" charset="0"/>
+            </a:endParaRPr>
+          </a:p>
+        </p:txBody>
+      </p:sp>
+      <p:sp>
+        <p:nvSpPr>
+          <p:cNvPr id="11" name="Rectangle 10">
+            <a:extLst>
+              <a:ext uri="{FF2B5EF4-FFF2-40B4-BE49-F238E27FC236}">
+                <a16:creationId xmlns:a16="http://schemas.microsoft.com/office/drawing/2014/main" id="{1CF4045E-F489-4E55-978F-C6E9B3C08EBB}"/>
+              </a:ext>
+            </a:extLst>
+          </p:cNvPr>
+          <p:cNvSpPr/>
+          <p:nvPr/>
+        </p:nvSpPr>
+        <p:spPr bwMode="auto">
+          <a:xfrm>
+            <a:off x="2821826" y="3733800"/>
+            <a:ext cx="649287" cy="228600"/>
+          </a:xfrm>
+          <a:prstGeom prst="rect">
+            <a:avLst/>
+          </a:prstGeom>
+          <a:noFill/>
+          <a:ln>
+            <a:solidFill>
+              <a:srgbClr val="C00000"/>
+            </a:solidFill>
+            <a:headEnd type="none" w="med" len="med"/>
+            <a:tailEnd type="none" w="med" len="med"/>
+          </a:ln>
+        </p:spPr>
+        <p:style>
+          <a:lnRef idx="2">
+            <a:schemeClr val="dk1"/>
+          </a:lnRef>
+          <a:fillRef idx="1">
+            <a:schemeClr val="lt1"/>
+          </a:fillRef>
+          <a:effectRef idx="0">
+            <a:schemeClr val="dk1"/>
+          </a:effectRef>
+          <a:fontRef idx="minor">
+            <a:schemeClr val="dk1"/>
+          </a:fontRef>
+        </p:style>
+        <p:txBody>
+          <a:bodyPr vert="horz" wrap="square" lIns="91440" tIns="45720" rIns="91440" bIns="45720" numCol="1" rtlCol="0" anchor="t" anchorCtr="0" compatLnSpc="1">
+            <a:prstTxWarp prst="textNoShape">
+              <a:avLst/>
+            </a:prstTxWarp>
+          </a:bodyPr>
+          <a:lstStyle/>
+          <a:p>
+            <a:pPr marL="0" marR="0" indent="0" algn="l" defTabSz="914400" rtl="0" eaLnBrk="0" fontAlgn="base" latinLnBrk="0" hangingPunct="0">
+              <a:lnSpc>
+                <a:spcPct val="100000"/>
+              </a:lnSpc>
+              <a:spcBef>
+                <a:spcPct val="0"/>
+              </a:spcBef>
+              <a:spcAft>
+                <a:spcPct val="0"/>
+              </a:spcAft>
+              <a:buClrTx/>
+              <a:buSzTx/>
+              <a:buFontTx/>
+              <a:buNone/>
+              <a:tabLst/>
+            </a:pPr>
+            <a:endParaRPr kumimoji="0" lang="en-US" sz="2400" b="0" i="0" u="none" strike="noStrike" cap="none" normalizeH="0" baseline="0">
+              <a:ln>
+                <a:noFill/>
+              </a:ln>
+              <a:solidFill>
+                <a:schemeClr val="tx1"/>
+              </a:solidFill>
+              <a:effectLst/>
+              <a:latin typeface="Times New Roman" pitchFamily="18" charset="0"/>
+            </a:endParaRPr>
+          </a:p>
+        </p:txBody>
+      </p:sp>
+      <p:sp>
+        <p:nvSpPr>
+          <p:cNvPr id="12" name="Rectangle 11">
+            <a:extLst>
+              <a:ext uri="{FF2B5EF4-FFF2-40B4-BE49-F238E27FC236}">
+                <a16:creationId xmlns:a16="http://schemas.microsoft.com/office/drawing/2014/main" id="{FBF42F09-CB75-4D69-8D8C-ABE82CF7CA09}"/>
+              </a:ext>
+            </a:extLst>
+          </p:cNvPr>
+          <p:cNvSpPr/>
+          <p:nvPr/>
+        </p:nvSpPr>
+        <p:spPr bwMode="auto">
+          <a:xfrm>
+            <a:off x="2830286" y="4276746"/>
+            <a:ext cx="649287" cy="228600"/>
+          </a:xfrm>
+          <a:prstGeom prst="rect">
+            <a:avLst/>
+          </a:prstGeom>
+          <a:noFill/>
+          <a:ln>
+            <a:solidFill>
+              <a:srgbClr val="C00000"/>
+            </a:solidFill>
+            <a:headEnd type="none" w="med" len="med"/>
+            <a:tailEnd type="none" w="med" len="med"/>
+          </a:ln>
+        </p:spPr>
+        <p:style>
+          <a:lnRef idx="2">
+            <a:schemeClr val="dk1"/>
+          </a:lnRef>
+          <a:fillRef idx="1">
+            <a:schemeClr val="lt1"/>
+          </a:fillRef>
+          <a:effectRef idx="0">
+            <a:schemeClr val="dk1"/>
+          </a:effectRef>
+          <a:fontRef idx="minor">
+            <a:schemeClr val="dk1"/>
+          </a:fontRef>
+        </p:style>
+        <p:txBody>
+          <a:bodyPr vert="horz" wrap="square" lIns="91440" tIns="45720" rIns="91440" bIns="45720" numCol="1" rtlCol="0" anchor="t" anchorCtr="0" compatLnSpc="1">
+            <a:prstTxWarp prst="textNoShape">
+              <a:avLst/>
+            </a:prstTxWarp>
+          </a:bodyPr>
+          <a:lstStyle/>
+          <a:p>
+            <a:pPr marL="0" marR="0" indent="0" algn="l" defTabSz="914400" rtl="0" eaLnBrk="0" fontAlgn="base" latinLnBrk="0" hangingPunct="0">
+              <a:lnSpc>
+                <a:spcPct val="100000"/>
+              </a:lnSpc>
+              <a:spcBef>
+                <a:spcPct val="0"/>
+              </a:spcBef>
+              <a:spcAft>
+                <a:spcPct val="0"/>
+              </a:spcAft>
+              <a:buClrTx/>
+              <a:buSzTx/>
+              <a:buFontTx/>
+              <a:buNone/>
+              <a:tabLst/>
+            </a:pPr>
+            <a:endParaRPr kumimoji="0" lang="en-US" sz="2400" b="0" i="0" u="none" strike="noStrike" cap="none" normalizeH="0" baseline="0">
+              <a:ln>
+                <a:noFill/>
+              </a:ln>
+              <a:solidFill>
+                <a:schemeClr val="tx1"/>
+              </a:solidFill>
+              <a:effectLst/>
+              <a:latin typeface="Times New Roman" pitchFamily="18" charset="0"/>
+            </a:endParaRPr>
+          </a:p>
+        </p:txBody>
+      </p:sp>
+      <p:sp>
+        <p:nvSpPr>
+          <p:cNvPr id="13" name="Rectangle 12">
+            <a:extLst>
+              <a:ext uri="{FF2B5EF4-FFF2-40B4-BE49-F238E27FC236}">
+                <a16:creationId xmlns:a16="http://schemas.microsoft.com/office/drawing/2014/main" id="{E875A7B4-0309-4291-88FA-678E6AD3C287}"/>
+              </a:ext>
+            </a:extLst>
+          </p:cNvPr>
+          <p:cNvSpPr/>
+          <p:nvPr/>
+        </p:nvSpPr>
+        <p:spPr bwMode="auto">
+          <a:xfrm>
+            <a:off x="2819399" y="5537145"/>
+            <a:ext cx="649287" cy="228600"/>
+          </a:xfrm>
+          <a:prstGeom prst="rect">
+            <a:avLst/>
+          </a:prstGeom>
+          <a:noFill/>
+          <a:ln>
+            <a:solidFill>
+              <a:srgbClr val="C00000"/>
+            </a:solidFill>
+            <a:headEnd type="none" w="med" len="med"/>
+            <a:tailEnd type="none" w="med" len="med"/>
+          </a:ln>
+        </p:spPr>
+        <p:style>
+          <a:lnRef idx="2">
+            <a:schemeClr val="dk1"/>
+          </a:lnRef>
+          <a:fillRef idx="1">
+            <a:schemeClr val="lt1"/>
+          </a:fillRef>
+          <a:effectRef idx="0">
+            <a:schemeClr val="dk1"/>
+          </a:effectRef>
+          <a:fontRef idx="minor">
+            <a:schemeClr val="dk1"/>
+          </a:fontRef>
+        </p:style>
+        <p:txBody>
+          <a:bodyPr vert="horz" wrap="square" lIns="91440" tIns="45720" rIns="91440" bIns="45720" numCol="1" rtlCol="0" anchor="t" anchorCtr="0" compatLnSpc="1">
+            <a:prstTxWarp prst="textNoShape">
+              <a:avLst/>
+            </a:prstTxWarp>
+          </a:bodyPr>
+          <a:lstStyle/>
+          <a:p>
+            <a:pPr marL="0" marR="0" indent="0" algn="l" defTabSz="914400" rtl="0" eaLnBrk="0" fontAlgn="base" latinLnBrk="0" hangingPunct="0">
+              <a:lnSpc>
+                <a:spcPct val="100000"/>
+              </a:lnSpc>
+              <a:spcBef>
+                <a:spcPct val="0"/>
+              </a:spcBef>
+              <a:spcAft>
+                <a:spcPct val="0"/>
+              </a:spcAft>
+              <a:buClrTx/>
+              <a:buSzTx/>
+              <a:buFontTx/>
+              <a:buNone/>
+              <a:tabLst/>
+            </a:pPr>
+            <a:endParaRPr kumimoji="0" lang="en-US" sz="2400" b="0" i="0" u="none" strike="noStrike" cap="none" normalizeH="0" baseline="0">
+              <a:ln>
+                <a:noFill/>
+              </a:ln>
+              <a:solidFill>
+                <a:schemeClr val="tx1"/>
+              </a:solidFill>
+              <a:effectLst/>
+              <a:latin typeface="Times New Roman" pitchFamily="18" charset="0"/>
+            </a:endParaRPr>
+          </a:p>
+        </p:txBody>
+      </p:sp>
     </p:spTree>
     <p:extLst>
       <p:ext uri="{BB962C8B-B14F-4D97-AF65-F5344CB8AC3E}">
-        <p14:creationId xmlns:p14="http://schemas.microsoft.com/office/powerpoint/2010/main" val="313591992"/>
+        <p14:creationId xmlns:p14="http://schemas.microsoft.com/office/powerpoint/2010/main" val="2961775901"/>
       </p:ext>
     </p:extLst>
   </p:cSld>
@@ -5020,7 +5564,7 @@
           <p:cNvPr id="2" name="Title 1">
             <a:extLst>
               <a:ext uri="{FF2B5EF4-FFF2-40B4-BE49-F238E27FC236}">
-                <a16:creationId xmlns:a16="http://schemas.microsoft.com/office/drawing/2014/main" id="{C3FB3ED0-3535-4004-B4BC-BEEC0D2E5704}"/>
+                <a16:creationId xmlns:a16="http://schemas.microsoft.com/office/drawing/2014/main" id="{044A7D69-C600-466D-BECB-B1764291FE5E}"/>
               </a:ext>
             </a:extLst>
           </p:cNvPr>
@@ -5053,7 +5597,7 @@
                 <a:ea typeface="Times New Roman" panose="02020603050405020304" pitchFamily="18" charset="0"/>
                 <a:cs typeface="Times New Roman" panose="02020603050405020304" pitchFamily="18" charset="0"/>
               </a:rPr>
-              <a:t>How JavaScript fits into this architecture</a:t>
+              <a:t>A web page with image swaps and rollovers</a:t>
             </a:r>
             <a:endParaRPr lang="en-US" dirty="0"/>
           </a:p>
@@ -5061,30 +5605,37 @@
       </p:sp>
       <p:pic>
         <p:nvPicPr>
-          <p:cNvPr id="7" name="Content Placeholder 6" descr="See page 12 in book" title="See slide title ">
-            <a:extLst>
-              <a:ext uri="{FF2B5EF4-FFF2-40B4-BE49-F238E27FC236}">
-                <a16:creationId xmlns:a16="http://schemas.microsoft.com/office/drawing/2014/main" id="{BB375DA2-83F9-4171-9AA5-92C895387FCF}"/>
+          <p:cNvPr id="7" name="Content Placeholder 6" descr="See page 12 in book" title="See slide title">
+            <a:hlinkClick r:id="rId2"/>
+            <a:extLst>
+              <a:ext uri="{FF2B5EF4-FFF2-40B4-BE49-F238E27FC236}">
+                <a16:creationId xmlns:a16="http://schemas.microsoft.com/office/drawing/2014/main" id="{9DDFF610-99D0-48E4-9AFC-08273A6AA3A3}"/>
               </a:ext>
             </a:extLst>
           </p:cNvPr>
           <p:cNvPicPr>
-            <a:picLocks noGrp="1" noChangeAspect="1"/>
+            <a:picLocks noGrp="1"/>
           </p:cNvPicPr>
           <p:nvPr>
             <p:ph sz="quarter" idx="13"/>
           </p:nvPr>
         </p:nvPicPr>
         <p:blipFill>
-          <a:blip r:embed="rId2"/>
+          <a:blip r:embed="rId3">
+            <a:extLst>
+              <a:ext uri="{28A0092B-C50C-407E-A947-70E740481C1C}">
+                <a14:useLocalDpi xmlns:a14="http://schemas.microsoft.com/office/drawing/2010/main" val="0"/>
+              </a:ext>
+            </a:extLst>
+          </a:blip>
           <a:stretch>
             <a:fillRect/>
           </a:stretch>
         </p:blipFill>
         <p:spPr>
           <a:xfrm>
-            <a:off x="762000" y="1226316"/>
-            <a:ext cx="5504762" cy="1619048"/>
+            <a:off x="914400" y="1165214"/>
+            <a:ext cx="7315200" cy="4756172"/>
           </a:xfrm>
           <a:prstGeom prst="rect">
             <a:avLst/>
@@ -5096,7 +5647,7 @@
           <p:cNvPr id="4" name="Date Placeholder 3">
             <a:extLst>
               <a:ext uri="{FF2B5EF4-FFF2-40B4-BE49-F238E27FC236}">
-                <a16:creationId xmlns:a16="http://schemas.microsoft.com/office/drawing/2014/main" id="{460C13D0-D53D-4770-B3E5-CF91336FFC23}"/>
+                <a16:creationId xmlns:a16="http://schemas.microsoft.com/office/drawing/2014/main" id="{7F65FDBB-EAB6-409C-8F87-5A39EEF346BC}"/>
               </a:ext>
             </a:extLst>
           </p:cNvPr>
@@ -5128,7 +5679,7 @@
           <p:cNvPr id="5" name="Footer Placeholder 4">
             <a:extLst>
               <a:ext uri="{FF2B5EF4-FFF2-40B4-BE49-F238E27FC236}">
-                <a16:creationId xmlns:a16="http://schemas.microsoft.com/office/drawing/2014/main" id="{5B402D6D-80B4-4865-8B67-8F7664681AFB}"/>
+                <a16:creationId xmlns:a16="http://schemas.microsoft.com/office/drawing/2014/main" id="{C842A0C8-C59F-4006-B896-14483ADBFCAC}"/>
               </a:ext>
             </a:extLst>
           </p:cNvPr>
@@ -5160,7 +5711,7 @@
           <p:cNvPr id="6" name="Slide Number Placeholder 5">
             <a:extLst>
               <a:ext uri="{FF2B5EF4-FFF2-40B4-BE49-F238E27FC236}">
-                <a16:creationId xmlns:a16="http://schemas.microsoft.com/office/drawing/2014/main" id="{C1F99BE0-53F1-4DF9-B543-1AF70AD3D10D}"/>
+                <a16:creationId xmlns:a16="http://schemas.microsoft.com/office/drawing/2014/main" id="{E0F97704-F1CB-4CDC-BE27-E66F5D0A7598}"/>
               </a:ext>
             </a:extLst>
           </p:cNvPr>
@@ -5217,7 +5768,7 @@
     </p:spTree>
     <p:extLst>
       <p:ext uri="{BB962C8B-B14F-4D97-AF65-F5344CB8AC3E}">
-        <p14:creationId xmlns:p14="http://schemas.microsoft.com/office/powerpoint/2010/main" val="2652190499"/>
+        <p14:creationId xmlns:p14="http://schemas.microsoft.com/office/powerpoint/2010/main" val="313591992"/>
       </p:ext>
     </p:extLst>
   </p:cSld>
@@ -5249,7 +5800,7 @@
           <p:cNvPr id="2" name="Title 1">
             <a:extLst>
               <a:ext uri="{FF2B5EF4-FFF2-40B4-BE49-F238E27FC236}">
-                <a16:creationId xmlns:a16="http://schemas.microsoft.com/office/drawing/2014/main" id="{EBB03A92-9D2A-4AA9-ADAD-471A5BAE3061}"/>
+                <a16:creationId xmlns:a16="http://schemas.microsoft.com/office/drawing/2014/main" id="{C3FB3ED0-3535-4004-B4BC-BEEC0D2E5704}"/>
               </a:ext>
             </a:extLst>
           </p:cNvPr>
@@ -5282,100 +5833,50 @@
                 <a:ea typeface="Times New Roman" panose="02020603050405020304" pitchFamily="18" charset="0"/>
                 <a:cs typeface="Times New Roman" panose="02020603050405020304" pitchFamily="18" charset="0"/>
               </a:rPr>
-              <a:t>Three of the common uses of JavaScript</a:t>
+              <a:t>How JavaScript fits into this architecture</a:t>
             </a:r>
             <a:endParaRPr lang="en-US" dirty="0"/>
           </a:p>
         </p:txBody>
       </p:sp>
-      <p:sp>
-        <p:nvSpPr>
-          <p:cNvPr id="3" name="Text Placeholder 2">
-            <a:extLst>
-              <a:ext uri="{FF2B5EF4-FFF2-40B4-BE49-F238E27FC236}">
-                <a16:creationId xmlns:a16="http://schemas.microsoft.com/office/drawing/2014/main" id="{5BF7308F-71FA-4166-B483-EED2164CBC62}"/>
-              </a:ext>
-            </a:extLst>
-          </p:cNvPr>
-          <p:cNvSpPr>
-            <a:spLocks noGrp="1"/>
-          </p:cNvSpPr>
-          <p:nvPr>
-            <p:ph type="body" sz="quarter" idx="13"/>
-          </p:nvPr>
-        </p:nvSpPr>
-        <p:spPr/>
-        <p:txBody>
-          <a:bodyPr/>
-          <a:lstStyle/>
-          <a:p>
-            <a:pPr marL="342900" marR="274320" lvl="0" indent="-342900">
-              <a:spcBef>
-                <a:spcPts val="0"/>
-              </a:spcBef>
-              <a:spcAft>
-                <a:spcPts val="600"/>
-              </a:spcAft>
-              <a:buFont typeface="Symbol" panose="05050102010706020507" pitchFamily="18" charset="2"/>
-              <a:buChar char=""/>
-            </a:pPr>
-            <a:r>
-              <a:rPr lang="en-US" spc="-10" dirty="0">
-                <a:latin typeface="Times New Roman" panose="02020603050405020304" pitchFamily="18" charset="0"/>
-                <a:ea typeface="Times New Roman" panose="02020603050405020304" pitchFamily="18" charset="0"/>
-              </a:rPr>
-              <a:t>Data validation</a:t>
-            </a:r>
-          </a:p>
-          <a:p>
-            <a:pPr marL="342900" marR="274320" lvl="0" indent="-342900">
-              <a:spcBef>
-                <a:spcPts val="0"/>
-              </a:spcBef>
-              <a:spcAft>
-                <a:spcPts val="600"/>
-              </a:spcAft>
-              <a:buFont typeface="Symbol" panose="05050102010706020507" pitchFamily="18" charset="2"/>
-              <a:buChar char=""/>
-            </a:pPr>
-            <a:r>
-              <a:rPr lang="en-US" spc="-10" dirty="0">
-                <a:latin typeface="Times New Roman" panose="02020603050405020304" pitchFamily="18" charset="0"/>
-                <a:ea typeface="Times New Roman" panose="02020603050405020304" pitchFamily="18" charset="0"/>
-              </a:rPr>
-              <a:t>Image swaps and rollovers</a:t>
-            </a:r>
-          </a:p>
-          <a:p>
-            <a:pPr marL="342900" marR="274320" lvl="0" indent="-342900">
-              <a:spcBef>
-                <a:spcPts val="0"/>
-              </a:spcBef>
-              <a:spcAft>
-                <a:spcPts val="600"/>
-              </a:spcAft>
-              <a:buFont typeface="Symbol" panose="05050102010706020507" pitchFamily="18" charset="2"/>
-              <a:buChar char=""/>
-            </a:pPr>
-            <a:r>
-              <a:rPr lang="en-US" spc="-10" dirty="0">
-                <a:latin typeface="Times New Roman" panose="02020603050405020304" pitchFamily="18" charset="0"/>
-                <a:ea typeface="Times New Roman" panose="02020603050405020304" pitchFamily="18" charset="0"/>
-              </a:rPr>
-              <a:t>Accordions</a:t>
-            </a:r>
-          </a:p>
-          <a:p>
-            <a:endParaRPr lang="en-US" dirty="0"/>
-          </a:p>
-        </p:txBody>
-      </p:sp>
+      <p:pic>
+        <p:nvPicPr>
+          <p:cNvPr id="7" name="Content Placeholder 6" descr="See page 12 in book" title="See slide title ">
+            <a:extLst>
+              <a:ext uri="{FF2B5EF4-FFF2-40B4-BE49-F238E27FC236}">
+                <a16:creationId xmlns:a16="http://schemas.microsoft.com/office/drawing/2014/main" id="{BB375DA2-83F9-4171-9AA5-92C895387FCF}"/>
+              </a:ext>
+            </a:extLst>
+          </p:cNvPr>
+          <p:cNvPicPr>
+            <a:picLocks noGrp="1" noChangeAspect="1"/>
+          </p:cNvPicPr>
+          <p:nvPr>
+            <p:ph sz="quarter" idx="13"/>
+          </p:nvPr>
+        </p:nvPicPr>
+        <p:blipFill>
+          <a:blip r:embed="rId2"/>
+          <a:stretch>
+            <a:fillRect/>
+          </a:stretch>
+        </p:blipFill>
+        <p:spPr>
+          <a:xfrm>
+            <a:off x="762000" y="1226316"/>
+            <a:ext cx="5504762" cy="1619048"/>
+          </a:xfrm>
+          <a:prstGeom prst="rect">
+            <a:avLst/>
+          </a:prstGeom>
+        </p:spPr>
+      </p:pic>
       <p:sp>
         <p:nvSpPr>
           <p:cNvPr id="4" name="Date Placeholder 3">
             <a:extLst>
               <a:ext uri="{FF2B5EF4-FFF2-40B4-BE49-F238E27FC236}">
-                <a16:creationId xmlns:a16="http://schemas.microsoft.com/office/drawing/2014/main" id="{5AC8D40C-6C7C-4A69-9E75-AD7EDEAFFC9E}"/>
+                <a16:creationId xmlns:a16="http://schemas.microsoft.com/office/drawing/2014/main" id="{460C13D0-D53D-4770-B3E5-CF91336FFC23}"/>
               </a:ext>
             </a:extLst>
           </p:cNvPr>
@@ -5407,7 +5908,7 @@
           <p:cNvPr id="5" name="Footer Placeholder 4">
             <a:extLst>
               <a:ext uri="{FF2B5EF4-FFF2-40B4-BE49-F238E27FC236}">
-                <a16:creationId xmlns:a16="http://schemas.microsoft.com/office/drawing/2014/main" id="{BF6A7A0B-2669-4EDF-BD63-266E4980E3C3}"/>
+                <a16:creationId xmlns:a16="http://schemas.microsoft.com/office/drawing/2014/main" id="{5B402D6D-80B4-4865-8B67-8F7664681AFB}"/>
               </a:ext>
             </a:extLst>
           </p:cNvPr>
@@ -5439,7 +5940,7 @@
           <p:cNvPr id="6" name="Slide Number Placeholder 5">
             <a:extLst>
               <a:ext uri="{FF2B5EF4-FFF2-40B4-BE49-F238E27FC236}">
-                <a16:creationId xmlns:a16="http://schemas.microsoft.com/office/drawing/2014/main" id="{801B51FD-DE7D-4667-9195-A012263DD18B}"/>
+                <a16:creationId xmlns:a16="http://schemas.microsoft.com/office/drawing/2014/main" id="{C1F99BE0-53F1-4DF9-B543-1AF70AD3D10D}"/>
               </a:ext>
             </a:extLst>
           </p:cNvPr>
@@ -5496,7 +5997,7 @@
     </p:spTree>
     <p:extLst>
       <p:ext uri="{BB962C8B-B14F-4D97-AF65-F5344CB8AC3E}">
-        <p14:creationId xmlns:p14="http://schemas.microsoft.com/office/powerpoint/2010/main" val="3274102528"/>
+        <p14:creationId xmlns:p14="http://schemas.microsoft.com/office/powerpoint/2010/main" val="2652190499"/>
       </p:ext>
     </p:extLst>
   </p:cSld>
@@ -5528,7 +6029,7 @@
           <p:cNvPr id="2" name="Title 1">
             <a:extLst>
               <a:ext uri="{FF2B5EF4-FFF2-40B4-BE49-F238E27FC236}">
-                <a16:creationId xmlns:a16="http://schemas.microsoft.com/office/drawing/2014/main" id="{5E9C0548-8B7C-493D-8FD7-212D42FAA904}"/>
+                <a16:creationId xmlns:a16="http://schemas.microsoft.com/office/drawing/2014/main" id="{EBB03A92-9D2A-4AA9-ADAD-471A5BAE3061}"/>
               </a:ext>
             </a:extLst>
           </p:cNvPr>
@@ -5556,12 +6057,20 @@
               </a:tabLst>
             </a:pPr>
             <a:r>
+              <a:rPr lang="en-US">
+                <a:latin typeface="Arial" panose="020B0604020202020204" pitchFamily="34" charset="0"/>
+                <a:ea typeface="Times New Roman" panose="02020603050405020304" pitchFamily="18" charset="0"/>
+                <a:cs typeface="Times New Roman" panose="02020603050405020304" pitchFamily="18" charset="0"/>
+              </a:rPr>
+              <a:t>Common </a:t>
+            </a:r>
+            <a:r>
               <a:rPr lang="en-US" dirty="0">
                 <a:latin typeface="Arial" panose="020B0604020202020204" pitchFamily="34" charset="0"/>
                 <a:ea typeface="Times New Roman" panose="02020603050405020304" pitchFamily="18" charset="0"/>
                 <a:cs typeface="Times New Roman" panose="02020603050405020304" pitchFamily="18" charset="0"/>
               </a:rPr>
-              <a:t>The code for an HTML file </a:t>
+              <a:t>uses of JavaScript</a:t>
             </a:r>
             <a:endParaRPr lang="en-US" dirty="0"/>
           </a:p>
@@ -5572,7 +6081,7 @@
           <p:cNvPr id="3" name="Text Placeholder 2">
             <a:extLst>
               <a:ext uri="{FF2B5EF4-FFF2-40B4-BE49-F238E27FC236}">
-                <a16:creationId xmlns:a16="http://schemas.microsoft.com/office/drawing/2014/main" id="{96BA047C-C9C7-4F99-93F0-21450D625C38}"/>
+                <a16:creationId xmlns:a16="http://schemas.microsoft.com/office/drawing/2014/main" id="{5BF7308F-71FA-4166-B483-EED2164CBC62}"/>
               </a:ext>
             </a:extLst>
           </p:cNvPr>
@@ -5588,380 +6097,110 @@
           <a:bodyPr/>
           <a:lstStyle/>
           <a:p>
-            <a:pPr marL="347345" marR="0">
-              <a:spcBef>
-                <a:spcPts val="0"/>
-              </a:spcBef>
-              <a:spcAft>
-                <a:spcPts val="0"/>
-              </a:spcAft>
-              <a:tabLst>
-                <a:tab pos="1371600" algn="l"/>
-              </a:tabLst>
-            </a:pPr>
-            <a:r>
-              <a:rPr lang="en-US" sz="1600" b="1">
-                <a:latin typeface="Courier New" panose="02070309020205020404" pitchFamily="49" charset="0"/>
-                <a:ea typeface="Times New Roman" panose="02020603050405020304" pitchFamily="18" charset="0"/>
-                <a:cs typeface="Times New Roman" panose="02020603050405020304" pitchFamily="18" charset="0"/>
-              </a:rPr>
-              <a:t>&lt;!DOCTYPE </a:t>
-            </a:r>
-            <a:r>
-              <a:rPr lang="en-US" sz="1600" b="1" dirty="0">
-                <a:latin typeface="Courier New" panose="02070309020205020404" pitchFamily="49" charset="0"/>
-                <a:ea typeface="Times New Roman" panose="02020603050405020304" pitchFamily="18" charset="0"/>
-                <a:cs typeface="Times New Roman" panose="02020603050405020304" pitchFamily="18" charset="0"/>
-              </a:rPr>
-              <a:t>html&gt;</a:t>
-            </a:r>
-          </a:p>
-          <a:p>
-            <a:pPr marL="347345" marR="0">
-              <a:spcBef>
-                <a:spcPts val="0"/>
-              </a:spcBef>
-              <a:spcAft>
-                <a:spcPts val="0"/>
-              </a:spcAft>
-              <a:tabLst>
-                <a:tab pos="1371600" algn="l"/>
-              </a:tabLst>
-            </a:pPr>
-            <a:r>
-              <a:rPr lang="en-US" sz="1600" b="1" dirty="0">
-                <a:latin typeface="Courier New" panose="02070309020205020404" pitchFamily="49" charset="0"/>
-                <a:ea typeface="Times New Roman" panose="02020603050405020304" pitchFamily="18" charset="0"/>
-                <a:cs typeface="Times New Roman" panose="02020603050405020304" pitchFamily="18" charset="0"/>
-              </a:rPr>
-              <a:t>&lt;html </a:t>
-            </a:r>
-            <a:r>
-              <a:rPr lang="en-US" sz="1600" b="1" dirty="0" err="1">
-                <a:latin typeface="Courier New" panose="02070309020205020404" pitchFamily="49" charset="0"/>
-                <a:ea typeface="Times New Roman" panose="02020603050405020304" pitchFamily="18" charset="0"/>
-                <a:cs typeface="Times New Roman" panose="02020603050405020304" pitchFamily="18" charset="0"/>
-              </a:rPr>
-              <a:t>lang</a:t>
-            </a:r>
-            <a:r>
-              <a:rPr lang="en-US" sz="1600" b="1" dirty="0">
-                <a:latin typeface="Courier New" panose="02070309020205020404" pitchFamily="49" charset="0"/>
-                <a:ea typeface="Times New Roman" panose="02020603050405020304" pitchFamily="18" charset="0"/>
-                <a:cs typeface="Times New Roman" panose="02020603050405020304" pitchFamily="18" charset="0"/>
-              </a:rPr>
-              <a:t>="</a:t>
-            </a:r>
-            <a:r>
-              <a:rPr lang="en-US" sz="1600" b="1" dirty="0" err="1">
-                <a:latin typeface="Courier New" panose="02070309020205020404" pitchFamily="49" charset="0"/>
-                <a:ea typeface="Times New Roman" panose="02020603050405020304" pitchFamily="18" charset="0"/>
-                <a:cs typeface="Times New Roman" panose="02020603050405020304" pitchFamily="18" charset="0"/>
-              </a:rPr>
-              <a:t>en</a:t>
-            </a:r>
-            <a:r>
-              <a:rPr lang="en-US" sz="1600" b="1" dirty="0">
-                <a:latin typeface="Courier New" panose="02070309020205020404" pitchFamily="49" charset="0"/>
-                <a:ea typeface="Times New Roman" panose="02020603050405020304" pitchFamily="18" charset="0"/>
-                <a:cs typeface="Times New Roman" panose="02020603050405020304" pitchFamily="18" charset="0"/>
-              </a:rPr>
-              <a:t>"&gt;</a:t>
-            </a:r>
-          </a:p>
-          <a:p>
-            <a:pPr marL="347345" marR="0">
-              <a:spcBef>
-                <a:spcPts val="0"/>
-              </a:spcBef>
-              <a:spcAft>
-                <a:spcPts val="0"/>
-              </a:spcAft>
-              <a:tabLst>
-                <a:tab pos="1371600" algn="l"/>
-              </a:tabLst>
-            </a:pPr>
-            <a:r>
-              <a:rPr lang="en-US" sz="1600" b="1" dirty="0">
-                <a:latin typeface="Courier New" panose="02070309020205020404" pitchFamily="49" charset="0"/>
-                <a:ea typeface="Times New Roman" panose="02020603050405020304" pitchFamily="18" charset="0"/>
-                <a:cs typeface="Times New Roman" panose="02020603050405020304" pitchFamily="18" charset="0"/>
-              </a:rPr>
-              <a:t>    &lt;head&gt;</a:t>
-            </a:r>
-          </a:p>
-          <a:p>
-            <a:pPr marL="347345" marR="0">
-              <a:spcBef>
-                <a:spcPts val="0"/>
-              </a:spcBef>
-              <a:spcAft>
-                <a:spcPts val="0"/>
-              </a:spcAft>
-              <a:tabLst>
-                <a:tab pos="1371600" algn="l"/>
-              </a:tabLst>
-            </a:pPr>
-            <a:r>
-              <a:rPr lang="en-US" sz="1600" b="1" dirty="0">
-                <a:latin typeface="Courier New" panose="02070309020205020404" pitchFamily="49" charset="0"/>
-                <a:ea typeface="Times New Roman" panose="02020603050405020304" pitchFamily="18" charset="0"/>
-                <a:cs typeface="Times New Roman" panose="02020603050405020304" pitchFamily="18" charset="0"/>
-              </a:rPr>
-              <a:t>        &lt;meta charset="utf-8"&gt;</a:t>
-            </a:r>
-          </a:p>
-          <a:p>
-            <a:pPr marL="347345" marR="0">
-              <a:spcBef>
-                <a:spcPts val="0"/>
-              </a:spcBef>
-              <a:spcAft>
-                <a:spcPts val="0"/>
-              </a:spcAft>
-              <a:tabLst>
-                <a:tab pos="1371600" algn="l"/>
-              </a:tabLst>
-            </a:pPr>
-            <a:r>
-              <a:rPr lang="en-US" sz="1600" b="1" dirty="0">
-                <a:latin typeface="Courier New" panose="02070309020205020404" pitchFamily="49" charset="0"/>
-                <a:ea typeface="Times New Roman" panose="02020603050405020304" pitchFamily="18" charset="0"/>
-                <a:cs typeface="Times New Roman" panose="02020603050405020304" pitchFamily="18" charset="0"/>
-              </a:rPr>
-              <a:t>        &lt;title&gt;JavaScript and jQuery book&lt;/title&gt;</a:t>
-            </a:r>
-          </a:p>
-          <a:p>
-            <a:pPr marL="347345" marR="0">
-              <a:spcBef>
-                <a:spcPts val="0"/>
-              </a:spcBef>
-              <a:spcAft>
-                <a:spcPts val="0"/>
-              </a:spcAft>
-              <a:tabLst>
-                <a:tab pos="1371600" algn="l"/>
-              </a:tabLst>
-            </a:pPr>
-            <a:r>
-              <a:rPr lang="en-US" sz="1600" b="1" dirty="0">
-                <a:latin typeface="Courier New" panose="02070309020205020404" pitchFamily="49" charset="0"/>
-                <a:ea typeface="Times New Roman" panose="02020603050405020304" pitchFamily="18" charset="0"/>
-                <a:cs typeface="Times New Roman" panose="02020603050405020304" pitchFamily="18" charset="0"/>
-              </a:rPr>
-              <a:t>    &lt;/head&gt;</a:t>
-            </a:r>
-          </a:p>
-          <a:p>
-            <a:pPr marL="347345" marR="0">
-              <a:spcBef>
-                <a:spcPts val="0"/>
-              </a:spcBef>
-              <a:spcAft>
-                <a:spcPts val="0"/>
-              </a:spcAft>
-              <a:tabLst>
-                <a:tab pos="1371600" algn="l"/>
-              </a:tabLst>
-            </a:pPr>
-            <a:r>
-              <a:rPr lang="en-US" sz="1600" b="1" dirty="0">
-                <a:latin typeface="Courier New" panose="02070309020205020404" pitchFamily="49" charset="0"/>
-                <a:ea typeface="Times New Roman" panose="02020603050405020304" pitchFamily="18" charset="0"/>
-                <a:cs typeface="Times New Roman" panose="02020603050405020304" pitchFamily="18" charset="0"/>
-              </a:rPr>
-              <a:t>    &lt;body&gt;</a:t>
-            </a:r>
-          </a:p>
-          <a:p>
-            <a:pPr marL="347345" marR="0">
-              <a:spcBef>
-                <a:spcPts val="0"/>
-              </a:spcBef>
-              <a:spcAft>
-                <a:spcPts val="0"/>
-              </a:spcAft>
-              <a:tabLst>
-                <a:tab pos="1371600" algn="l"/>
-              </a:tabLst>
-            </a:pPr>
-            <a:r>
-              <a:rPr lang="en-US" sz="1600" b="1" dirty="0">
-                <a:latin typeface="Courier New" panose="02070309020205020404" pitchFamily="49" charset="0"/>
-                <a:ea typeface="Times New Roman" panose="02020603050405020304" pitchFamily="18" charset="0"/>
-                <a:cs typeface="Times New Roman" panose="02020603050405020304" pitchFamily="18" charset="0"/>
-              </a:rPr>
-              <a:t>        &lt;h1&gt;JavaScript and jQuery (3rd Edition)&lt;/h1&gt;</a:t>
-            </a:r>
-          </a:p>
-          <a:p>
-            <a:pPr marL="347345" marR="0">
-              <a:spcBef>
-                <a:spcPts val="0"/>
-              </a:spcBef>
-              <a:spcAft>
-                <a:spcPts val="0"/>
-              </a:spcAft>
-              <a:tabLst>
-                <a:tab pos="1371600" algn="l"/>
-              </a:tabLst>
-            </a:pPr>
-            <a:r>
-              <a:rPr lang="en-US" sz="1600" b="1" dirty="0">
-                <a:latin typeface="Courier New" panose="02070309020205020404" pitchFamily="49" charset="0"/>
-                <a:ea typeface="Times New Roman" panose="02020603050405020304" pitchFamily="18" charset="0"/>
-                <a:cs typeface="Times New Roman" panose="02020603050405020304" pitchFamily="18" charset="0"/>
-              </a:rPr>
-              <a:t>        &lt;</a:t>
-            </a:r>
-            <a:r>
-              <a:rPr lang="en-US" sz="1600" b="1" dirty="0" err="1">
-                <a:latin typeface="Courier New" panose="02070309020205020404" pitchFamily="49" charset="0"/>
-                <a:ea typeface="Times New Roman" panose="02020603050405020304" pitchFamily="18" charset="0"/>
-                <a:cs typeface="Times New Roman" panose="02020603050405020304" pitchFamily="18" charset="0"/>
-              </a:rPr>
-              <a:t>img</a:t>
-            </a:r>
-            <a:r>
-              <a:rPr lang="en-US" sz="1600" b="1" dirty="0">
-                <a:latin typeface="Courier New" panose="02070309020205020404" pitchFamily="49" charset="0"/>
-                <a:ea typeface="Times New Roman" panose="02020603050405020304" pitchFamily="18" charset="0"/>
-                <a:cs typeface="Times New Roman" panose="02020603050405020304" pitchFamily="18" charset="0"/>
-              </a:rPr>
-              <a:t> </a:t>
-            </a:r>
-            <a:r>
-              <a:rPr lang="en-US" sz="1600" b="1" dirty="0" err="1">
-                <a:latin typeface="Courier New" panose="02070309020205020404" pitchFamily="49" charset="0"/>
-                <a:ea typeface="Times New Roman" panose="02020603050405020304" pitchFamily="18" charset="0"/>
-                <a:cs typeface="Times New Roman" panose="02020603050405020304" pitchFamily="18" charset="0"/>
-              </a:rPr>
-              <a:t>src</a:t>
-            </a:r>
-            <a:r>
-              <a:rPr lang="en-US" sz="1600" b="1" dirty="0">
-                <a:latin typeface="Courier New" panose="02070309020205020404" pitchFamily="49" charset="0"/>
-                <a:ea typeface="Times New Roman" panose="02020603050405020304" pitchFamily="18" charset="0"/>
-                <a:cs typeface="Times New Roman" panose="02020603050405020304" pitchFamily="18" charset="0"/>
-              </a:rPr>
-              <a:t>="javascript_jquery.jpg" </a:t>
-            </a:r>
-            <a:br>
-              <a:rPr lang="en-US" sz="1600" b="1" dirty="0">
-                <a:latin typeface="Courier New" panose="02070309020205020404" pitchFamily="49" charset="0"/>
-                <a:ea typeface="Times New Roman" panose="02020603050405020304" pitchFamily="18" charset="0"/>
-                <a:cs typeface="Times New Roman" panose="02020603050405020304" pitchFamily="18" charset="0"/>
-              </a:rPr>
-            </a:br>
-            <a:r>
-              <a:rPr lang="en-US" sz="1600" b="1" dirty="0">
-                <a:latin typeface="Courier New" panose="02070309020205020404" pitchFamily="49" charset="0"/>
-                <a:ea typeface="Times New Roman" panose="02020603050405020304" pitchFamily="18" charset="0"/>
-                <a:cs typeface="Times New Roman" panose="02020603050405020304" pitchFamily="18" charset="0"/>
-              </a:rPr>
-              <a:t>             alt="JavaScript and jQuery Book"&gt;</a:t>
-            </a:r>
-          </a:p>
-          <a:p>
-            <a:pPr marL="347345" marR="0">
-              <a:spcBef>
-                <a:spcPts val="0"/>
-              </a:spcBef>
-              <a:spcAft>
-                <a:spcPts val="0"/>
-              </a:spcAft>
-              <a:tabLst>
-                <a:tab pos="1371600" algn="l"/>
-              </a:tabLst>
-            </a:pPr>
-            <a:r>
-              <a:rPr lang="en-US" sz="1600" b="1" dirty="0">
-                <a:latin typeface="Courier New" panose="02070309020205020404" pitchFamily="49" charset="0"/>
-                <a:ea typeface="Times New Roman" panose="02020603050405020304" pitchFamily="18" charset="0"/>
-                <a:cs typeface="Times New Roman" panose="02020603050405020304" pitchFamily="18" charset="0"/>
-              </a:rPr>
-              <a:t>        &lt;p&gt;Today, ... does best.&lt;/p&gt;</a:t>
-            </a:r>
-          </a:p>
-          <a:p>
-            <a:pPr marL="347345" marR="0">
-              <a:spcBef>
-                <a:spcPts val="0"/>
-              </a:spcBef>
-              <a:spcAft>
-                <a:spcPts val="0"/>
-              </a:spcAft>
-              <a:tabLst>
-                <a:tab pos="1371600" algn="l"/>
-              </a:tabLst>
-            </a:pPr>
-            <a:r>
-              <a:rPr lang="en-US" sz="1600" b="1" dirty="0">
-                <a:latin typeface="Courier New" panose="02070309020205020404" pitchFamily="49" charset="0"/>
-                <a:ea typeface="Times New Roman" panose="02020603050405020304" pitchFamily="18" charset="0"/>
-                <a:cs typeface="Times New Roman" panose="02020603050405020304" pitchFamily="18" charset="0"/>
-              </a:rPr>
-              <a:t>        &lt;p&gt;Now, ... &lt;a </a:t>
-            </a:r>
-            <a:r>
-              <a:rPr lang="en-US" sz="1600" b="1" dirty="0" err="1">
-                <a:latin typeface="Courier New" panose="02070309020205020404" pitchFamily="49" charset="0"/>
-                <a:ea typeface="Times New Roman" panose="02020603050405020304" pitchFamily="18" charset="0"/>
-                <a:cs typeface="Times New Roman" panose="02020603050405020304" pitchFamily="18" charset="0"/>
-              </a:rPr>
-              <a:t>href</a:t>
-            </a:r>
-            <a:r>
-              <a:rPr lang="en-US" sz="1600" b="1" dirty="0">
-                <a:latin typeface="Courier New" panose="02070309020205020404" pitchFamily="49" charset="0"/>
-                <a:ea typeface="Times New Roman" panose="02020603050405020304" pitchFamily="18" charset="0"/>
-                <a:cs typeface="Times New Roman" panose="02020603050405020304" pitchFamily="18" charset="0"/>
-              </a:rPr>
-              <a:t>=""&gt;read more...&lt;/a&gt;&lt;/p&gt;</a:t>
-            </a:r>
-          </a:p>
-          <a:p>
-            <a:pPr marL="347345" marR="0">
-              <a:spcBef>
-                <a:spcPts val="0"/>
-              </a:spcBef>
-              <a:spcAft>
-                <a:spcPts val="0"/>
-              </a:spcAft>
-              <a:tabLst>
-                <a:tab pos="1371600" algn="l"/>
-              </a:tabLst>
-            </a:pPr>
-            <a:r>
-              <a:rPr lang="en-US" sz="1600" b="1" dirty="0">
-                <a:latin typeface="Courier New" panose="02070309020205020404" pitchFamily="49" charset="0"/>
-                <a:ea typeface="Times New Roman" panose="02020603050405020304" pitchFamily="18" charset="0"/>
-                <a:cs typeface="Times New Roman" panose="02020603050405020304" pitchFamily="18" charset="0"/>
-              </a:rPr>
-              <a:t>    &lt;/body&gt;</a:t>
-            </a:r>
-          </a:p>
-          <a:p>
-            <a:pPr marL="347345" marR="0">
-              <a:spcBef>
-                <a:spcPts val="0"/>
-              </a:spcBef>
-              <a:spcAft>
-                <a:spcPts val="0"/>
-              </a:spcAft>
-              <a:tabLst>
-                <a:tab pos="1371600" algn="l"/>
-              </a:tabLst>
-            </a:pPr>
-            <a:r>
-              <a:rPr lang="en-US" sz="1600" b="1" dirty="0">
-                <a:latin typeface="Courier New" panose="02070309020205020404" pitchFamily="49" charset="0"/>
-                <a:ea typeface="Times New Roman" panose="02020603050405020304" pitchFamily="18" charset="0"/>
-                <a:cs typeface="Times New Roman" panose="02020603050405020304" pitchFamily="18" charset="0"/>
-              </a:rPr>
-              <a:t>&lt;/html&gt;</a:t>
-            </a:r>
+            <a:pPr marL="342900" marR="274320" lvl="0" indent="-342900">
+              <a:spcBef>
+                <a:spcPts val="0"/>
+              </a:spcBef>
+              <a:spcAft>
+                <a:spcPts val="600"/>
+              </a:spcAft>
+              <a:buFont typeface="Symbol" panose="05050102010706020507" pitchFamily="18" charset="2"/>
+              <a:buChar char=""/>
+            </a:pPr>
+            <a:r>
+              <a:rPr lang="en-US" spc="-10">
+                <a:latin typeface="Times New Roman" panose="02020603050405020304" pitchFamily="18" charset="0"/>
+                <a:ea typeface="Times New Roman" panose="02020603050405020304" pitchFamily="18" charset="0"/>
+              </a:rPr>
+              <a:t>Interactivity</a:t>
+            </a:r>
+          </a:p>
+          <a:p>
+            <a:pPr marL="342900" marR="274320" lvl="0" indent="-342900">
+              <a:spcBef>
+                <a:spcPts val="0"/>
+              </a:spcBef>
+              <a:spcAft>
+                <a:spcPts val="600"/>
+              </a:spcAft>
+              <a:buFont typeface="Symbol" panose="05050102010706020507" pitchFamily="18" charset="2"/>
+              <a:buChar char=""/>
+            </a:pPr>
+            <a:r>
+              <a:rPr lang="en-US" spc="-10">
+                <a:latin typeface="Times New Roman" panose="02020603050405020304" pitchFamily="18" charset="0"/>
+                <a:ea typeface="Times New Roman" panose="02020603050405020304" pitchFamily="18" charset="0"/>
+              </a:rPr>
+              <a:t>Data validation</a:t>
+            </a:r>
+          </a:p>
+          <a:p>
+            <a:pPr marL="342900" marR="274320" lvl="0" indent="-342900">
+              <a:spcBef>
+                <a:spcPts val="0"/>
+              </a:spcBef>
+              <a:spcAft>
+                <a:spcPts val="600"/>
+              </a:spcAft>
+              <a:buFont typeface="Symbol" panose="05050102010706020507" pitchFamily="18" charset="2"/>
+              <a:buChar char=""/>
+            </a:pPr>
+            <a:r>
+              <a:rPr lang="en-US" spc="-10">
+                <a:latin typeface="Times New Roman" panose="02020603050405020304" pitchFamily="18" charset="0"/>
+                <a:ea typeface="Times New Roman" panose="02020603050405020304" pitchFamily="18" charset="0"/>
+              </a:rPr>
+              <a:t>Image </a:t>
+            </a:r>
+            <a:r>
+              <a:rPr lang="en-US" spc="-10" dirty="0">
+                <a:latin typeface="Times New Roman" panose="02020603050405020304" pitchFamily="18" charset="0"/>
+                <a:ea typeface="Times New Roman" panose="02020603050405020304" pitchFamily="18" charset="0"/>
+              </a:rPr>
+              <a:t>swaps and rollovers</a:t>
+            </a:r>
+          </a:p>
+          <a:p>
+            <a:pPr marL="342900" marR="274320" lvl="0" indent="-342900">
+              <a:spcBef>
+                <a:spcPts val="0"/>
+              </a:spcBef>
+              <a:spcAft>
+                <a:spcPts val="600"/>
+              </a:spcAft>
+              <a:buFont typeface="Symbol" panose="05050102010706020507" pitchFamily="18" charset="2"/>
+              <a:buChar char=""/>
+            </a:pPr>
+            <a:r>
+              <a:rPr lang="en-US" spc="-10">
+                <a:latin typeface="Times New Roman" panose="02020603050405020304" pitchFamily="18" charset="0"/>
+                <a:ea typeface="Times New Roman" panose="02020603050405020304" pitchFamily="18" charset="0"/>
+              </a:rPr>
+              <a:t>Accordions</a:t>
+            </a:r>
+          </a:p>
+          <a:p>
+            <a:pPr marL="342900" marR="274320" lvl="0" indent="-342900">
+              <a:spcBef>
+                <a:spcPts val="0"/>
+              </a:spcBef>
+              <a:spcAft>
+                <a:spcPts val="600"/>
+              </a:spcAft>
+              <a:buFont typeface="Symbol" panose="05050102010706020507" pitchFamily="18" charset="2"/>
+              <a:buChar char=""/>
+            </a:pPr>
+            <a:r>
+              <a:rPr lang="en-US" spc="-10">
+                <a:latin typeface="Times New Roman" panose="02020603050405020304" pitchFamily="18" charset="0"/>
+                <a:ea typeface="Times New Roman" panose="02020603050405020304" pitchFamily="18" charset="0"/>
+              </a:rPr>
+              <a:t>Asynchronous JavaScript and XML (AJAX)</a:t>
+            </a:r>
+            <a:endParaRPr lang="en-US" spc="-10" dirty="0">
+              <a:latin typeface="Times New Roman" panose="02020603050405020304" pitchFamily="18" charset="0"/>
+              <a:ea typeface="Times New Roman" panose="02020603050405020304" pitchFamily="18" charset="0"/>
+            </a:endParaRPr>
           </a:p>
           <a:p>
             <a:endParaRPr lang="en-US" dirty="0"/>
@@ -5973,7 +6212,7 @@
           <p:cNvPr id="4" name="Date Placeholder 3">
             <a:extLst>
               <a:ext uri="{FF2B5EF4-FFF2-40B4-BE49-F238E27FC236}">
-                <a16:creationId xmlns:a16="http://schemas.microsoft.com/office/drawing/2014/main" id="{5A6AA19B-69F8-491C-9E12-510329EFF5DA}"/>
+                <a16:creationId xmlns:a16="http://schemas.microsoft.com/office/drawing/2014/main" id="{5AC8D40C-6C7C-4A69-9E75-AD7EDEAFFC9E}"/>
               </a:ext>
             </a:extLst>
           </p:cNvPr>
@@ -6005,7 +6244,7 @@
           <p:cNvPr id="5" name="Footer Placeholder 4">
             <a:extLst>
               <a:ext uri="{FF2B5EF4-FFF2-40B4-BE49-F238E27FC236}">
-                <a16:creationId xmlns:a16="http://schemas.microsoft.com/office/drawing/2014/main" id="{0D6432D3-D896-4DCC-BEEE-76BE3D723E89}"/>
+                <a16:creationId xmlns:a16="http://schemas.microsoft.com/office/drawing/2014/main" id="{BF6A7A0B-2669-4EDF-BD63-266E4980E3C3}"/>
               </a:ext>
             </a:extLst>
           </p:cNvPr>
@@ -6037,7 +6276,7 @@
           <p:cNvPr id="6" name="Slide Number Placeholder 5">
             <a:extLst>
               <a:ext uri="{FF2B5EF4-FFF2-40B4-BE49-F238E27FC236}">
-                <a16:creationId xmlns:a16="http://schemas.microsoft.com/office/drawing/2014/main" id="{7FDCEEEA-CFF9-4057-A697-ADDD9401886E}"/>
+                <a16:creationId xmlns:a16="http://schemas.microsoft.com/office/drawing/2014/main" id="{801B51FD-DE7D-4667-9195-A012263DD18B}"/>
               </a:ext>
             </a:extLst>
           </p:cNvPr>
@@ -6094,7 +6333,7 @@
     </p:spTree>
     <p:extLst>
       <p:ext uri="{BB962C8B-B14F-4D97-AF65-F5344CB8AC3E}">
-        <p14:creationId xmlns:p14="http://schemas.microsoft.com/office/powerpoint/2010/main" val="2762854995"/>
+        <p14:creationId xmlns:p14="http://schemas.microsoft.com/office/powerpoint/2010/main" val="3274102528"/>
       </p:ext>
     </p:extLst>
   </p:cSld>
@@ -6126,7 +6365,7 @@
           <p:cNvPr id="2" name="Title 1">
             <a:extLst>
               <a:ext uri="{FF2B5EF4-FFF2-40B4-BE49-F238E27FC236}">
-                <a16:creationId xmlns:a16="http://schemas.microsoft.com/office/drawing/2014/main" id="{62C23F64-3A54-490B-8553-ED09A63C5A7F}"/>
+                <a16:creationId xmlns:a16="http://schemas.microsoft.com/office/drawing/2014/main" id="{5E9C0548-8B7C-493D-8FD7-212D42FAA904}"/>
               </a:ext>
             </a:extLst>
           </p:cNvPr>
@@ -6159,56 +6398,437 @@
                 <a:ea typeface="Times New Roman" panose="02020603050405020304" pitchFamily="18" charset="0"/>
                 <a:cs typeface="Times New Roman" panose="02020603050405020304" pitchFamily="18" charset="0"/>
               </a:rPr>
-              <a:t>The HTML displayed in a web browser </a:t>
+              <a:t>The code for an HTML file </a:t>
             </a:r>
             <a:endParaRPr lang="en-US" dirty="0"/>
           </a:p>
         </p:txBody>
       </p:sp>
-      <p:pic>
-        <p:nvPicPr>
-          <p:cNvPr id="7" name="Content Placeholder 6" descr="See page 14 in book" title="See slide title">
-            <a:extLst>
-              <a:ext uri="{FF2B5EF4-FFF2-40B4-BE49-F238E27FC236}">
-                <a16:creationId xmlns:a16="http://schemas.microsoft.com/office/drawing/2014/main" id="{4561FDB3-E068-4ED1-AD30-041420A90790}"/>
-              </a:ext>
-            </a:extLst>
-          </p:cNvPr>
-          <p:cNvPicPr>
-            <a:picLocks noGrp="1"/>
-          </p:cNvPicPr>
-          <p:nvPr>
-            <p:ph sz="quarter" idx="13"/>
-          </p:nvPr>
-        </p:nvPicPr>
-        <p:blipFill>
-          <a:blip r:embed="rId2">
-            <a:extLst>
-              <a:ext uri="{28A0092B-C50C-407E-A947-70E740481C1C}">
-                <a14:useLocalDpi xmlns:a14="http://schemas.microsoft.com/office/drawing/2010/main" val="0"/>
-              </a:ext>
-            </a:extLst>
-          </a:blip>
-          <a:stretch>
-            <a:fillRect/>
-          </a:stretch>
-        </p:blipFill>
-        <p:spPr>
-          <a:xfrm>
-            <a:off x="914400" y="1143000"/>
-            <a:ext cx="6899121" cy="4800600"/>
-          </a:xfrm>
-          <a:prstGeom prst="rect">
-            <a:avLst/>
-          </a:prstGeom>
-        </p:spPr>
-      </p:pic>
+      <p:sp>
+        <p:nvSpPr>
+          <p:cNvPr id="3" name="Text Placeholder 2">
+            <a:extLst>
+              <a:ext uri="{FF2B5EF4-FFF2-40B4-BE49-F238E27FC236}">
+                <a16:creationId xmlns:a16="http://schemas.microsoft.com/office/drawing/2014/main" id="{96BA047C-C9C7-4F99-93F0-21450D625C38}"/>
+              </a:ext>
+            </a:extLst>
+          </p:cNvPr>
+          <p:cNvSpPr>
+            <a:spLocks noGrp="1"/>
+          </p:cNvSpPr>
+          <p:nvPr>
+            <p:ph type="body" sz="quarter" idx="13"/>
+          </p:nvPr>
+        </p:nvSpPr>
+        <p:spPr/>
+        <p:txBody>
+          <a:bodyPr/>
+          <a:lstStyle/>
+          <a:p>
+            <a:pPr marL="347345" marR="0">
+              <a:spcBef>
+                <a:spcPts val="0"/>
+              </a:spcBef>
+              <a:spcAft>
+                <a:spcPts val="0"/>
+              </a:spcAft>
+              <a:tabLst>
+                <a:tab pos="1371600" algn="l"/>
+              </a:tabLst>
+            </a:pPr>
+            <a:endParaRPr lang="en-US" sz="1600" b="1">
+              <a:latin typeface="Courier New" panose="02070309020205020404" pitchFamily="49" charset="0"/>
+              <a:ea typeface="Times New Roman" panose="02020603050405020304" pitchFamily="18" charset="0"/>
+              <a:cs typeface="Times New Roman" panose="02020603050405020304" pitchFamily="18" charset="0"/>
+            </a:endParaRPr>
+          </a:p>
+          <a:p>
+            <a:pPr marL="347345" marR="0">
+              <a:spcBef>
+                <a:spcPts val="0"/>
+              </a:spcBef>
+              <a:spcAft>
+                <a:spcPts val="0"/>
+              </a:spcAft>
+              <a:tabLst>
+                <a:tab pos="1371600" algn="l"/>
+              </a:tabLst>
+            </a:pPr>
+            <a:r>
+              <a:rPr lang="en-US" sz="1600" b="1">
+                <a:latin typeface="Courier New" panose="02070309020205020404" pitchFamily="49" charset="0"/>
+                <a:ea typeface="Times New Roman" panose="02020603050405020304" pitchFamily="18" charset="0"/>
+                <a:cs typeface="Times New Roman" panose="02020603050405020304" pitchFamily="18" charset="0"/>
+              </a:rPr>
+              <a:t>&lt;!DOCTYPE </a:t>
+            </a:r>
+            <a:r>
+              <a:rPr lang="en-US" sz="1600" b="1" dirty="0">
+                <a:latin typeface="Courier New" panose="02070309020205020404" pitchFamily="49" charset="0"/>
+                <a:ea typeface="Times New Roman" panose="02020603050405020304" pitchFamily="18" charset="0"/>
+                <a:cs typeface="Times New Roman" panose="02020603050405020304" pitchFamily="18" charset="0"/>
+              </a:rPr>
+              <a:t>html&gt;</a:t>
+            </a:r>
+          </a:p>
+          <a:p>
+            <a:pPr marL="347345" marR="0">
+              <a:spcBef>
+                <a:spcPts val="0"/>
+              </a:spcBef>
+              <a:spcAft>
+                <a:spcPts val="0"/>
+              </a:spcAft>
+              <a:tabLst>
+                <a:tab pos="1371600" algn="l"/>
+              </a:tabLst>
+            </a:pPr>
+            <a:r>
+              <a:rPr lang="en-US" sz="1600" b="1" dirty="0">
+                <a:latin typeface="Courier New" panose="02070309020205020404" pitchFamily="49" charset="0"/>
+                <a:ea typeface="Times New Roman" panose="02020603050405020304" pitchFamily="18" charset="0"/>
+                <a:cs typeface="Times New Roman" panose="02020603050405020304" pitchFamily="18" charset="0"/>
+              </a:rPr>
+              <a:t>&lt;html </a:t>
+            </a:r>
+            <a:r>
+              <a:rPr lang="en-US" sz="1600" b="1" dirty="0" err="1">
+                <a:latin typeface="Courier New" panose="02070309020205020404" pitchFamily="49" charset="0"/>
+                <a:ea typeface="Times New Roman" panose="02020603050405020304" pitchFamily="18" charset="0"/>
+                <a:cs typeface="Times New Roman" panose="02020603050405020304" pitchFamily="18" charset="0"/>
+              </a:rPr>
+              <a:t>lang</a:t>
+            </a:r>
+            <a:r>
+              <a:rPr lang="en-US" sz="1600" b="1" dirty="0">
+                <a:latin typeface="Courier New" panose="02070309020205020404" pitchFamily="49" charset="0"/>
+                <a:ea typeface="Times New Roman" panose="02020603050405020304" pitchFamily="18" charset="0"/>
+                <a:cs typeface="Times New Roman" panose="02020603050405020304" pitchFamily="18" charset="0"/>
+              </a:rPr>
+              <a:t>="</a:t>
+            </a:r>
+            <a:r>
+              <a:rPr lang="en-US" sz="1600" b="1" dirty="0" err="1">
+                <a:latin typeface="Courier New" panose="02070309020205020404" pitchFamily="49" charset="0"/>
+                <a:ea typeface="Times New Roman" panose="02020603050405020304" pitchFamily="18" charset="0"/>
+                <a:cs typeface="Times New Roman" panose="02020603050405020304" pitchFamily="18" charset="0"/>
+              </a:rPr>
+              <a:t>en</a:t>
+            </a:r>
+            <a:r>
+              <a:rPr lang="en-US" sz="1600" b="1" dirty="0">
+                <a:latin typeface="Courier New" panose="02070309020205020404" pitchFamily="49" charset="0"/>
+                <a:ea typeface="Times New Roman" panose="02020603050405020304" pitchFamily="18" charset="0"/>
+                <a:cs typeface="Times New Roman" panose="02020603050405020304" pitchFamily="18" charset="0"/>
+              </a:rPr>
+              <a:t>"&gt;</a:t>
+            </a:r>
+          </a:p>
+          <a:p>
+            <a:pPr marL="347345" marR="0">
+              <a:spcBef>
+                <a:spcPts val="0"/>
+              </a:spcBef>
+              <a:spcAft>
+                <a:spcPts val="0"/>
+              </a:spcAft>
+              <a:tabLst>
+                <a:tab pos="1371600" algn="l"/>
+              </a:tabLst>
+            </a:pPr>
+            <a:r>
+              <a:rPr lang="en-US" sz="1600" b="1" dirty="0">
+                <a:latin typeface="Courier New" panose="02070309020205020404" pitchFamily="49" charset="0"/>
+                <a:ea typeface="Times New Roman" panose="02020603050405020304" pitchFamily="18" charset="0"/>
+                <a:cs typeface="Times New Roman" panose="02020603050405020304" pitchFamily="18" charset="0"/>
+              </a:rPr>
+              <a:t>    &lt;head&gt;</a:t>
+            </a:r>
+          </a:p>
+          <a:p>
+            <a:pPr marL="347345" marR="0">
+              <a:spcBef>
+                <a:spcPts val="0"/>
+              </a:spcBef>
+              <a:spcAft>
+                <a:spcPts val="0"/>
+              </a:spcAft>
+              <a:tabLst>
+                <a:tab pos="1371600" algn="l"/>
+              </a:tabLst>
+            </a:pPr>
+            <a:r>
+              <a:rPr lang="en-US" sz="1600" b="1" dirty="0">
+                <a:latin typeface="Courier New" panose="02070309020205020404" pitchFamily="49" charset="0"/>
+                <a:ea typeface="Times New Roman" panose="02020603050405020304" pitchFamily="18" charset="0"/>
+                <a:cs typeface="Times New Roman" panose="02020603050405020304" pitchFamily="18" charset="0"/>
+              </a:rPr>
+              <a:t>        &lt;meta charset="utf-8"&gt;</a:t>
+            </a:r>
+          </a:p>
+          <a:p>
+            <a:pPr marL="347345" marR="0">
+              <a:spcBef>
+                <a:spcPts val="0"/>
+              </a:spcBef>
+              <a:spcAft>
+                <a:spcPts val="0"/>
+              </a:spcAft>
+              <a:tabLst>
+                <a:tab pos="1371600" algn="l"/>
+              </a:tabLst>
+            </a:pPr>
+            <a:r>
+              <a:rPr lang="en-US" sz="1600" b="1" dirty="0">
+                <a:latin typeface="Courier New" panose="02070309020205020404" pitchFamily="49" charset="0"/>
+                <a:ea typeface="Times New Roman" panose="02020603050405020304" pitchFamily="18" charset="0"/>
+                <a:cs typeface="Times New Roman" panose="02020603050405020304" pitchFamily="18" charset="0"/>
+              </a:rPr>
+              <a:t>        &lt;title&gt;JavaScript and jQuery book&lt;/title&gt;</a:t>
+            </a:r>
+          </a:p>
+          <a:p>
+            <a:pPr marL="347345" marR="0">
+              <a:spcBef>
+                <a:spcPts val="0"/>
+              </a:spcBef>
+              <a:spcAft>
+                <a:spcPts val="0"/>
+              </a:spcAft>
+              <a:tabLst>
+                <a:tab pos="1371600" algn="l"/>
+              </a:tabLst>
+            </a:pPr>
+            <a:r>
+              <a:rPr lang="en-US" sz="1600" b="1" dirty="0">
+                <a:latin typeface="Courier New" panose="02070309020205020404" pitchFamily="49" charset="0"/>
+                <a:ea typeface="Times New Roman" panose="02020603050405020304" pitchFamily="18" charset="0"/>
+                <a:cs typeface="Times New Roman" panose="02020603050405020304" pitchFamily="18" charset="0"/>
+              </a:rPr>
+              <a:t>    &lt;/head&gt;</a:t>
+            </a:r>
+          </a:p>
+          <a:p>
+            <a:pPr marL="347345" marR="0">
+              <a:spcBef>
+                <a:spcPts val="0"/>
+              </a:spcBef>
+              <a:spcAft>
+                <a:spcPts val="0"/>
+              </a:spcAft>
+              <a:tabLst>
+                <a:tab pos="1371600" algn="l"/>
+              </a:tabLst>
+            </a:pPr>
+            <a:r>
+              <a:rPr lang="en-US" sz="1600" b="1" dirty="0">
+                <a:latin typeface="Courier New" panose="02070309020205020404" pitchFamily="49" charset="0"/>
+                <a:ea typeface="Times New Roman" panose="02020603050405020304" pitchFamily="18" charset="0"/>
+                <a:cs typeface="Times New Roman" panose="02020603050405020304" pitchFamily="18" charset="0"/>
+              </a:rPr>
+              <a:t>    &lt;body&gt;</a:t>
+            </a:r>
+          </a:p>
+          <a:p>
+            <a:pPr marL="347345" marR="0">
+              <a:spcBef>
+                <a:spcPts val="0"/>
+              </a:spcBef>
+              <a:spcAft>
+                <a:spcPts val="0"/>
+              </a:spcAft>
+              <a:tabLst>
+                <a:tab pos="1371600" algn="l"/>
+              </a:tabLst>
+            </a:pPr>
+            <a:r>
+              <a:rPr lang="en-US" sz="1600" b="1" dirty="0">
+                <a:latin typeface="Courier New" panose="02070309020205020404" pitchFamily="49" charset="0"/>
+                <a:ea typeface="Times New Roman" panose="02020603050405020304" pitchFamily="18" charset="0"/>
+                <a:cs typeface="Times New Roman" panose="02020603050405020304" pitchFamily="18" charset="0"/>
+              </a:rPr>
+              <a:t>        &lt;h1&gt;JavaScript and jQuery (3rd Edition)&lt;/h1&gt;</a:t>
+            </a:r>
+          </a:p>
+          <a:p>
+            <a:pPr marL="347345" marR="0">
+              <a:spcBef>
+                <a:spcPts val="0"/>
+              </a:spcBef>
+              <a:spcAft>
+                <a:spcPts val="0"/>
+              </a:spcAft>
+              <a:tabLst>
+                <a:tab pos="1371600" algn="l"/>
+              </a:tabLst>
+            </a:pPr>
+            <a:r>
+              <a:rPr lang="en-US" sz="1600" b="1" dirty="0">
+                <a:latin typeface="Courier New" panose="02070309020205020404" pitchFamily="49" charset="0"/>
+                <a:ea typeface="Times New Roman" panose="02020603050405020304" pitchFamily="18" charset="0"/>
+                <a:cs typeface="Times New Roman" panose="02020603050405020304" pitchFamily="18" charset="0"/>
+              </a:rPr>
+              <a:t>        &lt;</a:t>
+            </a:r>
+            <a:r>
+              <a:rPr lang="en-US" sz="1600" b="1" dirty="0" err="1">
+                <a:latin typeface="Courier New" panose="02070309020205020404" pitchFamily="49" charset="0"/>
+                <a:ea typeface="Times New Roman" panose="02020603050405020304" pitchFamily="18" charset="0"/>
+                <a:cs typeface="Times New Roman" panose="02020603050405020304" pitchFamily="18" charset="0"/>
+              </a:rPr>
+              <a:t>img</a:t>
+            </a:r>
+            <a:r>
+              <a:rPr lang="en-US" sz="1600" b="1" dirty="0">
+                <a:latin typeface="Courier New" panose="02070309020205020404" pitchFamily="49" charset="0"/>
+                <a:ea typeface="Times New Roman" panose="02020603050405020304" pitchFamily="18" charset="0"/>
+                <a:cs typeface="Times New Roman" panose="02020603050405020304" pitchFamily="18" charset="0"/>
+              </a:rPr>
+              <a:t> </a:t>
+            </a:r>
+            <a:r>
+              <a:rPr lang="en-US" sz="1600" b="1" dirty="0" err="1">
+                <a:latin typeface="Courier New" panose="02070309020205020404" pitchFamily="49" charset="0"/>
+                <a:ea typeface="Times New Roman" panose="02020603050405020304" pitchFamily="18" charset="0"/>
+                <a:cs typeface="Times New Roman" panose="02020603050405020304" pitchFamily="18" charset="0"/>
+              </a:rPr>
+              <a:t>src</a:t>
+            </a:r>
+            <a:r>
+              <a:rPr lang="en-US" sz="1600" b="1" dirty="0">
+                <a:latin typeface="Courier New" panose="02070309020205020404" pitchFamily="49" charset="0"/>
+                <a:ea typeface="Times New Roman" panose="02020603050405020304" pitchFamily="18" charset="0"/>
+                <a:cs typeface="Times New Roman" panose="02020603050405020304" pitchFamily="18" charset="0"/>
+              </a:rPr>
+              <a:t>="javascript_jquery.jpg" </a:t>
+            </a:r>
+            <a:br>
+              <a:rPr lang="en-US" sz="1600" b="1" dirty="0">
+                <a:latin typeface="Courier New" panose="02070309020205020404" pitchFamily="49" charset="0"/>
+                <a:ea typeface="Times New Roman" panose="02020603050405020304" pitchFamily="18" charset="0"/>
+                <a:cs typeface="Times New Roman" panose="02020603050405020304" pitchFamily="18" charset="0"/>
+              </a:rPr>
+            </a:br>
+            <a:r>
+              <a:rPr lang="en-US" sz="1600" b="1" dirty="0">
+                <a:latin typeface="Courier New" panose="02070309020205020404" pitchFamily="49" charset="0"/>
+                <a:ea typeface="Times New Roman" panose="02020603050405020304" pitchFamily="18" charset="0"/>
+                <a:cs typeface="Times New Roman" panose="02020603050405020304" pitchFamily="18" charset="0"/>
+              </a:rPr>
+              <a:t>             alt="JavaScript and jQuery Book"&gt;</a:t>
+            </a:r>
+          </a:p>
+          <a:p>
+            <a:pPr marL="347345" marR="0">
+              <a:spcBef>
+                <a:spcPts val="0"/>
+              </a:spcBef>
+              <a:spcAft>
+                <a:spcPts val="0"/>
+              </a:spcAft>
+              <a:tabLst>
+                <a:tab pos="1371600" algn="l"/>
+              </a:tabLst>
+            </a:pPr>
+            <a:r>
+              <a:rPr lang="en-US" sz="1600" b="1" dirty="0">
+                <a:latin typeface="Courier New" panose="02070309020205020404" pitchFamily="49" charset="0"/>
+                <a:ea typeface="Times New Roman" panose="02020603050405020304" pitchFamily="18" charset="0"/>
+                <a:cs typeface="Times New Roman" panose="02020603050405020304" pitchFamily="18" charset="0"/>
+              </a:rPr>
+              <a:t>        &lt;p&gt;Today, ... does best.&lt;/p&gt;</a:t>
+            </a:r>
+          </a:p>
+          <a:p>
+            <a:pPr marL="347345" marR="0">
+              <a:spcBef>
+                <a:spcPts val="0"/>
+              </a:spcBef>
+              <a:spcAft>
+                <a:spcPts val="0"/>
+              </a:spcAft>
+              <a:tabLst>
+                <a:tab pos="1371600" algn="l"/>
+              </a:tabLst>
+            </a:pPr>
+            <a:r>
+              <a:rPr lang="en-US" sz="1600" b="1" dirty="0">
+                <a:latin typeface="Courier New" panose="02070309020205020404" pitchFamily="49" charset="0"/>
+                <a:ea typeface="Times New Roman" panose="02020603050405020304" pitchFamily="18" charset="0"/>
+                <a:cs typeface="Times New Roman" panose="02020603050405020304" pitchFamily="18" charset="0"/>
+              </a:rPr>
+              <a:t>        &lt;p&gt;Now, ... &lt;a </a:t>
+            </a:r>
+            <a:r>
+              <a:rPr lang="en-US" sz="1600" b="1" dirty="0" err="1">
+                <a:latin typeface="Courier New" panose="02070309020205020404" pitchFamily="49" charset="0"/>
+                <a:ea typeface="Times New Roman" panose="02020603050405020304" pitchFamily="18" charset="0"/>
+                <a:cs typeface="Times New Roman" panose="02020603050405020304" pitchFamily="18" charset="0"/>
+              </a:rPr>
+              <a:t>href</a:t>
+            </a:r>
+            <a:r>
+              <a:rPr lang="en-US" sz="1600" b="1" dirty="0">
+                <a:latin typeface="Courier New" panose="02070309020205020404" pitchFamily="49" charset="0"/>
+                <a:ea typeface="Times New Roman" panose="02020603050405020304" pitchFamily="18" charset="0"/>
+                <a:cs typeface="Times New Roman" panose="02020603050405020304" pitchFamily="18" charset="0"/>
+              </a:rPr>
+              <a:t>=""&gt;read more...&lt;/a&gt;&lt;/p&gt;</a:t>
+            </a:r>
+          </a:p>
+          <a:p>
+            <a:pPr marL="347345" marR="0">
+              <a:spcBef>
+                <a:spcPts val="0"/>
+              </a:spcBef>
+              <a:spcAft>
+                <a:spcPts val="0"/>
+              </a:spcAft>
+              <a:tabLst>
+                <a:tab pos="1371600" algn="l"/>
+              </a:tabLst>
+            </a:pPr>
+            <a:r>
+              <a:rPr lang="en-US" sz="1600" b="1" dirty="0">
+                <a:latin typeface="Courier New" panose="02070309020205020404" pitchFamily="49" charset="0"/>
+                <a:ea typeface="Times New Roman" panose="02020603050405020304" pitchFamily="18" charset="0"/>
+                <a:cs typeface="Times New Roman" panose="02020603050405020304" pitchFamily="18" charset="0"/>
+              </a:rPr>
+              <a:t>    &lt;/body&gt;</a:t>
+            </a:r>
+          </a:p>
+          <a:p>
+            <a:pPr marL="347345" marR="0">
+              <a:spcBef>
+                <a:spcPts val="0"/>
+              </a:spcBef>
+              <a:spcAft>
+                <a:spcPts val="0"/>
+              </a:spcAft>
+              <a:tabLst>
+                <a:tab pos="1371600" algn="l"/>
+              </a:tabLst>
+            </a:pPr>
+            <a:r>
+              <a:rPr lang="en-US" sz="1600" b="1" dirty="0">
+                <a:latin typeface="Courier New" panose="02070309020205020404" pitchFamily="49" charset="0"/>
+                <a:ea typeface="Times New Roman" panose="02020603050405020304" pitchFamily="18" charset="0"/>
+                <a:cs typeface="Times New Roman" panose="02020603050405020304" pitchFamily="18" charset="0"/>
+              </a:rPr>
+              <a:t>&lt;/html&gt;</a:t>
+            </a:r>
+          </a:p>
+          <a:p>
+            <a:endParaRPr lang="en-US" dirty="0"/>
+          </a:p>
+        </p:txBody>
+      </p:sp>
       <p:sp>
         <p:nvSpPr>
           <p:cNvPr id="4" name="Date Placeholder 3">
             <a:extLst>
               <a:ext uri="{FF2B5EF4-FFF2-40B4-BE49-F238E27FC236}">
-                <a16:creationId xmlns:a16="http://schemas.microsoft.com/office/drawing/2014/main" id="{5CE99AB5-FD6F-4FCE-9E88-67306CD073A5}"/>
+                <a16:creationId xmlns:a16="http://schemas.microsoft.com/office/drawing/2014/main" id="{5A6AA19B-69F8-491C-9E12-510329EFF5DA}"/>
               </a:ext>
             </a:extLst>
           </p:cNvPr>
@@ -6240,7 +6860,7 @@
           <p:cNvPr id="5" name="Footer Placeholder 4">
             <a:extLst>
               <a:ext uri="{FF2B5EF4-FFF2-40B4-BE49-F238E27FC236}">
-                <a16:creationId xmlns:a16="http://schemas.microsoft.com/office/drawing/2014/main" id="{A8AE1A6D-8EC2-4E3C-A1B6-BA35912797E3}"/>
+                <a16:creationId xmlns:a16="http://schemas.microsoft.com/office/drawing/2014/main" id="{0D6432D3-D896-4DCC-BEEE-76BE3D723E89}"/>
               </a:ext>
             </a:extLst>
           </p:cNvPr>
@@ -6272,7 +6892,7 @@
           <p:cNvPr id="6" name="Slide Number Placeholder 5">
             <a:extLst>
               <a:ext uri="{FF2B5EF4-FFF2-40B4-BE49-F238E27FC236}">
-                <a16:creationId xmlns:a16="http://schemas.microsoft.com/office/drawing/2014/main" id="{606F9ACA-5719-4667-A8DD-07C1972C8C97}"/>
+                <a16:creationId xmlns:a16="http://schemas.microsoft.com/office/drawing/2014/main" id="{7FDCEEEA-CFF9-4057-A697-ADDD9401886E}"/>
               </a:ext>
             </a:extLst>
           </p:cNvPr>
@@ -6329,7 +6949,7 @@
     </p:spTree>
     <p:extLst>
       <p:ext uri="{BB962C8B-B14F-4D97-AF65-F5344CB8AC3E}">
-        <p14:creationId xmlns:p14="http://schemas.microsoft.com/office/powerpoint/2010/main" val="2163504407"/>
+        <p14:creationId xmlns:p14="http://schemas.microsoft.com/office/powerpoint/2010/main" val="2762854995"/>
       </p:ext>
     </p:extLst>
   </p:cSld>
@@ -6361,7 +6981,7 @@
           <p:cNvPr id="2" name="Title 1">
             <a:extLst>
               <a:ext uri="{FF2B5EF4-FFF2-40B4-BE49-F238E27FC236}">
-                <a16:creationId xmlns:a16="http://schemas.microsoft.com/office/drawing/2014/main" id="{FE9B5F3E-1F97-48E3-9EC4-9ED1777076B2}"/>
+                <a16:creationId xmlns:a16="http://schemas.microsoft.com/office/drawing/2014/main" id="{62C23F64-3A54-490B-8553-ED09A63C5A7F}"/>
               </a:ext>
             </a:extLst>
           </p:cNvPr>
@@ -6377,59 +6997,73 @@
           <a:bodyPr/>
           <a:lstStyle/>
           <a:p>
-            <a:r>
-              <a:rPr lang="en-US" dirty="0"/>
-              <a:t>Using CSS to change how the page looks</a:t>
-            </a:r>
-          </a:p>
-        </p:txBody>
-      </p:sp>
-      <p:sp>
-        <p:nvSpPr>
-          <p:cNvPr id="3" name="Content Placeholder 2">
-            <a:extLst>
-              <a:ext uri="{FF2B5EF4-FFF2-40B4-BE49-F238E27FC236}">
-                <a16:creationId xmlns:a16="http://schemas.microsoft.com/office/drawing/2014/main" id="{4FAB725D-F159-4392-8ECA-BD6862ED0CBC}"/>
-              </a:ext>
-            </a:extLst>
-          </p:cNvPr>
-          <p:cNvSpPr>
-            <a:spLocks noGrp="1"/>
-          </p:cNvSpPr>
+            <a:pPr marL="0" marR="0">
+              <a:spcBef>
+                <a:spcPts val="0"/>
+              </a:spcBef>
+              <a:spcAft>
+                <a:spcPts val="600"/>
+              </a:spcAft>
+              <a:tabLst>
+                <a:tab pos="1371600" algn="l"/>
+              </a:tabLst>
+            </a:pPr>
+            <a:r>
+              <a:rPr lang="en-US" dirty="0">
+                <a:latin typeface="Arial" panose="020B0604020202020204" pitchFamily="34" charset="0"/>
+                <a:ea typeface="Times New Roman" panose="02020603050405020304" pitchFamily="18" charset="0"/>
+                <a:cs typeface="Times New Roman" panose="02020603050405020304" pitchFamily="18" charset="0"/>
+              </a:rPr>
+              <a:t>The HTML displayed in a web browser </a:t>
+            </a:r>
+            <a:endParaRPr lang="en-US" dirty="0"/>
+          </a:p>
+        </p:txBody>
+      </p:sp>
+      <p:pic>
+        <p:nvPicPr>
+          <p:cNvPr id="7" name="Content Placeholder 6" descr="See page 14 in book" title="See slide title">
+            <a:extLst>
+              <a:ext uri="{FF2B5EF4-FFF2-40B4-BE49-F238E27FC236}">
+                <a16:creationId xmlns:a16="http://schemas.microsoft.com/office/drawing/2014/main" id="{4561FDB3-E068-4ED1-AD30-041420A90790}"/>
+              </a:ext>
+            </a:extLst>
+          </p:cNvPr>
+          <p:cNvPicPr>
+            <a:picLocks noGrp="1"/>
+          </p:cNvPicPr>
           <p:nvPr>
             <p:ph sz="quarter" idx="13"/>
           </p:nvPr>
-        </p:nvSpPr>
-        <p:spPr/>
-        <p:txBody>
-          <a:bodyPr/>
-          <a:lstStyle/>
-          <a:p>
-            <a:endParaRPr lang="en-US" sz="2000" dirty="0"/>
-          </a:p>
-          <a:p>
-            <a:r>
-              <a:rPr lang="en-US" sz="2000" dirty="0"/>
-              <a:t>HTML is used to create the structure of a web page.</a:t>
-            </a:r>
-          </a:p>
-          <a:p>
-            <a:endParaRPr lang="en-US" sz="2000" dirty="0"/>
-          </a:p>
-          <a:p>
-            <a:r>
-              <a:rPr lang="en-US" sz="2000" dirty="0"/>
-              <a:t>Cascading Style Sheets (CSS) is used to change the look of a web page.</a:t>
-            </a:r>
-          </a:p>
-        </p:txBody>
-      </p:sp>
+        </p:nvPicPr>
+        <p:blipFill>
+          <a:blip r:embed="rId2">
+            <a:extLst>
+              <a:ext uri="{28A0092B-C50C-407E-A947-70E740481C1C}">
+                <a14:useLocalDpi xmlns:a14="http://schemas.microsoft.com/office/drawing/2010/main" val="0"/>
+              </a:ext>
+            </a:extLst>
+          </a:blip>
+          <a:stretch>
+            <a:fillRect/>
+          </a:stretch>
+        </p:blipFill>
+        <p:spPr>
+          <a:xfrm>
+            <a:off x="914400" y="1143000"/>
+            <a:ext cx="6899121" cy="4800600"/>
+          </a:xfrm>
+          <a:prstGeom prst="rect">
+            <a:avLst/>
+          </a:prstGeom>
+        </p:spPr>
+      </p:pic>
       <p:sp>
         <p:nvSpPr>
           <p:cNvPr id="4" name="Date Placeholder 3">
             <a:extLst>
               <a:ext uri="{FF2B5EF4-FFF2-40B4-BE49-F238E27FC236}">
-                <a16:creationId xmlns:a16="http://schemas.microsoft.com/office/drawing/2014/main" id="{3EF70382-D9FD-41BA-BE95-A0D8493B0D12}"/>
+                <a16:creationId xmlns:a16="http://schemas.microsoft.com/office/drawing/2014/main" id="{5CE99AB5-FD6F-4FCE-9E88-67306CD073A5}"/>
               </a:ext>
             </a:extLst>
           </p:cNvPr>
@@ -6461,7 +7095,7 @@
           <p:cNvPr id="5" name="Footer Placeholder 4">
             <a:extLst>
               <a:ext uri="{FF2B5EF4-FFF2-40B4-BE49-F238E27FC236}">
-                <a16:creationId xmlns:a16="http://schemas.microsoft.com/office/drawing/2014/main" id="{749C717C-92B8-469F-AB39-04D8C2D132B9}"/>
+                <a16:creationId xmlns:a16="http://schemas.microsoft.com/office/drawing/2014/main" id="{A8AE1A6D-8EC2-4E3C-A1B6-BA35912797E3}"/>
               </a:ext>
             </a:extLst>
           </p:cNvPr>
@@ -6493,7 +7127,7 @@
           <p:cNvPr id="6" name="Slide Number Placeholder 5">
             <a:extLst>
               <a:ext uri="{FF2B5EF4-FFF2-40B4-BE49-F238E27FC236}">
-                <a16:creationId xmlns:a16="http://schemas.microsoft.com/office/drawing/2014/main" id="{2713D7E8-7C88-469B-8465-8FE5EF3E936B}"/>
+                <a16:creationId xmlns:a16="http://schemas.microsoft.com/office/drawing/2014/main" id="{606F9ACA-5719-4667-A8DD-07C1972C8C97}"/>
               </a:ext>
             </a:extLst>
           </p:cNvPr>
@@ -6512,7 +7146,7 @@
             <a:pPr algn="l">
               <a:defRPr/>
             </a:pPr>
-            <a:endParaRPr lang="en-US" sz="1400">
+            <a:endParaRPr lang="en-US" sz="1400" dirty="0">
               <a:latin typeface="Times New Roman"/>
             </a:endParaRPr>
           </a:p>
@@ -6521,12 +7155,12 @@
               <a:defRPr/>
             </a:pPr>
             <a:r>
-              <a:rPr lang="en-US">
+              <a:rPr lang="en-US" dirty="0">
                 <a:solidFill>
                   <a:schemeClr val="bg1"/>
                 </a:solidFill>
               </a:rPr>
-              <a:t>C12, Slide </a:t>
+              <a:t>C1, Slide </a:t>
             </a:r>
             <a:fld id="{BF5C1183-B085-4070-A402-C03A3F977D3D}" type="slidenum">
               <a:rPr lang="en-US" smtClean="0">
@@ -6550,7 +7184,7 @@
     </p:spTree>
     <p:extLst>
       <p:ext uri="{BB962C8B-B14F-4D97-AF65-F5344CB8AC3E}">
-        <p14:creationId xmlns:p14="http://schemas.microsoft.com/office/powerpoint/2010/main" val="1822602805"/>
+        <p14:creationId xmlns:p14="http://schemas.microsoft.com/office/powerpoint/2010/main" val="2163504407"/>
       </p:ext>
     </p:extLst>
   </p:cSld>
@@ -6582,7 +7216,7 @@
           <p:cNvPr id="2" name="Title 1">
             <a:extLst>
               <a:ext uri="{FF2B5EF4-FFF2-40B4-BE49-F238E27FC236}">
-                <a16:creationId xmlns:a16="http://schemas.microsoft.com/office/drawing/2014/main" id="{9706935E-59F1-4E9D-B6E8-9F416F24D9C6}"/>
+                <a16:creationId xmlns:a16="http://schemas.microsoft.com/office/drawing/2014/main" id="{FE9B5F3E-1F97-48E3-9EC4-9ED1777076B2}"/>
               </a:ext>
             </a:extLst>
           </p:cNvPr>
@@ -6598,43 +7232,31 @@
           <a:bodyPr/>
           <a:lstStyle/>
           <a:p>
-            <a:pPr marL="0" marR="0">
-              <a:spcBef>
-                <a:spcPts val="0"/>
-              </a:spcBef>
-              <a:spcAft>
-                <a:spcPts val="600"/>
-              </a:spcAft>
-              <a:tabLst>
-                <a:tab pos="1371600" algn="l"/>
-              </a:tabLst>
-            </a:pPr>
-            <a:r>
-              <a:rPr lang="en-US" dirty="0">
-                <a:latin typeface="Arial" panose="020B0604020202020204" pitchFamily="34" charset="0"/>
-                <a:ea typeface="Times New Roman" panose="02020603050405020304" pitchFamily="18" charset="0"/>
-                <a:cs typeface="Times New Roman" panose="02020603050405020304" pitchFamily="18" charset="0"/>
-              </a:rPr>
-              <a:t>The link element for a CSS file</a:t>
-            </a:r>
-            <a:endParaRPr lang="en-US" dirty="0"/>
-          </a:p>
-        </p:txBody>
-      </p:sp>
-      <p:sp>
-        <p:nvSpPr>
-          <p:cNvPr id="3" name="Text Placeholder 2">
-            <a:extLst>
-              <a:ext uri="{FF2B5EF4-FFF2-40B4-BE49-F238E27FC236}">
-                <a16:creationId xmlns:a16="http://schemas.microsoft.com/office/drawing/2014/main" id="{E5C21CAB-19EC-42E7-8BA1-27CE930FA55D}"/>
-              </a:ext>
-            </a:extLst>
-          </p:cNvPr>
-          <p:cNvSpPr>
-            <a:spLocks noGrp="1"/>
-          </p:cNvSpPr>
-          <p:nvPr>
-            <p:ph type="body" sz="quarter" idx="13"/>
+            <a:r>
+              <a:rPr lang="en-US"/>
+              <a:t>Use </a:t>
+            </a:r>
+            <a:r>
+              <a:rPr lang="en-US" dirty="0"/>
+              <a:t>CSS to change how the page looks</a:t>
+            </a:r>
+          </a:p>
+        </p:txBody>
+      </p:sp>
+      <p:sp>
+        <p:nvSpPr>
+          <p:cNvPr id="3" name="Content Placeholder 2">
+            <a:extLst>
+              <a:ext uri="{FF2B5EF4-FFF2-40B4-BE49-F238E27FC236}">
+                <a16:creationId xmlns:a16="http://schemas.microsoft.com/office/drawing/2014/main" id="{4FAB725D-F159-4392-8ECA-BD6862ED0CBC}"/>
+              </a:ext>
+            </a:extLst>
+          </p:cNvPr>
+          <p:cNvSpPr>
+            <a:spLocks noGrp="1"/>
+          </p:cNvSpPr>
+          <p:nvPr>
+            <p:ph sz="quarter" idx="13"/>
           </p:nvPr>
         </p:nvSpPr>
         <p:spPr/>
@@ -6642,60 +7264,22 @@
           <a:bodyPr/>
           <a:lstStyle/>
           <a:p>
-            <a:pPr marL="347345" marR="0">
-              <a:spcBef>
-                <a:spcPts val="0"/>
-              </a:spcBef>
-              <a:spcAft>
-                <a:spcPts val="0"/>
-              </a:spcAft>
-              <a:tabLst>
-                <a:tab pos="1371600" algn="l"/>
-              </a:tabLst>
-            </a:pPr>
-            <a:r>
-              <a:rPr lang="en-US" b="1" dirty="0">
-                <a:latin typeface="Courier New" panose="02070309020205020404" pitchFamily="49" charset="0"/>
-                <a:ea typeface="Times New Roman" panose="02020603050405020304" pitchFamily="18" charset="0"/>
-                <a:cs typeface="Times New Roman" panose="02020603050405020304" pitchFamily="18" charset="0"/>
-              </a:rPr>
-              <a:t>&lt;link </a:t>
-            </a:r>
-            <a:r>
-              <a:rPr lang="en-US" b="1" dirty="0" err="1">
-                <a:latin typeface="Courier New" panose="02070309020205020404" pitchFamily="49" charset="0"/>
-                <a:ea typeface="Times New Roman" panose="02020603050405020304" pitchFamily="18" charset="0"/>
-                <a:cs typeface="Times New Roman" panose="02020603050405020304" pitchFamily="18" charset="0"/>
-              </a:rPr>
-              <a:t>rel</a:t>
-            </a:r>
-            <a:r>
-              <a:rPr lang="en-US" b="1" dirty="0">
-                <a:latin typeface="Courier New" panose="02070309020205020404" pitchFamily="49" charset="0"/>
-                <a:ea typeface="Times New Roman" panose="02020603050405020304" pitchFamily="18" charset="0"/>
-                <a:cs typeface="Times New Roman" panose="02020603050405020304" pitchFamily="18" charset="0"/>
-              </a:rPr>
-              <a:t>="stylesheet" </a:t>
-            </a:r>
-            <a:r>
-              <a:rPr lang="en-US" b="1" dirty="0" err="1">
-                <a:latin typeface="Courier New" panose="02070309020205020404" pitchFamily="49" charset="0"/>
-                <a:ea typeface="Times New Roman" panose="02020603050405020304" pitchFamily="18" charset="0"/>
-                <a:cs typeface="Times New Roman" panose="02020603050405020304" pitchFamily="18" charset="0"/>
-              </a:rPr>
-              <a:t>href</a:t>
-            </a:r>
-            <a:r>
-              <a:rPr lang="en-US" b="1" dirty="0">
-                <a:latin typeface="Courier New" panose="02070309020205020404" pitchFamily="49" charset="0"/>
-                <a:ea typeface="Times New Roman" panose="02020603050405020304" pitchFamily="18" charset="0"/>
-                <a:cs typeface="Times New Roman" panose="02020603050405020304" pitchFamily="18" charset="0"/>
-              </a:rPr>
-              <a:t>="book.css"&gt;</a:t>
-            </a:r>
-          </a:p>
-          <a:p>
-            <a:endParaRPr lang="en-US" dirty="0"/>
+            <a:endParaRPr lang="en-US" sz="2000" dirty="0"/>
+          </a:p>
+          <a:p>
+            <a:r>
+              <a:rPr lang="en-US" sz="2000" dirty="0"/>
+              <a:t>HTML is used to create the structure of a web page.</a:t>
+            </a:r>
+          </a:p>
+          <a:p>
+            <a:endParaRPr lang="en-US" sz="2000" dirty="0"/>
+          </a:p>
+          <a:p>
+            <a:r>
+              <a:rPr lang="en-US" sz="2000" dirty="0"/>
+              <a:t>Cascading Style Sheets (CSS) is used to change the look of a web page.</a:t>
+            </a:r>
           </a:p>
         </p:txBody>
       </p:sp>
@@ -6704,7 +7288,7 @@
           <p:cNvPr id="4" name="Date Placeholder 3">
             <a:extLst>
               <a:ext uri="{FF2B5EF4-FFF2-40B4-BE49-F238E27FC236}">
-                <a16:creationId xmlns:a16="http://schemas.microsoft.com/office/drawing/2014/main" id="{A6992D0F-1F10-4EBD-A403-E5BB26A59B95}"/>
+                <a16:creationId xmlns:a16="http://schemas.microsoft.com/office/drawing/2014/main" id="{3EF70382-D9FD-41BA-BE95-A0D8493B0D12}"/>
               </a:ext>
             </a:extLst>
           </p:cNvPr>
@@ -6736,7 +7320,7 @@
           <p:cNvPr id="5" name="Footer Placeholder 4">
             <a:extLst>
               <a:ext uri="{FF2B5EF4-FFF2-40B4-BE49-F238E27FC236}">
-                <a16:creationId xmlns:a16="http://schemas.microsoft.com/office/drawing/2014/main" id="{B246CB01-B126-46FC-89BB-4DB1A24A37AA}"/>
+                <a16:creationId xmlns:a16="http://schemas.microsoft.com/office/drawing/2014/main" id="{749C717C-92B8-469F-AB39-04D8C2D132B9}"/>
               </a:ext>
             </a:extLst>
           </p:cNvPr>
@@ -6768,7 +7352,7 @@
           <p:cNvPr id="6" name="Slide Number Placeholder 5">
             <a:extLst>
               <a:ext uri="{FF2B5EF4-FFF2-40B4-BE49-F238E27FC236}">
-                <a16:creationId xmlns:a16="http://schemas.microsoft.com/office/drawing/2014/main" id="{096B4D97-23AF-452F-B812-59C4A008464B}"/>
+                <a16:creationId xmlns:a16="http://schemas.microsoft.com/office/drawing/2014/main" id="{2713D7E8-7C88-469B-8465-8FE5EF3E936B}"/>
               </a:ext>
             </a:extLst>
           </p:cNvPr>
@@ -6787,7 +7371,7 @@
             <a:pPr algn="l">
               <a:defRPr/>
             </a:pPr>
-            <a:endParaRPr lang="en-US" sz="1400" dirty="0">
+            <a:endParaRPr lang="en-US" sz="1400">
               <a:latin typeface="Times New Roman"/>
             </a:endParaRPr>
           </a:p>
@@ -6796,12 +7380,12 @@
               <a:defRPr/>
             </a:pPr>
             <a:r>
-              <a:rPr lang="en-US" dirty="0">
+              <a:rPr lang="en-US">
                 <a:solidFill>
                   <a:schemeClr val="bg1"/>
                 </a:solidFill>
               </a:rPr>
-              <a:t>C1, Slide </a:t>
+              <a:t>C12, Slide </a:t>
             </a:r>
             <a:fld id="{BF5C1183-B085-4070-A402-C03A3F977D3D}" type="slidenum">
               <a:rPr lang="en-US" smtClean="0">
@@ -6825,7 +7409,7 @@
     </p:spTree>
     <p:extLst>
       <p:ext uri="{BB962C8B-B14F-4D97-AF65-F5344CB8AC3E}">
-        <p14:creationId xmlns:p14="http://schemas.microsoft.com/office/powerpoint/2010/main" val="1813635465"/>
+        <p14:creationId xmlns:p14="http://schemas.microsoft.com/office/powerpoint/2010/main" val="1822602805"/>
       </p:ext>
     </p:extLst>
   </p:cSld>
@@ -6854,18 +7438,18 @@
       </p:grpSpPr>
       <p:sp>
         <p:nvSpPr>
-          <p:cNvPr id="2" name="Text Placeholder 1">
-            <a:extLst>
-              <a:ext uri="{FF2B5EF4-FFF2-40B4-BE49-F238E27FC236}">
-                <a16:creationId xmlns:a16="http://schemas.microsoft.com/office/drawing/2014/main" id="{A683E44D-4E7B-4942-97AB-42AFF39D85D9}"/>
-              </a:ext>
-            </a:extLst>
-          </p:cNvPr>
-          <p:cNvSpPr>
-            <a:spLocks noGrp="1"/>
-          </p:cNvSpPr>
-          <p:nvPr>
-            <p:ph type="body" sz="quarter" idx="13"/>
+          <p:cNvPr id="2" name="Title 1">
+            <a:extLst>
+              <a:ext uri="{FF2B5EF4-FFF2-40B4-BE49-F238E27FC236}">
+                <a16:creationId xmlns:a16="http://schemas.microsoft.com/office/drawing/2014/main" id="{CB736673-E0FF-4531-B77A-9F6AE5CD87F8}"/>
+              </a:ext>
+            </a:extLst>
+          </p:cNvPr>
+          <p:cNvSpPr>
+            <a:spLocks noGrp="1"/>
+          </p:cNvSpPr>
+          <p:nvPr>
+            <p:ph type="title"/>
           </p:nvPr>
         </p:nvSpPr>
         <p:spPr/>
@@ -6873,9 +7457,9 @@
           <a:bodyPr/>
           <a:lstStyle/>
           <a:p>
-            <a:pPr>
-              <a:spcBef>
-                <a:spcPts val="2400"/>
+            <a:pPr marL="0" marR="0">
+              <a:spcBef>
+                <a:spcPts val="0"/>
               </a:spcBef>
               <a:spcAft>
                 <a:spcPts val="600"/>
@@ -6886,45 +7470,45 @@
             </a:pPr>
             <a:r>
               <a:rPr lang="en-US" dirty="0">
-                <a:solidFill>
-                  <a:srgbClr val="000000"/>
-                </a:solidFill>
                 <a:latin typeface="Arial" panose="020B0604020202020204" pitchFamily="34" charset="0"/>
                 <a:ea typeface="Times New Roman" panose="02020603050405020304" pitchFamily="18" charset="0"/>
                 <a:cs typeface="Times New Roman" panose="02020603050405020304" pitchFamily="18" charset="0"/>
               </a:rPr>
-              <a:t>Introduction to web development</a:t>
-            </a:r>
-          </a:p>
-          <a:p>
+              <a:t>Objectives</a:t>
+            </a:r>
             <a:endParaRPr lang="en-US" dirty="0"/>
           </a:p>
         </p:txBody>
       </p:sp>
       <p:sp>
         <p:nvSpPr>
-          <p:cNvPr id="3" name="Title 2">
-            <a:extLst>
-              <a:ext uri="{FF2B5EF4-FFF2-40B4-BE49-F238E27FC236}">
-                <a16:creationId xmlns:a16="http://schemas.microsoft.com/office/drawing/2014/main" id="{3D0D66C3-B4F9-4680-BE2F-E7D63605C468}"/>
-              </a:ext>
-            </a:extLst>
-          </p:cNvPr>
-          <p:cNvSpPr>
-            <a:spLocks noGrp="1"/>
-          </p:cNvSpPr>
-          <p:nvPr>
-            <p:ph type="title"/>
-          </p:nvPr>
-        </p:nvSpPr>
-        <p:spPr/>
-        <p:txBody>
-          <a:bodyPr/>
-          <a:lstStyle/>
-          <a:p>
-            <a:pPr marL="0" marR="0">
-              <a:spcBef>
-                <a:spcPts val="0"/>
+          <p:cNvPr id="3" name="Text Placeholder 2">
+            <a:extLst>
+              <a:ext uri="{FF2B5EF4-FFF2-40B4-BE49-F238E27FC236}">
+                <a16:creationId xmlns:a16="http://schemas.microsoft.com/office/drawing/2014/main" id="{FF85D711-CC4A-4CC7-A164-BEC1DECE59ED}"/>
+              </a:ext>
+            </a:extLst>
+          </p:cNvPr>
+          <p:cNvSpPr>
+            <a:spLocks noGrp="1"/>
+          </p:cNvSpPr>
+          <p:nvPr>
+            <p:ph type="body" sz="quarter" idx="13"/>
+          </p:nvPr>
+        </p:nvSpPr>
+        <p:spPr>
+          <a:xfrm>
+            <a:off x="838200" y="1066800"/>
+            <a:ext cx="8001000" cy="4876800"/>
+          </a:xfrm>
+        </p:spPr>
+        <p:txBody>
+          <a:bodyPr/>
+          <a:lstStyle/>
+          <a:p>
+            <a:pPr>
+              <a:spcBef>
+                <a:spcPts val="1500"/>
               </a:spcBef>
               <a:spcAft>
                 <a:spcPts val="600"/>
@@ -6934,22 +7518,270 @@
               </a:tabLst>
             </a:pPr>
             <a:r>
-              <a:rPr lang="en-US" dirty="0">
-                <a:solidFill>
-                  <a:schemeClr val="tx1"/>
-                </a:solidFill>
+              <a:rPr lang="en-US" b="1" dirty="0">
                 <a:latin typeface="Arial" panose="020B0604020202020204" pitchFamily="34" charset="0"/>
                 <a:ea typeface="Times New Roman" panose="02020603050405020304" pitchFamily="18" charset="0"/>
                 <a:cs typeface="Times New Roman" panose="02020603050405020304" pitchFamily="18" charset="0"/>
               </a:rPr>
-              <a:t>Chapter 1</a:t>
-            </a:r>
-            <a:endParaRPr lang="en-US" dirty="0">
-              <a:solidFill>
-                <a:schemeClr val="tx1"/>
-              </a:solidFill>
+              <a:t>Applied</a:t>
+            </a:r>
+          </a:p>
+          <a:p>
+            <a:pPr marL="342900" marR="274320" lvl="0" indent="-342900">
+              <a:spcBef>
+                <a:spcPts val="0"/>
+              </a:spcBef>
+              <a:spcAft>
+                <a:spcPts val="600"/>
+              </a:spcAft>
+              <a:buFont typeface="+mj-lt"/>
+              <a:buAutoNum type="arabicPeriod"/>
+              <a:tabLst>
+                <a:tab pos="342900" algn="l"/>
+              </a:tabLst>
+            </a:pPr>
+            <a:r>
+              <a:rPr lang="en-US" spc="-10" dirty="0">
+                <a:latin typeface="Times New Roman" panose="02020603050405020304" pitchFamily="18" charset="0"/>
+                <a:ea typeface="Times New Roman" panose="02020603050405020304" pitchFamily="18" charset="0"/>
+              </a:rPr>
+              <a:t>Load a web </a:t>
+            </a:r>
+            <a:r>
+              <a:rPr lang="en-US" spc="-10">
+                <a:latin typeface="Times New Roman" panose="02020603050405020304" pitchFamily="18" charset="0"/>
+                <a:ea typeface="Times New Roman" panose="02020603050405020304" pitchFamily="18" charset="0"/>
+              </a:rPr>
+              <a:t>page into </a:t>
+            </a:r>
+            <a:r>
+              <a:rPr lang="en-US" spc="-10" dirty="0">
+                <a:latin typeface="Times New Roman" panose="02020603050405020304" pitchFamily="18" charset="0"/>
+                <a:ea typeface="Times New Roman" panose="02020603050405020304" pitchFamily="18" charset="0"/>
+              </a:rPr>
+              <a:t>a web browser.</a:t>
+            </a:r>
+          </a:p>
+          <a:p>
+            <a:pPr marL="342900" marR="274320" lvl="0" indent="-342900">
+              <a:spcBef>
+                <a:spcPts val="0"/>
+              </a:spcBef>
+              <a:spcAft>
+                <a:spcPts val="600"/>
+              </a:spcAft>
+              <a:buFont typeface="+mj-lt"/>
+              <a:buAutoNum type="arabicPeriod"/>
+              <a:tabLst>
+                <a:tab pos="342900" algn="l"/>
+              </a:tabLst>
+            </a:pPr>
+            <a:r>
+              <a:rPr lang="en-US" spc="-10" dirty="0">
+                <a:latin typeface="Times New Roman" panose="02020603050405020304" pitchFamily="18" charset="0"/>
+                <a:ea typeface="Times New Roman" panose="02020603050405020304" pitchFamily="18" charset="0"/>
+              </a:rPr>
+              <a:t>View the source code for a web page in a web browser.</a:t>
+            </a:r>
+          </a:p>
+          <a:p>
+            <a:pPr>
+              <a:spcBef>
+                <a:spcPts val="1500"/>
+              </a:spcBef>
+              <a:spcAft>
+                <a:spcPts val="600"/>
+              </a:spcAft>
+              <a:tabLst>
+                <a:tab pos="1371600" algn="l"/>
+              </a:tabLst>
+            </a:pPr>
+            <a:r>
+              <a:rPr lang="en-US" b="1" dirty="0">
+                <a:latin typeface="Arial" panose="020B0604020202020204" pitchFamily="34" charset="0"/>
+                <a:ea typeface="Times New Roman" panose="02020603050405020304" pitchFamily="18" charset="0"/>
+                <a:cs typeface="Times New Roman" panose="02020603050405020304" pitchFamily="18" charset="0"/>
+              </a:rPr>
+              <a:t>Knowledge</a:t>
+            </a:r>
+          </a:p>
+          <a:p>
+            <a:pPr marL="342900" marR="274320" lvl="0" indent="-342900">
+              <a:spcBef>
+                <a:spcPts val="0"/>
+              </a:spcBef>
+              <a:spcAft>
+                <a:spcPts val="600"/>
+              </a:spcAft>
+              <a:buFont typeface="+mj-lt"/>
+              <a:buAutoNum type="arabicPeriod"/>
+              <a:tabLst>
+                <a:tab pos="342900" algn="l"/>
+                <a:tab pos="365760" algn="l"/>
+              </a:tabLst>
+            </a:pPr>
+            <a:r>
+              <a:rPr lang="en-US" spc="-10">
+                <a:latin typeface="Times New Roman" panose="02020603050405020304" pitchFamily="18" charset="0"/>
+                <a:ea typeface="Times New Roman" panose="02020603050405020304" pitchFamily="18" charset="0"/>
+              </a:rPr>
+              <a:t>Discuss </a:t>
+            </a:r>
+            <a:r>
+              <a:rPr lang="en-US" spc="-10" dirty="0">
+                <a:latin typeface="Times New Roman" panose="02020603050405020304" pitchFamily="18" charset="0"/>
+                <a:ea typeface="Times New Roman" panose="02020603050405020304" pitchFamily="18" charset="0"/>
+              </a:rPr>
+              <a:t>the components of a web </a:t>
+            </a:r>
+            <a:r>
+              <a:rPr lang="en-US" spc="-10">
+                <a:latin typeface="Times New Roman" panose="02020603050405020304" pitchFamily="18" charset="0"/>
+                <a:ea typeface="Times New Roman" panose="02020603050405020304" pitchFamily="18" charset="0"/>
+              </a:rPr>
+              <a:t>application. </a:t>
+            </a:r>
+          </a:p>
+          <a:p>
+            <a:pPr marL="342900" marR="274320" lvl="0" indent="-342900">
+              <a:spcBef>
+                <a:spcPts val="0"/>
+              </a:spcBef>
+              <a:spcAft>
+                <a:spcPts val="600"/>
+              </a:spcAft>
+              <a:buFont typeface="+mj-lt"/>
+              <a:buAutoNum type="arabicPeriod"/>
+              <a:tabLst>
+                <a:tab pos="342900" algn="l"/>
+                <a:tab pos="365760" algn="l"/>
+              </a:tabLst>
+            </a:pPr>
+            <a:r>
+              <a:rPr lang="en-US" spc="-10">
+                <a:latin typeface="Times New Roman" panose="02020603050405020304" pitchFamily="18" charset="0"/>
+                <a:ea typeface="Times New Roman" panose="02020603050405020304" pitchFamily="18" charset="0"/>
+              </a:rPr>
+              <a:t>Describe </a:t>
+            </a:r>
+            <a:r>
+              <a:rPr lang="en-US" spc="-10" dirty="0">
+                <a:latin typeface="Times New Roman" panose="02020603050405020304" pitchFamily="18" charset="0"/>
+                <a:ea typeface="Times New Roman" panose="02020603050405020304" pitchFamily="18" charset="0"/>
+              </a:rPr>
+              <a:t>HTTP requests and responses.</a:t>
+            </a:r>
+          </a:p>
+          <a:p>
+            <a:pPr marL="342900" marR="274320" lvl="0" indent="-342900">
+              <a:spcBef>
+                <a:spcPts val="0"/>
+              </a:spcBef>
+              <a:spcAft>
+                <a:spcPts val="600"/>
+              </a:spcAft>
+              <a:buFont typeface="+mj-lt"/>
+              <a:buAutoNum type="arabicPeriod"/>
+              <a:tabLst>
+                <a:tab pos="342900" algn="l"/>
+              </a:tabLst>
+            </a:pPr>
+            <a:r>
+              <a:rPr lang="en-US" spc="-10" dirty="0">
+                <a:latin typeface="Times New Roman" panose="02020603050405020304" pitchFamily="18" charset="0"/>
+                <a:ea typeface="Times New Roman" panose="02020603050405020304" pitchFamily="18" charset="0"/>
+              </a:rPr>
+              <a:t>Distinguish between the way a web server processes static web pages and dynamic web pages.</a:t>
+            </a:r>
+          </a:p>
+          <a:p>
+            <a:pPr marL="342900" marR="274320" lvl="0" indent="-342900">
+              <a:spcBef>
+                <a:spcPts val="0"/>
+              </a:spcBef>
+              <a:spcAft>
+                <a:spcPts val="600"/>
+              </a:spcAft>
+              <a:buFont typeface="+mj-lt"/>
+              <a:buAutoNum type="arabicPeriod"/>
+              <a:tabLst>
+                <a:tab pos="342900" algn="l"/>
+              </a:tabLst>
+            </a:pPr>
+            <a:r>
+              <a:rPr lang="en-US" spc="-10">
+                <a:latin typeface="Times New Roman" panose="02020603050405020304" pitchFamily="18" charset="0"/>
+                <a:ea typeface="Times New Roman" panose="02020603050405020304" pitchFamily="18" charset="0"/>
+              </a:rPr>
+              <a:t>Explain the purpose and use of HTML.</a:t>
+            </a:r>
+          </a:p>
+          <a:p>
+            <a:pPr marL="342900" marR="274320" lvl="0" indent="-342900">
+              <a:spcBef>
+                <a:spcPts val="0"/>
+              </a:spcBef>
+              <a:spcAft>
+                <a:spcPts val="600"/>
+              </a:spcAft>
+              <a:buFont typeface="+mj-lt"/>
+              <a:buAutoNum type="arabicPeriod"/>
+              <a:tabLst>
+                <a:tab pos="342900" algn="l"/>
+              </a:tabLst>
+            </a:pPr>
+            <a:r>
+              <a:rPr lang="en-US" spc="-10">
+                <a:latin typeface="Times New Roman" panose="02020603050405020304" pitchFamily="18" charset="0"/>
+                <a:ea typeface="Times New Roman" panose="02020603050405020304" pitchFamily="18" charset="0"/>
+              </a:rPr>
+              <a:t>Explain the purpose and use of CSS.</a:t>
+            </a:r>
+            <a:endParaRPr lang="en-US" spc="-10" dirty="0">
+              <a:latin typeface="Times New Roman" panose="02020603050405020304" pitchFamily="18" charset="0"/>
+              <a:ea typeface="Times New Roman" panose="02020603050405020304" pitchFamily="18" charset="0"/>
             </a:endParaRPr>
           </a:p>
+          <a:p>
+            <a:pPr marL="342900" marR="274320" lvl="0" indent="-342900">
+              <a:spcBef>
+                <a:spcPts val="0"/>
+              </a:spcBef>
+              <a:spcAft>
+                <a:spcPts val="600"/>
+              </a:spcAft>
+              <a:buFont typeface="+mj-lt"/>
+              <a:buAutoNum type="arabicPeriod"/>
+              <a:tabLst>
+                <a:tab pos="342900" algn="l"/>
+              </a:tabLst>
+            </a:pPr>
+            <a:r>
+              <a:rPr lang="en-US" spc="-10">
+                <a:latin typeface="Times New Roman" panose="02020603050405020304" pitchFamily="18" charset="0"/>
+                <a:ea typeface="Times New Roman" panose="02020603050405020304" pitchFamily="18" charset="0"/>
+              </a:rPr>
+              <a:t>Explain the purpose and use </a:t>
+            </a:r>
+            <a:r>
+              <a:rPr lang="en-US" spc="-10" dirty="0">
+                <a:latin typeface="Times New Roman" panose="02020603050405020304" pitchFamily="18" charset="0"/>
+                <a:ea typeface="Times New Roman" panose="02020603050405020304" pitchFamily="18" charset="0"/>
+              </a:rPr>
+              <a:t>of </a:t>
+            </a:r>
+            <a:r>
+              <a:rPr lang="en-US" spc="-10">
+                <a:latin typeface="Times New Roman" panose="02020603050405020304" pitchFamily="18" charset="0"/>
+                <a:ea typeface="Times New Roman" panose="02020603050405020304" pitchFamily="18" charset="0"/>
+              </a:rPr>
+              <a:t>JavaScript.</a:t>
+            </a:r>
+            <a:endParaRPr lang="en-US" spc="-10" dirty="0">
+              <a:latin typeface="Times New Roman" panose="02020603050405020304" pitchFamily="18" charset="0"/>
+              <a:ea typeface="Times New Roman" panose="02020603050405020304" pitchFamily="18" charset="0"/>
+            </a:endParaRPr>
+          </a:p>
         </p:txBody>
       </p:sp>
       <p:sp>
@@ -6957,7 +7789,7 @@
           <p:cNvPr id="4" name="Date Placeholder 3">
             <a:extLst>
               <a:ext uri="{FF2B5EF4-FFF2-40B4-BE49-F238E27FC236}">
-                <a16:creationId xmlns:a16="http://schemas.microsoft.com/office/drawing/2014/main" id="{63358075-7189-4561-A4E5-98C8C46EDDC9}"/>
+                <a16:creationId xmlns:a16="http://schemas.microsoft.com/office/drawing/2014/main" id="{CC3A9FAA-0651-4EC7-B49B-256D52BF1734}"/>
               </a:ext>
             </a:extLst>
           </p:cNvPr>
@@ -6989,7 +7821,7 @@
           <p:cNvPr id="5" name="Footer Placeholder 4">
             <a:extLst>
               <a:ext uri="{FF2B5EF4-FFF2-40B4-BE49-F238E27FC236}">
-                <a16:creationId xmlns:a16="http://schemas.microsoft.com/office/drawing/2014/main" id="{122A3984-E668-431C-B47A-D79A7058C76A}"/>
+                <a16:creationId xmlns:a16="http://schemas.microsoft.com/office/drawing/2014/main" id="{F9182E6A-8DEE-4E1D-9C82-D463F121A4A4}"/>
               </a:ext>
             </a:extLst>
           </p:cNvPr>
@@ -7021,7 +7853,7 @@
           <p:cNvPr id="6" name="Slide Number Placeholder 5">
             <a:extLst>
               <a:ext uri="{FF2B5EF4-FFF2-40B4-BE49-F238E27FC236}">
-                <a16:creationId xmlns:a16="http://schemas.microsoft.com/office/drawing/2014/main" id="{4AFF6169-E941-478B-83FF-531399080CB6}"/>
+                <a16:creationId xmlns:a16="http://schemas.microsoft.com/office/drawing/2014/main" id="{A0AB8ED6-D19C-40A5-A3D3-B04476ACB89B}"/>
               </a:ext>
             </a:extLst>
           </p:cNvPr>
@@ -7078,7 +7910,7 @@
     </p:spTree>
     <p:extLst>
       <p:ext uri="{BB962C8B-B14F-4D97-AF65-F5344CB8AC3E}">
-        <p14:creationId xmlns:p14="http://schemas.microsoft.com/office/powerpoint/2010/main" val="777766547"/>
+        <p14:creationId xmlns:p14="http://schemas.microsoft.com/office/powerpoint/2010/main" val="12585773"/>
       </p:ext>
     </p:extLst>
   </p:cSld>
@@ -7110,7 +7942,7 @@
           <p:cNvPr id="2" name="Title 1">
             <a:extLst>
               <a:ext uri="{FF2B5EF4-FFF2-40B4-BE49-F238E27FC236}">
-                <a16:creationId xmlns:a16="http://schemas.microsoft.com/office/drawing/2014/main" id="{7D546E78-9509-4517-98F0-F20E27F4E356}"/>
+                <a16:creationId xmlns:a16="http://schemas.microsoft.com/office/drawing/2014/main" id="{9706935E-59F1-4E9D-B6E8-9F416F24D9C6}"/>
               </a:ext>
             </a:extLst>
           </p:cNvPr>
@@ -7138,12 +7970,20 @@
               </a:tabLst>
             </a:pPr>
             <a:r>
+              <a:rPr lang="en-US">
+                <a:latin typeface="Arial" panose="020B0604020202020204" pitchFamily="34" charset="0"/>
+                <a:ea typeface="Times New Roman" panose="02020603050405020304" pitchFamily="18" charset="0"/>
+                <a:cs typeface="Times New Roman" panose="02020603050405020304" pitchFamily="18" charset="0"/>
+              </a:rPr>
+              <a:t>Use &lt;link&gt; element to add </a:t>
+            </a:r>
+            <a:r>
               <a:rPr lang="en-US" dirty="0">
                 <a:latin typeface="Arial" panose="020B0604020202020204" pitchFamily="34" charset="0"/>
                 <a:ea typeface="Times New Roman" panose="02020603050405020304" pitchFamily="18" charset="0"/>
                 <a:cs typeface="Times New Roman" panose="02020603050405020304" pitchFamily="18" charset="0"/>
               </a:rPr>
-              <a:t>The code for the CSS file named book.css</a:t>
+              <a:t>a CSS file</a:t>
             </a:r>
             <a:endParaRPr lang="en-US" dirty="0"/>
           </a:p>
@@ -7154,7 +7994,7 @@
           <p:cNvPr id="3" name="Text Placeholder 2">
             <a:extLst>
               <a:ext uri="{FF2B5EF4-FFF2-40B4-BE49-F238E27FC236}">
-                <a16:creationId xmlns:a16="http://schemas.microsoft.com/office/drawing/2014/main" id="{3ACB7B5E-3566-4ABA-AEB1-4214B2EC4E89}"/>
+                <a16:creationId xmlns:a16="http://schemas.microsoft.com/office/drawing/2014/main" id="{E5C21CAB-19EC-42E7-8BA1-27CE930FA55D}"/>
               </a:ext>
             </a:extLst>
           </p:cNvPr>
@@ -7181,14 +8021,11 @@
                 <a:tab pos="1371600" algn="l"/>
               </a:tabLst>
             </a:pPr>
-            <a:r>
-              <a:rPr lang="en-US" sz="1600" b="1" dirty="0">
-                <a:latin typeface="Courier New" panose="02070309020205020404" pitchFamily="49" charset="0"/>
-                <a:ea typeface="Times New Roman" panose="02020603050405020304" pitchFamily="18" charset="0"/>
-                <a:cs typeface="Times New Roman" panose="02020603050405020304" pitchFamily="18" charset="0"/>
-              </a:rPr>
-              <a:t>body {</a:t>
-            </a:r>
+            <a:endParaRPr lang="en-US" sz="1600" b="1">
+              <a:latin typeface="Courier New" panose="02070309020205020404" pitchFamily="49" charset="0"/>
+              <a:ea typeface="Times New Roman" panose="02020603050405020304" pitchFamily="18" charset="0"/>
+              <a:cs typeface="Times New Roman" panose="02020603050405020304" pitchFamily="18" charset="0"/>
+            </a:endParaRPr>
           </a:p>
           <a:p>
             <a:pPr marL="347345" marR="0">
@@ -7203,12 +8040,12 @@
               </a:tabLst>
             </a:pPr>
             <a:r>
-              <a:rPr lang="en-US" sz="1600" b="1" dirty="0">
+              <a:rPr lang="en-US" sz="1600" b="1">
                 <a:latin typeface="Courier New" panose="02070309020205020404" pitchFamily="49" charset="0"/>
                 <a:ea typeface="Times New Roman" panose="02020603050405020304" pitchFamily="18" charset="0"/>
                 <a:cs typeface="Times New Roman" panose="02020603050405020304" pitchFamily="18" charset="0"/>
               </a:rPr>
-              <a:t>    font-family: Arial, Helvetica, sans-serif;</a:t>
+              <a:t>...</a:t>
             </a:r>
           </a:p>
           <a:p>
@@ -7224,12 +8061,12 @@
               </a:tabLst>
             </a:pPr>
             <a:r>
-              <a:rPr lang="en-US" sz="1600" b="1" dirty="0">
+              <a:rPr lang="en-US" sz="1600" b="1">
                 <a:latin typeface="Courier New" panose="02070309020205020404" pitchFamily="49" charset="0"/>
                 <a:ea typeface="Times New Roman" panose="02020603050405020304" pitchFamily="18" charset="0"/>
                 <a:cs typeface="Times New Roman" panose="02020603050405020304" pitchFamily="18" charset="0"/>
               </a:rPr>
-              <a:t>    font-size: 100%;</a:t>
+              <a:t>&lt;head&gt;</a:t>
             </a:r>
           </a:p>
           <a:p>
@@ -7245,12 +8082,12 @@
               </a:tabLst>
             </a:pPr>
             <a:r>
-              <a:rPr lang="en-US" sz="1600" b="1" dirty="0">
+              <a:rPr lang="en-US" sz="1600" b="1">
                 <a:latin typeface="Courier New" panose="02070309020205020404" pitchFamily="49" charset="0"/>
                 <a:ea typeface="Times New Roman" panose="02020603050405020304" pitchFamily="18" charset="0"/>
                 <a:cs typeface="Times New Roman" panose="02020603050405020304" pitchFamily="18" charset="0"/>
               </a:rPr>
-              <a:t>    width: 550px;</a:t>
+              <a:t>    &lt;meta charset="utf-8"&gt;</a:t>
             </a:r>
           </a:p>
           <a:p>
@@ -7266,16 +8103,16 @@
               </a:tabLst>
             </a:pPr>
             <a:r>
-              <a:rPr lang="en-US" sz="1600" b="1" dirty="0">
+              <a:rPr lang="en-US" sz="1600" b="1">
                 <a:latin typeface="Courier New" panose="02070309020205020404" pitchFamily="49" charset="0"/>
                 <a:ea typeface="Times New Roman" panose="02020603050405020304" pitchFamily="18" charset="0"/>
                 <a:cs typeface="Times New Roman" panose="02020603050405020304" pitchFamily="18" charset="0"/>
               </a:rPr>
-              <a:t>    margin: 0 auto;</a:t>
-            </a:r>
-          </a:p>
-          <a:p>
-            <a:pPr marL="347345" marR="0">
+              <a:t>    &lt;title&gt;JavaScript and jQuery book&lt;/title&gt;</a:t>
+            </a:r>
+          </a:p>
+          <a:p>
+            <a:pPr marL="347345">
               <a:spcBef>
                 <a:spcPts val="0"/>
               </a:spcBef>
@@ -7287,12 +8124,23 @@
               </a:tabLst>
             </a:pPr>
             <a:r>
-              <a:rPr lang="en-US" sz="1600" b="1" dirty="0">
+              <a:rPr lang="en-US" sz="1600" b="1">
                 <a:latin typeface="Courier New" panose="02070309020205020404" pitchFamily="49" charset="0"/>
                 <a:ea typeface="Times New Roman" panose="02020603050405020304" pitchFamily="18" charset="0"/>
                 <a:cs typeface="Times New Roman" panose="02020603050405020304" pitchFamily="18" charset="0"/>
               </a:rPr>
-              <a:t>    padding: 1em;</a:t>
+              <a:t>    </a:t>
+            </a:r>
+            <a:r>
+              <a:rPr lang="en-US" sz="1600" b="1">
+                <a:solidFill>
+                  <a:schemeClr val="accent2"/>
+                </a:solidFill>
+                <a:latin typeface="Courier New" panose="02070309020205020404" pitchFamily="49" charset="0"/>
+                <a:ea typeface="Times New Roman" panose="02020603050405020304" pitchFamily="18" charset="0"/>
+                <a:cs typeface="Times New Roman" panose="02020603050405020304" pitchFamily="18" charset="0"/>
+              </a:rPr>
+              <a:t>&lt;link rel="stylesheet" href="book.css"&gt;</a:t>
             </a:r>
           </a:p>
           <a:p>
@@ -7308,12 +8156,12 @@
               </a:tabLst>
             </a:pPr>
             <a:r>
-              <a:rPr lang="en-US" sz="1600" b="1" dirty="0">
+              <a:rPr lang="en-US" sz="1600" b="1">
                 <a:latin typeface="Courier New" panose="02070309020205020404" pitchFamily="49" charset="0"/>
                 <a:ea typeface="Times New Roman" panose="02020603050405020304" pitchFamily="18" charset="0"/>
                 <a:cs typeface="Times New Roman" panose="02020603050405020304" pitchFamily="18" charset="0"/>
               </a:rPr>
-              <a:t>    border: 1px solid navy;</a:t>
+              <a:t>&lt;/head&gt;</a:t>
             </a:r>
           </a:p>
           <a:p>
@@ -7329,292 +8177,13 @@
               </a:tabLst>
             </a:pPr>
             <a:r>
-              <a:rPr lang="en-US" sz="1600" b="1" dirty="0">
+              <a:rPr lang="en-US" sz="1600" b="1">
                 <a:latin typeface="Courier New" panose="02070309020205020404" pitchFamily="49" charset="0"/>
                 <a:ea typeface="Times New Roman" panose="02020603050405020304" pitchFamily="18" charset="0"/>
                 <a:cs typeface="Times New Roman" panose="02020603050405020304" pitchFamily="18" charset="0"/>
               </a:rPr>
-              <a:t>}</a:t>
-            </a:r>
-          </a:p>
-          <a:p>
-            <a:pPr marL="347345" marR="0">
-              <a:spcBef>
-                <a:spcPts val="0"/>
-              </a:spcBef>
-              <a:spcAft>
-                <a:spcPts val="0"/>
-              </a:spcAft>
-              <a:tabLst>
-                <a:tab pos="1371600" algn="l"/>
-              </a:tabLst>
-            </a:pPr>
-            <a:r>
-              <a:rPr lang="en-US" sz="1600" b="1" dirty="0">
-                <a:latin typeface="Courier New" panose="02070309020205020404" pitchFamily="49" charset="0"/>
-                <a:ea typeface="Times New Roman" panose="02020603050405020304" pitchFamily="18" charset="0"/>
-                <a:cs typeface="Times New Roman" panose="02020603050405020304" pitchFamily="18" charset="0"/>
-              </a:rPr>
-              <a:t>h1 {    </a:t>
-            </a:r>
-          </a:p>
-          <a:p>
-            <a:pPr marL="347345" marR="0">
-              <a:spcBef>
-                <a:spcPts val="0"/>
-              </a:spcBef>
-              <a:spcAft>
-                <a:spcPts val="0"/>
-              </a:spcAft>
-              <a:tabLst>
-                <a:tab pos="1371600" algn="l"/>
-              </a:tabLst>
-            </a:pPr>
-            <a:r>
-              <a:rPr lang="en-US" sz="1600" b="1" dirty="0">
-                <a:latin typeface="Courier New" panose="02070309020205020404" pitchFamily="49" charset="0"/>
-                <a:ea typeface="Times New Roman" panose="02020603050405020304" pitchFamily="18" charset="0"/>
-                <a:cs typeface="Times New Roman" panose="02020603050405020304" pitchFamily="18" charset="0"/>
-              </a:rPr>
-              <a:t>    margin: 0;</a:t>
-            </a:r>
-          </a:p>
-          <a:p>
-            <a:pPr marL="347345" marR="0">
-              <a:spcBef>
-                <a:spcPts val="0"/>
-              </a:spcBef>
-              <a:spcAft>
-                <a:spcPts val="0"/>
-              </a:spcAft>
-              <a:tabLst>
-                <a:tab pos="1371600" algn="l"/>
-              </a:tabLst>
-            </a:pPr>
-            <a:r>
-              <a:rPr lang="en-US" sz="1600" b="1" dirty="0">
-                <a:latin typeface="Courier New" panose="02070309020205020404" pitchFamily="49" charset="0"/>
-                <a:ea typeface="Times New Roman" panose="02020603050405020304" pitchFamily="18" charset="0"/>
-                <a:cs typeface="Times New Roman" panose="02020603050405020304" pitchFamily="18" charset="0"/>
-              </a:rPr>
-              <a:t>    padding: .25em;</a:t>
-            </a:r>
-          </a:p>
-          <a:p>
-            <a:pPr marL="347345" marR="0">
-              <a:spcBef>
-                <a:spcPts val="0"/>
-              </a:spcBef>
-              <a:spcAft>
-                <a:spcPts val="0"/>
-              </a:spcAft>
-              <a:tabLst>
-                <a:tab pos="1371600" algn="l"/>
-              </a:tabLst>
-            </a:pPr>
-            <a:r>
-              <a:rPr lang="en-US" sz="1600" b="1" dirty="0">
-                <a:latin typeface="Courier New" panose="02070309020205020404" pitchFamily="49" charset="0"/>
-                <a:ea typeface="Times New Roman" panose="02020603050405020304" pitchFamily="18" charset="0"/>
-                <a:cs typeface="Times New Roman" panose="02020603050405020304" pitchFamily="18" charset="0"/>
-              </a:rPr>
-              <a:t>    font-size: 200%;</a:t>
-            </a:r>
-          </a:p>
-          <a:p>
-            <a:pPr marL="347345" marR="0">
-              <a:spcBef>
-                <a:spcPts val="0"/>
-              </a:spcBef>
-              <a:spcAft>
-                <a:spcPts val="0"/>
-              </a:spcAft>
-              <a:tabLst>
-                <a:tab pos="1371600" algn="l"/>
-              </a:tabLst>
-            </a:pPr>
-            <a:r>
-              <a:rPr lang="en-US" sz="1600" b="1" dirty="0">
-                <a:latin typeface="Courier New" panose="02070309020205020404" pitchFamily="49" charset="0"/>
-                <a:ea typeface="Times New Roman" panose="02020603050405020304" pitchFamily="18" charset="0"/>
-                <a:cs typeface="Times New Roman" panose="02020603050405020304" pitchFamily="18" charset="0"/>
-              </a:rPr>
-              <a:t>    color: navy;</a:t>
-            </a:r>
-          </a:p>
-          <a:p>
-            <a:pPr marL="347345" marR="0">
-              <a:spcBef>
-                <a:spcPts val="0"/>
-              </a:spcBef>
-              <a:spcAft>
-                <a:spcPts val="0"/>
-              </a:spcAft>
-              <a:tabLst>
-                <a:tab pos="1371600" algn="l"/>
-              </a:tabLst>
-            </a:pPr>
-            <a:r>
-              <a:rPr lang="en-US" sz="1600" b="1" dirty="0">
-                <a:latin typeface="Courier New" panose="02070309020205020404" pitchFamily="49" charset="0"/>
-                <a:ea typeface="Times New Roman" panose="02020603050405020304" pitchFamily="18" charset="0"/>
-                <a:cs typeface="Times New Roman" panose="02020603050405020304" pitchFamily="18" charset="0"/>
-              </a:rPr>
-              <a:t>}</a:t>
-            </a:r>
-          </a:p>
-          <a:p>
-            <a:pPr marL="347345" marR="0">
-              <a:spcBef>
-                <a:spcPts val="0"/>
-              </a:spcBef>
-              <a:spcAft>
-                <a:spcPts val="0"/>
-              </a:spcAft>
-              <a:tabLst>
-                <a:tab pos="1371600" algn="l"/>
-              </a:tabLst>
-            </a:pPr>
-            <a:r>
-              <a:rPr lang="en-US" sz="1600" b="1" dirty="0" err="1">
-                <a:latin typeface="Courier New" panose="02070309020205020404" pitchFamily="49" charset="0"/>
-                <a:ea typeface="Times New Roman" panose="02020603050405020304" pitchFamily="18" charset="0"/>
-                <a:cs typeface="Times New Roman" panose="02020603050405020304" pitchFamily="18" charset="0"/>
-              </a:rPr>
-              <a:t>img</a:t>
-            </a:r>
-            <a:r>
-              <a:rPr lang="en-US" sz="1600" b="1" dirty="0">
-                <a:latin typeface="Courier New" panose="02070309020205020404" pitchFamily="49" charset="0"/>
-                <a:ea typeface="Times New Roman" panose="02020603050405020304" pitchFamily="18" charset="0"/>
-                <a:cs typeface="Times New Roman" panose="02020603050405020304" pitchFamily="18" charset="0"/>
-              </a:rPr>
-              <a:t>  {</a:t>
-            </a:r>
-          </a:p>
-          <a:p>
-            <a:pPr marL="347345" marR="0">
-              <a:spcBef>
-                <a:spcPts val="0"/>
-              </a:spcBef>
-              <a:spcAft>
-                <a:spcPts val="0"/>
-              </a:spcAft>
-              <a:tabLst>
-                <a:tab pos="1371600" algn="l"/>
-              </a:tabLst>
-            </a:pPr>
-            <a:r>
-              <a:rPr lang="en-US" sz="1600" b="1" dirty="0">
-                <a:latin typeface="Courier New" panose="02070309020205020404" pitchFamily="49" charset="0"/>
-                <a:ea typeface="Times New Roman" panose="02020603050405020304" pitchFamily="18" charset="0"/>
-                <a:cs typeface="Times New Roman" panose="02020603050405020304" pitchFamily="18" charset="0"/>
-              </a:rPr>
-              <a:t>    float: left;</a:t>
-            </a:r>
-          </a:p>
-          <a:p>
-            <a:pPr marL="347345" marR="0">
-              <a:spcBef>
-                <a:spcPts val="0"/>
-              </a:spcBef>
-              <a:spcAft>
-                <a:spcPts val="0"/>
-              </a:spcAft>
-              <a:tabLst>
-                <a:tab pos="1371600" algn="l"/>
-              </a:tabLst>
-            </a:pPr>
-            <a:r>
-              <a:rPr lang="en-US" sz="1600" b="1" dirty="0">
-                <a:latin typeface="Courier New" panose="02070309020205020404" pitchFamily="49" charset="0"/>
-                <a:ea typeface="Times New Roman" panose="02020603050405020304" pitchFamily="18" charset="0"/>
-                <a:cs typeface="Times New Roman" panose="02020603050405020304" pitchFamily="18" charset="0"/>
-              </a:rPr>
-              <a:t>    margin: 0 1em 1 </a:t>
-            </a:r>
-            <a:r>
-              <a:rPr lang="en-US" sz="1600" b="1" dirty="0" err="1">
-                <a:latin typeface="Courier New" panose="02070309020205020404" pitchFamily="49" charset="0"/>
-                <a:ea typeface="Times New Roman" panose="02020603050405020304" pitchFamily="18" charset="0"/>
-                <a:cs typeface="Times New Roman" panose="02020603050405020304" pitchFamily="18" charset="0"/>
-              </a:rPr>
-              <a:t>em</a:t>
-            </a:r>
-            <a:r>
-              <a:rPr lang="en-US" sz="1600" b="1" dirty="0">
-                <a:latin typeface="Courier New" panose="02070309020205020404" pitchFamily="49" charset="0"/>
-                <a:ea typeface="Times New Roman" panose="02020603050405020304" pitchFamily="18" charset="0"/>
-                <a:cs typeface="Times New Roman" panose="02020603050405020304" pitchFamily="18" charset="0"/>
-              </a:rPr>
-              <a:t> 1em; }</a:t>
-            </a:r>
-          </a:p>
-          <a:p>
-            <a:pPr marL="347345" marR="0">
-              <a:spcBef>
-                <a:spcPts val="0"/>
-              </a:spcBef>
-              <a:spcAft>
-                <a:spcPts val="0"/>
-              </a:spcAft>
-              <a:tabLst>
-                <a:tab pos="1371600" algn="l"/>
-              </a:tabLst>
-            </a:pPr>
-            <a:r>
-              <a:rPr lang="en-US" sz="1600" b="1" dirty="0">
-                <a:latin typeface="Courier New" panose="02070309020205020404" pitchFamily="49" charset="0"/>
-                <a:ea typeface="Times New Roman" panose="02020603050405020304" pitchFamily="18" charset="0"/>
-                <a:cs typeface="Times New Roman" panose="02020603050405020304" pitchFamily="18" charset="0"/>
-              </a:rPr>
-              <a:t>p {</a:t>
-            </a:r>
-          </a:p>
-          <a:p>
-            <a:pPr marL="347345" marR="0">
-              <a:spcBef>
-                <a:spcPts val="0"/>
-              </a:spcBef>
-              <a:spcAft>
-                <a:spcPts val="0"/>
-              </a:spcAft>
-              <a:tabLst>
-                <a:tab pos="1371600" algn="l"/>
-              </a:tabLst>
-            </a:pPr>
-            <a:r>
-              <a:rPr lang="en-US" sz="1600" b="1" dirty="0">
-                <a:latin typeface="Courier New" panose="02070309020205020404" pitchFamily="49" charset="0"/>
-                <a:ea typeface="Times New Roman" panose="02020603050405020304" pitchFamily="18" charset="0"/>
-                <a:cs typeface="Times New Roman" panose="02020603050405020304" pitchFamily="18" charset="0"/>
-              </a:rPr>
-              <a:t>    margin: 0;</a:t>
-            </a:r>
-          </a:p>
-          <a:p>
-            <a:pPr marL="347345" marR="0">
-              <a:spcBef>
-                <a:spcPts val="0"/>
-              </a:spcBef>
-              <a:spcAft>
-                <a:spcPts val="0"/>
-              </a:spcAft>
-              <a:tabLst>
-                <a:tab pos="1371600" algn="l"/>
-              </a:tabLst>
-            </a:pPr>
-            <a:r>
-              <a:rPr lang="en-US" sz="1600" b="1" dirty="0">
-                <a:latin typeface="Courier New" panose="02070309020205020404" pitchFamily="49" charset="0"/>
-                <a:ea typeface="Times New Roman" panose="02020603050405020304" pitchFamily="18" charset="0"/>
-                <a:cs typeface="Times New Roman" panose="02020603050405020304" pitchFamily="18" charset="0"/>
-              </a:rPr>
-              <a:t>    padding-bottom: .5em; }</a:t>
-            </a:r>
-          </a:p>
-          <a:p>
-            <a:endParaRPr lang="en-US" dirty="0"/>
+              <a:t>...</a:t>
+            </a:r>
           </a:p>
         </p:txBody>
       </p:sp>
@@ -7623,7 +8192,7 @@
           <p:cNvPr id="4" name="Date Placeholder 3">
             <a:extLst>
               <a:ext uri="{FF2B5EF4-FFF2-40B4-BE49-F238E27FC236}">
-                <a16:creationId xmlns:a16="http://schemas.microsoft.com/office/drawing/2014/main" id="{012E4A26-D0E7-40C7-AAFB-DC2FBD734103}"/>
+                <a16:creationId xmlns:a16="http://schemas.microsoft.com/office/drawing/2014/main" id="{A6992D0F-1F10-4EBD-A403-E5BB26A59B95}"/>
               </a:ext>
             </a:extLst>
           </p:cNvPr>
@@ -7655,7 +8224,7 @@
           <p:cNvPr id="5" name="Footer Placeholder 4">
             <a:extLst>
               <a:ext uri="{FF2B5EF4-FFF2-40B4-BE49-F238E27FC236}">
-                <a16:creationId xmlns:a16="http://schemas.microsoft.com/office/drawing/2014/main" id="{F6AB6C64-4162-47ED-87A2-AA958DF05C5E}"/>
+                <a16:creationId xmlns:a16="http://schemas.microsoft.com/office/drawing/2014/main" id="{B246CB01-B126-46FC-89BB-4DB1A24A37AA}"/>
               </a:ext>
             </a:extLst>
           </p:cNvPr>
@@ -7687,7 +8256,7 @@
           <p:cNvPr id="6" name="Slide Number Placeholder 5">
             <a:extLst>
               <a:ext uri="{FF2B5EF4-FFF2-40B4-BE49-F238E27FC236}">
-                <a16:creationId xmlns:a16="http://schemas.microsoft.com/office/drawing/2014/main" id="{20B7B486-5825-45E2-87EE-8AAD9CD19D1A}"/>
+                <a16:creationId xmlns:a16="http://schemas.microsoft.com/office/drawing/2014/main" id="{096B4D97-23AF-452F-B812-59C4A008464B}"/>
               </a:ext>
             </a:extLst>
           </p:cNvPr>
@@ -7744,7 +8313,7 @@
     </p:spTree>
     <p:extLst>
       <p:ext uri="{BB962C8B-B14F-4D97-AF65-F5344CB8AC3E}">
-        <p14:creationId xmlns:p14="http://schemas.microsoft.com/office/powerpoint/2010/main" val="2121367787"/>
+        <p14:creationId xmlns:p14="http://schemas.microsoft.com/office/powerpoint/2010/main" val="1813635465"/>
       </p:ext>
     </p:extLst>
   </p:cSld>
@@ -7776,7 +8345,7 @@
           <p:cNvPr id="2" name="Title 1">
             <a:extLst>
               <a:ext uri="{FF2B5EF4-FFF2-40B4-BE49-F238E27FC236}">
-                <a16:creationId xmlns:a16="http://schemas.microsoft.com/office/drawing/2014/main" id="{6E60D520-5763-4AE4-AB09-3A5F149B0C94}"/>
+                <a16:creationId xmlns:a16="http://schemas.microsoft.com/office/drawing/2014/main" id="{7D546E78-9509-4517-98F0-F20E27F4E356}"/>
               </a:ext>
             </a:extLst>
           </p:cNvPr>
@@ -7809,56 +8378,487 @@
                 <a:ea typeface="Times New Roman" panose="02020603050405020304" pitchFamily="18" charset="0"/>
                 <a:cs typeface="Times New Roman" panose="02020603050405020304" pitchFamily="18" charset="0"/>
               </a:rPr>
-              <a:t>The web page displayed in a web browser</a:t>
+              <a:t>The code for the CSS file named book.css</a:t>
             </a:r>
             <a:endParaRPr lang="en-US" dirty="0"/>
           </a:p>
         </p:txBody>
       </p:sp>
-      <p:pic>
-        <p:nvPicPr>
-          <p:cNvPr id="7" name="Content Placeholder 6" descr="See page 16 in book" title="See slide title">
-            <a:extLst>
-              <a:ext uri="{FF2B5EF4-FFF2-40B4-BE49-F238E27FC236}">
-                <a16:creationId xmlns:a16="http://schemas.microsoft.com/office/drawing/2014/main" id="{518E81D3-4319-46E5-B93A-778C82A70844}"/>
-              </a:ext>
-            </a:extLst>
-          </p:cNvPr>
-          <p:cNvPicPr>
-            <a:picLocks noGrp="1"/>
-          </p:cNvPicPr>
-          <p:nvPr>
-            <p:ph sz="quarter" idx="13"/>
-          </p:nvPr>
-        </p:nvPicPr>
-        <p:blipFill>
-          <a:blip r:embed="rId2">
-            <a:extLst>
-              <a:ext uri="{28A0092B-C50C-407E-A947-70E740481C1C}">
-                <a14:useLocalDpi xmlns:a14="http://schemas.microsoft.com/office/drawing/2010/main" val="0"/>
-              </a:ext>
-            </a:extLst>
-          </a:blip>
-          <a:stretch>
-            <a:fillRect/>
-          </a:stretch>
-        </p:blipFill>
-        <p:spPr>
-          <a:xfrm>
-            <a:off x="914400" y="1219200"/>
-            <a:ext cx="6304762" cy="3733333"/>
-          </a:xfrm>
-          <a:prstGeom prst="rect">
-            <a:avLst/>
-          </a:prstGeom>
-        </p:spPr>
-      </p:pic>
+      <p:sp>
+        <p:nvSpPr>
+          <p:cNvPr id="3" name="Text Placeholder 2">
+            <a:extLst>
+              <a:ext uri="{FF2B5EF4-FFF2-40B4-BE49-F238E27FC236}">
+                <a16:creationId xmlns:a16="http://schemas.microsoft.com/office/drawing/2014/main" id="{3ACB7B5E-3566-4ABA-AEB1-4214B2EC4E89}"/>
+              </a:ext>
+            </a:extLst>
+          </p:cNvPr>
+          <p:cNvSpPr>
+            <a:spLocks noGrp="1"/>
+          </p:cNvSpPr>
+          <p:nvPr>
+            <p:ph type="body" sz="quarter" idx="13"/>
+          </p:nvPr>
+        </p:nvSpPr>
+        <p:spPr/>
+        <p:txBody>
+          <a:bodyPr/>
+          <a:lstStyle/>
+          <a:p>
+            <a:pPr marL="347345" marR="0">
+              <a:spcBef>
+                <a:spcPts val="0"/>
+              </a:spcBef>
+              <a:spcAft>
+                <a:spcPts val="0"/>
+              </a:spcAft>
+              <a:tabLst>
+                <a:tab pos="1371600" algn="l"/>
+              </a:tabLst>
+            </a:pPr>
+            <a:r>
+              <a:rPr lang="en-US" sz="1600" b="1" dirty="0">
+                <a:latin typeface="Courier New" panose="02070309020205020404" pitchFamily="49" charset="0"/>
+                <a:ea typeface="Times New Roman" panose="02020603050405020304" pitchFamily="18" charset="0"/>
+                <a:cs typeface="Times New Roman" panose="02020603050405020304" pitchFamily="18" charset="0"/>
+              </a:rPr>
+              <a:t>body {</a:t>
+            </a:r>
+          </a:p>
+          <a:p>
+            <a:pPr marL="347345" marR="0">
+              <a:spcBef>
+                <a:spcPts val="0"/>
+              </a:spcBef>
+              <a:spcAft>
+                <a:spcPts val="0"/>
+              </a:spcAft>
+              <a:tabLst>
+                <a:tab pos="1371600" algn="l"/>
+              </a:tabLst>
+            </a:pPr>
+            <a:r>
+              <a:rPr lang="en-US" sz="1600" b="1" dirty="0">
+                <a:latin typeface="Courier New" panose="02070309020205020404" pitchFamily="49" charset="0"/>
+                <a:ea typeface="Times New Roman" panose="02020603050405020304" pitchFamily="18" charset="0"/>
+                <a:cs typeface="Times New Roman" panose="02020603050405020304" pitchFamily="18" charset="0"/>
+              </a:rPr>
+              <a:t>    font-family: Arial, Helvetica, sans-serif;</a:t>
+            </a:r>
+          </a:p>
+          <a:p>
+            <a:pPr marL="347345" marR="0">
+              <a:spcBef>
+                <a:spcPts val="0"/>
+              </a:spcBef>
+              <a:spcAft>
+                <a:spcPts val="0"/>
+              </a:spcAft>
+              <a:tabLst>
+                <a:tab pos="1371600" algn="l"/>
+              </a:tabLst>
+            </a:pPr>
+            <a:r>
+              <a:rPr lang="en-US" sz="1600" b="1" dirty="0">
+                <a:latin typeface="Courier New" panose="02070309020205020404" pitchFamily="49" charset="0"/>
+                <a:ea typeface="Times New Roman" panose="02020603050405020304" pitchFamily="18" charset="0"/>
+                <a:cs typeface="Times New Roman" panose="02020603050405020304" pitchFamily="18" charset="0"/>
+              </a:rPr>
+              <a:t>    font-size: 100%;</a:t>
+            </a:r>
+          </a:p>
+          <a:p>
+            <a:pPr marL="347345" marR="0">
+              <a:spcBef>
+                <a:spcPts val="0"/>
+              </a:spcBef>
+              <a:spcAft>
+                <a:spcPts val="0"/>
+              </a:spcAft>
+              <a:tabLst>
+                <a:tab pos="1371600" algn="l"/>
+              </a:tabLst>
+            </a:pPr>
+            <a:r>
+              <a:rPr lang="en-US" sz="1600" b="1" dirty="0">
+                <a:latin typeface="Courier New" panose="02070309020205020404" pitchFamily="49" charset="0"/>
+                <a:ea typeface="Times New Roman" panose="02020603050405020304" pitchFamily="18" charset="0"/>
+                <a:cs typeface="Times New Roman" panose="02020603050405020304" pitchFamily="18" charset="0"/>
+              </a:rPr>
+              <a:t>    width: 550px;</a:t>
+            </a:r>
+          </a:p>
+          <a:p>
+            <a:pPr marL="347345" marR="0">
+              <a:spcBef>
+                <a:spcPts val="0"/>
+              </a:spcBef>
+              <a:spcAft>
+                <a:spcPts val="0"/>
+              </a:spcAft>
+              <a:tabLst>
+                <a:tab pos="1371600" algn="l"/>
+              </a:tabLst>
+            </a:pPr>
+            <a:r>
+              <a:rPr lang="en-US" sz="1600" b="1" dirty="0">
+                <a:latin typeface="Courier New" panose="02070309020205020404" pitchFamily="49" charset="0"/>
+                <a:ea typeface="Times New Roman" panose="02020603050405020304" pitchFamily="18" charset="0"/>
+                <a:cs typeface="Times New Roman" panose="02020603050405020304" pitchFamily="18" charset="0"/>
+              </a:rPr>
+              <a:t>    margin: 0 auto;</a:t>
+            </a:r>
+          </a:p>
+          <a:p>
+            <a:pPr marL="347345" marR="0">
+              <a:spcBef>
+                <a:spcPts val="0"/>
+              </a:spcBef>
+              <a:spcAft>
+                <a:spcPts val="0"/>
+              </a:spcAft>
+              <a:tabLst>
+                <a:tab pos="1371600" algn="l"/>
+              </a:tabLst>
+            </a:pPr>
+            <a:r>
+              <a:rPr lang="en-US" sz="1600" b="1" dirty="0">
+                <a:latin typeface="Courier New" panose="02070309020205020404" pitchFamily="49" charset="0"/>
+                <a:ea typeface="Times New Roman" panose="02020603050405020304" pitchFamily="18" charset="0"/>
+                <a:cs typeface="Times New Roman" panose="02020603050405020304" pitchFamily="18" charset="0"/>
+              </a:rPr>
+              <a:t>    padding: 1em;</a:t>
+            </a:r>
+          </a:p>
+          <a:p>
+            <a:pPr marL="347345" marR="0">
+              <a:spcBef>
+                <a:spcPts val="0"/>
+              </a:spcBef>
+              <a:spcAft>
+                <a:spcPts val="0"/>
+              </a:spcAft>
+              <a:tabLst>
+                <a:tab pos="1371600" algn="l"/>
+              </a:tabLst>
+            </a:pPr>
+            <a:r>
+              <a:rPr lang="en-US" sz="1600" b="1" dirty="0">
+                <a:latin typeface="Courier New" panose="02070309020205020404" pitchFamily="49" charset="0"/>
+                <a:ea typeface="Times New Roman" panose="02020603050405020304" pitchFamily="18" charset="0"/>
+                <a:cs typeface="Times New Roman" panose="02020603050405020304" pitchFamily="18" charset="0"/>
+              </a:rPr>
+              <a:t>    border: 1px solid navy;</a:t>
+            </a:r>
+          </a:p>
+          <a:p>
+            <a:pPr marL="347345" marR="0">
+              <a:spcBef>
+                <a:spcPts val="0"/>
+              </a:spcBef>
+              <a:spcAft>
+                <a:spcPts val="0"/>
+              </a:spcAft>
+              <a:tabLst>
+                <a:tab pos="1371600" algn="l"/>
+              </a:tabLst>
+            </a:pPr>
+            <a:r>
+              <a:rPr lang="en-US" sz="1600" b="1" dirty="0">
+                <a:latin typeface="Courier New" panose="02070309020205020404" pitchFamily="49" charset="0"/>
+                <a:ea typeface="Times New Roman" panose="02020603050405020304" pitchFamily="18" charset="0"/>
+                <a:cs typeface="Times New Roman" panose="02020603050405020304" pitchFamily="18" charset="0"/>
+              </a:rPr>
+              <a:t>}</a:t>
+            </a:r>
+          </a:p>
+          <a:p>
+            <a:pPr marL="347345" marR="0">
+              <a:spcBef>
+                <a:spcPts val="0"/>
+              </a:spcBef>
+              <a:spcAft>
+                <a:spcPts val="0"/>
+              </a:spcAft>
+              <a:tabLst>
+                <a:tab pos="1371600" algn="l"/>
+              </a:tabLst>
+            </a:pPr>
+            <a:r>
+              <a:rPr lang="en-US" sz="1600" b="1" dirty="0">
+                <a:latin typeface="Courier New" panose="02070309020205020404" pitchFamily="49" charset="0"/>
+                <a:ea typeface="Times New Roman" panose="02020603050405020304" pitchFamily="18" charset="0"/>
+                <a:cs typeface="Times New Roman" panose="02020603050405020304" pitchFamily="18" charset="0"/>
+              </a:rPr>
+              <a:t>h1 {    </a:t>
+            </a:r>
+          </a:p>
+          <a:p>
+            <a:pPr marL="347345" marR="0">
+              <a:spcBef>
+                <a:spcPts val="0"/>
+              </a:spcBef>
+              <a:spcAft>
+                <a:spcPts val="0"/>
+              </a:spcAft>
+              <a:tabLst>
+                <a:tab pos="1371600" algn="l"/>
+              </a:tabLst>
+            </a:pPr>
+            <a:r>
+              <a:rPr lang="en-US" sz="1600" b="1" dirty="0">
+                <a:latin typeface="Courier New" panose="02070309020205020404" pitchFamily="49" charset="0"/>
+                <a:ea typeface="Times New Roman" panose="02020603050405020304" pitchFamily="18" charset="0"/>
+                <a:cs typeface="Times New Roman" panose="02020603050405020304" pitchFamily="18" charset="0"/>
+              </a:rPr>
+              <a:t>    margin: 0;</a:t>
+            </a:r>
+          </a:p>
+          <a:p>
+            <a:pPr marL="347345" marR="0">
+              <a:spcBef>
+                <a:spcPts val="0"/>
+              </a:spcBef>
+              <a:spcAft>
+                <a:spcPts val="0"/>
+              </a:spcAft>
+              <a:tabLst>
+                <a:tab pos="1371600" algn="l"/>
+              </a:tabLst>
+            </a:pPr>
+            <a:r>
+              <a:rPr lang="en-US" sz="1600" b="1" dirty="0">
+                <a:latin typeface="Courier New" panose="02070309020205020404" pitchFamily="49" charset="0"/>
+                <a:ea typeface="Times New Roman" panose="02020603050405020304" pitchFamily="18" charset="0"/>
+                <a:cs typeface="Times New Roman" panose="02020603050405020304" pitchFamily="18" charset="0"/>
+              </a:rPr>
+              <a:t>    padding: .25em;</a:t>
+            </a:r>
+          </a:p>
+          <a:p>
+            <a:pPr marL="347345" marR="0">
+              <a:spcBef>
+                <a:spcPts val="0"/>
+              </a:spcBef>
+              <a:spcAft>
+                <a:spcPts val="0"/>
+              </a:spcAft>
+              <a:tabLst>
+                <a:tab pos="1371600" algn="l"/>
+              </a:tabLst>
+            </a:pPr>
+            <a:r>
+              <a:rPr lang="en-US" sz="1600" b="1" dirty="0">
+                <a:latin typeface="Courier New" panose="02070309020205020404" pitchFamily="49" charset="0"/>
+                <a:ea typeface="Times New Roman" panose="02020603050405020304" pitchFamily="18" charset="0"/>
+                <a:cs typeface="Times New Roman" panose="02020603050405020304" pitchFamily="18" charset="0"/>
+              </a:rPr>
+              <a:t>    font-size: 200%;</a:t>
+            </a:r>
+          </a:p>
+          <a:p>
+            <a:pPr marL="347345" marR="0">
+              <a:spcBef>
+                <a:spcPts val="0"/>
+              </a:spcBef>
+              <a:spcAft>
+                <a:spcPts val="0"/>
+              </a:spcAft>
+              <a:tabLst>
+                <a:tab pos="1371600" algn="l"/>
+              </a:tabLst>
+            </a:pPr>
+            <a:r>
+              <a:rPr lang="en-US" sz="1600" b="1" dirty="0">
+                <a:latin typeface="Courier New" panose="02070309020205020404" pitchFamily="49" charset="0"/>
+                <a:ea typeface="Times New Roman" panose="02020603050405020304" pitchFamily="18" charset="0"/>
+                <a:cs typeface="Times New Roman" panose="02020603050405020304" pitchFamily="18" charset="0"/>
+              </a:rPr>
+              <a:t>    color: navy;</a:t>
+            </a:r>
+          </a:p>
+          <a:p>
+            <a:pPr marL="347345" marR="0">
+              <a:spcBef>
+                <a:spcPts val="0"/>
+              </a:spcBef>
+              <a:spcAft>
+                <a:spcPts val="0"/>
+              </a:spcAft>
+              <a:tabLst>
+                <a:tab pos="1371600" algn="l"/>
+              </a:tabLst>
+            </a:pPr>
+            <a:r>
+              <a:rPr lang="en-US" sz="1600" b="1" dirty="0">
+                <a:latin typeface="Courier New" panose="02070309020205020404" pitchFamily="49" charset="0"/>
+                <a:ea typeface="Times New Roman" panose="02020603050405020304" pitchFamily="18" charset="0"/>
+                <a:cs typeface="Times New Roman" panose="02020603050405020304" pitchFamily="18" charset="0"/>
+              </a:rPr>
+              <a:t>}</a:t>
+            </a:r>
+          </a:p>
+          <a:p>
+            <a:pPr marL="347345" marR="0">
+              <a:spcBef>
+                <a:spcPts val="0"/>
+              </a:spcBef>
+              <a:spcAft>
+                <a:spcPts val="0"/>
+              </a:spcAft>
+              <a:tabLst>
+                <a:tab pos="1371600" algn="l"/>
+              </a:tabLst>
+            </a:pPr>
+            <a:r>
+              <a:rPr lang="en-US" sz="1600" b="1" dirty="0" err="1">
+                <a:latin typeface="Courier New" panose="02070309020205020404" pitchFamily="49" charset="0"/>
+                <a:ea typeface="Times New Roman" panose="02020603050405020304" pitchFamily="18" charset="0"/>
+                <a:cs typeface="Times New Roman" panose="02020603050405020304" pitchFamily="18" charset="0"/>
+              </a:rPr>
+              <a:t>img</a:t>
+            </a:r>
+            <a:r>
+              <a:rPr lang="en-US" sz="1600" b="1" dirty="0">
+                <a:latin typeface="Courier New" panose="02070309020205020404" pitchFamily="49" charset="0"/>
+                <a:ea typeface="Times New Roman" panose="02020603050405020304" pitchFamily="18" charset="0"/>
+                <a:cs typeface="Times New Roman" panose="02020603050405020304" pitchFamily="18" charset="0"/>
+              </a:rPr>
+              <a:t>  {</a:t>
+            </a:r>
+          </a:p>
+          <a:p>
+            <a:pPr marL="347345" marR="0">
+              <a:spcBef>
+                <a:spcPts val="0"/>
+              </a:spcBef>
+              <a:spcAft>
+                <a:spcPts val="0"/>
+              </a:spcAft>
+              <a:tabLst>
+                <a:tab pos="1371600" algn="l"/>
+              </a:tabLst>
+            </a:pPr>
+            <a:r>
+              <a:rPr lang="en-US" sz="1600" b="1" dirty="0">
+                <a:latin typeface="Courier New" panose="02070309020205020404" pitchFamily="49" charset="0"/>
+                <a:ea typeface="Times New Roman" panose="02020603050405020304" pitchFamily="18" charset="0"/>
+                <a:cs typeface="Times New Roman" panose="02020603050405020304" pitchFamily="18" charset="0"/>
+              </a:rPr>
+              <a:t>    float: left;</a:t>
+            </a:r>
+          </a:p>
+          <a:p>
+            <a:pPr marL="347345" marR="0">
+              <a:spcBef>
+                <a:spcPts val="0"/>
+              </a:spcBef>
+              <a:spcAft>
+                <a:spcPts val="0"/>
+              </a:spcAft>
+              <a:tabLst>
+                <a:tab pos="1371600" algn="l"/>
+              </a:tabLst>
+            </a:pPr>
+            <a:r>
+              <a:rPr lang="en-US" sz="1600" b="1" dirty="0">
+                <a:latin typeface="Courier New" panose="02070309020205020404" pitchFamily="49" charset="0"/>
+                <a:ea typeface="Times New Roman" panose="02020603050405020304" pitchFamily="18" charset="0"/>
+                <a:cs typeface="Times New Roman" panose="02020603050405020304" pitchFamily="18" charset="0"/>
+              </a:rPr>
+              <a:t>    margin: 0 1em 1 </a:t>
+            </a:r>
+            <a:r>
+              <a:rPr lang="en-US" sz="1600" b="1" dirty="0" err="1">
+                <a:latin typeface="Courier New" panose="02070309020205020404" pitchFamily="49" charset="0"/>
+                <a:ea typeface="Times New Roman" panose="02020603050405020304" pitchFamily="18" charset="0"/>
+                <a:cs typeface="Times New Roman" panose="02020603050405020304" pitchFamily="18" charset="0"/>
+              </a:rPr>
+              <a:t>em</a:t>
+            </a:r>
+            <a:r>
+              <a:rPr lang="en-US" sz="1600" b="1" dirty="0">
+                <a:latin typeface="Courier New" panose="02070309020205020404" pitchFamily="49" charset="0"/>
+                <a:ea typeface="Times New Roman" panose="02020603050405020304" pitchFamily="18" charset="0"/>
+                <a:cs typeface="Times New Roman" panose="02020603050405020304" pitchFamily="18" charset="0"/>
+              </a:rPr>
+              <a:t> 1em; }</a:t>
+            </a:r>
+          </a:p>
+          <a:p>
+            <a:pPr marL="347345" marR="0">
+              <a:spcBef>
+                <a:spcPts val="0"/>
+              </a:spcBef>
+              <a:spcAft>
+                <a:spcPts val="0"/>
+              </a:spcAft>
+              <a:tabLst>
+                <a:tab pos="1371600" algn="l"/>
+              </a:tabLst>
+            </a:pPr>
+            <a:r>
+              <a:rPr lang="en-US" sz="1600" b="1" dirty="0">
+                <a:latin typeface="Courier New" panose="02070309020205020404" pitchFamily="49" charset="0"/>
+                <a:ea typeface="Times New Roman" panose="02020603050405020304" pitchFamily="18" charset="0"/>
+                <a:cs typeface="Times New Roman" panose="02020603050405020304" pitchFamily="18" charset="0"/>
+              </a:rPr>
+              <a:t>p {</a:t>
+            </a:r>
+          </a:p>
+          <a:p>
+            <a:pPr marL="347345" marR="0">
+              <a:spcBef>
+                <a:spcPts val="0"/>
+              </a:spcBef>
+              <a:spcAft>
+                <a:spcPts val="0"/>
+              </a:spcAft>
+              <a:tabLst>
+                <a:tab pos="1371600" algn="l"/>
+              </a:tabLst>
+            </a:pPr>
+            <a:r>
+              <a:rPr lang="en-US" sz="1600" b="1" dirty="0">
+                <a:latin typeface="Courier New" panose="02070309020205020404" pitchFamily="49" charset="0"/>
+                <a:ea typeface="Times New Roman" panose="02020603050405020304" pitchFamily="18" charset="0"/>
+                <a:cs typeface="Times New Roman" panose="02020603050405020304" pitchFamily="18" charset="0"/>
+              </a:rPr>
+              <a:t>    margin: 0;</a:t>
+            </a:r>
+          </a:p>
+          <a:p>
+            <a:pPr marL="347345" marR="0">
+              <a:spcBef>
+                <a:spcPts val="0"/>
+              </a:spcBef>
+              <a:spcAft>
+                <a:spcPts val="0"/>
+              </a:spcAft>
+              <a:tabLst>
+                <a:tab pos="1371600" algn="l"/>
+              </a:tabLst>
+            </a:pPr>
+            <a:r>
+              <a:rPr lang="en-US" sz="1600" b="1" dirty="0">
+                <a:latin typeface="Courier New" panose="02070309020205020404" pitchFamily="49" charset="0"/>
+                <a:ea typeface="Times New Roman" panose="02020603050405020304" pitchFamily="18" charset="0"/>
+                <a:cs typeface="Times New Roman" panose="02020603050405020304" pitchFamily="18" charset="0"/>
+              </a:rPr>
+              <a:t>    padding-bottom: .5em; }</a:t>
+            </a:r>
+          </a:p>
+          <a:p>
+            <a:endParaRPr lang="en-US" dirty="0"/>
+          </a:p>
+        </p:txBody>
+      </p:sp>
       <p:sp>
         <p:nvSpPr>
           <p:cNvPr id="4" name="Date Placeholder 3">
             <a:extLst>
               <a:ext uri="{FF2B5EF4-FFF2-40B4-BE49-F238E27FC236}">
-                <a16:creationId xmlns:a16="http://schemas.microsoft.com/office/drawing/2014/main" id="{000F52D6-8B08-4CAD-B32B-9CDC66B255DA}"/>
+                <a16:creationId xmlns:a16="http://schemas.microsoft.com/office/drawing/2014/main" id="{012E4A26-D0E7-40C7-AAFB-DC2FBD734103}"/>
               </a:ext>
             </a:extLst>
           </p:cNvPr>
@@ -7890,7 +8890,7 @@
           <p:cNvPr id="5" name="Footer Placeholder 4">
             <a:extLst>
               <a:ext uri="{FF2B5EF4-FFF2-40B4-BE49-F238E27FC236}">
-                <a16:creationId xmlns:a16="http://schemas.microsoft.com/office/drawing/2014/main" id="{8F9EC0B0-A107-4D8E-84DD-6521719F4520}"/>
+                <a16:creationId xmlns:a16="http://schemas.microsoft.com/office/drawing/2014/main" id="{F6AB6C64-4162-47ED-87A2-AA958DF05C5E}"/>
               </a:ext>
             </a:extLst>
           </p:cNvPr>
@@ -7922,7 +8922,7 @@
           <p:cNvPr id="6" name="Slide Number Placeholder 5">
             <a:extLst>
               <a:ext uri="{FF2B5EF4-FFF2-40B4-BE49-F238E27FC236}">
-                <a16:creationId xmlns:a16="http://schemas.microsoft.com/office/drawing/2014/main" id="{A0326940-6D49-4D89-A987-3D3206C5FD8E}"/>
+                <a16:creationId xmlns:a16="http://schemas.microsoft.com/office/drawing/2014/main" id="{20B7B486-5825-45E2-87EE-8AAD9CD19D1A}"/>
               </a:ext>
             </a:extLst>
           </p:cNvPr>
@@ -7979,7 +8979,7 @@
     </p:spTree>
     <p:extLst>
       <p:ext uri="{BB962C8B-B14F-4D97-AF65-F5344CB8AC3E}">
-        <p14:creationId xmlns:p14="http://schemas.microsoft.com/office/powerpoint/2010/main" val="1903642702"/>
+        <p14:creationId xmlns:p14="http://schemas.microsoft.com/office/powerpoint/2010/main" val="2121367787"/>
       </p:ext>
     </p:extLst>
   </p:cSld>
@@ -8011,7 +9011,7 @@
           <p:cNvPr id="2" name="Title 1">
             <a:extLst>
               <a:ext uri="{FF2B5EF4-FFF2-40B4-BE49-F238E27FC236}">
-                <a16:creationId xmlns:a16="http://schemas.microsoft.com/office/drawing/2014/main" id="{77E0EDD8-29BF-4673-B84B-03D0DD93F1BA}"/>
+                <a16:creationId xmlns:a16="http://schemas.microsoft.com/office/drawing/2014/main" id="{6E60D520-5763-4AE4-AB09-3A5F149B0C94}"/>
               </a:ext>
             </a:extLst>
           </p:cNvPr>
@@ -8044,145 +9044,56 @@
                 <a:ea typeface="Times New Roman" panose="02020603050405020304" pitchFamily="18" charset="0"/>
                 <a:cs typeface="Times New Roman" panose="02020603050405020304" pitchFamily="18" charset="0"/>
               </a:rPr>
-              <a:t>Websites to become familiar with</a:t>
+              <a:t>The web page displayed in a web browser</a:t>
             </a:r>
             <a:endParaRPr lang="en-US" dirty="0"/>
           </a:p>
         </p:txBody>
       </p:sp>
-      <p:sp>
-        <p:nvSpPr>
-          <p:cNvPr id="3" name="Text Placeholder 2">
-            <a:extLst>
-              <a:ext uri="{FF2B5EF4-FFF2-40B4-BE49-F238E27FC236}">
-                <a16:creationId xmlns:a16="http://schemas.microsoft.com/office/drawing/2014/main" id="{76DFFE44-9B17-4F71-B726-BDC6843D7972}"/>
-              </a:ext>
-            </a:extLst>
-          </p:cNvPr>
-          <p:cNvSpPr>
-            <a:spLocks noGrp="1"/>
-          </p:cNvSpPr>
-          <p:nvPr>
-            <p:ph type="body" sz="quarter" idx="13"/>
-          </p:nvPr>
-        </p:nvSpPr>
-        <p:spPr/>
-        <p:txBody>
-          <a:bodyPr/>
-          <a:lstStyle/>
-          <a:p>
-            <a:pPr marR="274320" lvl="0">
-              <a:spcBef>
-                <a:spcPts val="0"/>
-              </a:spcBef>
-              <a:spcAft>
-                <a:spcPts val="600"/>
-              </a:spcAft>
-            </a:pPr>
-            <a:endParaRPr lang="en-US" dirty="0"/>
-          </a:p>
-          <a:p>
-            <a:pPr marR="274320" lvl="0">
-              <a:spcBef>
-                <a:spcPts val="0"/>
-              </a:spcBef>
-              <a:spcAft>
-                <a:spcPts val="600"/>
-              </a:spcAft>
-            </a:pPr>
-            <a:r>
-              <a:rPr lang="en-US" dirty="0"/>
-              <a:t>W3 Schools </a:t>
-            </a:r>
-          </a:p>
-          <a:p>
-            <a:pPr marR="274320" lvl="0">
-              <a:spcBef>
-                <a:spcPts val="0"/>
-              </a:spcBef>
-              <a:spcAft>
-                <a:spcPts val="600"/>
-              </a:spcAft>
-            </a:pPr>
-            <a:r>
-              <a:rPr lang="en-US" dirty="0">
-                <a:solidFill>
-                  <a:schemeClr val="accent2"/>
-                </a:solidFill>
-                <a:hlinkClick r:id="rId2">
-                  <a:extLst>
-                    <a:ext uri="{A12FA001-AC4F-418D-AE19-62706E023703}">
-                      <ahyp:hlinkClr xmlns:ahyp="http://schemas.microsoft.com/office/drawing/2018/hyperlinkcolor" val="tx"/>
-                    </a:ext>
-                  </a:extLst>
-                </a:hlinkClick>
-              </a:rPr>
-              <a:t>https://www.w3schools.com/html/</a:t>
-            </a:r>
-            <a:endParaRPr lang="en-US" dirty="0">
-              <a:solidFill>
-                <a:schemeClr val="accent2"/>
-              </a:solidFill>
-            </a:endParaRPr>
-          </a:p>
-          <a:p>
-            <a:pPr marR="274320" lvl="0">
-              <a:spcBef>
-                <a:spcPts val="0"/>
-              </a:spcBef>
-              <a:spcAft>
-                <a:spcPts val="600"/>
-              </a:spcAft>
-            </a:pPr>
-            <a:endParaRPr lang="en-US" dirty="0"/>
-          </a:p>
-          <a:p>
-            <a:pPr marR="274320" lvl="0">
-              <a:spcBef>
-                <a:spcPts val="0"/>
-              </a:spcBef>
-              <a:spcAft>
-                <a:spcPts val="600"/>
-              </a:spcAft>
-            </a:pPr>
-            <a:r>
-              <a:rPr lang="en-US" dirty="0"/>
-              <a:t>Mozilla Developer Network</a:t>
-            </a:r>
-          </a:p>
-          <a:p>
-            <a:r>
-              <a:rPr lang="en-US" dirty="0">
-                <a:solidFill>
-                  <a:schemeClr val="accent2"/>
-                </a:solidFill>
-                <a:hlinkClick r:id="rId3">
-                  <a:extLst>
-                    <a:ext uri="{A12FA001-AC4F-418D-AE19-62706E023703}">
-                      <ahyp:hlinkClr xmlns:ahyp="http://schemas.microsoft.com/office/drawing/2018/hyperlinkcolor" val="tx"/>
-                    </a:ext>
-                  </a:extLst>
-                </a:hlinkClick>
-              </a:rPr>
-              <a:t>https://developer.mozilla.org/en-US/docs/Web/HTML/Reference</a:t>
-            </a:r>
-            <a:endParaRPr lang="en-US" dirty="0">
-              <a:solidFill>
-                <a:schemeClr val="accent2"/>
-              </a:solidFill>
-            </a:endParaRPr>
-          </a:p>
-          <a:p>
-            <a:endParaRPr lang="en-US" dirty="0"/>
-          </a:p>
-        </p:txBody>
-      </p:sp>
+      <p:pic>
+        <p:nvPicPr>
+          <p:cNvPr id="7" name="Content Placeholder 6" descr="See page 16 in book" title="See slide title">
+            <a:extLst>
+              <a:ext uri="{FF2B5EF4-FFF2-40B4-BE49-F238E27FC236}">
+                <a16:creationId xmlns:a16="http://schemas.microsoft.com/office/drawing/2014/main" id="{518E81D3-4319-46E5-B93A-778C82A70844}"/>
+              </a:ext>
+            </a:extLst>
+          </p:cNvPr>
+          <p:cNvPicPr>
+            <a:picLocks noGrp="1"/>
+          </p:cNvPicPr>
+          <p:nvPr>
+            <p:ph sz="quarter" idx="13"/>
+          </p:nvPr>
+        </p:nvPicPr>
+        <p:blipFill>
+          <a:blip r:embed="rId2">
+            <a:extLst>
+              <a:ext uri="{28A0092B-C50C-407E-A947-70E740481C1C}">
+                <a14:useLocalDpi xmlns:a14="http://schemas.microsoft.com/office/drawing/2010/main" val="0"/>
+              </a:ext>
+            </a:extLst>
+          </a:blip>
+          <a:stretch>
+            <a:fillRect/>
+          </a:stretch>
+        </p:blipFill>
+        <p:spPr>
+          <a:xfrm>
+            <a:off x="914400" y="1219200"/>
+            <a:ext cx="6304762" cy="3733333"/>
+          </a:xfrm>
+          <a:prstGeom prst="rect">
+            <a:avLst/>
+          </a:prstGeom>
+        </p:spPr>
+      </p:pic>
       <p:sp>
         <p:nvSpPr>
           <p:cNvPr id="4" name="Date Placeholder 3">
             <a:extLst>
               <a:ext uri="{FF2B5EF4-FFF2-40B4-BE49-F238E27FC236}">
-                <a16:creationId xmlns:a16="http://schemas.microsoft.com/office/drawing/2014/main" id="{FC29F362-46FB-4C91-A0E7-582C756F44E6}"/>
+                <a16:creationId xmlns:a16="http://schemas.microsoft.com/office/drawing/2014/main" id="{000F52D6-8B08-4CAD-B32B-9CDC66B255DA}"/>
               </a:ext>
             </a:extLst>
           </p:cNvPr>
@@ -8214,7 +9125,7 @@
           <p:cNvPr id="5" name="Footer Placeholder 4">
             <a:extLst>
               <a:ext uri="{FF2B5EF4-FFF2-40B4-BE49-F238E27FC236}">
-                <a16:creationId xmlns:a16="http://schemas.microsoft.com/office/drawing/2014/main" id="{9F3DB55D-7E21-4076-82FE-0E7C4AFDB184}"/>
+                <a16:creationId xmlns:a16="http://schemas.microsoft.com/office/drawing/2014/main" id="{8F9EC0B0-A107-4D8E-84DD-6521719F4520}"/>
               </a:ext>
             </a:extLst>
           </p:cNvPr>
@@ -8246,7 +9157,7 @@
           <p:cNvPr id="6" name="Slide Number Placeholder 5">
             <a:extLst>
               <a:ext uri="{FF2B5EF4-FFF2-40B4-BE49-F238E27FC236}">
-                <a16:creationId xmlns:a16="http://schemas.microsoft.com/office/drawing/2014/main" id="{237D9D91-8564-43A0-901E-7EF65C289FD4}"/>
+                <a16:creationId xmlns:a16="http://schemas.microsoft.com/office/drawing/2014/main" id="{A0326940-6D49-4D89-A987-3D3206C5FD8E}"/>
               </a:ext>
             </a:extLst>
           </p:cNvPr>
@@ -8303,7 +9214,7 @@
     </p:spTree>
     <p:extLst>
       <p:ext uri="{BB962C8B-B14F-4D97-AF65-F5344CB8AC3E}">
-        <p14:creationId xmlns:p14="http://schemas.microsoft.com/office/powerpoint/2010/main" val="112755320"/>
+        <p14:creationId xmlns:p14="http://schemas.microsoft.com/office/powerpoint/2010/main" val="1903642702"/>
       </p:ext>
     </p:extLst>
   </p:cSld>
@@ -8335,7 +9246,7 @@
           <p:cNvPr id="2" name="Title 1">
             <a:extLst>
               <a:ext uri="{FF2B5EF4-FFF2-40B4-BE49-F238E27FC236}">
-                <a16:creationId xmlns:a16="http://schemas.microsoft.com/office/drawing/2014/main" id="{4B8F9BEC-39C9-44A5-BE19-96C8F0EEC5C1}"/>
+                <a16:creationId xmlns:a16="http://schemas.microsoft.com/office/drawing/2014/main" id="{77E0EDD8-29BF-4673-B84B-03D0DD93F1BA}"/>
               </a:ext>
             </a:extLst>
           </p:cNvPr>
@@ -8368,7 +9279,7 @@
                 <a:ea typeface="Times New Roman" panose="02020603050405020304" pitchFamily="18" charset="0"/>
                 <a:cs typeface="Times New Roman" panose="02020603050405020304" pitchFamily="18" charset="0"/>
               </a:rPr>
-              <a:t>Free text editors</a:t>
+              <a:t>Websites to become familiar with</a:t>
             </a:r>
             <a:endParaRPr lang="en-US" dirty="0"/>
           </a:p>
@@ -8379,7 +9290,7 @@
           <p:cNvPr id="3" name="Text Placeholder 2">
             <a:extLst>
               <a:ext uri="{FF2B5EF4-FFF2-40B4-BE49-F238E27FC236}">
-                <a16:creationId xmlns:a16="http://schemas.microsoft.com/office/drawing/2014/main" id="{5432FDB7-FBC8-43F3-876B-3B1163997EC5}"/>
+                <a16:creationId xmlns:a16="http://schemas.microsoft.com/office/drawing/2014/main" id="{76DFFE44-9B17-4F71-B726-BDC6843D7972}"/>
               </a:ext>
             </a:extLst>
           </p:cNvPr>
@@ -8395,98 +9306,115 @@
           <a:bodyPr/>
           <a:lstStyle/>
           <a:p>
-            <a:pPr marL="342900" marR="274320" indent="-342900">
+            <a:pPr marR="274320" lvl="0">
               <a:spcBef>
                 <a:spcPts val="0"/>
               </a:spcBef>
               <a:spcAft>
                 <a:spcPts val="600"/>
               </a:spcAft>
-              <a:buFont typeface="Symbol" panose="05050102010706020507" pitchFamily="18" charset="2"/>
-              <a:buChar char=""/>
-            </a:pPr>
-            <a:r>
-              <a:rPr lang="en-US" b="1" spc="-10" dirty="0">
-                <a:latin typeface="Times New Roman" panose="02020603050405020304" pitchFamily="18" charset="0"/>
-                <a:ea typeface="Times New Roman" panose="02020603050405020304" pitchFamily="18" charset="0"/>
-              </a:rPr>
-              <a:t>Visual Studio Code</a:t>
-            </a:r>
-          </a:p>
-          <a:p>
-            <a:pPr marL="342900" marR="274320" lvl="0" indent="-342900">
+            </a:pPr>
+            <a:endParaRPr lang="en-US"/>
+          </a:p>
+          <a:p>
+            <a:pPr marR="274320" lvl="0">
               <a:spcBef>
                 <a:spcPts val="0"/>
               </a:spcBef>
               <a:spcAft>
                 <a:spcPts val="600"/>
               </a:spcAft>
-              <a:buFont typeface="Symbol" panose="05050102010706020507" pitchFamily="18" charset="2"/>
-              <a:buChar char=""/>
-            </a:pPr>
-            <a:r>
-              <a:rPr lang="en-US" spc="-10" dirty="0">
-                <a:latin typeface="Times New Roman" panose="02020603050405020304" pitchFamily="18" charset="0"/>
-                <a:ea typeface="Times New Roman" panose="02020603050405020304" pitchFamily="18" charset="0"/>
-              </a:rPr>
-              <a:t>Brackets</a:t>
-            </a:r>
-          </a:p>
-          <a:p>
-            <a:pPr marL="342900" marR="274320" lvl="0" indent="-342900">
+            </a:pPr>
+            <a:endParaRPr lang="en-US" dirty="0"/>
+          </a:p>
+          <a:p>
+            <a:pPr marR="274320" lvl="0">
               <a:spcBef>
                 <a:spcPts val="0"/>
               </a:spcBef>
               <a:spcAft>
                 <a:spcPts val="600"/>
               </a:spcAft>
-              <a:buFont typeface="Symbol" panose="05050102010706020507" pitchFamily="18" charset="2"/>
-              <a:buChar char=""/>
-            </a:pPr>
-            <a:r>
-              <a:rPr lang="en-US" spc="-10" dirty="0">
-                <a:latin typeface="Times New Roman" panose="02020603050405020304" pitchFamily="18" charset="0"/>
-                <a:ea typeface="Times New Roman" panose="02020603050405020304" pitchFamily="18" charset="0"/>
-              </a:rPr>
-              <a:t>Atom</a:t>
-            </a:r>
-          </a:p>
-          <a:p>
-            <a:pPr marL="342900" marR="274320" lvl="0" indent="-342900">
+            </a:pPr>
+            <a:r>
+              <a:rPr lang="en-US" b="1"/>
+              <a:t>Mozilla Developer Network (MDN)</a:t>
+            </a:r>
+            <a:endParaRPr lang="en-US"/>
+          </a:p>
+          <a:p>
+            <a:pPr marR="274320" lvl="0">
               <a:spcBef>
                 <a:spcPts val="0"/>
               </a:spcBef>
               <a:spcAft>
                 <a:spcPts val="600"/>
               </a:spcAft>
-              <a:buFont typeface="Symbol" panose="05050102010706020507" pitchFamily="18" charset="2"/>
-              <a:buChar char=""/>
-            </a:pPr>
-            <a:r>
-              <a:rPr lang="en-US" spc="-10" dirty="0">
-                <a:latin typeface="Times New Roman" panose="02020603050405020304" pitchFamily="18" charset="0"/>
-                <a:ea typeface="Times New Roman" panose="02020603050405020304" pitchFamily="18" charset="0"/>
-              </a:rPr>
-              <a:t>Notepad++</a:t>
-            </a:r>
-          </a:p>
-          <a:p>
-            <a:pPr marL="342900" marR="274320" lvl="0" indent="-342900">
+            </a:pPr>
+            <a:r>
+              <a:rPr lang="en-US"/>
+              <a:t>Introduction to HTML</a:t>
+            </a:r>
+            <a:endParaRPr lang="en-US" dirty="0"/>
+          </a:p>
+          <a:p>
+            <a:pPr marR="274320" lvl="0">
               <a:spcBef>
                 <a:spcPts val="0"/>
               </a:spcBef>
               <a:spcAft>
                 <a:spcPts val="600"/>
               </a:spcAft>
-              <a:buFont typeface="Symbol" panose="05050102010706020507" pitchFamily="18" charset="2"/>
-              <a:buChar char=""/>
-            </a:pPr>
-            <a:r>
-              <a:rPr lang="en-US" spc="-10" dirty="0">
-                <a:latin typeface="Times New Roman" panose="02020603050405020304" pitchFamily="18" charset="0"/>
-              </a:rPr>
-              <a:t>Sublime Text</a:t>
-            </a:r>
+            </a:pPr>
+            <a:r>
+              <a:rPr lang="en-US" sz="1400">
+                <a:solidFill>
+                  <a:schemeClr val="accent2"/>
+                </a:solidFill>
+                <a:hlinkClick r:id="rId2">
+                  <a:extLst>
+                    <a:ext uri="{A12FA001-AC4F-418D-AE19-62706E023703}">
+                      <ahyp:hlinkClr xmlns:ahyp="http://schemas.microsoft.com/office/drawing/2018/hyperlinkcolor" val="tx"/>
+                    </a:ext>
+                  </a:extLst>
+                </a:hlinkClick>
+              </a:rPr>
+              <a:t>https://developer.mozilla.org/en-US/docs/Learn/HTML/Introduction_to_HTML</a:t>
+            </a:r>
+            <a:endParaRPr lang="en-US" sz="1400"/>
+          </a:p>
+          <a:p>
+            <a:r>
+              <a:rPr lang="en-US"/>
+              <a:t>CSS first steps</a:t>
+            </a:r>
+          </a:p>
+          <a:p>
+            <a:r>
+              <a:rPr lang="en-US" sz="1400">
+                <a:solidFill>
+                  <a:schemeClr val="accent2"/>
+                </a:solidFill>
+                <a:hlinkClick r:id="rId3">
+                  <a:extLst>
+                    <a:ext uri="{A12FA001-AC4F-418D-AE19-62706E023703}">
+                      <ahyp:hlinkClr xmlns:ahyp="http://schemas.microsoft.com/office/drawing/2018/hyperlinkcolor" val="tx"/>
+                    </a:ext>
+                  </a:extLst>
+                </a:hlinkClick>
+              </a:rPr>
+              <a:t>https://developer.mozilla.org/en-US/docs/Learn/CSS/First_steps</a:t>
+            </a:r>
+            <a:endParaRPr lang="en-US" sz="1400">
+              <a:solidFill>
+                <a:schemeClr val="accent2"/>
+              </a:solidFill>
+            </a:endParaRPr>
+          </a:p>
+          <a:p>
+            <a:endParaRPr lang="en-US"/>
+          </a:p>
+          <a:p>
             <a:endParaRPr lang="en-US" dirty="0"/>
           </a:p>
         </p:txBody>
@@ -8496,7 +9424,7 @@
           <p:cNvPr id="4" name="Date Placeholder 3">
             <a:extLst>
               <a:ext uri="{FF2B5EF4-FFF2-40B4-BE49-F238E27FC236}">
-                <a16:creationId xmlns:a16="http://schemas.microsoft.com/office/drawing/2014/main" id="{7EF68BB8-E656-4CFB-A32E-D767024B7ED0}"/>
+                <a16:creationId xmlns:a16="http://schemas.microsoft.com/office/drawing/2014/main" id="{FC29F362-46FB-4C91-A0E7-582C756F44E6}"/>
               </a:ext>
             </a:extLst>
           </p:cNvPr>
@@ -8528,7 +9456,7 @@
           <p:cNvPr id="5" name="Footer Placeholder 4">
             <a:extLst>
               <a:ext uri="{FF2B5EF4-FFF2-40B4-BE49-F238E27FC236}">
-                <a16:creationId xmlns:a16="http://schemas.microsoft.com/office/drawing/2014/main" id="{1348F9C3-9165-4D11-8AD2-468793536613}"/>
+                <a16:creationId xmlns:a16="http://schemas.microsoft.com/office/drawing/2014/main" id="{9F3DB55D-7E21-4076-82FE-0E7C4AFDB184}"/>
               </a:ext>
             </a:extLst>
           </p:cNvPr>
@@ -8560,7 +9488,7 @@
           <p:cNvPr id="6" name="Slide Number Placeholder 5">
             <a:extLst>
               <a:ext uri="{FF2B5EF4-FFF2-40B4-BE49-F238E27FC236}">
-                <a16:creationId xmlns:a16="http://schemas.microsoft.com/office/drawing/2014/main" id="{B03E86A3-6053-4F98-B2E4-84914F60D41B}"/>
+                <a16:creationId xmlns:a16="http://schemas.microsoft.com/office/drawing/2014/main" id="{237D9D91-8564-43A0-901E-7EF65C289FD4}"/>
               </a:ext>
             </a:extLst>
           </p:cNvPr>
@@ -8617,7 +9545,7 @@
     </p:spTree>
     <p:extLst>
       <p:ext uri="{BB962C8B-B14F-4D97-AF65-F5344CB8AC3E}">
-        <p14:creationId xmlns:p14="http://schemas.microsoft.com/office/powerpoint/2010/main" val="2606390514"/>
+        <p14:creationId xmlns:p14="http://schemas.microsoft.com/office/powerpoint/2010/main" val="112755320"/>
       </p:ext>
     </p:extLst>
   </p:cSld>
@@ -8649,7 +9577,7 @@
           <p:cNvPr id="2" name="Title 1">
             <a:extLst>
               <a:ext uri="{FF2B5EF4-FFF2-40B4-BE49-F238E27FC236}">
-                <a16:creationId xmlns:a16="http://schemas.microsoft.com/office/drawing/2014/main" id="{10550EEE-A06A-49B4-8A40-25FDED87F1E7}"/>
+                <a16:creationId xmlns:a16="http://schemas.microsoft.com/office/drawing/2014/main" id="{4B8F9BEC-39C9-44A5-BE19-96C8F0EEC5C1}"/>
               </a:ext>
             </a:extLst>
           </p:cNvPr>
@@ -8660,7 +9588,12 @@
             <p:ph type="title"/>
           </p:nvPr>
         </p:nvSpPr>
-        <p:spPr/>
+        <p:spPr>
+          <a:xfrm>
+            <a:off x="381000" y="577334"/>
+            <a:ext cx="7772400" cy="369332"/>
+          </a:xfrm>
+        </p:spPr>
         <p:txBody>
           <a:bodyPr/>
           <a:lstStyle/>
@@ -8682,7 +9615,7 @@
                 <a:ea typeface="Times New Roman" panose="02020603050405020304" pitchFamily="18" charset="0"/>
                 <a:cs typeface="Times New Roman" panose="02020603050405020304" pitchFamily="18" charset="0"/>
               </a:rPr>
-              <a:t>Popular IDEs for web development</a:t>
+              <a:t>Free text editors</a:t>
             </a:r>
             <a:endParaRPr lang="en-US" dirty="0"/>
           </a:p>
@@ -8693,7 +9626,7 @@
           <p:cNvPr id="3" name="Text Placeholder 2">
             <a:extLst>
               <a:ext uri="{FF2B5EF4-FFF2-40B4-BE49-F238E27FC236}">
-                <a16:creationId xmlns:a16="http://schemas.microsoft.com/office/drawing/2014/main" id="{0B454857-4F37-4675-A7C9-A0ED1B94DF35}"/>
+                <a16:creationId xmlns:a16="http://schemas.microsoft.com/office/drawing/2014/main" id="{5432FDB7-FBC8-43F3-876B-3B1163997EC5}"/>
               </a:ext>
             </a:extLst>
           </p:cNvPr>
@@ -8704,7 +9637,12 @@
             <p:ph type="body" sz="quarter" idx="13"/>
           </p:nvPr>
         </p:nvSpPr>
-        <p:spPr/>
+        <p:spPr>
+          <a:xfrm>
+            <a:off x="381000" y="1066800"/>
+            <a:ext cx="3378200" cy="4876800"/>
+          </a:xfrm>
+        </p:spPr>
         <p:txBody>
           <a:bodyPr/>
           <a:lstStyle/>
@@ -8721,7 +9659,6 @@
             </a:pPr>
             <a:r>
               <a:rPr lang="en-US" b="1" spc="-10" dirty="0">
-                <a:latin typeface="Times New Roman" panose="02020603050405020304" pitchFamily="18" charset="0"/>
                 <a:ea typeface="Times New Roman" panose="02020603050405020304" pitchFamily="18" charset="0"/>
               </a:rPr>
               <a:t>Visual Studio Code</a:t>
@@ -8740,7 +9677,6 @@
             </a:pPr>
             <a:r>
               <a:rPr lang="en-US" spc="-10" dirty="0">
-                <a:latin typeface="Times New Roman" panose="02020603050405020304" pitchFamily="18" charset="0"/>
                 <a:ea typeface="Times New Roman" panose="02020603050405020304" pitchFamily="18" charset="0"/>
               </a:rPr>
               <a:t>Brackets</a:t>
@@ -8759,7 +9695,6 @@
             </a:pPr>
             <a:r>
               <a:rPr lang="en-US" spc="-10" dirty="0">
-                <a:latin typeface="Times New Roman" panose="02020603050405020304" pitchFamily="18" charset="0"/>
                 <a:ea typeface="Times New Roman" panose="02020603050405020304" pitchFamily="18" charset="0"/>
               </a:rPr>
               <a:t>Atom</a:t>
@@ -8776,104 +9711,11 @@
               <a:buFont typeface="Symbol" panose="05050102010706020507" pitchFamily="18" charset="2"/>
               <a:buChar char=""/>
             </a:pPr>
-            <a:endParaRPr lang="en-US" spc="-10" dirty="0">
-              <a:latin typeface="Times New Roman" panose="02020603050405020304" pitchFamily="18" charset="0"/>
-              <a:ea typeface="Times New Roman" panose="02020603050405020304" pitchFamily="18" charset="0"/>
-            </a:endParaRPr>
-          </a:p>
-          <a:p>
-            <a:pPr marL="342900" marR="274320" indent="-342900">
-              <a:spcBef>
-                <a:spcPts val="0"/>
-              </a:spcBef>
-              <a:spcAft>
-                <a:spcPts val="600"/>
-              </a:spcAft>
-              <a:buFont typeface="Symbol" panose="05050102010706020507" pitchFamily="18" charset="2"/>
-              <a:buChar char=""/>
-            </a:pPr>
-            <a:r>
-              <a:rPr lang="en-US" b="1" spc="-10" dirty="0">
-                <a:latin typeface="Times New Roman" panose="02020603050405020304" pitchFamily="18" charset="0"/>
-                <a:ea typeface="Times New Roman" panose="02020603050405020304" pitchFamily="18" charset="0"/>
-              </a:rPr>
-              <a:t>Microsoft Visual Studio</a:t>
-            </a:r>
-          </a:p>
-          <a:p>
-            <a:pPr marL="342900" marR="274320" lvl="0" indent="-342900">
-              <a:spcBef>
-                <a:spcPts val="0"/>
-              </a:spcBef>
-              <a:spcAft>
-                <a:spcPts val="600"/>
-              </a:spcAft>
-              <a:buFont typeface="Symbol" panose="05050102010706020507" pitchFamily="18" charset="2"/>
-              <a:buChar char=""/>
-            </a:pPr>
-            <a:r>
-              <a:rPr lang="en-US" spc="-10" dirty="0">
-                <a:latin typeface="Times New Roman" panose="02020603050405020304" pitchFamily="18" charset="0"/>
-                <a:ea typeface="Times New Roman" panose="02020603050405020304" pitchFamily="18" charset="0"/>
-              </a:rPr>
-              <a:t>IntelliJ IDEA</a:t>
-            </a:r>
-          </a:p>
-          <a:p>
-            <a:pPr marL="342900" marR="274320" indent="-342900">
-              <a:spcBef>
-                <a:spcPts val="0"/>
-              </a:spcBef>
-              <a:spcAft>
-                <a:spcPts val="600"/>
-              </a:spcAft>
-              <a:buFont typeface="Symbol" panose="05050102010706020507" pitchFamily="18" charset="2"/>
-              <a:buChar char=""/>
-            </a:pPr>
-            <a:r>
-              <a:rPr lang="en-US" spc="-10" dirty="0">
-                <a:latin typeface="Times New Roman" panose="02020603050405020304" pitchFamily="18" charset="0"/>
-                <a:ea typeface="Times New Roman" panose="02020603050405020304" pitchFamily="18" charset="0"/>
-              </a:rPr>
-              <a:t>WebStorm</a:t>
-            </a:r>
-          </a:p>
-          <a:p>
-            <a:pPr marL="342900" marR="274320" indent="-342900">
-              <a:spcBef>
-                <a:spcPts val="0"/>
-              </a:spcBef>
-              <a:spcAft>
-                <a:spcPts val="600"/>
-              </a:spcAft>
-              <a:buFont typeface="Symbol" panose="05050102010706020507" pitchFamily="18" charset="2"/>
-              <a:buChar char=""/>
-            </a:pPr>
-            <a:r>
-              <a:rPr lang="en-US" spc="-10" dirty="0">
-                <a:latin typeface="Times New Roman" panose="02020603050405020304" pitchFamily="18" charset="0"/>
-                <a:ea typeface="Times New Roman" panose="02020603050405020304" pitchFamily="18" charset="0"/>
-              </a:rPr>
-              <a:t>NetBeans</a:t>
-            </a:r>
-          </a:p>
-          <a:p>
-            <a:pPr marL="342900" marR="274320" lvl="0" indent="-342900">
-              <a:spcBef>
-                <a:spcPts val="0"/>
-              </a:spcBef>
-              <a:spcAft>
-                <a:spcPts val="600"/>
-              </a:spcAft>
-              <a:buFont typeface="Symbol" panose="05050102010706020507" pitchFamily="18" charset="2"/>
-              <a:buChar char=""/>
-            </a:pPr>
-            <a:r>
-              <a:rPr lang="en-US" spc="-10" dirty="0">
-                <a:latin typeface="Times New Roman" panose="02020603050405020304" pitchFamily="18" charset="0"/>
-                <a:ea typeface="Times New Roman" panose="02020603050405020304" pitchFamily="18" charset="0"/>
-              </a:rPr>
-              <a:t>Adobe Dreamweaver</a:t>
+            <a:r>
+              <a:rPr lang="en-US" spc="-10">
+                <a:ea typeface="Times New Roman" panose="02020603050405020304" pitchFamily="18" charset="0"/>
+              </a:rPr>
+              <a:t>Notepad++</a:t>
             </a:r>
             <a:endParaRPr lang="en-US" dirty="0"/>
           </a:p>
@@ -8884,7 +9726,7 @@
           <p:cNvPr id="4" name="Date Placeholder 3">
             <a:extLst>
               <a:ext uri="{FF2B5EF4-FFF2-40B4-BE49-F238E27FC236}">
-                <a16:creationId xmlns:a16="http://schemas.microsoft.com/office/drawing/2014/main" id="{33995194-3614-4CDB-8A5B-119EB3D1C1B6}"/>
+                <a16:creationId xmlns:a16="http://schemas.microsoft.com/office/drawing/2014/main" id="{7EF68BB8-E656-4CFB-A32E-D767024B7ED0}"/>
               </a:ext>
             </a:extLst>
           </p:cNvPr>
@@ -8916,7 +9758,7 @@
           <p:cNvPr id="5" name="Footer Placeholder 4">
             <a:extLst>
               <a:ext uri="{FF2B5EF4-FFF2-40B4-BE49-F238E27FC236}">
-                <a16:creationId xmlns:a16="http://schemas.microsoft.com/office/drawing/2014/main" id="{F262EA9A-944E-4AA8-B20C-1C2BF9BC6C15}"/>
+                <a16:creationId xmlns:a16="http://schemas.microsoft.com/office/drawing/2014/main" id="{1348F9C3-9165-4D11-8AD2-468793536613}"/>
               </a:ext>
             </a:extLst>
           </p:cNvPr>
@@ -8948,7 +9790,7 @@
           <p:cNvPr id="6" name="Slide Number Placeholder 5">
             <a:extLst>
               <a:ext uri="{FF2B5EF4-FFF2-40B4-BE49-F238E27FC236}">
-                <a16:creationId xmlns:a16="http://schemas.microsoft.com/office/drawing/2014/main" id="{D1ED3B85-E866-40F5-B2E6-A39924518272}"/>
+                <a16:creationId xmlns:a16="http://schemas.microsoft.com/office/drawing/2014/main" id="{B03E86A3-6053-4F98-B2E4-84914F60D41B}"/>
               </a:ext>
             </a:extLst>
           </p:cNvPr>
@@ -9002,10 +9844,45 @@
           </a:p>
         </p:txBody>
       </p:sp>
+      <p:pic>
+        <p:nvPicPr>
+          <p:cNvPr id="8" name="Picture 7" descr="A screenshot of a computer screen&#10;&#10;Description automatically generated">
+            <a:extLst>
+              <a:ext uri="{FF2B5EF4-FFF2-40B4-BE49-F238E27FC236}">
+                <a16:creationId xmlns:a16="http://schemas.microsoft.com/office/drawing/2014/main" id="{452B0B60-8647-4491-A4E0-4C5423EE1FBD}"/>
+              </a:ext>
+            </a:extLst>
+          </p:cNvPr>
+          <p:cNvPicPr>
+            <a:picLocks noChangeAspect="1"/>
+          </p:cNvPicPr>
+          <p:nvPr/>
+        </p:nvPicPr>
+        <p:blipFill rotWithShape="1">
+          <a:blip r:embed="rId2">
+            <a:extLst>
+              <a:ext uri="{28A0092B-C50C-407E-A947-70E740481C1C}">
+                <a14:useLocalDpi xmlns:a14="http://schemas.microsoft.com/office/drawing/2010/main" val="0"/>
+              </a:ext>
+            </a:extLst>
+          </a:blip>
+          <a:srcRect l="33333" t="5000" r="6667" b="5000"/>
+          <a:stretch/>
+        </p:blipFill>
+        <p:spPr>
+          <a:xfrm>
+            <a:off x="3759200" y="1031966"/>
+            <a:ext cx="5283200" cy="3962400"/>
+          </a:xfrm>
+          <a:prstGeom prst="rect">
+            <a:avLst/>
+          </a:prstGeom>
+        </p:spPr>
+      </p:pic>
     </p:spTree>
     <p:extLst>
       <p:ext uri="{BB962C8B-B14F-4D97-AF65-F5344CB8AC3E}">
-        <p14:creationId xmlns:p14="http://schemas.microsoft.com/office/powerpoint/2010/main" val="2772454881"/>
+        <p14:creationId xmlns:p14="http://schemas.microsoft.com/office/powerpoint/2010/main" val="2606390514"/>
       </p:ext>
     </p:extLst>
   </p:cSld>
@@ -9037,7 +9914,7 @@
           <p:cNvPr id="2" name="Title 1">
             <a:extLst>
               <a:ext uri="{FF2B5EF4-FFF2-40B4-BE49-F238E27FC236}">
-                <a16:creationId xmlns:a16="http://schemas.microsoft.com/office/drawing/2014/main" id="{E0705E73-51AA-4E39-9796-CEAC6EEC8780}"/>
+                <a16:creationId xmlns:a16="http://schemas.microsoft.com/office/drawing/2014/main" id="{10550EEE-A06A-49B4-8A40-25FDED87F1E7}"/>
               </a:ext>
             </a:extLst>
           </p:cNvPr>
@@ -9048,7 +9925,12 @@
             <p:ph type="title"/>
           </p:nvPr>
         </p:nvSpPr>
-        <p:spPr/>
+        <p:spPr>
+          <a:xfrm>
+            <a:off x="609599" y="577334"/>
+            <a:ext cx="7543801" cy="369332"/>
+          </a:xfrm>
+        </p:spPr>
         <p:txBody>
           <a:bodyPr/>
           <a:lstStyle/>
@@ -9070,56 +9952,167 @@
                 <a:ea typeface="Times New Roman" panose="02020603050405020304" pitchFamily="18" charset="0"/>
                 <a:cs typeface="Times New Roman" panose="02020603050405020304" pitchFamily="18" charset="0"/>
               </a:rPr>
-              <a:t>Brackets and its auto-completion feature</a:t>
+              <a:t>Popular IDEs for web development</a:t>
             </a:r>
             <a:endParaRPr lang="en-US" dirty="0"/>
           </a:p>
         </p:txBody>
       </p:sp>
-      <p:pic>
-        <p:nvPicPr>
-          <p:cNvPr id="7" name="Content Placeholder 6" descr="See page 20 in book" title="See slide title">
-            <a:extLst>
-              <a:ext uri="{FF2B5EF4-FFF2-40B4-BE49-F238E27FC236}">
-                <a16:creationId xmlns:a16="http://schemas.microsoft.com/office/drawing/2014/main" id="{E890AA57-E8DF-4184-B2C5-6160CA9DAF62}"/>
-              </a:ext>
-            </a:extLst>
-          </p:cNvPr>
-          <p:cNvPicPr>
-            <a:picLocks noGrp="1"/>
-          </p:cNvPicPr>
-          <p:nvPr>
-            <p:ph sz="quarter" idx="13"/>
-          </p:nvPr>
-        </p:nvPicPr>
-        <p:blipFill>
-          <a:blip r:embed="rId2">
-            <a:extLst>
-              <a:ext uri="{28A0092B-C50C-407E-A947-70E740481C1C}">
-                <a14:useLocalDpi xmlns:a14="http://schemas.microsoft.com/office/drawing/2010/main" val="0"/>
-              </a:ext>
-            </a:extLst>
-          </a:blip>
-          <a:stretch>
-            <a:fillRect/>
-          </a:stretch>
-        </p:blipFill>
+      <p:sp>
+        <p:nvSpPr>
+          <p:cNvPr id="3" name="Text Placeholder 2">
+            <a:extLst>
+              <a:ext uri="{FF2B5EF4-FFF2-40B4-BE49-F238E27FC236}">
+                <a16:creationId xmlns:a16="http://schemas.microsoft.com/office/drawing/2014/main" id="{0B454857-4F37-4675-A7C9-A0ED1B94DF35}"/>
+              </a:ext>
+            </a:extLst>
+          </p:cNvPr>
+          <p:cNvSpPr>
+            <a:spLocks noGrp="1"/>
+          </p:cNvSpPr>
+          <p:nvPr>
+            <p:ph type="body" sz="quarter" idx="13"/>
+          </p:nvPr>
+        </p:nvSpPr>
         <p:spPr>
           <a:xfrm>
-            <a:off x="914400" y="1143000"/>
-            <a:ext cx="6988312" cy="4800600"/>
+            <a:off x="609599" y="1066800"/>
+            <a:ext cx="4226781" cy="4876800"/>
           </a:xfrm>
-          <a:prstGeom prst="rect">
-            <a:avLst/>
-          </a:prstGeom>
         </p:spPr>
-      </p:pic>
+        <p:txBody>
+          <a:bodyPr/>
+          <a:lstStyle/>
+          <a:p>
+            <a:pPr marL="342900" marR="274320" indent="-342900">
+              <a:spcBef>
+                <a:spcPts val="0"/>
+              </a:spcBef>
+              <a:spcAft>
+                <a:spcPts val="600"/>
+              </a:spcAft>
+              <a:buFont typeface="Symbol" panose="05050102010706020507" pitchFamily="18" charset="2"/>
+              <a:buChar char=""/>
+            </a:pPr>
+            <a:r>
+              <a:rPr lang="en-US" b="1" spc="-10" dirty="0">
+                <a:latin typeface="+mj-lt"/>
+                <a:ea typeface="Times New Roman" panose="02020603050405020304" pitchFamily="18" charset="0"/>
+              </a:rPr>
+              <a:t>Visual Studio Code</a:t>
+            </a:r>
+          </a:p>
+          <a:p>
+            <a:pPr marL="342900" marR="274320" indent="-342900">
+              <a:spcBef>
+                <a:spcPts val="0"/>
+              </a:spcBef>
+              <a:spcAft>
+                <a:spcPts val="600"/>
+              </a:spcAft>
+              <a:buFont typeface="Symbol" panose="05050102010706020507" pitchFamily="18" charset="2"/>
+              <a:buChar char=""/>
+            </a:pPr>
+            <a:r>
+              <a:rPr lang="en-US" b="1" spc="-10">
+                <a:latin typeface="+mj-lt"/>
+                <a:ea typeface="Times New Roman" panose="02020603050405020304" pitchFamily="18" charset="0"/>
+              </a:rPr>
+              <a:t>Microsoft Visual Studio</a:t>
+            </a:r>
+          </a:p>
+          <a:p>
+            <a:pPr marL="342900" marR="274320" indent="-342900">
+              <a:spcBef>
+                <a:spcPts val="0"/>
+              </a:spcBef>
+              <a:spcAft>
+                <a:spcPts val="600"/>
+              </a:spcAft>
+              <a:buFont typeface="Symbol" panose="05050102010706020507" pitchFamily="18" charset="2"/>
+              <a:buChar char=""/>
+            </a:pPr>
+            <a:r>
+              <a:rPr lang="en-US" spc="-10">
+                <a:latin typeface="+mj-lt"/>
+                <a:ea typeface="Times New Roman" panose="02020603050405020304" pitchFamily="18" charset="0"/>
+              </a:rPr>
+              <a:t>NetBeans</a:t>
+            </a:r>
+          </a:p>
+          <a:p>
+            <a:pPr marL="342900" marR="274320" indent="-342900">
+              <a:spcBef>
+                <a:spcPts val="0"/>
+              </a:spcBef>
+              <a:spcAft>
+                <a:spcPts val="600"/>
+              </a:spcAft>
+              <a:buFont typeface="Symbol" panose="05050102010706020507" pitchFamily="18" charset="2"/>
+              <a:buChar char=""/>
+            </a:pPr>
+            <a:r>
+              <a:rPr lang="en-US" spc="-10">
+                <a:latin typeface="+mj-lt"/>
+                <a:ea typeface="Times New Roman" panose="02020603050405020304" pitchFamily="18" charset="0"/>
+              </a:rPr>
+              <a:t>IntelliJ IDEA</a:t>
+            </a:r>
+          </a:p>
+          <a:p>
+            <a:pPr marL="342900" marR="274320" lvl="0" indent="-342900">
+              <a:spcBef>
+                <a:spcPts val="0"/>
+              </a:spcBef>
+              <a:spcAft>
+                <a:spcPts val="600"/>
+              </a:spcAft>
+              <a:buFont typeface="Symbol" panose="05050102010706020507" pitchFamily="18" charset="2"/>
+              <a:buChar char=""/>
+            </a:pPr>
+            <a:r>
+              <a:rPr lang="en-US" spc="-10">
+                <a:latin typeface="+mj-lt"/>
+                <a:ea typeface="Times New Roman" panose="02020603050405020304" pitchFamily="18" charset="0"/>
+              </a:rPr>
+              <a:t>Brackets</a:t>
+            </a:r>
+            <a:endParaRPr lang="en-US" spc="-10" dirty="0">
+              <a:latin typeface="+mj-lt"/>
+              <a:ea typeface="Times New Roman" panose="02020603050405020304" pitchFamily="18" charset="0"/>
+            </a:endParaRPr>
+          </a:p>
+          <a:p>
+            <a:pPr marL="342900" marR="274320" lvl="0" indent="-342900">
+              <a:spcBef>
+                <a:spcPts val="0"/>
+              </a:spcBef>
+              <a:spcAft>
+                <a:spcPts val="600"/>
+              </a:spcAft>
+              <a:buFont typeface="Symbol" panose="05050102010706020507" pitchFamily="18" charset="2"/>
+              <a:buChar char=""/>
+            </a:pPr>
+            <a:r>
+              <a:rPr lang="en-US" spc="-10">
+                <a:latin typeface="+mj-lt"/>
+                <a:ea typeface="Times New Roman" panose="02020603050405020304" pitchFamily="18" charset="0"/>
+              </a:rPr>
+              <a:t>Atom</a:t>
+            </a:r>
+            <a:endParaRPr lang="en-US" spc="-10" dirty="0">
+              <a:latin typeface="+mj-lt"/>
+              <a:ea typeface="Times New Roman" panose="02020603050405020304" pitchFamily="18" charset="0"/>
+            </a:endParaRPr>
+          </a:p>
+        </p:txBody>
+      </p:sp>
       <p:sp>
         <p:nvSpPr>
           <p:cNvPr id="4" name="Date Placeholder 3">
             <a:extLst>
               <a:ext uri="{FF2B5EF4-FFF2-40B4-BE49-F238E27FC236}">
-                <a16:creationId xmlns:a16="http://schemas.microsoft.com/office/drawing/2014/main" id="{82AC2EDD-1394-499D-951C-277056CBEDEE}"/>
+                <a16:creationId xmlns:a16="http://schemas.microsoft.com/office/drawing/2014/main" id="{33995194-3614-4CDB-8A5B-119EB3D1C1B6}"/>
               </a:ext>
             </a:extLst>
           </p:cNvPr>
@@ -9151,7 +10144,7 @@
           <p:cNvPr id="5" name="Footer Placeholder 4">
             <a:extLst>
               <a:ext uri="{FF2B5EF4-FFF2-40B4-BE49-F238E27FC236}">
-                <a16:creationId xmlns:a16="http://schemas.microsoft.com/office/drawing/2014/main" id="{9593B4D6-C4EA-4AD0-BE7C-CB589A137967}"/>
+                <a16:creationId xmlns:a16="http://schemas.microsoft.com/office/drawing/2014/main" id="{F262EA9A-944E-4AA8-B20C-1C2BF9BC6C15}"/>
               </a:ext>
             </a:extLst>
           </p:cNvPr>
@@ -9183,7 +10176,7 @@
           <p:cNvPr id="6" name="Slide Number Placeholder 5">
             <a:extLst>
               <a:ext uri="{FF2B5EF4-FFF2-40B4-BE49-F238E27FC236}">
-                <a16:creationId xmlns:a16="http://schemas.microsoft.com/office/drawing/2014/main" id="{8C4E5D25-EE69-41F6-8225-5A9C94D75FAD}"/>
+                <a16:creationId xmlns:a16="http://schemas.microsoft.com/office/drawing/2014/main" id="{D1ED3B85-E866-40F5-B2E6-A39924518272}"/>
               </a:ext>
             </a:extLst>
           </p:cNvPr>
@@ -9237,10 +10230,92 @@
           </a:p>
         </p:txBody>
       </p:sp>
+      <p:sp>
+        <p:nvSpPr>
+          <p:cNvPr id="7" name="Rectangle 6">
+            <a:extLst>
+              <a:ext uri="{FF2B5EF4-FFF2-40B4-BE49-F238E27FC236}">
+                <a16:creationId xmlns:a16="http://schemas.microsoft.com/office/drawing/2014/main" id="{81BF28AA-5CB5-4FBA-A5F2-843778A97EBC}"/>
+              </a:ext>
+            </a:extLst>
+          </p:cNvPr>
+          <p:cNvSpPr/>
+          <p:nvPr/>
+        </p:nvSpPr>
+        <p:spPr>
+          <a:xfrm>
+            <a:off x="6096000" y="5805100"/>
+            <a:ext cx="2818400" cy="276999"/>
+          </a:xfrm>
+          <a:prstGeom prst="rect">
+            <a:avLst/>
+          </a:prstGeom>
+        </p:spPr>
+        <p:txBody>
+          <a:bodyPr wrap="none">
+            <a:spAutoFit/>
+          </a:bodyPr>
+          <a:lstStyle/>
+          <a:p>
+            <a:r>
+              <a:rPr lang="en-US" sz="1200">
+                <a:solidFill>
+                  <a:schemeClr val="accent2"/>
+                </a:solidFill>
+                <a:latin typeface="Consolas" panose="020B0609020204030204" pitchFamily="49" charset="0"/>
+                <a:hlinkClick r:id="rId2">
+                  <a:extLst>
+                    <a:ext uri="{A12FA001-AC4F-418D-AE19-62706E023703}">
+                      <ahyp:hlinkClr xmlns:ahyp="http://schemas.microsoft.com/office/drawing/2018/hyperlinkcolor" val="tx"/>
+                    </a:ext>
+                  </a:extLst>
+                </a:hlinkClick>
+              </a:rPr>
+              <a:t>https://pypl.github.io/IDE.html</a:t>
+            </a:r>
+            <a:endParaRPr lang="en-US" sz="1200">
+              <a:solidFill>
+                <a:schemeClr val="accent2"/>
+              </a:solidFill>
+              <a:latin typeface="Consolas" panose="020B0609020204030204" pitchFamily="49" charset="0"/>
+            </a:endParaRPr>
+          </a:p>
+        </p:txBody>
+      </p:sp>
+      <p:pic>
+        <p:nvPicPr>
+          <p:cNvPr id="8" name="Picture 7">
+            <a:extLst>
+              <a:ext uri="{FF2B5EF4-FFF2-40B4-BE49-F238E27FC236}">
+                <a16:creationId xmlns:a16="http://schemas.microsoft.com/office/drawing/2014/main" id="{E19F1AE0-1A9F-45C3-9888-E03E768FD781}"/>
+              </a:ext>
+            </a:extLst>
+          </p:cNvPr>
+          <p:cNvPicPr>
+            <a:picLocks noChangeAspect="1"/>
+          </p:cNvPicPr>
+          <p:nvPr/>
+        </p:nvPicPr>
+        <p:blipFill>
+          <a:blip r:embed="rId3"/>
+          <a:stretch>
+            <a:fillRect/>
+          </a:stretch>
+        </p:blipFill>
+        <p:spPr>
+          <a:xfrm>
+            <a:off x="4836381" y="1060770"/>
+            <a:ext cx="4078019" cy="4655150"/>
+          </a:xfrm>
+          <a:prstGeom prst="rect">
+            <a:avLst/>
+          </a:prstGeom>
+        </p:spPr>
+      </p:pic>
     </p:spTree>
     <p:extLst>
       <p:ext uri="{BB962C8B-B14F-4D97-AF65-F5344CB8AC3E}">
-        <p14:creationId xmlns:p14="http://schemas.microsoft.com/office/powerpoint/2010/main" val="535041028"/>
+        <p14:creationId xmlns:p14="http://schemas.microsoft.com/office/powerpoint/2010/main" val="2772454881"/>
       </p:ext>
     </p:extLst>
   </p:cSld>
@@ -9283,7 +10358,12 @@
             <p:ph type="title"/>
           </p:nvPr>
         </p:nvSpPr>
-        <p:spPr/>
+        <p:spPr>
+          <a:xfrm>
+            <a:off x="381000" y="459768"/>
+            <a:ext cx="7772400" cy="369332"/>
+          </a:xfrm>
+        </p:spPr>
         <p:txBody>
           <a:bodyPr/>
           <a:lstStyle/>
@@ -9327,7 +10407,12 @@
             <p:ph type="body" sz="quarter" idx="13"/>
           </p:nvPr>
         </p:nvSpPr>
-        <p:spPr/>
+        <p:spPr>
+          <a:xfrm>
+            <a:off x="381000" y="989426"/>
+            <a:ext cx="8479465" cy="2024790"/>
+          </a:xfrm>
+        </p:spPr>
         <p:txBody>
           <a:bodyPr/>
           <a:lstStyle/>
@@ -9344,14 +10429,12 @@
             </a:pPr>
             <a:r>
               <a:rPr lang="en-US" b="1" spc="-10" dirty="0">
-                <a:latin typeface="Times New Roman" panose="02020603050405020304" pitchFamily="18" charset="0"/>
                 <a:ea typeface="Times New Roman" panose="02020603050405020304" pitchFamily="18" charset="0"/>
               </a:rPr>
               <a:t>FileZilla</a:t>
             </a:r>
             <a:r>
               <a:rPr lang="en-US" spc="-10" dirty="0">
-                <a:latin typeface="Times New Roman" panose="02020603050405020304" pitchFamily="18" charset="0"/>
                 <a:ea typeface="Times New Roman" panose="02020603050405020304" pitchFamily="18" charset="0"/>
               </a:rPr>
               <a:t>	</a:t>
@@ -9369,11 +10452,10 @@
               <a:buChar char=""/>
             </a:pPr>
             <a:r>
-              <a:rPr lang="en-US" spc="-10" dirty="0">
-                <a:latin typeface="Times New Roman" panose="02020603050405020304" pitchFamily="18" charset="0"/>
-                <a:ea typeface="Times New Roman" panose="02020603050405020304" pitchFamily="18" charset="0"/>
-              </a:rPr>
-              <a:t>FTP Voyager	</a:t>
+              <a:rPr lang="en-US" spc="-10">
+                <a:ea typeface="Times New Roman" panose="02020603050405020304" pitchFamily="18" charset="0"/>
+              </a:rPr>
+              <a:t>WinSCP</a:t>
             </a:r>
           </a:p>
           <a:p>
@@ -9388,52 +10470,22 @@
               <a:buChar char=""/>
             </a:pPr>
             <a:r>
-              <a:rPr lang="en-US" spc="-10" dirty="0" err="1">
-                <a:latin typeface="Times New Roman" panose="02020603050405020304" pitchFamily="18" charset="0"/>
-                <a:ea typeface="Times New Roman" panose="02020603050405020304" pitchFamily="18" charset="0"/>
-              </a:rPr>
-              <a:t>CuteFTP</a:t>
-            </a:r>
-            <a:r>
-              <a:rPr lang="en-US" spc="-10" dirty="0">
-                <a:latin typeface="Times New Roman" panose="02020603050405020304" pitchFamily="18" charset="0"/>
-                <a:ea typeface="Times New Roman" panose="02020603050405020304" pitchFamily="18" charset="0"/>
-              </a:rPr>
-              <a:t>	</a:t>
-            </a:r>
-          </a:p>
-          <a:p>
-            <a:pPr marL="342900" marR="274320" lvl="0" indent="-342900">
+              <a:rPr lang="en-US" spc="-10">
+                <a:ea typeface="Times New Roman" panose="02020603050405020304" pitchFamily="18" charset="0"/>
+              </a:rPr>
+              <a:t>Cyberduck</a:t>
+            </a:r>
+          </a:p>
+          <a:p>
+            <a:pPr marR="274320" lvl="0">
               <a:spcBef>
                 <a:spcPts val="0"/>
               </a:spcBef>
               <a:spcAft>
                 <a:spcPts val="600"/>
               </a:spcAft>
-              <a:buFont typeface="Symbol" panose="05050102010706020507" pitchFamily="18" charset="2"/>
-              <a:buChar char=""/>
-            </a:pPr>
-            <a:r>
-              <a:rPr lang="en-US" spc="-10" dirty="0">
-                <a:latin typeface="Times New Roman" panose="02020603050405020304" pitchFamily="18" charset="0"/>
-                <a:ea typeface="Times New Roman" panose="02020603050405020304" pitchFamily="18" charset="0"/>
-              </a:rPr>
-              <a:t>Fetch	</a:t>
-            </a:r>
-          </a:p>
-          <a:p>
-            <a:pPr marL="342900" marR="274320" lvl="0" indent="-342900">
-              <a:spcBef>
-                <a:spcPts val="0"/>
-              </a:spcBef>
-              <a:spcAft>
-                <a:spcPts val="600"/>
-              </a:spcAft>
-              <a:buFont typeface="Symbol" panose="05050102010706020507" pitchFamily="18" charset="2"/>
-              <a:buChar char=""/>
             </a:pPr>
             <a:endParaRPr lang="en-US" spc="-10" dirty="0">
-              <a:latin typeface="Times New Roman" panose="02020603050405020304" pitchFamily="18" charset="0"/>
               <a:ea typeface="Times New Roman" panose="02020603050405020304" pitchFamily="18" charset="0"/>
             </a:endParaRPr>
           </a:p>
@@ -9447,15 +10499,32 @@
               </a:spcAft>
             </a:pPr>
             <a:r>
-              <a:rPr lang="en-US" spc="-10" dirty="0">
-                <a:latin typeface="Times New Roman" panose="02020603050405020304" pitchFamily="18" charset="0"/>
-                <a:ea typeface="Times New Roman" panose="02020603050405020304" pitchFamily="18" charset="0"/>
-              </a:rPr>
-              <a:t>Most IDEs have FTP clients built in, or available as extensions.</a:t>
-            </a:r>
-          </a:p>
-          <a:p>
-            <a:endParaRPr lang="en-US" dirty="0"/>
+              <a:rPr lang="en-US" b="1" spc="-10" dirty="0">
+                <a:ea typeface="Times New Roman" panose="02020603050405020304" pitchFamily="18" charset="0"/>
+              </a:rPr>
+              <a:t>Most IDEs have FTP clients built in</a:t>
+            </a:r>
+            <a:r>
+              <a:rPr lang="en-US" b="1" spc="-10">
+                <a:ea typeface="Times New Roman" panose="02020603050405020304" pitchFamily="18" charset="0"/>
+              </a:rPr>
+              <a:t>, or </a:t>
+            </a:r>
+            <a:r>
+              <a:rPr lang="en-US" b="1" spc="-10" dirty="0">
+                <a:ea typeface="Times New Roman" panose="02020603050405020304" pitchFamily="18" charset="0"/>
+              </a:rPr>
+              <a:t>available as </a:t>
+            </a:r>
+            <a:r>
+              <a:rPr lang="en-US" b="1" spc="-10">
+                <a:ea typeface="Times New Roman" panose="02020603050405020304" pitchFamily="18" charset="0"/>
+              </a:rPr>
+              <a:t>extensions.</a:t>
+            </a:r>
+            <a:endParaRPr lang="en-US" b="1" spc="-10" dirty="0">
+              <a:ea typeface="Times New Roman" panose="02020603050405020304" pitchFamily="18" charset="0"/>
+            </a:endParaRPr>
           </a:p>
         </p:txBody>
       </p:sp>
@@ -9582,6 +10651,72 @@
           </a:p>
         </p:txBody>
       </p:sp>
+      <p:pic>
+        <p:nvPicPr>
+          <p:cNvPr id="8" name="Picture 7" descr="A screenshot of a computer&#10;&#10;Description automatically generated">
+            <a:extLst>
+              <a:ext uri="{FF2B5EF4-FFF2-40B4-BE49-F238E27FC236}">
+                <a16:creationId xmlns:a16="http://schemas.microsoft.com/office/drawing/2014/main" id="{3BDD7F69-BC6D-4D7F-8D02-FAA9C5D45F6A}"/>
+              </a:ext>
+            </a:extLst>
+          </p:cNvPr>
+          <p:cNvPicPr>
+            <a:picLocks noChangeAspect="1"/>
+          </p:cNvPicPr>
+          <p:nvPr/>
+        </p:nvPicPr>
+        <p:blipFill>
+          <a:blip r:embed="rId2">
+            <a:extLst>
+              <a:ext uri="{28A0092B-C50C-407E-A947-70E740481C1C}">
+                <a14:useLocalDpi xmlns:a14="http://schemas.microsoft.com/office/drawing/2010/main" val="0"/>
+              </a:ext>
+            </a:extLst>
+          </a:blip>
+          <a:stretch>
+            <a:fillRect/>
+          </a:stretch>
+        </p:blipFill>
+        <p:spPr>
+          <a:xfrm>
+            <a:off x="459377" y="3174542"/>
+            <a:ext cx="3553582" cy="2831021"/>
+          </a:xfrm>
+          <a:prstGeom prst="rect">
+            <a:avLst/>
+          </a:prstGeom>
+        </p:spPr>
+      </p:pic>
+      <p:pic>
+        <p:nvPicPr>
+          <p:cNvPr id="9" name="Picture 8">
+            <a:extLst>
+              <a:ext uri="{FF2B5EF4-FFF2-40B4-BE49-F238E27FC236}">
+                <a16:creationId xmlns:a16="http://schemas.microsoft.com/office/drawing/2014/main" id="{D4CF7F03-83CC-4884-B5D7-B7B07EAF343A}"/>
+              </a:ext>
+            </a:extLst>
+          </p:cNvPr>
+          <p:cNvPicPr>
+            <a:picLocks noChangeAspect="1"/>
+          </p:cNvPicPr>
+          <p:nvPr/>
+        </p:nvPicPr>
+        <p:blipFill>
+          <a:blip r:embed="rId3"/>
+          <a:stretch>
+            <a:fillRect/>
+          </a:stretch>
+        </p:blipFill>
+        <p:spPr>
+          <a:xfrm>
+            <a:off x="4625086" y="3174542"/>
+            <a:ext cx="4136065" cy="2831021"/>
+          </a:xfrm>
+          <a:prstGeom prst="rect">
+            <a:avLst/>
+          </a:prstGeom>
+        </p:spPr>
+      </p:pic>
     </p:spTree>
     <p:extLst>
       <p:ext uri="{BB962C8B-B14F-4D97-AF65-F5344CB8AC3E}">
@@ -9624,7 +10759,7 @@
         </p:nvSpPr>
         <p:spPr>
           <a:xfrm>
-            <a:off x="914400" y="624989"/>
+            <a:off x="914400" y="520401"/>
             <a:ext cx="7315200" cy="369332"/>
           </a:xfrm>
         </p:spPr>
@@ -9633,9 +10768,10 @@
           <a:lstStyle/>
           <a:p>
             <a:r>
-              <a:rPr lang="en-US" dirty="0"/>
-              <a:t>The components of an HTTP URL</a:t>
-            </a:r>
+              <a:rPr lang="en-US"/>
+              <a:t>Components of a simple URL</a:t>
+            </a:r>
+            <a:endParaRPr lang="en-US" dirty="0"/>
           </a:p>
         </p:txBody>
       </p:sp>
@@ -9665,98 +10801,6 @@
           </a:prstGeom>
         </p:spPr>
       </p:pic>
-      <p:sp>
-        <p:nvSpPr>
-          <p:cNvPr id="7" name="Text Placeholder 6"/>
-          <p:cNvSpPr>
-            <a:spLocks noGrp="1"/>
-          </p:cNvSpPr>
-          <p:nvPr>
-            <p:ph type="body" sz="quarter" idx="14"/>
-          </p:nvPr>
-        </p:nvSpPr>
-        <p:spPr>
-          <a:xfrm>
-            <a:off x="838200" y="2195201"/>
-            <a:ext cx="7391400" cy="457200"/>
-          </a:xfrm>
-        </p:spPr>
-        <p:txBody>
-          <a:bodyPr/>
-          <a:lstStyle/>
-          <a:p>
-            <a:r>
-              <a:rPr lang="en-US" dirty="0"/>
-              <a:t>What happens if you omit parts of a URL</a:t>
-            </a:r>
-          </a:p>
-          <a:p>
-            <a:endParaRPr lang="en-US" dirty="0"/>
-          </a:p>
-        </p:txBody>
-      </p:sp>
-      <p:sp>
-        <p:nvSpPr>
-          <p:cNvPr id="8" name="Text Placeholder 7"/>
-          <p:cNvSpPr>
-            <a:spLocks noGrp="1"/>
-          </p:cNvSpPr>
-          <p:nvPr>
-            <p:ph type="body" sz="quarter" idx="15"/>
-          </p:nvPr>
-        </p:nvSpPr>
-        <p:spPr>
-          <a:xfrm>
-            <a:off x="838200" y="2652400"/>
-            <a:ext cx="7391400" cy="1756321"/>
-          </a:xfrm>
-        </p:spPr>
-        <p:txBody>
-          <a:bodyPr/>
-          <a:lstStyle/>
-          <a:p>
-            <a:pPr marL="342900" marR="274320" lvl="0" indent="-342900">
-              <a:spcBef>
-                <a:spcPts val="0"/>
-              </a:spcBef>
-              <a:spcAft>
-                <a:spcPts val="600"/>
-              </a:spcAft>
-              <a:buFont typeface="Symbol" panose="05050102010706020507" pitchFamily="18" charset="2"/>
-              <a:buChar char=""/>
-            </a:pPr>
-            <a:r>
-              <a:rPr lang="en-US" spc="-10" dirty="0">
-                <a:latin typeface="Times New Roman" panose="02020603050405020304" pitchFamily="18" charset="0"/>
-                <a:ea typeface="Times New Roman" panose="02020603050405020304" pitchFamily="18" charset="0"/>
-              </a:rPr>
-              <a:t>If you omit the protocol, the default of http:// will be used.</a:t>
-            </a:r>
-          </a:p>
-          <a:p>
-            <a:pPr marL="342900" marR="274320" lvl="0" indent="-342900">
-              <a:spcBef>
-                <a:spcPts val="0"/>
-              </a:spcBef>
-              <a:spcAft>
-                <a:spcPts val="600"/>
-              </a:spcAft>
-              <a:buFont typeface="Symbol" panose="05050102010706020507" pitchFamily="18" charset="2"/>
-              <a:buChar char=""/>
-            </a:pPr>
-            <a:r>
-              <a:rPr lang="en-US" spc="-10" dirty="0">
-                <a:latin typeface="Times New Roman" panose="02020603050405020304" pitchFamily="18" charset="0"/>
-                <a:ea typeface="Times New Roman" panose="02020603050405020304" pitchFamily="18" charset="0"/>
-              </a:rPr>
-              <a:t>If you omit the filename, the default document name for the web server will be used.</a:t>
-            </a:r>
-          </a:p>
-          <a:p>
-            <a:endParaRPr lang="en-US" dirty="0"/>
-          </a:p>
-        </p:txBody>
-      </p:sp>
       <p:sp>
         <p:nvSpPr>
           <p:cNvPr id="6" name="Footer Placeholder 5"/>
@@ -10038,6 +11082,63 @@
           </a:fontRef>
         </p:style>
       </p:cxnSp>
+      <p:sp>
+        <p:nvSpPr>
+          <p:cNvPr id="10" name="Rectangle 9">
+            <a:extLst>
+              <a:ext uri="{FF2B5EF4-FFF2-40B4-BE49-F238E27FC236}">
+                <a16:creationId xmlns:a16="http://schemas.microsoft.com/office/drawing/2014/main" id="{FE80F2D8-699E-4877-98B7-66870E2B1012}"/>
+              </a:ext>
+            </a:extLst>
+          </p:cNvPr>
+          <p:cNvSpPr/>
+          <p:nvPr/>
+        </p:nvSpPr>
+        <p:spPr>
+          <a:xfrm>
+            <a:off x="838200" y="4001033"/>
+            <a:ext cx="7391400" cy="1077218"/>
+          </a:xfrm>
+          <a:prstGeom prst="rect">
+            <a:avLst/>
+          </a:prstGeom>
+        </p:spPr>
+        <p:txBody>
+          <a:bodyPr wrap="square">
+            <a:spAutoFit/>
+          </a:bodyPr>
+          <a:lstStyle/>
+          <a:p>
+            <a:r>
+              <a:rPr lang="en-US" b="1">
+                <a:solidFill>
+                  <a:schemeClr val="accent2"/>
+                </a:solidFill>
+                <a:latin typeface="+mn-lt"/>
+              </a:rPr>
+              <a:t>Learn More: What is a URL?</a:t>
+            </a:r>
+          </a:p>
+          <a:p>
+            <a:r>
+              <a:rPr lang="en-US" sz="2000">
+                <a:latin typeface="+mn-lt"/>
+                <a:hlinkClick r:id="rId3">
+                  <a:extLst>
+                    <a:ext uri="{A12FA001-AC4F-418D-AE19-62706E023703}">
+                      <ahyp:hlinkClr xmlns:ahyp="http://schemas.microsoft.com/office/drawing/2018/hyperlinkcolor" val="tx"/>
+                    </a:ext>
+                  </a:extLst>
+                </a:hlinkClick>
+              </a:rPr>
+              <a:t>https://developer.mozilla.org/en-US/docs/Learn/Common_questions/What_is_a_URL</a:t>
+            </a:r>
+            <a:endParaRPr lang="en-US" sz="2000">
+              <a:latin typeface="+mn-lt"/>
+            </a:endParaRPr>
+          </a:p>
+        </p:txBody>
+      </p:sp>
     </p:spTree>
     <p:extLst>
       <p:ext uri="{BB962C8B-B14F-4D97-AF65-F5344CB8AC3E}">
@@ -10101,12 +11202,20 @@
               </a:tabLst>
             </a:pPr>
             <a:r>
+              <a:rPr lang="en-US">
+                <a:latin typeface="Arial" panose="020B0604020202020204" pitchFamily="34" charset="0"/>
+                <a:ea typeface="Times New Roman" panose="02020603050405020304" pitchFamily="18" charset="0"/>
+                <a:cs typeface="Times New Roman" panose="02020603050405020304" pitchFamily="18" charset="0"/>
+              </a:rPr>
+              <a:t>Two ways </a:t>
+            </a:r>
+            <a:r>
               <a:rPr lang="en-US" dirty="0">
                 <a:latin typeface="Arial" panose="020B0604020202020204" pitchFamily="34" charset="0"/>
                 <a:ea typeface="Times New Roman" panose="02020603050405020304" pitchFamily="18" charset="0"/>
                 <a:cs typeface="Times New Roman" panose="02020603050405020304" pitchFamily="18" charset="0"/>
               </a:rPr>
-              <a:t>Two ways to access a web page on the Internet</a:t>
+              <a:t>to access a web page on the Internet</a:t>
             </a:r>
             <a:endParaRPr lang="en-US" dirty="0"/>
           </a:p>
@@ -10143,12 +11252,46 @@
               <a:buFont typeface="Symbol" panose="05050102010706020507" pitchFamily="18" charset="2"/>
               <a:buChar char=""/>
             </a:pPr>
+            <a:endParaRPr lang="en-US" spc="-10">
+              <a:latin typeface="Times New Roman" panose="02020603050405020304" pitchFamily="18" charset="0"/>
+              <a:ea typeface="Times New Roman" panose="02020603050405020304" pitchFamily="18" charset="0"/>
+              <a:cs typeface="Times New Roman" panose="02020603050405020304" pitchFamily="18" charset="0"/>
+            </a:endParaRPr>
+          </a:p>
+          <a:p>
+            <a:pPr marL="342900" marR="274320" lvl="0" indent="-342900">
+              <a:spcBef>
+                <a:spcPts val="0"/>
+              </a:spcBef>
+              <a:spcAft>
+                <a:spcPts val="600"/>
+              </a:spcAft>
+              <a:buFont typeface="Symbol" panose="05050102010706020507" pitchFamily="18" charset="2"/>
+              <a:buChar char=""/>
+            </a:pPr>
+            <a:r>
+              <a:rPr lang="en-US" spc="-10">
+                <a:latin typeface="Times New Roman" panose="02020603050405020304" pitchFamily="18" charset="0"/>
+                <a:ea typeface="Times New Roman" panose="02020603050405020304" pitchFamily="18" charset="0"/>
+                <a:cs typeface="Times New Roman" panose="02020603050405020304" pitchFamily="18" charset="0"/>
+              </a:rPr>
+              <a:t>Enter </a:t>
+            </a:r>
             <a:r>
               <a:rPr lang="en-US" spc="-10" dirty="0">
                 <a:latin typeface="Times New Roman" panose="02020603050405020304" pitchFamily="18" charset="0"/>
                 <a:ea typeface="Times New Roman" panose="02020603050405020304" pitchFamily="18" charset="0"/>
-              </a:rPr>
-              <a:t>Enter the URL of a web page into the browser’s address bar.</a:t>
+                <a:cs typeface="Times New Roman" panose="02020603050405020304" pitchFamily="18" charset="0"/>
+              </a:rPr>
+              <a:t>the URL of a web page into the browser’s address </a:t>
+            </a:r>
+            <a:r>
+              <a:rPr lang="en-US" spc="-10">
+                <a:latin typeface="Times New Roman" panose="02020603050405020304" pitchFamily="18" charset="0"/>
+                <a:ea typeface="Times New Roman" panose="02020603050405020304" pitchFamily="18" charset="0"/>
+                <a:cs typeface="Times New Roman" panose="02020603050405020304" pitchFamily="18" charset="0"/>
+              </a:rPr>
+              <a:t>bar.</a:t>
             </a:r>
           </a:p>
           <a:p>
@@ -10162,16 +11305,61 @@
               <a:buFont typeface="Symbol" panose="05050102010706020507" pitchFamily="18" charset="2"/>
               <a:buChar char=""/>
             </a:pPr>
+            <a:endParaRPr lang="en-US" spc="-10" dirty="0">
+              <a:latin typeface="Times New Roman" panose="02020603050405020304" pitchFamily="18" charset="0"/>
+              <a:ea typeface="Times New Roman" panose="02020603050405020304" pitchFamily="18" charset="0"/>
+              <a:cs typeface="Times New Roman" panose="02020603050405020304" pitchFamily="18" charset="0"/>
+            </a:endParaRPr>
+          </a:p>
+          <a:p>
+            <a:pPr marL="342900" marR="274320" lvl="0" indent="-342900">
+              <a:spcBef>
+                <a:spcPts val="0"/>
+              </a:spcBef>
+              <a:spcAft>
+                <a:spcPts val="600"/>
+              </a:spcAft>
+              <a:buFont typeface="Symbol" panose="05050102010706020507" pitchFamily="18" charset="2"/>
+              <a:buChar char=""/>
+            </a:pPr>
             <a:r>
               <a:rPr lang="en-US" spc="-10" dirty="0">
                 <a:latin typeface="Times New Roman" panose="02020603050405020304" pitchFamily="18" charset="0"/>
                 <a:ea typeface="Times New Roman" panose="02020603050405020304" pitchFamily="18" charset="0"/>
-              </a:rPr>
-              <a:t>Click on a link in the current web page to load the next web page.</a:t>
-            </a:r>
-          </a:p>
-          <a:p>
-            <a:endParaRPr lang="en-US" dirty="0"/>
+                <a:cs typeface="Times New Roman" panose="02020603050405020304" pitchFamily="18" charset="0"/>
+              </a:rPr>
+              <a:t>Click on a link in the current web page to </a:t>
+            </a:r>
+            <a:r>
+              <a:rPr lang="en-US" spc="-10">
+                <a:latin typeface="Times New Roman" panose="02020603050405020304" pitchFamily="18" charset="0"/>
+                <a:ea typeface="Times New Roman" panose="02020603050405020304" pitchFamily="18" charset="0"/>
+                <a:cs typeface="Times New Roman" panose="02020603050405020304" pitchFamily="18" charset="0"/>
+              </a:rPr>
+              <a:t>load another web page.</a:t>
+            </a:r>
+            <a:endParaRPr lang="en-US" spc="-10" dirty="0">
+              <a:latin typeface="Times New Roman" panose="02020603050405020304" pitchFamily="18" charset="0"/>
+              <a:ea typeface="Times New Roman" panose="02020603050405020304" pitchFamily="18" charset="0"/>
+              <a:cs typeface="Times New Roman" panose="02020603050405020304" pitchFamily="18" charset="0"/>
+            </a:endParaRPr>
+          </a:p>
+          <a:p>
+            <a:pPr marL="342900" marR="274320" lvl="0" indent="-342900">
+              <a:spcBef>
+                <a:spcPts val="0"/>
+              </a:spcBef>
+              <a:spcAft>
+                <a:spcPts val="600"/>
+              </a:spcAft>
+              <a:buFont typeface="Symbol" panose="05050102010706020507" pitchFamily="18" charset="2"/>
+              <a:buChar char=""/>
+            </a:pPr>
+            <a:endParaRPr lang="en-US" spc="-10">
+              <a:latin typeface="Times New Roman" panose="02020603050405020304" pitchFamily="18" charset="0"/>
+              <a:ea typeface="Times New Roman" panose="02020603050405020304" pitchFamily="18" charset="0"/>
+              <a:cs typeface="Times New Roman" panose="02020603050405020304" pitchFamily="18" charset="0"/>
+            </a:endParaRPr>
           </a:p>
         </p:txBody>
       </p:sp>
@@ -10366,12 +11554,20 @@
               </a:tabLst>
             </a:pPr>
             <a:r>
+              <a:rPr lang="en-US">
+                <a:latin typeface="Arial" panose="020B0604020202020204" pitchFamily="34" charset="0"/>
+                <a:ea typeface="Times New Roman" panose="02020603050405020304" pitchFamily="18" charset="0"/>
+                <a:cs typeface="Times New Roman" panose="02020603050405020304" pitchFamily="18" charset="0"/>
+              </a:rPr>
+              <a:t>Three </a:t>
+            </a:r>
+            <a:r>
               <a:rPr lang="en-US" dirty="0">
                 <a:latin typeface="Arial" panose="020B0604020202020204" pitchFamily="34" charset="0"/>
                 <a:ea typeface="Times New Roman" panose="02020603050405020304" pitchFamily="18" charset="0"/>
                 <a:cs typeface="Times New Roman" panose="02020603050405020304" pitchFamily="18" charset="0"/>
               </a:rPr>
-              <a:t>Three ways to access a web page on your own server or computer</a:t>
+              <a:t>ways to access a web page on your own server or computer</a:t>
             </a:r>
             <a:endParaRPr lang="en-US" dirty="0"/>
           </a:p>
@@ -10413,12 +11609,42 @@
               <a:buFont typeface="Symbol" panose="05050102010706020507" pitchFamily="18" charset="2"/>
               <a:buChar char=""/>
             </a:pPr>
+            <a:endParaRPr lang="en-US" spc="-10">
+              <a:latin typeface="Times New Roman" panose="02020603050405020304" pitchFamily="18" charset="0"/>
+              <a:ea typeface="Times New Roman" panose="02020603050405020304" pitchFamily="18" charset="0"/>
+            </a:endParaRPr>
+          </a:p>
+          <a:p>
+            <a:pPr marL="342900" marR="274320" lvl="0" indent="-342900">
+              <a:spcBef>
+                <a:spcPts val="0"/>
+              </a:spcBef>
+              <a:spcAft>
+                <a:spcPts val="600"/>
+              </a:spcAft>
+              <a:buFont typeface="Symbol" panose="05050102010706020507" pitchFamily="18" charset="2"/>
+              <a:buChar char=""/>
+            </a:pPr>
+            <a:r>
+              <a:rPr lang="en-US" spc="-10">
+                <a:latin typeface="Times New Roman" panose="02020603050405020304" pitchFamily="18" charset="0"/>
+                <a:ea typeface="Times New Roman" panose="02020603050405020304" pitchFamily="18" charset="0"/>
+              </a:rPr>
+              <a:t>Use </a:t>
+            </a:r>
             <a:r>
               <a:rPr lang="en-US" spc="-10" dirty="0">
                 <a:latin typeface="Times New Roman" panose="02020603050405020304" pitchFamily="18" charset="0"/>
                 <a:ea typeface="Times New Roman" panose="02020603050405020304" pitchFamily="18" charset="0"/>
               </a:rPr>
-              <a:t>Use the features of your text editor or IDE.</a:t>
+              <a:t>the features of your text editor or </a:t>
+            </a:r>
+            <a:r>
+              <a:rPr lang="en-US" spc="-10">
+                <a:latin typeface="Times New Roman" panose="02020603050405020304" pitchFamily="18" charset="0"/>
+                <a:ea typeface="Times New Roman" panose="02020603050405020304" pitchFamily="18" charset="0"/>
+              </a:rPr>
+              <a:t>IDE.</a:t>
             </a:r>
           </a:p>
           <a:p>
@@ -10432,13 +11658,52 @@
               <a:buFont typeface="Symbol" panose="05050102010706020507" pitchFamily="18" charset="2"/>
               <a:buChar char=""/>
             </a:pPr>
+            <a:endParaRPr lang="en-US" spc="-10" dirty="0">
+              <a:latin typeface="Times New Roman" panose="02020603050405020304" pitchFamily="18" charset="0"/>
+              <a:ea typeface="Times New Roman" panose="02020603050405020304" pitchFamily="18" charset="0"/>
+            </a:endParaRPr>
+          </a:p>
+          <a:p>
+            <a:pPr marL="342900" marR="274320" lvl="0" indent="-342900">
+              <a:spcBef>
+                <a:spcPts val="0"/>
+              </a:spcBef>
+              <a:spcAft>
+                <a:spcPts val="600"/>
+              </a:spcAft>
+              <a:buFont typeface="Symbol" panose="05050102010706020507" pitchFamily="18" charset="2"/>
+              <a:buChar char=""/>
+            </a:pPr>
             <a:r>
               <a:rPr lang="en-US" spc="-10" dirty="0">
                 <a:latin typeface="Times New Roman" panose="02020603050405020304" pitchFamily="18" charset="0"/>
                 <a:ea typeface="Times New Roman" panose="02020603050405020304" pitchFamily="18" charset="0"/>
               </a:rPr>
-              <a:t>Find the file in File Explorer or Finder. Then, double-click on it to open it in your default browser. Or, right-click on it and use the Open With command to select the browser. </a:t>
-            </a:r>
+              <a:t>Find the file in File Explorer or Finder. Then, double-click on it to open it in your default browser. Or, right-click on it and use the Open With command to select the browser</a:t>
+            </a:r>
+            <a:r>
+              <a:rPr lang="en-US" spc="-10">
+                <a:latin typeface="Times New Roman" panose="02020603050405020304" pitchFamily="18" charset="0"/>
+                <a:ea typeface="Times New Roman" panose="02020603050405020304" pitchFamily="18" charset="0"/>
+              </a:rPr>
+              <a:t>. </a:t>
+            </a:r>
+          </a:p>
+          <a:p>
+            <a:pPr marL="342900" marR="274320" lvl="0" indent="-342900">
+              <a:spcBef>
+                <a:spcPts val="0"/>
+              </a:spcBef>
+              <a:spcAft>
+                <a:spcPts val="600"/>
+              </a:spcAft>
+              <a:buFont typeface="Symbol" panose="05050102010706020507" pitchFamily="18" charset="2"/>
+              <a:buChar char=""/>
+            </a:pPr>
+            <a:endParaRPr lang="en-US" spc="-10" dirty="0">
+              <a:latin typeface="Times New Roman" panose="02020603050405020304" pitchFamily="18" charset="0"/>
+              <a:ea typeface="Times New Roman" panose="02020603050405020304" pitchFamily="18" charset="0"/>
+            </a:endParaRPr>
           </a:p>
           <a:p>
             <a:pPr marL="342900" marR="274320" lvl="0" indent="-342900">
@@ -10680,7 +11945,7 @@
           <p:cNvPr id="2" name="Title 1">
             <a:extLst>
               <a:ext uri="{FF2B5EF4-FFF2-40B4-BE49-F238E27FC236}">
-                <a16:creationId xmlns:a16="http://schemas.microsoft.com/office/drawing/2014/main" id="{CB736673-E0FF-4531-B77A-9F6AE5CD87F8}"/>
+                <a16:creationId xmlns:a16="http://schemas.microsoft.com/office/drawing/2014/main" id="{ED7252AE-FA2E-4E58-B391-A15BE3EEC3E1}"/>
               </a:ext>
             </a:extLst>
           </p:cNvPr>
@@ -10713,7 +11978,7 @@
                 <a:ea typeface="Times New Roman" panose="02020603050405020304" pitchFamily="18" charset="0"/>
                 <a:cs typeface="Times New Roman" panose="02020603050405020304" pitchFamily="18" charset="0"/>
               </a:rPr>
-              <a:t>Objectives</a:t>
+              <a:t>Objectives (cont.)</a:t>
             </a:r>
             <a:endParaRPr lang="en-US" dirty="0"/>
           </a:p>
@@ -10724,7 +11989,7 @@
           <p:cNvPr id="3" name="Text Placeholder 2">
             <a:extLst>
               <a:ext uri="{FF2B5EF4-FFF2-40B4-BE49-F238E27FC236}">
-                <a16:creationId xmlns:a16="http://schemas.microsoft.com/office/drawing/2014/main" id="{FF85D711-CC4A-4CC7-A164-BEC1DECE59ED}"/>
+                <a16:creationId xmlns:a16="http://schemas.microsoft.com/office/drawing/2014/main" id="{A5EF7789-4C3D-477D-B4CF-99DF20746072}"/>
               </a:ext>
             </a:extLst>
           </p:cNvPr>
@@ -10740,50 +12005,50 @@
           <a:bodyPr/>
           <a:lstStyle/>
           <a:p>
-            <a:pPr>
-              <a:spcBef>
-                <a:spcPts val="1500"/>
+            <a:pPr marL="457200" marR="274320" lvl="0" indent="-457200">
+              <a:spcBef>
+                <a:spcPts val="0"/>
               </a:spcBef>
               <a:spcAft>
                 <a:spcPts val="600"/>
               </a:spcAft>
-              <a:tabLst>
-                <a:tab pos="1371600" algn="l"/>
-              </a:tabLst>
-            </a:pPr>
-            <a:r>
-              <a:rPr lang="en-US" b="1" dirty="0">
-                <a:latin typeface="Arial" panose="020B0604020202020204" pitchFamily="34" charset="0"/>
-                <a:ea typeface="Times New Roman" panose="02020603050405020304" pitchFamily="18" charset="0"/>
-                <a:cs typeface="Times New Roman" panose="02020603050405020304" pitchFamily="18" charset="0"/>
-              </a:rPr>
-              <a:t>Applied</a:t>
-            </a:r>
-          </a:p>
-          <a:p>
-            <a:pPr marL="342900" marR="274320" lvl="0" indent="-342900">
-              <a:spcBef>
-                <a:spcPts val="0"/>
-              </a:spcBef>
-              <a:spcAft>
-                <a:spcPts val="600"/>
-              </a:spcAft>
               <a:buFont typeface="+mj-lt"/>
-              <a:buAutoNum type="arabicPeriod"/>
+              <a:buAutoNum type="arabicPeriod" startAt="7"/>
               <a:tabLst>
                 <a:tab pos="342900" algn="l"/>
               </a:tabLst>
             </a:pPr>
             <a:r>
+              <a:rPr lang="en-US" spc="-10">
+                <a:latin typeface="Times New Roman" panose="02020603050405020304" pitchFamily="18" charset="0"/>
+                <a:ea typeface="Times New Roman" panose="02020603050405020304" pitchFamily="18" charset="0"/>
+              </a:rPr>
+              <a:t>Discuss </a:t>
+            </a:r>
+            <a:r>
               <a:rPr lang="en-US" spc="-10" dirty="0">
                 <a:latin typeface="Times New Roman" panose="02020603050405020304" pitchFamily="18" charset="0"/>
                 <a:ea typeface="Times New Roman" panose="02020603050405020304" pitchFamily="18" charset="0"/>
               </a:rPr>
-              <a:t>Load a web page from the Internet or an intranet into a web browser.</a:t>
-            </a:r>
-          </a:p>
-          <a:p>
-            <a:pPr marL="342900" marR="274320" lvl="0" indent="-342900">
+              <a:t>how you deploy a </a:t>
+            </a:r>
+            <a:r>
+              <a:rPr lang="en-US" spc="-10">
+                <a:latin typeface="Times New Roman" panose="02020603050405020304" pitchFamily="18" charset="0"/>
+                <a:ea typeface="Times New Roman" panose="02020603050405020304" pitchFamily="18" charset="0"/>
+              </a:rPr>
+              <a:t>website to </a:t>
+            </a:r>
+            <a:r>
+              <a:rPr lang="en-US" spc="-10" dirty="0">
+                <a:latin typeface="Times New Roman" panose="02020603050405020304" pitchFamily="18" charset="0"/>
+                <a:ea typeface="Times New Roman" panose="02020603050405020304" pitchFamily="18" charset="0"/>
+              </a:rPr>
+              <a:t>the Internet.</a:t>
+            </a:r>
+          </a:p>
+          <a:p>
+            <a:pPr marL="457200" marR="274320" lvl="0" indent="-457200">
               <a:spcBef>
                 <a:spcPts val="0"/>
               </a:spcBef>
@@ -10791,7 +12056,7 @@
                 <a:spcPts val="600"/>
               </a:spcAft>
               <a:buFont typeface="+mj-lt"/>
-              <a:buAutoNum type="arabicPeriod"/>
+              <a:buAutoNum type="arabicPeriod" startAt="7"/>
               <a:tabLst>
                 <a:tab pos="342900" algn="l"/>
               </a:tabLst>
@@ -10801,184 +12066,161 @@
                 <a:latin typeface="Times New Roman" panose="02020603050405020304" pitchFamily="18" charset="0"/>
                 <a:ea typeface="Times New Roman" panose="02020603050405020304" pitchFamily="18" charset="0"/>
               </a:rPr>
-              <a:t>View the source code for a web page in a web browser.</a:t>
-            </a:r>
-          </a:p>
-          <a:p>
-            <a:pPr>
-              <a:spcBef>
-                <a:spcPts val="1500"/>
+              <a:t>Describe the components of an HTTP URL.</a:t>
+            </a:r>
+          </a:p>
+          <a:p>
+            <a:pPr marL="457200" marR="274320" lvl="0" indent="-457200">
+              <a:spcBef>
+                <a:spcPts val="0"/>
               </a:spcBef>
               <a:spcAft>
                 <a:spcPts val="600"/>
               </a:spcAft>
-              <a:tabLst>
-                <a:tab pos="1371600" algn="l"/>
-              </a:tabLst>
-            </a:pPr>
-            <a:r>
-              <a:rPr lang="en-US" b="1" dirty="0">
-                <a:latin typeface="Arial" panose="020B0604020202020204" pitchFamily="34" charset="0"/>
-                <a:ea typeface="Times New Roman" panose="02020603050405020304" pitchFamily="18" charset="0"/>
-                <a:cs typeface="Times New Roman" panose="02020603050405020304" pitchFamily="18" charset="0"/>
-              </a:rPr>
-              <a:t>Knowledge</a:t>
-            </a:r>
-          </a:p>
-          <a:p>
-            <a:pPr marL="342900" marR="274320" lvl="0" indent="-342900">
-              <a:spcBef>
-                <a:spcPts val="0"/>
-              </a:spcBef>
-              <a:spcAft>
-                <a:spcPts val="600"/>
-              </a:spcAft>
               <a:buFont typeface="+mj-lt"/>
-              <a:buAutoNum type="arabicPeriod"/>
-              <a:tabLst>
-                <a:tab pos="342900" algn="l"/>
-                <a:tab pos="365760" algn="l"/>
-              </a:tabLst>
-            </a:pPr>
-            <a:r>
-              <a:rPr lang="en-US" spc="-10" dirty="0">
-                <a:latin typeface="Times New Roman" panose="02020603050405020304" pitchFamily="18" charset="0"/>
-                <a:ea typeface="Times New Roman" panose="02020603050405020304" pitchFamily="18" charset="0"/>
-              </a:rPr>
-              <a:t>Describe the components of a web application.</a:t>
-            </a:r>
-          </a:p>
-          <a:p>
-            <a:pPr marL="342900" marR="274320" lvl="0" indent="-342900">
-              <a:spcBef>
-                <a:spcPts val="0"/>
-              </a:spcBef>
-              <a:spcAft>
-                <a:spcPts val="600"/>
-              </a:spcAft>
-              <a:buFont typeface="+mj-lt"/>
-              <a:buAutoNum type="arabicPeriod"/>
+              <a:buAutoNum type="arabicPeriod" startAt="7"/>
               <a:tabLst>
                 <a:tab pos="342900" algn="l"/>
               </a:tabLst>
             </a:pPr>
             <a:r>
+              <a:rPr lang="en-US" spc="-10">
+                <a:latin typeface="Times New Roman" panose="02020603050405020304" pitchFamily="18" charset="0"/>
+                <a:ea typeface="Times New Roman" panose="02020603050405020304" pitchFamily="18" charset="0"/>
+              </a:rPr>
+              <a:t>Discuss </a:t>
+            </a:r>
+            <a:r>
               <a:rPr lang="en-US" spc="-10" dirty="0">
                 <a:latin typeface="Times New Roman" panose="02020603050405020304" pitchFamily="18" charset="0"/>
                 <a:ea typeface="Times New Roman" panose="02020603050405020304" pitchFamily="18" charset="0"/>
               </a:rPr>
-              <a:t>Distinguish between the Internet and an intranet.</a:t>
-            </a:r>
-          </a:p>
-          <a:p>
-            <a:pPr marL="342900" marR="274320" lvl="0" indent="-342900">
+              <a:t>these five web development issues</a:t>
+            </a:r>
+            <a:r>
+              <a:rPr lang="en-US" spc="-10">
+                <a:latin typeface="Times New Roman" panose="02020603050405020304" pitchFamily="18" charset="0"/>
+                <a:ea typeface="Times New Roman" panose="02020603050405020304" pitchFamily="18" charset="0"/>
+              </a:rPr>
+              <a:t>: </a:t>
+            </a:r>
+          </a:p>
+          <a:p>
+            <a:pPr marL="914400" marR="274320" lvl="1" indent="-457200">
               <a:spcBef>
                 <a:spcPts val="0"/>
               </a:spcBef>
               <a:spcAft>
                 <a:spcPts val="600"/>
               </a:spcAft>
-              <a:buFont typeface="+mj-lt"/>
-              <a:buAutoNum type="arabicPeriod"/>
+              <a:buFont typeface="Arial" panose="020B0604020202020204" pitchFamily="34" charset="0"/>
+              <a:buChar char="•"/>
               <a:tabLst>
                 <a:tab pos="342900" algn="l"/>
               </a:tabLst>
             </a:pPr>
             <a:r>
-              <a:rPr lang="en-US" spc="-10" dirty="0">
+              <a:rPr lang="en-US" sz="1800" spc="-10">
                 <a:latin typeface="Times New Roman" panose="02020603050405020304" pitchFamily="18" charset="0"/>
                 <a:ea typeface="Times New Roman" panose="02020603050405020304" pitchFamily="18" charset="0"/>
               </a:rPr>
-              <a:t>Describe HTTP requests and responses.</a:t>
-            </a:r>
-          </a:p>
-          <a:p>
-            <a:pPr marL="342900" marR="274320" lvl="0" indent="-342900">
+              <a:t>Usability</a:t>
+            </a:r>
+          </a:p>
+          <a:p>
+            <a:pPr marL="914400" marR="274320" lvl="1" indent="-457200">
               <a:spcBef>
                 <a:spcPts val="0"/>
               </a:spcBef>
               <a:spcAft>
                 <a:spcPts val="600"/>
               </a:spcAft>
-              <a:buFont typeface="+mj-lt"/>
-              <a:buAutoNum type="arabicPeriod"/>
+              <a:buFont typeface="Arial" panose="020B0604020202020204" pitchFamily="34" charset="0"/>
+              <a:buChar char="•"/>
               <a:tabLst>
                 <a:tab pos="342900" algn="l"/>
               </a:tabLst>
             </a:pPr>
             <a:r>
-              <a:rPr lang="en-US" spc="-10" dirty="0">
+              <a:rPr lang="en-US" sz="1800" spc="-10">
                 <a:latin typeface="Times New Roman" panose="02020603050405020304" pitchFamily="18" charset="0"/>
                 <a:ea typeface="Times New Roman" panose="02020603050405020304" pitchFamily="18" charset="0"/>
               </a:rPr>
-              <a:t>Distinguish between the way a web server processes static web pages and dynamic web pages.</a:t>
-            </a:r>
-          </a:p>
-          <a:p>
-            <a:pPr marL="342900" marR="274320" lvl="0" indent="-342900">
+              <a:t>Cross-browser Compatibility</a:t>
+            </a:r>
+          </a:p>
+          <a:p>
+            <a:pPr marL="914400" marR="274320" lvl="1" indent="-457200">
               <a:spcBef>
                 <a:spcPts val="0"/>
               </a:spcBef>
               <a:spcAft>
                 <a:spcPts val="600"/>
               </a:spcAft>
-              <a:buFont typeface="+mj-lt"/>
-              <a:buAutoNum type="arabicPeriod"/>
+              <a:buFont typeface="Arial" panose="020B0604020202020204" pitchFamily="34" charset="0"/>
+              <a:buChar char="•"/>
               <a:tabLst>
                 <a:tab pos="342900" algn="l"/>
               </a:tabLst>
             </a:pPr>
             <a:r>
-              <a:rPr lang="en-US" spc="-10" dirty="0">
+              <a:rPr lang="en-US" sz="1800" spc="-10">
                 <a:latin typeface="Times New Roman" panose="02020603050405020304" pitchFamily="18" charset="0"/>
                 <a:ea typeface="Times New Roman" panose="02020603050405020304" pitchFamily="18" charset="0"/>
               </a:rPr>
-              <a:t>Name the five major web browsers.</a:t>
-            </a:r>
-          </a:p>
-          <a:p>
-            <a:pPr marL="342900" marR="274320" lvl="0" indent="-342900">
+              <a:t>Accessibility</a:t>
+            </a:r>
+          </a:p>
+          <a:p>
+            <a:pPr marL="914400" marR="274320" lvl="1" indent="-457200">
               <a:spcBef>
                 <a:spcPts val="0"/>
               </a:spcBef>
               <a:spcAft>
                 <a:spcPts val="600"/>
               </a:spcAft>
-              <a:buFont typeface="+mj-lt"/>
-              <a:buAutoNum type="arabicPeriod"/>
+              <a:buFont typeface="Arial" panose="020B0604020202020204" pitchFamily="34" charset="0"/>
+              <a:buChar char="•"/>
               <a:tabLst>
                 <a:tab pos="342900" algn="l"/>
               </a:tabLst>
             </a:pPr>
             <a:r>
-              <a:rPr lang="en-US" spc="-10" dirty="0">
+              <a:rPr lang="en-US" sz="1800" spc="-10">
                 <a:latin typeface="Times New Roman" panose="02020603050405020304" pitchFamily="18" charset="0"/>
                 <a:ea typeface="Times New Roman" panose="02020603050405020304" pitchFamily="18" charset="0"/>
               </a:rPr>
-              <a:t>Describe the use of JavaScript.</a:t>
-            </a:r>
-          </a:p>
-          <a:p>
-            <a:pPr marL="342900" marR="274320" lvl="0" indent="-342900">
+              <a:t>Search Engine Optimization (SEO)</a:t>
+            </a:r>
+          </a:p>
+          <a:p>
+            <a:pPr marL="914400" marR="274320" lvl="1" indent="-457200">
               <a:spcBef>
                 <a:spcPts val="0"/>
               </a:spcBef>
               <a:spcAft>
                 <a:spcPts val="600"/>
               </a:spcAft>
-              <a:buFont typeface="+mj-lt"/>
-              <a:buAutoNum type="arabicPeriod"/>
+              <a:buFont typeface="Arial" panose="020B0604020202020204" pitchFamily="34" charset="0"/>
+              <a:buChar char="•"/>
               <a:tabLst>
                 <a:tab pos="342900" algn="l"/>
               </a:tabLst>
             </a:pPr>
             <a:r>
-              <a:rPr lang="en-US" spc="-10" dirty="0">
+              <a:rPr lang="en-US" sz="1800" spc="-10">
                 <a:latin typeface="Times New Roman" panose="02020603050405020304" pitchFamily="18" charset="0"/>
                 <a:ea typeface="Times New Roman" panose="02020603050405020304" pitchFamily="18" charset="0"/>
               </a:rPr>
-              <a:t>Distinguish between HTML and CSS.</a:t>
-            </a:r>
+              <a:t>Responsive Web Design</a:t>
+            </a:r>
+            <a:endParaRPr lang="en-US" sz="1800" spc="-10" dirty="0">
+              <a:latin typeface="Times New Roman" panose="02020603050405020304" pitchFamily="18" charset="0"/>
+              <a:ea typeface="Times New Roman" panose="02020603050405020304" pitchFamily="18" charset="0"/>
+            </a:endParaRPr>
+          </a:p>
+          <a:p>
+            <a:endParaRPr lang="en-US" dirty="0"/>
           </a:p>
         </p:txBody>
       </p:sp>
@@ -10987,7 +12229,7 @@
           <p:cNvPr id="4" name="Date Placeholder 3">
             <a:extLst>
               <a:ext uri="{FF2B5EF4-FFF2-40B4-BE49-F238E27FC236}">
-                <a16:creationId xmlns:a16="http://schemas.microsoft.com/office/drawing/2014/main" id="{CC3A9FAA-0651-4EC7-B49B-256D52BF1734}"/>
+                <a16:creationId xmlns:a16="http://schemas.microsoft.com/office/drawing/2014/main" id="{81473463-BB85-42FA-8837-C86737525827}"/>
               </a:ext>
             </a:extLst>
           </p:cNvPr>
@@ -11019,7 +12261,7 @@
           <p:cNvPr id="5" name="Footer Placeholder 4">
             <a:extLst>
               <a:ext uri="{FF2B5EF4-FFF2-40B4-BE49-F238E27FC236}">
-                <a16:creationId xmlns:a16="http://schemas.microsoft.com/office/drawing/2014/main" id="{F9182E6A-8DEE-4E1D-9C82-D463F121A4A4}"/>
+                <a16:creationId xmlns:a16="http://schemas.microsoft.com/office/drawing/2014/main" id="{18C45EC9-CFAA-4E64-AB28-567C018826E3}"/>
               </a:ext>
             </a:extLst>
           </p:cNvPr>
@@ -11051,7 +12293,7 @@
           <p:cNvPr id="6" name="Slide Number Placeholder 5">
             <a:extLst>
               <a:ext uri="{FF2B5EF4-FFF2-40B4-BE49-F238E27FC236}">
-                <a16:creationId xmlns:a16="http://schemas.microsoft.com/office/drawing/2014/main" id="{A0AB8ED6-D19C-40A5-A3D3-B04476ACB89B}"/>
+                <a16:creationId xmlns:a16="http://schemas.microsoft.com/office/drawing/2014/main" id="{D54283AA-0BB0-4D43-B198-DEEA3857E135}"/>
               </a:ext>
             </a:extLst>
           </p:cNvPr>
@@ -11108,7 +12350,7 @@
     </p:spTree>
     <p:extLst>
       <p:ext uri="{BB962C8B-B14F-4D97-AF65-F5344CB8AC3E}">
-        <p14:creationId xmlns:p14="http://schemas.microsoft.com/office/powerpoint/2010/main" val="12585773"/>
+        <p14:creationId xmlns:p14="http://schemas.microsoft.com/office/powerpoint/2010/main" val="3197728244"/>
       </p:ext>
     </p:extLst>
   </p:cSld>
@@ -11210,12 +12452,35 @@
               <a:buFont typeface="Symbol" panose="05050102010706020507" pitchFamily="18" charset="2"/>
               <a:buChar char=""/>
             </a:pPr>
+            <a:endParaRPr lang="en-US" spc="-10">
+              <a:latin typeface="Times New Roman" panose="02020603050405020304" pitchFamily="18" charset="0"/>
+              <a:ea typeface="Times New Roman" panose="02020603050405020304" pitchFamily="18" charset="0"/>
+            </a:endParaRPr>
+          </a:p>
+          <a:p>
+            <a:pPr marL="342900" marR="274320" lvl="0" indent="-342900">
+              <a:spcBef>
+                <a:spcPts val="0"/>
+              </a:spcBef>
+              <a:spcAft>
+                <a:spcPts val="600"/>
+              </a:spcAft>
+              <a:buFont typeface="Symbol" panose="05050102010706020507" pitchFamily="18" charset="2"/>
+              <a:buChar char=""/>
+            </a:pPr>
+            <a:r>
+              <a:rPr lang="en-US" spc="-10">
+                <a:latin typeface="Times New Roman" panose="02020603050405020304" pitchFamily="18" charset="0"/>
+                <a:ea typeface="Times New Roman" panose="02020603050405020304" pitchFamily="18" charset="0"/>
+              </a:rPr>
+              <a:t>Create </a:t>
+            </a:r>
             <a:r>
               <a:rPr lang="en-US" spc="-10" dirty="0">
                 <a:latin typeface="Times New Roman" panose="02020603050405020304" pitchFamily="18" charset="0"/>
                 <a:ea typeface="Times New Roman" panose="02020603050405020304" pitchFamily="18" charset="0"/>
               </a:rPr>
-              <a:t>Create names for folders and files that consist of lowercase letters, numbers, underscores or hyphens, and the period.</a:t>
+              <a:t>names for folders and files that consist of lowercase letters, numbers, underscores or hyphens, and the period.</a:t>
             </a:r>
           </a:p>
           <a:p>
@@ -11229,12 +12494,63 @@
               <a:buFont typeface="Symbol" panose="05050102010706020507" pitchFamily="18" charset="2"/>
               <a:buChar char=""/>
             </a:pPr>
+            <a:endParaRPr lang="en-US" spc="-10">
+              <a:latin typeface="Times New Roman" panose="02020603050405020304" pitchFamily="18" charset="0"/>
+              <a:ea typeface="Times New Roman" panose="02020603050405020304" pitchFamily="18" charset="0"/>
+            </a:endParaRPr>
+          </a:p>
+          <a:p>
+            <a:pPr marL="342900" marR="274320" lvl="0" indent="-342900">
+              <a:spcBef>
+                <a:spcPts val="0"/>
+              </a:spcBef>
+              <a:spcAft>
+                <a:spcPts val="600"/>
+              </a:spcAft>
+              <a:buFont typeface="Symbol" panose="05050102010706020507" pitchFamily="18" charset="2"/>
+              <a:buChar char=""/>
+            </a:pPr>
+            <a:r>
+              <a:rPr lang="en-US" spc="-10">
+                <a:latin typeface="Times New Roman" panose="02020603050405020304" pitchFamily="18" charset="0"/>
+                <a:ea typeface="Times New Roman" panose="02020603050405020304" pitchFamily="18" charset="0"/>
+              </a:rPr>
+              <a:t>Do </a:t>
+            </a:r>
             <a:r>
               <a:rPr lang="en-US" spc="-10" dirty="0">
                 <a:latin typeface="Times New Roman" panose="02020603050405020304" pitchFamily="18" charset="0"/>
                 <a:ea typeface="Times New Roman" panose="02020603050405020304" pitchFamily="18" charset="0"/>
               </a:rPr>
-              <a:t>Do not use uppercase letters in filenames, to avoid issues with case sensitive file systems.</a:t>
+              <a:t>not use uppercase letters </a:t>
+            </a:r>
+            <a:r>
+              <a:rPr lang="en-US" spc="-10">
+                <a:latin typeface="Times New Roman" panose="02020603050405020304" pitchFamily="18" charset="0"/>
+                <a:ea typeface="Times New Roman" panose="02020603050405020304" pitchFamily="18" charset="0"/>
+              </a:rPr>
+              <a:t>in filenames or directory names, </a:t>
+            </a:r>
+            <a:r>
+              <a:rPr lang="en-US" spc="-10" dirty="0">
+                <a:latin typeface="Times New Roman" panose="02020603050405020304" pitchFamily="18" charset="0"/>
+                <a:ea typeface="Times New Roman" panose="02020603050405020304" pitchFamily="18" charset="0"/>
+              </a:rPr>
+              <a:t>to avoid issues </a:t>
+            </a:r>
+            <a:r>
+              <a:rPr lang="en-US" spc="-10">
+                <a:latin typeface="Times New Roman" panose="02020603050405020304" pitchFamily="18" charset="0"/>
+                <a:ea typeface="Times New Roman" panose="02020603050405020304" pitchFamily="18" charset="0"/>
+              </a:rPr>
+              <a:t>with case-sensitive </a:t>
+            </a:r>
+            <a:r>
+              <a:rPr lang="en-US" spc="-10" dirty="0">
+                <a:latin typeface="Times New Roman" panose="02020603050405020304" pitchFamily="18" charset="0"/>
+                <a:ea typeface="Times New Roman" panose="02020603050405020304" pitchFamily="18" charset="0"/>
+              </a:rPr>
+              <a:t>file systems.</a:t>
             </a:r>
           </a:p>
           <a:p>
@@ -11248,12 +12564,35 @@
               <a:buFont typeface="Symbol" panose="05050102010706020507" pitchFamily="18" charset="2"/>
               <a:buChar char=""/>
             </a:pPr>
+            <a:endParaRPr lang="en-US" spc="-10">
+              <a:latin typeface="Times New Roman" panose="02020603050405020304" pitchFamily="18" charset="0"/>
+              <a:ea typeface="Times New Roman" panose="02020603050405020304" pitchFamily="18" charset="0"/>
+            </a:endParaRPr>
+          </a:p>
+          <a:p>
+            <a:pPr marL="342900" marR="274320" lvl="0" indent="-342900">
+              <a:spcBef>
+                <a:spcPts val="0"/>
+              </a:spcBef>
+              <a:spcAft>
+                <a:spcPts val="600"/>
+              </a:spcAft>
+              <a:buFont typeface="Symbol" panose="05050102010706020507" pitchFamily="18" charset="2"/>
+              <a:buChar char=""/>
+            </a:pPr>
+            <a:r>
+              <a:rPr lang="en-US" spc="-10">
+                <a:latin typeface="Times New Roman" panose="02020603050405020304" pitchFamily="18" charset="0"/>
+                <a:ea typeface="Times New Roman" panose="02020603050405020304" pitchFamily="18" charset="0"/>
+              </a:rPr>
+              <a:t>Use filenames </a:t>
+            </a:r>
             <a:r>
               <a:rPr lang="en-US" spc="-10" dirty="0">
                 <a:latin typeface="Times New Roman" panose="02020603050405020304" pitchFamily="18" charset="0"/>
                 <a:ea typeface="Times New Roman" panose="02020603050405020304" pitchFamily="18" charset="0"/>
               </a:rPr>
-              <a:t>Use filenames that clearly indicate what a page contains. This is good for search engine optimization.</a:t>
+              <a:t>that clearly indicate what a page contains. This is good for search engine optimization.</a:t>
             </a:r>
           </a:p>
           <a:p>
@@ -11474,7 +12813,12 @@
             <p:ph type="body" sz="quarter" idx="13"/>
           </p:nvPr>
         </p:nvSpPr>
-        <p:spPr/>
+        <p:spPr>
+          <a:xfrm>
+            <a:off x="838200" y="1066800"/>
+            <a:ext cx="7696200" cy="4876800"/>
+          </a:xfrm>
+        </p:spPr>
         <p:txBody>
           <a:bodyPr/>
           <a:lstStyle/>
@@ -11489,12 +12833,42 @@
               <a:buFont typeface="Symbol" panose="05050102010706020507" pitchFamily="18" charset="2"/>
               <a:buChar char=""/>
             </a:pPr>
+            <a:endParaRPr lang="en-US" spc="-10">
+              <a:latin typeface="Times New Roman" panose="02020603050405020304" pitchFamily="18" charset="0"/>
+              <a:ea typeface="Times New Roman" panose="02020603050405020304" pitchFamily="18" charset="0"/>
+            </a:endParaRPr>
+          </a:p>
+          <a:p>
+            <a:pPr marL="342900" marR="274320" lvl="0" indent="-342900">
+              <a:spcBef>
+                <a:spcPts val="0"/>
+              </a:spcBef>
+              <a:spcAft>
+                <a:spcPts val="600"/>
+              </a:spcAft>
+              <a:buFont typeface="Symbol" panose="05050102010706020507" pitchFamily="18" charset="2"/>
+              <a:buChar char=""/>
+            </a:pPr>
+            <a:r>
+              <a:rPr lang="en-US" spc="-10">
+                <a:latin typeface="Times New Roman" panose="02020603050405020304" pitchFamily="18" charset="0"/>
+                <a:ea typeface="Times New Roman" panose="02020603050405020304" pitchFamily="18" charset="0"/>
+              </a:rPr>
+              <a:t>In </a:t>
+            </a:r>
             <a:r>
               <a:rPr lang="en-US" spc="-10" dirty="0">
                 <a:latin typeface="Times New Roman" panose="02020603050405020304" pitchFamily="18" charset="0"/>
                 <a:ea typeface="Times New Roman" panose="02020603050405020304" pitchFamily="18" charset="0"/>
               </a:rPr>
-              <a:t>In Chrome, right-click the page and select the View Page Source command. </a:t>
+              <a:t>Chrome, right-click the page and select </a:t>
+            </a:r>
+            <a:r>
+              <a:rPr lang="en-US" spc="-10">
+                <a:latin typeface="Times New Roman" panose="02020603050405020304" pitchFamily="18" charset="0"/>
+                <a:ea typeface="Times New Roman" panose="02020603050405020304" pitchFamily="18" charset="0"/>
+              </a:rPr>
+              <a:t>the "View page source" command.</a:t>
             </a:r>
           </a:p>
           <a:p>
@@ -11508,16 +12882,13 @@
               <a:buFont typeface="Symbol" panose="05050102010706020507" pitchFamily="18" charset="2"/>
               <a:buChar char=""/>
             </a:pPr>
-            <a:r>
-              <a:rPr lang="en-US" spc="-10" dirty="0">
-                <a:latin typeface="Times New Roman" panose="02020603050405020304" pitchFamily="18" charset="0"/>
-                <a:ea typeface="Times New Roman" panose="02020603050405020304" pitchFamily="18" charset="0"/>
-              </a:rPr>
-              <a:t>In Internet Explorer or Edge, right-click the page and select the View Source command. </a:t>
-            </a:r>
-          </a:p>
-          <a:p>
-            <a:pPr marL="342900" marR="274320" lvl="0" indent="-342900">
+            <a:endParaRPr lang="en-US" spc="-10">
+              <a:latin typeface="Times New Roman" panose="02020603050405020304" pitchFamily="18" charset="0"/>
+              <a:ea typeface="Times New Roman" panose="02020603050405020304" pitchFamily="18" charset="0"/>
+            </a:endParaRPr>
+          </a:p>
+          <a:p>
+            <a:pPr marL="342900" marR="274320" indent="-342900">
               <a:spcBef>
                 <a:spcPts val="0"/>
               </a:spcBef>
@@ -11528,31 +12899,16 @@
               <a:buChar char=""/>
             </a:pPr>
             <a:r>
-              <a:rPr lang="en-US" spc="-10" dirty="0">
+              <a:rPr lang="en-US" spc="-10">
                 <a:latin typeface="Times New Roman" panose="02020603050405020304" pitchFamily="18" charset="0"/>
                 <a:ea typeface="Times New Roman" panose="02020603050405020304" pitchFamily="18" charset="0"/>
               </a:rPr>
-              <a:t>In Chrome or Internet Explorer, the source code is displayed in a new browser tab or a separate window. </a:t>
-            </a:r>
-          </a:p>
-          <a:p>
-            <a:pPr marL="342900" marR="274320" lvl="0" indent="-342900">
-              <a:spcBef>
-                <a:spcPts val="0"/>
-              </a:spcBef>
-              <a:spcAft>
-                <a:spcPts val="600"/>
-              </a:spcAft>
-              <a:buFont typeface="Symbol" panose="05050102010706020507" pitchFamily="18" charset="2"/>
-              <a:buChar char=""/>
-            </a:pPr>
-            <a:r>
-              <a:rPr lang="en-US" spc="-10" dirty="0">
-                <a:latin typeface="Times New Roman" panose="02020603050405020304" pitchFamily="18" charset="0"/>
-                <a:ea typeface="Times New Roman" panose="02020603050405020304" pitchFamily="18" charset="0"/>
-              </a:rPr>
-              <a:t>In Edge, the source code is displayed in the Debugger tab of the Developer Tools. </a:t>
-            </a:r>
+              <a:t>In Chrome, the source code is displayed in a new browser tab.</a:t>
+            </a:r>
+            <a:endParaRPr lang="en-US" spc="-10" dirty="0">
+              <a:latin typeface="Times New Roman" panose="02020603050405020304" pitchFamily="18" charset="0"/>
+              <a:ea typeface="Times New Roman" panose="02020603050405020304" pitchFamily="18" charset="0"/>
+            </a:endParaRPr>
           </a:p>
           <a:p>
             <a:endParaRPr lang="en-US" dirty="0"/>
@@ -11678,6 +13034,122 @@
               <a:solidFill>
                 <a:schemeClr val="bg1"/>
               </a:solidFill>
+            </a:endParaRPr>
+          </a:p>
+        </p:txBody>
+      </p:sp>
+      <p:pic>
+        <p:nvPicPr>
+          <p:cNvPr id="9" name="Picture 8" descr="A screenshot of a cell phone&#10;&#10;Description automatically generated">
+            <a:extLst>
+              <a:ext uri="{FF2B5EF4-FFF2-40B4-BE49-F238E27FC236}">
+                <a16:creationId xmlns:a16="http://schemas.microsoft.com/office/drawing/2014/main" id="{78ACFAFE-43C8-4A52-92B6-1AD52495EBA5}"/>
+              </a:ext>
+            </a:extLst>
+          </p:cNvPr>
+          <p:cNvPicPr>
+            <a:picLocks noChangeAspect="1"/>
+          </p:cNvPicPr>
+          <p:nvPr/>
+        </p:nvPicPr>
+        <p:blipFill>
+          <a:blip r:embed="rId2">
+            <a:extLst>
+              <a:ext uri="{28A0092B-C50C-407E-A947-70E740481C1C}">
+                <a14:useLocalDpi xmlns:a14="http://schemas.microsoft.com/office/drawing/2010/main" val="0"/>
+              </a:ext>
+            </a:extLst>
+          </a:blip>
+          <a:stretch>
+            <a:fillRect/>
+          </a:stretch>
+        </p:blipFill>
+        <p:spPr>
+          <a:xfrm>
+            <a:off x="5791200" y="3075125"/>
+            <a:ext cx="3181805" cy="2986431"/>
+          </a:xfrm>
+          <a:prstGeom prst="rect">
+            <a:avLst/>
+          </a:prstGeom>
+        </p:spPr>
+      </p:pic>
+      <p:sp>
+        <p:nvSpPr>
+          <p:cNvPr id="10" name="Rectangle 9">
+            <a:extLst>
+              <a:ext uri="{FF2B5EF4-FFF2-40B4-BE49-F238E27FC236}">
+                <a16:creationId xmlns:a16="http://schemas.microsoft.com/office/drawing/2014/main" id="{7F20F56D-37D8-4289-8AAE-26FD2E682A3C}"/>
+              </a:ext>
+            </a:extLst>
+          </p:cNvPr>
+          <p:cNvSpPr/>
+          <p:nvPr/>
+        </p:nvSpPr>
+        <p:spPr bwMode="auto">
+          <a:xfrm>
+            <a:off x="6172200" y="5334000"/>
+            <a:ext cx="2362200" cy="228600"/>
+          </a:xfrm>
+          <a:prstGeom prst="rect">
+            <a:avLst/>
+          </a:prstGeom>
+          <a:noFill/>
+          <a:ln>
+            <a:solidFill>
+              <a:srgbClr val="C00000"/>
+            </a:solidFill>
+            <a:headEnd type="none" w="med" len="med"/>
+            <a:tailEnd type="none" w="med" len="med"/>
+          </a:ln>
+        </p:spPr>
+        <p:style>
+          <a:lnRef idx="2">
+            <a:schemeClr val="dk1"/>
+          </a:lnRef>
+          <a:fillRef idx="1">
+            <a:schemeClr val="lt1"/>
+          </a:fillRef>
+          <a:effectRef idx="0">
+            <a:schemeClr val="dk1"/>
+          </a:effectRef>
+          <a:fontRef idx="minor">
+            <a:schemeClr val="dk1"/>
+          </a:fontRef>
+        </p:style>
+        <p:txBody>
+          <a:bodyPr vert="horz" wrap="square" lIns="91440" tIns="45720" rIns="91440" bIns="45720" numCol="1" rtlCol="0" anchor="t" anchorCtr="0" compatLnSpc="1">
+            <a:prstTxWarp prst="textNoShape">
+              <a:avLst/>
+            </a:prstTxWarp>
+          </a:bodyPr>
+          <a:lstStyle/>
+          <a:p>
+            <a:pPr marL="0" marR="0" indent="0" algn="l" defTabSz="914400" rtl="0" eaLnBrk="0" fontAlgn="base" latinLnBrk="0" hangingPunct="0">
+              <a:lnSpc>
+                <a:spcPct val="100000"/>
+              </a:lnSpc>
+              <a:spcBef>
+                <a:spcPct val="0"/>
+              </a:spcBef>
+              <a:spcAft>
+                <a:spcPct val="0"/>
+              </a:spcAft>
+              <a:buClrTx/>
+              <a:buSzTx/>
+              <a:buFontTx/>
+              <a:buNone/>
+              <a:tabLst/>
+            </a:pPr>
+            <a:endParaRPr kumimoji="0" lang="en-US" sz="2400" b="0" i="0" u="none" strike="noStrike" cap="none" normalizeH="0" baseline="0">
+              <a:ln>
+                <a:noFill/>
+              </a:ln>
+              <a:solidFill>
+                <a:schemeClr val="tx1"/>
+              </a:solidFill>
+              <a:effectLst/>
+              <a:latin typeface="Times New Roman" pitchFamily="18" charset="0"/>
             </a:endParaRPr>
           </a:p>
         </p:txBody>
@@ -11787,54 +13259,50 @@
               <a:buFont typeface="Symbol" panose="05050102010706020507" pitchFamily="18" charset="2"/>
               <a:buChar char=""/>
             </a:pPr>
+            <a:endParaRPr lang="en-US" spc="-10">
+              <a:latin typeface="Times New Roman" panose="02020603050405020304" pitchFamily="18" charset="0"/>
+              <a:ea typeface="Times New Roman" panose="02020603050405020304" pitchFamily="18" charset="0"/>
+            </a:endParaRPr>
+          </a:p>
+          <a:p>
+            <a:pPr marL="342900" marR="274320" lvl="0" indent="-342900">
+              <a:spcBef>
+                <a:spcPts val="0"/>
+              </a:spcBef>
+              <a:spcAft>
+                <a:spcPts val="600"/>
+              </a:spcAft>
+              <a:buFont typeface="Symbol" panose="05050102010706020507" pitchFamily="18" charset="2"/>
+              <a:buChar char=""/>
+            </a:pPr>
+            <a:r>
+              <a:rPr lang="en-US" spc="-10">
+                <a:latin typeface="Times New Roman" panose="02020603050405020304" pitchFamily="18" charset="0"/>
+                <a:ea typeface="Times New Roman" panose="02020603050405020304" pitchFamily="18" charset="0"/>
+              </a:rPr>
+              <a:t>In </a:t>
+            </a:r>
             <a:r>
               <a:rPr lang="en-US" spc="-10" dirty="0">
                 <a:latin typeface="Times New Roman" panose="02020603050405020304" pitchFamily="18" charset="0"/>
                 <a:ea typeface="Times New Roman" panose="02020603050405020304" pitchFamily="18" charset="0"/>
               </a:rPr>
-              <a:t>In Chrome, click on the link that refers to the CSS file.</a:t>
-            </a:r>
-          </a:p>
-          <a:p>
-            <a:pPr marL="342900" marR="274320" lvl="0" indent="-342900">
+              <a:t>Chrome, click on the link that refers to the CSS file.</a:t>
+            </a:r>
+          </a:p>
+          <a:p>
+            <a:pPr marR="274320" lvl="0">
               <a:spcBef>
                 <a:spcPts val="0"/>
               </a:spcBef>
               <a:spcAft>
                 <a:spcPts val="600"/>
               </a:spcAft>
-              <a:buFont typeface="Symbol" panose="05050102010706020507" pitchFamily="18" charset="2"/>
-              <a:buChar char=""/>
-            </a:pPr>
-            <a:r>
-              <a:rPr lang="en-US" spc="-10" dirty="0">
-                <a:latin typeface="Times New Roman" panose="02020603050405020304" pitchFamily="18" charset="0"/>
-                <a:ea typeface="Times New Roman" panose="02020603050405020304" pitchFamily="18" charset="0"/>
-              </a:rPr>
-              <a:t>In Edge, hold down the Ctrl key and click on the link that refers to the CSS file.</a:t>
-            </a:r>
-          </a:p>
-          <a:p>
-            <a:pPr marL="342900" marR="274320" lvl="0" indent="-342900">
-              <a:spcBef>
-                <a:spcPts val="0"/>
-              </a:spcBef>
-              <a:spcAft>
-                <a:spcPts val="600"/>
-              </a:spcAft>
-              <a:buFont typeface="Symbol" panose="05050102010706020507" pitchFamily="18" charset="2"/>
-              <a:buChar char=""/>
-            </a:pPr>
-            <a:r>
-              <a:rPr lang="en-US" spc="-10" dirty="0">
-                <a:latin typeface="Times New Roman" panose="02020603050405020304" pitchFamily="18" charset="0"/>
-                <a:ea typeface="Times New Roman" panose="02020603050405020304" pitchFamily="18" charset="0"/>
-              </a:rPr>
-              <a:t>In Internet Explorer, enter the URL for the CSS file in the address bar of your web browser.</a:t>
-            </a:r>
-          </a:p>
-          <a:p>
-            <a:endParaRPr lang="en-US" dirty="0"/>
+            </a:pPr>
+            <a:endParaRPr lang="en-US" spc="-10">
+              <a:latin typeface="Times New Roman" panose="02020603050405020304" pitchFamily="18" charset="0"/>
+              <a:ea typeface="Times New Roman" panose="02020603050405020304" pitchFamily="18" charset="0"/>
+            </a:endParaRPr>
           </a:p>
         </p:txBody>
       </p:sp>
@@ -11957,6 +13425,116 @@
               <a:solidFill>
                 <a:schemeClr val="bg1"/>
               </a:solidFill>
+            </a:endParaRPr>
+          </a:p>
+        </p:txBody>
+      </p:sp>
+      <p:pic>
+        <p:nvPicPr>
+          <p:cNvPr id="7" name="Picture 6">
+            <a:extLst>
+              <a:ext uri="{FF2B5EF4-FFF2-40B4-BE49-F238E27FC236}">
+                <a16:creationId xmlns:a16="http://schemas.microsoft.com/office/drawing/2014/main" id="{913AC8B4-8A4C-4DF0-A4FE-BD3A94387E44}"/>
+              </a:ext>
+            </a:extLst>
+          </p:cNvPr>
+          <p:cNvPicPr>
+            <a:picLocks noChangeAspect="1"/>
+          </p:cNvPicPr>
+          <p:nvPr/>
+        </p:nvPicPr>
+        <p:blipFill>
+          <a:blip r:embed="rId2"/>
+          <a:stretch>
+            <a:fillRect/>
+          </a:stretch>
+        </p:blipFill>
+        <p:spPr>
+          <a:xfrm>
+            <a:off x="2362200" y="2118055"/>
+            <a:ext cx="6172200" cy="3827721"/>
+          </a:xfrm>
+          <a:prstGeom prst="rect">
+            <a:avLst/>
+          </a:prstGeom>
+        </p:spPr>
+      </p:pic>
+      <p:sp>
+        <p:nvSpPr>
+          <p:cNvPr id="8" name="Rectangle 7">
+            <a:extLst>
+              <a:ext uri="{FF2B5EF4-FFF2-40B4-BE49-F238E27FC236}">
+                <a16:creationId xmlns:a16="http://schemas.microsoft.com/office/drawing/2014/main" id="{1DCB199A-9694-4163-93D7-5009EE2ED69B}"/>
+              </a:ext>
+            </a:extLst>
+          </p:cNvPr>
+          <p:cNvSpPr/>
+          <p:nvPr/>
+        </p:nvSpPr>
+        <p:spPr bwMode="auto">
+          <a:xfrm>
+            <a:off x="2514600" y="4572000"/>
+            <a:ext cx="6019800" cy="914400"/>
+          </a:xfrm>
+          <a:prstGeom prst="rect">
+            <a:avLst/>
+          </a:prstGeom>
+          <a:noFill/>
+          <a:ln>
+            <a:solidFill>
+              <a:srgbClr val="C00000"/>
+            </a:solidFill>
+            <a:headEnd type="none" w="med" len="med"/>
+            <a:tailEnd type="none" w="med" len="med"/>
+          </a:ln>
+        </p:spPr>
+        <p:style>
+          <a:lnRef idx="2">
+            <a:schemeClr val="dk1"/>
+          </a:lnRef>
+          <a:fillRef idx="1">
+            <a:schemeClr val="lt1"/>
+          </a:fillRef>
+          <a:effectRef idx="0">
+            <a:schemeClr val="dk1"/>
+          </a:effectRef>
+          <a:fontRef idx="minor">
+            <a:schemeClr val="dk1"/>
+          </a:fontRef>
+        </p:style>
+        <p:txBody>
+          <a:bodyPr vert="horz" wrap="square" lIns="91440" tIns="45720" rIns="91440" bIns="45720" numCol="1" rtlCol="0" anchor="t" anchorCtr="0" compatLnSpc="1">
+            <a:prstTxWarp prst="textNoShape">
+              <a:avLst/>
+            </a:prstTxWarp>
+          </a:bodyPr>
+          <a:lstStyle/>
+          <a:p>
+            <a:pPr marL="0" marR="0" indent="0" algn="l" defTabSz="914400" rtl="0" eaLnBrk="0" fontAlgn="base" latinLnBrk="0" hangingPunct="0">
+              <a:lnSpc>
+                <a:spcPct val="100000"/>
+              </a:lnSpc>
+              <a:spcBef>
+                <a:spcPct val="0"/>
+              </a:spcBef>
+              <a:spcAft>
+                <a:spcPct val="0"/>
+              </a:spcAft>
+              <a:buClrTx/>
+              <a:buSzTx/>
+              <a:buFontTx/>
+              <a:buNone/>
+              <a:tabLst/>
+            </a:pPr>
+            <a:endParaRPr kumimoji="0" lang="en-US" sz="2400" b="0" i="0" u="none" strike="noStrike" cap="none" normalizeH="0" baseline="0">
+              <a:ln>
+                <a:noFill/>
+              </a:ln>
+              <a:solidFill>
+                <a:schemeClr val="tx1"/>
+              </a:solidFill>
+              <a:effectLst/>
+              <a:latin typeface="Times New Roman" pitchFamily="18" charset="0"/>
             </a:endParaRPr>
           </a:p>
         </p:txBody>
@@ -12049,10 +13627,10 @@
               <a:buFont typeface="Arial" panose="020B0604020202020204" pitchFamily="34" charset="0"/>
               <a:buChar char="•"/>
             </a:pPr>
-            <a:r>
-              <a:rPr lang="en-US" sz="2000" dirty="0"/>
-              <a:t>Usability</a:t>
-            </a:r>
+            <a:endParaRPr lang="en-US" sz="2000" b="1">
+              <a:latin typeface="Times New Roman" panose="02020603050405020304" pitchFamily="18" charset="0"/>
+              <a:cs typeface="Times New Roman" panose="02020603050405020304" pitchFamily="18" charset="0"/>
+            </a:endParaRPr>
           </a:p>
           <a:p>
             <a:pPr marL="342900" indent="-342900">
@@ -12060,19 +13638,26 @@
               <a:buChar char="•"/>
             </a:pPr>
             <a:r>
-              <a:rPr lang="en-US" sz="2000" dirty="0"/>
-              <a:t>Cross-browser Compatibility</a:t>
-            </a:r>
+              <a:rPr lang="en-US" sz="2000" b="1">
+                <a:latin typeface="Times New Roman" panose="02020603050405020304" pitchFamily="18" charset="0"/>
+                <a:cs typeface="Times New Roman" panose="02020603050405020304" pitchFamily="18" charset="0"/>
+              </a:rPr>
+              <a:t>Usability</a:t>
+            </a:r>
+            <a:endParaRPr lang="en-US" sz="2000" b="1" dirty="0">
+              <a:latin typeface="Times New Roman" panose="02020603050405020304" pitchFamily="18" charset="0"/>
+              <a:cs typeface="Times New Roman" panose="02020603050405020304" pitchFamily="18" charset="0"/>
+            </a:endParaRPr>
           </a:p>
           <a:p>
             <a:pPr marL="342900" indent="-342900">
               <a:buFont typeface="Arial" panose="020B0604020202020204" pitchFamily="34" charset="0"/>
               <a:buChar char="•"/>
             </a:pPr>
-            <a:r>
-              <a:rPr lang="en-US" sz="2000" dirty="0"/>
-              <a:t>User Accessibility</a:t>
-            </a:r>
+            <a:endParaRPr lang="en-US" sz="2000" b="1">
+              <a:latin typeface="Times New Roman" panose="02020603050405020304" pitchFamily="18" charset="0"/>
+              <a:cs typeface="Times New Roman" panose="02020603050405020304" pitchFamily="18" charset="0"/>
+            </a:endParaRPr>
           </a:p>
           <a:p>
             <a:pPr marL="342900" indent="-342900">
@@ -12080,8 +13665,18 @@
               <a:buChar char="•"/>
             </a:pPr>
             <a:r>
-              <a:rPr lang="en-US" sz="2000" dirty="0"/>
-              <a:t>Search Engine Optimization</a:t>
+              <a:rPr lang="en-US" sz="2000" b="1">
+                <a:latin typeface="Times New Roman" panose="02020603050405020304" pitchFamily="18" charset="0"/>
+                <a:cs typeface="Times New Roman" panose="02020603050405020304" pitchFamily="18" charset="0"/>
+              </a:rPr>
+              <a:t>Cross-browser </a:t>
+            </a:r>
+            <a:r>
+              <a:rPr lang="en-US" sz="2000" b="1" dirty="0">
+                <a:latin typeface="Times New Roman" panose="02020603050405020304" pitchFamily="18" charset="0"/>
+                <a:cs typeface="Times New Roman" panose="02020603050405020304" pitchFamily="18" charset="0"/>
+              </a:rPr>
+              <a:t>Compatibility</a:t>
             </a:r>
           </a:p>
           <a:p>
@@ -12089,9 +13684,86 @@
               <a:buFont typeface="Arial" panose="020B0604020202020204" pitchFamily="34" charset="0"/>
               <a:buChar char="•"/>
             </a:pPr>
-            <a:r>
-              <a:rPr lang="en-US" sz="2000" dirty="0"/>
-              <a:t>Responsive Web Design</a:t>
+            <a:endParaRPr lang="en-US" sz="2000" b="1">
+              <a:latin typeface="Times New Roman" panose="02020603050405020304" pitchFamily="18" charset="0"/>
+              <a:cs typeface="Times New Roman" panose="02020603050405020304" pitchFamily="18" charset="0"/>
+            </a:endParaRPr>
+          </a:p>
+          <a:p>
+            <a:pPr marL="342900" indent="-342900">
+              <a:buFont typeface="Arial" panose="020B0604020202020204" pitchFamily="34" charset="0"/>
+              <a:buChar char="•"/>
+            </a:pPr>
+            <a:r>
+              <a:rPr lang="en-US" sz="2000" b="1">
+                <a:latin typeface="Times New Roman" panose="02020603050405020304" pitchFamily="18" charset="0"/>
+                <a:cs typeface="Times New Roman" panose="02020603050405020304" pitchFamily="18" charset="0"/>
+              </a:rPr>
+              <a:t>Accessibility</a:t>
+            </a:r>
+            <a:endParaRPr lang="en-US" sz="2000" b="1" dirty="0">
+              <a:latin typeface="Times New Roman" panose="02020603050405020304" pitchFamily="18" charset="0"/>
+              <a:cs typeface="Times New Roman" panose="02020603050405020304" pitchFamily="18" charset="0"/>
+            </a:endParaRPr>
+          </a:p>
+          <a:p>
+            <a:pPr marL="342900" indent="-342900">
+              <a:buFont typeface="Arial" panose="020B0604020202020204" pitchFamily="34" charset="0"/>
+              <a:buChar char="•"/>
+            </a:pPr>
+            <a:endParaRPr lang="en-US" sz="2000" b="1">
+              <a:latin typeface="Times New Roman" panose="02020603050405020304" pitchFamily="18" charset="0"/>
+              <a:cs typeface="Times New Roman" panose="02020603050405020304" pitchFamily="18" charset="0"/>
+            </a:endParaRPr>
+          </a:p>
+          <a:p>
+            <a:pPr marL="342900" indent="-342900">
+              <a:buFont typeface="Arial" panose="020B0604020202020204" pitchFamily="34" charset="0"/>
+              <a:buChar char="•"/>
+            </a:pPr>
+            <a:r>
+              <a:rPr lang="en-US" sz="2000" b="1">
+                <a:latin typeface="Times New Roman" panose="02020603050405020304" pitchFamily="18" charset="0"/>
+                <a:cs typeface="Times New Roman" panose="02020603050405020304" pitchFamily="18" charset="0"/>
+              </a:rPr>
+              <a:t>Search </a:t>
+            </a:r>
+            <a:r>
+              <a:rPr lang="en-US" sz="2000" b="1" dirty="0">
+                <a:latin typeface="Times New Roman" panose="02020603050405020304" pitchFamily="18" charset="0"/>
+                <a:cs typeface="Times New Roman" panose="02020603050405020304" pitchFamily="18" charset="0"/>
+              </a:rPr>
+              <a:t>Engine Optimization</a:t>
+            </a:r>
+          </a:p>
+          <a:p>
+            <a:pPr marL="342900" indent="-342900">
+              <a:buFont typeface="Arial" panose="020B0604020202020204" pitchFamily="34" charset="0"/>
+              <a:buChar char="•"/>
+            </a:pPr>
+            <a:endParaRPr lang="en-US" sz="2000" b="1">
+              <a:latin typeface="Times New Roman" panose="02020603050405020304" pitchFamily="18" charset="0"/>
+              <a:cs typeface="Times New Roman" panose="02020603050405020304" pitchFamily="18" charset="0"/>
+            </a:endParaRPr>
+          </a:p>
+          <a:p>
+            <a:pPr marL="342900" indent="-342900">
+              <a:buFont typeface="Arial" panose="020B0604020202020204" pitchFamily="34" charset="0"/>
+              <a:buChar char="•"/>
+            </a:pPr>
+            <a:r>
+              <a:rPr lang="en-US" sz="2000" b="1">
+                <a:latin typeface="Times New Roman" panose="02020603050405020304" pitchFamily="18" charset="0"/>
+                <a:cs typeface="Times New Roman" panose="02020603050405020304" pitchFamily="18" charset="0"/>
+              </a:rPr>
+              <a:t>Responsive </a:t>
+            </a:r>
+            <a:r>
+              <a:rPr lang="en-US" sz="2000" b="1" dirty="0">
+                <a:latin typeface="Times New Roman" panose="02020603050405020304" pitchFamily="18" charset="0"/>
+                <a:cs typeface="Times New Roman" panose="02020603050405020304" pitchFamily="18" charset="0"/>
+              </a:rPr>
+              <a:t>Web Design</a:t>
             </a:r>
           </a:p>
         </p:txBody>
@@ -12563,13 +14235,65 @@
                 <a:tab pos="347345" algn="l"/>
               </a:tabLst>
             </a:pPr>
+            <a:endParaRPr lang="en-US" spc="-10">
+              <a:latin typeface="Times New Roman" panose="02020603050405020304" pitchFamily="18" charset="0"/>
+              <a:ea typeface="Times New Roman" panose="02020603050405020304" pitchFamily="18" charset="0"/>
+            </a:endParaRPr>
+          </a:p>
+          <a:p>
+            <a:pPr marL="342900" marR="274320" lvl="0" indent="-342900">
+              <a:spcBef>
+                <a:spcPts val="0"/>
+              </a:spcBef>
+              <a:spcAft>
+                <a:spcPts val="600"/>
+              </a:spcAft>
+              <a:buFont typeface="Symbol" panose="05050102010706020507" pitchFamily="18" charset="2"/>
+              <a:buChar char=""/>
+              <a:tabLst>
+                <a:tab pos="347345" algn="l"/>
+              </a:tabLst>
+            </a:pPr>
+            <a:r>
+              <a:rPr lang="en-US" spc="-10">
+                <a:latin typeface="Times New Roman" panose="02020603050405020304" pitchFamily="18" charset="0"/>
+                <a:ea typeface="Times New Roman" panose="02020603050405020304" pitchFamily="18" charset="0"/>
+              </a:rPr>
+              <a:t>To </a:t>
+            </a:r>
             <a:r>
               <a:rPr lang="en-US" spc="-10" dirty="0">
                 <a:latin typeface="Times New Roman" panose="02020603050405020304" pitchFamily="18" charset="0"/>
                 <a:ea typeface="Times New Roman" panose="02020603050405020304" pitchFamily="18" charset="0"/>
               </a:rPr>
-              <a:t>To find what they’re looking for as quickly and easily as possible</a:t>
-            </a:r>
+              <a:t>find what they’re looking for as quickly and easily </a:t>
+            </a:r>
+            <a:r>
+              <a:rPr lang="en-US" spc="-10">
+                <a:latin typeface="Times New Roman" panose="02020603050405020304" pitchFamily="18" charset="0"/>
+                <a:ea typeface="Times New Roman" panose="02020603050405020304" pitchFamily="18" charset="0"/>
+              </a:rPr>
+              <a:t>as possible</a:t>
+            </a:r>
+          </a:p>
+          <a:p>
+            <a:pPr marL="342900" marR="274320" lvl="0" indent="-342900">
+              <a:spcBef>
+                <a:spcPts val="0"/>
+              </a:spcBef>
+              <a:spcAft>
+                <a:spcPts val="600"/>
+              </a:spcAft>
+              <a:buFont typeface="Symbol" panose="05050102010706020507" pitchFamily="18" charset="2"/>
+              <a:buChar char=""/>
+              <a:tabLst>
+                <a:tab pos="347345" algn="l"/>
+              </a:tabLst>
+            </a:pPr>
+            <a:endParaRPr lang="en-US" spc="-10" dirty="0">
+              <a:latin typeface="Times New Roman" panose="02020603050405020304" pitchFamily="18" charset="0"/>
+              <a:ea typeface="Times New Roman" panose="02020603050405020304" pitchFamily="18" charset="0"/>
+            </a:endParaRPr>
           </a:p>
           <a:p>
             <a:pPr marL="342900" marR="274320" lvl="0" indent="-342900">
@@ -12826,12 +14550,35 @@
               <a:buFont typeface="Symbol" panose="05050102010706020507" pitchFamily="18" charset="2"/>
               <a:buChar char=""/>
             </a:pPr>
+            <a:endParaRPr lang="en-US" spc="-10">
+              <a:latin typeface="Times New Roman" panose="02020603050405020304" pitchFamily="18" charset="0"/>
+              <a:ea typeface="Times New Roman" panose="02020603050405020304" pitchFamily="18" charset="0"/>
+            </a:endParaRPr>
+          </a:p>
+          <a:p>
+            <a:pPr marL="342900" marR="274320" lvl="0" indent="-342900">
+              <a:spcBef>
+                <a:spcPts val="0"/>
+              </a:spcBef>
+              <a:spcAft>
+                <a:spcPts val="600"/>
+              </a:spcAft>
+              <a:buFont typeface="Symbol" panose="05050102010706020507" pitchFamily="18" charset="2"/>
+              <a:buChar char=""/>
+            </a:pPr>
+            <a:r>
+              <a:rPr lang="en-US" spc="-10">
+                <a:latin typeface="Times New Roman" panose="02020603050405020304" pitchFamily="18" charset="0"/>
+                <a:ea typeface="Times New Roman" panose="02020603050405020304" pitchFamily="18" charset="0"/>
+              </a:rPr>
+              <a:t>They </a:t>
+            </a:r>
             <a:r>
               <a:rPr lang="en-US" spc="-10" dirty="0">
                 <a:latin typeface="Times New Roman" panose="02020603050405020304" pitchFamily="18" charset="0"/>
                 <a:ea typeface="Times New Roman" panose="02020603050405020304" pitchFamily="18" charset="0"/>
               </a:rPr>
-              <a:t>They scan the page to find what they’re looking for or a link to what they’re looking for. They do not like to scroll. If they get frustrated, they leave.</a:t>
+              <a:t>scan the page to find what they’re looking for or a link to what they’re looking for. They do not like to scroll. If they get frustrated, they leave.</a:t>
             </a:r>
           </a:p>
           <a:p>
@@ -12845,12 +14592,35 @@
               <a:buFont typeface="Symbol" panose="05050102010706020507" pitchFamily="18" charset="2"/>
               <a:buChar char=""/>
             </a:pPr>
+            <a:endParaRPr lang="en-US" spc="-10">
+              <a:latin typeface="Times New Roman" panose="02020603050405020304" pitchFamily="18" charset="0"/>
+              <a:ea typeface="Times New Roman" panose="02020603050405020304" pitchFamily="18" charset="0"/>
+            </a:endParaRPr>
+          </a:p>
+          <a:p>
+            <a:pPr marL="342900" marR="274320" lvl="0" indent="-342900">
+              <a:spcBef>
+                <a:spcPts val="0"/>
+              </a:spcBef>
+              <a:spcAft>
+                <a:spcPts val="600"/>
+              </a:spcAft>
+              <a:buFont typeface="Symbol" panose="05050102010706020507" pitchFamily="18" charset="2"/>
+              <a:buChar char=""/>
+            </a:pPr>
+            <a:r>
+              <a:rPr lang="en-US" spc="-10">
+                <a:latin typeface="Times New Roman" panose="02020603050405020304" pitchFamily="18" charset="0"/>
+                <a:ea typeface="Times New Roman" panose="02020603050405020304" pitchFamily="18" charset="0"/>
+              </a:rPr>
+              <a:t>They </a:t>
+            </a:r>
             <a:r>
               <a:rPr lang="en-US" spc="-10" dirty="0">
                 <a:latin typeface="Times New Roman" panose="02020603050405020304" pitchFamily="18" charset="0"/>
                 <a:ea typeface="Times New Roman" panose="02020603050405020304" pitchFamily="18" charset="0"/>
               </a:rPr>
-              <a:t>They often click on links and buttons with the hope of finding what they’re looking for. They frequently click on the Back button when they don’t find it.</a:t>
+              <a:t>often click on links and buttons with the hope of finding what they’re looking for. They frequently click on the Back button when they don’t find it.</a:t>
             </a:r>
           </a:p>
           <a:p>
@@ -13071,7 +14841,12 @@
             <p:ph type="body" sz="quarter" idx="13"/>
           </p:nvPr>
         </p:nvSpPr>
-        <p:spPr/>
+        <p:spPr>
+          <a:xfrm>
+            <a:off x="838200" y="1066800"/>
+            <a:ext cx="7848600" cy="4876800"/>
+          </a:xfrm>
+        </p:spPr>
         <p:txBody>
           <a:bodyPr/>
           <a:lstStyle/>
@@ -13086,13 +14861,60 @@
               <a:buFont typeface="Symbol" panose="05050102010706020507" pitchFamily="18" charset="2"/>
               <a:buChar char=""/>
             </a:pPr>
+            <a:endParaRPr lang="en-US" spc="-10">
+              <a:latin typeface="Times New Roman" panose="02020603050405020304" pitchFamily="18" charset="0"/>
+              <a:ea typeface="Times New Roman" panose="02020603050405020304" pitchFamily="18" charset="0"/>
+            </a:endParaRPr>
+          </a:p>
+          <a:p>
+            <a:pPr marL="342900" marR="274320" lvl="0" indent="-342900">
+              <a:spcBef>
+                <a:spcPts val="0"/>
+              </a:spcBef>
+              <a:spcAft>
+                <a:spcPts val="600"/>
+              </a:spcAft>
+              <a:buFont typeface="Symbol" panose="05050102010706020507" pitchFamily="18" charset="2"/>
+              <a:buChar char=""/>
+            </a:pPr>
+            <a:r>
+              <a:rPr lang="en-US" spc="-10">
+                <a:latin typeface="Times New Roman" panose="02020603050405020304" pitchFamily="18" charset="0"/>
+                <a:ea typeface="Times New Roman" panose="02020603050405020304" pitchFamily="18" charset="0"/>
+              </a:rPr>
+              <a:t>Present </a:t>
+            </a:r>
             <a:r>
               <a:rPr lang="en-US" spc="-10" dirty="0">
                 <a:latin typeface="Times New Roman" panose="02020603050405020304" pitchFamily="18" charset="0"/>
                 <a:ea typeface="Times New Roman" panose="02020603050405020304" pitchFamily="18" charset="0"/>
               </a:rPr>
-              <a:t>Present as much critical information as possible “above the fold”.</a:t>
-            </a:r>
+              <a:t>as much critical information as possible </a:t>
+            </a:r>
+            <a:r>
+              <a:rPr lang="en-US" spc="-10" dirty="0">
+                <a:solidFill>
+                  <a:schemeClr val="accent2"/>
+                </a:solidFill>
+                <a:latin typeface="Times New Roman" panose="02020603050405020304" pitchFamily="18" charset="0"/>
+                <a:ea typeface="Times New Roman" panose="02020603050405020304" pitchFamily="18" charset="0"/>
+                <a:hlinkClick r:id="rId2">
+                  <a:extLst>
+                    <a:ext uri="{A12FA001-AC4F-418D-AE19-62706E023703}">
+                      <ahyp:hlinkClr xmlns:ahyp="http://schemas.microsoft.com/office/drawing/2018/hyperlinkcolor" val="tx"/>
+                    </a:ext>
+                  </a:extLst>
+                </a:hlinkClick>
+              </a:rPr>
+              <a:t>“above the fold”.</a:t>
+            </a:r>
+            <a:endParaRPr lang="en-US" spc="-10" dirty="0">
+              <a:solidFill>
+                <a:schemeClr val="accent2"/>
+              </a:solidFill>
+              <a:latin typeface="Times New Roman" panose="02020603050405020304" pitchFamily="18" charset="0"/>
+              <a:ea typeface="Times New Roman" panose="02020603050405020304" pitchFamily="18" charset="0"/>
+            </a:endParaRPr>
           </a:p>
           <a:p>
             <a:pPr marL="342900" marR="274320" lvl="0" indent="-342900">
@@ -13105,12 +14927,35 @@
               <a:buFont typeface="Symbol" panose="05050102010706020507" pitchFamily="18" charset="2"/>
               <a:buChar char=""/>
             </a:pPr>
+            <a:endParaRPr lang="en-US" spc="-10">
+              <a:latin typeface="Times New Roman" panose="02020603050405020304" pitchFamily="18" charset="0"/>
+              <a:ea typeface="Times New Roman" panose="02020603050405020304" pitchFamily="18" charset="0"/>
+            </a:endParaRPr>
+          </a:p>
+          <a:p>
+            <a:pPr marL="342900" marR="274320" lvl="0" indent="-342900">
+              <a:spcBef>
+                <a:spcPts val="0"/>
+              </a:spcBef>
+              <a:spcAft>
+                <a:spcPts val="600"/>
+              </a:spcAft>
+              <a:buFont typeface="Symbol" panose="05050102010706020507" pitchFamily="18" charset="2"/>
+              <a:buChar char=""/>
+            </a:pPr>
+            <a:r>
+              <a:rPr lang="en-US" spc="-10">
+                <a:latin typeface="Times New Roman" panose="02020603050405020304" pitchFamily="18" charset="0"/>
+                <a:ea typeface="Times New Roman" panose="02020603050405020304" pitchFamily="18" charset="0"/>
+              </a:rPr>
+              <a:t>Group related items, but limit </a:t>
+            </a:r>
             <a:r>
               <a:rPr lang="en-US" spc="-10" dirty="0">
                 <a:latin typeface="Times New Roman" panose="02020603050405020304" pitchFamily="18" charset="0"/>
                 <a:ea typeface="Times New Roman" panose="02020603050405020304" pitchFamily="18" charset="0"/>
               </a:rPr>
-              <a:t>Group related items and limit the number of groups on each page.</a:t>
+              <a:t>the number of groups on each page.</a:t>
             </a:r>
           </a:p>
           <a:p>
@@ -13124,13 +14969,47 @@
               <a:buFont typeface="Symbol" panose="05050102010706020507" pitchFamily="18" charset="2"/>
               <a:buChar char=""/>
             </a:pPr>
+            <a:endParaRPr lang="en-US" spc="-10">
+              <a:latin typeface="Times New Roman" panose="02020603050405020304" pitchFamily="18" charset="0"/>
+              <a:ea typeface="Times New Roman" panose="02020603050405020304" pitchFamily="18" charset="0"/>
+            </a:endParaRPr>
+          </a:p>
+          <a:p>
+            <a:pPr marL="342900" marR="274320" lvl="0" indent="-342900">
+              <a:spcBef>
+                <a:spcPts val="0"/>
+              </a:spcBef>
+              <a:spcAft>
+                <a:spcPts val="600"/>
+              </a:spcAft>
+              <a:buFont typeface="Symbol" panose="05050102010706020507" pitchFamily="18" charset="2"/>
+              <a:buChar char=""/>
+            </a:pPr>
+            <a:r>
+              <a:rPr lang="en-US" spc="-10">
+                <a:latin typeface="Times New Roman" panose="02020603050405020304" pitchFamily="18" charset="0"/>
+                <a:ea typeface="Times New Roman" panose="02020603050405020304" pitchFamily="18" charset="0"/>
+              </a:rPr>
+              <a:t>Include </a:t>
+            </a:r>
             <a:r>
               <a:rPr lang="en-US" spc="-10" dirty="0">
                 <a:latin typeface="Times New Roman" panose="02020603050405020304" pitchFamily="18" charset="0"/>
                 <a:ea typeface="Times New Roman" panose="02020603050405020304" pitchFamily="18" charset="0"/>
               </a:rPr>
-              <a:t>Include a header that identifies the site and provides a navigation bar and links to utilities.</a:t>
-            </a:r>
+              <a:t>a header that identifies the site and provides a </a:t>
+            </a:r>
+            <a:r>
+              <a:rPr lang="en-US" spc="-10">
+                <a:latin typeface="Times New Roman" panose="02020603050405020304" pitchFamily="18" charset="0"/>
+                <a:ea typeface="Times New Roman" panose="02020603050405020304" pitchFamily="18" charset="0"/>
+              </a:rPr>
+              <a:t>navigation bar.</a:t>
+            </a:r>
+            <a:endParaRPr lang="en-US" spc="-10" dirty="0">
+              <a:latin typeface="Times New Roman" panose="02020603050405020304" pitchFamily="18" charset="0"/>
+              <a:ea typeface="Times New Roman" panose="02020603050405020304" pitchFamily="18" charset="0"/>
+            </a:endParaRPr>
           </a:p>
           <a:p>
             <a:pPr marL="342900" marR="274320" lvl="0" indent="-342900">
@@ -13143,12 +15022,35 @@
               <a:buFont typeface="Symbol" panose="05050102010706020507" pitchFamily="18" charset="2"/>
               <a:buChar char=""/>
             </a:pPr>
+            <a:endParaRPr lang="en-US" spc="-10">
+              <a:latin typeface="Times New Roman" panose="02020603050405020304" pitchFamily="18" charset="0"/>
+              <a:ea typeface="Times New Roman" panose="02020603050405020304" pitchFamily="18" charset="0"/>
+            </a:endParaRPr>
+          </a:p>
+          <a:p>
+            <a:pPr marL="342900" marR="274320" lvl="0" indent="-342900">
+              <a:spcBef>
+                <a:spcPts val="0"/>
+              </a:spcBef>
+              <a:spcAft>
+                <a:spcPts val="600"/>
+              </a:spcAft>
+              <a:buFont typeface="Symbol" panose="05050102010706020507" pitchFamily="18" charset="2"/>
+              <a:buChar char=""/>
+            </a:pPr>
+            <a:r>
+              <a:rPr lang="en-US" spc="-10">
+                <a:latin typeface="Times New Roman" panose="02020603050405020304" pitchFamily="18" charset="0"/>
+                <a:ea typeface="Times New Roman" panose="02020603050405020304" pitchFamily="18" charset="0"/>
+              </a:rPr>
+              <a:t>Use </a:t>
+            </a:r>
             <a:r>
               <a:rPr lang="en-US" spc="-10" dirty="0">
                 <a:latin typeface="Times New Roman" panose="02020603050405020304" pitchFamily="18" charset="0"/>
                 <a:ea typeface="Times New Roman" panose="02020603050405020304" pitchFamily="18" charset="0"/>
               </a:rPr>
-              <a:t>Use current navigation conventions, like including a logo that goes to your home page when clicked and a cart icon that goes to your shopping cart when clicked.</a:t>
+              <a:t>current navigation conventions, like including a logo that goes to your home page when clicked and a cart icon that goes to your shopping cart when clicked.</a:t>
             </a:r>
           </a:p>
           <a:p>
@@ -13384,12 +15286,35 @@
               <a:buFont typeface="Symbol" panose="05050102010706020507" pitchFamily="18" charset="2"/>
               <a:buChar char=""/>
             </a:pPr>
+            <a:endParaRPr lang="en-US" spc="-10">
+              <a:latin typeface="Times New Roman" panose="02020603050405020304" pitchFamily="18" charset="0"/>
+              <a:ea typeface="Times New Roman" panose="02020603050405020304" pitchFamily="18" charset="0"/>
+            </a:endParaRPr>
+          </a:p>
+          <a:p>
+            <a:pPr marL="342900" marR="274320" lvl="0" indent="-342900">
+              <a:spcBef>
+                <a:spcPts val="0"/>
+              </a:spcBef>
+              <a:spcAft>
+                <a:spcPts val="600"/>
+              </a:spcAft>
+              <a:buFont typeface="Symbol" panose="05050102010706020507" pitchFamily="18" charset="2"/>
+              <a:buChar char=""/>
+            </a:pPr>
+            <a:r>
+              <a:rPr lang="en-US" spc="-10">
+                <a:latin typeface="Times New Roman" panose="02020603050405020304" pitchFamily="18" charset="0"/>
+                <a:ea typeface="Times New Roman" panose="02020603050405020304" pitchFamily="18" charset="0"/>
+              </a:rPr>
+              <a:t>Test </a:t>
+            </a:r>
             <a:r>
               <a:rPr lang="en-US" spc="-10" dirty="0">
                 <a:latin typeface="Times New Roman" panose="02020603050405020304" pitchFamily="18" charset="0"/>
                 <a:ea typeface="Times New Roman" panose="02020603050405020304" pitchFamily="18" charset="0"/>
               </a:rPr>
-              <a:t>Test your web pages on all of the major browsers, including older versions of Internet Explorer that are still in common use.</a:t>
+              <a:t>your web pages on all of the major browsers, including older versions of Internet Explorer that are still in common use.</a:t>
             </a:r>
           </a:p>
           <a:p>
@@ -13403,12 +15328,35 @@
               <a:buFont typeface="Symbol" panose="05050102010706020507" pitchFamily="18" charset="2"/>
               <a:buChar char=""/>
             </a:pPr>
+            <a:endParaRPr lang="en-US" spc="-10">
+              <a:latin typeface="Times New Roman" panose="02020603050405020304" pitchFamily="18" charset="0"/>
+              <a:ea typeface="Times New Roman" panose="02020603050405020304" pitchFamily="18" charset="0"/>
+            </a:endParaRPr>
+          </a:p>
+          <a:p>
+            <a:pPr marL="342900" marR="274320" lvl="0" indent="-342900">
+              <a:spcBef>
+                <a:spcPts val="0"/>
+              </a:spcBef>
+              <a:spcAft>
+                <a:spcPts val="600"/>
+              </a:spcAft>
+              <a:buFont typeface="Symbol" panose="05050102010706020507" pitchFamily="18" charset="2"/>
+              <a:buChar char=""/>
+            </a:pPr>
+            <a:r>
+              <a:rPr lang="en-US" spc="-10">
+                <a:latin typeface="Times New Roman" panose="02020603050405020304" pitchFamily="18" charset="0"/>
+                <a:ea typeface="Times New Roman" panose="02020603050405020304" pitchFamily="18" charset="0"/>
+              </a:rPr>
+              <a:t>Use </a:t>
+            </a:r>
             <a:r>
               <a:rPr lang="en-US" spc="-10" dirty="0">
                 <a:latin typeface="Times New Roman" panose="02020603050405020304" pitchFamily="18" charset="0"/>
                 <a:ea typeface="Times New Roman" panose="02020603050405020304" pitchFamily="18" charset="0"/>
               </a:rPr>
-              <a:t>Use the features of HTML5 and CSS3 that are supported by all modern browsers. But use the workarounds so those features will work in older browsers too.</a:t>
+              <a:t>the features of HTML5 and CSS3 that are supported by all modern browsers. But use the workarounds so those features will work in older browsers too.</a:t>
             </a:r>
           </a:p>
           <a:p>
@@ -13644,12 +15592,35 @@
               <a:buFont typeface="Symbol" panose="05050102010706020507" pitchFamily="18" charset="2"/>
               <a:buChar char=""/>
             </a:pPr>
+            <a:endParaRPr lang="en-US" spc="-10">
+              <a:latin typeface="Times New Roman" panose="02020603050405020304" pitchFamily="18" charset="0"/>
+              <a:ea typeface="Times New Roman" panose="02020603050405020304" pitchFamily="18" charset="0"/>
+            </a:endParaRPr>
+          </a:p>
+          <a:p>
+            <a:pPr marL="342900" marR="274320" lvl="0" indent="-342900">
+              <a:spcBef>
+                <a:spcPts val="0"/>
+              </a:spcBef>
+              <a:spcAft>
+                <a:spcPts val="600"/>
+              </a:spcAft>
+              <a:buFont typeface="Symbol" panose="05050102010706020507" pitchFamily="18" charset="2"/>
+              <a:buChar char=""/>
+            </a:pPr>
+            <a:r>
+              <a:rPr lang="en-US" spc="-10">
+                <a:latin typeface="Times New Roman" panose="02020603050405020304" pitchFamily="18" charset="0"/>
+                <a:ea typeface="Times New Roman" panose="02020603050405020304" pitchFamily="18" charset="0"/>
+              </a:rPr>
+              <a:t>The </a:t>
+            </a:r>
             <a:r>
               <a:rPr lang="en-US" spc="-10" dirty="0">
                 <a:latin typeface="Times New Roman" panose="02020603050405020304" pitchFamily="18" charset="0"/>
                 <a:ea typeface="Times New Roman" panose="02020603050405020304" pitchFamily="18" charset="0"/>
               </a:rPr>
-              <a:t>The Americans with Disabilities Act (ADA).</a:t>
+              <a:t>Americans with Disabilities Act (ADA).</a:t>
             </a:r>
           </a:p>
           <a:p>
@@ -13663,12 +15634,35 @@
               <a:buFont typeface="Symbol" panose="05050102010706020507" pitchFamily="18" charset="2"/>
               <a:buChar char=""/>
             </a:pPr>
+            <a:endParaRPr lang="en-US" spc="-10">
+              <a:latin typeface="Times New Roman" panose="02020603050405020304" pitchFamily="18" charset="0"/>
+              <a:ea typeface="Times New Roman" panose="02020603050405020304" pitchFamily="18" charset="0"/>
+            </a:endParaRPr>
+          </a:p>
+          <a:p>
+            <a:pPr marL="342900" marR="274320" lvl="0" indent="-342900">
+              <a:spcBef>
+                <a:spcPts val="0"/>
+              </a:spcBef>
+              <a:spcAft>
+                <a:spcPts val="600"/>
+              </a:spcAft>
+              <a:buFont typeface="Symbol" panose="05050102010706020507" pitchFamily="18" charset="2"/>
+              <a:buChar char=""/>
+            </a:pPr>
+            <a:r>
+              <a:rPr lang="en-US" spc="-10">
+                <a:latin typeface="Times New Roman" panose="02020603050405020304" pitchFamily="18" charset="0"/>
+                <a:ea typeface="Times New Roman" panose="02020603050405020304" pitchFamily="18" charset="0"/>
+              </a:rPr>
+              <a:t>Sections </a:t>
+            </a:r>
             <a:r>
               <a:rPr lang="en-US" spc="-10" dirty="0">
                 <a:latin typeface="Times New Roman" panose="02020603050405020304" pitchFamily="18" charset="0"/>
                 <a:ea typeface="Times New Roman" panose="02020603050405020304" pitchFamily="18" charset="0"/>
               </a:rPr>
-              <a:t>Sections 504 and 508 of the Federal Rehabilitation Act. </a:t>
+              <a:t>504 and 508 of the Federal Rehabilitation Act. </a:t>
             </a:r>
           </a:p>
           <a:p>
@@ -13682,12 +15676,35 @@
               <a:buFont typeface="Symbol" panose="05050102010706020507" pitchFamily="18" charset="2"/>
               <a:buChar char=""/>
             </a:pPr>
+            <a:endParaRPr lang="en-US" spc="-10">
+              <a:latin typeface="Times New Roman" panose="02020603050405020304" pitchFamily="18" charset="0"/>
+              <a:ea typeface="Times New Roman" panose="02020603050405020304" pitchFamily="18" charset="0"/>
+            </a:endParaRPr>
+          </a:p>
+          <a:p>
+            <a:pPr marL="342900" marR="274320" lvl="0" indent="-342900">
+              <a:spcBef>
+                <a:spcPts val="0"/>
+              </a:spcBef>
+              <a:spcAft>
+                <a:spcPts val="600"/>
+              </a:spcAft>
+              <a:buFont typeface="Symbol" panose="05050102010706020507" pitchFamily="18" charset="2"/>
+              <a:buChar char=""/>
+            </a:pPr>
+            <a:r>
+              <a:rPr lang="en-US" spc="-10">
+                <a:latin typeface="Times New Roman" panose="02020603050405020304" pitchFamily="18" charset="0"/>
+                <a:ea typeface="Times New Roman" panose="02020603050405020304" pitchFamily="18" charset="0"/>
+              </a:rPr>
+              <a:t>Section </a:t>
+            </a:r>
             <a:r>
               <a:rPr lang="en-US" spc="-10" dirty="0">
                 <a:latin typeface="Times New Roman" panose="02020603050405020304" pitchFamily="18" charset="0"/>
                 <a:ea typeface="Times New Roman" panose="02020603050405020304" pitchFamily="18" charset="0"/>
               </a:rPr>
-              <a:t>Section 255 of the Telecommunications Act of 1996.</a:t>
+              <a:t>255 of the Telecommunications Act of 1996.</a:t>
             </a:r>
           </a:p>
           <a:p>
@@ -13853,7 +15870,7 @@
           <p:cNvPr id="2" name="Title 1">
             <a:extLst>
               <a:ext uri="{FF2B5EF4-FFF2-40B4-BE49-F238E27FC236}">
-                <a16:creationId xmlns:a16="http://schemas.microsoft.com/office/drawing/2014/main" id="{ED7252AE-FA2E-4E58-B391-A15BE3EEC3E1}"/>
+                <a16:creationId xmlns:a16="http://schemas.microsoft.com/office/drawing/2014/main" id="{843D1F29-B44A-4D15-9828-31C8B2B01799}"/>
               </a:ext>
             </a:extLst>
           </p:cNvPr>
@@ -13886,109 +15903,50 @@
                 <a:ea typeface="Times New Roman" panose="02020603050405020304" pitchFamily="18" charset="0"/>
                 <a:cs typeface="Times New Roman" panose="02020603050405020304" pitchFamily="18" charset="0"/>
               </a:rPr>
-              <a:t>Objectives (cont.)</a:t>
+              <a:t>The components of a web application</a:t>
             </a:r>
             <a:endParaRPr lang="en-US" dirty="0"/>
           </a:p>
         </p:txBody>
       </p:sp>
-      <p:sp>
-        <p:nvSpPr>
-          <p:cNvPr id="3" name="Text Placeholder 2">
-            <a:extLst>
-              <a:ext uri="{FF2B5EF4-FFF2-40B4-BE49-F238E27FC236}">
-                <a16:creationId xmlns:a16="http://schemas.microsoft.com/office/drawing/2014/main" id="{A5EF7789-4C3D-477D-B4CF-99DF20746072}"/>
-              </a:ext>
-            </a:extLst>
-          </p:cNvPr>
-          <p:cNvSpPr>
-            <a:spLocks noGrp="1"/>
-          </p:cNvSpPr>
-          <p:nvPr>
-            <p:ph type="body" sz="quarter" idx="13"/>
-          </p:nvPr>
-        </p:nvSpPr>
-        <p:spPr/>
-        <p:txBody>
-          <a:bodyPr/>
-          <a:lstStyle/>
-          <a:p>
-            <a:pPr marL="457200" marR="274320" lvl="0" indent="-457200">
-              <a:spcBef>
-                <a:spcPts val="0"/>
-              </a:spcBef>
-              <a:spcAft>
-                <a:spcPts val="600"/>
-              </a:spcAft>
-              <a:buFont typeface="+mj-lt"/>
-              <a:buAutoNum type="arabicPeriod" startAt="8"/>
-              <a:tabLst>
-                <a:tab pos="342900" algn="l"/>
-              </a:tabLst>
-            </a:pPr>
-            <a:r>
-              <a:rPr lang="en-US" spc="-10" dirty="0">
-                <a:latin typeface="Times New Roman" panose="02020603050405020304" pitchFamily="18" charset="0"/>
-                <a:ea typeface="Times New Roman" panose="02020603050405020304" pitchFamily="18" charset="0"/>
-              </a:rPr>
-              <a:t>Explain how you deploy a website on the Internet.</a:t>
-            </a:r>
-          </a:p>
-          <a:p>
-            <a:pPr marL="457200" marR="274320" lvl="0" indent="-457200">
-              <a:spcBef>
-                <a:spcPts val="0"/>
-              </a:spcBef>
-              <a:spcAft>
-                <a:spcPts val="600"/>
-              </a:spcAft>
-              <a:buFont typeface="+mj-lt"/>
-              <a:buAutoNum type="arabicPeriod" startAt="8"/>
-              <a:tabLst>
-                <a:tab pos="342900" algn="l"/>
-              </a:tabLst>
-            </a:pPr>
-            <a:r>
-              <a:rPr lang="en-US" spc="-10" dirty="0">
-                <a:latin typeface="Times New Roman" panose="02020603050405020304" pitchFamily="18" charset="0"/>
-                <a:ea typeface="Times New Roman" panose="02020603050405020304" pitchFamily="18" charset="0"/>
-              </a:rPr>
-              <a:t>Describe the components of an HTTP URL.</a:t>
-            </a:r>
-          </a:p>
-          <a:p>
-            <a:pPr marL="457200" marR="274320" lvl="0" indent="-457200">
-              <a:spcBef>
-                <a:spcPts val="0"/>
-              </a:spcBef>
-              <a:spcAft>
-                <a:spcPts val="600"/>
-              </a:spcAft>
-              <a:buFont typeface="+mj-lt"/>
-              <a:buAutoNum type="arabicPeriod" startAt="8"/>
-              <a:tabLst>
-                <a:tab pos="342900" algn="l"/>
-              </a:tabLst>
-            </a:pPr>
-            <a:r>
-              <a:rPr lang="en-US" spc="-10" dirty="0">
-                <a:latin typeface="Times New Roman" panose="02020603050405020304" pitchFamily="18" charset="0"/>
-                <a:ea typeface="Times New Roman" panose="02020603050405020304" pitchFamily="18" charset="0"/>
-              </a:rPr>
-              <a:t>Describe these five web development issues: Usability, Cross-browser Compatibility, User Accessibility, Search Engine Optimization, and Responsive Web Design.</a:t>
-            </a:r>
-          </a:p>
-          <a:p>
-            <a:endParaRPr lang="en-US" dirty="0"/>
-          </a:p>
-        </p:txBody>
-      </p:sp>
+      <p:pic>
+        <p:nvPicPr>
+          <p:cNvPr id="9" name="Content Placeholder 8" descr="See page 4 in book" title="See slide title">
+            <a:extLst>
+              <a:ext uri="{FF2B5EF4-FFF2-40B4-BE49-F238E27FC236}">
+                <a16:creationId xmlns:a16="http://schemas.microsoft.com/office/drawing/2014/main" id="{457C145D-145C-4AF8-95B1-8589DF158F47}"/>
+              </a:ext>
+            </a:extLst>
+          </p:cNvPr>
+          <p:cNvPicPr>
+            <a:picLocks noGrp="1" noChangeAspect="1"/>
+          </p:cNvPicPr>
+          <p:nvPr>
+            <p:ph sz="quarter" idx="13"/>
+          </p:nvPr>
+        </p:nvPicPr>
+        <p:blipFill>
+          <a:blip r:embed="rId2"/>
+          <a:stretch>
+            <a:fillRect/>
+          </a:stretch>
+        </p:blipFill>
+        <p:spPr>
+          <a:xfrm>
+            <a:off x="938784" y="1295400"/>
+            <a:ext cx="6190476" cy="3780952"/>
+          </a:xfrm>
+          <a:prstGeom prst="rect">
+            <a:avLst/>
+          </a:prstGeom>
+        </p:spPr>
+      </p:pic>
       <p:sp>
         <p:nvSpPr>
           <p:cNvPr id="4" name="Date Placeholder 3">
             <a:extLst>
               <a:ext uri="{FF2B5EF4-FFF2-40B4-BE49-F238E27FC236}">
-                <a16:creationId xmlns:a16="http://schemas.microsoft.com/office/drawing/2014/main" id="{81473463-BB85-42FA-8837-C86737525827}"/>
+                <a16:creationId xmlns:a16="http://schemas.microsoft.com/office/drawing/2014/main" id="{545F8C8F-C176-4069-B671-D09E36D55BE7}"/>
               </a:ext>
             </a:extLst>
           </p:cNvPr>
@@ -14020,7 +15978,7 @@
           <p:cNvPr id="5" name="Footer Placeholder 4">
             <a:extLst>
               <a:ext uri="{FF2B5EF4-FFF2-40B4-BE49-F238E27FC236}">
-                <a16:creationId xmlns:a16="http://schemas.microsoft.com/office/drawing/2014/main" id="{18C45EC9-CFAA-4E64-AB28-567C018826E3}"/>
+                <a16:creationId xmlns:a16="http://schemas.microsoft.com/office/drawing/2014/main" id="{0237674C-8146-42E9-A63E-84272A66F852}"/>
               </a:ext>
             </a:extLst>
           </p:cNvPr>
@@ -14052,7 +16010,7 @@
           <p:cNvPr id="6" name="Slide Number Placeholder 5">
             <a:extLst>
               <a:ext uri="{FF2B5EF4-FFF2-40B4-BE49-F238E27FC236}">
-                <a16:creationId xmlns:a16="http://schemas.microsoft.com/office/drawing/2014/main" id="{D54283AA-0BB0-4D43-B198-DEEA3857E135}"/>
+                <a16:creationId xmlns:a16="http://schemas.microsoft.com/office/drawing/2014/main" id="{838381EE-6AEB-49CF-8CC4-CBAB82748E75}"/>
               </a:ext>
             </a:extLst>
           </p:cNvPr>
@@ -14109,7 +16067,7 @@
     </p:spTree>
     <p:extLst>
       <p:ext uri="{BB962C8B-B14F-4D97-AF65-F5344CB8AC3E}">
-        <p14:creationId xmlns:p14="http://schemas.microsoft.com/office/powerpoint/2010/main" val="3197728244"/>
+        <p14:creationId xmlns:p14="http://schemas.microsoft.com/office/powerpoint/2010/main" val="4233209006"/>
       </p:ext>
     </p:extLst>
   </p:cSld>
@@ -14211,13 +16169,10 @@
               <a:buFont typeface="Symbol" panose="05050102010706020507" pitchFamily="18" charset="2"/>
               <a:buChar char=""/>
             </a:pPr>
-            <a:r>
-              <a:rPr lang="en-US" spc="-10" dirty="0">
-                <a:latin typeface="Times New Roman" panose="02020603050405020304" pitchFamily="18" charset="0"/>
-                <a:ea typeface="Times New Roman" panose="02020603050405020304" pitchFamily="18" charset="0"/>
-              </a:rPr>
-              <a:t>Visual</a:t>
-            </a:r>
+            <a:endParaRPr lang="en-US" spc="-10">
+              <a:latin typeface="Times New Roman" panose="02020603050405020304" pitchFamily="18" charset="0"/>
+              <a:ea typeface="Times New Roman" panose="02020603050405020304" pitchFamily="18" charset="0"/>
+            </a:endParaRPr>
           </a:p>
           <a:p>
             <a:pPr marL="342900" marR="274320" lvl="0" indent="-342900">
@@ -14231,12 +16186,16 @@
               <a:buChar char=""/>
             </a:pPr>
             <a:r>
-              <a:rPr lang="en-US" spc="-10" dirty="0">
+              <a:rPr lang="en-US" spc="-10">
                 <a:latin typeface="Times New Roman" panose="02020603050405020304" pitchFamily="18" charset="0"/>
                 <a:ea typeface="Times New Roman" panose="02020603050405020304" pitchFamily="18" charset="0"/>
               </a:rPr>
-              <a:t>Hearing</a:t>
-            </a:r>
+              <a:t>Visual</a:t>
+            </a:r>
+            <a:endParaRPr lang="en-US" spc="-10" dirty="0">
+              <a:latin typeface="Times New Roman" panose="02020603050405020304" pitchFamily="18" charset="0"/>
+              <a:ea typeface="Times New Roman" panose="02020603050405020304" pitchFamily="18" charset="0"/>
+            </a:endParaRPr>
           </a:p>
           <a:p>
             <a:pPr marL="342900" marR="274320" lvl="0" indent="-342900">
@@ -14249,13 +16208,10 @@
               <a:buFont typeface="Symbol" panose="05050102010706020507" pitchFamily="18" charset="2"/>
               <a:buChar char=""/>
             </a:pPr>
-            <a:r>
-              <a:rPr lang="en-US" spc="-10" dirty="0">
-                <a:latin typeface="Times New Roman" panose="02020603050405020304" pitchFamily="18" charset="0"/>
-                <a:ea typeface="Times New Roman" panose="02020603050405020304" pitchFamily="18" charset="0"/>
-              </a:rPr>
-              <a:t>Motor</a:t>
-            </a:r>
+            <a:endParaRPr lang="en-US" spc="-10">
+              <a:latin typeface="Times New Roman" panose="02020603050405020304" pitchFamily="18" charset="0"/>
+              <a:ea typeface="Times New Roman" panose="02020603050405020304" pitchFamily="18" charset="0"/>
+            </a:endParaRPr>
           </a:p>
           <a:p>
             <a:pPr marL="342900" marR="274320" lvl="0" indent="-342900">
@@ -14269,12 +16225,94 @@
               <a:buChar char=""/>
             </a:pPr>
             <a:r>
-              <a:rPr lang="en-US" spc="-10" dirty="0">
+              <a:rPr lang="en-US" spc="-10">
                 <a:latin typeface="Times New Roman" panose="02020603050405020304" pitchFamily="18" charset="0"/>
                 <a:ea typeface="Times New Roman" panose="02020603050405020304" pitchFamily="18" charset="0"/>
               </a:rPr>
+              <a:t>Hearing</a:t>
+            </a:r>
+            <a:endParaRPr lang="en-US" spc="-10" dirty="0">
+              <a:latin typeface="Times New Roman" panose="02020603050405020304" pitchFamily="18" charset="0"/>
+              <a:ea typeface="Times New Roman" panose="02020603050405020304" pitchFamily="18" charset="0"/>
+            </a:endParaRPr>
+          </a:p>
+          <a:p>
+            <a:pPr marL="342900" marR="274320" lvl="0" indent="-342900">
+              <a:spcBef>
+                <a:spcPts val="0"/>
+              </a:spcBef>
+              <a:spcAft>
+                <a:spcPts val="600"/>
+              </a:spcAft>
+              <a:buFont typeface="Symbol" panose="05050102010706020507" pitchFamily="18" charset="2"/>
+              <a:buChar char=""/>
+            </a:pPr>
+            <a:endParaRPr lang="en-US" spc="-10">
+              <a:latin typeface="Times New Roman" panose="02020603050405020304" pitchFamily="18" charset="0"/>
+              <a:ea typeface="Times New Roman" panose="02020603050405020304" pitchFamily="18" charset="0"/>
+            </a:endParaRPr>
+          </a:p>
+          <a:p>
+            <a:pPr marL="342900" marR="274320" lvl="0" indent="-342900">
+              <a:spcBef>
+                <a:spcPts val="0"/>
+              </a:spcBef>
+              <a:spcAft>
+                <a:spcPts val="600"/>
+              </a:spcAft>
+              <a:buFont typeface="Symbol" panose="05050102010706020507" pitchFamily="18" charset="2"/>
+              <a:buChar char=""/>
+            </a:pPr>
+            <a:r>
+              <a:rPr lang="en-US" spc="-10">
+                <a:latin typeface="Times New Roman" panose="02020603050405020304" pitchFamily="18" charset="0"/>
+                <a:ea typeface="Times New Roman" panose="02020603050405020304" pitchFamily="18" charset="0"/>
+              </a:rPr>
+              <a:t>Motor</a:t>
+            </a:r>
+            <a:endParaRPr lang="en-US" spc="-10" dirty="0">
+              <a:latin typeface="Times New Roman" panose="02020603050405020304" pitchFamily="18" charset="0"/>
+              <a:ea typeface="Times New Roman" panose="02020603050405020304" pitchFamily="18" charset="0"/>
+            </a:endParaRPr>
+          </a:p>
+          <a:p>
+            <a:pPr marL="342900" marR="274320" lvl="0" indent="-342900">
+              <a:spcBef>
+                <a:spcPts val="0"/>
+              </a:spcBef>
+              <a:spcAft>
+                <a:spcPts val="600"/>
+              </a:spcAft>
+              <a:buFont typeface="Symbol" panose="05050102010706020507" pitchFamily="18" charset="2"/>
+              <a:buChar char=""/>
+            </a:pPr>
+            <a:endParaRPr lang="en-US" spc="-10">
+              <a:latin typeface="Times New Roman" panose="02020603050405020304" pitchFamily="18" charset="0"/>
+              <a:ea typeface="Times New Roman" panose="02020603050405020304" pitchFamily="18" charset="0"/>
+            </a:endParaRPr>
+          </a:p>
+          <a:p>
+            <a:pPr marL="342900" marR="274320" lvl="0" indent="-342900">
+              <a:spcBef>
+                <a:spcPts val="0"/>
+              </a:spcBef>
+              <a:spcAft>
+                <a:spcPts val="600"/>
+              </a:spcAft>
+              <a:buFont typeface="Symbol" panose="05050102010706020507" pitchFamily="18" charset="2"/>
+              <a:buChar char=""/>
+            </a:pPr>
+            <a:r>
+              <a:rPr lang="en-US" spc="-10">
+                <a:latin typeface="Times New Roman" panose="02020603050405020304" pitchFamily="18" charset="0"/>
+                <a:ea typeface="Times New Roman" panose="02020603050405020304" pitchFamily="18" charset="0"/>
+              </a:rPr>
               <a:t>Cognitive</a:t>
             </a:r>
+            <a:endParaRPr lang="en-US" spc="-10" dirty="0">
+              <a:latin typeface="Times New Roman" panose="02020603050405020304" pitchFamily="18" charset="0"/>
+              <a:ea typeface="Times New Roman" panose="02020603050405020304" pitchFamily="18" charset="0"/>
+            </a:endParaRPr>
           </a:p>
           <a:p>
             <a:endParaRPr lang="en-US" dirty="0"/>
@@ -14726,12 +16764,35 @@
               <a:buFont typeface="Symbol" panose="05050102010706020507" pitchFamily="18" charset="2"/>
               <a:buChar char=""/>
             </a:pPr>
+            <a:endParaRPr lang="en-US" spc="-10">
+              <a:latin typeface="Times New Roman" panose="02020603050405020304" pitchFamily="18" charset="0"/>
+              <a:ea typeface="Times New Roman" panose="02020603050405020304" pitchFamily="18" charset="0"/>
+            </a:endParaRPr>
+          </a:p>
+          <a:p>
+            <a:pPr marL="342900" marR="274320" lvl="0" indent="-342900">
+              <a:spcBef>
+                <a:spcPts val="0"/>
+              </a:spcBef>
+              <a:spcAft>
+                <a:spcPts val="600"/>
+              </a:spcAft>
+              <a:buFont typeface="Symbol" panose="05050102010706020507" pitchFamily="18" charset="2"/>
+              <a:buChar char=""/>
+            </a:pPr>
+            <a:r>
+              <a:rPr lang="en-US" spc="-10">
+                <a:latin typeface="Times New Roman" panose="02020603050405020304" pitchFamily="18" charset="0"/>
+                <a:ea typeface="Times New Roman" panose="02020603050405020304" pitchFamily="18" charset="0"/>
+              </a:rPr>
+              <a:t>Responsive </a:t>
+            </a:r>
             <a:r>
               <a:rPr lang="en-US" spc="-10" dirty="0">
                 <a:latin typeface="Times New Roman" panose="02020603050405020304" pitchFamily="18" charset="0"/>
                 <a:ea typeface="Times New Roman" panose="02020603050405020304" pitchFamily="18" charset="0"/>
               </a:rPr>
-              <a:t>Responsive Web Design refers to websites that are designed to adapt gracefully to the screen size.</a:t>
+              <a:t>Web Design refers to websites that are designed to adapt gracefully to the screen size.</a:t>
             </a:r>
           </a:p>
           <a:p>
@@ -14745,12 +16806,35 @@
               <a:buFont typeface="Symbol" panose="05050102010706020507" pitchFamily="18" charset="2"/>
               <a:buChar char=""/>
             </a:pPr>
+            <a:endParaRPr lang="en-US" spc="-10">
+              <a:latin typeface="Times New Roman" panose="02020603050405020304" pitchFamily="18" charset="0"/>
+              <a:ea typeface="Times New Roman" panose="02020603050405020304" pitchFamily="18" charset="0"/>
+            </a:endParaRPr>
+          </a:p>
+          <a:p>
+            <a:pPr marL="342900" marR="274320" lvl="0" indent="-342900">
+              <a:spcBef>
+                <a:spcPts val="0"/>
+              </a:spcBef>
+              <a:spcAft>
+                <a:spcPts val="600"/>
+              </a:spcAft>
+              <a:buFont typeface="Symbol" panose="05050102010706020507" pitchFamily="18" charset="2"/>
+              <a:buChar char=""/>
+            </a:pPr>
+            <a:r>
+              <a:rPr lang="en-US" spc="-10">
+                <a:latin typeface="Times New Roman" panose="02020603050405020304" pitchFamily="18" charset="0"/>
+                <a:ea typeface="Times New Roman" panose="02020603050405020304" pitchFamily="18" charset="0"/>
+              </a:rPr>
+              <a:t>Typically</a:t>
+            </a:r>
             <a:r>
               <a:rPr lang="en-US" spc="-10" dirty="0">
                 <a:latin typeface="Times New Roman" panose="02020603050405020304" pitchFamily="18" charset="0"/>
                 <a:ea typeface="Times New Roman" panose="02020603050405020304" pitchFamily="18" charset="0"/>
               </a:rPr>
-              <a:t>Typically, the overall look-and-feel of a website will remain consistent from one screen size to the next.</a:t>
+              <a:t>, the overall look-and-feel of a website will remain consistent from one screen size to the next.</a:t>
             </a:r>
           </a:p>
           <a:p>
@@ -14764,12 +16848,35 @@
               <a:buFont typeface="Symbol" panose="05050102010706020507" pitchFamily="18" charset="2"/>
               <a:buChar char=""/>
             </a:pPr>
+            <a:endParaRPr lang="en-US" spc="-10">
+              <a:latin typeface="Times New Roman" panose="02020603050405020304" pitchFamily="18" charset="0"/>
+              <a:ea typeface="Times New Roman" panose="02020603050405020304" pitchFamily="18" charset="0"/>
+            </a:endParaRPr>
+          </a:p>
+          <a:p>
+            <a:pPr marL="342900" marR="274320" lvl="0" indent="-342900">
+              <a:spcBef>
+                <a:spcPts val="0"/>
+              </a:spcBef>
+              <a:spcAft>
+                <a:spcPts val="600"/>
+              </a:spcAft>
+              <a:buFont typeface="Symbol" panose="05050102010706020507" pitchFamily="18" charset="2"/>
+              <a:buChar char=""/>
+            </a:pPr>
+            <a:r>
+              <a:rPr lang="en-US" spc="-10">
+                <a:latin typeface="Times New Roman" panose="02020603050405020304" pitchFamily="18" charset="0"/>
+                <a:ea typeface="Times New Roman" panose="02020603050405020304" pitchFamily="18" charset="0"/>
+              </a:rPr>
+              <a:t>Media </a:t>
+            </a:r>
             <a:r>
               <a:rPr lang="en-US" spc="-10" dirty="0">
                 <a:latin typeface="Times New Roman" panose="02020603050405020304" pitchFamily="18" charset="0"/>
                 <a:ea typeface="Times New Roman" panose="02020603050405020304" pitchFamily="18" charset="0"/>
               </a:rPr>
-              <a:t>Media queries, scalable images, and flexible layouts are the backbone of Responsive Web Design.</a:t>
+              <a:t>queries, scalable images, and flexible layouts are the backbone of Responsive Web Design.</a:t>
             </a:r>
           </a:p>
           <a:p>
@@ -14990,7 +17097,12 @@
             <p:ph type="body" sz="quarter" idx="13"/>
           </p:nvPr>
         </p:nvSpPr>
-        <p:spPr/>
+        <p:spPr>
+          <a:xfrm>
+            <a:off x="838200" y="1066800"/>
+            <a:ext cx="8001000" cy="4876800"/>
+          </a:xfrm>
+        </p:spPr>
         <p:txBody>
           <a:bodyPr/>
           <a:lstStyle/>
@@ -15034,7 +17146,21 @@
                 <a:latin typeface="Times New Roman" panose="02020603050405020304" pitchFamily="18" charset="0"/>
                 <a:ea typeface="Times New Roman" panose="02020603050405020304" pitchFamily="18" charset="0"/>
               </a:rPr>
-              <a:t>Load a web page from the Internet or an intranet into a web browser.</a:t>
+              <a:t>Load a web </a:t>
+            </a:r>
+            <a:r>
+              <a:rPr lang="en-US" spc="-10">
+                <a:latin typeface="Times New Roman" panose="02020603050405020304" pitchFamily="18" charset="0"/>
+                <a:ea typeface="Times New Roman" panose="02020603050405020304" pitchFamily="18" charset="0"/>
+              </a:rPr>
+              <a:t>page into </a:t>
+            </a:r>
+            <a:r>
+              <a:rPr lang="en-US" spc="-10" dirty="0">
+                <a:latin typeface="Times New Roman" panose="02020603050405020304" pitchFamily="18" charset="0"/>
+                <a:ea typeface="Times New Roman" panose="02020603050405020304" pitchFamily="18" charset="0"/>
+              </a:rPr>
+              <a:t>a web browser.</a:t>
             </a:r>
           </a:p>
           <a:p>
@@ -15100,7 +17226,44 @@
                 <a:latin typeface="Times New Roman" panose="02020603050405020304" pitchFamily="18" charset="0"/>
                 <a:ea typeface="Times New Roman" panose="02020603050405020304" pitchFamily="18" charset="0"/>
               </a:rPr>
-              <a:t>Describe the components of a web application.</a:t>
+              <a:t>Describe the components of a web </a:t>
+            </a:r>
+            <a:r>
+              <a:rPr lang="en-US" spc="-10">
+                <a:latin typeface="Times New Roman" panose="02020603050405020304" pitchFamily="18" charset="0"/>
+                <a:ea typeface="Times New Roman" panose="02020603050405020304" pitchFamily="18" charset="0"/>
+              </a:rPr>
+              <a:t>application. </a:t>
+            </a:r>
+          </a:p>
+          <a:p>
+            <a:pPr marL="342900" marR="274320" lvl="0" indent="-342900">
+              <a:spcBef>
+                <a:spcPts val="0"/>
+              </a:spcBef>
+              <a:spcAft>
+                <a:spcPts val="600"/>
+              </a:spcAft>
+              <a:buFont typeface="+mj-lt"/>
+              <a:buAutoNum type="arabicPeriod"/>
+              <a:tabLst>
+                <a:tab pos="342900" algn="l"/>
+                <a:tab pos="365760" algn="l"/>
+              </a:tabLst>
+            </a:pPr>
+            <a:r>
+              <a:rPr lang="en-US" spc="-10">
+                <a:latin typeface="Times New Roman" panose="02020603050405020304" pitchFamily="18" charset="0"/>
+                <a:ea typeface="Times New Roman" panose="02020603050405020304" pitchFamily="18" charset="0"/>
+              </a:rPr>
+              <a:t>Describe </a:t>
+            </a:r>
+            <a:r>
+              <a:rPr lang="en-US" spc="-10" dirty="0">
+                <a:latin typeface="Times New Roman" panose="02020603050405020304" pitchFamily="18" charset="0"/>
+                <a:ea typeface="Times New Roman" panose="02020603050405020304" pitchFamily="18" charset="0"/>
+              </a:rPr>
+              <a:t>HTTP requests and responses.</a:t>
             </a:r>
           </a:p>
           <a:p>
@@ -15122,7 +17285,7 @@
                 <a:latin typeface="Times New Roman" panose="02020603050405020304" pitchFamily="18" charset="0"/>
                 <a:ea typeface="Times New Roman" panose="02020603050405020304" pitchFamily="18" charset="0"/>
               </a:rPr>
-              <a:t>Distinguish between the Internet and an intranet.</a:t>
+              <a:t>Distinguish between the way a web server processes static web pages and dynamic web pages.</a:t>
             </a:r>
           </a:p>
           <a:p>
@@ -15140,11 +17303,11 @@
               </a:tabLst>
             </a:pPr>
             <a:r>
-              <a:rPr lang="en-US" spc="-10" dirty="0">
+              <a:rPr lang="en-US" spc="-10">
                 <a:latin typeface="Times New Roman" panose="02020603050405020304" pitchFamily="18" charset="0"/>
                 <a:ea typeface="Times New Roman" panose="02020603050405020304" pitchFamily="18" charset="0"/>
               </a:rPr>
-              <a:t>Describe HTTP requests and responses.</a:t>
+              <a:t>Explain the purpose and use of HTML.</a:t>
             </a:r>
           </a:p>
           <a:p>
@@ -15162,12 +17325,16 @@
               </a:tabLst>
             </a:pPr>
             <a:r>
-              <a:rPr lang="en-US" spc="-10" dirty="0">
+              <a:rPr lang="en-US" spc="-10">
                 <a:latin typeface="Times New Roman" panose="02020603050405020304" pitchFamily="18" charset="0"/>
                 <a:ea typeface="Times New Roman" panose="02020603050405020304" pitchFamily="18" charset="0"/>
               </a:rPr>
-              <a:t>Distinguish between the way a web server processes static web pages and dynamic web pages.</a:t>
-            </a:r>
+              <a:t>Explain the purpose and use of CSS.</a:t>
+            </a:r>
+            <a:endParaRPr lang="en-US" spc="-10" dirty="0">
+              <a:latin typeface="Times New Roman" panose="02020603050405020304" pitchFamily="18" charset="0"/>
+              <a:ea typeface="Times New Roman" panose="02020603050405020304" pitchFamily="18" charset="0"/>
+            </a:endParaRPr>
           </a:p>
           <a:p>
             <a:pPr marL="342900" marR="274320" lvl="0" indent="-342900">
@@ -15184,56 +17351,30 @@
               </a:tabLst>
             </a:pPr>
             <a:r>
+              <a:rPr lang="en-US" spc="-10">
+                <a:latin typeface="Times New Roman" panose="02020603050405020304" pitchFamily="18" charset="0"/>
+                <a:ea typeface="Times New Roman" panose="02020603050405020304" pitchFamily="18" charset="0"/>
+              </a:rPr>
+              <a:t>Explain the purpose and use </a:t>
+            </a:r>
+            <a:r>
               <a:rPr lang="en-US" spc="-10" dirty="0">
                 <a:latin typeface="Times New Roman" panose="02020603050405020304" pitchFamily="18" charset="0"/>
                 <a:ea typeface="Times New Roman" panose="02020603050405020304" pitchFamily="18" charset="0"/>
               </a:rPr>
-              <a:t>Name the five major web browsers.</a:t>
-            </a:r>
-          </a:p>
-          <a:p>
-            <a:pPr marL="342900" marR="274320" lvl="0" indent="-342900">
-              <a:spcBef>
-                <a:spcPts val="0"/>
-              </a:spcBef>
-              <a:spcAft>
-                <a:spcPts val="600"/>
-              </a:spcAft>
-              <a:buFont typeface="+mj-lt"/>
-              <a:buAutoNum type="arabicPeriod"/>
-              <a:tabLst>
-                <a:tab pos="342900" algn="l"/>
-              </a:tabLst>
-            </a:pPr>
-            <a:r>
-              <a:rPr lang="en-US" spc="-10" dirty="0">
+              <a:t>of </a:t>
+            </a:r>
+            <a:r>
+              <a:rPr lang="en-US" spc="-10">
                 <a:latin typeface="Times New Roman" panose="02020603050405020304" pitchFamily="18" charset="0"/>
                 <a:ea typeface="Times New Roman" panose="02020603050405020304" pitchFamily="18" charset="0"/>
               </a:rPr>
-              <a:t>Describe the use of JavaScript.</a:t>
-            </a:r>
-          </a:p>
-          <a:p>
-            <a:pPr marL="342900" marR="274320" lvl="0" indent="-342900">
-              <a:spcBef>
-                <a:spcPts val="0"/>
-              </a:spcBef>
-              <a:spcAft>
-                <a:spcPts val="600"/>
-              </a:spcAft>
-              <a:buFont typeface="+mj-lt"/>
-              <a:buAutoNum type="arabicPeriod"/>
-              <a:tabLst>
-                <a:tab pos="342900" algn="l"/>
-              </a:tabLst>
-            </a:pPr>
-            <a:r>
-              <a:rPr lang="en-US" spc="-10" dirty="0">
-                <a:latin typeface="Times New Roman" panose="02020603050405020304" pitchFamily="18" charset="0"/>
-                <a:ea typeface="Times New Roman" panose="02020603050405020304" pitchFamily="18" charset="0"/>
-              </a:rPr>
-              <a:t>Distinguish between HTML and CSS.</a:t>
-            </a:r>
+              <a:t>JavaScript.</a:t>
+            </a:r>
+            <a:endParaRPr lang="en-US" spc="-10" dirty="0">
+              <a:latin typeface="Times New Roman" panose="02020603050405020304" pitchFamily="18" charset="0"/>
+              <a:ea typeface="Times New Roman" panose="02020603050405020304" pitchFamily="18" charset="0"/>
+            </a:endParaRPr>
           </a:p>
         </p:txBody>
       </p:sp>
@@ -15363,7 +17504,7 @@
     </p:spTree>
     <p:extLst>
       <p:ext uri="{BB962C8B-B14F-4D97-AF65-F5344CB8AC3E}">
-        <p14:creationId xmlns:p14="http://schemas.microsoft.com/office/powerpoint/2010/main" val="1743848473"/>
+        <p14:creationId xmlns:p14="http://schemas.microsoft.com/office/powerpoint/2010/main" val="3304335531"/>
       </p:ext>
     </p:extLst>
   </p:cSld>
@@ -15463,17 +17604,38 @@
                 <a:spcPts val="600"/>
               </a:spcAft>
               <a:buFont typeface="+mj-lt"/>
-              <a:buAutoNum type="arabicPeriod" startAt="8"/>
+              <a:buAutoNum type="arabicPeriod" startAt="7"/>
               <a:tabLst>
                 <a:tab pos="342900" algn="l"/>
               </a:tabLst>
             </a:pPr>
             <a:r>
+              <a:rPr lang="en-US" spc="-10">
+                <a:latin typeface="Times New Roman" panose="02020603050405020304" pitchFamily="18" charset="0"/>
+                <a:ea typeface="Times New Roman" panose="02020603050405020304" pitchFamily="18" charset="0"/>
+              </a:rPr>
+              <a:t>Discuss </a:t>
+            </a:r>
+            <a:r>
               <a:rPr lang="en-US" spc="-10" dirty="0">
                 <a:latin typeface="Times New Roman" panose="02020603050405020304" pitchFamily="18" charset="0"/>
                 <a:ea typeface="Times New Roman" panose="02020603050405020304" pitchFamily="18" charset="0"/>
               </a:rPr>
-              <a:t>Explain how you deploy a website on the Internet.</a:t>
+              <a:t>how you deploy a </a:t>
+            </a:r>
+            <a:r>
+              <a:rPr lang="en-US" spc="-10">
+                <a:latin typeface="Times New Roman" panose="02020603050405020304" pitchFamily="18" charset="0"/>
+                <a:ea typeface="Times New Roman" panose="02020603050405020304" pitchFamily="18" charset="0"/>
+              </a:rPr>
+              <a:t>website to </a:t>
+            </a:r>
+            <a:r>
+              <a:rPr lang="en-US" spc="-10" dirty="0">
+                <a:latin typeface="Times New Roman" panose="02020603050405020304" pitchFamily="18" charset="0"/>
+                <a:ea typeface="Times New Roman" panose="02020603050405020304" pitchFamily="18" charset="0"/>
+              </a:rPr>
+              <a:t>the Internet.</a:t>
             </a:r>
           </a:p>
           <a:p>
@@ -15485,7 +17647,7 @@
                 <a:spcPts val="600"/>
               </a:spcAft>
               <a:buFont typeface="+mj-lt"/>
-              <a:buAutoNum type="arabicPeriod" startAt="8"/>
+              <a:buAutoNum type="arabicPeriod" startAt="7"/>
               <a:tabLst>
                 <a:tab pos="342900" algn="l"/>
               </a:tabLst>
@@ -15507,18 +17669,146 @@
                 <a:spcPts val="600"/>
               </a:spcAft>
               <a:buFont typeface="+mj-lt"/>
-              <a:buAutoNum type="arabicPeriod" startAt="8"/>
+              <a:buAutoNum type="arabicPeriod" startAt="7"/>
               <a:tabLst>
                 <a:tab pos="342900" algn="l"/>
               </a:tabLst>
             </a:pPr>
             <a:r>
+              <a:rPr lang="en-US" spc="-10">
+                <a:latin typeface="Times New Roman" panose="02020603050405020304" pitchFamily="18" charset="0"/>
+                <a:ea typeface="Times New Roman" panose="02020603050405020304" pitchFamily="18" charset="0"/>
+              </a:rPr>
+              <a:t>Discuss </a:t>
+            </a:r>
+            <a:r>
               <a:rPr lang="en-US" spc="-10" dirty="0">
                 <a:latin typeface="Times New Roman" panose="02020603050405020304" pitchFamily="18" charset="0"/>
                 <a:ea typeface="Times New Roman" panose="02020603050405020304" pitchFamily="18" charset="0"/>
               </a:rPr>
-              <a:t>Describe these five web development issues: Usability, Cross-browser Compatibility, User Accessibility, Search Engine Optimization, and Responsive Web Design.</a:t>
-            </a:r>
+              <a:t>these five web development issues</a:t>
+            </a:r>
+            <a:r>
+              <a:rPr lang="en-US" spc="-10">
+                <a:latin typeface="Times New Roman" panose="02020603050405020304" pitchFamily="18" charset="0"/>
+                <a:ea typeface="Times New Roman" panose="02020603050405020304" pitchFamily="18" charset="0"/>
+              </a:rPr>
+              <a:t>: </a:t>
+            </a:r>
+          </a:p>
+          <a:p>
+            <a:pPr marL="914400" marR="274320" lvl="1" indent="-457200">
+              <a:spcBef>
+                <a:spcPts val="0"/>
+              </a:spcBef>
+              <a:spcAft>
+                <a:spcPts val="600"/>
+              </a:spcAft>
+              <a:buFont typeface="Arial" panose="020B0604020202020204" pitchFamily="34" charset="0"/>
+              <a:buChar char="•"/>
+              <a:tabLst>
+                <a:tab pos="342900" algn="l"/>
+              </a:tabLst>
+            </a:pPr>
+            <a:r>
+              <a:rPr lang="en-US" sz="1800" spc="-10">
+                <a:latin typeface="Times New Roman" panose="02020603050405020304" pitchFamily="18" charset="0"/>
+                <a:ea typeface="Times New Roman" panose="02020603050405020304" pitchFamily="18" charset="0"/>
+              </a:rPr>
+              <a:t>Usability</a:t>
+            </a:r>
+          </a:p>
+          <a:p>
+            <a:pPr marL="914400" marR="274320" lvl="1" indent="-457200">
+              <a:spcBef>
+                <a:spcPts val="0"/>
+              </a:spcBef>
+              <a:spcAft>
+                <a:spcPts val="600"/>
+              </a:spcAft>
+              <a:buFont typeface="Arial" panose="020B0604020202020204" pitchFamily="34" charset="0"/>
+              <a:buChar char="•"/>
+              <a:tabLst>
+                <a:tab pos="342900" algn="l"/>
+              </a:tabLst>
+            </a:pPr>
+            <a:r>
+              <a:rPr lang="en-US" sz="1800" spc="-10">
+                <a:latin typeface="Times New Roman" panose="02020603050405020304" pitchFamily="18" charset="0"/>
+                <a:ea typeface="Times New Roman" panose="02020603050405020304" pitchFamily="18" charset="0"/>
+              </a:rPr>
+              <a:t>Cross-browser Compatibility</a:t>
+            </a:r>
+          </a:p>
+          <a:p>
+            <a:pPr marL="914400" marR="274320" lvl="1" indent="-457200">
+              <a:spcBef>
+                <a:spcPts val="0"/>
+              </a:spcBef>
+              <a:spcAft>
+                <a:spcPts val="600"/>
+              </a:spcAft>
+              <a:buFont typeface="Arial" panose="020B0604020202020204" pitchFamily="34" charset="0"/>
+              <a:buChar char="•"/>
+              <a:tabLst>
+                <a:tab pos="342900" algn="l"/>
+              </a:tabLst>
+            </a:pPr>
+            <a:r>
+              <a:rPr lang="en-US" sz="1800" spc="-10">
+                <a:latin typeface="Times New Roman" panose="02020603050405020304" pitchFamily="18" charset="0"/>
+                <a:ea typeface="Times New Roman" panose="02020603050405020304" pitchFamily="18" charset="0"/>
+              </a:rPr>
+              <a:t>Accessibility</a:t>
+            </a:r>
+          </a:p>
+          <a:p>
+            <a:pPr marL="914400" marR="274320" lvl="1" indent="-457200">
+              <a:spcBef>
+                <a:spcPts val="0"/>
+              </a:spcBef>
+              <a:spcAft>
+                <a:spcPts val="600"/>
+              </a:spcAft>
+              <a:buFont typeface="Arial" panose="020B0604020202020204" pitchFamily="34" charset="0"/>
+              <a:buChar char="•"/>
+              <a:tabLst>
+                <a:tab pos="342900" algn="l"/>
+              </a:tabLst>
+            </a:pPr>
+            <a:r>
+              <a:rPr lang="en-US" sz="1800" spc="-10">
+                <a:latin typeface="Times New Roman" panose="02020603050405020304" pitchFamily="18" charset="0"/>
+                <a:ea typeface="Times New Roman" panose="02020603050405020304" pitchFamily="18" charset="0"/>
+              </a:rPr>
+              <a:t>Search Engine Optimization (SEO)</a:t>
+            </a:r>
+          </a:p>
+          <a:p>
+            <a:pPr marL="914400" marR="274320" lvl="1" indent="-457200">
+              <a:spcBef>
+                <a:spcPts val="0"/>
+              </a:spcBef>
+              <a:spcAft>
+                <a:spcPts val="600"/>
+              </a:spcAft>
+              <a:buFont typeface="Arial" panose="020B0604020202020204" pitchFamily="34" charset="0"/>
+              <a:buChar char="•"/>
+              <a:tabLst>
+                <a:tab pos="342900" algn="l"/>
+              </a:tabLst>
+            </a:pPr>
+            <a:r>
+              <a:rPr lang="en-US" sz="1800" spc="-10">
+                <a:latin typeface="Times New Roman" panose="02020603050405020304" pitchFamily="18" charset="0"/>
+                <a:ea typeface="Times New Roman" panose="02020603050405020304" pitchFamily="18" charset="0"/>
+              </a:rPr>
+              <a:t>Responsive Web Design</a:t>
+            </a:r>
+            <a:endParaRPr lang="en-US" sz="1800" spc="-10" dirty="0">
+              <a:latin typeface="Times New Roman" panose="02020603050405020304" pitchFamily="18" charset="0"/>
+              <a:ea typeface="Times New Roman" panose="02020603050405020304" pitchFamily="18" charset="0"/>
+            </a:endParaRPr>
           </a:p>
           <a:p>
             <a:endParaRPr lang="en-US" dirty="0"/>
@@ -15651,7 +17941,7 @@
     </p:spTree>
     <p:extLst>
       <p:ext uri="{BB962C8B-B14F-4D97-AF65-F5344CB8AC3E}">
-        <p14:creationId xmlns:p14="http://schemas.microsoft.com/office/powerpoint/2010/main" val="2992371589"/>
+        <p14:creationId xmlns:p14="http://schemas.microsoft.com/office/powerpoint/2010/main" val="3736116953"/>
       </p:ext>
     </p:extLst>
   </p:cSld>
@@ -15683,7 +17973,7 @@
           <p:cNvPr id="2" name="Title 1">
             <a:extLst>
               <a:ext uri="{FF2B5EF4-FFF2-40B4-BE49-F238E27FC236}">
-                <a16:creationId xmlns:a16="http://schemas.microsoft.com/office/drawing/2014/main" id="{843D1F29-B44A-4D15-9828-31C8B2B01799}"/>
+                <a16:creationId xmlns:a16="http://schemas.microsoft.com/office/drawing/2014/main" id="{98AD08C8-DBC4-4617-BE33-87D23BC99BE8}"/>
               </a:ext>
             </a:extLst>
           </p:cNvPr>
@@ -15716,7 +18006,7 @@
                 <a:ea typeface="Times New Roman" panose="02020603050405020304" pitchFamily="18" charset="0"/>
                 <a:cs typeface="Times New Roman" panose="02020603050405020304" pitchFamily="18" charset="0"/>
               </a:rPr>
-              <a:t>The components of a web application</a:t>
+              <a:t>The architecture of the Internet</a:t>
             </a:r>
             <a:endParaRPr lang="en-US" dirty="0"/>
           </a:p>
@@ -15724,10 +18014,10 @@
       </p:sp>
       <p:pic>
         <p:nvPicPr>
-          <p:cNvPr id="9" name="Content Placeholder 8" descr="See page 4 in book" title="See slide title">
-            <a:extLst>
-              <a:ext uri="{FF2B5EF4-FFF2-40B4-BE49-F238E27FC236}">
-                <a16:creationId xmlns:a16="http://schemas.microsoft.com/office/drawing/2014/main" id="{457C145D-145C-4AF8-95B1-8589DF158F47}"/>
+          <p:cNvPr id="7" name="Content Placeholder 6" descr="See page 4 in book" title="See slide title">
+            <a:extLst>
+              <a:ext uri="{FF2B5EF4-FFF2-40B4-BE49-F238E27FC236}">
+                <a16:creationId xmlns:a16="http://schemas.microsoft.com/office/drawing/2014/main" id="{2490B14E-3A13-4318-87D4-CC1D8A24C769}"/>
               </a:ext>
             </a:extLst>
           </p:cNvPr>
@@ -15746,8 +18036,8 @@
         </p:blipFill>
         <p:spPr>
           <a:xfrm>
-            <a:off x="938784" y="1295400"/>
-            <a:ext cx="6190476" cy="3780952"/>
+            <a:off x="914400" y="1219200"/>
+            <a:ext cx="5047619" cy="2876190"/>
           </a:xfrm>
           <a:prstGeom prst="rect">
             <a:avLst/>
@@ -15759,7 +18049,7 @@
           <p:cNvPr id="4" name="Date Placeholder 3">
             <a:extLst>
               <a:ext uri="{FF2B5EF4-FFF2-40B4-BE49-F238E27FC236}">
-                <a16:creationId xmlns:a16="http://schemas.microsoft.com/office/drawing/2014/main" id="{545F8C8F-C176-4069-B671-D09E36D55BE7}"/>
+                <a16:creationId xmlns:a16="http://schemas.microsoft.com/office/drawing/2014/main" id="{B9C5DF8A-93E9-4756-A0C4-7B11ACCACFFF}"/>
               </a:ext>
             </a:extLst>
           </p:cNvPr>
@@ -15791,7 +18081,7 @@
           <p:cNvPr id="5" name="Footer Placeholder 4">
             <a:extLst>
               <a:ext uri="{FF2B5EF4-FFF2-40B4-BE49-F238E27FC236}">
-                <a16:creationId xmlns:a16="http://schemas.microsoft.com/office/drawing/2014/main" id="{0237674C-8146-42E9-A63E-84272A66F852}"/>
+                <a16:creationId xmlns:a16="http://schemas.microsoft.com/office/drawing/2014/main" id="{686A08C6-D9A5-4755-8705-A9EEC29C9634}"/>
               </a:ext>
             </a:extLst>
           </p:cNvPr>
@@ -15823,7 +18113,7 @@
           <p:cNvPr id="6" name="Slide Number Placeholder 5">
             <a:extLst>
               <a:ext uri="{FF2B5EF4-FFF2-40B4-BE49-F238E27FC236}">
-                <a16:creationId xmlns:a16="http://schemas.microsoft.com/office/drawing/2014/main" id="{838381EE-6AEB-49CF-8CC4-CBAB82748E75}"/>
+                <a16:creationId xmlns:a16="http://schemas.microsoft.com/office/drawing/2014/main" id="{CFFEAB86-2BFB-4EE2-95D2-3492F927C1C7}"/>
               </a:ext>
             </a:extLst>
           </p:cNvPr>
@@ -15880,7 +18170,7 @@
     </p:spTree>
     <p:extLst>
       <p:ext uri="{BB962C8B-B14F-4D97-AF65-F5344CB8AC3E}">
-        <p14:creationId xmlns:p14="http://schemas.microsoft.com/office/powerpoint/2010/main" val="4233209006"/>
+        <p14:creationId xmlns:p14="http://schemas.microsoft.com/office/powerpoint/2010/main" val="1086391780"/>
       </p:ext>
     </p:extLst>
   </p:cSld>
@@ -15912,7 +18202,7 @@
           <p:cNvPr id="2" name="Title 1">
             <a:extLst>
               <a:ext uri="{FF2B5EF4-FFF2-40B4-BE49-F238E27FC236}">
-                <a16:creationId xmlns:a16="http://schemas.microsoft.com/office/drawing/2014/main" id="{98AD08C8-DBC4-4617-BE33-87D23BC99BE8}"/>
+                <a16:creationId xmlns:a16="http://schemas.microsoft.com/office/drawing/2014/main" id="{209F4D23-C3A4-4D01-8A59-E19A66BCFC33}"/>
               </a:ext>
             </a:extLst>
           </p:cNvPr>
@@ -15945,7 +18235,7 @@
                 <a:ea typeface="Times New Roman" panose="02020603050405020304" pitchFamily="18" charset="0"/>
                 <a:cs typeface="Times New Roman" panose="02020603050405020304" pitchFamily="18" charset="0"/>
               </a:rPr>
-              <a:t>The architecture of the Internet</a:t>
+              <a:t>A static web page </a:t>
             </a:r>
             <a:endParaRPr lang="en-US" dirty="0"/>
           </a:p>
@@ -15953,30 +18243,37 @@
       </p:sp>
       <p:pic>
         <p:nvPicPr>
-          <p:cNvPr id="7" name="Content Placeholder 6" descr="See page 4 in book" title="See slide title">
-            <a:extLst>
-              <a:ext uri="{FF2B5EF4-FFF2-40B4-BE49-F238E27FC236}">
-                <a16:creationId xmlns:a16="http://schemas.microsoft.com/office/drawing/2014/main" id="{2490B14E-3A13-4318-87D4-CC1D8A24C769}"/>
+          <p:cNvPr id="7" name="Content Placeholder 6" descr="See page 6 in book" title="See slide title">
+            <a:hlinkClick r:id="rId2"/>
+            <a:extLst>
+              <a:ext uri="{FF2B5EF4-FFF2-40B4-BE49-F238E27FC236}">
+                <a16:creationId xmlns:a16="http://schemas.microsoft.com/office/drawing/2014/main" id="{A5F98B76-907B-4385-BF0D-FEB112A1DEF6}"/>
               </a:ext>
             </a:extLst>
           </p:cNvPr>
           <p:cNvPicPr>
-            <a:picLocks noGrp="1" noChangeAspect="1"/>
+            <a:picLocks noGrp="1"/>
           </p:cNvPicPr>
           <p:nvPr>
             <p:ph sz="quarter" idx="13"/>
           </p:nvPr>
         </p:nvPicPr>
         <p:blipFill>
-          <a:blip r:embed="rId2"/>
+          <a:blip r:embed="rId3">
+            <a:extLst>
+              <a:ext uri="{28A0092B-C50C-407E-A947-70E740481C1C}">
+                <a14:useLocalDpi xmlns:a14="http://schemas.microsoft.com/office/drawing/2010/main" val="0"/>
+              </a:ext>
+            </a:extLst>
+          </a:blip>
           <a:stretch>
             <a:fillRect/>
           </a:stretch>
         </p:blipFill>
         <p:spPr>
           <a:xfrm>
-            <a:off x="914400" y="1219200"/>
-            <a:ext cx="5047619" cy="2876190"/>
+            <a:off x="914400" y="1143000"/>
+            <a:ext cx="6698960" cy="4800600"/>
           </a:xfrm>
           <a:prstGeom prst="rect">
             <a:avLst/>
@@ -15988,7 +18285,7 @@
           <p:cNvPr id="4" name="Date Placeholder 3">
             <a:extLst>
               <a:ext uri="{FF2B5EF4-FFF2-40B4-BE49-F238E27FC236}">
-                <a16:creationId xmlns:a16="http://schemas.microsoft.com/office/drawing/2014/main" id="{B9C5DF8A-93E9-4756-A0C4-7B11ACCACFFF}"/>
+                <a16:creationId xmlns:a16="http://schemas.microsoft.com/office/drawing/2014/main" id="{F44D2086-C88F-4046-885D-1ABE9B6FA1B8}"/>
               </a:ext>
             </a:extLst>
           </p:cNvPr>
@@ -16020,7 +18317,7 @@
           <p:cNvPr id="5" name="Footer Placeholder 4">
             <a:extLst>
               <a:ext uri="{FF2B5EF4-FFF2-40B4-BE49-F238E27FC236}">
-                <a16:creationId xmlns:a16="http://schemas.microsoft.com/office/drawing/2014/main" id="{686A08C6-D9A5-4755-8705-A9EEC29C9634}"/>
+                <a16:creationId xmlns:a16="http://schemas.microsoft.com/office/drawing/2014/main" id="{A3CFDDDA-7803-4C2D-8E1C-65A0D42DC13C}"/>
               </a:ext>
             </a:extLst>
           </p:cNvPr>
@@ -16052,7 +18349,7 @@
           <p:cNvPr id="6" name="Slide Number Placeholder 5">
             <a:extLst>
               <a:ext uri="{FF2B5EF4-FFF2-40B4-BE49-F238E27FC236}">
-                <a16:creationId xmlns:a16="http://schemas.microsoft.com/office/drawing/2014/main" id="{CFFEAB86-2BFB-4EE2-95D2-3492F927C1C7}"/>
+                <a16:creationId xmlns:a16="http://schemas.microsoft.com/office/drawing/2014/main" id="{BB5BB4CB-D999-4EFC-8BEE-EF2C74C4427A}"/>
               </a:ext>
             </a:extLst>
           </p:cNvPr>
@@ -16109,7 +18406,7 @@
     </p:spTree>
     <p:extLst>
       <p:ext uri="{BB962C8B-B14F-4D97-AF65-F5344CB8AC3E}">
-        <p14:creationId xmlns:p14="http://schemas.microsoft.com/office/powerpoint/2010/main" val="1086391780"/>
+        <p14:creationId xmlns:p14="http://schemas.microsoft.com/office/powerpoint/2010/main" val="1759172397"/>
       </p:ext>
     </p:extLst>
   </p:cSld>
@@ -16141,7 +18438,7 @@
           <p:cNvPr id="2" name="Title 1">
             <a:extLst>
               <a:ext uri="{FF2B5EF4-FFF2-40B4-BE49-F238E27FC236}">
-                <a16:creationId xmlns:a16="http://schemas.microsoft.com/office/drawing/2014/main" id="{209F4D23-C3A4-4D01-8A59-E19A66BCFC33}"/>
+                <a16:creationId xmlns:a16="http://schemas.microsoft.com/office/drawing/2014/main" id="{F4284B43-C463-4B1B-90E9-0EA2400E0E62}"/>
               </a:ext>
             </a:extLst>
           </p:cNvPr>
@@ -16174,45 +18471,37 @@
                 <a:ea typeface="Times New Roman" panose="02020603050405020304" pitchFamily="18" charset="0"/>
                 <a:cs typeface="Times New Roman" panose="02020603050405020304" pitchFamily="18" charset="0"/>
               </a:rPr>
-              <a:t>A static web page </a:t>
-            </a:r>
-            <a:endParaRPr lang="en-US" dirty="0"/>
+              <a:t>How a web server processes a static web page</a:t>
+            </a:r>
           </a:p>
         </p:txBody>
       </p:sp>
       <p:pic>
         <p:nvPicPr>
           <p:cNvPr id="7" name="Content Placeholder 6" descr="See page 6 in book" title="See slide title">
-            <a:hlinkClick r:id="rId2"/>
-            <a:extLst>
-              <a:ext uri="{FF2B5EF4-FFF2-40B4-BE49-F238E27FC236}">
-                <a16:creationId xmlns:a16="http://schemas.microsoft.com/office/drawing/2014/main" id="{A5F98B76-907B-4385-BF0D-FEB112A1DEF6}"/>
+            <a:extLst>
+              <a:ext uri="{FF2B5EF4-FFF2-40B4-BE49-F238E27FC236}">
+                <a16:creationId xmlns:a16="http://schemas.microsoft.com/office/drawing/2014/main" id="{00D09410-4823-41BB-AEB7-EF55FE928E85}"/>
               </a:ext>
             </a:extLst>
           </p:cNvPr>
           <p:cNvPicPr>
-            <a:picLocks noGrp="1"/>
+            <a:picLocks noGrp="1" noChangeAspect="1"/>
           </p:cNvPicPr>
           <p:nvPr>
             <p:ph sz="quarter" idx="13"/>
           </p:nvPr>
         </p:nvPicPr>
         <p:blipFill>
-          <a:blip r:embed="rId3">
-            <a:extLst>
-              <a:ext uri="{28A0092B-C50C-407E-A947-70E740481C1C}">
-                <a14:useLocalDpi xmlns:a14="http://schemas.microsoft.com/office/drawing/2010/main" val="0"/>
-              </a:ext>
-            </a:extLst>
-          </a:blip>
+          <a:blip r:embed="rId2"/>
           <a:stretch>
             <a:fillRect/>
           </a:stretch>
         </p:blipFill>
         <p:spPr>
           <a:xfrm>
-            <a:off x="914400" y="1143000"/>
-            <a:ext cx="6698960" cy="4800600"/>
+            <a:off x="772229" y="1315079"/>
+            <a:ext cx="5628571" cy="1561905"/>
           </a:xfrm>
           <a:prstGeom prst="rect">
             <a:avLst/>
@@ -16224,7 +18513,7 @@
           <p:cNvPr id="4" name="Date Placeholder 3">
             <a:extLst>
               <a:ext uri="{FF2B5EF4-FFF2-40B4-BE49-F238E27FC236}">
-                <a16:creationId xmlns:a16="http://schemas.microsoft.com/office/drawing/2014/main" id="{F44D2086-C88F-4046-885D-1ABE9B6FA1B8}"/>
+                <a16:creationId xmlns:a16="http://schemas.microsoft.com/office/drawing/2014/main" id="{FB7AEBED-D572-44DB-B184-FB141EAE422D}"/>
               </a:ext>
             </a:extLst>
           </p:cNvPr>
@@ -16256,7 +18545,7 @@
           <p:cNvPr id="5" name="Footer Placeholder 4">
             <a:extLst>
               <a:ext uri="{FF2B5EF4-FFF2-40B4-BE49-F238E27FC236}">
-                <a16:creationId xmlns:a16="http://schemas.microsoft.com/office/drawing/2014/main" id="{A3CFDDDA-7803-4C2D-8E1C-65A0D42DC13C}"/>
+                <a16:creationId xmlns:a16="http://schemas.microsoft.com/office/drawing/2014/main" id="{5295F3B6-E8EA-42B0-A97B-5EF36C9F1986}"/>
               </a:ext>
             </a:extLst>
           </p:cNvPr>
@@ -16288,7 +18577,7 @@
           <p:cNvPr id="6" name="Slide Number Placeholder 5">
             <a:extLst>
               <a:ext uri="{FF2B5EF4-FFF2-40B4-BE49-F238E27FC236}">
-                <a16:creationId xmlns:a16="http://schemas.microsoft.com/office/drawing/2014/main" id="{BB5BB4CB-D999-4EFC-8BEE-EF2C74C4427A}"/>
+                <a16:creationId xmlns:a16="http://schemas.microsoft.com/office/drawing/2014/main" id="{CA6F23F0-6FEC-41AD-B970-A57A126D32FC}"/>
               </a:ext>
             </a:extLst>
           </p:cNvPr>
@@ -16345,7 +18634,7 @@
     </p:spTree>
     <p:extLst>
       <p:ext uri="{BB962C8B-B14F-4D97-AF65-F5344CB8AC3E}">
-        <p14:creationId xmlns:p14="http://schemas.microsoft.com/office/powerpoint/2010/main" val="1759172397"/>
+        <p14:creationId xmlns:p14="http://schemas.microsoft.com/office/powerpoint/2010/main" val="341945192"/>
       </p:ext>
     </p:extLst>
   </p:cSld>
@@ -16377,7 +18666,7 @@
           <p:cNvPr id="2" name="Title 1">
             <a:extLst>
               <a:ext uri="{FF2B5EF4-FFF2-40B4-BE49-F238E27FC236}">
-                <a16:creationId xmlns:a16="http://schemas.microsoft.com/office/drawing/2014/main" id="{F4284B43-C463-4B1B-90E9-0EA2400E0E62}"/>
+                <a16:creationId xmlns:a16="http://schemas.microsoft.com/office/drawing/2014/main" id="{5AF0AC9B-2B31-466F-B1F2-55C56FFEB2FE}"/>
               </a:ext>
             </a:extLst>
           </p:cNvPr>
@@ -16410,37 +18699,45 @@
                 <a:ea typeface="Times New Roman" panose="02020603050405020304" pitchFamily="18" charset="0"/>
                 <a:cs typeface="Times New Roman" panose="02020603050405020304" pitchFamily="18" charset="0"/>
               </a:rPr>
-              <a:t>How a web server processes a static web page</a:t>
-            </a:r>
+              <a:t>A dynamic web page at amazon.com</a:t>
+            </a:r>
+            <a:endParaRPr lang="en-US" dirty="0"/>
           </a:p>
         </p:txBody>
       </p:sp>
       <p:pic>
         <p:nvPicPr>
-          <p:cNvPr id="7" name="Content Placeholder 6" descr="See page 6 in book" title="See slide title">
-            <a:extLst>
-              <a:ext uri="{FF2B5EF4-FFF2-40B4-BE49-F238E27FC236}">
-                <a16:creationId xmlns:a16="http://schemas.microsoft.com/office/drawing/2014/main" id="{00D09410-4823-41BB-AEB7-EF55FE928E85}"/>
+          <p:cNvPr id="7" name="Content Placeholder 6" descr="See page 8 in book" title="See slide title">
+            <a:hlinkClick r:id="rId2"/>
+            <a:extLst>
+              <a:ext uri="{FF2B5EF4-FFF2-40B4-BE49-F238E27FC236}">
+                <a16:creationId xmlns:a16="http://schemas.microsoft.com/office/drawing/2014/main" id="{C3E75814-F42A-4F5E-9B24-774D1692E81F}"/>
               </a:ext>
             </a:extLst>
           </p:cNvPr>
           <p:cNvPicPr>
-            <a:picLocks noGrp="1" noChangeAspect="1"/>
+            <a:picLocks noGrp="1"/>
           </p:cNvPicPr>
           <p:nvPr>
             <p:ph sz="quarter" idx="13"/>
           </p:nvPr>
         </p:nvPicPr>
         <p:blipFill>
-          <a:blip r:embed="rId2"/>
+          <a:blip r:embed="rId3">
+            <a:extLst>
+              <a:ext uri="{28A0092B-C50C-407E-A947-70E740481C1C}">
+                <a14:useLocalDpi xmlns:a14="http://schemas.microsoft.com/office/drawing/2010/main" val="0"/>
+              </a:ext>
+            </a:extLst>
+          </a:blip>
           <a:stretch>
             <a:fillRect/>
           </a:stretch>
         </p:blipFill>
         <p:spPr>
           <a:xfrm>
-            <a:off x="772229" y="1315079"/>
-            <a:ext cx="5628571" cy="1561905"/>
+            <a:off x="929536" y="1143000"/>
+            <a:ext cx="7284928" cy="4800600"/>
           </a:xfrm>
           <a:prstGeom prst="rect">
             <a:avLst/>
@@ -16452,7 +18749,7 @@
           <p:cNvPr id="4" name="Date Placeholder 3">
             <a:extLst>
               <a:ext uri="{FF2B5EF4-FFF2-40B4-BE49-F238E27FC236}">
-                <a16:creationId xmlns:a16="http://schemas.microsoft.com/office/drawing/2014/main" id="{FB7AEBED-D572-44DB-B184-FB141EAE422D}"/>
+                <a16:creationId xmlns:a16="http://schemas.microsoft.com/office/drawing/2014/main" id="{4C881E9C-90B9-44C4-ADAD-07B014FCE15B}"/>
               </a:ext>
             </a:extLst>
           </p:cNvPr>
@@ -16484,7 +18781,7 @@
           <p:cNvPr id="5" name="Footer Placeholder 4">
             <a:extLst>
               <a:ext uri="{FF2B5EF4-FFF2-40B4-BE49-F238E27FC236}">
-                <a16:creationId xmlns:a16="http://schemas.microsoft.com/office/drawing/2014/main" id="{5295F3B6-E8EA-42B0-A97B-5EF36C9F1986}"/>
+                <a16:creationId xmlns:a16="http://schemas.microsoft.com/office/drawing/2014/main" id="{F0D9721E-C094-4F05-AEF3-CC486DF03CCD}"/>
               </a:ext>
             </a:extLst>
           </p:cNvPr>
@@ -16516,7 +18813,7 @@
           <p:cNvPr id="6" name="Slide Number Placeholder 5">
             <a:extLst>
               <a:ext uri="{FF2B5EF4-FFF2-40B4-BE49-F238E27FC236}">
-                <a16:creationId xmlns:a16="http://schemas.microsoft.com/office/drawing/2014/main" id="{CA6F23F0-6FEC-41AD-B970-A57A126D32FC}"/>
+                <a16:creationId xmlns:a16="http://schemas.microsoft.com/office/drawing/2014/main" id="{7F97C5F2-B3E4-4B60-BA10-6241696D0EA4}"/>
               </a:ext>
             </a:extLst>
           </p:cNvPr>
@@ -16573,7 +18870,7 @@
     </p:spTree>
     <p:extLst>
       <p:ext uri="{BB962C8B-B14F-4D97-AF65-F5344CB8AC3E}">
-        <p14:creationId xmlns:p14="http://schemas.microsoft.com/office/powerpoint/2010/main" val="341945192"/>
+        <p14:creationId xmlns:p14="http://schemas.microsoft.com/office/powerpoint/2010/main" val="2190996535"/>
       </p:ext>
     </p:extLst>
   </p:cSld>
@@ -16605,7 +18902,7 @@
           <p:cNvPr id="2" name="Title 1">
             <a:extLst>
               <a:ext uri="{FF2B5EF4-FFF2-40B4-BE49-F238E27FC236}">
-                <a16:creationId xmlns:a16="http://schemas.microsoft.com/office/drawing/2014/main" id="{5AF0AC9B-2B31-466F-B1F2-55C56FFEB2FE}"/>
+                <a16:creationId xmlns:a16="http://schemas.microsoft.com/office/drawing/2014/main" id="{32E1A74A-F7E6-47A3-A8AE-3EDB33EB04E1}"/>
               </a:ext>
             </a:extLst>
           </p:cNvPr>
@@ -16638,7 +18935,7 @@
                 <a:ea typeface="Times New Roman" panose="02020603050405020304" pitchFamily="18" charset="0"/>
                 <a:cs typeface="Times New Roman" panose="02020603050405020304" pitchFamily="18" charset="0"/>
               </a:rPr>
-              <a:t>A dynamic web page at amazon.com</a:t>
+              <a:t>How a web server processes a dynamic web page</a:t>
             </a:r>
             <a:endParaRPr lang="en-US" dirty="0"/>
           </a:p>
@@ -16647,36 +18944,29 @@
       <p:pic>
         <p:nvPicPr>
           <p:cNvPr id="7" name="Content Placeholder 6" descr="See page 8 in book" title="See slide title">
-            <a:hlinkClick r:id="rId2"/>
-            <a:extLst>
-              <a:ext uri="{FF2B5EF4-FFF2-40B4-BE49-F238E27FC236}">
-                <a16:creationId xmlns:a16="http://schemas.microsoft.com/office/drawing/2014/main" id="{C3E75814-F42A-4F5E-9B24-774D1692E81F}"/>
+            <a:extLst>
+              <a:ext uri="{FF2B5EF4-FFF2-40B4-BE49-F238E27FC236}">
+                <a16:creationId xmlns:a16="http://schemas.microsoft.com/office/drawing/2014/main" id="{802F656A-7F87-40BE-BCE8-B3108D098157}"/>
               </a:ext>
             </a:extLst>
           </p:cNvPr>
           <p:cNvPicPr>
-            <a:picLocks noGrp="1"/>
+            <a:picLocks noGrp="1" noChangeAspect="1"/>
           </p:cNvPicPr>
           <p:nvPr>
             <p:ph sz="quarter" idx="13"/>
           </p:nvPr>
         </p:nvPicPr>
         <p:blipFill>
-          <a:blip r:embed="rId3">
-            <a:extLst>
-              <a:ext uri="{28A0092B-C50C-407E-A947-70E740481C1C}">
-                <a14:useLocalDpi xmlns:a14="http://schemas.microsoft.com/office/drawing/2010/main" val="0"/>
-              </a:ext>
-            </a:extLst>
-          </a:blip>
+          <a:blip r:embed="rId2"/>
           <a:stretch>
             <a:fillRect/>
           </a:stretch>
         </p:blipFill>
         <p:spPr>
           <a:xfrm>
-            <a:off x="929536" y="1143000"/>
-            <a:ext cx="7284928" cy="4800600"/>
+            <a:off x="762000" y="1295400"/>
+            <a:ext cx="6361905" cy="1333333"/>
           </a:xfrm>
           <a:prstGeom prst="rect">
             <a:avLst/>
@@ -16688,7 +18978,7 @@
           <p:cNvPr id="4" name="Date Placeholder 3">
             <a:extLst>
               <a:ext uri="{FF2B5EF4-FFF2-40B4-BE49-F238E27FC236}">
-                <a16:creationId xmlns:a16="http://schemas.microsoft.com/office/drawing/2014/main" id="{4C881E9C-90B9-44C4-ADAD-07B014FCE15B}"/>
+                <a16:creationId xmlns:a16="http://schemas.microsoft.com/office/drawing/2014/main" id="{1D392B26-0D9F-4E9E-8AAE-4A96996DB765}"/>
               </a:ext>
             </a:extLst>
           </p:cNvPr>
@@ -16720,7 +19010,7 @@
           <p:cNvPr id="5" name="Footer Placeholder 4">
             <a:extLst>
               <a:ext uri="{FF2B5EF4-FFF2-40B4-BE49-F238E27FC236}">
-                <a16:creationId xmlns:a16="http://schemas.microsoft.com/office/drawing/2014/main" id="{F0D9721E-C094-4F05-AEF3-CC486DF03CCD}"/>
+                <a16:creationId xmlns:a16="http://schemas.microsoft.com/office/drawing/2014/main" id="{3544C6F7-BD4F-4386-B30D-B60FCC91A15F}"/>
               </a:ext>
             </a:extLst>
           </p:cNvPr>
@@ -16752,7 +19042,7 @@
           <p:cNvPr id="6" name="Slide Number Placeholder 5">
             <a:extLst>
               <a:ext uri="{FF2B5EF4-FFF2-40B4-BE49-F238E27FC236}">
-                <a16:creationId xmlns:a16="http://schemas.microsoft.com/office/drawing/2014/main" id="{7F97C5F2-B3E4-4B60-BA10-6241696D0EA4}"/>
+                <a16:creationId xmlns:a16="http://schemas.microsoft.com/office/drawing/2014/main" id="{2CC36E6C-3990-4516-8A19-CC92ADE36B19}"/>
               </a:ext>
             </a:extLst>
           </p:cNvPr>
@@ -16809,7 +19099,7 @@
     </p:spTree>
     <p:extLst>
       <p:ext uri="{BB962C8B-B14F-4D97-AF65-F5344CB8AC3E}">
-        <p14:creationId xmlns:p14="http://schemas.microsoft.com/office/powerpoint/2010/main" val="2190996535"/>
+        <p14:creationId xmlns:p14="http://schemas.microsoft.com/office/powerpoint/2010/main" val="1525016130"/>
       </p:ext>
     </p:extLst>
   </p:cSld>

--- a/murach_html_4e/slides/Chapter 1 slides (Revised).pptx
+++ b/murach_html_4e/slides/Chapter 1 slides (Revised).pptx
@@ -5,10 +5,10 @@
     <p:sldMasterId id="2147483673" r:id="rId1"/>
   </p:sldMasterIdLst>
   <p:notesMasterIdLst>
-    <p:notesMasterId r:id="rId46"/>
+    <p:notesMasterId r:id="rId47"/>
   </p:notesMasterIdLst>
   <p:handoutMasterIdLst>
-    <p:handoutMasterId r:id="rId47"/>
+    <p:handoutMasterId r:id="rId48"/>
   </p:handoutMasterIdLst>
   <p:sldIdLst>
     <p:sldId id="256" r:id="rId2"/>
@@ -55,6 +55,7 @@
     <p:sldId id="294" r:id="rId43"/>
     <p:sldId id="301" r:id="rId44"/>
     <p:sldId id="302" r:id="rId45"/>
+    <p:sldId id="304" r:id="rId46"/>
   </p:sldIdLst>
   <p:sldSz cx="9144000" cy="6858000" type="screen4x3"/>
   <p:notesSz cx="7010400" cy="9296400"/>
@@ -373,7 +374,7 @@
               <a:pPr>
                 <a:defRPr/>
               </a:pPr>
-              <a:t>5/27/2020</a:t>
+              <a:t>5/28/2020</a:t>
             </a:fld>
             <a:endParaRPr lang="en-US"/>
           </a:p>
@@ -10244,15 +10245,15 @@
         </p:nvSpPr>
         <p:spPr>
           <a:xfrm>
-            <a:off x="6096000" y="5805100"/>
-            <a:ext cx="2818400" cy="276999"/>
+            <a:off x="4836379" y="5786735"/>
+            <a:ext cx="4078019" cy="276999"/>
           </a:xfrm>
           <a:prstGeom prst="rect">
             <a:avLst/>
           </a:prstGeom>
         </p:spPr>
         <p:txBody>
-          <a:bodyPr wrap="none">
+          <a:bodyPr wrap="square">
             <a:spAutoFit/>
           </a:bodyPr>
           <a:lstStyle/>
@@ -13066,7 +13067,7 @@
         </p:blipFill>
         <p:spPr>
           <a:xfrm>
-            <a:off x="5791200" y="3075125"/>
+            <a:off x="3447595" y="3061672"/>
             <a:ext cx="3181805" cy="2986431"/>
           </a:xfrm>
           <a:prstGeom prst="rect">
@@ -13088,7 +13089,7 @@
         </p:nvSpPr>
         <p:spPr bwMode="auto">
           <a:xfrm>
-            <a:off x="6172200" y="5334000"/>
+            <a:off x="3857397" y="5334000"/>
             <a:ext cx="2362200" cy="228600"/>
           </a:xfrm>
           <a:prstGeom prst="rect">
@@ -13451,7 +13452,7 @@
         </p:blipFill>
         <p:spPr>
           <a:xfrm>
-            <a:off x="2362200" y="2118055"/>
+            <a:off x="914400" y="1963479"/>
             <a:ext cx="6172200" cy="3827721"/>
           </a:xfrm>
           <a:prstGeom prst="rect">
@@ -13473,7 +13474,7 @@
         </p:nvSpPr>
         <p:spPr bwMode="auto">
           <a:xfrm>
-            <a:off x="2514600" y="4572000"/>
+            <a:off x="1066800" y="4417424"/>
             <a:ext cx="6019800" cy="914400"/>
           </a:xfrm>
           <a:prstGeom prst="rect">
@@ -13628,7 +13629,6 @@
               <a:buChar char="•"/>
             </a:pPr>
             <a:endParaRPr lang="en-US" sz="2000" b="1">
-              <a:latin typeface="Times New Roman" panose="02020603050405020304" pitchFamily="18" charset="0"/>
               <a:cs typeface="Times New Roman" panose="02020603050405020304" pitchFamily="18" charset="0"/>
             </a:endParaRPr>
           </a:p>
@@ -13639,13 +13639,11 @@
             </a:pPr>
             <a:r>
               <a:rPr lang="en-US" sz="2000" b="1">
-                <a:latin typeface="Times New Roman" panose="02020603050405020304" pitchFamily="18" charset="0"/>
                 <a:cs typeface="Times New Roman" panose="02020603050405020304" pitchFamily="18" charset="0"/>
               </a:rPr>
               <a:t>Usability</a:t>
             </a:r>
             <a:endParaRPr lang="en-US" sz="2000" b="1" dirty="0">
-              <a:latin typeface="Times New Roman" panose="02020603050405020304" pitchFamily="18" charset="0"/>
               <a:cs typeface="Times New Roman" panose="02020603050405020304" pitchFamily="18" charset="0"/>
             </a:endParaRPr>
           </a:p>
@@ -13655,7 +13653,6 @@
               <a:buChar char="•"/>
             </a:pPr>
             <a:endParaRPr lang="en-US" sz="2000" b="1">
-              <a:latin typeface="Times New Roman" panose="02020603050405020304" pitchFamily="18" charset="0"/>
               <a:cs typeface="Times New Roman" panose="02020603050405020304" pitchFamily="18" charset="0"/>
             </a:endParaRPr>
           </a:p>
@@ -13666,14 +13663,12 @@
             </a:pPr>
             <a:r>
               <a:rPr lang="en-US" sz="2000" b="1">
-                <a:latin typeface="Times New Roman" panose="02020603050405020304" pitchFamily="18" charset="0"/>
                 <a:cs typeface="Times New Roman" panose="02020603050405020304" pitchFamily="18" charset="0"/>
               </a:rPr>
               <a:t>Cross-browser </a:t>
             </a:r>
             <a:r>
               <a:rPr lang="en-US" sz="2000" b="1" dirty="0">
-                <a:latin typeface="Times New Roman" panose="02020603050405020304" pitchFamily="18" charset="0"/>
                 <a:cs typeface="Times New Roman" panose="02020603050405020304" pitchFamily="18" charset="0"/>
               </a:rPr>
               <a:t>Compatibility</a:t>
@@ -13685,7 +13680,6 @@
               <a:buChar char="•"/>
             </a:pPr>
             <a:endParaRPr lang="en-US" sz="2000" b="1">
-              <a:latin typeface="Times New Roman" panose="02020603050405020304" pitchFamily="18" charset="0"/>
               <a:cs typeface="Times New Roman" panose="02020603050405020304" pitchFamily="18" charset="0"/>
             </a:endParaRPr>
           </a:p>
@@ -13696,13 +13690,11 @@
             </a:pPr>
             <a:r>
               <a:rPr lang="en-US" sz="2000" b="1">
-                <a:latin typeface="Times New Roman" panose="02020603050405020304" pitchFamily="18" charset="0"/>
                 <a:cs typeface="Times New Roman" panose="02020603050405020304" pitchFamily="18" charset="0"/>
               </a:rPr>
               <a:t>Accessibility</a:t>
             </a:r>
             <a:endParaRPr lang="en-US" sz="2000" b="1" dirty="0">
-              <a:latin typeface="Times New Roman" panose="02020603050405020304" pitchFamily="18" charset="0"/>
               <a:cs typeface="Times New Roman" panose="02020603050405020304" pitchFamily="18" charset="0"/>
             </a:endParaRPr>
           </a:p>
@@ -13712,7 +13704,6 @@
               <a:buChar char="•"/>
             </a:pPr>
             <a:endParaRPr lang="en-US" sz="2000" b="1">
-              <a:latin typeface="Times New Roman" panose="02020603050405020304" pitchFamily="18" charset="0"/>
               <a:cs typeface="Times New Roman" panose="02020603050405020304" pitchFamily="18" charset="0"/>
             </a:endParaRPr>
           </a:p>
@@ -13723,14 +13714,12 @@
             </a:pPr>
             <a:r>
               <a:rPr lang="en-US" sz="2000" b="1">
-                <a:latin typeface="Times New Roman" panose="02020603050405020304" pitchFamily="18" charset="0"/>
                 <a:cs typeface="Times New Roman" panose="02020603050405020304" pitchFamily="18" charset="0"/>
               </a:rPr>
               <a:t>Search </a:t>
             </a:r>
             <a:r>
               <a:rPr lang="en-US" sz="2000" b="1" dirty="0">
-                <a:latin typeface="Times New Roman" panose="02020603050405020304" pitchFamily="18" charset="0"/>
                 <a:cs typeface="Times New Roman" panose="02020603050405020304" pitchFamily="18" charset="0"/>
               </a:rPr>
               <a:t>Engine Optimization</a:t>
@@ -13742,7 +13731,6 @@
               <a:buChar char="•"/>
             </a:pPr>
             <a:endParaRPr lang="en-US" sz="2000" b="1">
-              <a:latin typeface="Times New Roman" panose="02020603050405020304" pitchFamily="18" charset="0"/>
               <a:cs typeface="Times New Roman" panose="02020603050405020304" pitchFamily="18" charset="0"/>
             </a:endParaRPr>
           </a:p>
@@ -13753,14 +13741,12 @@
             </a:pPr>
             <a:r>
               <a:rPr lang="en-US" sz="2000" b="1">
-                <a:latin typeface="Times New Roman" panose="02020603050405020304" pitchFamily="18" charset="0"/>
                 <a:cs typeface="Times New Roman" panose="02020603050405020304" pitchFamily="18" charset="0"/>
               </a:rPr>
               <a:t>Responsive </a:t>
             </a:r>
             <a:r>
               <a:rPr lang="en-US" sz="2000" b="1" dirty="0">
-                <a:latin typeface="Times New Roman" panose="02020603050405020304" pitchFamily="18" charset="0"/>
                 <a:cs typeface="Times New Roman" panose="02020603050405020304" pitchFamily="18" charset="0"/>
               </a:rPr>
               <a:t>Web Design</a:t>
@@ -17942,6 +17928,244 @@
     <p:extLst>
       <p:ext uri="{BB962C8B-B14F-4D97-AF65-F5344CB8AC3E}">
         <p14:creationId xmlns:p14="http://schemas.microsoft.com/office/powerpoint/2010/main" val="3736116953"/>
+      </p:ext>
+    </p:extLst>
+  </p:cSld>
+  <p:clrMapOvr>
+    <a:masterClrMapping/>
+  </p:clrMapOvr>
+</p:sld>
+</file>
+
+<file path=ppt/slides/slide45.xml><?xml version="1.0" encoding="utf-8"?>
+<p:sld xmlns:a="http://schemas.openxmlformats.org/drawingml/2006/main" xmlns:r="http://schemas.openxmlformats.org/officeDocument/2006/relationships" xmlns:p="http://schemas.openxmlformats.org/presentationml/2006/main">
+  <p:cSld>
+    <p:spTree>
+      <p:nvGrpSpPr>
+        <p:cNvPr id="1" name=""/>
+        <p:cNvGrpSpPr/>
+        <p:nvPr/>
+      </p:nvGrpSpPr>
+      <p:grpSpPr>
+        <a:xfrm>
+          <a:off x="0" y="0"/>
+          <a:ext cx="0" cy="0"/>
+          <a:chOff x="0" y="0"/>
+          <a:chExt cx="0" cy="0"/>
+        </a:xfrm>
+      </p:grpSpPr>
+      <p:sp>
+        <p:nvSpPr>
+          <p:cNvPr id="2" name="Title 1">
+            <a:extLst>
+              <a:ext uri="{FF2B5EF4-FFF2-40B4-BE49-F238E27FC236}">
+                <a16:creationId xmlns:a16="http://schemas.microsoft.com/office/drawing/2014/main" id="{ED7252AE-FA2E-4E58-B391-A15BE3EEC3E1}"/>
+              </a:ext>
+            </a:extLst>
+          </p:cNvPr>
+          <p:cNvSpPr>
+            <a:spLocks noGrp="1"/>
+          </p:cNvSpPr>
+          <p:nvPr>
+            <p:ph type="title"/>
+          </p:nvPr>
+        </p:nvSpPr>
+        <p:spPr/>
+        <p:txBody>
+          <a:bodyPr/>
+          <a:lstStyle/>
+          <a:p>
+            <a:pPr marL="0" marR="0">
+              <a:spcBef>
+                <a:spcPts val="0"/>
+              </a:spcBef>
+              <a:spcAft>
+                <a:spcPts val="600"/>
+              </a:spcAft>
+              <a:tabLst>
+                <a:tab pos="1371600" algn="l"/>
+              </a:tabLst>
+            </a:pPr>
+            <a:r>
+              <a:rPr lang="en-US">
+                <a:latin typeface="Arial" panose="020B0604020202020204" pitchFamily="34" charset="0"/>
+                <a:ea typeface="Times New Roman" panose="02020603050405020304" pitchFamily="18" charset="0"/>
+                <a:cs typeface="Times New Roman" panose="02020603050405020304" pitchFamily="18" charset="0"/>
+              </a:rPr>
+              <a:t>Assignments</a:t>
+            </a:r>
+            <a:endParaRPr lang="en-US" dirty="0"/>
+          </a:p>
+        </p:txBody>
+      </p:sp>
+      <p:sp>
+        <p:nvSpPr>
+          <p:cNvPr id="3" name="Text Placeholder 2">
+            <a:extLst>
+              <a:ext uri="{FF2B5EF4-FFF2-40B4-BE49-F238E27FC236}">
+                <a16:creationId xmlns:a16="http://schemas.microsoft.com/office/drawing/2014/main" id="{A5EF7789-4C3D-477D-B4CF-99DF20746072}"/>
+              </a:ext>
+            </a:extLst>
+          </p:cNvPr>
+          <p:cNvSpPr>
+            <a:spLocks noGrp="1"/>
+          </p:cNvSpPr>
+          <p:nvPr>
+            <p:ph type="body" sz="quarter" idx="13"/>
+          </p:nvPr>
+        </p:nvSpPr>
+        <p:spPr/>
+        <p:txBody>
+          <a:bodyPr anchor="ctr"/>
+          <a:lstStyle/>
+          <a:p>
+            <a:pPr algn="ctr"/>
+            <a:r>
+              <a:rPr lang="en-US" sz="3200"/>
+              <a:t>Reading assignments on Perusall</a:t>
+            </a:r>
+          </a:p>
+          <a:p>
+            <a:pPr algn="ctr"/>
+            <a:endParaRPr lang="en-US" sz="3200"/>
+          </a:p>
+          <a:p>
+            <a:pPr algn="ctr"/>
+            <a:r>
+              <a:rPr lang="en-US" sz="3200"/>
+              <a:t>Homework and Labs on InsideRanken</a:t>
+            </a:r>
+            <a:endParaRPr lang="en-US" sz="3200" dirty="0"/>
+          </a:p>
+        </p:txBody>
+      </p:sp>
+      <p:sp>
+        <p:nvSpPr>
+          <p:cNvPr id="4" name="Date Placeholder 3">
+            <a:extLst>
+              <a:ext uri="{FF2B5EF4-FFF2-40B4-BE49-F238E27FC236}">
+                <a16:creationId xmlns:a16="http://schemas.microsoft.com/office/drawing/2014/main" id="{81473463-BB85-42FA-8837-C86737525827}"/>
+              </a:ext>
+            </a:extLst>
+          </p:cNvPr>
+          <p:cNvSpPr>
+            <a:spLocks noGrp="1"/>
+          </p:cNvSpPr>
+          <p:nvPr>
+            <p:ph type="dt" sz="half" idx="14"/>
+          </p:nvPr>
+        </p:nvSpPr>
+        <p:spPr/>
+        <p:txBody>
+          <a:bodyPr/>
+          <a:lstStyle/>
+          <a:p>
+            <a:pPr>
+              <a:defRPr/>
+            </a:pPr>
+            <a:r>
+              <a:rPr lang="en-US"/>
+              <a:t>Murach's HTML and CSS, 4th Edition</a:t>
+            </a:r>
+            <a:endParaRPr lang="en-US" dirty="0"/>
+          </a:p>
+        </p:txBody>
+      </p:sp>
+      <p:sp>
+        <p:nvSpPr>
+          <p:cNvPr id="5" name="Footer Placeholder 4">
+            <a:extLst>
+              <a:ext uri="{FF2B5EF4-FFF2-40B4-BE49-F238E27FC236}">
+                <a16:creationId xmlns:a16="http://schemas.microsoft.com/office/drawing/2014/main" id="{18C45EC9-CFAA-4E64-AB28-567C018826E3}"/>
+              </a:ext>
+            </a:extLst>
+          </p:cNvPr>
+          <p:cNvSpPr>
+            <a:spLocks noGrp="1"/>
+          </p:cNvSpPr>
+          <p:nvPr>
+            <p:ph type="ftr" sz="quarter" idx="15"/>
+          </p:nvPr>
+        </p:nvSpPr>
+        <p:spPr/>
+        <p:txBody>
+          <a:bodyPr/>
+          <a:lstStyle/>
+          <a:p>
+            <a:pPr>
+              <a:defRPr/>
+            </a:pPr>
+            <a:r>
+              <a:rPr lang="en-US"/>
+              <a:t>© 2018, Mike Murach &amp; Associates, Inc.</a:t>
+            </a:r>
+            <a:endParaRPr lang="en-US" dirty="0"/>
+          </a:p>
+        </p:txBody>
+      </p:sp>
+      <p:sp>
+        <p:nvSpPr>
+          <p:cNvPr id="6" name="Slide Number Placeholder 5">
+            <a:extLst>
+              <a:ext uri="{FF2B5EF4-FFF2-40B4-BE49-F238E27FC236}">
+                <a16:creationId xmlns:a16="http://schemas.microsoft.com/office/drawing/2014/main" id="{D54283AA-0BB0-4D43-B198-DEEA3857E135}"/>
+              </a:ext>
+            </a:extLst>
+          </p:cNvPr>
+          <p:cNvSpPr>
+            <a:spLocks noGrp="1"/>
+          </p:cNvSpPr>
+          <p:nvPr>
+            <p:ph type="sldNum" sz="quarter" idx="16"/>
+          </p:nvPr>
+        </p:nvSpPr>
+        <p:spPr/>
+        <p:txBody>
+          <a:bodyPr/>
+          <a:lstStyle/>
+          <a:p>
+            <a:pPr algn="l">
+              <a:defRPr/>
+            </a:pPr>
+            <a:endParaRPr lang="en-US" sz="1400" dirty="0">
+              <a:latin typeface="Times New Roman"/>
+            </a:endParaRPr>
+          </a:p>
+          <a:p>
+            <a:pPr>
+              <a:defRPr/>
+            </a:pPr>
+            <a:r>
+              <a:rPr lang="en-US" dirty="0">
+                <a:solidFill>
+                  <a:schemeClr val="bg1"/>
+                </a:solidFill>
+              </a:rPr>
+              <a:t>C1, Slide </a:t>
+            </a:r>
+            <a:fld id="{BF5C1183-B085-4070-A402-C03A3F977D3D}" type="slidenum">
+              <a:rPr lang="en-US" smtClean="0">
+                <a:solidFill>
+                  <a:schemeClr val="bg1"/>
+                </a:solidFill>
+              </a:rPr>
+              <a:pPr>
+                <a:defRPr/>
+              </a:pPr>
+              <a:t>45</a:t>
+            </a:fld>
+            <a:endParaRPr lang="en-US" dirty="0">
+              <a:solidFill>
+                <a:schemeClr val="bg1"/>
+              </a:solidFill>
+            </a:endParaRPr>
+          </a:p>
+        </p:txBody>
+      </p:sp>
+    </p:spTree>
+    <p:extLst>
+      <p:ext uri="{BB962C8B-B14F-4D97-AF65-F5344CB8AC3E}">
+        <p14:creationId xmlns:p14="http://schemas.microsoft.com/office/powerpoint/2010/main" val="1776199089"/>
       </p:ext>
     </p:extLst>
   </p:cSld>

--- a/murach_html_4e/slides/Chapter 1 slides (Revised).pptx
+++ b/murach_html_4e/slides/Chapter 1 slides (Revised).pptx
@@ -374,7 +374,7 @@
               <a:pPr>
                 <a:defRPr/>
               </a:pPr>
-              <a:t>5/28/2020</a:t>
+              <a:t>6/16/2020</a:t>
             </a:fld>
             <a:endParaRPr lang="en-US"/>
           </a:p>
@@ -3590,7 +3590,12 @@
             <p:ph type="body" sz="quarter" idx="13"/>
           </p:nvPr>
         </p:nvSpPr>
-        <p:spPr/>
+        <p:spPr>
+          <a:xfrm>
+            <a:off x="0" y="2209800"/>
+            <a:ext cx="9144000" cy="2971800"/>
+          </a:xfrm>
+        </p:spPr>
         <p:txBody>
           <a:bodyPr/>
           <a:lstStyle/>
@@ -3607,7 +3612,7 @@
               </a:tabLst>
             </a:pPr>
             <a:r>
-              <a:rPr lang="en-US" dirty="0">
+              <a:rPr lang="en-US">
                 <a:solidFill>
                   <a:srgbClr val="000000"/>
                 </a:solidFill>
@@ -3615,8 +3620,40 @@
                 <a:ea typeface="Times New Roman" panose="02020603050405020304" pitchFamily="18" charset="0"/>
                 <a:cs typeface="Times New Roman" panose="02020603050405020304" pitchFamily="18" charset="0"/>
               </a:rPr>
-              <a:t>Introduction to web development</a:t>
-            </a:r>
+              <a:t>Introduction to</a:t>
+            </a:r>
+          </a:p>
+          <a:p>
+            <a:pPr>
+              <a:spcBef>
+                <a:spcPts val="2400"/>
+              </a:spcBef>
+              <a:spcAft>
+                <a:spcPts val="600"/>
+              </a:spcAft>
+              <a:tabLst>
+                <a:tab pos="1371600" algn="l"/>
+              </a:tabLst>
+            </a:pPr>
+            <a:r>
+              <a:rPr lang="en-US">
+                <a:solidFill>
+                  <a:srgbClr val="000000"/>
+                </a:solidFill>
+                <a:latin typeface="Arial" panose="020B0604020202020204" pitchFamily="34" charset="0"/>
+                <a:ea typeface="Times New Roman" panose="02020603050405020304" pitchFamily="18" charset="0"/>
+                <a:cs typeface="Times New Roman" panose="02020603050405020304" pitchFamily="18" charset="0"/>
+              </a:rPr>
+              <a:t>Web Development</a:t>
+            </a:r>
+            <a:endParaRPr lang="en-US" dirty="0">
+              <a:solidFill>
+                <a:srgbClr val="000000"/>
+              </a:solidFill>
+              <a:latin typeface="Arial" panose="020B0604020202020204" pitchFamily="34" charset="0"/>
+              <a:ea typeface="Times New Roman" panose="02020603050405020304" pitchFamily="18" charset="0"/>
+              <a:cs typeface="Times New Roman" panose="02020603050405020304" pitchFamily="18" charset="0"/>
+            </a:endParaRPr>
           </a:p>
           <a:p>
             <a:endParaRPr lang="en-US" dirty="0"/>
